--- a/Oral/Présentation_Eq11.pptx
+++ b/Oral/Présentation_Eq11.pptx
@@ -8,14 +8,20 @@
     <p:sldId id="256" r:id="rId2"/>
     <p:sldId id="257" r:id="rId3"/>
     <p:sldId id="258" r:id="rId4"/>
-    <p:sldId id="259" r:id="rId5"/>
-    <p:sldId id="260" r:id="rId6"/>
-    <p:sldId id="261" r:id="rId7"/>
-    <p:sldId id="262" r:id="rId8"/>
-    <p:sldId id="263" r:id="rId9"/>
-    <p:sldId id="264" r:id="rId10"/>
-    <p:sldId id="265" r:id="rId11"/>
-    <p:sldId id="266" r:id="rId12"/>
+    <p:sldId id="272" r:id="rId5"/>
+    <p:sldId id="259" r:id="rId6"/>
+    <p:sldId id="260" r:id="rId7"/>
+    <p:sldId id="261" r:id="rId8"/>
+    <p:sldId id="262" r:id="rId9"/>
+    <p:sldId id="263" r:id="rId10"/>
+    <p:sldId id="264" r:id="rId11"/>
+    <p:sldId id="265" r:id="rId12"/>
+    <p:sldId id="266" r:id="rId13"/>
+    <p:sldId id="267" r:id="rId14"/>
+    <p:sldId id="268" r:id="rId15"/>
+    <p:sldId id="269" r:id="rId16"/>
+    <p:sldId id="270" r:id="rId17"/>
+    <p:sldId id="271" r:id="rId18"/>
   </p:sldIdLst>
   <p:sldSz cx="12192000" cy="6858000"/>
   <p:notesSz cx="6858000" cy="9144000"/>
@@ -122,6 +128,7 @@
             <p14:sldId id="256"/>
             <p14:sldId id="257"/>
             <p14:sldId id="258"/>
+            <p14:sldId id="272"/>
             <p14:sldId id="259"/>
             <p14:sldId id="260"/>
           </p14:sldIdLst>
@@ -142,9 +149,25 @@
         <p14:section name="Section 5 : Résultats et analyse préliminaires" id="{E795ED72-D092-4F69-9F95-C3F05AC37133}">
           <p14:sldIdLst>
             <p14:sldId id="266"/>
+            <p14:sldId id="267"/>
+            <p14:sldId id="268"/>
+          </p14:sldIdLst>
+        </p14:section>
+        <p14:section name="Sections 6 : Conclusion et améliorations" id="{78D50EFC-F57B-4444-863A-17BC05BE590C}">
+          <p14:sldIdLst>
+            <p14:sldId id="269"/>
+            <p14:sldId id="270"/>
+          </p14:sldIdLst>
+        </p14:section>
+        <p14:section name="Référence" id="{53E0AF86-4725-481A-ACC5-3479488F6FD0}">
+          <p14:sldIdLst>
+            <p14:sldId id="271"/>
           </p14:sldIdLst>
         </p14:section>
       </p14:sectionLst>
+    </p:ext>
+    <p:ext uri="{EFAFB233-063F-42B5-8137-9DF3F51BA10A}">
+      <p15:sldGuideLst xmlns:p15="http://schemas.microsoft.com/office/powerpoint/2012/main"/>
     </p:ext>
   </p:extLst>
 </p:presentation>
@@ -896,7 +919,7 @@
             <a:fld id="{B61BEF0D-F0BB-DE4B-95CE-6DB70DBA9567}" type="datetimeFigureOut">
               <a:rPr lang="en-US" dirty="0"/>
               <a:pPr/>
-              <a:t>4/7/2020</a:t>
+              <a:t>4/8/2020</a:t>
             </a:fld>
             <a:endParaRPr lang="en-US" dirty="0"/>
           </a:p>
@@ -1144,7 +1167,7 @@
             <a:fld id="{B61BEF0D-F0BB-DE4B-95CE-6DB70DBA9567}" type="datetimeFigureOut">
               <a:rPr lang="en-US" dirty="0"/>
               <a:pPr/>
-              <a:t>4/7/2020</a:t>
+              <a:t>4/8/2020</a:t>
             </a:fld>
             <a:endParaRPr lang="en-US" dirty="0"/>
           </a:p>
@@ -1455,7 +1478,7 @@
             <a:fld id="{B61BEF0D-F0BB-DE4B-95CE-6DB70DBA9567}" type="datetimeFigureOut">
               <a:rPr lang="en-US" dirty="0"/>
               <a:pPr/>
-              <a:t>4/7/2020</a:t>
+              <a:t>4/8/2020</a:t>
             </a:fld>
             <a:endParaRPr lang="en-US" dirty="0"/>
           </a:p>
@@ -1785,7 +1808,7 @@
             <a:fld id="{B61BEF0D-F0BB-DE4B-95CE-6DB70DBA9567}" type="datetimeFigureOut">
               <a:rPr lang="en-US" dirty="0"/>
               <a:pPr/>
-              <a:t>4/7/2020</a:t>
+              <a:t>4/8/2020</a:t>
             </a:fld>
             <a:endParaRPr lang="en-US" dirty="0"/>
           </a:p>
@@ -2096,7 +2119,7 @@
             <a:fld id="{B61BEF0D-F0BB-DE4B-95CE-6DB70DBA9567}" type="datetimeFigureOut">
               <a:rPr lang="en-US" dirty="0"/>
               <a:pPr/>
-              <a:t>4/7/2020</a:t>
+              <a:t>4/8/2020</a:t>
             </a:fld>
             <a:endParaRPr lang="en-US" dirty="0"/>
           </a:p>
@@ -2486,7 +2509,7 @@
             <a:fld id="{B61BEF0D-F0BB-DE4B-95CE-6DB70DBA9567}" type="datetimeFigureOut">
               <a:rPr lang="en-US" dirty="0"/>
               <a:pPr/>
-              <a:t>4/7/2020</a:t>
+              <a:t>4/8/2020</a:t>
             </a:fld>
             <a:endParaRPr lang="en-US" dirty="0"/>
           </a:p>
@@ -2652,7 +2675,7 @@
           <a:p>
             <a:fld id="{55C6B4A9-1611-4792-9094-5F34BCA07E0B}" type="datetimeFigureOut">
               <a:rPr lang="en-US" dirty="0"/>
-              <a:t>4/7/2020</a:t>
+              <a:t>4/8/2020</a:t>
             </a:fld>
             <a:endParaRPr lang="en-US" dirty="0"/>
           </a:p>
@@ -2828,7 +2851,7 @@
             <a:fld id="{B61BEF0D-F0BB-DE4B-95CE-6DB70DBA9567}" type="datetimeFigureOut">
               <a:rPr lang="en-US" dirty="0"/>
               <a:pPr/>
-              <a:t>4/7/2020</a:t>
+              <a:t>4/8/2020</a:t>
             </a:fld>
             <a:endParaRPr lang="en-US" dirty="0"/>
           </a:p>
@@ -2994,7 +3017,7 @@
           <a:p>
             <a:fld id="{42A54C80-263E-416B-A8E0-580EDEADCBDC}" type="datetimeFigureOut">
               <a:rPr lang="en-US" dirty="0"/>
-              <a:t>4/7/2020</a:t>
+              <a:t>4/8/2020</a:t>
             </a:fld>
             <a:endParaRPr lang="en-US" dirty="0"/>
           </a:p>
@@ -3237,7 +3260,7 @@
             <a:fld id="{B61BEF0D-F0BB-DE4B-95CE-6DB70DBA9567}" type="datetimeFigureOut">
               <a:rPr lang="en-US" dirty="0"/>
               <a:pPr/>
-              <a:t>4/7/2020</a:t>
+              <a:t>4/8/2020</a:t>
             </a:fld>
             <a:endParaRPr lang="en-US" dirty="0"/>
           </a:p>
@@ -3465,7 +3488,7 @@
           <a:p>
             <a:fld id="{42A54C80-263E-416B-A8E0-580EDEADCBDC}" type="datetimeFigureOut">
               <a:rPr lang="en-US" dirty="0"/>
-              <a:t>4/7/2020</a:t>
+              <a:t>4/8/2020</a:t>
             </a:fld>
             <a:endParaRPr lang="en-US" dirty="0"/>
           </a:p>
@@ -3835,7 +3858,7 @@
             <a:fld id="{B61BEF0D-F0BB-DE4B-95CE-6DB70DBA9567}" type="datetimeFigureOut">
               <a:rPr lang="en-US" dirty="0"/>
               <a:pPr/>
-              <a:t>4/7/2020</a:t>
+              <a:t>4/8/2020</a:t>
             </a:fld>
             <a:endParaRPr lang="en-US" dirty="0"/>
           </a:p>
@@ -3955,7 +3978,7 @@
             <a:fld id="{B61BEF0D-F0BB-DE4B-95CE-6DB70DBA9567}" type="datetimeFigureOut">
               <a:rPr lang="en-US" dirty="0"/>
               <a:pPr/>
-              <a:t>4/7/2020</a:t>
+              <a:t>4/8/2020</a:t>
             </a:fld>
             <a:endParaRPr lang="en-US" dirty="0"/>
           </a:p>
@@ -4047,7 +4070,7 @@
             <a:fld id="{B61BEF0D-F0BB-DE4B-95CE-6DB70DBA9567}" type="datetimeFigureOut">
               <a:rPr lang="en-US" dirty="0"/>
               <a:pPr/>
-              <a:t>4/7/2020</a:t>
+              <a:t>4/8/2020</a:t>
             </a:fld>
             <a:endParaRPr lang="en-US" dirty="0"/>
           </a:p>
@@ -4298,7 +4321,7 @@
           <a:p>
             <a:fld id="{42A54C80-263E-416B-A8E0-580EDEADCBDC}" type="datetimeFigureOut">
               <a:rPr lang="en-US" dirty="0"/>
-              <a:t>4/7/2020</a:t>
+              <a:t>4/8/2020</a:t>
             </a:fld>
             <a:endParaRPr lang="en-US" dirty="0"/>
           </a:p>
@@ -4600,7 +4623,7 @@
             <a:fld id="{B61BEF0D-F0BB-DE4B-95CE-6DB70DBA9567}" type="datetimeFigureOut">
               <a:rPr lang="en-US" dirty="0"/>
               <a:pPr/>
-              <a:t>4/7/2020</a:t>
+              <a:t>4/8/2020</a:t>
             </a:fld>
             <a:endParaRPr lang="en-US" dirty="0"/>
           </a:p>
@@ -5298,7 +5321,7 @@
             <a:fld id="{B61BEF0D-F0BB-DE4B-95CE-6DB70DBA9567}" type="datetimeFigureOut">
               <a:rPr lang="en-US" dirty="0"/>
               <a:pPr/>
-              <a:t>4/7/2020</a:t>
+              <a:t>4/8/2020</a:t>
             </a:fld>
             <a:endParaRPr lang="en-US" dirty="0"/>
           </a:p>
@@ -5846,10 +5869,18 @@
           <a:p>
             <a:pPr algn="l"/>
             <a:r>
-              <a:rPr lang="fr-FR" sz="4400" dirty="0"/>
+              <a:rPr lang="fr-FR" sz="4400" dirty="0">
+                <a:solidFill>
+                  <a:srgbClr val="286D9F"/>
+                </a:solidFill>
+              </a:rPr>
               <a:t>Conception de la forme d'un objet pour minimiser/maximiser sa surface équivalente sonar</a:t>
             </a:r>
-            <a:endParaRPr lang="fr-CA" sz="4400" dirty="0"/>
+            <a:endParaRPr lang="fr-CA" sz="4400" dirty="0">
+              <a:solidFill>
+                <a:srgbClr val="286D9F"/>
+              </a:solidFill>
+            </a:endParaRPr>
           </a:p>
         </p:txBody>
       </p:sp>
@@ -5883,24 +5914,52 @@
           <a:p>
             <a:pPr algn="l"/>
             <a:r>
-              <a:rPr lang="fr-FR" dirty="0"/>
+              <a:rPr lang="fr-FR" dirty="0">
+                <a:solidFill>
+                  <a:schemeClr val="tx1">
+                    <a:lumMod val="75000"/>
+                    <a:lumOff val="25000"/>
+                  </a:schemeClr>
+                </a:solidFill>
+              </a:rPr>
               <a:t>Pierre-Luc Thériault (1876713)</a:t>
             </a:r>
           </a:p>
           <a:p>
             <a:pPr algn="l"/>
             <a:r>
-              <a:rPr lang="fr-FR" dirty="0"/>
+              <a:rPr lang="fr-FR" dirty="0">
+                <a:solidFill>
+                  <a:schemeClr val="tx1">
+                    <a:lumMod val="75000"/>
+                    <a:lumOff val="25000"/>
+                  </a:schemeClr>
+                </a:solidFill>
+              </a:rPr>
               <a:t>Jie Ou Yang              (1895692)</a:t>
             </a:r>
           </a:p>
           <a:p>
             <a:pPr algn="l"/>
             <a:r>
-              <a:rPr lang="fr-FR" dirty="0"/>
+              <a:rPr lang="fr-FR" dirty="0">
+                <a:solidFill>
+                  <a:schemeClr val="tx1">
+                    <a:lumMod val="75000"/>
+                    <a:lumOff val="25000"/>
+                  </a:schemeClr>
+                </a:solidFill>
+              </a:rPr>
               <a:t>Jean-Michel Fortier  (1899112)</a:t>
             </a:r>
-            <a:endParaRPr lang="fr-CA" dirty="0"/>
+            <a:endParaRPr lang="fr-CA" dirty="0">
+              <a:solidFill>
+                <a:schemeClr val="tx1">
+                  <a:lumMod val="75000"/>
+                  <a:lumOff val="25000"/>
+                </a:schemeClr>
+              </a:solidFill>
+            </a:endParaRPr>
           </a:p>
         </p:txBody>
       </p:sp>
@@ -6155,18 +6214,14 @@
             <a:r>
               <a:rPr lang="fr-FR" dirty="0">
                 <a:solidFill>
-                  <a:schemeClr val="bg2">
-                    <a:lumMod val="25000"/>
-                  </a:schemeClr>
+                  <a:schemeClr val="tx1"/>
                 </a:solidFill>
               </a:rPr>
               <a:t>Équipe 11</a:t>
             </a:r>
             <a:endParaRPr lang="fr-CA" dirty="0">
               <a:solidFill>
-                <a:schemeClr val="bg2">
-                  <a:lumMod val="25000"/>
-                </a:schemeClr>
+                <a:schemeClr val="tx1"/>
               </a:solidFill>
             </a:endParaRPr>
           </a:p>
@@ -6301,8 +6356,12 @@
           </a:lstStyle>
           <a:p>
             <a:r>
-              <a:rPr lang="fr-CA" dirty="0"/>
-              <a:t>Influence sur la performance</a:t>
+              <a:rPr lang="fr-CA" dirty="0">
+                <a:solidFill>
+                  <a:srgbClr val="286D9F"/>
+                </a:solidFill>
+              </a:rPr>
+              <a:t>Utilisation de la mémoire</a:t>
             </a:r>
           </a:p>
         </p:txBody>
@@ -6322,7 +6381,7 @@
         <p:spPr>
           <a:xfrm>
             <a:off x="2276213" y="2908612"/>
-            <a:ext cx="6096000" cy="923330"/>
+            <a:ext cx="6096000" cy="646331"/>
           </a:xfrm>
           <a:prstGeom prst="rect">
             <a:avLst/>
@@ -6336,7 +6395,7 @@
           <a:p>
             <a:r>
               <a:rPr lang="fr-FR" dirty="0"/>
-              <a:t>Qu’est-ce qui influence la performance du code ? (ex : qualité des conditions initiales, paramètres de l’algorithme, génération de nombres aléatoires, etc.) </a:t>
+              <a:t>Comportement et limites de votre code en temps et en mémoire</a:t>
             </a:r>
             <a:endParaRPr lang="fr-CA" dirty="0"/>
           </a:p>
@@ -6345,7 +6404,7 @@
     </p:spTree>
     <p:extLst>
       <p:ext uri="{BB962C8B-B14F-4D97-AF65-F5344CB8AC3E}">
-        <p14:creationId xmlns:p14="http://schemas.microsoft.com/office/powerpoint/2010/main" val="1979484459"/>
+        <p14:creationId xmlns:p14="http://schemas.microsoft.com/office/powerpoint/2010/main" val="69171058"/>
       </p:ext>
     </p:extLst>
   </p:cSld>
@@ -6471,7 +6530,11 @@
           </a:lstStyle>
           <a:p>
             <a:r>
-              <a:rPr lang="fr-CA" dirty="0"/>
+              <a:rPr lang="fr-CA" dirty="0">
+                <a:solidFill>
+                  <a:srgbClr val="286D9F"/>
+                </a:solidFill>
+              </a:rPr>
               <a:t>Influence sur la performance</a:t>
             </a:r>
           </a:p>
@@ -6492,6 +6555,180 @@
         <p:spPr>
           <a:xfrm>
             <a:off x="2276213" y="2908612"/>
+            <a:ext cx="6096000" cy="923330"/>
+          </a:xfrm>
+          <a:prstGeom prst="rect">
+            <a:avLst/>
+          </a:prstGeom>
+        </p:spPr>
+        <p:txBody>
+          <a:bodyPr>
+            <a:spAutoFit/>
+          </a:bodyPr>
+          <a:lstStyle/>
+          <a:p>
+            <a:r>
+              <a:rPr lang="fr-FR" dirty="0"/>
+              <a:t>Qu’est-ce qui influence la performance du code ? (ex : qualité des conditions initiales, paramètres de l’algorithme, génération de nombres aléatoires, etc.) </a:t>
+            </a:r>
+            <a:endParaRPr lang="fr-CA" dirty="0"/>
+          </a:p>
+        </p:txBody>
+      </p:sp>
+    </p:spTree>
+    <p:extLst>
+      <p:ext uri="{BB962C8B-B14F-4D97-AF65-F5344CB8AC3E}">
+        <p14:creationId xmlns:p14="http://schemas.microsoft.com/office/powerpoint/2010/main" val="1979484459"/>
+      </p:ext>
+    </p:extLst>
+  </p:cSld>
+  <p:clrMapOvr>
+    <a:masterClrMapping/>
+  </p:clrMapOvr>
+</p:sld>
+</file>
+
+<file path=ppt/slides/slide12.xml><?xml version="1.0" encoding="utf-8"?>
+<p:sld xmlns:a="http://schemas.openxmlformats.org/drawingml/2006/main" xmlns:r="http://schemas.openxmlformats.org/officeDocument/2006/relationships" xmlns:p="http://schemas.openxmlformats.org/presentationml/2006/main">
+  <p:cSld>
+    <p:spTree>
+      <p:nvGrpSpPr>
+        <p:cNvPr id="1" name=""/>
+        <p:cNvGrpSpPr/>
+        <p:nvPr/>
+      </p:nvGrpSpPr>
+      <p:grpSpPr>
+        <a:xfrm>
+          <a:off x="0" y="0"/>
+          <a:ext cx="0" cy="0"/>
+          <a:chOff x="0" y="0"/>
+          <a:chExt cx="0" cy="0"/>
+        </a:xfrm>
+      </p:grpSpPr>
+      <p:sp>
+        <p:nvSpPr>
+          <p:cNvPr id="2" name="Titre 1">
+            <a:extLst>
+              <a:ext uri="{FF2B5EF4-FFF2-40B4-BE49-F238E27FC236}">
+                <a16:creationId xmlns:a16="http://schemas.microsoft.com/office/drawing/2014/main" id="{03EE799C-7398-441E-956D-60778EB6ADFB}"/>
+              </a:ext>
+            </a:extLst>
+          </p:cNvPr>
+          <p:cNvSpPr txBox="1">
+            <a:spLocks/>
+          </p:cNvSpPr>
+          <p:nvPr/>
+        </p:nvSpPr>
+        <p:spPr>
+          <a:xfrm>
+            <a:off x="455643" y="510175"/>
+            <a:ext cx="2228834" cy="739786"/>
+          </a:xfrm>
+          <a:prstGeom prst="rect">
+            <a:avLst/>
+          </a:prstGeom>
+        </p:spPr>
+        <p:txBody>
+          <a:bodyPr/>
+          <a:lstStyle>
+            <a:lvl1pPr algn="l" defTabSz="457200" rtl="0" eaLnBrk="1" latinLnBrk="0" hangingPunct="1">
+              <a:spcBef>
+                <a:spcPct val="0"/>
+              </a:spcBef>
+              <a:buNone/>
+              <a:defRPr sz="3600" kern="1200">
+                <a:solidFill>
+                  <a:schemeClr val="accent1"/>
+                </a:solidFill>
+                <a:latin typeface="+mj-lt"/>
+                <a:ea typeface="+mj-ea"/>
+                <a:cs typeface="+mj-cs"/>
+              </a:defRPr>
+            </a:lvl1pPr>
+            <a:lvl2pPr eaLnBrk="1" hangingPunct="1">
+              <a:defRPr>
+                <a:solidFill>
+                  <a:schemeClr val="tx2"/>
+                </a:solidFill>
+              </a:defRPr>
+            </a:lvl2pPr>
+            <a:lvl3pPr eaLnBrk="1" hangingPunct="1">
+              <a:defRPr>
+                <a:solidFill>
+                  <a:schemeClr val="tx2"/>
+                </a:solidFill>
+              </a:defRPr>
+            </a:lvl3pPr>
+            <a:lvl4pPr eaLnBrk="1" hangingPunct="1">
+              <a:defRPr>
+                <a:solidFill>
+                  <a:schemeClr val="tx2"/>
+                </a:solidFill>
+              </a:defRPr>
+            </a:lvl4pPr>
+            <a:lvl5pPr eaLnBrk="1" hangingPunct="1">
+              <a:defRPr>
+                <a:solidFill>
+                  <a:schemeClr val="tx2"/>
+                </a:solidFill>
+              </a:defRPr>
+            </a:lvl5pPr>
+            <a:lvl6pPr eaLnBrk="1" hangingPunct="1">
+              <a:defRPr>
+                <a:solidFill>
+                  <a:schemeClr val="tx2"/>
+                </a:solidFill>
+              </a:defRPr>
+            </a:lvl6pPr>
+            <a:lvl7pPr eaLnBrk="1" hangingPunct="1">
+              <a:defRPr>
+                <a:solidFill>
+                  <a:schemeClr val="tx2"/>
+                </a:solidFill>
+              </a:defRPr>
+            </a:lvl7pPr>
+            <a:lvl8pPr eaLnBrk="1" hangingPunct="1">
+              <a:defRPr>
+                <a:solidFill>
+                  <a:schemeClr val="tx2"/>
+                </a:solidFill>
+              </a:defRPr>
+            </a:lvl8pPr>
+            <a:lvl9pPr eaLnBrk="1" hangingPunct="1">
+              <a:defRPr>
+                <a:solidFill>
+                  <a:schemeClr val="tx2"/>
+                </a:solidFill>
+              </a:defRPr>
+            </a:lvl9pPr>
+          </a:lstStyle>
+          <a:p>
+            <a:r>
+              <a:rPr lang="fr-CA" dirty="0">
+                <a:solidFill>
+                  <a:srgbClr val="286D9F"/>
+                </a:solidFill>
+              </a:rPr>
+              <a:t>Résultats</a:t>
+            </a:r>
+          </a:p>
+        </p:txBody>
+      </p:sp>
+      <p:sp>
+        <p:nvSpPr>
+          <p:cNvPr id="3" name="Rectangle 2">
+            <a:extLst>
+              <a:ext uri="{FF2B5EF4-FFF2-40B4-BE49-F238E27FC236}">
+                <a16:creationId xmlns:a16="http://schemas.microsoft.com/office/drawing/2014/main" id="{BA0A46BD-0FD2-481A-AB72-F6E2A27E0618}"/>
+              </a:ext>
+            </a:extLst>
+          </p:cNvPr>
+          <p:cNvSpPr/>
+          <p:nvPr/>
+        </p:nvSpPr>
+        <p:spPr>
+          <a:xfrm>
+            <a:off x="2276213" y="2908612"/>
             <a:ext cx="6096000" cy="646331"/>
           </a:xfrm>
           <a:prstGeom prst="rect">
@@ -6516,6 +6753,949 @@
     <p:extLst>
       <p:ext uri="{BB962C8B-B14F-4D97-AF65-F5344CB8AC3E}">
         <p14:creationId xmlns:p14="http://schemas.microsoft.com/office/powerpoint/2010/main" val="1956747890"/>
+      </p:ext>
+    </p:extLst>
+  </p:cSld>
+  <p:clrMapOvr>
+    <a:masterClrMapping/>
+  </p:clrMapOvr>
+</p:sld>
+</file>
+
+<file path=ppt/slides/slide13.xml><?xml version="1.0" encoding="utf-8"?>
+<p:sld xmlns:a="http://schemas.openxmlformats.org/drawingml/2006/main" xmlns:r="http://schemas.openxmlformats.org/officeDocument/2006/relationships" xmlns:p="http://schemas.openxmlformats.org/presentationml/2006/main">
+  <p:cSld>
+    <p:spTree>
+      <p:nvGrpSpPr>
+        <p:cNvPr id="1" name=""/>
+        <p:cNvGrpSpPr/>
+        <p:nvPr/>
+      </p:nvGrpSpPr>
+      <p:grpSpPr>
+        <a:xfrm>
+          <a:off x="0" y="0"/>
+          <a:ext cx="0" cy="0"/>
+          <a:chOff x="0" y="0"/>
+          <a:chExt cx="0" cy="0"/>
+        </a:xfrm>
+      </p:grpSpPr>
+      <p:sp>
+        <p:nvSpPr>
+          <p:cNvPr id="2" name="Titre 1">
+            <a:extLst>
+              <a:ext uri="{FF2B5EF4-FFF2-40B4-BE49-F238E27FC236}">
+                <a16:creationId xmlns:a16="http://schemas.microsoft.com/office/drawing/2014/main" id="{03EE799C-7398-441E-956D-60778EB6ADFB}"/>
+              </a:ext>
+            </a:extLst>
+          </p:cNvPr>
+          <p:cNvSpPr txBox="1">
+            <a:spLocks/>
+          </p:cNvSpPr>
+          <p:nvPr/>
+        </p:nvSpPr>
+        <p:spPr>
+          <a:xfrm>
+            <a:off x="455643" y="510175"/>
+            <a:ext cx="1820570" cy="739786"/>
+          </a:xfrm>
+          <a:prstGeom prst="rect">
+            <a:avLst/>
+          </a:prstGeom>
+        </p:spPr>
+        <p:txBody>
+          <a:bodyPr/>
+          <a:lstStyle>
+            <a:lvl1pPr algn="l" defTabSz="457200" rtl="0" eaLnBrk="1" latinLnBrk="0" hangingPunct="1">
+              <a:spcBef>
+                <a:spcPct val="0"/>
+              </a:spcBef>
+              <a:buNone/>
+              <a:defRPr sz="3600" kern="1200">
+                <a:solidFill>
+                  <a:schemeClr val="accent1"/>
+                </a:solidFill>
+                <a:latin typeface="+mj-lt"/>
+                <a:ea typeface="+mj-ea"/>
+                <a:cs typeface="+mj-cs"/>
+              </a:defRPr>
+            </a:lvl1pPr>
+            <a:lvl2pPr eaLnBrk="1" hangingPunct="1">
+              <a:defRPr>
+                <a:solidFill>
+                  <a:schemeClr val="tx2"/>
+                </a:solidFill>
+              </a:defRPr>
+            </a:lvl2pPr>
+            <a:lvl3pPr eaLnBrk="1" hangingPunct="1">
+              <a:defRPr>
+                <a:solidFill>
+                  <a:schemeClr val="tx2"/>
+                </a:solidFill>
+              </a:defRPr>
+            </a:lvl3pPr>
+            <a:lvl4pPr eaLnBrk="1" hangingPunct="1">
+              <a:defRPr>
+                <a:solidFill>
+                  <a:schemeClr val="tx2"/>
+                </a:solidFill>
+              </a:defRPr>
+            </a:lvl4pPr>
+            <a:lvl5pPr eaLnBrk="1" hangingPunct="1">
+              <a:defRPr>
+                <a:solidFill>
+                  <a:schemeClr val="tx2"/>
+                </a:solidFill>
+              </a:defRPr>
+            </a:lvl5pPr>
+            <a:lvl6pPr eaLnBrk="1" hangingPunct="1">
+              <a:defRPr>
+                <a:solidFill>
+                  <a:schemeClr val="tx2"/>
+                </a:solidFill>
+              </a:defRPr>
+            </a:lvl6pPr>
+            <a:lvl7pPr eaLnBrk="1" hangingPunct="1">
+              <a:defRPr>
+                <a:solidFill>
+                  <a:schemeClr val="tx2"/>
+                </a:solidFill>
+              </a:defRPr>
+            </a:lvl7pPr>
+            <a:lvl8pPr eaLnBrk="1" hangingPunct="1">
+              <a:defRPr>
+                <a:solidFill>
+                  <a:schemeClr val="tx2"/>
+                </a:solidFill>
+              </a:defRPr>
+            </a:lvl8pPr>
+            <a:lvl9pPr eaLnBrk="1" hangingPunct="1">
+              <a:defRPr>
+                <a:solidFill>
+                  <a:schemeClr val="tx2"/>
+                </a:solidFill>
+              </a:defRPr>
+            </a:lvl9pPr>
+          </a:lstStyle>
+          <a:p>
+            <a:r>
+              <a:rPr lang="fr-CA" dirty="0">
+                <a:solidFill>
+                  <a:srgbClr val="286D9F"/>
+                </a:solidFill>
+              </a:rPr>
+              <a:t>Analyse</a:t>
+            </a:r>
+          </a:p>
+        </p:txBody>
+      </p:sp>
+      <p:sp>
+        <p:nvSpPr>
+          <p:cNvPr id="3" name="Rectangle 2">
+            <a:extLst>
+              <a:ext uri="{FF2B5EF4-FFF2-40B4-BE49-F238E27FC236}">
+                <a16:creationId xmlns:a16="http://schemas.microsoft.com/office/drawing/2014/main" id="{BA0A46BD-0FD2-481A-AB72-F6E2A27E0618}"/>
+              </a:ext>
+            </a:extLst>
+          </p:cNvPr>
+          <p:cNvSpPr/>
+          <p:nvPr/>
+        </p:nvSpPr>
+        <p:spPr>
+          <a:xfrm>
+            <a:off x="2276213" y="2908612"/>
+            <a:ext cx="6096000" cy="1200329"/>
+          </a:xfrm>
+          <a:prstGeom prst="rect">
+            <a:avLst/>
+          </a:prstGeom>
+        </p:spPr>
+        <p:txBody>
+          <a:bodyPr>
+            <a:spAutoFit/>
+          </a:bodyPr>
+          <a:lstStyle/>
+          <a:p>
+            <a:r>
+              <a:rPr lang="fr-FR" dirty="0"/>
+              <a:t>Selon le projet : analyse de convergence en fonction du pas de discrétisation, analyse de convergence/précision en fonction des paramètres de l’algorithme, analyse statistique</a:t>
+            </a:r>
+            <a:endParaRPr lang="fr-CA" dirty="0"/>
+          </a:p>
+        </p:txBody>
+      </p:sp>
+    </p:spTree>
+    <p:extLst>
+      <p:ext uri="{BB962C8B-B14F-4D97-AF65-F5344CB8AC3E}">
+        <p14:creationId xmlns:p14="http://schemas.microsoft.com/office/powerpoint/2010/main" val="1689991843"/>
+      </p:ext>
+    </p:extLst>
+  </p:cSld>
+  <p:clrMapOvr>
+    <a:masterClrMapping/>
+  </p:clrMapOvr>
+</p:sld>
+</file>
+
+<file path=ppt/slides/slide14.xml><?xml version="1.0" encoding="utf-8"?>
+<p:sld xmlns:a="http://schemas.openxmlformats.org/drawingml/2006/main" xmlns:r="http://schemas.openxmlformats.org/officeDocument/2006/relationships" xmlns:p="http://schemas.openxmlformats.org/presentationml/2006/main">
+  <p:cSld>
+    <p:spTree>
+      <p:nvGrpSpPr>
+        <p:cNvPr id="1" name=""/>
+        <p:cNvGrpSpPr/>
+        <p:nvPr/>
+      </p:nvGrpSpPr>
+      <p:grpSpPr>
+        <a:xfrm>
+          <a:off x="0" y="0"/>
+          <a:ext cx="0" cy="0"/>
+          <a:chOff x="0" y="0"/>
+          <a:chExt cx="0" cy="0"/>
+        </a:xfrm>
+      </p:grpSpPr>
+      <p:sp>
+        <p:nvSpPr>
+          <p:cNvPr id="2" name="Titre 1">
+            <a:extLst>
+              <a:ext uri="{FF2B5EF4-FFF2-40B4-BE49-F238E27FC236}">
+                <a16:creationId xmlns:a16="http://schemas.microsoft.com/office/drawing/2014/main" id="{03EE799C-7398-441E-956D-60778EB6ADFB}"/>
+              </a:ext>
+            </a:extLst>
+          </p:cNvPr>
+          <p:cNvSpPr txBox="1">
+            <a:spLocks/>
+          </p:cNvSpPr>
+          <p:nvPr/>
+        </p:nvSpPr>
+        <p:spPr>
+          <a:xfrm>
+            <a:off x="455643" y="510175"/>
+            <a:ext cx="2405003" cy="739786"/>
+          </a:xfrm>
+          <a:prstGeom prst="rect">
+            <a:avLst/>
+          </a:prstGeom>
+        </p:spPr>
+        <p:txBody>
+          <a:bodyPr/>
+          <a:lstStyle>
+            <a:lvl1pPr algn="l" defTabSz="457200" rtl="0" eaLnBrk="1" latinLnBrk="0" hangingPunct="1">
+              <a:spcBef>
+                <a:spcPct val="0"/>
+              </a:spcBef>
+              <a:buNone/>
+              <a:defRPr sz="3600" kern="1200">
+                <a:solidFill>
+                  <a:schemeClr val="accent1"/>
+                </a:solidFill>
+                <a:latin typeface="+mj-lt"/>
+                <a:ea typeface="+mj-ea"/>
+                <a:cs typeface="+mj-cs"/>
+              </a:defRPr>
+            </a:lvl1pPr>
+            <a:lvl2pPr eaLnBrk="1" hangingPunct="1">
+              <a:defRPr>
+                <a:solidFill>
+                  <a:schemeClr val="tx2"/>
+                </a:solidFill>
+              </a:defRPr>
+            </a:lvl2pPr>
+            <a:lvl3pPr eaLnBrk="1" hangingPunct="1">
+              <a:defRPr>
+                <a:solidFill>
+                  <a:schemeClr val="tx2"/>
+                </a:solidFill>
+              </a:defRPr>
+            </a:lvl3pPr>
+            <a:lvl4pPr eaLnBrk="1" hangingPunct="1">
+              <a:defRPr>
+                <a:solidFill>
+                  <a:schemeClr val="tx2"/>
+                </a:solidFill>
+              </a:defRPr>
+            </a:lvl4pPr>
+            <a:lvl5pPr eaLnBrk="1" hangingPunct="1">
+              <a:defRPr>
+                <a:solidFill>
+                  <a:schemeClr val="tx2"/>
+                </a:solidFill>
+              </a:defRPr>
+            </a:lvl5pPr>
+            <a:lvl6pPr eaLnBrk="1" hangingPunct="1">
+              <a:defRPr>
+                <a:solidFill>
+                  <a:schemeClr val="tx2"/>
+                </a:solidFill>
+              </a:defRPr>
+            </a:lvl6pPr>
+            <a:lvl7pPr eaLnBrk="1" hangingPunct="1">
+              <a:defRPr>
+                <a:solidFill>
+                  <a:schemeClr val="tx2"/>
+                </a:solidFill>
+              </a:defRPr>
+            </a:lvl7pPr>
+            <a:lvl8pPr eaLnBrk="1" hangingPunct="1">
+              <a:defRPr>
+                <a:solidFill>
+                  <a:schemeClr val="tx2"/>
+                </a:solidFill>
+              </a:defRPr>
+            </a:lvl8pPr>
+            <a:lvl9pPr eaLnBrk="1" hangingPunct="1">
+              <a:defRPr>
+                <a:solidFill>
+                  <a:schemeClr val="tx2"/>
+                </a:solidFill>
+              </a:defRPr>
+            </a:lvl9pPr>
+          </a:lstStyle>
+          <a:p>
+            <a:r>
+              <a:rPr lang="fr-CA" dirty="0">
+                <a:solidFill>
+                  <a:srgbClr val="286D9F"/>
+                </a:solidFill>
+              </a:rPr>
+              <a:t>Discussion</a:t>
+            </a:r>
+          </a:p>
+        </p:txBody>
+      </p:sp>
+      <p:sp>
+        <p:nvSpPr>
+          <p:cNvPr id="3" name="Rectangle 2">
+            <a:extLst>
+              <a:ext uri="{FF2B5EF4-FFF2-40B4-BE49-F238E27FC236}">
+                <a16:creationId xmlns:a16="http://schemas.microsoft.com/office/drawing/2014/main" id="{BA0A46BD-0FD2-481A-AB72-F6E2A27E0618}"/>
+              </a:ext>
+            </a:extLst>
+          </p:cNvPr>
+          <p:cNvSpPr/>
+          <p:nvPr/>
+        </p:nvSpPr>
+        <p:spPr>
+          <a:xfrm>
+            <a:off x="2276213" y="2908612"/>
+            <a:ext cx="6096000" cy="923330"/>
+          </a:xfrm>
+          <a:prstGeom prst="rect">
+            <a:avLst/>
+          </a:prstGeom>
+        </p:spPr>
+        <p:txBody>
+          <a:bodyPr>
+            <a:spAutoFit/>
+          </a:bodyPr>
+          <a:lstStyle/>
+          <a:p>
+            <a:r>
+              <a:rPr lang="fr-FR" dirty="0"/>
+              <a:t>Discussion sur la qualité des résultats : est-ce que vos résultats représentent adéquatement les phénomènes physiques que vous avez modélisés ?</a:t>
+            </a:r>
+            <a:endParaRPr lang="fr-CA" dirty="0"/>
+          </a:p>
+        </p:txBody>
+      </p:sp>
+    </p:spTree>
+    <p:extLst>
+      <p:ext uri="{BB962C8B-B14F-4D97-AF65-F5344CB8AC3E}">
+        <p14:creationId xmlns:p14="http://schemas.microsoft.com/office/powerpoint/2010/main" val="3079558462"/>
+      </p:ext>
+    </p:extLst>
+  </p:cSld>
+  <p:clrMapOvr>
+    <a:masterClrMapping/>
+  </p:clrMapOvr>
+</p:sld>
+</file>
+
+<file path=ppt/slides/slide15.xml><?xml version="1.0" encoding="utf-8"?>
+<p:sld xmlns:a="http://schemas.openxmlformats.org/drawingml/2006/main" xmlns:r="http://schemas.openxmlformats.org/officeDocument/2006/relationships" xmlns:p="http://schemas.openxmlformats.org/presentationml/2006/main">
+  <p:cSld>
+    <p:spTree>
+      <p:nvGrpSpPr>
+        <p:cNvPr id="1" name=""/>
+        <p:cNvGrpSpPr/>
+        <p:nvPr/>
+      </p:nvGrpSpPr>
+      <p:grpSpPr>
+        <a:xfrm>
+          <a:off x="0" y="0"/>
+          <a:ext cx="0" cy="0"/>
+          <a:chOff x="0" y="0"/>
+          <a:chExt cx="0" cy="0"/>
+        </a:xfrm>
+      </p:grpSpPr>
+      <p:sp>
+        <p:nvSpPr>
+          <p:cNvPr id="2" name="Titre 1">
+            <a:extLst>
+              <a:ext uri="{FF2B5EF4-FFF2-40B4-BE49-F238E27FC236}">
+                <a16:creationId xmlns:a16="http://schemas.microsoft.com/office/drawing/2014/main" id="{03EE799C-7398-441E-956D-60778EB6ADFB}"/>
+              </a:ext>
+            </a:extLst>
+          </p:cNvPr>
+          <p:cNvSpPr txBox="1">
+            <a:spLocks/>
+          </p:cNvSpPr>
+          <p:nvPr/>
+        </p:nvSpPr>
+        <p:spPr>
+          <a:xfrm>
+            <a:off x="455643" y="510175"/>
+            <a:ext cx="2144944" cy="739786"/>
+          </a:xfrm>
+          <a:prstGeom prst="rect">
+            <a:avLst/>
+          </a:prstGeom>
+        </p:spPr>
+        <p:txBody>
+          <a:bodyPr/>
+          <a:lstStyle>
+            <a:lvl1pPr algn="l" defTabSz="457200" rtl="0" eaLnBrk="1" latinLnBrk="0" hangingPunct="1">
+              <a:spcBef>
+                <a:spcPct val="0"/>
+              </a:spcBef>
+              <a:buNone/>
+              <a:defRPr sz="3600" kern="1200">
+                <a:solidFill>
+                  <a:schemeClr val="accent1"/>
+                </a:solidFill>
+                <a:latin typeface="+mj-lt"/>
+                <a:ea typeface="+mj-ea"/>
+                <a:cs typeface="+mj-cs"/>
+              </a:defRPr>
+            </a:lvl1pPr>
+            <a:lvl2pPr eaLnBrk="1" hangingPunct="1">
+              <a:defRPr>
+                <a:solidFill>
+                  <a:schemeClr val="tx2"/>
+                </a:solidFill>
+              </a:defRPr>
+            </a:lvl2pPr>
+            <a:lvl3pPr eaLnBrk="1" hangingPunct="1">
+              <a:defRPr>
+                <a:solidFill>
+                  <a:schemeClr val="tx2"/>
+                </a:solidFill>
+              </a:defRPr>
+            </a:lvl3pPr>
+            <a:lvl4pPr eaLnBrk="1" hangingPunct="1">
+              <a:defRPr>
+                <a:solidFill>
+                  <a:schemeClr val="tx2"/>
+                </a:solidFill>
+              </a:defRPr>
+            </a:lvl4pPr>
+            <a:lvl5pPr eaLnBrk="1" hangingPunct="1">
+              <a:defRPr>
+                <a:solidFill>
+                  <a:schemeClr val="tx2"/>
+                </a:solidFill>
+              </a:defRPr>
+            </a:lvl5pPr>
+            <a:lvl6pPr eaLnBrk="1" hangingPunct="1">
+              <a:defRPr>
+                <a:solidFill>
+                  <a:schemeClr val="tx2"/>
+                </a:solidFill>
+              </a:defRPr>
+            </a:lvl6pPr>
+            <a:lvl7pPr eaLnBrk="1" hangingPunct="1">
+              <a:defRPr>
+                <a:solidFill>
+                  <a:schemeClr val="tx2"/>
+                </a:solidFill>
+              </a:defRPr>
+            </a:lvl7pPr>
+            <a:lvl8pPr eaLnBrk="1" hangingPunct="1">
+              <a:defRPr>
+                <a:solidFill>
+                  <a:schemeClr val="tx2"/>
+                </a:solidFill>
+              </a:defRPr>
+            </a:lvl8pPr>
+            <a:lvl9pPr eaLnBrk="1" hangingPunct="1">
+              <a:defRPr>
+                <a:solidFill>
+                  <a:schemeClr val="tx2"/>
+                </a:solidFill>
+              </a:defRPr>
+            </a:lvl9pPr>
+          </a:lstStyle>
+          <a:p>
+            <a:r>
+              <a:rPr lang="fr-CA" dirty="0">
+                <a:solidFill>
+                  <a:srgbClr val="286D9F"/>
+                </a:solidFill>
+              </a:rPr>
+              <a:t>Synthèse</a:t>
+            </a:r>
+          </a:p>
+        </p:txBody>
+      </p:sp>
+      <p:sp>
+        <p:nvSpPr>
+          <p:cNvPr id="3" name="Rectangle 2">
+            <a:extLst>
+              <a:ext uri="{FF2B5EF4-FFF2-40B4-BE49-F238E27FC236}">
+                <a16:creationId xmlns:a16="http://schemas.microsoft.com/office/drawing/2014/main" id="{BA0A46BD-0FD2-481A-AB72-F6E2A27E0618}"/>
+              </a:ext>
+            </a:extLst>
+          </p:cNvPr>
+          <p:cNvSpPr/>
+          <p:nvPr/>
+        </p:nvSpPr>
+        <p:spPr>
+          <a:xfrm>
+            <a:off x="2276213" y="2908612"/>
+            <a:ext cx="6096000" cy="369332"/>
+          </a:xfrm>
+          <a:prstGeom prst="rect">
+            <a:avLst/>
+          </a:prstGeom>
+        </p:spPr>
+        <p:txBody>
+          <a:bodyPr>
+            <a:spAutoFit/>
+          </a:bodyPr>
+          <a:lstStyle/>
+          <a:p>
+            <a:r>
+              <a:rPr lang="fr-FR" dirty="0"/>
+              <a:t>Synthèse de la présentation en quelques phrases</a:t>
+            </a:r>
+            <a:endParaRPr lang="fr-CA" dirty="0"/>
+          </a:p>
+        </p:txBody>
+      </p:sp>
+    </p:spTree>
+    <p:extLst>
+      <p:ext uri="{BB962C8B-B14F-4D97-AF65-F5344CB8AC3E}">
+        <p14:creationId xmlns:p14="http://schemas.microsoft.com/office/powerpoint/2010/main" val="1331799850"/>
+      </p:ext>
+    </p:extLst>
+  </p:cSld>
+  <p:clrMapOvr>
+    <a:masterClrMapping/>
+  </p:clrMapOvr>
+</p:sld>
+</file>
+
+<file path=ppt/slides/slide16.xml><?xml version="1.0" encoding="utf-8"?>
+<p:sld xmlns:a="http://schemas.openxmlformats.org/drawingml/2006/main" xmlns:r="http://schemas.openxmlformats.org/officeDocument/2006/relationships" xmlns:p="http://schemas.openxmlformats.org/presentationml/2006/main">
+  <p:cSld>
+    <p:spTree>
+      <p:nvGrpSpPr>
+        <p:cNvPr id="1" name=""/>
+        <p:cNvGrpSpPr/>
+        <p:nvPr/>
+      </p:nvGrpSpPr>
+      <p:grpSpPr>
+        <a:xfrm>
+          <a:off x="0" y="0"/>
+          <a:ext cx="0" cy="0"/>
+          <a:chOff x="0" y="0"/>
+          <a:chExt cx="0" cy="0"/>
+        </a:xfrm>
+      </p:grpSpPr>
+      <p:sp>
+        <p:nvSpPr>
+          <p:cNvPr id="2" name="Titre 1">
+            <a:extLst>
+              <a:ext uri="{FF2B5EF4-FFF2-40B4-BE49-F238E27FC236}">
+                <a16:creationId xmlns:a16="http://schemas.microsoft.com/office/drawing/2014/main" id="{03EE799C-7398-441E-956D-60778EB6ADFB}"/>
+              </a:ext>
+            </a:extLst>
+          </p:cNvPr>
+          <p:cNvSpPr txBox="1">
+            <a:spLocks/>
+          </p:cNvSpPr>
+          <p:nvPr/>
+        </p:nvSpPr>
+        <p:spPr>
+          <a:xfrm>
+            <a:off x="455643" y="510175"/>
+            <a:ext cx="3352959" cy="739786"/>
+          </a:xfrm>
+          <a:prstGeom prst="rect">
+            <a:avLst/>
+          </a:prstGeom>
+        </p:spPr>
+        <p:txBody>
+          <a:bodyPr/>
+          <a:lstStyle>
+            <a:lvl1pPr algn="l" defTabSz="457200" rtl="0" eaLnBrk="1" latinLnBrk="0" hangingPunct="1">
+              <a:spcBef>
+                <a:spcPct val="0"/>
+              </a:spcBef>
+              <a:buNone/>
+              <a:defRPr sz="3600" kern="1200">
+                <a:solidFill>
+                  <a:schemeClr val="accent1"/>
+                </a:solidFill>
+                <a:latin typeface="+mj-lt"/>
+                <a:ea typeface="+mj-ea"/>
+                <a:cs typeface="+mj-cs"/>
+              </a:defRPr>
+            </a:lvl1pPr>
+            <a:lvl2pPr eaLnBrk="1" hangingPunct="1">
+              <a:defRPr>
+                <a:solidFill>
+                  <a:schemeClr val="tx2"/>
+                </a:solidFill>
+              </a:defRPr>
+            </a:lvl2pPr>
+            <a:lvl3pPr eaLnBrk="1" hangingPunct="1">
+              <a:defRPr>
+                <a:solidFill>
+                  <a:schemeClr val="tx2"/>
+                </a:solidFill>
+              </a:defRPr>
+            </a:lvl3pPr>
+            <a:lvl4pPr eaLnBrk="1" hangingPunct="1">
+              <a:defRPr>
+                <a:solidFill>
+                  <a:schemeClr val="tx2"/>
+                </a:solidFill>
+              </a:defRPr>
+            </a:lvl4pPr>
+            <a:lvl5pPr eaLnBrk="1" hangingPunct="1">
+              <a:defRPr>
+                <a:solidFill>
+                  <a:schemeClr val="tx2"/>
+                </a:solidFill>
+              </a:defRPr>
+            </a:lvl5pPr>
+            <a:lvl6pPr eaLnBrk="1" hangingPunct="1">
+              <a:defRPr>
+                <a:solidFill>
+                  <a:schemeClr val="tx2"/>
+                </a:solidFill>
+              </a:defRPr>
+            </a:lvl6pPr>
+            <a:lvl7pPr eaLnBrk="1" hangingPunct="1">
+              <a:defRPr>
+                <a:solidFill>
+                  <a:schemeClr val="tx2"/>
+                </a:solidFill>
+              </a:defRPr>
+            </a:lvl7pPr>
+            <a:lvl8pPr eaLnBrk="1" hangingPunct="1">
+              <a:defRPr>
+                <a:solidFill>
+                  <a:schemeClr val="tx2"/>
+                </a:solidFill>
+              </a:defRPr>
+            </a:lvl8pPr>
+            <a:lvl9pPr eaLnBrk="1" hangingPunct="1">
+              <a:defRPr>
+                <a:solidFill>
+                  <a:schemeClr val="tx2"/>
+                </a:solidFill>
+              </a:defRPr>
+            </a:lvl9pPr>
+          </a:lstStyle>
+          <a:p>
+            <a:r>
+              <a:rPr lang="fr-CA" dirty="0">
+                <a:solidFill>
+                  <a:srgbClr val="286D9F"/>
+                </a:solidFill>
+              </a:rPr>
+              <a:t>Améliorations</a:t>
+            </a:r>
+          </a:p>
+        </p:txBody>
+      </p:sp>
+      <p:sp>
+        <p:nvSpPr>
+          <p:cNvPr id="3" name="Rectangle 2">
+            <a:extLst>
+              <a:ext uri="{FF2B5EF4-FFF2-40B4-BE49-F238E27FC236}">
+                <a16:creationId xmlns:a16="http://schemas.microsoft.com/office/drawing/2014/main" id="{BA0A46BD-0FD2-481A-AB72-F6E2A27E0618}"/>
+              </a:ext>
+            </a:extLst>
+          </p:cNvPr>
+          <p:cNvSpPr/>
+          <p:nvPr/>
+        </p:nvSpPr>
+        <p:spPr>
+          <a:xfrm>
+            <a:off x="2276213" y="2908612"/>
+            <a:ext cx="6096000" cy="646331"/>
+          </a:xfrm>
+          <a:prstGeom prst="rect">
+            <a:avLst/>
+          </a:prstGeom>
+        </p:spPr>
+        <p:txBody>
+          <a:bodyPr>
+            <a:spAutoFit/>
+          </a:bodyPr>
+          <a:lstStyle/>
+          <a:p>
+            <a:r>
+              <a:rPr lang="fr-FR" dirty="0"/>
+              <a:t>Améliorations désirées pour compléter le projet à votre entière satisfaction </a:t>
+            </a:r>
+            <a:endParaRPr lang="fr-CA" dirty="0"/>
+          </a:p>
+        </p:txBody>
+      </p:sp>
+    </p:spTree>
+    <p:extLst>
+      <p:ext uri="{BB962C8B-B14F-4D97-AF65-F5344CB8AC3E}">
+        <p14:creationId xmlns:p14="http://schemas.microsoft.com/office/powerpoint/2010/main" val="4105811840"/>
+      </p:ext>
+    </p:extLst>
+  </p:cSld>
+  <p:clrMapOvr>
+    <a:masterClrMapping/>
+  </p:clrMapOvr>
+</p:sld>
+</file>
+
+<file path=ppt/slides/slide17.xml><?xml version="1.0" encoding="utf-8"?>
+<p:sld xmlns:a="http://schemas.openxmlformats.org/drawingml/2006/main" xmlns:r="http://schemas.openxmlformats.org/officeDocument/2006/relationships" xmlns:p="http://schemas.openxmlformats.org/presentationml/2006/main">
+  <p:cSld>
+    <p:spTree>
+      <p:nvGrpSpPr>
+        <p:cNvPr id="1" name=""/>
+        <p:cNvGrpSpPr/>
+        <p:nvPr/>
+      </p:nvGrpSpPr>
+      <p:grpSpPr>
+        <a:xfrm>
+          <a:off x="0" y="0"/>
+          <a:ext cx="0" cy="0"/>
+          <a:chOff x="0" y="0"/>
+          <a:chExt cx="0" cy="0"/>
+        </a:xfrm>
+      </p:grpSpPr>
+      <p:sp>
+        <p:nvSpPr>
+          <p:cNvPr id="2" name="Titre 1">
+            <a:extLst>
+              <a:ext uri="{FF2B5EF4-FFF2-40B4-BE49-F238E27FC236}">
+                <a16:creationId xmlns:a16="http://schemas.microsoft.com/office/drawing/2014/main" id="{03EE799C-7398-441E-956D-60778EB6ADFB}"/>
+              </a:ext>
+            </a:extLst>
+          </p:cNvPr>
+          <p:cNvSpPr txBox="1">
+            <a:spLocks/>
+          </p:cNvSpPr>
+          <p:nvPr/>
+        </p:nvSpPr>
+        <p:spPr>
+          <a:xfrm>
+            <a:off x="455643" y="510175"/>
+            <a:ext cx="3352959" cy="739786"/>
+          </a:xfrm>
+          <a:prstGeom prst="rect">
+            <a:avLst/>
+          </a:prstGeom>
+        </p:spPr>
+        <p:txBody>
+          <a:bodyPr/>
+          <a:lstStyle>
+            <a:lvl1pPr algn="l" defTabSz="457200" rtl="0" eaLnBrk="1" latinLnBrk="0" hangingPunct="1">
+              <a:spcBef>
+                <a:spcPct val="0"/>
+              </a:spcBef>
+              <a:buNone/>
+              <a:defRPr sz="3600" kern="1200">
+                <a:solidFill>
+                  <a:schemeClr val="accent1"/>
+                </a:solidFill>
+                <a:latin typeface="+mj-lt"/>
+                <a:ea typeface="+mj-ea"/>
+                <a:cs typeface="+mj-cs"/>
+              </a:defRPr>
+            </a:lvl1pPr>
+            <a:lvl2pPr eaLnBrk="1" hangingPunct="1">
+              <a:defRPr>
+                <a:solidFill>
+                  <a:schemeClr val="tx2"/>
+                </a:solidFill>
+              </a:defRPr>
+            </a:lvl2pPr>
+            <a:lvl3pPr eaLnBrk="1" hangingPunct="1">
+              <a:defRPr>
+                <a:solidFill>
+                  <a:schemeClr val="tx2"/>
+                </a:solidFill>
+              </a:defRPr>
+            </a:lvl3pPr>
+            <a:lvl4pPr eaLnBrk="1" hangingPunct="1">
+              <a:defRPr>
+                <a:solidFill>
+                  <a:schemeClr val="tx2"/>
+                </a:solidFill>
+              </a:defRPr>
+            </a:lvl4pPr>
+            <a:lvl5pPr eaLnBrk="1" hangingPunct="1">
+              <a:defRPr>
+                <a:solidFill>
+                  <a:schemeClr val="tx2"/>
+                </a:solidFill>
+              </a:defRPr>
+            </a:lvl5pPr>
+            <a:lvl6pPr eaLnBrk="1" hangingPunct="1">
+              <a:defRPr>
+                <a:solidFill>
+                  <a:schemeClr val="tx2"/>
+                </a:solidFill>
+              </a:defRPr>
+            </a:lvl6pPr>
+            <a:lvl7pPr eaLnBrk="1" hangingPunct="1">
+              <a:defRPr>
+                <a:solidFill>
+                  <a:schemeClr val="tx2"/>
+                </a:solidFill>
+              </a:defRPr>
+            </a:lvl7pPr>
+            <a:lvl8pPr eaLnBrk="1" hangingPunct="1">
+              <a:defRPr>
+                <a:solidFill>
+                  <a:schemeClr val="tx2"/>
+                </a:solidFill>
+              </a:defRPr>
+            </a:lvl8pPr>
+            <a:lvl9pPr eaLnBrk="1" hangingPunct="1">
+              <a:defRPr>
+                <a:solidFill>
+                  <a:schemeClr val="tx2"/>
+                </a:solidFill>
+              </a:defRPr>
+            </a:lvl9pPr>
+          </a:lstStyle>
+          <a:p>
+            <a:r>
+              <a:rPr lang="fr-CA" dirty="0">
+                <a:solidFill>
+                  <a:srgbClr val="286D9F"/>
+                </a:solidFill>
+              </a:rPr>
+              <a:t>Références</a:t>
+            </a:r>
+          </a:p>
+        </p:txBody>
+      </p:sp>
+      <p:sp>
+        <p:nvSpPr>
+          <p:cNvPr id="3" name="Rectangle 2">
+            <a:extLst>
+              <a:ext uri="{FF2B5EF4-FFF2-40B4-BE49-F238E27FC236}">
+                <a16:creationId xmlns:a16="http://schemas.microsoft.com/office/drawing/2014/main" id="{BA0A46BD-0FD2-481A-AB72-F6E2A27E0618}"/>
+              </a:ext>
+            </a:extLst>
+          </p:cNvPr>
+          <p:cNvSpPr/>
+          <p:nvPr/>
+        </p:nvSpPr>
+        <p:spPr>
+          <a:xfrm>
+            <a:off x="631970" y="1507650"/>
+            <a:ext cx="7127847" cy="1785104"/>
+          </a:xfrm>
+          <a:prstGeom prst="rect">
+            <a:avLst/>
+          </a:prstGeom>
+        </p:spPr>
+        <p:txBody>
+          <a:bodyPr wrap="square">
+            <a:spAutoFit/>
+          </a:bodyPr>
+          <a:lstStyle/>
+          <a:p>
+            <a:r>
+              <a:rPr lang="fr-FR" sz="1400" dirty="0"/>
+              <a:t>[1] P. Mathew, «</a:t>
+            </a:r>
+            <a:r>
+              <a:rPr lang="en-US" sz="1400" i="1" dirty="0"/>
+              <a:t>Application of SONAR in ships»</a:t>
+            </a:r>
+            <a:r>
+              <a:rPr lang="fr-FR" sz="1400" dirty="0"/>
+              <a:t>, </a:t>
+            </a:r>
+            <a:r>
+              <a:rPr lang="fr-FR" sz="1400" dirty="0" err="1"/>
+              <a:t>ResearchGate</a:t>
+            </a:r>
+            <a:r>
+              <a:rPr lang="fr-FR" sz="1400" dirty="0"/>
+              <a:t>, </a:t>
+            </a:r>
+            <a:r>
+              <a:rPr lang="fr-CA" sz="1400" dirty="0"/>
+              <a:t>https://www.researchgate.net/figure/Figure-Application-of-SONAR-in-ships_fig1_325895667 </a:t>
+            </a:r>
+            <a:r>
+              <a:rPr lang="fr-FR" sz="1400" dirty="0"/>
+              <a:t>[En ligne ; Page disponible le 8 avril 2020].</a:t>
+            </a:r>
+          </a:p>
+          <a:p>
+            <a:endParaRPr lang="fr-FR" sz="600" dirty="0"/>
+          </a:p>
+          <a:p>
+            <a:r>
+              <a:rPr lang="fr-FR" sz="1400" dirty="0"/>
+              <a:t>[2] </a:t>
+            </a:r>
+            <a:r>
+              <a:rPr lang="fr-FR" sz="1400" dirty="0" err="1"/>
+              <a:t>Elbit</a:t>
+            </a:r>
+            <a:r>
+              <a:rPr lang="fr-FR" sz="1400" dirty="0"/>
+              <a:t> </a:t>
+            </a:r>
+            <a:r>
+              <a:rPr lang="fr-FR" sz="1400" dirty="0" err="1"/>
+              <a:t>Systems</a:t>
+            </a:r>
+            <a:r>
+              <a:rPr lang="fr-FR" sz="1400" dirty="0"/>
+              <a:t>, «</a:t>
+            </a:r>
+            <a:r>
+              <a:rPr lang="fr-FR" sz="1400" i="1" dirty="0"/>
+              <a:t>C-BASS</a:t>
+            </a:r>
+            <a:r>
+              <a:rPr lang="fr-FR" sz="1400" dirty="0"/>
+              <a:t>», Hull </a:t>
+            </a:r>
+            <a:r>
+              <a:rPr lang="fr-FR" sz="1400" dirty="0" err="1"/>
+              <a:t>Mounted</a:t>
+            </a:r>
+            <a:r>
+              <a:rPr lang="fr-FR" sz="1400" dirty="0"/>
+              <a:t> Sonar, https://www.elbitsystems-uk.com/what-we-do/naval/underwater-warfare/sonar-systems [En ligne ; Page disponible le 8 avril 2020].</a:t>
+            </a:r>
+          </a:p>
+          <a:p>
+            <a:endParaRPr lang="fr-FR" sz="600" dirty="0"/>
+          </a:p>
+          <a:p>
+            <a:r>
+              <a:rPr lang="fr-CA" sz="1400" dirty="0"/>
+              <a:t>[3] </a:t>
+            </a:r>
+          </a:p>
+        </p:txBody>
+      </p:sp>
+    </p:spTree>
+    <p:extLst>
+      <p:ext uri="{BB962C8B-B14F-4D97-AF65-F5344CB8AC3E}">
+        <p14:creationId xmlns:p14="http://schemas.microsoft.com/office/powerpoint/2010/main" val="335560268"/>
       </p:ext>
     </p:extLst>
   </p:cSld>
@@ -6641,7 +7821,11 @@
           </a:lstStyle>
           <a:p>
             <a:r>
-              <a:rPr lang="fr-CA" dirty="0"/>
+              <a:rPr lang="fr-CA" dirty="0">
+                <a:solidFill>
+                  <a:srgbClr val="286D9F"/>
+                </a:solidFill>
+              </a:rPr>
               <a:t>Description du projet</a:t>
             </a:r>
           </a:p>
@@ -6661,7 +7845,7 @@
         </p:nvSpPr>
         <p:spPr>
           <a:xfrm>
-            <a:off x="3036815" y="3171039"/>
+            <a:off x="6263864" y="91043"/>
             <a:ext cx="5698996" cy="369332"/>
           </a:xfrm>
           <a:prstGeom prst="rect">
@@ -6680,6 +7864,240 @@
               <a:t>Introduction, mise en contexte et objectifs du projet</a:t>
             </a:r>
             <a:endParaRPr lang="fr-CA" dirty="0"/>
+          </a:p>
+        </p:txBody>
+      </p:sp>
+      <p:sp>
+        <p:nvSpPr>
+          <p:cNvPr id="4" name="ZoneTexte 3">
+            <a:extLst>
+              <a:ext uri="{FF2B5EF4-FFF2-40B4-BE49-F238E27FC236}">
+                <a16:creationId xmlns:a16="http://schemas.microsoft.com/office/drawing/2014/main" id="{8D0F4619-DD9D-4BBF-9D5D-7C96DA77201D}"/>
+              </a:ext>
+            </a:extLst>
+          </p:cNvPr>
+          <p:cNvSpPr txBox="1"/>
+          <p:nvPr/>
+        </p:nvSpPr>
+        <p:spPr>
+          <a:xfrm>
+            <a:off x="521930" y="1404961"/>
+            <a:ext cx="8026452" cy="369332"/>
+          </a:xfrm>
+          <a:prstGeom prst="rect">
+            <a:avLst/>
+          </a:prstGeom>
+          <a:noFill/>
+        </p:spPr>
+        <p:txBody>
+          <a:bodyPr wrap="square" rtlCol="0">
+            <a:spAutoFit/>
+          </a:bodyPr>
+          <a:lstStyle/>
+          <a:p>
+            <a:r>
+              <a:rPr lang="fr-CA" dirty="0"/>
+              <a:t>Différentes utilisations d’un SONAR (Sound Navigation And </a:t>
+            </a:r>
+            <a:r>
+              <a:rPr lang="fr-CA" dirty="0" err="1"/>
+              <a:t>Ranging</a:t>
+            </a:r>
+            <a:r>
+              <a:rPr lang="fr-CA" dirty="0"/>
+              <a:t>)</a:t>
+            </a:r>
+          </a:p>
+        </p:txBody>
+      </p:sp>
+      <p:sp>
+        <p:nvSpPr>
+          <p:cNvPr id="5" name="ZoneTexte 4">
+            <a:extLst>
+              <a:ext uri="{FF2B5EF4-FFF2-40B4-BE49-F238E27FC236}">
+                <a16:creationId xmlns:a16="http://schemas.microsoft.com/office/drawing/2014/main" id="{E62D5244-BBC1-4DC0-9CD7-F74B98F11FDB}"/>
+              </a:ext>
+            </a:extLst>
+          </p:cNvPr>
+          <p:cNvSpPr txBox="1"/>
+          <p:nvPr/>
+        </p:nvSpPr>
+        <p:spPr>
+          <a:xfrm>
+            <a:off x="521930" y="5083708"/>
+            <a:ext cx="8913017" cy="923330"/>
+          </a:xfrm>
+          <a:prstGeom prst="rect">
+            <a:avLst/>
+          </a:prstGeom>
+          <a:noFill/>
+        </p:spPr>
+        <p:txBody>
+          <a:bodyPr wrap="none" rtlCol="0">
+            <a:spAutoFit/>
+          </a:bodyPr>
+          <a:lstStyle/>
+          <a:p>
+            <a:r>
+              <a:rPr lang="fr-FR" dirty="0"/>
+              <a:t>Objectif du projet : déterminer la géométrie et les propriétés d’un objet dans l’eau</a:t>
+            </a:r>
+          </a:p>
+          <a:p>
+            <a:r>
+              <a:rPr lang="fr-FR" dirty="0"/>
+              <a:t>qui permettraient de minimiser ou maximiser sa capacité à être détecté par un</a:t>
+            </a:r>
+          </a:p>
+          <a:p>
+            <a:r>
+              <a:rPr lang="fr-FR" dirty="0"/>
+              <a:t>SONAR constitué d’une source et d’un détecteur ponctuel.</a:t>
+            </a:r>
+            <a:endParaRPr lang="fr-CA" dirty="0"/>
+          </a:p>
+        </p:txBody>
+      </p:sp>
+      <p:pic>
+        <p:nvPicPr>
+          <p:cNvPr id="6" name="Image 5">
+            <a:extLst>
+              <a:ext uri="{FF2B5EF4-FFF2-40B4-BE49-F238E27FC236}">
+                <a16:creationId xmlns:a16="http://schemas.microsoft.com/office/drawing/2014/main" id="{EA5CA4EB-98C2-45FF-8BD7-2BE973537FDE}"/>
+              </a:ext>
+            </a:extLst>
+          </p:cNvPr>
+          <p:cNvPicPr>
+            <a:picLocks noChangeAspect="1"/>
+          </p:cNvPicPr>
+          <p:nvPr/>
+        </p:nvPicPr>
+        <p:blipFill rotWithShape="1">
+          <a:blip r:embed="rId2"/>
+          <a:srcRect r="3370"/>
+          <a:stretch/>
+        </p:blipFill>
+        <p:spPr>
+          <a:xfrm>
+            <a:off x="5516505" y="2299748"/>
+            <a:ext cx="3233213" cy="2024235"/>
+          </a:xfrm>
+          <a:prstGeom prst="rect">
+            <a:avLst/>
+          </a:prstGeom>
+        </p:spPr>
+      </p:pic>
+      <p:pic>
+        <p:nvPicPr>
+          <p:cNvPr id="7" name="Image 6">
+            <a:extLst>
+              <a:ext uri="{FF2B5EF4-FFF2-40B4-BE49-F238E27FC236}">
+                <a16:creationId xmlns:a16="http://schemas.microsoft.com/office/drawing/2014/main" id="{CD3A6C3E-7351-4367-BB2E-E5F3744F22F2}"/>
+              </a:ext>
+            </a:extLst>
+          </p:cNvPr>
+          <p:cNvPicPr>
+            <a:picLocks noChangeAspect="1"/>
+          </p:cNvPicPr>
+          <p:nvPr/>
+        </p:nvPicPr>
+        <p:blipFill>
+          <a:blip r:embed="rId3"/>
+          <a:stretch>
+            <a:fillRect/>
+          </a:stretch>
+        </p:blipFill>
+        <p:spPr>
+          <a:xfrm>
+            <a:off x="1301943" y="2299748"/>
+            <a:ext cx="3233213" cy="2022912"/>
+          </a:xfrm>
+          <a:prstGeom prst="rect">
+            <a:avLst/>
+          </a:prstGeom>
+        </p:spPr>
+      </p:pic>
+      <p:sp>
+        <p:nvSpPr>
+          <p:cNvPr id="11" name="ZoneTexte 10">
+            <a:extLst>
+              <a:ext uri="{FF2B5EF4-FFF2-40B4-BE49-F238E27FC236}">
+                <a16:creationId xmlns:a16="http://schemas.microsoft.com/office/drawing/2014/main" id="{A5A182D7-6668-4823-AF6C-1221605F9D07}"/>
+              </a:ext>
+            </a:extLst>
+          </p:cNvPr>
+          <p:cNvSpPr txBox="1"/>
+          <p:nvPr/>
+        </p:nvSpPr>
+        <p:spPr>
+          <a:xfrm>
+            <a:off x="1301943" y="4322660"/>
+            <a:ext cx="3233213" cy="430887"/>
+          </a:xfrm>
+          <a:prstGeom prst="rect">
+            <a:avLst/>
+          </a:prstGeom>
+          <a:noFill/>
+        </p:spPr>
+        <p:txBody>
+          <a:bodyPr wrap="square" rtlCol="0">
+            <a:spAutoFit/>
+          </a:bodyPr>
+          <a:lstStyle/>
+          <a:p>
+            <a:r>
+              <a:rPr lang="fr-CA" sz="1100" dirty="0">
+                <a:solidFill>
+                  <a:schemeClr val="tx1">
+                    <a:lumMod val="85000"/>
+                    <a:lumOff val="15000"/>
+                  </a:schemeClr>
+                </a:solidFill>
+              </a:rPr>
+              <a:t>Figure 1 : Utilisation d’un SONAR pour mesurer la profondeur sous le bateau [1]</a:t>
+            </a:r>
+          </a:p>
+        </p:txBody>
+      </p:sp>
+      <p:sp>
+        <p:nvSpPr>
+          <p:cNvPr id="13" name="ZoneTexte 12">
+            <a:extLst>
+              <a:ext uri="{FF2B5EF4-FFF2-40B4-BE49-F238E27FC236}">
+                <a16:creationId xmlns:a16="http://schemas.microsoft.com/office/drawing/2014/main" id="{0A587ADC-CBBD-4A76-93FC-D842F27E6734}"/>
+              </a:ext>
+            </a:extLst>
+          </p:cNvPr>
+          <p:cNvSpPr txBox="1"/>
+          <p:nvPr/>
+        </p:nvSpPr>
+        <p:spPr>
+          <a:xfrm>
+            <a:off x="5516505" y="4337825"/>
+            <a:ext cx="3233213" cy="430887"/>
+          </a:xfrm>
+          <a:prstGeom prst="rect">
+            <a:avLst/>
+          </a:prstGeom>
+          <a:noFill/>
+        </p:spPr>
+        <p:txBody>
+          <a:bodyPr wrap="square" rtlCol="0">
+            <a:spAutoFit/>
+          </a:bodyPr>
+          <a:lstStyle/>
+          <a:p>
+            <a:r>
+              <a:rPr lang="fr-CA" sz="1100" dirty="0">
+                <a:solidFill>
+                  <a:schemeClr val="tx1">
+                    <a:lumMod val="85000"/>
+                    <a:lumOff val="15000"/>
+                  </a:schemeClr>
+                </a:solidFill>
+              </a:rPr>
+              <a:t>Figure 2 : Utilisation d’un SONAR pour déterminer la position d’un objet submergé [2]</a:t>
+            </a:r>
           </a:p>
         </p:txBody>
       </p:sp>
@@ -6812,7 +8230,11 @@
           </a:lstStyle>
           <a:p>
             <a:r>
-              <a:rPr lang="fr-CA" dirty="0"/>
+              <a:rPr lang="fr-CA" dirty="0">
+                <a:solidFill>
+                  <a:srgbClr val="286D9F"/>
+                </a:solidFill>
+              </a:rPr>
               <a:t>Modélisation des phénomènes physiques</a:t>
             </a:r>
           </a:p>
@@ -6832,7 +8254,7 @@
         </p:nvSpPr>
         <p:spPr>
           <a:xfrm>
-            <a:off x="1979802" y="2969703"/>
+            <a:off x="5133657" y="90083"/>
             <a:ext cx="7058343" cy="646331"/>
           </a:xfrm>
           <a:prstGeom prst="rect">
@@ -6860,6 +8282,1598 @@
           </a:p>
         </p:txBody>
       </p:sp>
+      <p:sp>
+        <p:nvSpPr>
+          <p:cNvPr id="4" name="ZoneTexte 3">
+            <a:extLst>
+              <a:ext uri="{FF2B5EF4-FFF2-40B4-BE49-F238E27FC236}">
+                <a16:creationId xmlns:a16="http://schemas.microsoft.com/office/drawing/2014/main" id="{4719FD71-EADB-4472-A086-4BD775559D5E}"/>
+              </a:ext>
+            </a:extLst>
+          </p:cNvPr>
+          <p:cNvSpPr txBox="1"/>
+          <p:nvPr/>
+        </p:nvSpPr>
+        <p:spPr>
+          <a:xfrm>
+            <a:off x="455643" y="1450233"/>
+            <a:ext cx="4858220" cy="646331"/>
+          </a:xfrm>
+          <a:prstGeom prst="rect">
+            <a:avLst/>
+          </a:prstGeom>
+          <a:noFill/>
+        </p:spPr>
+        <p:txBody>
+          <a:bodyPr wrap="square" rtlCol="0">
+            <a:spAutoFit/>
+          </a:bodyPr>
+          <a:lstStyle/>
+          <a:p>
+            <a:r>
+              <a:rPr lang="fr-CA" dirty="0"/>
+              <a:t>Les équations couplées pression-vitesse</a:t>
+            </a:r>
+          </a:p>
+          <a:p>
+            <a:r>
+              <a:rPr lang="fr-CA" dirty="0"/>
+              <a:t>valables pour les milieux dispersifs (1) et (2)</a:t>
+            </a:r>
+          </a:p>
+        </p:txBody>
+      </p:sp>
+      <mc:AlternateContent xmlns:mc="http://schemas.openxmlformats.org/markup-compatibility/2006">
+        <mc:Choice xmlns:a14="http://schemas.microsoft.com/office/drawing/2010/main" Requires="a14">
+          <p:sp>
+            <p:nvSpPr>
+              <p:cNvPr id="5" name="ZoneTexte 4">
+                <a:extLst>
+                  <a:ext uri="{FF2B5EF4-FFF2-40B4-BE49-F238E27FC236}">
+                    <a16:creationId xmlns:a16="http://schemas.microsoft.com/office/drawing/2014/main" id="{A22C189A-D656-4E8B-9BB9-0D248CB96E49}"/>
+                  </a:ext>
+                </a:extLst>
+              </p:cNvPr>
+              <p:cNvSpPr txBox="1"/>
+              <p:nvPr/>
+            </p:nvSpPr>
+            <p:spPr>
+              <a:xfrm>
+                <a:off x="965028" y="2189295"/>
+                <a:ext cx="3839449" cy="423193"/>
+              </a:xfrm>
+              <a:prstGeom prst="rect">
+                <a:avLst/>
+              </a:prstGeom>
+              <a:noFill/>
+            </p:spPr>
+            <p:txBody>
+              <a:bodyPr wrap="none" lIns="0" tIns="0" rIns="0" bIns="0" rtlCol="0">
+                <a:spAutoFit/>
+              </a:bodyPr>
+              <a:lstStyle/>
+              <a:p>
+                <a14:m>
+                  <m:oMath xmlns:m="http://schemas.openxmlformats.org/officeDocument/2006/math">
+                    <m:r>
+                      <a:rPr lang="fr-CA" b="0" i="1" smtClean="0">
+                        <a:latin typeface="Cambria Math" panose="02040503050406030204" pitchFamily="18" charset="0"/>
+                      </a:rPr>
+                      <m:t>−</m:t>
+                    </m:r>
+                    <m:r>
+                      <a:rPr lang="fr-CA" b="0" i="1" smtClean="0">
+                        <a:latin typeface="Cambria Math" panose="02040503050406030204" pitchFamily="18" charset="0"/>
+                        <a:ea typeface="Cambria Math" panose="02040503050406030204" pitchFamily="18" charset="0"/>
+                      </a:rPr>
+                      <m:t>𝜌</m:t>
+                    </m:r>
+                    <m:f>
+                      <m:fPr>
+                        <m:ctrlPr>
+                          <a:rPr lang="fr-CA" b="0" i="1" smtClean="0">
+                            <a:latin typeface="Cambria Math" panose="02040503050406030204" pitchFamily="18" charset="0"/>
+                            <a:ea typeface="Cambria Math" panose="02040503050406030204" pitchFamily="18" charset="0"/>
+                          </a:rPr>
+                        </m:ctrlPr>
+                      </m:fPr>
+                      <m:num>
+                        <m:r>
+                          <a:rPr lang="fr-CA" b="0" i="1" smtClean="0">
+                            <a:latin typeface="Cambria Math" panose="02040503050406030204" pitchFamily="18" charset="0"/>
+                            <a:ea typeface="Cambria Math" panose="02040503050406030204" pitchFamily="18" charset="0"/>
+                          </a:rPr>
+                          <m:t>𝜕</m:t>
+                        </m:r>
+                        <m:acc>
+                          <m:accPr>
+                            <m:chr m:val="⃗"/>
+                            <m:ctrlPr>
+                              <a:rPr lang="fr-CA" b="0" i="1" smtClean="0">
+                                <a:latin typeface="Cambria Math" panose="02040503050406030204" pitchFamily="18" charset="0"/>
+                                <a:ea typeface="Cambria Math" panose="02040503050406030204" pitchFamily="18" charset="0"/>
+                              </a:rPr>
+                            </m:ctrlPr>
+                          </m:accPr>
+                          <m:e>
+                            <m:r>
+                              <a:rPr lang="fr-CA" b="0" i="1" smtClean="0">
+                                <a:latin typeface="Cambria Math" panose="02040503050406030204" pitchFamily="18" charset="0"/>
+                                <a:ea typeface="Cambria Math" panose="02040503050406030204" pitchFamily="18" charset="0"/>
+                              </a:rPr>
+                              <m:t>𝜈</m:t>
+                            </m:r>
+                          </m:e>
+                        </m:acc>
+                        <m:d>
+                          <m:dPr>
+                            <m:ctrlPr>
+                              <a:rPr lang="fr-CA" b="0" i="1" smtClean="0">
+                                <a:latin typeface="Cambria Math" panose="02040503050406030204" pitchFamily="18" charset="0"/>
+                              </a:rPr>
+                            </m:ctrlPr>
+                          </m:dPr>
+                          <m:e>
+                            <m:acc>
+                              <m:accPr>
+                                <m:chr m:val="⃗"/>
+                                <m:ctrlPr>
+                                  <a:rPr lang="fr-CA" i="1">
+                                    <a:latin typeface="Cambria Math" panose="02040503050406030204" pitchFamily="18" charset="0"/>
+                                    <a:ea typeface="Cambria Math" panose="02040503050406030204" pitchFamily="18" charset="0"/>
+                                  </a:rPr>
+                                </m:ctrlPr>
+                              </m:accPr>
+                              <m:e>
+                                <m:r>
+                                  <a:rPr lang="fr-CA" i="1">
+                                    <a:latin typeface="Cambria Math" panose="02040503050406030204" pitchFamily="18" charset="0"/>
+                                    <a:ea typeface="Cambria Math" panose="02040503050406030204" pitchFamily="18" charset="0"/>
+                                  </a:rPr>
+                                  <m:t>𝑟</m:t>
+                                </m:r>
+                              </m:e>
+                            </m:acc>
+                            <m:r>
+                              <a:rPr lang="fr-CA" b="0" i="1" smtClean="0">
+                                <a:latin typeface="Cambria Math" panose="02040503050406030204" pitchFamily="18" charset="0"/>
+                              </a:rPr>
+                              <m:t>,</m:t>
+                            </m:r>
+                            <m:r>
+                              <a:rPr lang="fr-CA" b="0" i="1" smtClean="0">
+                                <a:latin typeface="Cambria Math" panose="02040503050406030204" pitchFamily="18" charset="0"/>
+                              </a:rPr>
+                              <m:t>𝑡</m:t>
+                            </m:r>
+                          </m:e>
+                        </m:d>
+                      </m:num>
+                      <m:den>
+                        <m:r>
+                          <a:rPr lang="fr-CA" b="0" i="1" smtClean="0">
+                            <a:latin typeface="Cambria Math" panose="02040503050406030204" pitchFamily="18" charset="0"/>
+                            <a:ea typeface="Cambria Math" panose="02040503050406030204" pitchFamily="18" charset="0"/>
+                          </a:rPr>
+                          <m:t>𝜕</m:t>
+                        </m:r>
+                        <m:r>
+                          <a:rPr lang="fr-CA" b="0" i="1" smtClean="0">
+                            <a:latin typeface="Cambria Math" panose="02040503050406030204" pitchFamily="18" charset="0"/>
+                            <a:ea typeface="Cambria Math" panose="02040503050406030204" pitchFamily="18" charset="0"/>
+                          </a:rPr>
+                          <m:t>𝑡</m:t>
+                        </m:r>
+                      </m:den>
+                    </m:f>
+                    <m:r>
+                      <a:rPr lang="fr-CA" b="0" i="1" smtClean="0">
+                        <a:latin typeface="Cambria Math" panose="02040503050406030204" pitchFamily="18" charset="0"/>
+                        <a:ea typeface="Cambria Math" panose="02040503050406030204" pitchFamily="18" charset="0"/>
+                      </a:rPr>
+                      <m:t>−</m:t>
+                    </m:r>
+                    <m:r>
+                      <m:rPr>
+                        <m:sty m:val="p"/>
+                      </m:rPr>
+                      <a:rPr lang="fr-CA" b="0" i="1" smtClean="0">
+                        <a:latin typeface="Cambria Math" panose="02040503050406030204" pitchFamily="18" charset="0"/>
+                        <a:ea typeface="Cambria Math" panose="02040503050406030204" pitchFamily="18" charset="0"/>
+                      </a:rPr>
+                      <m:t>α</m:t>
+                    </m:r>
+                    <m:r>
+                      <a:rPr lang="fr-CA" i="1">
+                        <a:latin typeface="Cambria Math" panose="02040503050406030204" pitchFamily="18" charset="0"/>
+                        <a:ea typeface="Cambria Math" panose="02040503050406030204" pitchFamily="18" charset="0"/>
+                      </a:rPr>
+                      <m:t>𝜌</m:t>
+                    </m:r>
+                    <m:r>
+                      <a:rPr lang="fr-CA" b="0" i="1" smtClean="0">
+                        <a:latin typeface="Cambria Math" panose="02040503050406030204" pitchFamily="18" charset="0"/>
+                        <a:ea typeface="Cambria Math" panose="02040503050406030204" pitchFamily="18" charset="0"/>
+                      </a:rPr>
+                      <m:t>𝐵</m:t>
+                    </m:r>
+                    <m:acc>
+                      <m:accPr>
+                        <m:chr m:val="⃗"/>
+                        <m:ctrlPr>
+                          <a:rPr lang="fr-CA" i="1">
+                            <a:latin typeface="Cambria Math" panose="02040503050406030204" pitchFamily="18" charset="0"/>
+                            <a:ea typeface="Cambria Math" panose="02040503050406030204" pitchFamily="18" charset="0"/>
+                          </a:rPr>
+                        </m:ctrlPr>
+                      </m:accPr>
+                      <m:e>
+                        <m:r>
+                          <a:rPr lang="fr-CA" i="1">
+                            <a:latin typeface="Cambria Math" panose="02040503050406030204" pitchFamily="18" charset="0"/>
+                            <a:ea typeface="Cambria Math" panose="02040503050406030204" pitchFamily="18" charset="0"/>
+                          </a:rPr>
+                          <m:t>𝜈</m:t>
+                        </m:r>
+                      </m:e>
+                    </m:acc>
+                    <m:d>
+                      <m:dPr>
+                        <m:ctrlPr>
+                          <a:rPr lang="fr-CA" i="1">
+                            <a:latin typeface="Cambria Math" panose="02040503050406030204" pitchFamily="18" charset="0"/>
+                          </a:rPr>
+                        </m:ctrlPr>
+                      </m:dPr>
+                      <m:e>
+                        <m:acc>
+                          <m:accPr>
+                            <m:chr m:val="⃗"/>
+                            <m:ctrlPr>
+                              <a:rPr lang="fr-CA" i="1">
+                                <a:latin typeface="Cambria Math" panose="02040503050406030204" pitchFamily="18" charset="0"/>
+                                <a:ea typeface="Cambria Math" panose="02040503050406030204" pitchFamily="18" charset="0"/>
+                              </a:rPr>
+                            </m:ctrlPr>
+                          </m:accPr>
+                          <m:e>
+                            <m:r>
+                              <a:rPr lang="fr-CA" i="1">
+                                <a:latin typeface="Cambria Math" panose="02040503050406030204" pitchFamily="18" charset="0"/>
+                                <a:ea typeface="Cambria Math" panose="02040503050406030204" pitchFamily="18" charset="0"/>
+                              </a:rPr>
+                              <m:t>𝑟</m:t>
+                            </m:r>
+                          </m:e>
+                        </m:acc>
+                        <m:r>
+                          <a:rPr lang="fr-CA" i="1">
+                            <a:latin typeface="Cambria Math" panose="02040503050406030204" pitchFamily="18" charset="0"/>
+                          </a:rPr>
+                          <m:t>,</m:t>
+                        </m:r>
+                        <m:r>
+                          <a:rPr lang="fr-CA" i="1">
+                            <a:latin typeface="Cambria Math" panose="02040503050406030204" pitchFamily="18" charset="0"/>
+                          </a:rPr>
+                          <m:t>𝑡</m:t>
+                        </m:r>
+                      </m:e>
+                    </m:d>
+                    <m:r>
+                      <a:rPr lang="fr-CA" b="0" i="1" smtClean="0">
+                        <a:latin typeface="Cambria Math" panose="02040503050406030204" pitchFamily="18" charset="0"/>
+                      </a:rPr>
+                      <m:t>=</m:t>
+                    </m:r>
+                    <m:acc>
+                      <m:accPr>
+                        <m:chr m:val="⃗"/>
+                        <m:ctrlPr>
+                          <a:rPr lang="fr-CA" b="0" i="1" smtClean="0">
+                            <a:latin typeface="Cambria Math" panose="02040503050406030204" pitchFamily="18" charset="0"/>
+                          </a:rPr>
+                        </m:ctrlPr>
+                      </m:accPr>
+                      <m:e>
+                        <m:r>
+                          <m:rPr>
+                            <m:sty m:val="p"/>
+                          </m:rPr>
+                          <a:rPr lang="fr-CA" i="1">
+                            <a:latin typeface="Cambria Math" panose="02040503050406030204" pitchFamily="18" charset="0"/>
+                            <a:ea typeface="Cambria Math" panose="02040503050406030204" pitchFamily="18" charset="0"/>
+                          </a:rPr>
+                          <m:t>∇</m:t>
+                        </m:r>
+                      </m:e>
+                    </m:acc>
+                    <m:r>
+                      <a:rPr lang="fr-CA" b="0" i="1" smtClean="0">
+                        <a:latin typeface="Cambria Math" panose="02040503050406030204" pitchFamily="18" charset="0"/>
+                      </a:rPr>
+                      <m:t>𝑝</m:t>
+                    </m:r>
+                    <m:d>
+                      <m:dPr>
+                        <m:ctrlPr>
+                          <a:rPr lang="fr-CA" i="1">
+                            <a:latin typeface="Cambria Math" panose="02040503050406030204" pitchFamily="18" charset="0"/>
+                          </a:rPr>
+                        </m:ctrlPr>
+                      </m:dPr>
+                      <m:e>
+                        <m:acc>
+                          <m:accPr>
+                            <m:chr m:val="⃗"/>
+                            <m:ctrlPr>
+                              <a:rPr lang="fr-CA" i="1">
+                                <a:latin typeface="Cambria Math" panose="02040503050406030204" pitchFamily="18" charset="0"/>
+                                <a:ea typeface="Cambria Math" panose="02040503050406030204" pitchFamily="18" charset="0"/>
+                              </a:rPr>
+                            </m:ctrlPr>
+                          </m:accPr>
+                          <m:e>
+                            <m:r>
+                              <a:rPr lang="fr-CA" i="1">
+                                <a:latin typeface="Cambria Math" panose="02040503050406030204" pitchFamily="18" charset="0"/>
+                                <a:ea typeface="Cambria Math" panose="02040503050406030204" pitchFamily="18" charset="0"/>
+                              </a:rPr>
+                              <m:t>𝑟</m:t>
+                            </m:r>
+                          </m:e>
+                        </m:acc>
+                        <m:r>
+                          <a:rPr lang="fr-CA" i="1">
+                            <a:latin typeface="Cambria Math" panose="02040503050406030204" pitchFamily="18" charset="0"/>
+                          </a:rPr>
+                          <m:t>,</m:t>
+                        </m:r>
+                        <m:r>
+                          <a:rPr lang="fr-CA" i="1">
+                            <a:latin typeface="Cambria Math" panose="02040503050406030204" pitchFamily="18" charset="0"/>
+                          </a:rPr>
+                          <m:t>𝑡</m:t>
+                        </m:r>
+                      </m:e>
+                    </m:d>
+                  </m:oMath>
+                </a14:m>
+                <a:r>
+                  <a:rPr lang="fr-CA" b="0" dirty="0">
+                    <a:ea typeface="Cambria Math" panose="02040503050406030204" pitchFamily="18" charset="0"/>
+                  </a:rPr>
+                  <a:t>    (1)</a:t>
+                </a:r>
+              </a:p>
+            </p:txBody>
+          </p:sp>
+        </mc:Choice>
+        <mc:Fallback>
+          <p:sp>
+            <p:nvSpPr>
+              <p:cNvPr id="5" name="ZoneTexte 4">
+                <a:extLst>
+                  <a:ext uri="{FF2B5EF4-FFF2-40B4-BE49-F238E27FC236}">
+                    <a16:creationId xmlns:a16="http://schemas.microsoft.com/office/drawing/2014/main" id="{A22C189A-D656-4E8B-9BB9-0D248CB96E49}"/>
+                  </a:ext>
+                </a:extLst>
+              </p:cNvPr>
+              <p:cNvSpPr txBox="1">
+                <a:spLocks noRot="1" noChangeAspect="1" noMove="1" noResize="1" noEditPoints="1" noAdjustHandles="1" noChangeArrowheads="1" noChangeShapeType="1" noTextEdit="1"/>
+              </p:cNvSpPr>
+              <p:nvPr/>
+            </p:nvSpPr>
+            <p:spPr>
+              <a:xfrm>
+                <a:off x="965028" y="2189295"/>
+                <a:ext cx="3839449" cy="423193"/>
+              </a:xfrm>
+              <a:prstGeom prst="rect">
+                <a:avLst/>
+              </a:prstGeom>
+              <a:blipFill>
+                <a:blip r:embed="rId2"/>
+                <a:stretch>
+                  <a:fillRect l="-952" t="-17143" r="-3016" b="-17143"/>
+                </a:stretch>
+              </a:blipFill>
+            </p:spPr>
+            <p:txBody>
+              <a:bodyPr/>
+              <a:lstStyle/>
+              <a:p>
+                <a:r>
+                  <a:rPr lang="fr-CA">
+                    <a:noFill/>
+                  </a:rPr>
+                  <a:t> </a:t>
+                </a:r>
+              </a:p>
+            </p:txBody>
+          </p:sp>
+        </mc:Fallback>
+      </mc:AlternateContent>
+      <mc:AlternateContent xmlns:mc="http://schemas.openxmlformats.org/markup-compatibility/2006">
+        <mc:Choice xmlns:a14="http://schemas.microsoft.com/office/drawing/2010/main" Requires="a14">
+          <p:sp>
+            <p:nvSpPr>
+              <p:cNvPr id="6" name="ZoneTexte 5">
+                <a:extLst>
+                  <a:ext uri="{FF2B5EF4-FFF2-40B4-BE49-F238E27FC236}">
+                    <a16:creationId xmlns:a16="http://schemas.microsoft.com/office/drawing/2014/main" id="{ACFAF421-357F-4448-8308-59C5BBA4406F}"/>
+                  </a:ext>
+                </a:extLst>
+              </p:cNvPr>
+              <p:cNvSpPr txBox="1"/>
+              <p:nvPr/>
+            </p:nvSpPr>
+            <p:spPr>
+              <a:xfrm>
+                <a:off x="1058515" y="2705220"/>
+                <a:ext cx="3745962" cy="423193"/>
+              </a:xfrm>
+              <a:prstGeom prst="rect">
+                <a:avLst/>
+              </a:prstGeom>
+              <a:noFill/>
+            </p:spPr>
+            <p:txBody>
+              <a:bodyPr wrap="none" lIns="0" tIns="0" rIns="0" bIns="0" rtlCol="0">
+                <a:spAutoFit/>
+              </a:bodyPr>
+              <a:lstStyle/>
+              <a:p>
+                <a14:m>
+                  <m:oMath xmlns:m="http://schemas.openxmlformats.org/officeDocument/2006/math">
+                    <m:r>
+                      <a:rPr lang="fr-CA" b="0" i="1" smtClean="0">
+                        <a:latin typeface="Cambria Math" panose="02040503050406030204" pitchFamily="18" charset="0"/>
+                      </a:rPr>
+                      <m:t>−</m:t>
+                    </m:r>
+                    <m:f>
+                      <m:fPr>
+                        <m:ctrlPr>
+                          <a:rPr lang="fr-CA" i="1" smtClean="0">
+                            <a:latin typeface="Cambria Math" panose="02040503050406030204" pitchFamily="18" charset="0"/>
+                          </a:rPr>
+                        </m:ctrlPr>
+                      </m:fPr>
+                      <m:num>
+                        <m:r>
+                          <a:rPr lang="fr-CA" b="0" i="1" smtClean="0">
+                            <a:latin typeface="Cambria Math" panose="02040503050406030204" pitchFamily="18" charset="0"/>
+                          </a:rPr>
+                          <m:t>1</m:t>
+                        </m:r>
+                      </m:num>
+                      <m:den>
+                        <m:r>
+                          <a:rPr lang="fr-CA" b="0" i="1" smtClean="0">
+                            <a:latin typeface="Cambria Math" panose="02040503050406030204" pitchFamily="18" charset="0"/>
+                          </a:rPr>
+                          <m:t>𝐵</m:t>
+                        </m:r>
+                      </m:den>
+                    </m:f>
+                    <m:f>
+                      <m:fPr>
+                        <m:ctrlPr>
+                          <a:rPr lang="fr-CA" i="1">
+                            <a:latin typeface="Cambria Math" panose="02040503050406030204" pitchFamily="18" charset="0"/>
+                            <a:ea typeface="Cambria Math" panose="02040503050406030204" pitchFamily="18" charset="0"/>
+                          </a:rPr>
+                        </m:ctrlPr>
+                      </m:fPr>
+                      <m:num>
+                        <m:r>
+                          <a:rPr lang="fr-CA" i="1">
+                            <a:latin typeface="Cambria Math" panose="02040503050406030204" pitchFamily="18" charset="0"/>
+                            <a:ea typeface="Cambria Math" panose="02040503050406030204" pitchFamily="18" charset="0"/>
+                          </a:rPr>
+                          <m:t>𝜕</m:t>
+                        </m:r>
+                        <m:r>
+                          <a:rPr lang="fr-CA" b="0" i="1" smtClean="0">
+                            <a:latin typeface="Cambria Math" panose="02040503050406030204" pitchFamily="18" charset="0"/>
+                            <a:ea typeface="Cambria Math" panose="02040503050406030204" pitchFamily="18" charset="0"/>
+                          </a:rPr>
+                          <m:t>𝑝</m:t>
+                        </m:r>
+                        <m:d>
+                          <m:dPr>
+                            <m:ctrlPr>
+                              <a:rPr lang="fr-CA" i="1">
+                                <a:latin typeface="Cambria Math" panose="02040503050406030204" pitchFamily="18" charset="0"/>
+                              </a:rPr>
+                            </m:ctrlPr>
+                          </m:dPr>
+                          <m:e>
+                            <m:acc>
+                              <m:accPr>
+                                <m:chr m:val="⃗"/>
+                                <m:ctrlPr>
+                                  <a:rPr lang="fr-CA" i="1">
+                                    <a:latin typeface="Cambria Math" panose="02040503050406030204" pitchFamily="18" charset="0"/>
+                                    <a:ea typeface="Cambria Math" panose="02040503050406030204" pitchFamily="18" charset="0"/>
+                                  </a:rPr>
+                                </m:ctrlPr>
+                              </m:accPr>
+                              <m:e>
+                                <m:r>
+                                  <a:rPr lang="fr-CA" i="1">
+                                    <a:latin typeface="Cambria Math" panose="02040503050406030204" pitchFamily="18" charset="0"/>
+                                    <a:ea typeface="Cambria Math" panose="02040503050406030204" pitchFamily="18" charset="0"/>
+                                  </a:rPr>
+                                  <m:t>𝑟</m:t>
+                                </m:r>
+                              </m:e>
+                            </m:acc>
+                            <m:r>
+                              <a:rPr lang="fr-CA" i="1">
+                                <a:latin typeface="Cambria Math" panose="02040503050406030204" pitchFamily="18" charset="0"/>
+                              </a:rPr>
+                              <m:t>,</m:t>
+                            </m:r>
+                            <m:r>
+                              <a:rPr lang="fr-CA" i="1">
+                                <a:latin typeface="Cambria Math" panose="02040503050406030204" pitchFamily="18" charset="0"/>
+                              </a:rPr>
+                              <m:t>𝑡</m:t>
+                            </m:r>
+                          </m:e>
+                        </m:d>
+                      </m:num>
+                      <m:den>
+                        <m:r>
+                          <a:rPr lang="fr-CA" i="1">
+                            <a:latin typeface="Cambria Math" panose="02040503050406030204" pitchFamily="18" charset="0"/>
+                            <a:ea typeface="Cambria Math" panose="02040503050406030204" pitchFamily="18" charset="0"/>
+                          </a:rPr>
+                          <m:t>𝜕</m:t>
+                        </m:r>
+                        <m:r>
+                          <a:rPr lang="fr-CA" i="1">
+                            <a:latin typeface="Cambria Math" panose="02040503050406030204" pitchFamily="18" charset="0"/>
+                            <a:ea typeface="Cambria Math" panose="02040503050406030204" pitchFamily="18" charset="0"/>
+                          </a:rPr>
+                          <m:t>𝑡</m:t>
+                        </m:r>
+                      </m:den>
+                    </m:f>
+                    <m:r>
+                      <a:rPr lang="fr-CA" b="0" i="1" smtClean="0">
+                        <a:latin typeface="Cambria Math" panose="02040503050406030204" pitchFamily="18" charset="0"/>
+                        <a:ea typeface="Cambria Math" panose="02040503050406030204" pitchFamily="18" charset="0"/>
+                      </a:rPr>
+                      <m:t>−</m:t>
+                    </m:r>
+                    <m:r>
+                      <m:rPr>
+                        <m:sty m:val="p"/>
+                      </m:rPr>
+                      <a:rPr lang="fr-CA" b="0" i="1" smtClean="0">
+                        <a:latin typeface="Cambria Math" panose="02040503050406030204" pitchFamily="18" charset="0"/>
+                        <a:ea typeface="Cambria Math" panose="02040503050406030204" pitchFamily="18" charset="0"/>
+                      </a:rPr>
+                      <m:t>α</m:t>
+                    </m:r>
+                    <m:r>
+                      <a:rPr lang="fr-CA" i="1">
+                        <a:latin typeface="Cambria Math" panose="02040503050406030204" pitchFamily="18" charset="0"/>
+                        <a:ea typeface="Cambria Math" panose="02040503050406030204" pitchFamily="18" charset="0"/>
+                      </a:rPr>
+                      <m:t>𝑝</m:t>
+                    </m:r>
+                    <m:d>
+                      <m:dPr>
+                        <m:ctrlPr>
+                          <a:rPr lang="fr-CA" i="1">
+                            <a:latin typeface="Cambria Math" panose="02040503050406030204" pitchFamily="18" charset="0"/>
+                          </a:rPr>
+                        </m:ctrlPr>
+                      </m:dPr>
+                      <m:e>
+                        <m:acc>
+                          <m:accPr>
+                            <m:chr m:val="⃗"/>
+                            <m:ctrlPr>
+                              <a:rPr lang="fr-CA" i="1">
+                                <a:latin typeface="Cambria Math" panose="02040503050406030204" pitchFamily="18" charset="0"/>
+                                <a:ea typeface="Cambria Math" panose="02040503050406030204" pitchFamily="18" charset="0"/>
+                              </a:rPr>
+                            </m:ctrlPr>
+                          </m:accPr>
+                          <m:e>
+                            <m:r>
+                              <a:rPr lang="fr-CA" i="1">
+                                <a:latin typeface="Cambria Math" panose="02040503050406030204" pitchFamily="18" charset="0"/>
+                                <a:ea typeface="Cambria Math" panose="02040503050406030204" pitchFamily="18" charset="0"/>
+                              </a:rPr>
+                              <m:t>𝑟</m:t>
+                            </m:r>
+                          </m:e>
+                        </m:acc>
+                        <m:r>
+                          <a:rPr lang="fr-CA" i="1">
+                            <a:latin typeface="Cambria Math" panose="02040503050406030204" pitchFamily="18" charset="0"/>
+                          </a:rPr>
+                          <m:t>,</m:t>
+                        </m:r>
+                        <m:r>
+                          <a:rPr lang="fr-CA" i="1">
+                            <a:latin typeface="Cambria Math" panose="02040503050406030204" pitchFamily="18" charset="0"/>
+                          </a:rPr>
+                          <m:t>𝑡</m:t>
+                        </m:r>
+                      </m:e>
+                    </m:d>
+                    <m:r>
+                      <a:rPr lang="fr-CA" b="0" i="1" smtClean="0">
+                        <a:latin typeface="Cambria Math" panose="02040503050406030204" pitchFamily="18" charset="0"/>
+                      </a:rPr>
+                      <m:t>=</m:t>
+                    </m:r>
+                    <m:acc>
+                      <m:accPr>
+                        <m:chr m:val="⃗"/>
+                        <m:ctrlPr>
+                          <a:rPr lang="fr-CA" i="1">
+                            <a:latin typeface="Cambria Math" panose="02040503050406030204" pitchFamily="18" charset="0"/>
+                          </a:rPr>
+                        </m:ctrlPr>
+                      </m:accPr>
+                      <m:e>
+                        <m:r>
+                          <m:rPr>
+                            <m:sty m:val="p"/>
+                          </m:rPr>
+                          <a:rPr lang="fr-CA" i="1">
+                            <a:latin typeface="Cambria Math" panose="02040503050406030204" pitchFamily="18" charset="0"/>
+                            <a:ea typeface="Cambria Math" panose="02040503050406030204" pitchFamily="18" charset="0"/>
+                          </a:rPr>
+                          <m:t>∇</m:t>
+                        </m:r>
+                      </m:e>
+                    </m:acc>
+                    <m:r>
+                      <a:rPr lang="fr-CA" i="1" smtClean="0">
+                        <a:latin typeface="Cambria Math" panose="02040503050406030204" pitchFamily="18" charset="0"/>
+                        <a:ea typeface="Cambria Math" panose="02040503050406030204" pitchFamily="18" charset="0"/>
+                      </a:rPr>
+                      <m:t>∙</m:t>
+                    </m:r>
+                    <m:acc>
+                      <m:accPr>
+                        <m:chr m:val="⃗"/>
+                        <m:ctrlPr>
+                          <a:rPr lang="fr-CA" i="1">
+                            <a:latin typeface="Cambria Math" panose="02040503050406030204" pitchFamily="18" charset="0"/>
+                            <a:ea typeface="Cambria Math" panose="02040503050406030204" pitchFamily="18" charset="0"/>
+                          </a:rPr>
+                        </m:ctrlPr>
+                      </m:accPr>
+                      <m:e>
+                        <m:r>
+                          <a:rPr lang="fr-CA" i="1">
+                            <a:latin typeface="Cambria Math" panose="02040503050406030204" pitchFamily="18" charset="0"/>
+                            <a:ea typeface="Cambria Math" panose="02040503050406030204" pitchFamily="18" charset="0"/>
+                          </a:rPr>
+                          <m:t>𝜈</m:t>
+                        </m:r>
+                      </m:e>
+                    </m:acc>
+                    <m:d>
+                      <m:dPr>
+                        <m:ctrlPr>
+                          <a:rPr lang="fr-CA" i="1">
+                            <a:latin typeface="Cambria Math" panose="02040503050406030204" pitchFamily="18" charset="0"/>
+                          </a:rPr>
+                        </m:ctrlPr>
+                      </m:dPr>
+                      <m:e>
+                        <m:acc>
+                          <m:accPr>
+                            <m:chr m:val="⃗"/>
+                            <m:ctrlPr>
+                              <a:rPr lang="fr-CA" i="1">
+                                <a:latin typeface="Cambria Math" panose="02040503050406030204" pitchFamily="18" charset="0"/>
+                                <a:ea typeface="Cambria Math" panose="02040503050406030204" pitchFamily="18" charset="0"/>
+                              </a:rPr>
+                            </m:ctrlPr>
+                          </m:accPr>
+                          <m:e>
+                            <m:r>
+                              <a:rPr lang="fr-CA" i="1">
+                                <a:latin typeface="Cambria Math" panose="02040503050406030204" pitchFamily="18" charset="0"/>
+                                <a:ea typeface="Cambria Math" panose="02040503050406030204" pitchFamily="18" charset="0"/>
+                              </a:rPr>
+                              <m:t>𝑟</m:t>
+                            </m:r>
+                          </m:e>
+                        </m:acc>
+                        <m:r>
+                          <a:rPr lang="fr-CA" i="1">
+                            <a:latin typeface="Cambria Math" panose="02040503050406030204" pitchFamily="18" charset="0"/>
+                          </a:rPr>
+                          <m:t>,</m:t>
+                        </m:r>
+                        <m:r>
+                          <a:rPr lang="fr-CA" i="1">
+                            <a:latin typeface="Cambria Math" panose="02040503050406030204" pitchFamily="18" charset="0"/>
+                          </a:rPr>
+                          <m:t>𝑡</m:t>
+                        </m:r>
+                      </m:e>
+                    </m:d>
+                  </m:oMath>
+                </a14:m>
+                <a:r>
+                  <a:rPr lang="fr-CA" b="0" dirty="0">
+                    <a:ea typeface="Cambria Math" panose="02040503050406030204" pitchFamily="18" charset="0"/>
+                  </a:rPr>
+                  <a:t>    (2)</a:t>
+                </a:r>
+              </a:p>
+            </p:txBody>
+          </p:sp>
+        </mc:Choice>
+        <mc:Fallback>
+          <p:sp>
+            <p:nvSpPr>
+              <p:cNvPr id="6" name="ZoneTexte 5">
+                <a:extLst>
+                  <a:ext uri="{FF2B5EF4-FFF2-40B4-BE49-F238E27FC236}">
+                    <a16:creationId xmlns:a16="http://schemas.microsoft.com/office/drawing/2014/main" id="{ACFAF421-357F-4448-8308-59C5BBA4406F}"/>
+                  </a:ext>
+                </a:extLst>
+              </p:cNvPr>
+              <p:cNvSpPr txBox="1">
+                <a:spLocks noRot="1" noChangeAspect="1" noMove="1" noResize="1" noEditPoints="1" noAdjustHandles="1" noChangeArrowheads="1" noChangeShapeType="1" noTextEdit="1"/>
+              </p:cNvSpPr>
+              <p:nvPr/>
+            </p:nvSpPr>
+            <p:spPr>
+              <a:xfrm>
+                <a:off x="1058515" y="2705220"/>
+                <a:ext cx="3745962" cy="423193"/>
+              </a:xfrm>
+              <a:prstGeom prst="rect">
+                <a:avLst/>
+              </a:prstGeom>
+              <a:blipFill>
+                <a:blip r:embed="rId3"/>
+                <a:stretch>
+                  <a:fillRect l="-1140" t="-18841" r="-2932" b="-17391"/>
+                </a:stretch>
+              </a:blipFill>
+            </p:spPr>
+            <p:txBody>
+              <a:bodyPr/>
+              <a:lstStyle/>
+              <a:p>
+                <a:r>
+                  <a:rPr lang="fr-CA">
+                    <a:noFill/>
+                  </a:rPr>
+                  <a:t> </a:t>
+                </a:r>
+              </a:p>
+            </p:txBody>
+          </p:sp>
+        </mc:Fallback>
+      </mc:AlternateContent>
+      <p:sp>
+        <p:nvSpPr>
+          <p:cNvPr id="7" name="ZoneTexte 6">
+            <a:extLst>
+              <a:ext uri="{FF2B5EF4-FFF2-40B4-BE49-F238E27FC236}">
+                <a16:creationId xmlns:a16="http://schemas.microsoft.com/office/drawing/2014/main" id="{8D959CD3-CE76-429A-B4EB-1F0992B7CB32}"/>
+              </a:ext>
+            </a:extLst>
+          </p:cNvPr>
+          <p:cNvSpPr txBox="1"/>
+          <p:nvPr/>
+        </p:nvSpPr>
+        <p:spPr>
+          <a:xfrm>
+            <a:off x="455643" y="3360256"/>
+            <a:ext cx="4601520" cy="369332"/>
+          </a:xfrm>
+          <a:prstGeom prst="rect">
+            <a:avLst/>
+          </a:prstGeom>
+          <a:noFill/>
+        </p:spPr>
+        <p:txBody>
+          <a:bodyPr wrap="square" rtlCol="0">
+            <a:spAutoFit/>
+          </a:bodyPr>
+          <a:lstStyle/>
+          <a:p>
+            <a:r>
+              <a:rPr lang="fr-CA" dirty="0"/>
+              <a:t>Définitions de pression et vitesse (3) et (4)</a:t>
+            </a:r>
+          </a:p>
+        </p:txBody>
+      </p:sp>
+      <mc:AlternateContent xmlns:mc="http://schemas.openxmlformats.org/markup-compatibility/2006">
+        <mc:Choice xmlns:a14="http://schemas.microsoft.com/office/drawing/2010/main" Requires="a14">
+          <p:sp>
+            <p:nvSpPr>
+              <p:cNvPr id="8" name="ZoneTexte 7">
+                <a:extLst>
+                  <a:ext uri="{FF2B5EF4-FFF2-40B4-BE49-F238E27FC236}">
+                    <a16:creationId xmlns:a16="http://schemas.microsoft.com/office/drawing/2014/main" id="{8D7AB396-591A-4F59-8C2F-95AC93848709}"/>
+                  </a:ext>
+                </a:extLst>
+              </p:cNvPr>
+              <p:cNvSpPr txBox="1"/>
+              <p:nvPr/>
+            </p:nvSpPr>
+            <p:spPr>
+              <a:xfrm>
+                <a:off x="2169642" y="3876180"/>
+                <a:ext cx="2050690" cy="423193"/>
+              </a:xfrm>
+              <a:prstGeom prst="rect">
+                <a:avLst/>
+              </a:prstGeom>
+              <a:noFill/>
+            </p:spPr>
+            <p:txBody>
+              <a:bodyPr wrap="none" lIns="0" tIns="0" rIns="0" bIns="0" rtlCol="0">
+                <a:spAutoFit/>
+              </a:bodyPr>
+              <a:lstStyle/>
+              <a:p>
+                <a14:m>
+                  <m:oMath xmlns:m="http://schemas.openxmlformats.org/officeDocument/2006/math">
+                    <m:acc>
+                      <m:accPr>
+                        <m:chr m:val="⃗"/>
+                        <m:ctrlPr>
+                          <a:rPr lang="fr-CA" i="1" smtClean="0">
+                            <a:latin typeface="Cambria Math" panose="02040503050406030204" pitchFamily="18" charset="0"/>
+                            <a:ea typeface="Cambria Math" panose="02040503050406030204" pitchFamily="18" charset="0"/>
+                          </a:rPr>
+                        </m:ctrlPr>
+                      </m:accPr>
+                      <m:e>
+                        <m:r>
+                          <a:rPr lang="fr-CA" i="1">
+                            <a:latin typeface="Cambria Math" panose="02040503050406030204" pitchFamily="18" charset="0"/>
+                            <a:ea typeface="Cambria Math" panose="02040503050406030204" pitchFamily="18" charset="0"/>
+                          </a:rPr>
+                          <m:t>𝜈</m:t>
+                        </m:r>
+                      </m:e>
+                    </m:acc>
+                    <m:d>
+                      <m:dPr>
+                        <m:ctrlPr>
+                          <a:rPr lang="fr-CA" i="1">
+                            <a:latin typeface="Cambria Math" panose="02040503050406030204" pitchFamily="18" charset="0"/>
+                          </a:rPr>
+                        </m:ctrlPr>
+                      </m:dPr>
+                      <m:e>
+                        <m:acc>
+                          <m:accPr>
+                            <m:chr m:val="⃗"/>
+                            <m:ctrlPr>
+                              <a:rPr lang="fr-CA" i="1">
+                                <a:latin typeface="Cambria Math" panose="02040503050406030204" pitchFamily="18" charset="0"/>
+                                <a:ea typeface="Cambria Math" panose="02040503050406030204" pitchFamily="18" charset="0"/>
+                              </a:rPr>
+                            </m:ctrlPr>
+                          </m:accPr>
+                          <m:e>
+                            <m:r>
+                              <a:rPr lang="fr-CA" i="1">
+                                <a:latin typeface="Cambria Math" panose="02040503050406030204" pitchFamily="18" charset="0"/>
+                                <a:ea typeface="Cambria Math" panose="02040503050406030204" pitchFamily="18" charset="0"/>
+                              </a:rPr>
+                              <m:t>𝑟</m:t>
+                            </m:r>
+                          </m:e>
+                        </m:acc>
+                        <m:r>
+                          <a:rPr lang="fr-CA" i="1">
+                            <a:latin typeface="Cambria Math" panose="02040503050406030204" pitchFamily="18" charset="0"/>
+                          </a:rPr>
+                          <m:t>,</m:t>
+                        </m:r>
+                        <m:r>
+                          <a:rPr lang="fr-CA" i="1">
+                            <a:latin typeface="Cambria Math" panose="02040503050406030204" pitchFamily="18" charset="0"/>
+                          </a:rPr>
+                          <m:t>𝑡</m:t>
+                        </m:r>
+                      </m:e>
+                    </m:d>
+                    <m:r>
+                      <a:rPr lang="fr-CA" b="0" i="1" smtClean="0">
+                        <a:latin typeface="Cambria Math" panose="02040503050406030204" pitchFamily="18" charset="0"/>
+                      </a:rPr>
+                      <m:t>=</m:t>
+                    </m:r>
+                    <m:f>
+                      <m:fPr>
+                        <m:ctrlPr>
+                          <a:rPr lang="fr-CA" i="1">
+                            <a:latin typeface="Cambria Math" panose="02040503050406030204" pitchFamily="18" charset="0"/>
+                            <a:ea typeface="Cambria Math" panose="02040503050406030204" pitchFamily="18" charset="0"/>
+                          </a:rPr>
+                        </m:ctrlPr>
+                      </m:fPr>
+                      <m:num>
+                        <m:r>
+                          <a:rPr lang="fr-CA" i="1">
+                            <a:latin typeface="Cambria Math" panose="02040503050406030204" pitchFamily="18" charset="0"/>
+                            <a:ea typeface="Cambria Math" panose="02040503050406030204" pitchFamily="18" charset="0"/>
+                          </a:rPr>
+                          <m:t>𝜕</m:t>
+                        </m:r>
+                        <m:acc>
+                          <m:accPr>
+                            <m:chr m:val="⃗"/>
+                            <m:ctrlPr>
+                              <a:rPr lang="fr-CA" i="1">
+                                <a:latin typeface="Cambria Math" panose="02040503050406030204" pitchFamily="18" charset="0"/>
+                                <a:ea typeface="Cambria Math" panose="02040503050406030204" pitchFamily="18" charset="0"/>
+                              </a:rPr>
+                            </m:ctrlPr>
+                          </m:accPr>
+                          <m:e>
+                            <m:r>
+                              <a:rPr lang="fr-CA" b="0" i="1" smtClean="0">
+                                <a:latin typeface="Cambria Math" panose="02040503050406030204" pitchFamily="18" charset="0"/>
+                                <a:ea typeface="Cambria Math" panose="02040503050406030204" pitchFamily="18" charset="0"/>
+                              </a:rPr>
+                              <m:t>𝑢</m:t>
+                            </m:r>
+                          </m:e>
+                        </m:acc>
+                        <m:d>
+                          <m:dPr>
+                            <m:ctrlPr>
+                              <a:rPr lang="fr-CA" i="1">
+                                <a:latin typeface="Cambria Math" panose="02040503050406030204" pitchFamily="18" charset="0"/>
+                              </a:rPr>
+                            </m:ctrlPr>
+                          </m:dPr>
+                          <m:e>
+                            <m:acc>
+                              <m:accPr>
+                                <m:chr m:val="⃗"/>
+                                <m:ctrlPr>
+                                  <a:rPr lang="fr-CA" i="1">
+                                    <a:latin typeface="Cambria Math" panose="02040503050406030204" pitchFamily="18" charset="0"/>
+                                    <a:ea typeface="Cambria Math" panose="02040503050406030204" pitchFamily="18" charset="0"/>
+                                  </a:rPr>
+                                </m:ctrlPr>
+                              </m:accPr>
+                              <m:e>
+                                <m:r>
+                                  <a:rPr lang="fr-CA" i="1">
+                                    <a:latin typeface="Cambria Math" panose="02040503050406030204" pitchFamily="18" charset="0"/>
+                                    <a:ea typeface="Cambria Math" panose="02040503050406030204" pitchFamily="18" charset="0"/>
+                                  </a:rPr>
+                                  <m:t>𝑟</m:t>
+                                </m:r>
+                              </m:e>
+                            </m:acc>
+                            <m:r>
+                              <a:rPr lang="fr-CA" i="1">
+                                <a:latin typeface="Cambria Math" panose="02040503050406030204" pitchFamily="18" charset="0"/>
+                              </a:rPr>
+                              <m:t>,</m:t>
+                            </m:r>
+                            <m:r>
+                              <a:rPr lang="fr-CA" i="1">
+                                <a:latin typeface="Cambria Math" panose="02040503050406030204" pitchFamily="18" charset="0"/>
+                              </a:rPr>
+                              <m:t>𝑡</m:t>
+                            </m:r>
+                          </m:e>
+                        </m:d>
+                      </m:num>
+                      <m:den>
+                        <m:r>
+                          <a:rPr lang="fr-CA" i="1">
+                            <a:latin typeface="Cambria Math" panose="02040503050406030204" pitchFamily="18" charset="0"/>
+                            <a:ea typeface="Cambria Math" panose="02040503050406030204" pitchFamily="18" charset="0"/>
+                          </a:rPr>
+                          <m:t>𝜕</m:t>
+                        </m:r>
+                        <m:r>
+                          <a:rPr lang="fr-CA" i="1">
+                            <a:latin typeface="Cambria Math" panose="02040503050406030204" pitchFamily="18" charset="0"/>
+                            <a:ea typeface="Cambria Math" panose="02040503050406030204" pitchFamily="18" charset="0"/>
+                          </a:rPr>
+                          <m:t>𝑡</m:t>
+                        </m:r>
+                      </m:den>
+                    </m:f>
+                  </m:oMath>
+                </a14:m>
+                <a:r>
+                  <a:rPr lang="fr-CA" dirty="0"/>
+                  <a:t>    (3)</a:t>
+                </a:r>
+              </a:p>
+            </p:txBody>
+          </p:sp>
+        </mc:Choice>
+        <mc:Fallback>
+          <p:sp>
+            <p:nvSpPr>
+              <p:cNvPr id="8" name="ZoneTexte 7">
+                <a:extLst>
+                  <a:ext uri="{FF2B5EF4-FFF2-40B4-BE49-F238E27FC236}">
+                    <a16:creationId xmlns:a16="http://schemas.microsoft.com/office/drawing/2014/main" id="{8D7AB396-591A-4F59-8C2F-95AC93848709}"/>
+                  </a:ext>
+                </a:extLst>
+              </p:cNvPr>
+              <p:cNvSpPr txBox="1">
+                <a:spLocks noRot="1" noChangeAspect="1" noMove="1" noResize="1" noEditPoints="1" noAdjustHandles="1" noChangeArrowheads="1" noChangeShapeType="1" noTextEdit="1"/>
+              </p:cNvSpPr>
+              <p:nvPr/>
+            </p:nvSpPr>
+            <p:spPr>
+              <a:xfrm>
+                <a:off x="2169642" y="3876180"/>
+                <a:ext cx="2050690" cy="423193"/>
+              </a:xfrm>
+              <a:prstGeom prst="rect">
+                <a:avLst/>
+              </a:prstGeom>
+              <a:blipFill>
+                <a:blip r:embed="rId4"/>
+                <a:stretch>
+                  <a:fillRect l="-4464" t="-18841" r="-6250" b="-17391"/>
+                </a:stretch>
+              </a:blipFill>
+            </p:spPr>
+            <p:txBody>
+              <a:bodyPr/>
+              <a:lstStyle/>
+              <a:p>
+                <a:r>
+                  <a:rPr lang="fr-CA">
+                    <a:noFill/>
+                  </a:rPr>
+                  <a:t> </a:t>
+                </a:r>
+              </a:p>
+            </p:txBody>
+          </p:sp>
+        </mc:Fallback>
+      </mc:AlternateContent>
+      <mc:AlternateContent xmlns:mc="http://schemas.openxmlformats.org/markup-compatibility/2006">
+        <mc:Choice xmlns:a14="http://schemas.microsoft.com/office/drawing/2010/main" Requires="a14">
+          <p:sp>
+            <p:nvSpPr>
+              <p:cNvPr id="9" name="ZoneTexte 8">
+                <a:extLst>
+                  <a:ext uri="{FF2B5EF4-FFF2-40B4-BE49-F238E27FC236}">
+                    <a16:creationId xmlns:a16="http://schemas.microsoft.com/office/drawing/2014/main" id="{BE291460-B9FC-4048-BAF0-01DD54C35C6C}"/>
+                  </a:ext>
+                </a:extLst>
+              </p:cNvPr>
+              <p:cNvSpPr txBox="1"/>
+              <p:nvPr/>
+            </p:nvSpPr>
+            <p:spPr>
+              <a:xfrm>
+                <a:off x="1465282" y="4391840"/>
+                <a:ext cx="2755050" cy="310598"/>
+              </a:xfrm>
+              <a:prstGeom prst="rect">
+                <a:avLst/>
+              </a:prstGeom>
+              <a:noFill/>
+            </p:spPr>
+            <p:txBody>
+              <a:bodyPr wrap="none" lIns="0" tIns="0" rIns="0" bIns="0" rtlCol="0">
+                <a:spAutoFit/>
+              </a:bodyPr>
+              <a:lstStyle/>
+              <a:p>
+                <a14:m>
+                  <m:oMath xmlns:m="http://schemas.openxmlformats.org/officeDocument/2006/math">
+                    <m:r>
+                      <a:rPr lang="fr-CA" i="1">
+                        <a:latin typeface="Cambria Math" panose="02040503050406030204" pitchFamily="18" charset="0"/>
+                        <a:ea typeface="Cambria Math" panose="02040503050406030204" pitchFamily="18" charset="0"/>
+                      </a:rPr>
+                      <m:t>𝑝</m:t>
+                    </m:r>
+                    <m:d>
+                      <m:dPr>
+                        <m:ctrlPr>
+                          <a:rPr lang="fr-CA" i="1">
+                            <a:latin typeface="Cambria Math" panose="02040503050406030204" pitchFamily="18" charset="0"/>
+                          </a:rPr>
+                        </m:ctrlPr>
+                      </m:dPr>
+                      <m:e>
+                        <m:acc>
+                          <m:accPr>
+                            <m:chr m:val="⃗"/>
+                            <m:ctrlPr>
+                              <a:rPr lang="fr-CA" i="1">
+                                <a:latin typeface="Cambria Math" panose="02040503050406030204" pitchFamily="18" charset="0"/>
+                                <a:ea typeface="Cambria Math" panose="02040503050406030204" pitchFamily="18" charset="0"/>
+                              </a:rPr>
+                            </m:ctrlPr>
+                          </m:accPr>
+                          <m:e>
+                            <m:r>
+                              <a:rPr lang="fr-CA" i="1">
+                                <a:latin typeface="Cambria Math" panose="02040503050406030204" pitchFamily="18" charset="0"/>
+                                <a:ea typeface="Cambria Math" panose="02040503050406030204" pitchFamily="18" charset="0"/>
+                              </a:rPr>
+                              <m:t>𝑟</m:t>
+                            </m:r>
+                          </m:e>
+                        </m:acc>
+                        <m:r>
+                          <a:rPr lang="fr-CA" i="1">
+                            <a:latin typeface="Cambria Math" panose="02040503050406030204" pitchFamily="18" charset="0"/>
+                          </a:rPr>
+                          <m:t>,</m:t>
+                        </m:r>
+                        <m:r>
+                          <a:rPr lang="fr-CA" i="1">
+                            <a:latin typeface="Cambria Math" panose="02040503050406030204" pitchFamily="18" charset="0"/>
+                          </a:rPr>
+                          <m:t>𝑡</m:t>
+                        </m:r>
+                      </m:e>
+                    </m:d>
+                    <m:r>
+                      <a:rPr lang="fr-CA" b="0" i="1" smtClean="0">
+                        <a:latin typeface="Cambria Math" panose="02040503050406030204" pitchFamily="18" charset="0"/>
+                      </a:rPr>
+                      <m:t>=−</m:t>
+                    </m:r>
+                    <m:r>
+                      <a:rPr lang="fr-CA" b="0" i="1" smtClean="0">
+                        <a:latin typeface="Cambria Math" panose="02040503050406030204" pitchFamily="18" charset="0"/>
+                      </a:rPr>
+                      <m:t>𝐵</m:t>
+                    </m:r>
+                    <m:acc>
+                      <m:accPr>
+                        <m:chr m:val="⃗"/>
+                        <m:ctrlPr>
+                          <a:rPr lang="fr-CA" i="1">
+                            <a:latin typeface="Cambria Math" panose="02040503050406030204" pitchFamily="18" charset="0"/>
+                          </a:rPr>
+                        </m:ctrlPr>
+                      </m:accPr>
+                      <m:e>
+                        <m:r>
+                          <m:rPr>
+                            <m:sty m:val="p"/>
+                          </m:rPr>
+                          <a:rPr lang="fr-CA" i="1">
+                            <a:latin typeface="Cambria Math" panose="02040503050406030204" pitchFamily="18" charset="0"/>
+                            <a:ea typeface="Cambria Math" panose="02040503050406030204" pitchFamily="18" charset="0"/>
+                          </a:rPr>
+                          <m:t>∇</m:t>
+                        </m:r>
+                      </m:e>
+                    </m:acc>
+                    <m:r>
+                      <a:rPr lang="fr-CA" i="1" smtClean="0">
+                        <a:latin typeface="Cambria Math" panose="02040503050406030204" pitchFamily="18" charset="0"/>
+                        <a:ea typeface="Cambria Math" panose="02040503050406030204" pitchFamily="18" charset="0"/>
+                      </a:rPr>
+                      <m:t>∙</m:t>
+                    </m:r>
+                    <m:acc>
+                      <m:accPr>
+                        <m:chr m:val="⃗"/>
+                        <m:ctrlPr>
+                          <a:rPr lang="fr-CA" i="1">
+                            <a:latin typeface="Cambria Math" panose="02040503050406030204" pitchFamily="18" charset="0"/>
+                            <a:ea typeface="Cambria Math" panose="02040503050406030204" pitchFamily="18" charset="0"/>
+                          </a:rPr>
+                        </m:ctrlPr>
+                      </m:accPr>
+                      <m:e>
+                        <m:r>
+                          <a:rPr lang="fr-CA" b="0" i="1" smtClean="0">
+                            <a:latin typeface="Cambria Math" panose="02040503050406030204" pitchFamily="18" charset="0"/>
+                            <a:ea typeface="Cambria Math" panose="02040503050406030204" pitchFamily="18" charset="0"/>
+                          </a:rPr>
+                          <m:t>𝑢</m:t>
+                        </m:r>
+                      </m:e>
+                    </m:acc>
+                    <m:d>
+                      <m:dPr>
+                        <m:ctrlPr>
+                          <a:rPr lang="fr-CA" i="1">
+                            <a:latin typeface="Cambria Math" panose="02040503050406030204" pitchFamily="18" charset="0"/>
+                          </a:rPr>
+                        </m:ctrlPr>
+                      </m:dPr>
+                      <m:e>
+                        <m:acc>
+                          <m:accPr>
+                            <m:chr m:val="⃗"/>
+                            <m:ctrlPr>
+                              <a:rPr lang="fr-CA" i="1">
+                                <a:latin typeface="Cambria Math" panose="02040503050406030204" pitchFamily="18" charset="0"/>
+                                <a:ea typeface="Cambria Math" panose="02040503050406030204" pitchFamily="18" charset="0"/>
+                              </a:rPr>
+                            </m:ctrlPr>
+                          </m:accPr>
+                          <m:e>
+                            <m:r>
+                              <a:rPr lang="fr-CA" i="1">
+                                <a:latin typeface="Cambria Math" panose="02040503050406030204" pitchFamily="18" charset="0"/>
+                                <a:ea typeface="Cambria Math" panose="02040503050406030204" pitchFamily="18" charset="0"/>
+                              </a:rPr>
+                              <m:t>𝑟</m:t>
+                            </m:r>
+                          </m:e>
+                        </m:acc>
+                        <m:r>
+                          <a:rPr lang="fr-CA" i="1">
+                            <a:latin typeface="Cambria Math" panose="02040503050406030204" pitchFamily="18" charset="0"/>
+                          </a:rPr>
+                          <m:t>,</m:t>
+                        </m:r>
+                        <m:r>
+                          <a:rPr lang="fr-CA" i="1">
+                            <a:latin typeface="Cambria Math" panose="02040503050406030204" pitchFamily="18" charset="0"/>
+                          </a:rPr>
+                          <m:t>𝑡</m:t>
+                        </m:r>
+                      </m:e>
+                    </m:d>
+                  </m:oMath>
+                </a14:m>
+                <a:r>
+                  <a:rPr lang="fr-CA" b="0" dirty="0">
+                    <a:ea typeface="Cambria Math" panose="02040503050406030204" pitchFamily="18" charset="0"/>
+                  </a:rPr>
+                  <a:t>    (4)</a:t>
+                </a:r>
+              </a:p>
+            </p:txBody>
+          </p:sp>
+        </mc:Choice>
+        <mc:Fallback>
+          <p:sp>
+            <p:nvSpPr>
+              <p:cNvPr id="9" name="ZoneTexte 8">
+                <a:extLst>
+                  <a:ext uri="{FF2B5EF4-FFF2-40B4-BE49-F238E27FC236}">
+                    <a16:creationId xmlns:a16="http://schemas.microsoft.com/office/drawing/2014/main" id="{BE291460-B9FC-4048-BAF0-01DD54C35C6C}"/>
+                  </a:ext>
+                </a:extLst>
+              </p:cNvPr>
+              <p:cNvSpPr txBox="1">
+                <a:spLocks noRot="1" noChangeAspect="1" noMove="1" noResize="1" noEditPoints="1" noAdjustHandles="1" noChangeArrowheads="1" noChangeShapeType="1" noTextEdit="1"/>
+              </p:cNvSpPr>
+              <p:nvPr/>
+            </p:nvSpPr>
+            <p:spPr>
+              <a:xfrm>
+                <a:off x="1465282" y="4391840"/>
+                <a:ext cx="2755050" cy="310598"/>
+              </a:xfrm>
+              <a:prstGeom prst="rect">
+                <a:avLst/>
+              </a:prstGeom>
+              <a:blipFill>
+                <a:blip r:embed="rId5"/>
+                <a:stretch>
+                  <a:fillRect l="-3097" t="-27451" r="-4425" b="-45098"/>
+                </a:stretch>
+              </a:blipFill>
+            </p:spPr>
+            <p:txBody>
+              <a:bodyPr/>
+              <a:lstStyle/>
+              <a:p>
+                <a:r>
+                  <a:rPr lang="fr-CA">
+                    <a:noFill/>
+                  </a:rPr>
+                  <a:t> </a:t>
+                </a:r>
+              </a:p>
+            </p:txBody>
+          </p:sp>
+        </mc:Fallback>
+      </mc:AlternateContent>
+      <p:sp>
+        <p:nvSpPr>
+          <p:cNvPr id="10" name="ZoneTexte 9">
+            <a:extLst>
+              <a:ext uri="{FF2B5EF4-FFF2-40B4-BE49-F238E27FC236}">
+                <a16:creationId xmlns:a16="http://schemas.microsoft.com/office/drawing/2014/main" id="{07D4FB33-A4EA-4512-B8A9-B8436E8F9FCF}"/>
+              </a:ext>
+            </a:extLst>
+          </p:cNvPr>
+          <p:cNvSpPr txBox="1"/>
+          <p:nvPr/>
+        </p:nvSpPr>
+        <p:spPr>
+          <a:xfrm>
+            <a:off x="5572222" y="2377364"/>
+            <a:ext cx="4341461" cy="923330"/>
+          </a:xfrm>
+          <a:prstGeom prst="rect">
+            <a:avLst/>
+          </a:prstGeom>
+          <a:noFill/>
+        </p:spPr>
+        <p:txBody>
+          <a:bodyPr wrap="square" rtlCol="0">
+            <a:spAutoFit/>
+          </a:bodyPr>
+          <a:lstStyle/>
+          <a:p>
+            <a:r>
+              <a:rPr lang="fr-CA" dirty="0"/>
+              <a:t>L’équation utilisée pour les méthodes de résolutions numériques dans le domaine fréquentiel (5)</a:t>
+            </a:r>
+          </a:p>
+        </p:txBody>
+      </p:sp>
+      <mc:AlternateContent xmlns:mc="http://schemas.openxmlformats.org/markup-compatibility/2006">
+        <mc:Choice xmlns:a14="http://schemas.microsoft.com/office/drawing/2010/main" Requires="a14">
+          <p:sp>
+            <p:nvSpPr>
+              <p:cNvPr id="11" name="ZoneTexte 10">
+                <a:extLst>
+                  <a:ext uri="{FF2B5EF4-FFF2-40B4-BE49-F238E27FC236}">
+                    <a16:creationId xmlns:a16="http://schemas.microsoft.com/office/drawing/2014/main" id="{2C03CBC9-F606-49BD-B4C0-C0FE0FF9C82B}"/>
+                  </a:ext>
+                </a:extLst>
+              </p:cNvPr>
+              <p:cNvSpPr txBox="1"/>
+              <p:nvPr/>
+            </p:nvSpPr>
+            <p:spPr>
+              <a:xfrm>
+                <a:off x="6249628" y="3429000"/>
+                <a:ext cx="2986651" cy="627992"/>
+              </a:xfrm>
+              <a:prstGeom prst="rect">
+                <a:avLst/>
+              </a:prstGeom>
+              <a:noFill/>
+            </p:spPr>
+            <p:txBody>
+              <a:bodyPr wrap="none" lIns="0" tIns="0" rIns="0" bIns="0" rtlCol="0">
+                <a:spAutoFit/>
+              </a:bodyPr>
+              <a:lstStyle/>
+              <a:p>
+                <a14:m>
+                  <m:oMathPara xmlns:m="http://schemas.openxmlformats.org/officeDocument/2006/math">
+                    <m:oMathParaPr>
+                      <m:jc m:val="centerGroup"/>
+                    </m:oMathParaPr>
+                    <m:oMath xmlns:m="http://schemas.openxmlformats.org/officeDocument/2006/math">
+                      <m:d>
+                        <m:dPr>
+                          <m:ctrlPr>
+                            <a:rPr lang="fr-CA" b="0" i="1" smtClean="0">
+                              <a:latin typeface="Cambria Math" panose="02040503050406030204" pitchFamily="18" charset="0"/>
+                            </a:rPr>
+                          </m:ctrlPr>
+                        </m:dPr>
+                        <m:e>
+                          <m:f>
+                            <m:fPr>
+                              <m:ctrlPr>
+                                <a:rPr lang="fr-CA" i="1">
+                                  <a:latin typeface="Cambria Math" panose="02040503050406030204" pitchFamily="18" charset="0"/>
+                                </a:rPr>
+                              </m:ctrlPr>
+                            </m:fPr>
+                            <m:num>
+                              <m:sSup>
+                                <m:sSupPr>
+                                  <m:ctrlPr>
+                                    <a:rPr lang="fr-CA" i="1">
+                                      <a:latin typeface="Cambria Math" panose="02040503050406030204" pitchFamily="18" charset="0"/>
+                                    </a:rPr>
+                                  </m:ctrlPr>
+                                </m:sSupPr>
+                                <m:e>
+                                  <m:r>
+                                    <a:rPr lang="fr-CA" i="1">
+                                      <a:latin typeface="Cambria Math" panose="02040503050406030204" pitchFamily="18" charset="0"/>
+                                      <a:ea typeface="Cambria Math" panose="02040503050406030204" pitchFamily="18" charset="0"/>
+                                    </a:rPr>
+                                    <m:t>𝜔</m:t>
+                                  </m:r>
+                                </m:e>
+                                <m:sup>
+                                  <m:r>
+                                    <a:rPr lang="fr-CA" i="1">
+                                      <a:latin typeface="Cambria Math" panose="02040503050406030204" pitchFamily="18" charset="0"/>
+                                    </a:rPr>
+                                    <m:t>2</m:t>
+                                  </m:r>
+                                </m:sup>
+                              </m:sSup>
+                            </m:num>
+                            <m:den>
+                              <m:r>
+                                <a:rPr lang="fr-CA" i="1">
+                                  <a:latin typeface="Cambria Math" panose="02040503050406030204" pitchFamily="18" charset="0"/>
+                                </a:rPr>
+                                <m:t>𝐵</m:t>
+                              </m:r>
+                            </m:den>
+                          </m:f>
+                          <m:r>
+                            <a:rPr lang="fr-CA" i="1">
+                              <a:latin typeface="Cambria Math" panose="02040503050406030204" pitchFamily="18" charset="0"/>
+                            </a:rPr>
+                            <m:t>+2</m:t>
+                          </m:r>
+                          <m:r>
+                            <a:rPr lang="fr-CA" i="1">
+                              <a:latin typeface="Cambria Math" panose="02040503050406030204" pitchFamily="18" charset="0"/>
+                            </a:rPr>
+                            <m:t>𝑖</m:t>
+                          </m:r>
+                          <m:r>
+                            <a:rPr lang="fr-CA" i="1">
+                              <a:latin typeface="Cambria Math" panose="02040503050406030204" pitchFamily="18" charset="0"/>
+                              <a:ea typeface="Cambria Math" panose="02040503050406030204" pitchFamily="18" charset="0"/>
+                            </a:rPr>
+                            <m:t>𝜔𝛼</m:t>
+                          </m:r>
+                        </m:e>
+                      </m:d>
+                      <m:r>
+                        <a:rPr lang="fr-CA" b="0" i="1" smtClean="0">
+                          <a:latin typeface="Cambria Math" panose="02040503050406030204" pitchFamily="18" charset="0"/>
+                        </a:rPr>
+                        <m:t>𝑝</m:t>
+                      </m:r>
+                      <m:r>
+                        <a:rPr lang="fr-CA" b="0" i="1" smtClean="0">
+                          <a:latin typeface="Cambria Math" panose="02040503050406030204" pitchFamily="18" charset="0"/>
+                        </a:rPr>
+                        <m:t>=</m:t>
+                      </m:r>
+                      <m:f>
+                        <m:fPr>
+                          <m:ctrlPr>
+                            <a:rPr lang="fr-CA" b="0" i="1" smtClean="0">
+                              <a:latin typeface="Cambria Math" panose="02040503050406030204" pitchFamily="18" charset="0"/>
+                            </a:rPr>
+                          </m:ctrlPr>
+                        </m:fPr>
+                        <m:num>
+                          <m:r>
+                            <a:rPr lang="fr-CA" b="0" i="1" smtClean="0">
+                              <a:latin typeface="Cambria Math" panose="02040503050406030204" pitchFamily="18" charset="0"/>
+                            </a:rPr>
+                            <m:t>−</m:t>
+                          </m:r>
+                          <m:sSup>
+                            <m:sSupPr>
+                              <m:ctrlPr>
+                                <a:rPr lang="fr-CA" b="0" i="1" smtClean="0">
+                                  <a:latin typeface="Cambria Math" panose="02040503050406030204" pitchFamily="18" charset="0"/>
+                                </a:rPr>
+                              </m:ctrlPr>
+                            </m:sSupPr>
+                            <m:e>
+                              <m:r>
+                                <m:rPr>
+                                  <m:sty m:val="p"/>
+                                </m:rPr>
+                                <a:rPr lang="fr-CA" b="0" i="1" smtClean="0">
+                                  <a:latin typeface="Cambria Math" panose="02040503050406030204" pitchFamily="18" charset="0"/>
+                                  <a:ea typeface="Cambria Math" panose="02040503050406030204" pitchFamily="18" charset="0"/>
+                                </a:rPr>
+                                <m:t>∇</m:t>
+                              </m:r>
+                            </m:e>
+                            <m:sup>
+                              <m:r>
+                                <a:rPr lang="fr-CA" b="0" i="1" smtClean="0">
+                                  <a:latin typeface="Cambria Math" panose="02040503050406030204" pitchFamily="18" charset="0"/>
+                                </a:rPr>
+                                <m:t>2</m:t>
+                              </m:r>
+                            </m:sup>
+                          </m:sSup>
+                          <m:r>
+                            <a:rPr lang="fr-CA" b="0" i="1" smtClean="0">
+                              <a:latin typeface="Cambria Math" panose="02040503050406030204" pitchFamily="18" charset="0"/>
+                            </a:rPr>
+                            <m:t>𝑝</m:t>
+                          </m:r>
+                        </m:num>
+                        <m:den>
+                          <m:r>
+                            <a:rPr lang="fr-CA" b="0" i="1" smtClean="0">
+                              <a:latin typeface="Cambria Math" panose="02040503050406030204" pitchFamily="18" charset="0"/>
+                              <a:ea typeface="Cambria Math" panose="02040503050406030204" pitchFamily="18" charset="0"/>
+                            </a:rPr>
+                            <m:t>𝜌</m:t>
+                          </m:r>
+                        </m:den>
+                      </m:f>
+                      <m:r>
+                        <a:rPr lang="fr-CA" b="0" i="1" smtClean="0">
+                          <a:latin typeface="Cambria Math" panose="02040503050406030204" pitchFamily="18" charset="0"/>
+                        </a:rPr>
+                        <m:t>    (5)</m:t>
+                      </m:r>
+                    </m:oMath>
+                  </m:oMathPara>
+                </a14:m>
+                <a:endParaRPr lang="fr-CA" dirty="0"/>
+              </a:p>
+            </p:txBody>
+          </p:sp>
+        </mc:Choice>
+        <mc:Fallback>
+          <p:sp>
+            <p:nvSpPr>
+              <p:cNvPr id="11" name="ZoneTexte 10">
+                <a:extLst>
+                  <a:ext uri="{FF2B5EF4-FFF2-40B4-BE49-F238E27FC236}">
+                    <a16:creationId xmlns:a16="http://schemas.microsoft.com/office/drawing/2014/main" id="{2C03CBC9-F606-49BD-B4C0-C0FE0FF9C82B}"/>
+                  </a:ext>
+                </a:extLst>
+              </p:cNvPr>
+              <p:cNvSpPr txBox="1">
+                <a:spLocks noRot="1" noChangeAspect="1" noMove="1" noResize="1" noEditPoints="1" noAdjustHandles="1" noChangeArrowheads="1" noChangeShapeType="1" noTextEdit="1"/>
+              </p:cNvSpPr>
+              <p:nvPr/>
+            </p:nvSpPr>
+            <p:spPr>
+              <a:xfrm>
+                <a:off x="6249628" y="3429000"/>
+                <a:ext cx="2986651" cy="627992"/>
+              </a:xfrm>
+              <a:prstGeom prst="rect">
+                <a:avLst/>
+              </a:prstGeom>
+              <a:blipFill>
+                <a:blip r:embed="rId6"/>
+                <a:stretch>
+                  <a:fillRect/>
+                </a:stretch>
+              </a:blipFill>
+            </p:spPr>
+            <p:txBody>
+              <a:bodyPr/>
+              <a:lstStyle/>
+              <a:p>
+                <a:r>
+                  <a:rPr lang="fr-CA">
+                    <a:noFill/>
+                  </a:rPr>
+                  <a:t> </a:t>
+                </a:r>
+              </a:p>
+            </p:txBody>
+          </p:sp>
+        </mc:Fallback>
+      </mc:AlternateContent>
     </p:spTree>
     <p:extLst>
       <p:ext uri="{BB962C8B-B14F-4D97-AF65-F5344CB8AC3E}">
@@ -6907,7 +9921,7 @@
         <p:spPr>
           <a:xfrm>
             <a:off x="455643" y="510175"/>
-            <a:ext cx="6893113" cy="739786"/>
+            <a:ext cx="8780636" cy="739786"/>
           </a:xfrm>
           <a:prstGeom prst="rect">
             <a:avLst/>
@@ -6989,51 +10003,816 @@
           </a:lstStyle>
           <a:p>
             <a:r>
-              <a:rPr lang="fr-CA" dirty="0"/>
-              <a:t>Conditions initiales et frontières</a:t>
-            </a:r>
-          </a:p>
-        </p:txBody>
-      </p:sp>
-      <p:sp>
-        <p:nvSpPr>
-          <p:cNvPr id="3" name="Rectangle 2">
+              <a:rPr lang="fr-CA" dirty="0">
+                <a:solidFill>
+                  <a:srgbClr val="286D9F"/>
+                </a:solidFill>
+              </a:rPr>
+              <a:t>Modélisation des phénomènes physiques</a:t>
+            </a:r>
+          </a:p>
+        </p:txBody>
+      </p:sp>
+      <p:sp>
+        <p:nvSpPr>
+          <p:cNvPr id="3" name="ZoneTexte 2">
             <a:extLst>
               <a:ext uri="{FF2B5EF4-FFF2-40B4-BE49-F238E27FC236}">
-                <a16:creationId xmlns:a16="http://schemas.microsoft.com/office/drawing/2014/main" id="{BA0A46BD-0FD2-481A-AB72-F6E2A27E0618}"/>
+                <a16:creationId xmlns:a16="http://schemas.microsoft.com/office/drawing/2014/main" id="{9D2F5128-18F1-47A4-B9C1-1B3FF686D290}"/>
               </a:ext>
             </a:extLst>
           </p:cNvPr>
-          <p:cNvSpPr/>
+          <p:cNvSpPr txBox="1"/>
           <p:nvPr/>
         </p:nvSpPr>
         <p:spPr>
           <a:xfrm>
-            <a:off x="3048000" y="2967335"/>
-            <a:ext cx="6096000" cy="923330"/>
+            <a:off x="5133657" y="90083"/>
+            <a:ext cx="7058343" cy="646331"/>
           </a:xfrm>
           <a:prstGeom prst="rect">
             <a:avLst/>
           </a:prstGeom>
+          <a:noFill/>
         </p:spPr>
         <p:txBody>
-          <a:bodyPr>
+          <a:bodyPr wrap="none" rtlCol="0">
             <a:spAutoFit/>
           </a:bodyPr>
           <a:lstStyle/>
           <a:p>
             <a:r>
               <a:rPr lang="fr-FR" dirty="0"/>
-              <a:t>Description des conditions initiales/frontières du problème, avec les équations mathématiques qui les modélisent </a:t>
+              <a:t>Description des phénomènes physiques qui régissent le problème, </a:t>
+            </a:r>
+          </a:p>
+          <a:p>
+            <a:r>
+              <a:rPr lang="fr-FR" dirty="0"/>
+              <a:t>avec les équations mathématiques qui les modélisent </a:t>
             </a:r>
             <a:endParaRPr lang="fr-CA" dirty="0"/>
           </a:p>
         </p:txBody>
       </p:sp>
+      <p:sp>
+        <p:nvSpPr>
+          <p:cNvPr id="4" name="ZoneTexte 3">
+            <a:extLst>
+              <a:ext uri="{FF2B5EF4-FFF2-40B4-BE49-F238E27FC236}">
+                <a16:creationId xmlns:a16="http://schemas.microsoft.com/office/drawing/2014/main" id="{4719FD71-EADB-4472-A086-4BD775559D5E}"/>
+              </a:ext>
+            </a:extLst>
+          </p:cNvPr>
+          <p:cNvSpPr txBox="1"/>
+          <p:nvPr/>
+        </p:nvSpPr>
+        <p:spPr>
+          <a:xfrm>
+            <a:off x="275437" y="2347058"/>
+            <a:ext cx="4858220" cy="923330"/>
+          </a:xfrm>
+          <a:prstGeom prst="rect">
+            <a:avLst/>
+          </a:prstGeom>
+          <a:noFill/>
+        </p:spPr>
+        <p:txBody>
+          <a:bodyPr wrap="square" rtlCol="0">
+            <a:spAutoFit/>
+          </a:bodyPr>
+          <a:lstStyle/>
+          <a:p>
+            <a:r>
+              <a:rPr lang="fr-CA" dirty="0"/>
+              <a:t>La vitesse du son </a:t>
+            </a:r>
+            <a:r>
+              <a:rPr lang="fr-CA" i="1" dirty="0">
+                <a:latin typeface="Cambria Math" panose="02040503050406030204" pitchFamily="18" charset="0"/>
+                <a:ea typeface="Cambria Math" panose="02040503050406030204" pitchFamily="18" charset="0"/>
+              </a:rPr>
+              <a:t>c</a:t>
+            </a:r>
+            <a:r>
+              <a:rPr lang="fr-CA" dirty="0"/>
+              <a:t> en fonction de la densité du milieu </a:t>
+            </a:r>
+            <a:r>
+              <a:rPr lang="el-GR" i="1" dirty="0">
+                <a:latin typeface="Cambria Math" panose="02040503050406030204" pitchFamily="18" charset="0"/>
+                <a:ea typeface="Cambria Math" panose="02040503050406030204" pitchFamily="18" charset="0"/>
+              </a:rPr>
+              <a:t>ρ</a:t>
+            </a:r>
+            <a:r>
+              <a:rPr lang="fr-CA" dirty="0"/>
+              <a:t> et du coefficient d’élasticité du milieu </a:t>
+            </a:r>
+            <a:r>
+              <a:rPr lang="fr-CA" i="1" dirty="0">
+                <a:latin typeface="Cambria Math" panose="02040503050406030204" pitchFamily="18" charset="0"/>
+                <a:ea typeface="Cambria Math" panose="02040503050406030204" pitchFamily="18" charset="0"/>
+              </a:rPr>
+              <a:t>B. </a:t>
+            </a:r>
+            <a:r>
+              <a:rPr lang="fr-CA" dirty="0"/>
+              <a:t>(6)</a:t>
+            </a:r>
+          </a:p>
+        </p:txBody>
+      </p:sp>
+      <mc:AlternateContent xmlns:mc="http://schemas.openxmlformats.org/markup-compatibility/2006">
+        <mc:Choice xmlns:a14="http://schemas.microsoft.com/office/drawing/2010/main" Requires="a14">
+          <p:sp>
+            <p:nvSpPr>
+              <p:cNvPr id="12" name="ZoneTexte 11">
+                <a:extLst>
+                  <a:ext uri="{FF2B5EF4-FFF2-40B4-BE49-F238E27FC236}">
+                    <a16:creationId xmlns:a16="http://schemas.microsoft.com/office/drawing/2014/main" id="{9C79CB36-0E21-40CD-A7D2-7B941ADE85AD}"/>
+                  </a:ext>
+                </a:extLst>
+              </p:cNvPr>
+              <p:cNvSpPr txBox="1"/>
+              <p:nvPr/>
+            </p:nvSpPr>
+            <p:spPr>
+              <a:xfrm>
+                <a:off x="2039236" y="3270388"/>
+                <a:ext cx="1330621" cy="818366"/>
+              </a:xfrm>
+              <a:prstGeom prst="rect">
+                <a:avLst/>
+              </a:prstGeom>
+              <a:noFill/>
+            </p:spPr>
+            <p:txBody>
+              <a:bodyPr wrap="none" lIns="0" tIns="0" rIns="0" bIns="0" rtlCol="0">
+                <a:spAutoFit/>
+              </a:bodyPr>
+              <a:lstStyle/>
+              <a:p>
+                <a14:m>
+                  <m:oMathPara xmlns:m="http://schemas.openxmlformats.org/officeDocument/2006/math">
+                    <m:oMathParaPr>
+                      <m:jc m:val="centerGroup"/>
+                    </m:oMathParaPr>
+                    <m:oMath xmlns:m="http://schemas.openxmlformats.org/officeDocument/2006/math">
+                      <m:r>
+                        <a:rPr lang="fr-CA" b="0" i="1" smtClean="0">
+                          <a:latin typeface="Cambria Math" panose="02040503050406030204" pitchFamily="18" charset="0"/>
+                        </a:rPr>
+                        <m:t>𝑐</m:t>
+                      </m:r>
+                      <m:r>
+                        <a:rPr lang="fr-CA" b="0" i="1" smtClean="0">
+                          <a:latin typeface="Cambria Math" panose="02040503050406030204" pitchFamily="18" charset="0"/>
+                        </a:rPr>
+                        <m:t>=</m:t>
+                      </m:r>
+                      <m:rad>
+                        <m:radPr>
+                          <m:degHide m:val="on"/>
+                          <m:ctrlPr>
+                            <a:rPr lang="fr-CA" b="0" i="1" smtClean="0">
+                              <a:latin typeface="Cambria Math" panose="02040503050406030204" pitchFamily="18" charset="0"/>
+                            </a:rPr>
+                          </m:ctrlPr>
+                        </m:radPr>
+                        <m:deg/>
+                        <m:e>
+                          <m:f>
+                            <m:fPr>
+                              <m:ctrlPr>
+                                <a:rPr lang="fr-CA" b="0" i="1" smtClean="0">
+                                  <a:latin typeface="Cambria Math" panose="02040503050406030204" pitchFamily="18" charset="0"/>
+                                </a:rPr>
+                              </m:ctrlPr>
+                            </m:fPr>
+                            <m:num>
+                              <m:r>
+                                <a:rPr lang="fr-CA" b="0" i="1" smtClean="0">
+                                  <a:latin typeface="Cambria Math" panose="02040503050406030204" pitchFamily="18" charset="0"/>
+                                </a:rPr>
+                                <m:t>𝐵</m:t>
+                              </m:r>
+                            </m:num>
+                            <m:den>
+                              <m:r>
+                                <a:rPr lang="fr-CA" b="0" i="1" smtClean="0">
+                                  <a:latin typeface="Cambria Math" panose="02040503050406030204" pitchFamily="18" charset="0"/>
+                                  <a:ea typeface="Cambria Math" panose="02040503050406030204" pitchFamily="18" charset="0"/>
+                                </a:rPr>
+                                <m:t>𝜌</m:t>
+                              </m:r>
+                            </m:den>
+                          </m:f>
+                        </m:e>
+                      </m:rad>
+                      <m:r>
+                        <a:rPr lang="fr-CA" b="0" i="1" smtClean="0">
+                          <a:latin typeface="Cambria Math" panose="02040503050406030204" pitchFamily="18" charset="0"/>
+                        </a:rPr>
+                        <m:t>   </m:t>
+                      </m:r>
+                      <m:d>
+                        <m:dPr>
+                          <m:ctrlPr>
+                            <a:rPr lang="fr-CA" b="0" i="1" smtClean="0">
+                              <a:latin typeface="Cambria Math" panose="02040503050406030204" pitchFamily="18" charset="0"/>
+                            </a:rPr>
+                          </m:ctrlPr>
+                        </m:dPr>
+                        <m:e>
+                          <m:r>
+                            <a:rPr lang="fr-CA" b="0" i="1" smtClean="0">
+                              <a:latin typeface="Cambria Math" panose="02040503050406030204" pitchFamily="18" charset="0"/>
+                            </a:rPr>
+                            <m:t>6</m:t>
+                          </m:r>
+                        </m:e>
+                      </m:d>
+                    </m:oMath>
+                  </m:oMathPara>
+                </a14:m>
+                <a:endParaRPr lang="fr-CA" b="0" dirty="0"/>
+              </a:p>
+            </p:txBody>
+          </p:sp>
+        </mc:Choice>
+        <mc:Fallback>
+          <p:sp>
+            <p:nvSpPr>
+              <p:cNvPr id="12" name="ZoneTexte 11">
+                <a:extLst>
+                  <a:ext uri="{FF2B5EF4-FFF2-40B4-BE49-F238E27FC236}">
+                    <a16:creationId xmlns:a16="http://schemas.microsoft.com/office/drawing/2014/main" id="{9C79CB36-0E21-40CD-A7D2-7B941ADE85AD}"/>
+                  </a:ext>
+                </a:extLst>
+              </p:cNvPr>
+              <p:cNvSpPr txBox="1">
+                <a:spLocks noRot="1" noChangeAspect="1" noMove="1" noResize="1" noEditPoints="1" noAdjustHandles="1" noChangeArrowheads="1" noChangeShapeType="1" noTextEdit="1"/>
+              </p:cNvSpPr>
+              <p:nvPr/>
+            </p:nvSpPr>
+            <p:spPr>
+              <a:xfrm>
+                <a:off x="2039236" y="3270388"/>
+                <a:ext cx="1330621" cy="818366"/>
+              </a:xfrm>
+              <a:prstGeom prst="rect">
+                <a:avLst/>
+              </a:prstGeom>
+              <a:blipFill>
+                <a:blip r:embed="rId2"/>
+                <a:stretch>
+                  <a:fillRect b="-741"/>
+                </a:stretch>
+              </a:blipFill>
+            </p:spPr>
+            <p:txBody>
+              <a:bodyPr/>
+              <a:lstStyle/>
+              <a:p>
+                <a:r>
+                  <a:rPr lang="fr-CA">
+                    <a:noFill/>
+                  </a:rPr>
+                  <a:t> </a:t>
+                </a:r>
+              </a:p>
+            </p:txBody>
+          </p:sp>
+        </mc:Fallback>
+      </mc:AlternateContent>
+      <p:sp>
+        <p:nvSpPr>
+          <p:cNvPr id="13" name="ZoneTexte 12">
+            <a:extLst>
+              <a:ext uri="{FF2B5EF4-FFF2-40B4-BE49-F238E27FC236}">
+                <a16:creationId xmlns:a16="http://schemas.microsoft.com/office/drawing/2014/main" id="{52A40CC4-99C2-4E5E-AEFB-047B14B5EE2F}"/>
+              </a:ext>
+            </a:extLst>
+          </p:cNvPr>
+          <p:cNvSpPr txBox="1"/>
+          <p:nvPr/>
+        </p:nvSpPr>
+        <p:spPr>
+          <a:xfrm>
+            <a:off x="5357152" y="2347058"/>
+            <a:ext cx="4858220" cy="646331"/>
+          </a:xfrm>
+          <a:prstGeom prst="rect">
+            <a:avLst/>
+          </a:prstGeom>
+          <a:noFill/>
+        </p:spPr>
+        <p:txBody>
+          <a:bodyPr wrap="square" rtlCol="0">
+            <a:spAutoFit/>
+          </a:bodyPr>
+          <a:lstStyle/>
+          <a:p>
+            <a:r>
+              <a:rPr lang="fr-CA" dirty="0"/>
+              <a:t>Détermination de la Surface Équivalente Radar </a:t>
+            </a:r>
+            <a:r>
+              <a:rPr lang="fr-CA" i="1" dirty="0"/>
+              <a:t>SER </a:t>
+            </a:r>
+            <a:r>
+              <a:rPr lang="fr-CA" dirty="0"/>
+              <a:t>(7)</a:t>
+            </a:r>
+          </a:p>
+        </p:txBody>
+      </p:sp>
+      <mc:AlternateContent xmlns:mc="http://schemas.openxmlformats.org/markup-compatibility/2006">
+        <mc:Choice xmlns:a14="http://schemas.microsoft.com/office/drawing/2010/main" Requires="a14">
+          <p:sp>
+            <p:nvSpPr>
+              <p:cNvPr id="14" name="ZoneTexte 13">
+                <a:extLst>
+                  <a:ext uri="{FF2B5EF4-FFF2-40B4-BE49-F238E27FC236}">
+                    <a16:creationId xmlns:a16="http://schemas.microsoft.com/office/drawing/2014/main" id="{7A488C1D-ECA9-430C-893A-4F404EC830A3}"/>
+                  </a:ext>
+                </a:extLst>
+              </p:cNvPr>
+              <p:cNvSpPr txBox="1"/>
+              <p:nvPr/>
+            </p:nvSpPr>
+            <p:spPr>
+              <a:xfrm>
+                <a:off x="5862048" y="3150446"/>
+                <a:ext cx="3771866" cy="983539"/>
+              </a:xfrm>
+              <a:prstGeom prst="rect">
+                <a:avLst/>
+              </a:prstGeom>
+              <a:noFill/>
+            </p:spPr>
+            <p:txBody>
+              <a:bodyPr wrap="none" lIns="0" tIns="0" rIns="0" bIns="0" rtlCol="0">
+                <a:spAutoFit/>
+              </a:bodyPr>
+              <a:lstStyle/>
+              <a:p>
+                <a14:m>
+                  <m:oMath xmlns:m="http://schemas.openxmlformats.org/officeDocument/2006/math">
+                    <m:sSub>
+                      <m:sSubPr>
+                        <m:ctrlPr>
+                          <a:rPr lang="fr-CA" i="1" smtClean="0">
+                            <a:highlight>
+                              <a:srgbClr val="FFFF00"/>
+                            </a:highlight>
+                            <a:latin typeface="Cambria Math" panose="02040503050406030204" pitchFamily="18" charset="0"/>
+                            <a:ea typeface="Cambria Math" panose="02040503050406030204" pitchFamily="18" charset="0"/>
+                          </a:rPr>
+                        </m:ctrlPr>
+                      </m:sSubPr>
+                      <m:e>
+                        <m:r>
+                          <a:rPr lang="fr-CA" i="1">
+                            <a:highlight>
+                              <a:srgbClr val="FFFF00"/>
+                            </a:highlight>
+                            <a:latin typeface="Cambria Math" panose="02040503050406030204" pitchFamily="18" charset="0"/>
+                            <a:ea typeface="Cambria Math" panose="02040503050406030204" pitchFamily="18" charset="0"/>
+                          </a:rPr>
+                          <m:t>𝜎</m:t>
+                        </m:r>
+                      </m:e>
+                      <m:sub>
+                        <m:r>
+                          <a:rPr lang="fr-CA" b="0" i="1" smtClean="0">
+                            <a:highlight>
+                              <a:srgbClr val="FFFF00"/>
+                            </a:highlight>
+                            <a:latin typeface="Cambria Math" panose="02040503050406030204" pitchFamily="18" charset="0"/>
+                            <a:ea typeface="Cambria Math" panose="02040503050406030204" pitchFamily="18" charset="0"/>
+                          </a:rPr>
+                          <m:t>𝑆𝐸𝑅</m:t>
+                        </m:r>
+                      </m:sub>
+                    </m:sSub>
+                    <m:r>
+                      <a:rPr lang="fr-CA" b="0" i="1" smtClean="0">
+                        <a:highlight>
+                          <a:srgbClr val="FFFF00"/>
+                        </a:highlight>
+                        <a:latin typeface="Cambria Math" panose="02040503050406030204" pitchFamily="18" charset="0"/>
+                        <a:ea typeface="Cambria Math" panose="02040503050406030204" pitchFamily="18" charset="0"/>
+                      </a:rPr>
+                      <m:t>=</m:t>
+                    </m:r>
+                    <m:f>
+                      <m:fPr>
+                        <m:ctrlPr>
+                          <a:rPr lang="fr-CA" b="0" i="1" smtClean="0">
+                            <a:highlight>
+                              <a:srgbClr val="FFFF00"/>
+                            </a:highlight>
+                            <a:latin typeface="Cambria Math" panose="02040503050406030204" pitchFamily="18" charset="0"/>
+                            <a:ea typeface="Cambria Math" panose="02040503050406030204" pitchFamily="18" charset="0"/>
+                          </a:rPr>
+                        </m:ctrlPr>
+                      </m:fPr>
+                      <m:num>
+                        <m:sSub>
+                          <m:sSubPr>
+                            <m:ctrlPr>
+                              <a:rPr lang="fr-CA" b="0" i="1" smtClean="0">
+                                <a:highlight>
+                                  <a:srgbClr val="FFFF00"/>
+                                </a:highlight>
+                                <a:latin typeface="Cambria Math" panose="02040503050406030204" pitchFamily="18" charset="0"/>
+                                <a:ea typeface="Cambria Math" panose="02040503050406030204" pitchFamily="18" charset="0"/>
+                              </a:rPr>
+                            </m:ctrlPr>
+                          </m:sSubPr>
+                          <m:e>
+                            <m:r>
+                              <a:rPr lang="fr-CA" i="1">
+                                <a:highlight>
+                                  <a:srgbClr val="FFFF00"/>
+                                </a:highlight>
+                                <a:latin typeface="Cambria Math" panose="02040503050406030204" pitchFamily="18" charset="0"/>
+                                <a:ea typeface="Cambria Math" panose="02040503050406030204" pitchFamily="18" charset="0"/>
+                              </a:rPr>
+                              <m:t>𝑃</m:t>
+                            </m:r>
+                          </m:e>
+                          <m:sub>
+                            <m:r>
+                              <a:rPr lang="fr-CA" b="0" i="1" smtClean="0">
+                                <a:highlight>
+                                  <a:srgbClr val="FFFF00"/>
+                                </a:highlight>
+                                <a:latin typeface="Cambria Math" panose="02040503050406030204" pitchFamily="18" charset="0"/>
+                                <a:ea typeface="Cambria Math" panose="02040503050406030204" pitchFamily="18" charset="0"/>
+                              </a:rPr>
+                              <m:t>𝑠</m:t>
+                            </m:r>
+                          </m:sub>
+                        </m:sSub>
+                      </m:num>
+                      <m:den>
+                        <m:sSub>
+                          <m:sSubPr>
+                            <m:ctrlPr>
+                              <a:rPr lang="fr-CA" i="1">
+                                <a:highlight>
+                                  <a:srgbClr val="FFFF00"/>
+                                </a:highlight>
+                                <a:latin typeface="Cambria Math" panose="02040503050406030204" pitchFamily="18" charset="0"/>
+                                <a:ea typeface="Cambria Math" panose="02040503050406030204" pitchFamily="18" charset="0"/>
+                              </a:rPr>
+                            </m:ctrlPr>
+                          </m:sSubPr>
+                          <m:e>
+                            <m:r>
+                              <a:rPr lang="fr-CA" i="1">
+                                <a:highlight>
+                                  <a:srgbClr val="FFFF00"/>
+                                </a:highlight>
+                                <a:latin typeface="Cambria Math" panose="02040503050406030204" pitchFamily="18" charset="0"/>
+                                <a:ea typeface="Cambria Math" panose="02040503050406030204" pitchFamily="18" charset="0"/>
+                              </a:rPr>
+                              <m:t>𝑃</m:t>
+                            </m:r>
+                          </m:e>
+                          <m:sub>
+                            <m:r>
+                              <a:rPr lang="fr-CA" b="0" i="1" smtClean="0">
+                                <a:highlight>
+                                  <a:srgbClr val="FFFF00"/>
+                                </a:highlight>
+                                <a:latin typeface="Cambria Math" panose="02040503050406030204" pitchFamily="18" charset="0"/>
+                                <a:ea typeface="Cambria Math" panose="02040503050406030204" pitchFamily="18" charset="0"/>
+                              </a:rPr>
+                              <m:t>𝑖</m:t>
+                            </m:r>
+                          </m:sub>
+                        </m:sSub>
+                      </m:den>
+                    </m:f>
+                  </m:oMath>
+                </a14:m>
+                <a:r>
+                  <a:rPr lang="fr-CA" dirty="0">
+                    <a:highlight>
+                      <a:srgbClr val="FFFF00"/>
+                    </a:highlight>
+                  </a:rPr>
+                  <a:t>   (7) #équation du rapport</a:t>
+                </a:r>
+              </a:p>
+              <a:p>
+                <a:r>
+                  <a:rPr lang="fr-CA" dirty="0">
+                    <a:highlight>
+                      <a:srgbClr val="FFFF00"/>
+                    </a:highlight>
+                  </a:rPr>
+                  <a:t>Où sinon on met l’équation du code</a:t>
+                </a:r>
+              </a:p>
+              <a:p>
+                <a:r>
+                  <a:rPr lang="fr-CA" dirty="0">
+                    <a:highlight>
+                      <a:srgbClr val="FFFF00"/>
+                    </a:highlight>
+                  </a:rPr>
+                  <a:t>Où sinon on met l’équation du guide</a:t>
+                </a:r>
+              </a:p>
+            </p:txBody>
+          </p:sp>
+        </mc:Choice>
+        <mc:Fallback>
+          <p:sp>
+            <p:nvSpPr>
+              <p:cNvPr id="14" name="ZoneTexte 13">
+                <a:extLst>
+                  <a:ext uri="{FF2B5EF4-FFF2-40B4-BE49-F238E27FC236}">
+                    <a16:creationId xmlns:a16="http://schemas.microsoft.com/office/drawing/2014/main" id="{7A488C1D-ECA9-430C-893A-4F404EC830A3}"/>
+                  </a:ext>
+                </a:extLst>
+              </p:cNvPr>
+              <p:cNvSpPr txBox="1">
+                <a:spLocks noRot="1" noChangeAspect="1" noMove="1" noResize="1" noEditPoints="1" noAdjustHandles="1" noChangeArrowheads="1" noChangeShapeType="1" noTextEdit="1"/>
+              </p:cNvSpPr>
+              <p:nvPr/>
+            </p:nvSpPr>
+            <p:spPr>
+              <a:xfrm>
+                <a:off x="5862048" y="3150446"/>
+                <a:ext cx="3771866" cy="983539"/>
+              </a:xfrm>
+              <a:prstGeom prst="rect">
+                <a:avLst/>
+              </a:prstGeom>
+              <a:blipFill>
+                <a:blip r:embed="rId3"/>
+                <a:stretch>
+                  <a:fillRect l="-3883" t="-3106" r="-3074" b="-13043"/>
+                </a:stretch>
+              </a:blipFill>
+            </p:spPr>
+            <p:txBody>
+              <a:bodyPr/>
+              <a:lstStyle/>
+              <a:p>
+                <a:r>
+                  <a:rPr lang="fr-CA">
+                    <a:noFill/>
+                  </a:rPr>
+                  <a:t> </a:t>
+                </a:r>
+              </a:p>
+            </p:txBody>
+          </p:sp>
+        </mc:Fallback>
+      </mc:AlternateContent>
+      <mc:AlternateContent xmlns:mc="http://schemas.openxmlformats.org/markup-compatibility/2006">
+        <mc:Choice xmlns:a14="http://schemas.microsoft.com/office/drawing/2010/main" Requires="a14">
+          <p:sp>
+            <p:nvSpPr>
+              <p:cNvPr id="15" name="ZoneTexte 14">
+                <a:extLst>
+                  <a:ext uri="{FF2B5EF4-FFF2-40B4-BE49-F238E27FC236}">
+                    <a16:creationId xmlns:a16="http://schemas.microsoft.com/office/drawing/2014/main" id="{3D8A1D7F-8FE2-4769-8110-DD0930555833}"/>
+                  </a:ext>
+                </a:extLst>
+              </p:cNvPr>
+              <p:cNvSpPr txBox="1"/>
+              <p:nvPr/>
+            </p:nvSpPr>
+            <p:spPr>
+              <a:xfrm>
+                <a:off x="6880649" y="4287733"/>
+                <a:ext cx="1243096" cy="603691"/>
+              </a:xfrm>
+              <a:prstGeom prst="rect">
+                <a:avLst/>
+              </a:prstGeom>
+              <a:noFill/>
+            </p:spPr>
+            <p:txBody>
+              <a:bodyPr wrap="none" lIns="0" tIns="0" rIns="0" bIns="0" rtlCol="0">
+                <a:spAutoFit/>
+              </a:bodyPr>
+              <a:lstStyle/>
+              <a:p>
+                <a14:m>
+                  <m:oMathPara xmlns:m="http://schemas.openxmlformats.org/officeDocument/2006/math">
+                    <m:oMathParaPr>
+                      <m:jc m:val="centerGroup"/>
+                    </m:oMathParaPr>
+                    <m:oMath xmlns:m="http://schemas.openxmlformats.org/officeDocument/2006/math">
+                      <m:sSub>
+                        <m:sSubPr>
+                          <m:ctrlPr>
+                            <a:rPr lang="fr-CA" i="1" smtClean="0">
+                              <a:highlight>
+                                <a:srgbClr val="FFFF00"/>
+                              </a:highlight>
+                              <a:latin typeface="Cambria Math" panose="02040503050406030204" pitchFamily="18" charset="0"/>
+                              <a:ea typeface="Cambria Math" panose="02040503050406030204" pitchFamily="18" charset="0"/>
+                            </a:rPr>
+                          </m:ctrlPr>
+                        </m:sSubPr>
+                        <m:e>
+                          <m:r>
+                            <a:rPr lang="fr-CA" i="1">
+                              <a:highlight>
+                                <a:srgbClr val="FFFF00"/>
+                              </a:highlight>
+                              <a:latin typeface="Cambria Math" panose="02040503050406030204" pitchFamily="18" charset="0"/>
+                              <a:ea typeface="Cambria Math" panose="02040503050406030204" pitchFamily="18" charset="0"/>
+                            </a:rPr>
+                            <m:t>𝜎</m:t>
+                          </m:r>
+                        </m:e>
+                        <m:sub>
+                          <m:r>
+                            <a:rPr lang="fr-CA" i="1">
+                              <a:highlight>
+                                <a:srgbClr val="FFFF00"/>
+                              </a:highlight>
+                              <a:latin typeface="Cambria Math" panose="02040503050406030204" pitchFamily="18" charset="0"/>
+                              <a:ea typeface="Cambria Math" panose="02040503050406030204" pitchFamily="18" charset="0"/>
+                            </a:rPr>
+                            <m:t>𝑆𝐸𝑅</m:t>
+                          </m:r>
+                        </m:sub>
+                      </m:sSub>
+                      <m:r>
+                        <a:rPr lang="fr-CA" i="1">
+                          <a:highlight>
+                            <a:srgbClr val="FFFF00"/>
+                          </a:highlight>
+                          <a:latin typeface="Cambria Math" panose="02040503050406030204" pitchFamily="18" charset="0"/>
+                          <a:ea typeface="Cambria Math" panose="02040503050406030204" pitchFamily="18" charset="0"/>
+                        </a:rPr>
+                        <m:t>=</m:t>
+                      </m:r>
+                      <m:f>
+                        <m:fPr>
+                          <m:ctrlPr>
+                            <a:rPr lang="fr-CA" i="1">
+                              <a:highlight>
+                                <a:srgbClr val="FFFF00"/>
+                              </a:highlight>
+                              <a:latin typeface="Cambria Math" panose="02040503050406030204" pitchFamily="18" charset="0"/>
+                              <a:ea typeface="Cambria Math" panose="02040503050406030204" pitchFamily="18" charset="0"/>
+                            </a:rPr>
+                          </m:ctrlPr>
+                        </m:fPr>
+                        <m:num>
+                          <m:sSub>
+                            <m:sSubPr>
+                              <m:ctrlPr>
+                                <a:rPr lang="fr-CA" i="1">
+                                  <a:highlight>
+                                    <a:srgbClr val="FFFF00"/>
+                                  </a:highlight>
+                                  <a:latin typeface="Cambria Math" panose="02040503050406030204" pitchFamily="18" charset="0"/>
+                                  <a:ea typeface="Cambria Math" panose="02040503050406030204" pitchFamily="18" charset="0"/>
+                                </a:rPr>
+                              </m:ctrlPr>
+                            </m:sSubPr>
+                            <m:e>
+                              <m:r>
+                                <a:rPr lang="fr-CA" i="1">
+                                  <a:highlight>
+                                    <a:srgbClr val="FFFF00"/>
+                                  </a:highlight>
+                                  <a:latin typeface="Cambria Math" panose="02040503050406030204" pitchFamily="18" charset="0"/>
+                                  <a:ea typeface="Cambria Math" panose="02040503050406030204" pitchFamily="18" charset="0"/>
+                                </a:rPr>
+                                <m:t>𝑃</m:t>
+                              </m:r>
+                            </m:e>
+                            <m:sub>
+                              <m:r>
+                                <a:rPr lang="fr-CA" b="0" i="1" smtClean="0">
+                                  <a:highlight>
+                                    <a:srgbClr val="FFFF00"/>
+                                  </a:highlight>
+                                  <a:latin typeface="Cambria Math" panose="02040503050406030204" pitchFamily="18" charset="0"/>
+                                  <a:ea typeface="Cambria Math" panose="02040503050406030204" pitchFamily="18" charset="0"/>
+                                </a:rPr>
+                                <m:t>𝑒𝑥𝑝</m:t>
+                              </m:r>
+                            </m:sub>
+                          </m:sSub>
+                        </m:num>
+                        <m:den>
+                          <m:sSub>
+                            <m:sSubPr>
+                              <m:ctrlPr>
+                                <a:rPr lang="fr-CA" i="1">
+                                  <a:highlight>
+                                    <a:srgbClr val="FFFF00"/>
+                                  </a:highlight>
+                                  <a:latin typeface="Cambria Math" panose="02040503050406030204" pitchFamily="18" charset="0"/>
+                                  <a:ea typeface="Cambria Math" panose="02040503050406030204" pitchFamily="18" charset="0"/>
+                                </a:rPr>
+                              </m:ctrlPr>
+                            </m:sSubPr>
+                            <m:e>
+                              <m:r>
+                                <a:rPr lang="fr-CA" i="1">
+                                  <a:highlight>
+                                    <a:srgbClr val="FFFF00"/>
+                                  </a:highlight>
+                                  <a:latin typeface="Cambria Math" panose="02040503050406030204" pitchFamily="18" charset="0"/>
+                                  <a:ea typeface="Cambria Math" panose="02040503050406030204" pitchFamily="18" charset="0"/>
+                                </a:rPr>
+                                <m:t>𝑃</m:t>
+                              </m:r>
+                            </m:e>
+                            <m:sub>
+                              <m:r>
+                                <a:rPr lang="fr-CA" b="0" i="1" smtClean="0">
+                                  <a:highlight>
+                                    <a:srgbClr val="FFFF00"/>
+                                  </a:highlight>
+                                  <a:latin typeface="Cambria Math" panose="02040503050406030204" pitchFamily="18" charset="0"/>
+                                  <a:ea typeface="Cambria Math" panose="02040503050406030204" pitchFamily="18" charset="0"/>
+                                </a:rPr>
+                                <m:t>𝑅𝑒𝑓</m:t>
+                              </m:r>
+                            </m:sub>
+                          </m:sSub>
+                        </m:den>
+                      </m:f>
+                    </m:oMath>
+                  </m:oMathPara>
+                </a14:m>
+                <a:endParaRPr lang="fr-CA" dirty="0">
+                  <a:highlight>
+                    <a:srgbClr val="FFFF00"/>
+                  </a:highlight>
+                </a:endParaRPr>
+              </a:p>
+            </p:txBody>
+          </p:sp>
+        </mc:Choice>
+        <mc:Fallback>
+          <p:sp>
+            <p:nvSpPr>
+              <p:cNvPr id="15" name="ZoneTexte 14">
+                <a:extLst>
+                  <a:ext uri="{FF2B5EF4-FFF2-40B4-BE49-F238E27FC236}">
+                    <a16:creationId xmlns:a16="http://schemas.microsoft.com/office/drawing/2014/main" id="{3D8A1D7F-8FE2-4769-8110-DD0930555833}"/>
+                  </a:ext>
+                </a:extLst>
+              </p:cNvPr>
+              <p:cNvSpPr txBox="1">
+                <a:spLocks noRot="1" noChangeAspect="1" noMove="1" noResize="1" noEditPoints="1" noAdjustHandles="1" noChangeArrowheads="1" noChangeShapeType="1" noTextEdit="1"/>
+              </p:cNvSpPr>
+              <p:nvPr/>
+            </p:nvSpPr>
+            <p:spPr>
+              <a:xfrm>
+                <a:off x="6880649" y="4287733"/>
+                <a:ext cx="1243096" cy="603691"/>
+              </a:xfrm>
+              <a:prstGeom prst="rect">
+                <a:avLst/>
+              </a:prstGeom>
+              <a:blipFill>
+                <a:blip r:embed="rId4"/>
+                <a:stretch>
+                  <a:fillRect b="-1010"/>
+                </a:stretch>
+              </a:blipFill>
+            </p:spPr>
+            <p:txBody>
+              <a:bodyPr/>
+              <a:lstStyle/>
+              <a:p>
+                <a:r>
+                  <a:rPr lang="fr-CA">
+                    <a:noFill/>
+                  </a:rPr>
+                  <a:t> </a:t>
+                </a:r>
+              </a:p>
+            </p:txBody>
+          </p:sp>
+        </mc:Fallback>
+      </mc:AlternateContent>
     </p:spTree>
     <p:extLst>
       <p:ext uri="{BB962C8B-B14F-4D97-AF65-F5344CB8AC3E}">
-        <p14:creationId xmlns:p14="http://schemas.microsoft.com/office/powerpoint/2010/main" val="3824299653"/>
+        <p14:creationId xmlns:p14="http://schemas.microsoft.com/office/powerpoint/2010/main" val="486144508"/>
       </p:ext>
     </p:extLst>
   </p:cSld>
@@ -7077,7 +10856,7 @@
         <p:spPr>
           <a:xfrm>
             <a:off x="455643" y="510175"/>
-            <a:ext cx="4149913" cy="739786"/>
+            <a:ext cx="6893113" cy="739786"/>
           </a:xfrm>
           <a:prstGeom prst="rect">
             <a:avLst/>
@@ -7159,8 +10938,12 @@
           </a:lstStyle>
           <a:p>
             <a:r>
-              <a:rPr lang="fr-CA" dirty="0"/>
-              <a:t>Valeurs typiques</a:t>
+              <a:rPr lang="fr-CA" dirty="0">
+                <a:solidFill>
+                  <a:srgbClr val="286D9F"/>
+                </a:solidFill>
+              </a:rPr>
+              <a:t>Conditions initiales et frontières</a:t>
             </a:r>
           </a:p>
         </p:txBody>
@@ -7180,7 +10963,7 @@
         <p:spPr>
           <a:xfrm>
             <a:off x="3048000" y="2967335"/>
-            <a:ext cx="6096000" cy="369332"/>
+            <a:ext cx="6096000" cy="923330"/>
           </a:xfrm>
           <a:prstGeom prst="rect">
             <a:avLst/>
@@ -7194,7 +10977,7 @@
           <a:p>
             <a:r>
               <a:rPr lang="fr-FR" dirty="0"/>
-              <a:t>Valeurs typiques de la géométrie et des matériaux</a:t>
+              <a:t>Description des conditions initiales/frontières du problème, avec les équations mathématiques qui les modélisent </a:t>
             </a:r>
             <a:endParaRPr lang="fr-CA" dirty="0"/>
           </a:p>
@@ -7203,7 +10986,7 @@
     </p:spTree>
     <p:extLst>
       <p:ext uri="{BB962C8B-B14F-4D97-AF65-F5344CB8AC3E}">
-        <p14:creationId xmlns:p14="http://schemas.microsoft.com/office/powerpoint/2010/main" val="119408779"/>
+        <p14:creationId xmlns:p14="http://schemas.microsoft.com/office/powerpoint/2010/main" val="3824299653"/>
       </p:ext>
     </p:extLst>
   </p:cSld>
@@ -7247,7 +11030,7 @@
         <p:spPr>
           <a:xfrm>
             <a:off x="455643" y="510175"/>
-            <a:ext cx="9015528" cy="739786"/>
+            <a:ext cx="4149913" cy="739786"/>
           </a:xfrm>
           <a:prstGeom prst="rect">
             <a:avLst/>
@@ -7329,8 +11112,12 @@
           </a:lstStyle>
           <a:p>
             <a:r>
-              <a:rPr lang="fr-CA" dirty="0"/>
-              <a:t>Fonctionnement de la méthode numérique</a:t>
+              <a:rPr lang="fr-CA" dirty="0">
+                <a:solidFill>
+                  <a:srgbClr val="286D9F"/>
+                </a:solidFill>
+              </a:rPr>
+              <a:t>Valeurs typiques</a:t>
             </a:r>
           </a:p>
         </p:txBody>
@@ -7349,8 +11136,8 @@
         </p:nvSpPr>
         <p:spPr>
           <a:xfrm>
-            <a:off x="2276213" y="2908612"/>
-            <a:ext cx="6096000" cy="1754326"/>
+            <a:off x="3048000" y="2967335"/>
+            <a:ext cx="6096000" cy="369332"/>
           </a:xfrm>
           <a:prstGeom prst="rect">
             <a:avLst/>
@@ -7364,7 +11151,7 @@
           <a:p>
             <a:r>
               <a:rPr lang="fr-FR" dirty="0"/>
-              <a:t>Étapes et fonctionnement de la méthode numérique, en incluant les équations discrétisées telles que vous les avez programmées (ex : discrétisation d’une équation différentielle, condition initiale, conditions aux frontières, calcul de l’énergie d’un système, génération de nombres aléatoires, etc.) </a:t>
+              <a:t>Valeurs typiques de la géométrie et des matériaux</a:t>
             </a:r>
             <a:endParaRPr lang="fr-CA" dirty="0"/>
           </a:p>
@@ -7373,7 +11160,7 @@
     </p:spTree>
     <p:extLst>
       <p:ext uri="{BB962C8B-B14F-4D97-AF65-F5344CB8AC3E}">
-        <p14:creationId xmlns:p14="http://schemas.microsoft.com/office/powerpoint/2010/main" val="1646786163"/>
+        <p14:creationId xmlns:p14="http://schemas.microsoft.com/office/powerpoint/2010/main" val="119408779"/>
       </p:ext>
     </p:extLst>
   </p:cSld>
@@ -7499,8 +11286,12 @@
           </a:lstStyle>
           <a:p>
             <a:r>
-              <a:rPr lang="fr-CA" dirty="0"/>
-              <a:t>Paramètres de simulation</a:t>
+              <a:rPr lang="fr-CA" dirty="0">
+                <a:solidFill>
+                  <a:srgbClr val="286D9F"/>
+                </a:solidFill>
+              </a:rPr>
+              <a:t>Fonctionnement de la méthode numérique</a:t>
             </a:r>
           </a:p>
         </p:txBody>
@@ -7520,7 +11311,7 @@
         <p:spPr>
           <a:xfrm>
             <a:off x="2276213" y="2908612"/>
-            <a:ext cx="6096000" cy="646331"/>
+            <a:ext cx="6096000" cy="1754326"/>
           </a:xfrm>
           <a:prstGeom prst="rect">
             <a:avLst/>
@@ -7534,7 +11325,7 @@
           <a:p>
             <a:r>
               <a:rPr lang="fr-FR" dirty="0"/>
-              <a:t>Paramètres de l’algorithme (ex : pas de discrétisation, critère de convergence, etc.)</a:t>
+              <a:t>Étapes et fonctionnement de la méthode numérique, en incluant les équations discrétisées telles que vous les avez programmées (ex : discrétisation d’une équation différentielle, condition initiale, conditions aux frontières, calcul de l’énergie d’un système, génération de nombres aléatoires, etc.) </a:t>
             </a:r>
             <a:endParaRPr lang="fr-CA" dirty="0"/>
           </a:p>
@@ -7543,7 +11334,7 @@
     </p:spTree>
     <p:extLst>
       <p:ext uri="{BB962C8B-B14F-4D97-AF65-F5344CB8AC3E}">
-        <p14:creationId xmlns:p14="http://schemas.microsoft.com/office/powerpoint/2010/main" val="3922770649"/>
+        <p14:creationId xmlns:p14="http://schemas.microsoft.com/office/powerpoint/2010/main" val="1646786163"/>
       </p:ext>
     </p:extLst>
   </p:cSld>
@@ -7669,8 +11460,12 @@
           </a:lstStyle>
           <a:p>
             <a:r>
-              <a:rPr lang="fr-CA" dirty="0"/>
-              <a:t>Défis surmontés</a:t>
+              <a:rPr lang="fr-CA" dirty="0">
+                <a:solidFill>
+                  <a:srgbClr val="286D9F"/>
+                </a:solidFill>
+              </a:rPr>
+              <a:t>Paramètres de simulation</a:t>
             </a:r>
           </a:p>
         </p:txBody>
@@ -7704,7 +11499,7 @@
           <a:p>
             <a:r>
               <a:rPr lang="fr-FR" dirty="0"/>
-              <a:t>Défis d’implémentation de l’algorithme et solutions utilisées pour surmonter ces défis</a:t>
+              <a:t>Paramètres de l’algorithme (ex : pas de discrétisation, critère de convergence, etc.)</a:t>
             </a:r>
             <a:endParaRPr lang="fr-CA" dirty="0"/>
           </a:p>
@@ -7713,7 +11508,7 @@
     </p:spTree>
     <p:extLst>
       <p:ext uri="{BB962C8B-B14F-4D97-AF65-F5344CB8AC3E}">
-        <p14:creationId xmlns:p14="http://schemas.microsoft.com/office/powerpoint/2010/main" val="2366093840"/>
+        <p14:creationId xmlns:p14="http://schemas.microsoft.com/office/powerpoint/2010/main" val="3922770649"/>
       </p:ext>
     </p:extLst>
   </p:cSld>
@@ -7839,8 +11634,12 @@
           </a:lstStyle>
           <a:p>
             <a:r>
-              <a:rPr lang="fr-CA" dirty="0"/>
-              <a:t>Utilisation de la mémoire</a:t>
+              <a:rPr lang="fr-CA" dirty="0">
+                <a:solidFill>
+                  <a:srgbClr val="286D9F"/>
+                </a:solidFill>
+              </a:rPr>
+              <a:t>Défis surmontés</a:t>
             </a:r>
           </a:p>
         </p:txBody>
@@ -7874,7 +11673,7 @@
           <a:p>
             <a:r>
               <a:rPr lang="fr-FR" dirty="0"/>
-              <a:t>Comportement et limites de votre code en temps et en mémoire</a:t>
+              <a:t>Défis d’implémentation de l’algorithme et solutions utilisées pour surmonter ces défis</a:t>
             </a:r>
             <a:endParaRPr lang="fr-CA" dirty="0"/>
           </a:p>
@@ -7883,7 +11682,7 @@
     </p:spTree>
     <p:extLst>
       <p:ext uri="{BB962C8B-B14F-4D97-AF65-F5344CB8AC3E}">
-        <p14:creationId xmlns:p14="http://schemas.microsoft.com/office/powerpoint/2010/main" val="69171058"/>
+        <p14:creationId xmlns:p14="http://schemas.microsoft.com/office/powerpoint/2010/main" val="2366093840"/>
       </p:ext>
     </p:extLst>
   </p:cSld>

--- a/Oral/Présentation_Eq11.pptx
+++ b/Oral/Présentation_Eq11.pptx
@@ -10,18 +10,19 @@
     <p:sldId id="258" r:id="rId4"/>
     <p:sldId id="272" r:id="rId5"/>
     <p:sldId id="259" r:id="rId6"/>
-    <p:sldId id="260" r:id="rId7"/>
-    <p:sldId id="261" r:id="rId8"/>
-    <p:sldId id="262" r:id="rId9"/>
-    <p:sldId id="263" r:id="rId10"/>
-    <p:sldId id="264" r:id="rId11"/>
-    <p:sldId id="265" r:id="rId12"/>
-    <p:sldId id="266" r:id="rId13"/>
-    <p:sldId id="267" r:id="rId14"/>
-    <p:sldId id="268" r:id="rId15"/>
-    <p:sldId id="269" r:id="rId16"/>
-    <p:sldId id="270" r:id="rId17"/>
-    <p:sldId id="271" r:id="rId18"/>
+    <p:sldId id="273" r:id="rId7"/>
+    <p:sldId id="260" r:id="rId8"/>
+    <p:sldId id="261" r:id="rId9"/>
+    <p:sldId id="262" r:id="rId10"/>
+    <p:sldId id="263" r:id="rId11"/>
+    <p:sldId id="264" r:id="rId12"/>
+    <p:sldId id="265" r:id="rId13"/>
+    <p:sldId id="266" r:id="rId14"/>
+    <p:sldId id="267" r:id="rId15"/>
+    <p:sldId id="268" r:id="rId16"/>
+    <p:sldId id="269" r:id="rId17"/>
+    <p:sldId id="270" r:id="rId18"/>
+    <p:sldId id="271" r:id="rId19"/>
   </p:sldIdLst>
   <p:sldSz cx="12192000" cy="6858000"/>
   <p:notesSz cx="6858000" cy="9144000"/>
@@ -130,6 +131,7 @@
             <p14:sldId id="258"/>
             <p14:sldId id="272"/>
             <p14:sldId id="259"/>
+            <p14:sldId id="273"/>
             <p14:sldId id="260"/>
           </p14:sldIdLst>
         </p14:section>
@@ -919,7 +921,7 @@
             <a:fld id="{B61BEF0D-F0BB-DE4B-95CE-6DB70DBA9567}" type="datetimeFigureOut">
               <a:rPr lang="en-US" dirty="0"/>
               <a:pPr/>
-              <a:t>4/8/2020</a:t>
+              <a:t>4/9/2020</a:t>
             </a:fld>
             <a:endParaRPr lang="en-US" dirty="0"/>
           </a:p>
@@ -1167,7 +1169,7 @@
             <a:fld id="{B61BEF0D-F0BB-DE4B-95CE-6DB70DBA9567}" type="datetimeFigureOut">
               <a:rPr lang="en-US" dirty="0"/>
               <a:pPr/>
-              <a:t>4/8/2020</a:t>
+              <a:t>4/9/2020</a:t>
             </a:fld>
             <a:endParaRPr lang="en-US" dirty="0"/>
           </a:p>
@@ -1478,7 +1480,7 @@
             <a:fld id="{B61BEF0D-F0BB-DE4B-95CE-6DB70DBA9567}" type="datetimeFigureOut">
               <a:rPr lang="en-US" dirty="0"/>
               <a:pPr/>
-              <a:t>4/8/2020</a:t>
+              <a:t>4/9/2020</a:t>
             </a:fld>
             <a:endParaRPr lang="en-US" dirty="0"/>
           </a:p>
@@ -1808,7 +1810,7 @@
             <a:fld id="{B61BEF0D-F0BB-DE4B-95CE-6DB70DBA9567}" type="datetimeFigureOut">
               <a:rPr lang="en-US" dirty="0"/>
               <a:pPr/>
-              <a:t>4/8/2020</a:t>
+              <a:t>4/9/2020</a:t>
             </a:fld>
             <a:endParaRPr lang="en-US" dirty="0"/>
           </a:p>
@@ -2119,7 +2121,7 @@
             <a:fld id="{B61BEF0D-F0BB-DE4B-95CE-6DB70DBA9567}" type="datetimeFigureOut">
               <a:rPr lang="en-US" dirty="0"/>
               <a:pPr/>
-              <a:t>4/8/2020</a:t>
+              <a:t>4/9/2020</a:t>
             </a:fld>
             <a:endParaRPr lang="en-US" dirty="0"/>
           </a:p>
@@ -2509,7 +2511,7 @@
             <a:fld id="{B61BEF0D-F0BB-DE4B-95CE-6DB70DBA9567}" type="datetimeFigureOut">
               <a:rPr lang="en-US" dirty="0"/>
               <a:pPr/>
-              <a:t>4/8/2020</a:t>
+              <a:t>4/9/2020</a:t>
             </a:fld>
             <a:endParaRPr lang="en-US" dirty="0"/>
           </a:p>
@@ -2675,7 +2677,7 @@
           <a:p>
             <a:fld id="{55C6B4A9-1611-4792-9094-5F34BCA07E0B}" type="datetimeFigureOut">
               <a:rPr lang="en-US" dirty="0"/>
-              <a:t>4/8/2020</a:t>
+              <a:t>4/9/2020</a:t>
             </a:fld>
             <a:endParaRPr lang="en-US" dirty="0"/>
           </a:p>
@@ -2851,7 +2853,7 @@
             <a:fld id="{B61BEF0D-F0BB-DE4B-95CE-6DB70DBA9567}" type="datetimeFigureOut">
               <a:rPr lang="en-US" dirty="0"/>
               <a:pPr/>
-              <a:t>4/8/2020</a:t>
+              <a:t>4/9/2020</a:t>
             </a:fld>
             <a:endParaRPr lang="en-US" dirty="0"/>
           </a:p>
@@ -3017,7 +3019,7 @@
           <a:p>
             <a:fld id="{42A54C80-263E-416B-A8E0-580EDEADCBDC}" type="datetimeFigureOut">
               <a:rPr lang="en-US" dirty="0"/>
-              <a:t>4/8/2020</a:t>
+              <a:t>4/9/2020</a:t>
             </a:fld>
             <a:endParaRPr lang="en-US" dirty="0"/>
           </a:p>
@@ -3260,7 +3262,7 @@
             <a:fld id="{B61BEF0D-F0BB-DE4B-95CE-6DB70DBA9567}" type="datetimeFigureOut">
               <a:rPr lang="en-US" dirty="0"/>
               <a:pPr/>
-              <a:t>4/8/2020</a:t>
+              <a:t>4/9/2020</a:t>
             </a:fld>
             <a:endParaRPr lang="en-US" dirty="0"/>
           </a:p>
@@ -3488,7 +3490,7 @@
           <a:p>
             <a:fld id="{42A54C80-263E-416B-A8E0-580EDEADCBDC}" type="datetimeFigureOut">
               <a:rPr lang="en-US" dirty="0"/>
-              <a:t>4/8/2020</a:t>
+              <a:t>4/9/2020</a:t>
             </a:fld>
             <a:endParaRPr lang="en-US" dirty="0"/>
           </a:p>
@@ -3858,7 +3860,7 @@
             <a:fld id="{B61BEF0D-F0BB-DE4B-95CE-6DB70DBA9567}" type="datetimeFigureOut">
               <a:rPr lang="en-US" dirty="0"/>
               <a:pPr/>
-              <a:t>4/8/2020</a:t>
+              <a:t>4/9/2020</a:t>
             </a:fld>
             <a:endParaRPr lang="en-US" dirty="0"/>
           </a:p>
@@ -3978,7 +3980,7 @@
             <a:fld id="{B61BEF0D-F0BB-DE4B-95CE-6DB70DBA9567}" type="datetimeFigureOut">
               <a:rPr lang="en-US" dirty="0"/>
               <a:pPr/>
-              <a:t>4/8/2020</a:t>
+              <a:t>4/9/2020</a:t>
             </a:fld>
             <a:endParaRPr lang="en-US" dirty="0"/>
           </a:p>
@@ -4070,7 +4072,7 @@
             <a:fld id="{B61BEF0D-F0BB-DE4B-95CE-6DB70DBA9567}" type="datetimeFigureOut">
               <a:rPr lang="en-US" dirty="0"/>
               <a:pPr/>
-              <a:t>4/8/2020</a:t>
+              <a:t>4/9/2020</a:t>
             </a:fld>
             <a:endParaRPr lang="en-US" dirty="0"/>
           </a:p>
@@ -4321,7 +4323,7 @@
           <a:p>
             <a:fld id="{42A54C80-263E-416B-A8E0-580EDEADCBDC}" type="datetimeFigureOut">
               <a:rPr lang="en-US" dirty="0"/>
-              <a:t>4/8/2020</a:t>
+              <a:t>4/9/2020</a:t>
             </a:fld>
             <a:endParaRPr lang="en-US" dirty="0"/>
           </a:p>
@@ -4623,7 +4625,7 @@
             <a:fld id="{B61BEF0D-F0BB-DE4B-95CE-6DB70DBA9567}" type="datetimeFigureOut">
               <a:rPr lang="en-US" dirty="0"/>
               <a:pPr/>
-              <a:t>4/8/2020</a:t>
+              <a:t>4/9/2020</a:t>
             </a:fld>
             <a:endParaRPr lang="en-US" dirty="0"/>
           </a:p>
@@ -5321,7 +5323,7 @@
             <a:fld id="{B61BEF0D-F0BB-DE4B-95CE-6DB70DBA9567}" type="datetimeFigureOut">
               <a:rPr lang="en-US" dirty="0"/>
               <a:pPr/>
-              <a:t>4/8/2020</a:t>
+              <a:t>4/9/2020</a:t>
             </a:fld>
             <a:endParaRPr lang="en-US" dirty="0"/>
           </a:p>
@@ -6361,7 +6363,7 @@
                   <a:srgbClr val="286D9F"/>
                 </a:solidFill>
               </a:rPr>
-              <a:t>Utilisation de la mémoire</a:t>
+              <a:t>Défis surmontés</a:t>
             </a:r>
           </a:p>
         </p:txBody>
@@ -6395,7 +6397,7 @@
           <a:p>
             <a:r>
               <a:rPr lang="fr-FR" dirty="0"/>
-              <a:t>Comportement et limites de votre code en temps et en mémoire</a:t>
+              <a:t>Défis d’implémentation de l’algorithme et solutions utilisées pour surmonter ces défis</a:t>
             </a:r>
             <a:endParaRPr lang="fr-CA" dirty="0"/>
           </a:p>
@@ -6404,7 +6406,7 @@
     </p:spTree>
     <p:extLst>
       <p:ext uri="{BB962C8B-B14F-4D97-AF65-F5344CB8AC3E}">
-        <p14:creationId xmlns:p14="http://schemas.microsoft.com/office/powerpoint/2010/main" val="69171058"/>
+        <p14:creationId xmlns:p14="http://schemas.microsoft.com/office/powerpoint/2010/main" val="2366093840"/>
       </p:ext>
     </p:extLst>
   </p:cSld>
@@ -6535,6 +6537,180 @@
                   <a:srgbClr val="286D9F"/>
                 </a:solidFill>
               </a:rPr>
+              <a:t>Utilisation de la mémoire</a:t>
+            </a:r>
+          </a:p>
+        </p:txBody>
+      </p:sp>
+      <p:sp>
+        <p:nvSpPr>
+          <p:cNvPr id="3" name="Rectangle 2">
+            <a:extLst>
+              <a:ext uri="{FF2B5EF4-FFF2-40B4-BE49-F238E27FC236}">
+                <a16:creationId xmlns:a16="http://schemas.microsoft.com/office/drawing/2014/main" id="{BA0A46BD-0FD2-481A-AB72-F6E2A27E0618}"/>
+              </a:ext>
+            </a:extLst>
+          </p:cNvPr>
+          <p:cNvSpPr/>
+          <p:nvPr/>
+        </p:nvSpPr>
+        <p:spPr>
+          <a:xfrm>
+            <a:off x="2276213" y="2908612"/>
+            <a:ext cx="6096000" cy="646331"/>
+          </a:xfrm>
+          <a:prstGeom prst="rect">
+            <a:avLst/>
+          </a:prstGeom>
+        </p:spPr>
+        <p:txBody>
+          <a:bodyPr>
+            <a:spAutoFit/>
+          </a:bodyPr>
+          <a:lstStyle/>
+          <a:p>
+            <a:r>
+              <a:rPr lang="fr-FR" dirty="0"/>
+              <a:t>Comportement et limites de votre code en temps et en mémoire</a:t>
+            </a:r>
+            <a:endParaRPr lang="fr-CA" dirty="0"/>
+          </a:p>
+        </p:txBody>
+      </p:sp>
+    </p:spTree>
+    <p:extLst>
+      <p:ext uri="{BB962C8B-B14F-4D97-AF65-F5344CB8AC3E}">
+        <p14:creationId xmlns:p14="http://schemas.microsoft.com/office/powerpoint/2010/main" val="69171058"/>
+      </p:ext>
+    </p:extLst>
+  </p:cSld>
+  <p:clrMapOvr>
+    <a:masterClrMapping/>
+  </p:clrMapOvr>
+</p:sld>
+</file>
+
+<file path=ppt/slides/slide12.xml><?xml version="1.0" encoding="utf-8"?>
+<p:sld xmlns:a="http://schemas.openxmlformats.org/drawingml/2006/main" xmlns:r="http://schemas.openxmlformats.org/officeDocument/2006/relationships" xmlns:p="http://schemas.openxmlformats.org/presentationml/2006/main">
+  <p:cSld>
+    <p:spTree>
+      <p:nvGrpSpPr>
+        <p:cNvPr id="1" name=""/>
+        <p:cNvGrpSpPr/>
+        <p:nvPr/>
+      </p:nvGrpSpPr>
+      <p:grpSpPr>
+        <a:xfrm>
+          <a:off x="0" y="0"/>
+          <a:ext cx="0" cy="0"/>
+          <a:chOff x="0" y="0"/>
+          <a:chExt cx="0" cy="0"/>
+        </a:xfrm>
+      </p:grpSpPr>
+      <p:sp>
+        <p:nvSpPr>
+          <p:cNvPr id="2" name="Titre 1">
+            <a:extLst>
+              <a:ext uri="{FF2B5EF4-FFF2-40B4-BE49-F238E27FC236}">
+                <a16:creationId xmlns:a16="http://schemas.microsoft.com/office/drawing/2014/main" id="{03EE799C-7398-441E-956D-60778EB6ADFB}"/>
+              </a:ext>
+            </a:extLst>
+          </p:cNvPr>
+          <p:cNvSpPr txBox="1">
+            <a:spLocks/>
+          </p:cNvSpPr>
+          <p:nvPr/>
+        </p:nvSpPr>
+        <p:spPr>
+          <a:xfrm>
+            <a:off x="455643" y="510175"/>
+            <a:ext cx="9015528" cy="739786"/>
+          </a:xfrm>
+          <a:prstGeom prst="rect">
+            <a:avLst/>
+          </a:prstGeom>
+        </p:spPr>
+        <p:txBody>
+          <a:bodyPr/>
+          <a:lstStyle>
+            <a:lvl1pPr algn="l" defTabSz="457200" rtl="0" eaLnBrk="1" latinLnBrk="0" hangingPunct="1">
+              <a:spcBef>
+                <a:spcPct val="0"/>
+              </a:spcBef>
+              <a:buNone/>
+              <a:defRPr sz="3600" kern="1200">
+                <a:solidFill>
+                  <a:schemeClr val="accent1"/>
+                </a:solidFill>
+                <a:latin typeface="+mj-lt"/>
+                <a:ea typeface="+mj-ea"/>
+                <a:cs typeface="+mj-cs"/>
+              </a:defRPr>
+            </a:lvl1pPr>
+            <a:lvl2pPr eaLnBrk="1" hangingPunct="1">
+              <a:defRPr>
+                <a:solidFill>
+                  <a:schemeClr val="tx2"/>
+                </a:solidFill>
+              </a:defRPr>
+            </a:lvl2pPr>
+            <a:lvl3pPr eaLnBrk="1" hangingPunct="1">
+              <a:defRPr>
+                <a:solidFill>
+                  <a:schemeClr val="tx2"/>
+                </a:solidFill>
+              </a:defRPr>
+            </a:lvl3pPr>
+            <a:lvl4pPr eaLnBrk="1" hangingPunct="1">
+              <a:defRPr>
+                <a:solidFill>
+                  <a:schemeClr val="tx2"/>
+                </a:solidFill>
+              </a:defRPr>
+            </a:lvl4pPr>
+            <a:lvl5pPr eaLnBrk="1" hangingPunct="1">
+              <a:defRPr>
+                <a:solidFill>
+                  <a:schemeClr val="tx2"/>
+                </a:solidFill>
+              </a:defRPr>
+            </a:lvl5pPr>
+            <a:lvl6pPr eaLnBrk="1" hangingPunct="1">
+              <a:defRPr>
+                <a:solidFill>
+                  <a:schemeClr val="tx2"/>
+                </a:solidFill>
+              </a:defRPr>
+            </a:lvl6pPr>
+            <a:lvl7pPr eaLnBrk="1" hangingPunct="1">
+              <a:defRPr>
+                <a:solidFill>
+                  <a:schemeClr val="tx2"/>
+                </a:solidFill>
+              </a:defRPr>
+            </a:lvl7pPr>
+            <a:lvl8pPr eaLnBrk="1" hangingPunct="1">
+              <a:defRPr>
+                <a:solidFill>
+                  <a:schemeClr val="tx2"/>
+                </a:solidFill>
+              </a:defRPr>
+            </a:lvl8pPr>
+            <a:lvl9pPr eaLnBrk="1" hangingPunct="1">
+              <a:defRPr>
+                <a:solidFill>
+                  <a:schemeClr val="tx2"/>
+                </a:solidFill>
+              </a:defRPr>
+            </a:lvl9pPr>
+          </a:lstStyle>
+          <a:p>
+            <a:r>
+              <a:rPr lang="fr-CA" dirty="0">
+                <a:solidFill>
+                  <a:srgbClr val="286D9F"/>
+                </a:solidFill>
+              </a:rPr>
               <a:t>Influence sur la performance</a:t>
             </a:r>
           </a:p>
@@ -6588,7 +6764,7 @@
 </p:sld>
 </file>
 
-<file path=ppt/slides/slide12.xml><?xml version="1.0" encoding="utf-8"?>
+<file path=ppt/slides/slide13.xml><?xml version="1.0" encoding="utf-8"?>
 <p:sld xmlns:a="http://schemas.openxmlformats.org/drawingml/2006/main" xmlns:r="http://schemas.openxmlformats.org/officeDocument/2006/relationships" xmlns:p="http://schemas.openxmlformats.org/presentationml/2006/main">
   <p:cSld>
     <p:spTree>
@@ -6762,7 +6938,7 @@
 </p:sld>
 </file>
 
-<file path=ppt/slides/slide13.xml><?xml version="1.0" encoding="utf-8"?>
+<file path=ppt/slides/slide14.xml><?xml version="1.0" encoding="utf-8"?>
 <p:sld xmlns:a="http://schemas.openxmlformats.org/drawingml/2006/main" xmlns:r="http://schemas.openxmlformats.org/officeDocument/2006/relationships" xmlns:p="http://schemas.openxmlformats.org/presentationml/2006/main">
   <p:cSld>
     <p:spTree>
@@ -6936,7 +7112,7 @@
 </p:sld>
 </file>
 
-<file path=ppt/slides/slide14.xml><?xml version="1.0" encoding="utf-8"?>
+<file path=ppt/slides/slide15.xml><?xml version="1.0" encoding="utf-8"?>
 <p:sld xmlns:a="http://schemas.openxmlformats.org/drawingml/2006/main" xmlns:r="http://schemas.openxmlformats.org/officeDocument/2006/relationships" xmlns:p="http://schemas.openxmlformats.org/presentationml/2006/main">
   <p:cSld>
     <p:spTree>
@@ -7110,7 +7286,7 @@
 </p:sld>
 </file>
 
-<file path=ppt/slides/slide15.xml><?xml version="1.0" encoding="utf-8"?>
+<file path=ppt/slides/slide16.xml><?xml version="1.0" encoding="utf-8"?>
 <p:sld xmlns:a="http://schemas.openxmlformats.org/drawingml/2006/main" xmlns:r="http://schemas.openxmlformats.org/officeDocument/2006/relationships" xmlns:p="http://schemas.openxmlformats.org/presentationml/2006/main">
   <p:cSld>
     <p:spTree>
@@ -7284,7 +7460,7 @@
 </p:sld>
 </file>
 
-<file path=ppt/slides/slide16.xml><?xml version="1.0" encoding="utf-8"?>
+<file path=ppt/slides/slide17.xml><?xml version="1.0" encoding="utf-8"?>
 <p:sld xmlns:a="http://schemas.openxmlformats.org/drawingml/2006/main" xmlns:r="http://schemas.openxmlformats.org/officeDocument/2006/relationships" xmlns:p="http://schemas.openxmlformats.org/presentationml/2006/main">
   <p:cSld>
     <p:spTree>
@@ -7458,7 +7634,7 @@
 </p:sld>
 </file>
 
-<file path=ppt/slides/slide17.xml><?xml version="1.0" encoding="utf-8"?>
+<file path=ppt/slides/slide18.xml><?xml version="1.0" encoding="utf-8"?>
 <p:sld xmlns:a="http://schemas.openxmlformats.org/drawingml/2006/main" xmlns:r="http://schemas.openxmlformats.org/officeDocument/2006/relationships" xmlns:p="http://schemas.openxmlformats.org/presentationml/2006/main">
   <p:cSld>
     <p:spTree>
@@ -8323,8 +8499,8 @@
           </a:p>
         </p:txBody>
       </p:sp>
-      <mc:AlternateContent xmlns:mc="http://schemas.openxmlformats.org/markup-compatibility/2006">
-        <mc:Choice xmlns:a14="http://schemas.microsoft.com/office/drawing/2010/main" Requires="a14">
+      <mc:AlternateContent xmlns:mc="http://schemas.openxmlformats.org/markup-compatibility/2006" xmlns:a14="http://schemas.microsoft.com/office/drawing/2010/main">
+        <mc:Choice Requires="a14">
           <p:sp>
             <p:nvSpPr>
               <p:cNvPr id="5" name="ZoneTexte 4">
@@ -8649,7 +8825,7 @@
             </p:txBody>
           </p:sp>
         </mc:Choice>
-        <mc:Fallback>
+        <mc:Fallback xmlns="">
           <p:sp>
             <p:nvSpPr>
               <p:cNvPr id="5" name="ZoneTexte 4">
@@ -8694,8 +8870,8 @@
           </p:sp>
         </mc:Fallback>
       </mc:AlternateContent>
-      <mc:AlternateContent xmlns:mc="http://schemas.openxmlformats.org/markup-compatibility/2006">
-        <mc:Choice xmlns:a14="http://schemas.microsoft.com/office/drawing/2010/main" Requires="a14">
+      <mc:AlternateContent xmlns:mc="http://schemas.openxmlformats.org/markup-compatibility/2006" xmlns:a14="http://schemas.microsoft.com/office/drawing/2010/main">
+        <mc:Choice Requires="a14">
           <p:sp>
             <p:nvSpPr>
               <p:cNvPr id="6" name="ZoneTexte 5">
@@ -9019,7 +9195,7 @@
             </p:txBody>
           </p:sp>
         </mc:Choice>
-        <mc:Fallback>
+        <mc:Fallback xmlns="">
           <p:sp>
             <p:nvSpPr>
               <p:cNvPr id="6" name="ZoneTexte 5">
@@ -9099,8 +9275,8 @@
           </a:p>
         </p:txBody>
       </p:sp>
-      <mc:AlternateContent xmlns:mc="http://schemas.openxmlformats.org/markup-compatibility/2006">
-        <mc:Choice xmlns:a14="http://schemas.microsoft.com/office/drawing/2010/main" Requires="a14">
+      <mc:AlternateContent xmlns:mc="http://schemas.openxmlformats.org/markup-compatibility/2006" xmlns:a14="http://schemas.microsoft.com/office/drawing/2010/main">
+        <mc:Choice Requires="a14">
           <p:sp>
             <p:nvSpPr>
               <p:cNvPr id="8" name="ZoneTexte 7">
@@ -9308,7 +9484,7 @@
             </p:txBody>
           </p:sp>
         </mc:Choice>
-        <mc:Fallback>
+        <mc:Fallback xmlns="">
           <p:sp>
             <p:nvSpPr>
               <p:cNvPr id="8" name="ZoneTexte 7">
@@ -9353,8 +9529,8 @@
           </p:sp>
         </mc:Fallback>
       </mc:AlternateContent>
-      <mc:AlternateContent xmlns:mc="http://schemas.openxmlformats.org/markup-compatibility/2006">
-        <mc:Choice xmlns:a14="http://schemas.microsoft.com/office/drawing/2010/main" Requires="a14">
+      <mc:AlternateContent xmlns:mc="http://schemas.openxmlformats.org/markup-compatibility/2006" xmlns:a14="http://schemas.microsoft.com/office/drawing/2010/main">
+        <mc:Choice Requires="a14">
           <p:sp>
             <p:nvSpPr>
               <p:cNvPr id="9" name="ZoneTexte 8">
@@ -9551,7 +9727,7 @@
             </p:txBody>
           </p:sp>
         </mc:Choice>
-        <mc:Fallback>
+        <mc:Fallback xmlns="">
           <p:sp>
             <p:nvSpPr>
               <p:cNvPr id="9" name="ZoneTexte 8">
@@ -9631,8 +9807,8 @@
           </a:p>
         </p:txBody>
       </p:sp>
-      <mc:AlternateContent xmlns:mc="http://schemas.openxmlformats.org/markup-compatibility/2006">
-        <mc:Choice xmlns:a14="http://schemas.microsoft.com/office/drawing/2010/main" Requires="a14">
+      <mc:AlternateContent xmlns:mc="http://schemas.openxmlformats.org/markup-compatibility/2006" xmlns:a14="http://schemas.microsoft.com/office/drawing/2010/main">
+        <mc:Choice Requires="a14">
           <p:sp>
             <p:nvSpPr>
               <p:cNvPr id="11" name="ZoneTexte 10">
@@ -9661,6 +9837,7 @@
               </a:bodyPr>
               <a:lstStyle/>
               <a:p>
+                <a:pPr/>
                 <a14:m>
                   <m:oMathPara xmlns:m="http://schemas.openxmlformats.org/officeDocument/2006/math">
                     <m:oMathParaPr>
@@ -9829,7 +10006,7 @@
             </p:txBody>
           </p:sp>
         </mc:Choice>
-        <mc:Fallback>
+        <mc:Fallback xmlns="">
           <p:sp>
             <p:nvSpPr>
               <p:cNvPr id="11" name="ZoneTexte 10">
@@ -10123,8 +10300,8 @@
           </a:p>
         </p:txBody>
       </p:sp>
-      <mc:AlternateContent xmlns:mc="http://schemas.openxmlformats.org/markup-compatibility/2006">
-        <mc:Choice xmlns:a14="http://schemas.microsoft.com/office/drawing/2010/main" Requires="a14">
+      <mc:AlternateContent xmlns:mc="http://schemas.openxmlformats.org/markup-compatibility/2006" xmlns:a14="http://schemas.microsoft.com/office/drawing/2010/main">
+        <mc:Choice Requires="a14">
           <p:sp>
             <p:nvSpPr>
               <p:cNvPr id="12" name="ZoneTexte 11">
@@ -10153,6 +10330,7 @@
               </a:bodyPr>
               <a:lstStyle/>
               <a:p>
+                <a:pPr/>
                 <a14:m>
                   <m:oMathPara xmlns:m="http://schemas.openxmlformats.org/officeDocument/2006/math">
                     <m:oMathParaPr>
@@ -10241,7 +10419,7 @@
             </p:txBody>
           </p:sp>
         </mc:Choice>
-        <mc:Fallback>
+        <mc:Fallback xmlns="">
           <p:sp>
             <p:nvSpPr>
               <p:cNvPr id="12" name="ZoneTexte 11">
@@ -10329,8 +10507,8 @@
           </a:p>
         </p:txBody>
       </p:sp>
-      <mc:AlternateContent xmlns:mc="http://schemas.openxmlformats.org/markup-compatibility/2006">
-        <mc:Choice xmlns:a14="http://schemas.microsoft.com/office/drawing/2010/main" Requires="a14">
+      <mc:AlternateContent xmlns:mc="http://schemas.openxmlformats.org/markup-compatibility/2006" xmlns:a14="http://schemas.microsoft.com/office/drawing/2010/main">
+        <mc:Choice Requires="a14">
           <p:sp>
             <p:nvSpPr>
               <p:cNvPr id="14" name="ZoneTexte 13">
@@ -10533,7 +10711,7 @@
             </p:txBody>
           </p:sp>
         </mc:Choice>
-        <mc:Fallback>
+        <mc:Fallback xmlns="">
           <p:sp>
             <p:nvSpPr>
               <p:cNvPr id="14" name="ZoneTexte 13">
@@ -10578,8 +10756,8 @@
           </p:sp>
         </mc:Fallback>
       </mc:AlternateContent>
-      <mc:AlternateContent xmlns:mc="http://schemas.openxmlformats.org/markup-compatibility/2006">
-        <mc:Choice xmlns:a14="http://schemas.microsoft.com/office/drawing/2010/main" Requires="a14">
+      <mc:AlternateContent xmlns:mc="http://schemas.openxmlformats.org/markup-compatibility/2006" xmlns:a14="http://schemas.microsoft.com/office/drawing/2010/main">
+        <mc:Choice Requires="a14">
           <p:sp>
             <p:nvSpPr>
               <p:cNvPr id="15" name="ZoneTexte 14">
@@ -10608,6 +10786,7 @@
               </a:bodyPr>
               <a:lstStyle/>
               <a:p>
+                <a:pPr/>
                 <a14:m>
                   <m:oMathPara xmlns:m="http://schemas.openxmlformats.org/officeDocument/2006/math">
                     <m:oMathParaPr>
@@ -10764,7 +10943,7 @@
             </p:txBody>
           </p:sp>
         </mc:Choice>
-        <mc:Fallback>
+        <mc:Fallback xmlns="">
           <p:sp>
             <p:nvSpPr>
               <p:cNvPr id="15" name="ZoneTexte 14">
@@ -10962,7 +11141,7 @@
         </p:nvSpPr>
         <p:spPr>
           <a:xfrm>
-            <a:off x="3048000" y="2967335"/>
+            <a:off x="6612835" y="48510"/>
             <a:ext cx="6096000" cy="923330"/>
           </a:xfrm>
           <a:prstGeom prst="rect">
@@ -10983,6 +11162,2046 @@
           </a:p>
         </p:txBody>
       </p:sp>
+      <p:sp>
+        <p:nvSpPr>
+          <p:cNvPr id="4" name="ZoneTexte 3">
+            <a:extLst>
+              <a:ext uri="{FF2B5EF4-FFF2-40B4-BE49-F238E27FC236}">
+                <a16:creationId xmlns:a16="http://schemas.microsoft.com/office/drawing/2014/main" id="{2F4C1467-FC45-44E7-AC31-FEB86E2EAF84}"/>
+              </a:ext>
+            </a:extLst>
+          </p:cNvPr>
+          <p:cNvSpPr txBox="1"/>
+          <p:nvPr/>
+        </p:nvSpPr>
+        <p:spPr>
+          <a:xfrm>
+            <a:off x="551722" y="1249961"/>
+            <a:ext cx="5256044" cy="646331"/>
+          </a:xfrm>
+          <a:prstGeom prst="rect">
+            <a:avLst/>
+          </a:prstGeom>
+          <a:noFill/>
+        </p:spPr>
+        <p:txBody>
+          <a:bodyPr wrap="square" rtlCol="0">
+            <a:spAutoFit/>
+          </a:bodyPr>
+          <a:lstStyle/>
+          <a:p>
+            <a:r>
+              <a:rPr lang="fr-CA" dirty="0"/>
+              <a:t>La première condition frontière est la continuité de la pression (8)</a:t>
+            </a:r>
+          </a:p>
+        </p:txBody>
+      </p:sp>
+      <p:sp>
+        <p:nvSpPr>
+          <p:cNvPr id="5" name="ZoneTexte 4">
+            <a:extLst>
+              <a:ext uri="{FF2B5EF4-FFF2-40B4-BE49-F238E27FC236}">
+                <a16:creationId xmlns:a16="http://schemas.microsoft.com/office/drawing/2014/main" id="{FF757E93-E2E7-43C0-89ED-7D0A63AB4123}"/>
+              </a:ext>
+            </a:extLst>
+          </p:cNvPr>
+          <p:cNvSpPr txBox="1"/>
+          <p:nvPr/>
+        </p:nvSpPr>
+        <p:spPr>
+          <a:xfrm>
+            <a:off x="551722" y="2792567"/>
+            <a:ext cx="5454827" cy="646331"/>
+          </a:xfrm>
+          <a:prstGeom prst="rect">
+            <a:avLst/>
+          </a:prstGeom>
+          <a:noFill/>
+        </p:spPr>
+        <p:txBody>
+          <a:bodyPr wrap="square" rtlCol="0">
+            <a:spAutoFit/>
+          </a:bodyPr>
+          <a:lstStyle/>
+          <a:p>
+            <a:r>
+              <a:rPr lang="fr-CA" dirty="0"/>
+              <a:t>La deuxième condition frontière est la continuité du vecteur vitesse et du gradient de la pression (9)</a:t>
+            </a:r>
+          </a:p>
+        </p:txBody>
+      </p:sp>
+      <p:grpSp>
+        <p:nvGrpSpPr>
+          <p:cNvPr id="8" name="Groupe 7">
+            <a:extLst>
+              <a:ext uri="{FF2B5EF4-FFF2-40B4-BE49-F238E27FC236}">
+                <a16:creationId xmlns:a16="http://schemas.microsoft.com/office/drawing/2014/main" id="{B0EBB843-D6E7-466E-BCFE-F81B7C9523CC}"/>
+              </a:ext>
+            </a:extLst>
+          </p:cNvPr>
+          <p:cNvGrpSpPr/>
+          <p:nvPr/>
+        </p:nvGrpSpPr>
+        <p:grpSpPr>
+          <a:xfrm>
+            <a:off x="1274030" y="2075750"/>
+            <a:ext cx="4251677" cy="481350"/>
+            <a:chOff x="1562264" y="2075750"/>
+            <a:chExt cx="4251677" cy="481350"/>
+          </a:xfrm>
+        </p:grpSpPr>
+        <mc:AlternateContent xmlns:mc="http://schemas.openxmlformats.org/markup-compatibility/2006" xmlns:a14="http://schemas.microsoft.com/office/drawing/2010/main">
+          <mc:Choice Requires="a14">
+            <p:sp>
+              <p:nvSpPr>
+                <p:cNvPr id="6" name="ZoneTexte 5">
+                  <a:extLst>
+                    <a:ext uri="{FF2B5EF4-FFF2-40B4-BE49-F238E27FC236}">
+                      <a16:creationId xmlns:a16="http://schemas.microsoft.com/office/drawing/2014/main" id="{CCEF52E2-F4A5-47EB-8739-D5BF7343D634}"/>
+                    </a:ext>
+                  </a:extLst>
+                </p:cNvPr>
+                <p:cNvSpPr txBox="1"/>
+                <p:nvPr/>
+              </p:nvSpPr>
+              <p:spPr>
+                <a:xfrm>
+                  <a:off x="1562264" y="2075750"/>
+                  <a:ext cx="3746410" cy="481350"/>
+                </a:xfrm>
+                <a:prstGeom prst="rect">
+                  <a:avLst/>
+                </a:prstGeom>
+                <a:noFill/>
+              </p:spPr>
+              <p:txBody>
+                <a:bodyPr wrap="none" lIns="0" tIns="0" rIns="0" bIns="0" rtlCol="0">
+                  <a:spAutoFit/>
+                </a:bodyPr>
+                <a:lstStyle/>
+                <a:p>
+                  <a:pPr/>
+                  <a14:m>
+                    <m:oMathPara xmlns:m="http://schemas.openxmlformats.org/officeDocument/2006/math">
+                      <m:oMathParaPr>
+                        <m:jc m:val="centerGroup"/>
+                      </m:oMathParaPr>
+                      <m:oMath xmlns:m="http://schemas.openxmlformats.org/officeDocument/2006/math">
+                        <m:sSub>
+                          <m:sSubPr>
+                            <m:ctrlPr>
+                              <a:rPr lang="fr-CA" b="0" i="1" smtClean="0">
+                                <a:latin typeface="Cambria Math" panose="02040503050406030204" pitchFamily="18" charset="0"/>
+                              </a:rPr>
+                            </m:ctrlPr>
+                          </m:sSubPr>
+                          <m:e>
+                            <m:r>
+                              <a:rPr lang="fr-CA" b="0" i="1" smtClean="0">
+                                <a:latin typeface="Cambria Math" panose="02040503050406030204" pitchFamily="18" charset="0"/>
+                              </a:rPr>
+                              <m:t>𝑝</m:t>
+                            </m:r>
+                          </m:e>
+                          <m:sub>
+                            <m:r>
+                              <a:rPr lang="fr-CA" b="0" i="1" smtClean="0">
+                                <a:latin typeface="Cambria Math" panose="02040503050406030204" pitchFamily="18" charset="0"/>
+                              </a:rPr>
+                              <m:t>1</m:t>
+                            </m:r>
+                          </m:sub>
+                        </m:sSub>
+                        <m:d>
+                          <m:dPr>
+                            <m:ctrlPr>
+                              <a:rPr lang="fr-CA" b="0" i="1" smtClean="0">
+                                <a:latin typeface="Cambria Math" panose="02040503050406030204" pitchFamily="18" charset="0"/>
+                              </a:rPr>
+                            </m:ctrlPr>
+                          </m:dPr>
+                          <m:e>
+                            <m:acc>
+                              <m:accPr>
+                                <m:chr m:val="⃗"/>
+                                <m:ctrlPr>
+                                  <a:rPr lang="fr-CA" b="0" i="1" smtClean="0">
+                                    <a:latin typeface="Cambria Math" panose="02040503050406030204" pitchFamily="18" charset="0"/>
+                                  </a:rPr>
+                                </m:ctrlPr>
+                              </m:accPr>
+                              <m:e>
+                                <m:r>
+                                  <a:rPr lang="fr-CA" b="0" i="1" smtClean="0">
+                                    <a:latin typeface="Cambria Math" panose="02040503050406030204" pitchFamily="18" charset="0"/>
+                                  </a:rPr>
+                                  <m:t>𝑟</m:t>
+                                </m:r>
+                              </m:e>
+                            </m:acc>
+                          </m:e>
+                        </m:d>
+                        <m:sSub>
+                          <m:sSubPr>
+                            <m:ctrlPr>
+                              <a:rPr lang="fr-CA" b="0" i="1" smtClean="0">
+                                <a:latin typeface="Cambria Math" panose="02040503050406030204" pitchFamily="18" charset="0"/>
+                              </a:rPr>
+                            </m:ctrlPr>
+                          </m:sSubPr>
+                          <m:e>
+                            <m:d>
+                              <m:dPr>
+                                <m:begChr m:val=""/>
+                                <m:endChr m:val="|"/>
+                                <m:ctrlPr>
+                                  <a:rPr lang="fr-CA" b="0" i="1" smtClean="0">
+                                    <a:latin typeface="Cambria Math" panose="02040503050406030204" pitchFamily="18" charset="0"/>
+                                  </a:rPr>
+                                </m:ctrlPr>
+                              </m:dPr>
+                              <m:e>
+                                <m:r>
+                                  <a:rPr lang="fr-CA">
+                                    <a:latin typeface="Cambria Math" panose="02040503050406030204" pitchFamily="18" charset="0"/>
+                                  </a:rPr>
+                                  <m:t>​</m:t>
+                                </m:r>
+                              </m:e>
+                            </m:d>
+                          </m:e>
+                          <m:sub>
+                            <m:acc>
+                              <m:accPr>
+                                <m:chr m:val="⃗"/>
+                                <m:ctrlPr>
+                                  <a:rPr lang="fr-CA" b="0" i="1" smtClean="0">
+                                    <a:latin typeface="Cambria Math" panose="02040503050406030204" pitchFamily="18" charset="0"/>
+                                  </a:rPr>
+                                </m:ctrlPr>
+                              </m:accPr>
+                              <m:e>
+                                <m:r>
+                                  <a:rPr lang="fr-CA" b="0" i="1" smtClean="0">
+                                    <a:latin typeface="Cambria Math" panose="02040503050406030204" pitchFamily="18" charset="0"/>
+                                  </a:rPr>
+                                  <m:t>𝑟</m:t>
+                                </m:r>
+                              </m:e>
+                            </m:acc>
+                            <m:r>
+                              <a:rPr lang="fr-CA" b="0" i="1" smtClean="0">
+                                <a:latin typeface="Cambria Math" panose="02040503050406030204" pitchFamily="18" charset="0"/>
+                              </a:rPr>
+                              <m:t>=</m:t>
+                            </m:r>
+                            <m:r>
+                              <a:rPr lang="fr-CA" b="0" i="1" smtClean="0">
+                                <a:latin typeface="Cambria Math" panose="02040503050406030204" pitchFamily="18" charset="0"/>
+                              </a:rPr>
+                              <m:t>𝐼𝑛𝑡𝑒𝑟𝑓𝑎𝑐𝑒</m:t>
+                            </m:r>
+                          </m:sub>
+                        </m:sSub>
+                        <m:r>
+                          <a:rPr lang="fr-CA" b="0" i="1" smtClean="0">
+                            <a:latin typeface="Cambria Math" panose="02040503050406030204" pitchFamily="18" charset="0"/>
+                          </a:rPr>
+                          <m:t>=</m:t>
+                        </m:r>
+                        <m:sSub>
+                          <m:sSubPr>
+                            <m:ctrlPr>
+                              <a:rPr lang="fr-CA" i="1">
+                                <a:latin typeface="Cambria Math" panose="02040503050406030204" pitchFamily="18" charset="0"/>
+                              </a:rPr>
+                            </m:ctrlPr>
+                          </m:sSubPr>
+                          <m:e>
+                            <m:r>
+                              <a:rPr lang="fr-CA" i="1">
+                                <a:latin typeface="Cambria Math" panose="02040503050406030204" pitchFamily="18" charset="0"/>
+                              </a:rPr>
+                              <m:t>𝑝</m:t>
+                            </m:r>
+                          </m:e>
+                          <m:sub>
+                            <m:r>
+                              <a:rPr lang="fr-CA" b="0" i="1" smtClean="0">
+                                <a:latin typeface="Cambria Math" panose="02040503050406030204" pitchFamily="18" charset="0"/>
+                              </a:rPr>
+                              <m:t>2</m:t>
+                            </m:r>
+                          </m:sub>
+                        </m:sSub>
+                        <m:d>
+                          <m:dPr>
+                            <m:ctrlPr>
+                              <a:rPr lang="fr-CA" i="1">
+                                <a:latin typeface="Cambria Math" panose="02040503050406030204" pitchFamily="18" charset="0"/>
+                              </a:rPr>
+                            </m:ctrlPr>
+                          </m:dPr>
+                          <m:e>
+                            <m:acc>
+                              <m:accPr>
+                                <m:chr m:val="⃗"/>
+                                <m:ctrlPr>
+                                  <a:rPr lang="fr-CA" i="1">
+                                    <a:latin typeface="Cambria Math" panose="02040503050406030204" pitchFamily="18" charset="0"/>
+                                  </a:rPr>
+                                </m:ctrlPr>
+                              </m:accPr>
+                              <m:e>
+                                <m:r>
+                                  <a:rPr lang="fr-CA" i="1">
+                                    <a:latin typeface="Cambria Math" panose="02040503050406030204" pitchFamily="18" charset="0"/>
+                                  </a:rPr>
+                                  <m:t>𝑟</m:t>
+                                </m:r>
+                              </m:e>
+                            </m:acc>
+                          </m:e>
+                        </m:d>
+                        <m:sSub>
+                          <m:sSubPr>
+                            <m:ctrlPr>
+                              <a:rPr lang="fr-CA" i="1">
+                                <a:latin typeface="Cambria Math" panose="02040503050406030204" pitchFamily="18" charset="0"/>
+                              </a:rPr>
+                            </m:ctrlPr>
+                          </m:sSubPr>
+                          <m:e>
+                            <m:d>
+                              <m:dPr>
+                                <m:begChr m:val=""/>
+                                <m:endChr m:val="|"/>
+                                <m:ctrlPr>
+                                  <a:rPr lang="fr-CA" i="1">
+                                    <a:latin typeface="Cambria Math" panose="02040503050406030204" pitchFamily="18" charset="0"/>
+                                  </a:rPr>
+                                </m:ctrlPr>
+                              </m:dPr>
+                              <m:e>
+                                <m:r>
+                                  <a:rPr lang="fr-CA">
+                                    <a:latin typeface="Cambria Math" panose="02040503050406030204" pitchFamily="18" charset="0"/>
+                                  </a:rPr>
+                                  <m:t>​</m:t>
+                                </m:r>
+                              </m:e>
+                            </m:d>
+                          </m:e>
+                          <m:sub>
+                            <m:acc>
+                              <m:accPr>
+                                <m:chr m:val="⃗"/>
+                                <m:ctrlPr>
+                                  <a:rPr lang="fr-CA" i="1">
+                                    <a:latin typeface="Cambria Math" panose="02040503050406030204" pitchFamily="18" charset="0"/>
+                                  </a:rPr>
+                                </m:ctrlPr>
+                              </m:accPr>
+                              <m:e>
+                                <m:r>
+                                  <a:rPr lang="fr-CA" i="1">
+                                    <a:latin typeface="Cambria Math" panose="02040503050406030204" pitchFamily="18" charset="0"/>
+                                  </a:rPr>
+                                  <m:t>𝑟</m:t>
+                                </m:r>
+                              </m:e>
+                            </m:acc>
+                            <m:r>
+                              <a:rPr lang="fr-CA" i="1">
+                                <a:latin typeface="Cambria Math" panose="02040503050406030204" pitchFamily="18" charset="0"/>
+                              </a:rPr>
+                              <m:t>=</m:t>
+                            </m:r>
+                            <m:r>
+                              <a:rPr lang="fr-CA" i="1">
+                                <a:latin typeface="Cambria Math" panose="02040503050406030204" pitchFamily="18" charset="0"/>
+                              </a:rPr>
+                              <m:t>𝐼𝑛𝑡𝑒𝑟𝑓𝑎𝑐𝑒</m:t>
+                            </m:r>
+                          </m:sub>
+                        </m:sSub>
+                      </m:oMath>
+                    </m:oMathPara>
+                  </a14:m>
+                  <a:endParaRPr lang="fr-CA" dirty="0"/>
+                </a:p>
+              </p:txBody>
+            </p:sp>
+          </mc:Choice>
+          <mc:Fallback xmlns="">
+            <p:sp>
+              <p:nvSpPr>
+                <p:cNvPr id="6" name="ZoneTexte 5">
+                  <a:extLst>
+                    <a:ext uri="{FF2B5EF4-FFF2-40B4-BE49-F238E27FC236}">
+                      <a16:creationId xmlns:a16="http://schemas.microsoft.com/office/drawing/2014/main" id="{CCEF52E2-F4A5-47EB-8739-D5BF7343D634}"/>
+                    </a:ext>
+                  </a:extLst>
+                </p:cNvPr>
+                <p:cNvSpPr txBox="1">
+                  <a:spLocks noRot="1" noChangeAspect="1" noMove="1" noResize="1" noEditPoints="1" noAdjustHandles="1" noChangeArrowheads="1" noChangeShapeType="1" noTextEdit="1"/>
+                </p:cNvSpPr>
+                <p:nvPr/>
+              </p:nvSpPr>
+              <p:spPr>
+                <a:xfrm>
+                  <a:off x="1562264" y="2075750"/>
+                  <a:ext cx="3746410" cy="481350"/>
+                </a:xfrm>
+                <a:prstGeom prst="rect">
+                  <a:avLst/>
+                </a:prstGeom>
+                <a:blipFill>
+                  <a:blip r:embed="rId2"/>
+                  <a:stretch>
+                    <a:fillRect l="-3902" t="-193590" r="-488" b="-264103"/>
+                  </a:stretch>
+                </a:blipFill>
+              </p:spPr>
+              <p:txBody>
+                <a:bodyPr/>
+                <a:lstStyle/>
+                <a:p>
+                  <a:r>
+                    <a:rPr lang="fr-CA">
+                      <a:noFill/>
+                    </a:rPr>
+                    <a:t> </a:t>
+                  </a:r>
+                </a:p>
+              </p:txBody>
+            </p:sp>
+          </mc:Fallback>
+        </mc:AlternateContent>
+        <p:sp>
+          <p:nvSpPr>
+            <p:cNvPr id="7" name="ZoneTexte 6">
+              <a:extLst>
+                <a:ext uri="{FF2B5EF4-FFF2-40B4-BE49-F238E27FC236}">
+                  <a16:creationId xmlns:a16="http://schemas.microsoft.com/office/drawing/2014/main" id="{C8A46702-6D03-4EFD-8103-E1BCD09DA1D1}"/>
+                </a:ext>
+              </a:extLst>
+            </p:cNvPr>
+            <p:cNvSpPr txBox="1"/>
+            <p:nvPr/>
+          </p:nvSpPr>
+          <p:spPr>
+            <a:xfrm>
+              <a:off x="5308674" y="2131759"/>
+              <a:ext cx="505267" cy="369332"/>
+            </a:xfrm>
+            <a:prstGeom prst="rect">
+              <a:avLst/>
+            </a:prstGeom>
+            <a:noFill/>
+          </p:spPr>
+          <p:txBody>
+            <a:bodyPr wrap="none" rtlCol="0">
+              <a:spAutoFit/>
+            </a:bodyPr>
+            <a:lstStyle/>
+            <a:p>
+              <a:r>
+                <a:rPr lang="fr-CA" dirty="0">
+                  <a:latin typeface="Cambria Math" panose="02040503050406030204" pitchFamily="18" charset="0"/>
+                  <a:ea typeface="Cambria Math" panose="02040503050406030204" pitchFamily="18" charset="0"/>
+                </a:rPr>
+                <a:t>(8)</a:t>
+              </a:r>
+            </a:p>
+          </p:txBody>
+        </p:sp>
+      </p:grpSp>
+      <mc:AlternateContent xmlns:mc="http://schemas.openxmlformats.org/markup-compatibility/2006" xmlns:a14="http://schemas.microsoft.com/office/drawing/2010/main">
+        <mc:Choice Requires="a14">
+          <p:sp>
+            <p:nvSpPr>
+              <p:cNvPr id="9" name="ZoneTexte 8">
+                <a:extLst>
+                  <a:ext uri="{FF2B5EF4-FFF2-40B4-BE49-F238E27FC236}">
+                    <a16:creationId xmlns:a16="http://schemas.microsoft.com/office/drawing/2014/main" id="{D6FC5548-7C35-4A45-8551-D84C1BF53D92}"/>
+                  </a:ext>
+                </a:extLst>
+              </p:cNvPr>
+              <p:cNvSpPr txBox="1"/>
+              <p:nvPr/>
+            </p:nvSpPr>
+            <p:spPr>
+              <a:xfrm>
+                <a:off x="296617" y="3517718"/>
+                <a:ext cx="5965036" cy="303032"/>
+              </a:xfrm>
+              <a:prstGeom prst="rect">
+                <a:avLst/>
+              </a:prstGeom>
+              <a:noFill/>
+            </p:spPr>
+            <p:txBody>
+              <a:bodyPr wrap="square" lIns="0" tIns="0" rIns="0" bIns="0" rtlCol="0">
+                <a:spAutoFit/>
+              </a:bodyPr>
+              <a:lstStyle/>
+              <a:p>
+                <a14:m>
+                  <m:oMath xmlns:m="http://schemas.openxmlformats.org/officeDocument/2006/math">
+                    <m:sSub>
+                      <m:sSubPr>
+                        <m:ctrlPr>
+                          <a:rPr lang="fr-CA" i="1" smtClean="0">
+                            <a:latin typeface="Cambria Math" panose="02040503050406030204" pitchFamily="18" charset="0"/>
+                            <a:ea typeface="Cambria Math" panose="02040503050406030204" pitchFamily="18" charset="0"/>
+                          </a:rPr>
+                        </m:ctrlPr>
+                      </m:sSubPr>
+                      <m:e>
+                        <m:acc>
+                          <m:accPr>
+                            <m:chr m:val="⃗"/>
+                            <m:ctrlPr>
+                              <a:rPr lang="fr-CA" i="1">
+                                <a:latin typeface="Cambria Math" panose="02040503050406030204" pitchFamily="18" charset="0"/>
+                                <a:ea typeface="Cambria Math" panose="02040503050406030204" pitchFamily="18" charset="0"/>
+                              </a:rPr>
+                            </m:ctrlPr>
+                          </m:accPr>
+                          <m:e>
+                            <m:r>
+                              <a:rPr lang="fr-CA" i="1">
+                                <a:latin typeface="Cambria Math" panose="02040503050406030204" pitchFamily="18" charset="0"/>
+                                <a:ea typeface="Cambria Math" panose="02040503050406030204" pitchFamily="18" charset="0"/>
+                              </a:rPr>
+                              <m:t>𝜈</m:t>
+                            </m:r>
+                          </m:e>
+                        </m:acc>
+                      </m:e>
+                      <m:sub>
+                        <m:r>
+                          <a:rPr lang="fr-CA" b="0" i="1" smtClean="0">
+                            <a:latin typeface="Cambria Math" panose="02040503050406030204" pitchFamily="18" charset="0"/>
+                            <a:ea typeface="Cambria Math" panose="02040503050406030204" pitchFamily="18" charset="0"/>
+                          </a:rPr>
+                          <m:t>1</m:t>
+                        </m:r>
+                      </m:sub>
+                    </m:sSub>
+                    <m:r>
+                      <a:rPr lang="fr-CA" b="0" i="1" smtClean="0">
+                        <a:latin typeface="Cambria Math" panose="02040503050406030204" pitchFamily="18" charset="0"/>
+                        <a:ea typeface="Cambria Math" panose="02040503050406030204" pitchFamily="18" charset="0"/>
+                      </a:rPr>
+                      <m:t>(</m:t>
+                    </m:r>
+                    <m:acc>
+                      <m:accPr>
+                        <m:chr m:val="⃗"/>
+                        <m:ctrlPr>
+                          <a:rPr lang="fr-CA" i="1">
+                            <a:latin typeface="Cambria Math" panose="02040503050406030204" pitchFamily="18" charset="0"/>
+                          </a:rPr>
+                        </m:ctrlPr>
+                      </m:accPr>
+                      <m:e>
+                        <m:r>
+                          <a:rPr lang="fr-CA" i="1">
+                            <a:latin typeface="Cambria Math" panose="02040503050406030204" pitchFamily="18" charset="0"/>
+                          </a:rPr>
+                          <m:t>𝑟</m:t>
+                        </m:r>
+                      </m:e>
+                    </m:acc>
+                  </m:oMath>
+                </a14:m>
+                <a:r>
+                  <a:rPr lang="fr-CA" dirty="0"/>
+                  <a:t>)</a:t>
+                </a:r>
+                <a:r>
+                  <a:rPr lang="fr-CA" dirty="0">
+                    <a:ea typeface="Cambria Math" panose="02040503050406030204" pitchFamily="18" charset="0"/>
+                  </a:rPr>
+                  <a:t> </a:t>
+                </a:r>
+                <a14:m>
+                  <m:oMath xmlns:m="http://schemas.openxmlformats.org/officeDocument/2006/math">
+                    <m:r>
+                      <a:rPr lang="fr-CA" i="1">
+                        <a:latin typeface="Cambria Math" panose="02040503050406030204" pitchFamily="18" charset="0"/>
+                        <a:ea typeface="Cambria Math" panose="02040503050406030204" pitchFamily="18" charset="0"/>
+                      </a:rPr>
+                      <m:t>∙</m:t>
+                    </m:r>
+                    <m:sSub>
+                      <m:sSubPr>
+                        <m:ctrlPr>
+                          <a:rPr lang="fr-CA" i="1" smtClean="0">
+                            <a:latin typeface="Cambria Math" panose="02040503050406030204" pitchFamily="18" charset="0"/>
+                            <a:ea typeface="Cambria Math" panose="02040503050406030204" pitchFamily="18" charset="0"/>
+                          </a:rPr>
+                        </m:ctrlPr>
+                      </m:sSubPr>
+                      <m:e>
+                        <m:acc>
+                          <m:accPr>
+                            <m:chr m:val="⃗"/>
+                            <m:ctrlPr>
+                              <a:rPr lang="fr-CA" b="0" i="1" smtClean="0">
+                                <a:latin typeface="Cambria Math" panose="02040503050406030204" pitchFamily="18" charset="0"/>
+                                <a:ea typeface="Cambria Math" panose="02040503050406030204" pitchFamily="18" charset="0"/>
+                              </a:rPr>
+                            </m:ctrlPr>
+                          </m:accPr>
+                          <m:e>
+                            <m:r>
+                              <a:rPr lang="fr-CA" b="0" i="1" smtClean="0">
+                                <a:latin typeface="Cambria Math" panose="02040503050406030204" pitchFamily="18" charset="0"/>
+                                <a:ea typeface="Cambria Math" panose="02040503050406030204" pitchFamily="18" charset="0"/>
+                              </a:rPr>
+                              <m:t>𝑛</m:t>
+                            </m:r>
+                          </m:e>
+                        </m:acc>
+                      </m:e>
+                      <m:sub>
+                        <m:r>
+                          <a:rPr lang="fr-CA" b="0" i="1" smtClean="0">
+                            <a:latin typeface="Cambria Math" panose="02040503050406030204" pitchFamily="18" charset="0"/>
+                            <a:ea typeface="Cambria Math" panose="02040503050406030204" pitchFamily="18" charset="0"/>
+                          </a:rPr>
+                          <m:t>12</m:t>
+                        </m:r>
+                      </m:sub>
+                    </m:sSub>
+                    <m:r>
+                      <a:rPr lang="fr-CA" i="1">
+                        <a:latin typeface="Cambria Math" panose="02040503050406030204" pitchFamily="18" charset="0"/>
+                        <a:ea typeface="Cambria Math" panose="02040503050406030204" pitchFamily="18" charset="0"/>
+                      </a:rPr>
+                      <m:t>(</m:t>
+                    </m:r>
+                    <m:acc>
+                      <m:accPr>
+                        <m:chr m:val="⃗"/>
+                        <m:ctrlPr>
+                          <a:rPr lang="fr-CA" i="1">
+                            <a:latin typeface="Cambria Math" panose="02040503050406030204" pitchFamily="18" charset="0"/>
+                          </a:rPr>
+                        </m:ctrlPr>
+                      </m:accPr>
+                      <m:e>
+                        <m:r>
+                          <a:rPr lang="fr-CA" i="1">
+                            <a:latin typeface="Cambria Math" panose="02040503050406030204" pitchFamily="18" charset="0"/>
+                          </a:rPr>
+                          <m:t>𝑟</m:t>
+                        </m:r>
+                      </m:e>
+                    </m:acc>
+                    <m:r>
+                      <m:rPr>
+                        <m:nor/>
+                      </m:rPr>
+                      <a:rPr lang="fr-CA" dirty="0"/>
+                      <m:t>)</m:t>
+                    </m:r>
+                    <m:r>
+                      <a:rPr lang="fr-CA" i="1" smtClean="0">
+                        <a:latin typeface="Cambria Math" panose="02040503050406030204" pitchFamily="18" charset="0"/>
+                      </a:rPr>
+                      <m:t> </m:t>
+                    </m:r>
+                    <m:sSub>
+                      <m:sSubPr>
+                        <m:ctrlPr>
+                          <a:rPr lang="fr-CA" i="1">
+                            <a:latin typeface="Cambria Math" panose="02040503050406030204" pitchFamily="18" charset="0"/>
+                          </a:rPr>
+                        </m:ctrlPr>
+                      </m:sSubPr>
+                      <m:e>
+                        <m:d>
+                          <m:dPr>
+                            <m:begChr m:val=""/>
+                            <m:endChr m:val="|"/>
+                            <m:ctrlPr>
+                              <a:rPr lang="fr-CA" i="1">
+                                <a:latin typeface="Cambria Math" panose="02040503050406030204" pitchFamily="18" charset="0"/>
+                              </a:rPr>
+                            </m:ctrlPr>
+                          </m:dPr>
+                          <m:e>
+                            <m:r>
+                              <a:rPr lang="fr-CA">
+                                <a:latin typeface="Cambria Math" panose="02040503050406030204" pitchFamily="18" charset="0"/>
+                              </a:rPr>
+                              <m:t>​</m:t>
+                            </m:r>
+                          </m:e>
+                        </m:d>
+                      </m:e>
+                      <m:sub>
+                        <m:acc>
+                          <m:accPr>
+                            <m:chr m:val="⃗"/>
+                            <m:ctrlPr>
+                              <a:rPr lang="fr-CA" i="1">
+                                <a:latin typeface="Cambria Math" panose="02040503050406030204" pitchFamily="18" charset="0"/>
+                              </a:rPr>
+                            </m:ctrlPr>
+                          </m:accPr>
+                          <m:e>
+                            <m:r>
+                              <a:rPr lang="fr-CA" i="1">
+                                <a:latin typeface="Cambria Math" panose="02040503050406030204" pitchFamily="18" charset="0"/>
+                              </a:rPr>
+                              <m:t>𝑟</m:t>
+                            </m:r>
+                          </m:e>
+                        </m:acc>
+                        <m:r>
+                          <a:rPr lang="fr-CA" i="1">
+                            <a:latin typeface="Cambria Math" panose="02040503050406030204" pitchFamily="18" charset="0"/>
+                          </a:rPr>
+                          <m:t>=</m:t>
+                        </m:r>
+                        <m:r>
+                          <a:rPr lang="fr-CA" i="1">
+                            <a:latin typeface="Cambria Math" panose="02040503050406030204" pitchFamily="18" charset="0"/>
+                          </a:rPr>
+                          <m:t>𝐼𝑛𝑡𝑒𝑟𝑓𝑎𝑐𝑒</m:t>
+                        </m:r>
+                      </m:sub>
+                    </m:sSub>
+                    <m:r>
+                      <a:rPr lang="fr-CA" b="0" i="1" smtClean="0">
+                        <a:latin typeface="Cambria Math" panose="02040503050406030204" pitchFamily="18" charset="0"/>
+                      </a:rPr>
+                      <m:t>=</m:t>
+                    </m:r>
+                    <m:sSub>
+                      <m:sSubPr>
+                        <m:ctrlPr>
+                          <a:rPr lang="fr-CA" i="1">
+                            <a:latin typeface="Cambria Math" panose="02040503050406030204" pitchFamily="18" charset="0"/>
+                            <a:ea typeface="Cambria Math" panose="02040503050406030204" pitchFamily="18" charset="0"/>
+                          </a:rPr>
+                        </m:ctrlPr>
+                      </m:sSubPr>
+                      <m:e>
+                        <m:acc>
+                          <m:accPr>
+                            <m:chr m:val="⃗"/>
+                            <m:ctrlPr>
+                              <a:rPr lang="fr-CA" i="1">
+                                <a:latin typeface="Cambria Math" panose="02040503050406030204" pitchFamily="18" charset="0"/>
+                                <a:ea typeface="Cambria Math" panose="02040503050406030204" pitchFamily="18" charset="0"/>
+                              </a:rPr>
+                            </m:ctrlPr>
+                          </m:accPr>
+                          <m:e>
+                            <m:r>
+                              <a:rPr lang="fr-CA" i="1">
+                                <a:latin typeface="Cambria Math" panose="02040503050406030204" pitchFamily="18" charset="0"/>
+                                <a:ea typeface="Cambria Math" panose="02040503050406030204" pitchFamily="18" charset="0"/>
+                              </a:rPr>
+                              <m:t>𝜈</m:t>
+                            </m:r>
+                          </m:e>
+                        </m:acc>
+                      </m:e>
+                      <m:sub>
+                        <m:r>
+                          <a:rPr lang="fr-CA" b="0" i="1" smtClean="0">
+                            <a:latin typeface="Cambria Math" panose="02040503050406030204" pitchFamily="18" charset="0"/>
+                            <a:ea typeface="Cambria Math" panose="02040503050406030204" pitchFamily="18" charset="0"/>
+                          </a:rPr>
+                          <m:t>2</m:t>
+                        </m:r>
+                      </m:sub>
+                    </m:sSub>
+                    <m:r>
+                      <a:rPr lang="fr-CA" i="1">
+                        <a:latin typeface="Cambria Math" panose="02040503050406030204" pitchFamily="18" charset="0"/>
+                        <a:ea typeface="Cambria Math" panose="02040503050406030204" pitchFamily="18" charset="0"/>
+                      </a:rPr>
+                      <m:t>(</m:t>
+                    </m:r>
+                    <m:acc>
+                      <m:accPr>
+                        <m:chr m:val="⃗"/>
+                        <m:ctrlPr>
+                          <a:rPr lang="fr-CA" i="1">
+                            <a:latin typeface="Cambria Math" panose="02040503050406030204" pitchFamily="18" charset="0"/>
+                          </a:rPr>
+                        </m:ctrlPr>
+                      </m:accPr>
+                      <m:e>
+                        <m:r>
+                          <a:rPr lang="fr-CA" i="1">
+                            <a:latin typeface="Cambria Math" panose="02040503050406030204" pitchFamily="18" charset="0"/>
+                          </a:rPr>
+                          <m:t>𝑟</m:t>
+                        </m:r>
+                      </m:e>
+                    </m:acc>
+                    <m:r>
+                      <m:rPr>
+                        <m:nor/>
+                      </m:rPr>
+                      <a:rPr lang="fr-CA" dirty="0"/>
+                      <m:t>)</m:t>
+                    </m:r>
+                    <m:r>
+                      <m:rPr>
+                        <m:nor/>
+                      </m:rPr>
+                      <a:rPr lang="fr-CA" dirty="0">
+                        <a:ea typeface="Cambria Math" panose="02040503050406030204" pitchFamily="18" charset="0"/>
+                      </a:rPr>
+                      <m:t> </m:t>
+                    </m:r>
+                    <m:r>
+                      <a:rPr lang="fr-CA" i="1">
+                        <a:latin typeface="Cambria Math" panose="02040503050406030204" pitchFamily="18" charset="0"/>
+                        <a:ea typeface="Cambria Math" panose="02040503050406030204" pitchFamily="18" charset="0"/>
+                      </a:rPr>
+                      <m:t>∙</m:t>
+                    </m:r>
+                    <m:sSub>
+                      <m:sSubPr>
+                        <m:ctrlPr>
+                          <a:rPr lang="fr-CA" i="1">
+                            <a:latin typeface="Cambria Math" panose="02040503050406030204" pitchFamily="18" charset="0"/>
+                            <a:ea typeface="Cambria Math" panose="02040503050406030204" pitchFamily="18" charset="0"/>
+                          </a:rPr>
+                        </m:ctrlPr>
+                      </m:sSubPr>
+                      <m:e>
+                        <m:acc>
+                          <m:accPr>
+                            <m:chr m:val="⃗"/>
+                            <m:ctrlPr>
+                              <a:rPr lang="fr-CA" i="1">
+                                <a:latin typeface="Cambria Math" panose="02040503050406030204" pitchFamily="18" charset="0"/>
+                                <a:ea typeface="Cambria Math" panose="02040503050406030204" pitchFamily="18" charset="0"/>
+                              </a:rPr>
+                            </m:ctrlPr>
+                          </m:accPr>
+                          <m:e>
+                            <m:r>
+                              <a:rPr lang="fr-CA" i="1">
+                                <a:latin typeface="Cambria Math" panose="02040503050406030204" pitchFamily="18" charset="0"/>
+                                <a:ea typeface="Cambria Math" panose="02040503050406030204" pitchFamily="18" charset="0"/>
+                              </a:rPr>
+                              <m:t>𝑛</m:t>
+                            </m:r>
+                          </m:e>
+                        </m:acc>
+                      </m:e>
+                      <m:sub>
+                        <m:r>
+                          <a:rPr lang="fr-CA" i="1">
+                            <a:latin typeface="Cambria Math" panose="02040503050406030204" pitchFamily="18" charset="0"/>
+                            <a:ea typeface="Cambria Math" panose="02040503050406030204" pitchFamily="18" charset="0"/>
+                          </a:rPr>
+                          <m:t>12</m:t>
+                        </m:r>
+                      </m:sub>
+                    </m:sSub>
+                    <m:r>
+                      <a:rPr lang="fr-CA" i="1">
+                        <a:latin typeface="Cambria Math" panose="02040503050406030204" pitchFamily="18" charset="0"/>
+                        <a:ea typeface="Cambria Math" panose="02040503050406030204" pitchFamily="18" charset="0"/>
+                      </a:rPr>
+                      <m:t>(</m:t>
+                    </m:r>
+                    <m:acc>
+                      <m:accPr>
+                        <m:chr m:val="⃗"/>
+                        <m:ctrlPr>
+                          <a:rPr lang="fr-CA" i="1">
+                            <a:latin typeface="Cambria Math" panose="02040503050406030204" pitchFamily="18" charset="0"/>
+                          </a:rPr>
+                        </m:ctrlPr>
+                      </m:accPr>
+                      <m:e>
+                        <m:r>
+                          <a:rPr lang="fr-CA" i="1">
+                            <a:latin typeface="Cambria Math" panose="02040503050406030204" pitchFamily="18" charset="0"/>
+                          </a:rPr>
+                          <m:t>𝑟</m:t>
+                        </m:r>
+                      </m:e>
+                    </m:acc>
+                    <m:r>
+                      <m:rPr>
+                        <m:nor/>
+                      </m:rPr>
+                      <a:rPr lang="fr-CA" dirty="0"/>
+                      <m:t>)</m:t>
+                    </m:r>
+                    <m:r>
+                      <a:rPr lang="fr-CA" i="1">
+                        <a:latin typeface="Cambria Math" panose="02040503050406030204" pitchFamily="18" charset="0"/>
+                      </a:rPr>
+                      <m:t> </m:t>
+                    </m:r>
+                    <m:sSub>
+                      <m:sSubPr>
+                        <m:ctrlPr>
+                          <a:rPr lang="fr-CA" i="1">
+                            <a:latin typeface="Cambria Math" panose="02040503050406030204" pitchFamily="18" charset="0"/>
+                          </a:rPr>
+                        </m:ctrlPr>
+                      </m:sSubPr>
+                      <m:e>
+                        <m:d>
+                          <m:dPr>
+                            <m:begChr m:val=""/>
+                            <m:endChr m:val="|"/>
+                            <m:ctrlPr>
+                              <a:rPr lang="fr-CA" i="1">
+                                <a:latin typeface="Cambria Math" panose="02040503050406030204" pitchFamily="18" charset="0"/>
+                              </a:rPr>
+                            </m:ctrlPr>
+                          </m:dPr>
+                          <m:e>
+                            <m:r>
+                              <a:rPr lang="fr-CA">
+                                <a:latin typeface="Cambria Math" panose="02040503050406030204" pitchFamily="18" charset="0"/>
+                              </a:rPr>
+                              <m:t>​</m:t>
+                            </m:r>
+                          </m:e>
+                        </m:d>
+                      </m:e>
+                      <m:sub>
+                        <m:acc>
+                          <m:accPr>
+                            <m:chr m:val="⃗"/>
+                            <m:ctrlPr>
+                              <a:rPr lang="fr-CA" i="1">
+                                <a:latin typeface="Cambria Math" panose="02040503050406030204" pitchFamily="18" charset="0"/>
+                              </a:rPr>
+                            </m:ctrlPr>
+                          </m:accPr>
+                          <m:e>
+                            <m:r>
+                              <a:rPr lang="fr-CA" i="1">
+                                <a:latin typeface="Cambria Math" panose="02040503050406030204" pitchFamily="18" charset="0"/>
+                              </a:rPr>
+                              <m:t>𝑟</m:t>
+                            </m:r>
+                          </m:e>
+                        </m:acc>
+                        <m:r>
+                          <a:rPr lang="fr-CA" i="1">
+                            <a:latin typeface="Cambria Math" panose="02040503050406030204" pitchFamily="18" charset="0"/>
+                          </a:rPr>
+                          <m:t>=</m:t>
+                        </m:r>
+                        <m:r>
+                          <a:rPr lang="fr-CA" i="1">
+                            <a:latin typeface="Cambria Math" panose="02040503050406030204" pitchFamily="18" charset="0"/>
+                          </a:rPr>
+                          <m:t>𝐼𝑛𝑡𝑒𝑟𝑓𝑎𝑐𝑒</m:t>
+                        </m:r>
+                      </m:sub>
+                    </m:sSub>
+                  </m:oMath>
+                </a14:m>
+                <a:r>
+                  <a:rPr lang="fr-CA" dirty="0"/>
+                  <a:t>   </a:t>
+                </a:r>
+                <a:r>
+                  <a:rPr lang="fr-CA" dirty="0">
+                    <a:latin typeface="Cambria Math" panose="02040503050406030204" pitchFamily="18" charset="0"/>
+                    <a:ea typeface="Cambria Math" panose="02040503050406030204" pitchFamily="18" charset="0"/>
+                  </a:rPr>
+                  <a:t>(9)</a:t>
+                </a:r>
+              </a:p>
+            </p:txBody>
+          </p:sp>
+        </mc:Choice>
+        <mc:Fallback xmlns="">
+          <p:sp>
+            <p:nvSpPr>
+              <p:cNvPr id="9" name="ZoneTexte 8">
+                <a:extLst>
+                  <a:ext uri="{FF2B5EF4-FFF2-40B4-BE49-F238E27FC236}">
+                    <a16:creationId xmlns:a16="http://schemas.microsoft.com/office/drawing/2014/main" id="{D6FC5548-7C35-4A45-8551-D84C1BF53D92}"/>
+                  </a:ext>
+                </a:extLst>
+              </p:cNvPr>
+              <p:cNvSpPr txBox="1">
+                <a:spLocks noRot="1" noChangeAspect="1" noMove="1" noResize="1" noEditPoints="1" noAdjustHandles="1" noChangeArrowheads="1" noChangeShapeType="1" noTextEdit="1"/>
+              </p:cNvSpPr>
+              <p:nvPr/>
+            </p:nvSpPr>
+            <p:spPr>
+              <a:xfrm>
+                <a:off x="296617" y="3517718"/>
+                <a:ext cx="5965036" cy="303032"/>
+              </a:xfrm>
+              <a:prstGeom prst="rect">
+                <a:avLst/>
+              </a:prstGeom>
+              <a:blipFill>
+                <a:blip r:embed="rId3"/>
+                <a:stretch>
+                  <a:fillRect l="-1534" t="-158000" b="-234000"/>
+                </a:stretch>
+              </a:blipFill>
+            </p:spPr>
+            <p:txBody>
+              <a:bodyPr/>
+              <a:lstStyle/>
+              <a:p>
+                <a:r>
+                  <a:rPr lang="fr-CA">
+                    <a:noFill/>
+                  </a:rPr>
+                  <a:t> </a:t>
+                </a:r>
+              </a:p>
+            </p:txBody>
+          </p:sp>
+        </mc:Fallback>
+      </mc:AlternateContent>
+      <p:grpSp>
+        <p:nvGrpSpPr>
+          <p:cNvPr id="13" name="Groupe 12">
+            <a:extLst>
+              <a:ext uri="{FF2B5EF4-FFF2-40B4-BE49-F238E27FC236}">
+                <a16:creationId xmlns:a16="http://schemas.microsoft.com/office/drawing/2014/main" id="{CB0CAA0C-32F5-4A3D-B952-094B799E7C13}"/>
+              </a:ext>
+            </a:extLst>
+          </p:cNvPr>
+          <p:cNvGrpSpPr/>
+          <p:nvPr/>
+        </p:nvGrpSpPr>
+        <p:grpSpPr>
+          <a:xfrm>
+            <a:off x="6708914" y="2693608"/>
+            <a:ext cx="3051847" cy="2254283"/>
+            <a:chOff x="6612835" y="2419501"/>
+            <a:chExt cx="3051847" cy="2254283"/>
+          </a:xfrm>
+        </p:grpSpPr>
+        <p:pic>
+          <p:nvPicPr>
+            <p:cNvPr id="11" name="Image 10">
+              <a:extLst>
+                <a:ext uri="{FF2B5EF4-FFF2-40B4-BE49-F238E27FC236}">
+                  <a16:creationId xmlns:a16="http://schemas.microsoft.com/office/drawing/2014/main" id="{569E4532-9DFE-4F54-AF15-C8FD3DD7EA0F}"/>
+                </a:ext>
+              </a:extLst>
+            </p:cNvPr>
+            <p:cNvPicPr>
+              <a:picLocks noChangeAspect="1"/>
+            </p:cNvPicPr>
+            <p:nvPr/>
+          </p:nvPicPr>
+          <p:blipFill>
+            <a:blip r:embed="rId4"/>
+            <a:stretch>
+              <a:fillRect/>
+            </a:stretch>
+          </p:blipFill>
+          <p:spPr>
+            <a:xfrm>
+              <a:off x="6612835" y="2419501"/>
+              <a:ext cx="3051847" cy="1823396"/>
+            </a:xfrm>
+            <a:prstGeom prst="rect">
+              <a:avLst/>
+            </a:prstGeom>
+          </p:spPr>
+        </p:pic>
+        <p:sp>
+          <p:nvSpPr>
+            <p:cNvPr id="12" name="ZoneTexte 11">
+              <a:extLst>
+                <a:ext uri="{FF2B5EF4-FFF2-40B4-BE49-F238E27FC236}">
+                  <a16:creationId xmlns:a16="http://schemas.microsoft.com/office/drawing/2014/main" id="{0628FBDB-288E-4CF5-BB59-97C9FBC84D53}"/>
+                </a:ext>
+              </a:extLst>
+            </p:cNvPr>
+            <p:cNvSpPr txBox="1"/>
+            <p:nvPr/>
+          </p:nvSpPr>
+          <p:spPr>
+            <a:xfrm>
+              <a:off x="6612835" y="4242897"/>
+              <a:ext cx="3051847" cy="430887"/>
+            </a:xfrm>
+            <a:prstGeom prst="rect">
+              <a:avLst/>
+            </a:prstGeom>
+            <a:noFill/>
+          </p:spPr>
+          <p:txBody>
+            <a:bodyPr wrap="square" rtlCol="0">
+              <a:spAutoFit/>
+            </a:bodyPr>
+            <a:lstStyle/>
+            <a:p>
+              <a:r>
+                <a:rPr lang="fr-CA" sz="1100" dirty="0">
+                  <a:solidFill>
+                    <a:schemeClr val="tx1">
+                      <a:lumMod val="85000"/>
+                      <a:lumOff val="15000"/>
+                    </a:schemeClr>
+                  </a:solidFill>
+                </a:rPr>
+                <a:t>Figure 3 : Situation physique au point (x,y,v</a:t>
+              </a:r>
+              <a:r>
+                <a:rPr lang="fr-CA" sz="1100" baseline="-25000" dirty="0">
+                  <a:solidFill>
+                    <a:schemeClr val="tx1">
+                      <a:lumMod val="85000"/>
+                      <a:lumOff val="15000"/>
+                    </a:schemeClr>
+                  </a:solidFill>
+                </a:rPr>
+                <a:t>x</a:t>
+              </a:r>
+              <a:r>
+                <a:rPr lang="fr-CA" sz="1100" dirty="0">
+                  <a:solidFill>
+                    <a:schemeClr val="tx1">
+                      <a:lumMod val="85000"/>
+                      <a:lumOff val="15000"/>
+                    </a:schemeClr>
+                  </a:solidFill>
+                </a:rPr>
+                <a:t>,v</a:t>
+              </a:r>
+              <a:r>
+                <a:rPr lang="fr-CA" sz="1100" baseline="-25000" dirty="0">
+                  <a:solidFill>
+                    <a:schemeClr val="tx1">
+                      <a:lumMod val="85000"/>
+                      <a:lumOff val="15000"/>
+                    </a:schemeClr>
+                  </a:solidFill>
+                </a:rPr>
+                <a:t>y</a:t>
+              </a:r>
+              <a:r>
+                <a:rPr lang="fr-CA" sz="1100" dirty="0">
+                  <a:solidFill>
+                    <a:schemeClr val="tx1">
+                      <a:lumMod val="85000"/>
+                      <a:lumOff val="15000"/>
+                    </a:schemeClr>
+                  </a:solidFill>
+                </a:rPr>
+                <a:t>) à l’interface</a:t>
+              </a:r>
+            </a:p>
+          </p:txBody>
+        </p:sp>
+      </p:grpSp>
+      <p:sp>
+        <p:nvSpPr>
+          <p:cNvPr id="14" name="ZoneTexte 13">
+            <a:extLst>
+              <a:ext uri="{FF2B5EF4-FFF2-40B4-BE49-F238E27FC236}">
+                <a16:creationId xmlns:a16="http://schemas.microsoft.com/office/drawing/2014/main" id="{BEF20308-07A2-450B-B07F-0ACE317BCDE7}"/>
+              </a:ext>
+            </a:extLst>
+          </p:cNvPr>
+          <p:cNvSpPr txBox="1"/>
+          <p:nvPr/>
+        </p:nvSpPr>
+        <p:spPr>
+          <a:xfrm>
+            <a:off x="520248" y="4111519"/>
+            <a:ext cx="6092587" cy="646331"/>
+          </a:xfrm>
+          <a:prstGeom prst="rect">
+            <a:avLst/>
+          </a:prstGeom>
+          <a:noFill/>
+        </p:spPr>
+        <p:txBody>
+          <a:bodyPr wrap="square" rtlCol="0">
+            <a:spAutoFit/>
+          </a:bodyPr>
+          <a:lstStyle/>
+          <a:p>
+            <a:r>
+              <a:rPr lang="fr-CA" dirty="0"/>
+              <a:t>Dans le domaine fréquentiel, on trouve un lien direct entre le vecteur vitesse et le gradient de la pression (10)</a:t>
+            </a:r>
+          </a:p>
+        </p:txBody>
+      </p:sp>
+      <p:grpSp>
+        <p:nvGrpSpPr>
+          <p:cNvPr id="17" name="Groupe 16">
+            <a:extLst>
+              <a:ext uri="{FF2B5EF4-FFF2-40B4-BE49-F238E27FC236}">
+                <a16:creationId xmlns:a16="http://schemas.microsoft.com/office/drawing/2014/main" id="{FE77C47E-3612-49DE-A2A1-FF114A4E2FE5}"/>
+              </a:ext>
+            </a:extLst>
+          </p:cNvPr>
+          <p:cNvGrpSpPr/>
+          <p:nvPr/>
+        </p:nvGrpSpPr>
+        <p:grpSpPr>
+          <a:xfrm>
+            <a:off x="251891" y="4849922"/>
+            <a:ext cx="6477616" cy="639406"/>
+            <a:chOff x="251891" y="4849922"/>
+            <a:chExt cx="6477616" cy="639406"/>
+          </a:xfrm>
+        </p:grpSpPr>
+        <mc:AlternateContent xmlns:mc="http://schemas.openxmlformats.org/markup-compatibility/2006" xmlns:a14="http://schemas.microsoft.com/office/drawing/2010/main">
+          <mc:Choice Requires="a14">
+            <p:sp>
+              <p:nvSpPr>
+                <p:cNvPr id="15" name="ZoneTexte 14">
+                  <a:extLst>
+                    <a:ext uri="{FF2B5EF4-FFF2-40B4-BE49-F238E27FC236}">
+                      <a16:creationId xmlns:a16="http://schemas.microsoft.com/office/drawing/2014/main" id="{239111DF-5A35-4048-B581-6598A001D0B5}"/>
+                    </a:ext>
+                  </a:extLst>
+                </p:cNvPr>
+                <p:cNvSpPr txBox="1"/>
+                <p:nvPr/>
+              </p:nvSpPr>
+              <p:spPr>
+                <a:xfrm>
+                  <a:off x="251891" y="4849922"/>
+                  <a:ext cx="5965036" cy="639406"/>
+                </a:xfrm>
+                <a:prstGeom prst="rect">
+                  <a:avLst/>
+                </a:prstGeom>
+                <a:noFill/>
+              </p:spPr>
+              <p:txBody>
+                <a:bodyPr wrap="square" lIns="0" tIns="0" rIns="0" bIns="0" rtlCol="0">
+                  <a:spAutoFit/>
+                </a:bodyPr>
+                <a:lstStyle/>
+                <a:p>
+                  <a:pPr/>
+                  <a14:m>
+                    <m:oMathPara xmlns:m="http://schemas.openxmlformats.org/officeDocument/2006/math">
+                      <m:oMathParaPr>
+                        <m:jc m:val="centerGroup"/>
+                      </m:oMathParaPr>
+                      <m:oMath xmlns:m="http://schemas.openxmlformats.org/officeDocument/2006/math">
+                        <m:f>
+                          <m:fPr>
+                            <m:ctrlPr>
+                              <a:rPr lang="fr-CA" i="1" smtClean="0">
+                                <a:latin typeface="Cambria Math" panose="02040503050406030204" pitchFamily="18" charset="0"/>
+                                <a:ea typeface="Cambria Math" panose="02040503050406030204" pitchFamily="18" charset="0"/>
+                              </a:rPr>
+                            </m:ctrlPr>
+                          </m:fPr>
+                          <m:num>
+                            <m:acc>
+                              <m:accPr>
+                                <m:chr m:val="⃗"/>
+                                <m:ctrlPr>
+                                  <a:rPr lang="fr-CA" i="1" smtClean="0">
+                                    <a:latin typeface="Cambria Math" panose="02040503050406030204" pitchFamily="18" charset="0"/>
+                                    <a:ea typeface="Cambria Math" panose="02040503050406030204" pitchFamily="18" charset="0"/>
+                                  </a:rPr>
+                                </m:ctrlPr>
+                              </m:accPr>
+                              <m:e>
+                                <m:r>
+                                  <m:rPr>
+                                    <m:sty m:val="p"/>
+                                  </m:rPr>
+                                  <a:rPr lang="fr-CA" i="1" smtClean="0">
+                                    <a:latin typeface="Cambria Math" panose="02040503050406030204" pitchFamily="18" charset="0"/>
+                                    <a:ea typeface="Cambria Math" panose="02040503050406030204" pitchFamily="18" charset="0"/>
+                                  </a:rPr>
+                                  <m:t>∇</m:t>
+                                </m:r>
+                              </m:e>
+                            </m:acc>
+                            <m:sSub>
+                              <m:sSubPr>
+                                <m:ctrlPr>
+                                  <a:rPr lang="fr-CA" i="1" smtClean="0">
+                                    <a:latin typeface="Cambria Math" panose="02040503050406030204" pitchFamily="18" charset="0"/>
+                                    <a:ea typeface="Cambria Math" panose="02040503050406030204" pitchFamily="18" charset="0"/>
+                                  </a:rPr>
+                                </m:ctrlPr>
+                              </m:sSubPr>
+                              <m:e>
+                                <m:r>
+                                  <a:rPr lang="fr-CA" b="0" i="1" smtClean="0">
+                                    <a:latin typeface="Cambria Math" panose="02040503050406030204" pitchFamily="18" charset="0"/>
+                                    <a:ea typeface="Cambria Math" panose="02040503050406030204" pitchFamily="18" charset="0"/>
+                                  </a:rPr>
+                                  <m:t>𝑝</m:t>
+                                </m:r>
+                              </m:e>
+                              <m:sub>
+                                <m:r>
+                                  <a:rPr lang="fr-CA" b="0" i="1" smtClean="0">
+                                    <a:latin typeface="Cambria Math" panose="02040503050406030204" pitchFamily="18" charset="0"/>
+                                    <a:ea typeface="Cambria Math" panose="02040503050406030204" pitchFamily="18" charset="0"/>
+                                  </a:rPr>
+                                  <m:t>1</m:t>
+                                </m:r>
+                              </m:sub>
+                            </m:sSub>
+                            <m:r>
+                              <a:rPr lang="fr-CA" i="1">
+                                <a:latin typeface="Cambria Math" panose="02040503050406030204" pitchFamily="18" charset="0"/>
+                                <a:ea typeface="Cambria Math" panose="02040503050406030204" pitchFamily="18" charset="0"/>
+                              </a:rPr>
+                              <m:t>(</m:t>
+                            </m:r>
+                            <m:acc>
+                              <m:accPr>
+                                <m:chr m:val="⃗"/>
+                                <m:ctrlPr>
+                                  <a:rPr lang="fr-CA" i="1">
+                                    <a:latin typeface="Cambria Math" panose="02040503050406030204" pitchFamily="18" charset="0"/>
+                                  </a:rPr>
+                                </m:ctrlPr>
+                              </m:accPr>
+                              <m:e>
+                                <m:r>
+                                  <a:rPr lang="fr-CA" i="1">
+                                    <a:latin typeface="Cambria Math" panose="02040503050406030204" pitchFamily="18" charset="0"/>
+                                  </a:rPr>
+                                  <m:t>𝑟</m:t>
+                                </m:r>
+                              </m:e>
+                            </m:acc>
+                            <m:r>
+                              <m:rPr>
+                                <m:nor/>
+                              </m:rPr>
+                              <a:rPr lang="fr-CA" dirty="0"/>
+                              <m:t>)</m:t>
+                            </m:r>
+                            <m:r>
+                              <a:rPr lang="fr-CA" i="1" dirty="0" smtClean="0">
+                                <a:latin typeface="Cambria Math" panose="02040503050406030204" pitchFamily="18" charset="0"/>
+                                <a:ea typeface="Cambria Math" panose="02040503050406030204" pitchFamily="18" charset="0"/>
+                              </a:rPr>
+                              <m:t>∙</m:t>
+                            </m:r>
+                            <m:sSub>
+                              <m:sSubPr>
+                                <m:ctrlPr>
+                                  <a:rPr lang="fr-CA" i="1">
+                                    <a:latin typeface="Cambria Math" panose="02040503050406030204" pitchFamily="18" charset="0"/>
+                                    <a:ea typeface="Cambria Math" panose="02040503050406030204" pitchFamily="18" charset="0"/>
+                                  </a:rPr>
+                                </m:ctrlPr>
+                              </m:sSubPr>
+                              <m:e>
+                                <m:acc>
+                                  <m:accPr>
+                                    <m:chr m:val="⃗"/>
+                                    <m:ctrlPr>
+                                      <a:rPr lang="fr-CA" i="1">
+                                        <a:latin typeface="Cambria Math" panose="02040503050406030204" pitchFamily="18" charset="0"/>
+                                        <a:ea typeface="Cambria Math" panose="02040503050406030204" pitchFamily="18" charset="0"/>
+                                      </a:rPr>
+                                    </m:ctrlPr>
+                                  </m:accPr>
+                                  <m:e>
+                                    <m:r>
+                                      <a:rPr lang="fr-CA" i="1">
+                                        <a:latin typeface="Cambria Math" panose="02040503050406030204" pitchFamily="18" charset="0"/>
+                                        <a:ea typeface="Cambria Math" panose="02040503050406030204" pitchFamily="18" charset="0"/>
+                                      </a:rPr>
+                                      <m:t>𝑛</m:t>
+                                    </m:r>
+                                  </m:e>
+                                </m:acc>
+                              </m:e>
+                              <m:sub>
+                                <m:r>
+                                  <a:rPr lang="fr-CA" i="1">
+                                    <a:latin typeface="Cambria Math" panose="02040503050406030204" pitchFamily="18" charset="0"/>
+                                    <a:ea typeface="Cambria Math" panose="02040503050406030204" pitchFamily="18" charset="0"/>
+                                  </a:rPr>
+                                  <m:t>12</m:t>
+                                </m:r>
+                              </m:sub>
+                            </m:sSub>
+                            <m:r>
+                              <a:rPr lang="fr-CA" i="1">
+                                <a:latin typeface="Cambria Math" panose="02040503050406030204" pitchFamily="18" charset="0"/>
+                                <a:ea typeface="Cambria Math" panose="02040503050406030204" pitchFamily="18" charset="0"/>
+                              </a:rPr>
+                              <m:t>(</m:t>
+                            </m:r>
+                            <m:acc>
+                              <m:accPr>
+                                <m:chr m:val="⃗"/>
+                                <m:ctrlPr>
+                                  <a:rPr lang="fr-CA" i="1">
+                                    <a:latin typeface="Cambria Math" panose="02040503050406030204" pitchFamily="18" charset="0"/>
+                                  </a:rPr>
+                                </m:ctrlPr>
+                              </m:accPr>
+                              <m:e>
+                                <m:r>
+                                  <a:rPr lang="fr-CA" i="1">
+                                    <a:latin typeface="Cambria Math" panose="02040503050406030204" pitchFamily="18" charset="0"/>
+                                  </a:rPr>
+                                  <m:t>𝑟</m:t>
+                                </m:r>
+                              </m:e>
+                            </m:acc>
+                            <m:r>
+                              <m:rPr>
+                                <m:nor/>
+                              </m:rPr>
+                              <a:rPr lang="fr-CA" dirty="0"/>
+                              <m:t>)</m:t>
+                            </m:r>
+                          </m:num>
+                          <m:den>
+                            <m:sSub>
+                              <m:sSubPr>
+                                <m:ctrlPr>
+                                  <a:rPr lang="fr-CA" i="1" smtClean="0">
+                                    <a:latin typeface="Cambria Math" panose="02040503050406030204" pitchFamily="18" charset="0"/>
+                                    <a:ea typeface="Cambria Math" panose="02040503050406030204" pitchFamily="18" charset="0"/>
+                                  </a:rPr>
+                                </m:ctrlPr>
+                              </m:sSubPr>
+                              <m:e>
+                                <m:r>
+                                  <a:rPr lang="fr-CA" i="1" smtClean="0">
+                                    <a:latin typeface="Cambria Math" panose="02040503050406030204" pitchFamily="18" charset="0"/>
+                                    <a:ea typeface="Cambria Math" panose="02040503050406030204" pitchFamily="18" charset="0"/>
+                                  </a:rPr>
+                                  <m:t>𝜌</m:t>
+                                </m:r>
+                              </m:e>
+                              <m:sub>
+                                <m:r>
+                                  <a:rPr lang="fr-CA" b="0" i="1" smtClean="0">
+                                    <a:latin typeface="Cambria Math" panose="02040503050406030204" pitchFamily="18" charset="0"/>
+                                    <a:ea typeface="Cambria Math" panose="02040503050406030204" pitchFamily="18" charset="0"/>
+                                  </a:rPr>
+                                  <m:t>1</m:t>
+                                </m:r>
+                              </m:sub>
+                            </m:sSub>
+                            <m:r>
+                              <a:rPr lang="fr-CA" b="0" i="1" smtClean="0">
+                                <a:latin typeface="Cambria Math" panose="02040503050406030204" pitchFamily="18" charset="0"/>
+                                <a:ea typeface="Cambria Math" panose="02040503050406030204" pitchFamily="18" charset="0"/>
+                              </a:rPr>
+                              <m:t>(</m:t>
+                            </m:r>
+                            <m:sSub>
+                              <m:sSubPr>
+                                <m:ctrlPr>
+                                  <a:rPr lang="fr-CA" b="0" i="1" smtClean="0">
+                                    <a:latin typeface="Cambria Math" panose="02040503050406030204" pitchFamily="18" charset="0"/>
+                                    <a:ea typeface="Cambria Math" panose="02040503050406030204" pitchFamily="18" charset="0"/>
+                                  </a:rPr>
+                                </m:ctrlPr>
+                              </m:sSubPr>
+                              <m:e>
+                                <m:r>
+                                  <a:rPr lang="fr-CA" b="0" i="1" smtClean="0">
+                                    <a:latin typeface="Cambria Math" panose="02040503050406030204" pitchFamily="18" charset="0"/>
+                                    <a:ea typeface="Cambria Math" panose="02040503050406030204" pitchFamily="18" charset="0"/>
+                                  </a:rPr>
+                                  <m:t>𝛼</m:t>
+                                </m:r>
+                              </m:e>
+                              <m:sub>
+                                <m:r>
+                                  <a:rPr lang="fr-CA" b="0" i="1" smtClean="0">
+                                    <a:latin typeface="Cambria Math" panose="02040503050406030204" pitchFamily="18" charset="0"/>
+                                    <a:ea typeface="Cambria Math" panose="02040503050406030204" pitchFamily="18" charset="0"/>
+                                  </a:rPr>
+                                  <m:t>1</m:t>
+                                </m:r>
+                              </m:sub>
+                            </m:sSub>
+                            <m:sSub>
+                              <m:sSubPr>
+                                <m:ctrlPr>
+                                  <a:rPr lang="fr-CA" b="0" i="1" smtClean="0">
+                                    <a:latin typeface="Cambria Math" panose="02040503050406030204" pitchFamily="18" charset="0"/>
+                                    <a:ea typeface="Cambria Math" panose="02040503050406030204" pitchFamily="18" charset="0"/>
+                                  </a:rPr>
+                                </m:ctrlPr>
+                              </m:sSubPr>
+                              <m:e>
+                                <m:r>
+                                  <a:rPr lang="fr-CA" b="0" i="1" smtClean="0">
+                                    <a:latin typeface="Cambria Math" panose="02040503050406030204" pitchFamily="18" charset="0"/>
+                                    <a:ea typeface="Cambria Math" panose="02040503050406030204" pitchFamily="18" charset="0"/>
+                                  </a:rPr>
+                                  <m:t>𝐵</m:t>
+                                </m:r>
+                              </m:e>
+                              <m:sub>
+                                <m:r>
+                                  <a:rPr lang="fr-CA" b="0" i="1" smtClean="0">
+                                    <a:latin typeface="Cambria Math" panose="02040503050406030204" pitchFamily="18" charset="0"/>
+                                    <a:ea typeface="Cambria Math" panose="02040503050406030204" pitchFamily="18" charset="0"/>
+                                  </a:rPr>
+                                  <m:t>1</m:t>
+                                </m:r>
+                              </m:sub>
+                            </m:sSub>
+                            <m:r>
+                              <a:rPr lang="fr-CA" b="0" i="1" smtClean="0">
+                                <a:latin typeface="Cambria Math" panose="02040503050406030204" pitchFamily="18" charset="0"/>
+                                <a:ea typeface="Cambria Math" panose="02040503050406030204" pitchFamily="18" charset="0"/>
+                              </a:rPr>
+                              <m:t>+</m:t>
+                            </m:r>
+                            <m:r>
+                              <a:rPr lang="fr-CA" b="0" i="1" smtClean="0">
+                                <a:latin typeface="Cambria Math" panose="02040503050406030204" pitchFamily="18" charset="0"/>
+                                <a:ea typeface="Cambria Math" panose="02040503050406030204" pitchFamily="18" charset="0"/>
+                              </a:rPr>
+                              <m:t>𝑖</m:t>
+                            </m:r>
+                            <m:r>
+                              <a:rPr lang="fr-CA" b="0" i="1" smtClean="0">
+                                <a:latin typeface="Cambria Math" panose="02040503050406030204" pitchFamily="18" charset="0"/>
+                                <a:ea typeface="Cambria Math" panose="02040503050406030204" pitchFamily="18" charset="0"/>
+                              </a:rPr>
+                              <m:t>𝜔</m:t>
+                            </m:r>
+                            <m:r>
+                              <a:rPr lang="fr-CA" b="0" i="1" smtClean="0">
+                                <a:latin typeface="Cambria Math" panose="02040503050406030204" pitchFamily="18" charset="0"/>
+                                <a:ea typeface="Cambria Math" panose="02040503050406030204" pitchFamily="18" charset="0"/>
+                              </a:rPr>
+                              <m:t>)</m:t>
+                            </m:r>
+                          </m:den>
+                        </m:f>
+                        <m:sSub>
+                          <m:sSubPr>
+                            <m:ctrlPr>
+                              <a:rPr lang="fr-CA" i="1" smtClean="0">
+                                <a:latin typeface="Cambria Math" panose="02040503050406030204" pitchFamily="18" charset="0"/>
+                                <a:ea typeface="Cambria Math" panose="02040503050406030204" pitchFamily="18" charset="0"/>
+                              </a:rPr>
+                            </m:ctrlPr>
+                          </m:sSubPr>
+                          <m:e>
+                            <m:r>
+                              <a:rPr lang="fr-CA" b="0" i="1" smtClean="0">
+                                <a:latin typeface="Cambria Math" panose="02040503050406030204" pitchFamily="18" charset="0"/>
+                                <a:ea typeface="Cambria Math" panose="02040503050406030204" pitchFamily="18" charset="0"/>
+                              </a:rPr>
+                              <m:t>|</m:t>
+                            </m:r>
+                          </m:e>
+                          <m:sub>
+                            <m:acc>
+                              <m:accPr>
+                                <m:chr m:val="⃗"/>
+                                <m:ctrlPr>
+                                  <a:rPr lang="fr-CA" i="1">
+                                    <a:latin typeface="Cambria Math" panose="02040503050406030204" pitchFamily="18" charset="0"/>
+                                  </a:rPr>
+                                </m:ctrlPr>
+                              </m:accPr>
+                              <m:e>
+                                <m:r>
+                                  <a:rPr lang="fr-CA" i="1">
+                                    <a:latin typeface="Cambria Math" panose="02040503050406030204" pitchFamily="18" charset="0"/>
+                                  </a:rPr>
+                                  <m:t>𝑟</m:t>
+                                </m:r>
+                              </m:e>
+                            </m:acc>
+                            <m:r>
+                              <a:rPr lang="fr-CA" i="1">
+                                <a:latin typeface="Cambria Math" panose="02040503050406030204" pitchFamily="18" charset="0"/>
+                              </a:rPr>
+                              <m:t>=</m:t>
+                            </m:r>
+                            <m:r>
+                              <a:rPr lang="fr-CA" i="1">
+                                <a:latin typeface="Cambria Math" panose="02040503050406030204" pitchFamily="18" charset="0"/>
+                              </a:rPr>
+                              <m:t>𝐼𝑛𝑡𝑒𝑟𝑓𝑎𝑐𝑒</m:t>
+                            </m:r>
+                          </m:sub>
+                        </m:sSub>
+                        <m:r>
+                          <a:rPr lang="fr-CA" b="0" i="1" smtClean="0">
+                            <a:latin typeface="Cambria Math" panose="02040503050406030204" pitchFamily="18" charset="0"/>
+                            <a:ea typeface="Cambria Math" panose="02040503050406030204" pitchFamily="18" charset="0"/>
+                          </a:rPr>
+                          <m:t>=</m:t>
+                        </m:r>
+                        <m:f>
+                          <m:fPr>
+                            <m:ctrlPr>
+                              <a:rPr lang="fr-CA" i="1">
+                                <a:latin typeface="Cambria Math" panose="02040503050406030204" pitchFamily="18" charset="0"/>
+                                <a:ea typeface="Cambria Math" panose="02040503050406030204" pitchFamily="18" charset="0"/>
+                              </a:rPr>
+                            </m:ctrlPr>
+                          </m:fPr>
+                          <m:num>
+                            <m:acc>
+                              <m:accPr>
+                                <m:chr m:val="⃗"/>
+                                <m:ctrlPr>
+                                  <a:rPr lang="fr-CA" i="1">
+                                    <a:latin typeface="Cambria Math" panose="02040503050406030204" pitchFamily="18" charset="0"/>
+                                    <a:ea typeface="Cambria Math" panose="02040503050406030204" pitchFamily="18" charset="0"/>
+                                  </a:rPr>
+                                </m:ctrlPr>
+                              </m:accPr>
+                              <m:e>
+                                <m:r>
+                                  <m:rPr>
+                                    <m:sty m:val="p"/>
+                                  </m:rPr>
+                                  <a:rPr lang="fr-CA" i="1">
+                                    <a:latin typeface="Cambria Math" panose="02040503050406030204" pitchFamily="18" charset="0"/>
+                                    <a:ea typeface="Cambria Math" panose="02040503050406030204" pitchFamily="18" charset="0"/>
+                                  </a:rPr>
+                                  <m:t>∇</m:t>
+                                </m:r>
+                              </m:e>
+                            </m:acc>
+                            <m:sSub>
+                              <m:sSubPr>
+                                <m:ctrlPr>
+                                  <a:rPr lang="fr-CA" i="1">
+                                    <a:latin typeface="Cambria Math" panose="02040503050406030204" pitchFamily="18" charset="0"/>
+                                    <a:ea typeface="Cambria Math" panose="02040503050406030204" pitchFamily="18" charset="0"/>
+                                  </a:rPr>
+                                </m:ctrlPr>
+                              </m:sSubPr>
+                              <m:e>
+                                <m:r>
+                                  <a:rPr lang="fr-CA" i="1">
+                                    <a:latin typeface="Cambria Math" panose="02040503050406030204" pitchFamily="18" charset="0"/>
+                                    <a:ea typeface="Cambria Math" panose="02040503050406030204" pitchFamily="18" charset="0"/>
+                                  </a:rPr>
+                                  <m:t>𝑝</m:t>
+                                </m:r>
+                              </m:e>
+                              <m:sub>
+                                <m:r>
+                                  <a:rPr lang="fr-CA" b="0" i="1" smtClean="0">
+                                    <a:latin typeface="Cambria Math" panose="02040503050406030204" pitchFamily="18" charset="0"/>
+                                    <a:ea typeface="Cambria Math" panose="02040503050406030204" pitchFamily="18" charset="0"/>
+                                  </a:rPr>
+                                  <m:t>2</m:t>
+                                </m:r>
+                              </m:sub>
+                            </m:sSub>
+                            <m:r>
+                              <a:rPr lang="fr-CA" i="1">
+                                <a:latin typeface="Cambria Math" panose="02040503050406030204" pitchFamily="18" charset="0"/>
+                                <a:ea typeface="Cambria Math" panose="02040503050406030204" pitchFamily="18" charset="0"/>
+                              </a:rPr>
+                              <m:t>(</m:t>
+                            </m:r>
+                            <m:acc>
+                              <m:accPr>
+                                <m:chr m:val="⃗"/>
+                                <m:ctrlPr>
+                                  <a:rPr lang="fr-CA" i="1">
+                                    <a:latin typeface="Cambria Math" panose="02040503050406030204" pitchFamily="18" charset="0"/>
+                                  </a:rPr>
+                                </m:ctrlPr>
+                              </m:accPr>
+                              <m:e>
+                                <m:r>
+                                  <a:rPr lang="fr-CA" i="1">
+                                    <a:latin typeface="Cambria Math" panose="02040503050406030204" pitchFamily="18" charset="0"/>
+                                  </a:rPr>
+                                  <m:t>𝑟</m:t>
+                                </m:r>
+                              </m:e>
+                            </m:acc>
+                            <m:r>
+                              <m:rPr>
+                                <m:nor/>
+                              </m:rPr>
+                              <a:rPr lang="fr-CA" dirty="0"/>
+                              <m:t>)</m:t>
+                            </m:r>
+                            <m:r>
+                              <a:rPr lang="fr-CA" i="1" dirty="0">
+                                <a:latin typeface="Cambria Math" panose="02040503050406030204" pitchFamily="18" charset="0"/>
+                                <a:ea typeface="Cambria Math" panose="02040503050406030204" pitchFamily="18" charset="0"/>
+                              </a:rPr>
+                              <m:t>∙</m:t>
+                            </m:r>
+                            <m:sSub>
+                              <m:sSubPr>
+                                <m:ctrlPr>
+                                  <a:rPr lang="fr-CA" i="1">
+                                    <a:latin typeface="Cambria Math" panose="02040503050406030204" pitchFamily="18" charset="0"/>
+                                    <a:ea typeface="Cambria Math" panose="02040503050406030204" pitchFamily="18" charset="0"/>
+                                  </a:rPr>
+                                </m:ctrlPr>
+                              </m:sSubPr>
+                              <m:e>
+                                <m:acc>
+                                  <m:accPr>
+                                    <m:chr m:val="⃗"/>
+                                    <m:ctrlPr>
+                                      <a:rPr lang="fr-CA" i="1">
+                                        <a:latin typeface="Cambria Math" panose="02040503050406030204" pitchFamily="18" charset="0"/>
+                                        <a:ea typeface="Cambria Math" panose="02040503050406030204" pitchFamily="18" charset="0"/>
+                                      </a:rPr>
+                                    </m:ctrlPr>
+                                  </m:accPr>
+                                  <m:e>
+                                    <m:r>
+                                      <a:rPr lang="fr-CA" i="1">
+                                        <a:latin typeface="Cambria Math" panose="02040503050406030204" pitchFamily="18" charset="0"/>
+                                        <a:ea typeface="Cambria Math" panose="02040503050406030204" pitchFamily="18" charset="0"/>
+                                      </a:rPr>
+                                      <m:t>𝑛</m:t>
+                                    </m:r>
+                                  </m:e>
+                                </m:acc>
+                              </m:e>
+                              <m:sub>
+                                <m:r>
+                                  <a:rPr lang="fr-CA" i="1">
+                                    <a:latin typeface="Cambria Math" panose="02040503050406030204" pitchFamily="18" charset="0"/>
+                                    <a:ea typeface="Cambria Math" panose="02040503050406030204" pitchFamily="18" charset="0"/>
+                                  </a:rPr>
+                                  <m:t>12</m:t>
+                                </m:r>
+                              </m:sub>
+                            </m:sSub>
+                            <m:r>
+                              <a:rPr lang="fr-CA" i="1">
+                                <a:latin typeface="Cambria Math" panose="02040503050406030204" pitchFamily="18" charset="0"/>
+                                <a:ea typeface="Cambria Math" panose="02040503050406030204" pitchFamily="18" charset="0"/>
+                              </a:rPr>
+                              <m:t>(</m:t>
+                            </m:r>
+                            <m:acc>
+                              <m:accPr>
+                                <m:chr m:val="⃗"/>
+                                <m:ctrlPr>
+                                  <a:rPr lang="fr-CA" i="1">
+                                    <a:latin typeface="Cambria Math" panose="02040503050406030204" pitchFamily="18" charset="0"/>
+                                  </a:rPr>
+                                </m:ctrlPr>
+                              </m:accPr>
+                              <m:e>
+                                <m:r>
+                                  <a:rPr lang="fr-CA" i="1">
+                                    <a:latin typeface="Cambria Math" panose="02040503050406030204" pitchFamily="18" charset="0"/>
+                                  </a:rPr>
+                                  <m:t>𝑟</m:t>
+                                </m:r>
+                              </m:e>
+                            </m:acc>
+                            <m:r>
+                              <m:rPr>
+                                <m:nor/>
+                              </m:rPr>
+                              <a:rPr lang="fr-CA" dirty="0"/>
+                              <m:t>)</m:t>
+                            </m:r>
+                          </m:num>
+                          <m:den>
+                            <m:sSub>
+                              <m:sSubPr>
+                                <m:ctrlPr>
+                                  <a:rPr lang="fr-CA" i="1">
+                                    <a:latin typeface="Cambria Math" panose="02040503050406030204" pitchFamily="18" charset="0"/>
+                                    <a:ea typeface="Cambria Math" panose="02040503050406030204" pitchFamily="18" charset="0"/>
+                                  </a:rPr>
+                                </m:ctrlPr>
+                              </m:sSubPr>
+                              <m:e>
+                                <m:r>
+                                  <a:rPr lang="fr-CA" i="1">
+                                    <a:latin typeface="Cambria Math" panose="02040503050406030204" pitchFamily="18" charset="0"/>
+                                    <a:ea typeface="Cambria Math" panose="02040503050406030204" pitchFamily="18" charset="0"/>
+                                  </a:rPr>
+                                  <m:t>𝜌</m:t>
+                                </m:r>
+                              </m:e>
+                              <m:sub>
+                                <m:r>
+                                  <a:rPr lang="fr-CA" b="0" i="1" smtClean="0">
+                                    <a:latin typeface="Cambria Math" panose="02040503050406030204" pitchFamily="18" charset="0"/>
+                                    <a:ea typeface="Cambria Math" panose="02040503050406030204" pitchFamily="18" charset="0"/>
+                                  </a:rPr>
+                                  <m:t>2</m:t>
+                                </m:r>
+                              </m:sub>
+                            </m:sSub>
+                            <m:r>
+                              <a:rPr lang="fr-CA" i="1">
+                                <a:latin typeface="Cambria Math" panose="02040503050406030204" pitchFamily="18" charset="0"/>
+                                <a:ea typeface="Cambria Math" panose="02040503050406030204" pitchFamily="18" charset="0"/>
+                              </a:rPr>
+                              <m:t>(</m:t>
+                            </m:r>
+                            <m:sSub>
+                              <m:sSubPr>
+                                <m:ctrlPr>
+                                  <a:rPr lang="fr-CA" i="1">
+                                    <a:latin typeface="Cambria Math" panose="02040503050406030204" pitchFamily="18" charset="0"/>
+                                    <a:ea typeface="Cambria Math" panose="02040503050406030204" pitchFamily="18" charset="0"/>
+                                  </a:rPr>
+                                </m:ctrlPr>
+                              </m:sSubPr>
+                              <m:e>
+                                <m:r>
+                                  <a:rPr lang="fr-CA" i="1">
+                                    <a:latin typeface="Cambria Math" panose="02040503050406030204" pitchFamily="18" charset="0"/>
+                                    <a:ea typeface="Cambria Math" panose="02040503050406030204" pitchFamily="18" charset="0"/>
+                                  </a:rPr>
+                                  <m:t>𝛼</m:t>
+                                </m:r>
+                              </m:e>
+                              <m:sub>
+                                <m:r>
+                                  <a:rPr lang="fr-CA" b="0" i="1" smtClean="0">
+                                    <a:latin typeface="Cambria Math" panose="02040503050406030204" pitchFamily="18" charset="0"/>
+                                    <a:ea typeface="Cambria Math" panose="02040503050406030204" pitchFamily="18" charset="0"/>
+                                  </a:rPr>
+                                  <m:t>2</m:t>
+                                </m:r>
+                              </m:sub>
+                            </m:sSub>
+                            <m:sSub>
+                              <m:sSubPr>
+                                <m:ctrlPr>
+                                  <a:rPr lang="fr-CA" i="1">
+                                    <a:latin typeface="Cambria Math" panose="02040503050406030204" pitchFamily="18" charset="0"/>
+                                    <a:ea typeface="Cambria Math" panose="02040503050406030204" pitchFamily="18" charset="0"/>
+                                  </a:rPr>
+                                </m:ctrlPr>
+                              </m:sSubPr>
+                              <m:e>
+                                <m:r>
+                                  <a:rPr lang="fr-CA" i="1">
+                                    <a:latin typeface="Cambria Math" panose="02040503050406030204" pitchFamily="18" charset="0"/>
+                                    <a:ea typeface="Cambria Math" panose="02040503050406030204" pitchFamily="18" charset="0"/>
+                                  </a:rPr>
+                                  <m:t>𝐵</m:t>
+                                </m:r>
+                              </m:e>
+                              <m:sub>
+                                <m:r>
+                                  <a:rPr lang="fr-CA" b="0" i="1" smtClean="0">
+                                    <a:latin typeface="Cambria Math" panose="02040503050406030204" pitchFamily="18" charset="0"/>
+                                    <a:ea typeface="Cambria Math" panose="02040503050406030204" pitchFamily="18" charset="0"/>
+                                  </a:rPr>
+                                  <m:t>2</m:t>
+                                </m:r>
+                              </m:sub>
+                            </m:sSub>
+                            <m:r>
+                              <a:rPr lang="fr-CA" i="1">
+                                <a:latin typeface="Cambria Math" panose="02040503050406030204" pitchFamily="18" charset="0"/>
+                                <a:ea typeface="Cambria Math" panose="02040503050406030204" pitchFamily="18" charset="0"/>
+                              </a:rPr>
+                              <m:t>+</m:t>
+                            </m:r>
+                            <m:r>
+                              <a:rPr lang="fr-CA" i="1">
+                                <a:latin typeface="Cambria Math" panose="02040503050406030204" pitchFamily="18" charset="0"/>
+                                <a:ea typeface="Cambria Math" panose="02040503050406030204" pitchFamily="18" charset="0"/>
+                              </a:rPr>
+                              <m:t>𝑖</m:t>
+                            </m:r>
+                            <m:r>
+                              <a:rPr lang="fr-CA" i="1">
+                                <a:latin typeface="Cambria Math" panose="02040503050406030204" pitchFamily="18" charset="0"/>
+                                <a:ea typeface="Cambria Math" panose="02040503050406030204" pitchFamily="18" charset="0"/>
+                              </a:rPr>
+                              <m:t>𝜔</m:t>
+                            </m:r>
+                            <m:r>
+                              <a:rPr lang="fr-CA" i="1">
+                                <a:latin typeface="Cambria Math" panose="02040503050406030204" pitchFamily="18" charset="0"/>
+                                <a:ea typeface="Cambria Math" panose="02040503050406030204" pitchFamily="18" charset="0"/>
+                              </a:rPr>
+                              <m:t>)</m:t>
+                            </m:r>
+                          </m:den>
+                        </m:f>
+                        <m:sSub>
+                          <m:sSubPr>
+                            <m:ctrlPr>
+                              <a:rPr lang="fr-CA" i="1">
+                                <a:latin typeface="Cambria Math" panose="02040503050406030204" pitchFamily="18" charset="0"/>
+                                <a:ea typeface="Cambria Math" panose="02040503050406030204" pitchFamily="18" charset="0"/>
+                              </a:rPr>
+                            </m:ctrlPr>
+                          </m:sSubPr>
+                          <m:e>
+                            <m:r>
+                              <a:rPr lang="fr-CA" i="1">
+                                <a:latin typeface="Cambria Math" panose="02040503050406030204" pitchFamily="18" charset="0"/>
+                                <a:ea typeface="Cambria Math" panose="02040503050406030204" pitchFamily="18" charset="0"/>
+                              </a:rPr>
+                              <m:t>|</m:t>
+                            </m:r>
+                          </m:e>
+                          <m:sub>
+                            <m:acc>
+                              <m:accPr>
+                                <m:chr m:val="⃗"/>
+                                <m:ctrlPr>
+                                  <a:rPr lang="fr-CA" i="1">
+                                    <a:latin typeface="Cambria Math" panose="02040503050406030204" pitchFamily="18" charset="0"/>
+                                  </a:rPr>
+                                </m:ctrlPr>
+                              </m:accPr>
+                              <m:e>
+                                <m:r>
+                                  <a:rPr lang="fr-CA" i="1">
+                                    <a:latin typeface="Cambria Math" panose="02040503050406030204" pitchFamily="18" charset="0"/>
+                                  </a:rPr>
+                                  <m:t>𝑟</m:t>
+                                </m:r>
+                              </m:e>
+                            </m:acc>
+                            <m:r>
+                              <a:rPr lang="fr-CA" i="1">
+                                <a:latin typeface="Cambria Math" panose="02040503050406030204" pitchFamily="18" charset="0"/>
+                              </a:rPr>
+                              <m:t>=</m:t>
+                            </m:r>
+                            <m:r>
+                              <a:rPr lang="fr-CA" i="1">
+                                <a:latin typeface="Cambria Math" panose="02040503050406030204" pitchFamily="18" charset="0"/>
+                              </a:rPr>
+                              <m:t>𝐼𝑛𝑡𝑒𝑟𝑓𝑎𝑐𝑒</m:t>
+                            </m:r>
+                          </m:sub>
+                        </m:sSub>
+                      </m:oMath>
+                    </m:oMathPara>
+                  </a14:m>
+                  <a:endParaRPr lang="fr-CA" dirty="0">
+                    <a:latin typeface="Cambria Math" panose="02040503050406030204" pitchFamily="18" charset="0"/>
+                    <a:ea typeface="Cambria Math" panose="02040503050406030204" pitchFamily="18" charset="0"/>
+                  </a:endParaRPr>
+                </a:p>
+              </p:txBody>
+            </p:sp>
+          </mc:Choice>
+          <mc:Fallback xmlns="">
+            <p:sp>
+              <p:nvSpPr>
+                <p:cNvPr id="15" name="ZoneTexte 14">
+                  <a:extLst>
+                    <a:ext uri="{FF2B5EF4-FFF2-40B4-BE49-F238E27FC236}">
+                      <a16:creationId xmlns:a16="http://schemas.microsoft.com/office/drawing/2014/main" id="{239111DF-5A35-4048-B581-6598A001D0B5}"/>
+                    </a:ext>
+                  </a:extLst>
+                </p:cNvPr>
+                <p:cNvSpPr txBox="1">
+                  <a:spLocks noRot="1" noChangeAspect="1" noMove="1" noResize="1" noEditPoints="1" noAdjustHandles="1" noChangeArrowheads="1" noChangeShapeType="1" noTextEdit="1"/>
+                </p:cNvSpPr>
+                <p:nvPr/>
+              </p:nvSpPr>
+              <p:spPr>
+                <a:xfrm>
+                  <a:off x="251891" y="4849922"/>
+                  <a:ext cx="5965036" cy="639406"/>
+                </a:xfrm>
+                <a:prstGeom prst="rect">
+                  <a:avLst/>
+                </a:prstGeom>
+                <a:blipFill>
+                  <a:blip r:embed="rId5"/>
+                  <a:stretch>
+                    <a:fillRect/>
+                  </a:stretch>
+                </a:blipFill>
+              </p:spPr>
+              <p:txBody>
+                <a:bodyPr/>
+                <a:lstStyle/>
+                <a:p>
+                  <a:r>
+                    <a:rPr lang="fr-CA">
+                      <a:noFill/>
+                    </a:rPr>
+                    <a:t> </a:t>
+                  </a:r>
+                </a:p>
+              </p:txBody>
+            </p:sp>
+          </mc:Fallback>
+        </mc:AlternateContent>
+        <p:sp>
+          <p:nvSpPr>
+            <p:cNvPr id="16" name="ZoneTexte 15">
+              <a:extLst>
+                <a:ext uri="{FF2B5EF4-FFF2-40B4-BE49-F238E27FC236}">
+                  <a16:creationId xmlns:a16="http://schemas.microsoft.com/office/drawing/2014/main" id="{4E85E37B-3C1C-46D8-A27C-6DA784ED0495}"/>
+                </a:ext>
+              </a:extLst>
+            </p:cNvPr>
+            <p:cNvSpPr txBox="1"/>
+            <p:nvPr/>
+          </p:nvSpPr>
+          <p:spPr>
+            <a:xfrm>
+              <a:off x="6096000" y="4984959"/>
+              <a:ext cx="633507" cy="369332"/>
+            </a:xfrm>
+            <a:prstGeom prst="rect">
+              <a:avLst/>
+            </a:prstGeom>
+            <a:noFill/>
+          </p:spPr>
+          <p:txBody>
+            <a:bodyPr wrap="none" rtlCol="0">
+              <a:spAutoFit/>
+            </a:bodyPr>
+            <a:lstStyle/>
+            <a:p>
+              <a:r>
+                <a:rPr lang="fr-CA" dirty="0">
+                  <a:latin typeface="Cambria Math" panose="02040503050406030204" pitchFamily="18" charset="0"/>
+                  <a:ea typeface="Cambria Math" panose="02040503050406030204" pitchFamily="18" charset="0"/>
+                </a:rPr>
+                <a:t>(10)</a:t>
+              </a:r>
+            </a:p>
+          </p:txBody>
+        </p:sp>
+      </p:grpSp>
     </p:spTree>
     <p:extLst>
       <p:ext uri="{BB962C8B-B14F-4D97-AF65-F5344CB8AC3E}">
@@ -10997,6 +13216,1820 @@
 </file>
 
 <file path=ppt/slides/slide6.xml><?xml version="1.0" encoding="utf-8"?>
+<p:sld xmlns:a="http://schemas.openxmlformats.org/drawingml/2006/main" xmlns:r="http://schemas.openxmlformats.org/officeDocument/2006/relationships" xmlns:p="http://schemas.openxmlformats.org/presentationml/2006/main">
+  <p:cSld>
+    <p:spTree>
+      <p:nvGrpSpPr>
+        <p:cNvPr id="1" name=""/>
+        <p:cNvGrpSpPr/>
+        <p:nvPr/>
+      </p:nvGrpSpPr>
+      <p:grpSpPr>
+        <a:xfrm>
+          <a:off x="0" y="0"/>
+          <a:ext cx="0" cy="0"/>
+          <a:chOff x="0" y="0"/>
+          <a:chExt cx="0" cy="0"/>
+        </a:xfrm>
+      </p:grpSpPr>
+      <p:sp>
+        <p:nvSpPr>
+          <p:cNvPr id="2" name="Titre 1">
+            <a:extLst>
+              <a:ext uri="{FF2B5EF4-FFF2-40B4-BE49-F238E27FC236}">
+                <a16:creationId xmlns:a16="http://schemas.microsoft.com/office/drawing/2014/main" id="{03EE799C-7398-441E-956D-60778EB6ADFB}"/>
+              </a:ext>
+            </a:extLst>
+          </p:cNvPr>
+          <p:cNvSpPr txBox="1">
+            <a:spLocks/>
+          </p:cNvSpPr>
+          <p:nvPr/>
+        </p:nvSpPr>
+        <p:spPr>
+          <a:xfrm>
+            <a:off x="455643" y="510175"/>
+            <a:ext cx="6893113" cy="739786"/>
+          </a:xfrm>
+          <a:prstGeom prst="rect">
+            <a:avLst/>
+          </a:prstGeom>
+        </p:spPr>
+        <p:txBody>
+          <a:bodyPr/>
+          <a:lstStyle>
+            <a:lvl1pPr algn="l" defTabSz="457200" rtl="0" eaLnBrk="1" latinLnBrk="0" hangingPunct="1">
+              <a:spcBef>
+                <a:spcPct val="0"/>
+              </a:spcBef>
+              <a:buNone/>
+              <a:defRPr sz="3600" kern="1200">
+                <a:solidFill>
+                  <a:schemeClr val="accent1"/>
+                </a:solidFill>
+                <a:latin typeface="+mj-lt"/>
+                <a:ea typeface="+mj-ea"/>
+                <a:cs typeface="+mj-cs"/>
+              </a:defRPr>
+            </a:lvl1pPr>
+            <a:lvl2pPr eaLnBrk="1" hangingPunct="1">
+              <a:defRPr>
+                <a:solidFill>
+                  <a:schemeClr val="tx2"/>
+                </a:solidFill>
+              </a:defRPr>
+            </a:lvl2pPr>
+            <a:lvl3pPr eaLnBrk="1" hangingPunct="1">
+              <a:defRPr>
+                <a:solidFill>
+                  <a:schemeClr val="tx2"/>
+                </a:solidFill>
+              </a:defRPr>
+            </a:lvl3pPr>
+            <a:lvl4pPr eaLnBrk="1" hangingPunct="1">
+              <a:defRPr>
+                <a:solidFill>
+                  <a:schemeClr val="tx2"/>
+                </a:solidFill>
+              </a:defRPr>
+            </a:lvl4pPr>
+            <a:lvl5pPr eaLnBrk="1" hangingPunct="1">
+              <a:defRPr>
+                <a:solidFill>
+                  <a:schemeClr val="tx2"/>
+                </a:solidFill>
+              </a:defRPr>
+            </a:lvl5pPr>
+            <a:lvl6pPr eaLnBrk="1" hangingPunct="1">
+              <a:defRPr>
+                <a:solidFill>
+                  <a:schemeClr val="tx2"/>
+                </a:solidFill>
+              </a:defRPr>
+            </a:lvl6pPr>
+            <a:lvl7pPr eaLnBrk="1" hangingPunct="1">
+              <a:defRPr>
+                <a:solidFill>
+                  <a:schemeClr val="tx2"/>
+                </a:solidFill>
+              </a:defRPr>
+            </a:lvl7pPr>
+            <a:lvl8pPr eaLnBrk="1" hangingPunct="1">
+              <a:defRPr>
+                <a:solidFill>
+                  <a:schemeClr val="tx2"/>
+                </a:solidFill>
+              </a:defRPr>
+            </a:lvl8pPr>
+            <a:lvl9pPr eaLnBrk="1" hangingPunct="1">
+              <a:defRPr>
+                <a:solidFill>
+                  <a:schemeClr val="tx2"/>
+                </a:solidFill>
+              </a:defRPr>
+            </a:lvl9pPr>
+          </a:lstStyle>
+          <a:p>
+            <a:r>
+              <a:rPr lang="fr-CA" dirty="0">
+                <a:solidFill>
+                  <a:srgbClr val="286D9F"/>
+                </a:solidFill>
+              </a:rPr>
+              <a:t>Conditions initiales et frontières</a:t>
+            </a:r>
+          </a:p>
+        </p:txBody>
+      </p:sp>
+      <p:sp>
+        <p:nvSpPr>
+          <p:cNvPr id="3" name="Rectangle 2">
+            <a:extLst>
+              <a:ext uri="{FF2B5EF4-FFF2-40B4-BE49-F238E27FC236}">
+                <a16:creationId xmlns:a16="http://schemas.microsoft.com/office/drawing/2014/main" id="{BA0A46BD-0FD2-481A-AB72-F6E2A27E0618}"/>
+              </a:ext>
+            </a:extLst>
+          </p:cNvPr>
+          <p:cNvSpPr/>
+          <p:nvPr/>
+        </p:nvSpPr>
+        <p:spPr>
+          <a:xfrm>
+            <a:off x="6612835" y="48510"/>
+            <a:ext cx="6096000" cy="923330"/>
+          </a:xfrm>
+          <a:prstGeom prst="rect">
+            <a:avLst/>
+          </a:prstGeom>
+        </p:spPr>
+        <p:txBody>
+          <a:bodyPr>
+            <a:spAutoFit/>
+          </a:bodyPr>
+          <a:lstStyle/>
+          <a:p>
+            <a:r>
+              <a:rPr lang="fr-FR" dirty="0"/>
+              <a:t>Description des conditions initiales/frontières du problème, avec les équations mathématiques qui les modélisent </a:t>
+            </a:r>
+            <a:endParaRPr lang="fr-CA" dirty="0"/>
+          </a:p>
+        </p:txBody>
+      </p:sp>
+      <p:sp>
+        <p:nvSpPr>
+          <p:cNvPr id="14" name="ZoneTexte 13">
+            <a:extLst>
+              <a:ext uri="{FF2B5EF4-FFF2-40B4-BE49-F238E27FC236}">
+                <a16:creationId xmlns:a16="http://schemas.microsoft.com/office/drawing/2014/main" id="{C68E114A-0254-469D-8107-3891A64AA282}"/>
+              </a:ext>
+            </a:extLst>
+          </p:cNvPr>
+          <p:cNvSpPr txBox="1"/>
+          <p:nvPr/>
+        </p:nvSpPr>
+        <p:spPr>
+          <a:xfrm>
+            <a:off x="455643" y="1388460"/>
+            <a:ext cx="5315983" cy="923330"/>
+          </a:xfrm>
+          <a:prstGeom prst="rect">
+            <a:avLst/>
+          </a:prstGeom>
+          <a:noFill/>
+        </p:spPr>
+        <p:txBody>
+          <a:bodyPr wrap="square" rtlCol="0">
+            <a:spAutoFit/>
+          </a:bodyPr>
+          <a:lstStyle/>
+          <a:p>
+            <a:r>
+              <a:rPr lang="fr-CA" dirty="0"/>
+              <a:t>Pour simuler une source ponctuelle, des ondes cylindriques/sphériques seront utilisées comme condition initiale (11)</a:t>
+            </a:r>
+          </a:p>
+        </p:txBody>
+      </p:sp>
+      <p:grpSp>
+        <p:nvGrpSpPr>
+          <p:cNvPr id="7" name="Groupe 6">
+            <a:extLst>
+              <a:ext uri="{FF2B5EF4-FFF2-40B4-BE49-F238E27FC236}">
+                <a16:creationId xmlns:a16="http://schemas.microsoft.com/office/drawing/2014/main" id="{CFD8F19D-6773-46D5-9909-24122EC36D9A}"/>
+              </a:ext>
+            </a:extLst>
+          </p:cNvPr>
+          <p:cNvGrpSpPr/>
+          <p:nvPr/>
+        </p:nvGrpSpPr>
+        <p:grpSpPr>
+          <a:xfrm>
+            <a:off x="455643" y="2331767"/>
+            <a:ext cx="4856765" cy="917046"/>
+            <a:chOff x="455643" y="2331767"/>
+            <a:chExt cx="4856765" cy="917046"/>
+          </a:xfrm>
+        </p:grpSpPr>
+        <mc:AlternateContent xmlns:mc="http://schemas.openxmlformats.org/markup-compatibility/2006">
+          <mc:Choice xmlns:a14="http://schemas.microsoft.com/office/drawing/2010/main" Requires="a14">
+            <p:sp>
+              <p:nvSpPr>
+                <p:cNvPr id="4" name="ZoneTexte 3">
+                  <a:extLst>
+                    <a:ext uri="{FF2B5EF4-FFF2-40B4-BE49-F238E27FC236}">
+                      <a16:creationId xmlns:a16="http://schemas.microsoft.com/office/drawing/2014/main" id="{CA459B59-2C36-4681-B2B9-A510B84E80BC}"/>
+                    </a:ext>
+                  </a:extLst>
+                </p:cNvPr>
+                <p:cNvSpPr txBox="1"/>
+                <p:nvPr/>
+              </p:nvSpPr>
+              <p:spPr>
+                <a:xfrm>
+                  <a:off x="455643" y="2331767"/>
+                  <a:ext cx="4118755" cy="917046"/>
+                </a:xfrm>
+                <a:prstGeom prst="rect">
+                  <a:avLst/>
+                </a:prstGeom>
+                <a:noFill/>
+              </p:spPr>
+              <p:txBody>
+                <a:bodyPr wrap="none" lIns="0" tIns="0" rIns="0" bIns="0" rtlCol="0">
+                  <a:spAutoFit/>
+                </a:bodyPr>
+                <a:lstStyle/>
+                <a:p>
+                  <a14:m>
+                    <m:oMathPara xmlns:m="http://schemas.openxmlformats.org/officeDocument/2006/math">
+                      <m:oMathParaPr>
+                        <m:jc m:val="centerGroup"/>
+                      </m:oMathParaPr>
+                      <m:oMath xmlns:m="http://schemas.openxmlformats.org/officeDocument/2006/math">
+                        <m:r>
+                          <a:rPr lang="fr-CA" b="0" i="1" smtClean="0">
+                            <a:latin typeface="Cambria Math" panose="02040503050406030204" pitchFamily="18" charset="0"/>
+                          </a:rPr>
+                          <m:t>𝑆</m:t>
+                        </m:r>
+                        <m:d>
+                          <m:dPr>
+                            <m:ctrlPr>
+                              <a:rPr lang="fr-CA" b="0" i="1" smtClean="0">
+                                <a:latin typeface="Cambria Math" panose="02040503050406030204" pitchFamily="18" charset="0"/>
+                              </a:rPr>
+                            </m:ctrlPr>
+                          </m:dPr>
+                          <m:e>
+                            <m:r>
+                              <a:rPr lang="fr-CA" b="0" i="1" smtClean="0">
+                                <a:latin typeface="Cambria Math" panose="02040503050406030204" pitchFamily="18" charset="0"/>
+                              </a:rPr>
+                              <m:t>𝑥</m:t>
+                            </m:r>
+                            <m:r>
+                              <a:rPr lang="fr-CA" b="0" i="1" smtClean="0">
+                                <a:latin typeface="Cambria Math" panose="02040503050406030204" pitchFamily="18" charset="0"/>
+                              </a:rPr>
+                              <m:t>,</m:t>
+                            </m:r>
+                            <m:r>
+                              <a:rPr lang="fr-CA" b="0" i="1" smtClean="0">
+                                <a:latin typeface="Cambria Math" panose="02040503050406030204" pitchFamily="18" charset="0"/>
+                              </a:rPr>
+                              <m:t>𝑦</m:t>
+                            </m:r>
+                          </m:e>
+                        </m:d>
+                        <m:r>
+                          <a:rPr lang="fr-CA" b="0" i="1" smtClean="0">
+                            <a:latin typeface="Cambria Math" panose="02040503050406030204" pitchFamily="18" charset="0"/>
+                          </a:rPr>
+                          <m:t>=</m:t>
+                        </m:r>
+                        <m:f>
+                          <m:fPr>
+                            <m:ctrlPr>
+                              <a:rPr lang="fr-CA" b="0" i="1" smtClean="0">
+                                <a:latin typeface="Cambria Math" panose="02040503050406030204" pitchFamily="18" charset="0"/>
+                              </a:rPr>
+                            </m:ctrlPr>
+                          </m:fPr>
+                          <m:num>
+                            <m:r>
+                              <m:rPr>
+                                <m:sty m:val="p"/>
+                              </m:rPr>
+                              <a:rPr lang="fr-CA" b="0" i="0" smtClean="0">
+                                <a:latin typeface="Cambria Math" panose="02040503050406030204" pitchFamily="18" charset="0"/>
+                              </a:rPr>
+                              <m:t>exp</m:t>
+                            </m:r>
+                            <m:r>
+                              <a:rPr lang="fr-CA" b="0" i="1" smtClean="0">
+                                <a:latin typeface="Cambria Math" panose="02040503050406030204" pitchFamily="18" charset="0"/>
+                              </a:rPr>
+                              <m:t>⁡</m:t>
+                            </m:r>
+                            <m:d>
+                              <m:dPr>
+                                <m:ctrlPr>
+                                  <a:rPr lang="fr-CA" b="0" i="1" smtClean="0">
+                                    <a:latin typeface="Cambria Math" panose="02040503050406030204" pitchFamily="18" charset="0"/>
+                                  </a:rPr>
+                                </m:ctrlPr>
+                              </m:dPr>
+                              <m:e>
+                                <m:f>
+                                  <m:fPr>
+                                    <m:ctrlPr>
+                                      <a:rPr lang="fr-CA" b="0" i="1" smtClean="0">
+                                        <a:latin typeface="Cambria Math" panose="02040503050406030204" pitchFamily="18" charset="0"/>
+                                      </a:rPr>
+                                    </m:ctrlPr>
+                                  </m:fPr>
+                                  <m:num>
+                                    <m:r>
+                                      <a:rPr lang="fr-CA" b="0" i="1" smtClean="0">
+                                        <a:latin typeface="Cambria Math" panose="02040503050406030204" pitchFamily="18" charset="0"/>
+                                      </a:rPr>
+                                      <m:t>𝑖</m:t>
+                                    </m:r>
+                                    <m:r>
+                                      <a:rPr lang="fr-CA" b="0" i="1" smtClean="0">
+                                        <a:latin typeface="Cambria Math" panose="02040503050406030204" pitchFamily="18" charset="0"/>
+                                        <a:ea typeface="Cambria Math" panose="02040503050406030204" pitchFamily="18" charset="0"/>
+                                      </a:rPr>
+                                      <m:t>𝜔</m:t>
+                                    </m:r>
+                                    <m:rad>
+                                      <m:radPr>
+                                        <m:degHide m:val="on"/>
+                                        <m:ctrlPr>
+                                          <a:rPr lang="fr-CA" b="0" i="1" smtClean="0">
+                                            <a:latin typeface="Cambria Math" panose="02040503050406030204" pitchFamily="18" charset="0"/>
+                                            <a:ea typeface="Cambria Math" panose="02040503050406030204" pitchFamily="18" charset="0"/>
+                                          </a:rPr>
+                                        </m:ctrlPr>
+                                      </m:radPr>
+                                      <m:deg/>
+                                      <m:e>
+                                        <m:sSup>
+                                          <m:sSupPr>
+                                            <m:ctrlPr>
+                                              <a:rPr lang="fr-CA" b="0" i="1" smtClean="0">
+                                                <a:latin typeface="Cambria Math" panose="02040503050406030204" pitchFamily="18" charset="0"/>
+                                                <a:ea typeface="Cambria Math" panose="02040503050406030204" pitchFamily="18" charset="0"/>
+                                              </a:rPr>
+                                            </m:ctrlPr>
+                                          </m:sSupPr>
+                                          <m:e>
+                                            <m:r>
+                                              <a:rPr lang="fr-CA" i="1">
+                                                <a:latin typeface="Cambria Math" panose="02040503050406030204" pitchFamily="18" charset="0"/>
+                                                <a:ea typeface="Cambria Math" panose="02040503050406030204" pitchFamily="18" charset="0"/>
+                                              </a:rPr>
+                                              <m:t>(</m:t>
+                                            </m:r>
+                                            <m:r>
+                                              <a:rPr lang="fr-CA" i="1">
+                                                <a:latin typeface="Cambria Math" panose="02040503050406030204" pitchFamily="18" charset="0"/>
+                                                <a:ea typeface="Cambria Math" panose="02040503050406030204" pitchFamily="18" charset="0"/>
+                                              </a:rPr>
+                                              <m:t>𝑥</m:t>
+                                            </m:r>
+                                            <m:r>
+                                              <a:rPr lang="fr-CA" i="1">
+                                                <a:latin typeface="Cambria Math" panose="02040503050406030204" pitchFamily="18" charset="0"/>
+                                                <a:ea typeface="Cambria Math" panose="02040503050406030204" pitchFamily="18" charset="0"/>
+                                              </a:rPr>
+                                              <m:t>−</m:t>
+                                            </m:r>
+                                            <m:sSub>
+                                              <m:sSubPr>
+                                                <m:ctrlPr>
+                                                  <a:rPr lang="fr-CA" i="1">
+                                                    <a:latin typeface="Cambria Math" panose="02040503050406030204" pitchFamily="18" charset="0"/>
+                                                    <a:ea typeface="Cambria Math" panose="02040503050406030204" pitchFamily="18" charset="0"/>
+                                                  </a:rPr>
+                                                </m:ctrlPr>
+                                              </m:sSubPr>
+                                              <m:e>
+                                                <m:r>
+                                                  <a:rPr lang="fr-CA" i="1">
+                                                    <a:latin typeface="Cambria Math" panose="02040503050406030204" pitchFamily="18" charset="0"/>
+                                                    <a:ea typeface="Cambria Math" panose="02040503050406030204" pitchFamily="18" charset="0"/>
+                                                  </a:rPr>
+                                                  <m:t>𝑥</m:t>
+                                                </m:r>
+                                              </m:e>
+                                              <m:sub>
+                                                <m:r>
+                                                  <a:rPr lang="fr-CA" i="1">
+                                                    <a:latin typeface="Cambria Math" panose="02040503050406030204" pitchFamily="18" charset="0"/>
+                                                    <a:ea typeface="Cambria Math" panose="02040503050406030204" pitchFamily="18" charset="0"/>
+                                                  </a:rPr>
+                                                  <m:t>0</m:t>
+                                                </m:r>
+                                              </m:sub>
+                                            </m:sSub>
+                                            <m:r>
+                                              <a:rPr lang="fr-CA" i="1">
+                                                <a:latin typeface="Cambria Math" panose="02040503050406030204" pitchFamily="18" charset="0"/>
+                                                <a:ea typeface="Cambria Math" panose="02040503050406030204" pitchFamily="18" charset="0"/>
+                                              </a:rPr>
+                                              <m:t>)</m:t>
+                                            </m:r>
+                                          </m:e>
+                                          <m:sup>
+                                            <m:r>
+                                              <a:rPr lang="fr-CA" b="0" i="1" smtClean="0">
+                                                <a:latin typeface="Cambria Math" panose="02040503050406030204" pitchFamily="18" charset="0"/>
+                                                <a:ea typeface="Cambria Math" panose="02040503050406030204" pitchFamily="18" charset="0"/>
+                                              </a:rPr>
+                                              <m:t>2</m:t>
+                                            </m:r>
+                                          </m:sup>
+                                        </m:sSup>
+                                        <m:r>
+                                          <a:rPr lang="fr-CA" b="0" i="1" smtClean="0">
+                                            <a:latin typeface="Cambria Math" panose="02040503050406030204" pitchFamily="18" charset="0"/>
+                                            <a:ea typeface="Cambria Math" panose="02040503050406030204" pitchFamily="18" charset="0"/>
+                                          </a:rPr>
+                                          <m:t>+</m:t>
+                                        </m:r>
+                                        <m:sSup>
+                                          <m:sSupPr>
+                                            <m:ctrlPr>
+                                              <a:rPr lang="fr-CA" i="1">
+                                                <a:latin typeface="Cambria Math" panose="02040503050406030204" pitchFamily="18" charset="0"/>
+                                                <a:ea typeface="Cambria Math" panose="02040503050406030204" pitchFamily="18" charset="0"/>
+                                              </a:rPr>
+                                            </m:ctrlPr>
+                                          </m:sSupPr>
+                                          <m:e>
+                                            <m:r>
+                                              <a:rPr lang="fr-CA" i="1">
+                                                <a:latin typeface="Cambria Math" panose="02040503050406030204" pitchFamily="18" charset="0"/>
+                                                <a:ea typeface="Cambria Math" panose="02040503050406030204" pitchFamily="18" charset="0"/>
+                                              </a:rPr>
+                                              <m:t>(</m:t>
+                                            </m:r>
+                                            <m:r>
+                                              <a:rPr lang="fr-CA" i="1">
+                                                <a:latin typeface="Cambria Math" panose="02040503050406030204" pitchFamily="18" charset="0"/>
+                                                <a:ea typeface="Cambria Math" panose="02040503050406030204" pitchFamily="18" charset="0"/>
+                                              </a:rPr>
+                                              <m:t>𝑥</m:t>
+                                            </m:r>
+                                            <m:r>
+                                              <a:rPr lang="fr-CA" i="1">
+                                                <a:latin typeface="Cambria Math" panose="02040503050406030204" pitchFamily="18" charset="0"/>
+                                                <a:ea typeface="Cambria Math" panose="02040503050406030204" pitchFamily="18" charset="0"/>
+                                              </a:rPr>
+                                              <m:t>−</m:t>
+                                            </m:r>
+                                            <m:sSub>
+                                              <m:sSubPr>
+                                                <m:ctrlPr>
+                                                  <a:rPr lang="fr-CA" i="1">
+                                                    <a:latin typeface="Cambria Math" panose="02040503050406030204" pitchFamily="18" charset="0"/>
+                                                    <a:ea typeface="Cambria Math" panose="02040503050406030204" pitchFamily="18" charset="0"/>
+                                                  </a:rPr>
+                                                </m:ctrlPr>
+                                              </m:sSubPr>
+                                              <m:e>
+                                                <m:r>
+                                                  <a:rPr lang="fr-CA" b="0" i="1" smtClean="0">
+                                                    <a:latin typeface="Cambria Math" panose="02040503050406030204" pitchFamily="18" charset="0"/>
+                                                    <a:ea typeface="Cambria Math" panose="02040503050406030204" pitchFamily="18" charset="0"/>
+                                                  </a:rPr>
+                                                  <m:t>𝑦</m:t>
+                                                </m:r>
+                                              </m:e>
+                                              <m:sub>
+                                                <m:r>
+                                                  <a:rPr lang="fr-CA" i="1">
+                                                    <a:latin typeface="Cambria Math" panose="02040503050406030204" pitchFamily="18" charset="0"/>
+                                                    <a:ea typeface="Cambria Math" panose="02040503050406030204" pitchFamily="18" charset="0"/>
+                                                  </a:rPr>
+                                                  <m:t>0</m:t>
+                                                </m:r>
+                                              </m:sub>
+                                            </m:sSub>
+                                            <m:r>
+                                              <a:rPr lang="fr-CA" i="1">
+                                                <a:latin typeface="Cambria Math" panose="02040503050406030204" pitchFamily="18" charset="0"/>
+                                                <a:ea typeface="Cambria Math" panose="02040503050406030204" pitchFamily="18" charset="0"/>
+                                              </a:rPr>
+                                              <m:t>)</m:t>
+                                            </m:r>
+                                          </m:e>
+                                          <m:sup>
+                                            <m:r>
+                                              <a:rPr lang="fr-CA" i="1">
+                                                <a:latin typeface="Cambria Math" panose="02040503050406030204" pitchFamily="18" charset="0"/>
+                                                <a:ea typeface="Cambria Math" panose="02040503050406030204" pitchFamily="18" charset="0"/>
+                                              </a:rPr>
+                                              <m:t>2</m:t>
+                                            </m:r>
+                                          </m:sup>
+                                        </m:sSup>
+                                      </m:e>
+                                    </m:rad>
+                                  </m:num>
+                                  <m:den>
+                                    <m:r>
+                                      <a:rPr lang="fr-CA" b="0" i="1" smtClean="0">
+                                        <a:latin typeface="Cambria Math" panose="02040503050406030204" pitchFamily="18" charset="0"/>
+                                      </a:rPr>
+                                      <m:t>𝑐</m:t>
+                                    </m:r>
+                                  </m:den>
+                                </m:f>
+                              </m:e>
+                            </m:d>
+                          </m:num>
+                          <m:den>
+                            <m:rad>
+                              <m:radPr>
+                                <m:degHide m:val="on"/>
+                                <m:ctrlPr>
+                                  <a:rPr lang="fr-CA" i="1">
+                                    <a:latin typeface="Cambria Math" panose="02040503050406030204" pitchFamily="18" charset="0"/>
+                                    <a:ea typeface="Cambria Math" panose="02040503050406030204" pitchFamily="18" charset="0"/>
+                                  </a:rPr>
+                                </m:ctrlPr>
+                              </m:radPr>
+                              <m:deg/>
+                              <m:e>
+                                <m:sSup>
+                                  <m:sSupPr>
+                                    <m:ctrlPr>
+                                      <a:rPr lang="fr-CA" i="1">
+                                        <a:latin typeface="Cambria Math" panose="02040503050406030204" pitchFamily="18" charset="0"/>
+                                        <a:ea typeface="Cambria Math" panose="02040503050406030204" pitchFamily="18" charset="0"/>
+                                      </a:rPr>
+                                    </m:ctrlPr>
+                                  </m:sSupPr>
+                                  <m:e>
+                                    <m:r>
+                                      <a:rPr lang="fr-CA" i="1">
+                                        <a:latin typeface="Cambria Math" panose="02040503050406030204" pitchFamily="18" charset="0"/>
+                                        <a:ea typeface="Cambria Math" panose="02040503050406030204" pitchFamily="18" charset="0"/>
+                                      </a:rPr>
+                                      <m:t>(</m:t>
+                                    </m:r>
+                                    <m:r>
+                                      <a:rPr lang="fr-CA" i="1">
+                                        <a:latin typeface="Cambria Math" panose="02040503050406030204" pitchFamily="18" charset="0"/>
+                                        <a:ea typeface="Cambria Math" panose="02040503050406030204" pitchFamily="18" charset="0"/>
+                                      </a:rPr>
+                                      <m:t>𝑥</m:t>
+                                    </m:r>
+                                    <m:r>
+                                      <a:rPr lang="fr-CA" i="1">
+                                        <a:latin typeface="Cambria Math" panose="02040503050406030204" pitchFamily="18" charset="0"/>
+                                        <a:ea typeface="Cambria Math" panose="02040503050406030204" pitchFamily="18" charset="0"/>
+                                      </a:rPr>
+                                      <m:t>−</m:t>
+                                    </m:r>
+                                    <m:sSub>
+                                      <m:sSubPr>
+                                        <m:ctrlPr>
+                                          <a:rPr lang="fr-CA" i="1">
+                                            <a:latin typeface="Cambria Math" panose="02040503050406030204" pitchFamily="18" charset="0"/>
+                                            <a:ea typeface="Cambria Math" panose="02040503050406030204" pitchFamily="18" charset="0"/>
+                                          </a:rPr>
+                                        </m:ctrlPr>
+                                      </m:sSubPr>
+                                      <m:e>
+                                        <m:r>
+                                          <a:rPr lang="fr-CA" i="1">
+                                            <a:latin typeface="Cambria Math" panose="02040503050406030204" pitchFamily="18" charset="0"/>
+                                            <a:ea typeface="Cambria Math" panose="02040503050406030204" pitchFamily="18" charset="0"/>
+                                          </a:rPr>
+                                          <m:t>𝑥</m:t>
+                                        </m:r>
+                                      </m:e>
+                                      <m:sub>
+                                        <m:r>
+                                          <a:rPr lang="fr-CA" i="1">
+                                            <a:latin typeface="Cambria Math" panose="02040503050406030204" pitchFamily="18" charset="0"/>
+                                            <a:ea typeface="Cambria Math" panose="02040503050406030204" pitchFamily="18" charset="0"/>
+                                          </a:rPr>
+                                          <m:t>0</m:t>
+                                        </m:r>
+                                      </m:sub>
+                                    </m:sSub>
+                                    <m:r>
+                                      <a:rPr lang="fr-CA" i="1">
+                                        <a:latin typeface="Cambria Math" panose="02040503050406030204" pitchFamily="18" charset="0"/>
+                                        <a:ea typeface="Cambria Math" panose="02040503050406030204" pitchFamily="18" charset="0"/>
+                                      </a:rPr>
+                                      <m:t>)</m:t>
+                                    </m:r>
+                                  </m:e>
+                                  <m:sup>
+                                    <m:r>
+                                      <a:rPr lang="fr-CA" i="1">
+                                        <a:latin typeface="Cambria Math" panose="02040503050406030204" pitchFamily="18" charset="0"/>
+                                        <a:ea typeface="Cambria Math" panose="02040503050406030204" pitchFamily="18" charset="0"/>
+                                      </a:rPr>
+                                      <m:t>2</m:t>
+                                    </m:r>
+                                  </m:sup>
+                                </m:sSup>
+                                <m:r>
+                                  <a:rPr lang="fr-CA" i="1">
+                                    <a:latin typeface="Cambria Math" panose="02040503050406030204" pitchFamily="18" charset="0"/>
+                                    <a:ea typeface="Cambria Math" panose="02040503050406030204" pitchFamily="18" charset="0"/>
+                                  </a:rPr>
+                                  <m:t>+</m:t>
+                                </m:r>
+                                <m:sSup>
+                                  <m:sSupPr>
+                                    <m:ctrlPr>
+                                      <a:rPr lang="fr-CA" i="1">
+                                        <a:latin typeface="Cambria Math" panose="02040503050406030204" pitchFamily="18" charset="0"/>
+                                        <a:ea typeface="Cambria Math" panose="02040503050406030204" pitchFamily="18" charset="0"/>
+                                      </a:rPr>
+                                    </m:ctrlPr>
+                                  </m:sSupPr>
+                                  <m:e>
+                                    <m:r>
+                                      <a:rPr lang="fr-CA" i="1">
+                                        <a:latin typeface="Cambria Math" panose="02040503050406030204" pitchFamily="18" charset="0"/>
+                                        <a:ea typeface="Cambria Math" panose="02040503050406030204" pitchFamily="18" charset="0"/>
+                                      </a:rPr>
+                                      <m:t>(</m:t>
+                                    </m:r>
+                                    <m:r>
+                                      <a:rPr lang="fr-CA" i="1">
+                                        <a:latin typeface="Cambria Math" panose="02040503050406030204" pitchFamily="18" charset="0"/>
+                                        <a:ea typeface="Cambria Math" panose="02040503050406030204" pitchFamily="18" charset="0"/>
+                                      </a:rPr>
+                                      <m:t>𝑥</m:t>
+                                    </m:r>
+                                    <m:r>
+                                      <a:rPr lang="fr-CA" i="1">
+                                        <a:latin typeface="Cambria Math" panose="02040503050406030204" pitchFamily="18" charset="0"/>
+                                        <a:ea typeface="Cambria Math" panose="02040503050406030204" pitchFamily="18" charset="0"/>
+                                      </a:rPr>
+                                      <m:t>−</m:t>
+                                    </m:r>
+                                    <m:sSub>
+                                      <m:sSubPr>
+                                        <m:ctrlPr>
+                                          <a:rPr lang="fr-CA" i="1">
+                                            <a:latin typeface="Cambria Math" panose="02040503050406030204" pitchFamily="18" charset="0"/>
+                                            <a:ea typeface="Cambria Math" panose="02040503050406030204" pitchFamily="18" charset="0"/>
+                                          </a:rPr>
+                                        </m:ctrlPr>
+                                      </m:sSubPr>
+                                      <m:e>
+                                        <m:r>
+                                          <a:rPr lang="fr-CA" i="1">
+                                            <a:latin typeface="Cambria Math" panose="02040503050406030204" pitchFamily="18" charset="0"/>
+                                            <a:ea typeface="Cambria Math" panose="02040503050406030204" pitchFamily="18" charset="0"/>
+                                          </a:rPr>
+                                          <m:t>𝑦</m:t>
+                                        </m:r>
+                                      </m:e>
+                                      <m:sub>
+                                        <m:r>
+                                          <a:rPr lang="fr-CA" i="1">
+                                            <a:latin typeface="Cambria Math" panose="02040503050406030204" pitchFamily="18" charset="0"/>
+                                            <a:ea typeface="Cambria Math" panose="02040503050406030204" pitchFamily="18" charset="0"/>
+                                          </a:rPr>
+                                          <m:t>0</m:t>
+                                        </m:r>
+                                      </m:sub>
+                                    </m:sSub>
+                                    <m:r>
+                                      <a:rPr lang="fr-CA" i="1">
+                                        <a:latin typeface="Cambria Math" panose="02040503050406030204" pitchFamily="18" charset="0"/>
+                                        <a:ea typeface="Cambria Math" panose="02040503050406030204" pitchFamily="18" charset="0"/>
+                                      </a:rPr>
+                                      <m:t>)</m:t>
+                                    </m:r>
+                                  </m:e>
+                                  <m:sup>
+                                    <m:r>
+                                      <a:rPr lang="fr-CA" i="1">
+                                        <a:latin typeface="Cambria Math" panose="02040503050406030204" pitchFamily="18" charset="0"/>
+                                        <a:ea typeface="Cambria Math" panose="02040503050406030204" pitchFamily="18" charset="0"/>
+                                      </a:rPr>
+                                      <m:t>2</m:t>
+                                    </m:r>
+                                  </m:sup>
+                                </m:sSup>
+                              </m:e>
+                            </m:rad>
+                          </m:den>
+                        </m:f>
+                      </m:oMath>
+                    </m:oMathPara>
+                  </a14:m>
+                  <a:endParaRPr lang="fr-CA" dirty="0"/>
+                </a:p>
+              </p:txBody>
+            </p:sp>
+          </mc:Choice>
+          <mc:Fallback>
+            <p:sp>
+              <p:nvSpPr>
+                <p:cNvPr id="4" name="ZoneTexte 3">
+                  <a:extLst>
+                    <a:ext uri="{FF2B5EF4-FFF2-40B4-BE49-F238E27FC236}">
+                      <a16:creationId xmlns:a16="http://schemas.microsoft.com/office/drawing/2014/main" id="{CA459B59-2C36-4681-B2B9-A510B84E80BC}"/>
+                    </a:ext>
+                  </a:extLst>
+                </p:cNvPr>
+                <p:cNvSpPr txBox="1">
+                  <a:spLocks noRot="1" noChangeAspect="1" noMove="1" noResize="1" noEditPoints="1" noAdjustHandles="1" noChangeArrowheads="1" noChangeShapeType="1" noTextEdit="1"/>
+                </p:cNvSpPr>
+                <p:nvPr/>
+              </p:nvSpPr>
+              <p:spPr>
+                <a:xfrm>
+                  <a:off x="455643" y="2331767"/>
+                  <a:ext cx="4118755" cy="917046"/>
+                </a:xfrm>
+                <a:prstGeom prst="rect">
+                  <a:avLst/>
+                </a:prstGeom>
+                <a:blipFill>
+                  <a:blip r:embed="rId2"/>
+                  <a:stretch>
+                    <a:fillRect/>
+                  </a:stretch>
+                </a:blipFill>
+              </p:spPr>
+              <p:txBody>
+                <a:bodyPr/>
+                <a:lstStyle/>
+                <a:p>
+                  <a:r>
+                    <a:rPr lang="fr-CA">
+                      <a:noFill/>
+                    </a:rPr>
+                    <a:t> </a:t>
+                  </a:r>
+                </a:p>
+              </p:txBody>
+            </p:sp>
+          </mc:Fallback>
+        </mc:AlternateContent>
+        <p:sp>
+          <p:nvSpPr>
+            <p:cNvPr id="6" name="ZoneTexte 5">
+              <a:extLst>
+                <a:ext uri="{FF2B5EF4-FFF2-40B4-BE49-F238E27FC236}">
+                  <a16:creationId xmlns:a16="http://schemas.microsoft.com/office/drawing/2014/main" id="{D32AF9FD-2DC7-44B8-91AC-CCFF2611E9E6}"/>
+                </a:ext>
+              </a:extLst>
+            </p:cNvPr>
+            <p:cNvSpPr txBox="1"/>
+            <p:nvPr/>
+          </p:nvSpPr>
+          <p:spPr>
+            <a:xfrm>
+              <a:off x="4678901" y="2689255"/>
+              <a:ext cx="633507" cy="369332"/>
+            </a:xfrm>
+            <a:prstGeom prst="rect">
+              <a:avLst/>
+            </a:prstGeom>
+            <a:noFill/>
+          </p:spPr>
+          <p:txBody>
+            <a:bodyPr wrap="none" rtlCol="0">
+              <a:spAutoFit/>
+            </a:bodyPr>
+            <a:lstStyle/>
+            <a:p>
+              <a:r>
+                <a:rPr lang="fr-CA" dirty="0">
+                  <a:latin typeface="Cambria Math" panose="02040503050406030204" pitchFamily="18" charset="0"/>
+                  <a:ea typeface="Cambria Math" panose="02040503050406030204" pitchFamily="18" charset="0"/>
+                </a:rPr>
+                <a:t>(11)</a:t>
+              </a:r>
+            </a:p>
+          </p:txBody>
+        </p:sp>
+      </p:grpSp>
+      <p:sp>
+        <p:nvSpPr>
+          <p:cNvPr id="5" name="ZoneTexte 4">
+            <a:extLst>
+              <a:ext uri="{FF2B5EF4-FFF2-40B4-BE49-F238E27FC236}">
+                <a16:creationId xmlns:a16="http://schemas.microsoft.com/office/drawing/2014/main" id="{601A9E93-9762-41B8-8D84-E11CB3E48E17}"/>
+              </a:ext>
+            </a:extLst>
+          </p:cNvPr>
+          <p:cNvSpPr txBox="1"/>
+          <p:nvPr/>
+        </p:nvSpPr>
+        <p:spPr>
+          <a:xfrm>
+            <a:off x="6705114" y="2008601"/>
+            <a:ext cx="3643618" cy="646331"/>
+          </a:xfrm>
+          <a:prstGeom prst="rect">
+            <a:avLst/>
+          </a:prstGeom>
+          <a:noFill/>
+        </p:spPr>
+        <p:txBody>
+          <a:bodyPr wrap="square" rtlCol="0">
+            <a:spAutoFit/>
+          </a:bodyPr>
+          <a:lstStyle/>
+          <a:p>
+            <a:r>
+              <a:rPr lang="fr-CA" dirty="0">
+                <a:highlight>
+                  <a:srgbClr val="FFFF00"/>
+                </a:highlight>
+              </a:rPr>
+              <a:t>\input{Image de l’onde cylindrique tout seul}</a:t>
+            </a:r>
+          </a:p>
+        </p:txBody>
+      </p:sp>
+      <p:sp>
+        <p:nvSpPr>
+          <p:cNvPr id="9" name="ZoneTexte 8">
+            <a:extLst>
+              <a:ext uri="{FF2B5EF4-FFF2-40B4-BE49-F238E27FC236}">
+                <a16:creationId xmlns:a16="http://schemas.microsoft.com/office/drawing/2014/main" id="{88FD92EC-53FA-4FE2-B718-D653C5E52930}"/>
+              </a:ext>
+            </a:extLst>
+          </p:cNvPr>
+          <p:cNvSpPr txBox="1"/>
+          <p:nvPr/>
+        </p:nvSpPr>
+        <p:spPr>
+          <a:xfrm>
+            <a:off x="455643" y="3602904"/>
+            <a:ext cx="7480343" cy="1200329"/>
+          </a:xfrm>
+          <a:prstGeom prst="rect">
+            <a:avLst/>
+          </a:prstGeom>
+          <a:noFill/>
+        </p:spPr>
+        <p:txBody>
+          <a:bodyPr wrap="square" rtlCol="0">
+            <a:spAutoFit/>
+          </a:bodyPr>
+          <a:lstStyle/>
+          <a:p>
+            <a:r>
+              <a:rPr lang="fr-CA" dirty="0"/>
+              <a:t>Comme conditions frontières aux limites de la simulation, des couches absorbantes </a:t>
+            </a:r>
+            <a:r>
+              <a:rPr lang="fr-CA" i="1" dirty="0"/>
+              <a:t>PML</a:t>
+            </a:r>
+            <a:r>
+              <a:rPr lang="fr-CA" dirty="0"/>
+              <a:t> sont intégrées. La solution de l’équation d’onde est présenté à l’équation (12). Sa valeur diminuera exponentiellement à l’entrée de la couche absorbante (13).</a:t>
+            </a:r>
+          </a:p>
+        </p:txBody>
+      </p:sp>
+      <p:sp>
+        <p:nvSpPr>
+          <p:cNvPr id="8" name="ZoneTexte 7">
+            <a:extLst>
+              <a:ext uri="{FF2B5EF4-FFF2-40B4-BE49-F238E27FC236}">
+                <a16:creationId xmlns:a16="http://schemas.microsoft.com/office/drawing/2014/main" id="{6B39B7D2-50E4-49AE-B3A2-C4700DDC3E1A}"/>
+              </a:ext>
+            </a:extLst>
+          </p:cNvPr>
+          <p:cNvSpPr txBox="1"/>
+          <p:nvPr/>
+        </p:nvSpPr>
+        <p:spPr>
+          <a:xfrm>
+            <a:off x="8689560" y="6300132"/>
+            <a:ext cx="3318344" cy="369332"/>
+          </a:xfrm>
+          <a:prstGeom prst="rect">
+            <a:avLst/>
+          </a:prstGeom>
+          <a:noFill/>
+        </p:spPr>
+        <p:txBody>
+          <a:bodyPr wrap="none" rtlCol="0">
+            <a:spAutoFit/>
+          </a:bodyPr>
+          <a:lstStyle/>
+          <a:p>
+            <a:r>
+              <a:rPr lang="fr-CA" dirty="0"/>
+              <a:t>PML : </a:t>
+            </a:r>
+            <a:r>
+              <a:rPr lang="fr-CA" dirty="0" err="1"/>
+              <a:t>Perfectly</a:t>
+            </a:r>
+            <a:r>
+              <a:rPr lang="fr-CA" dirty="0"/>
+              <a:t> </a:t>
+            </a:r>
+            <a:r>
+              <a:rPr lang="fr-CA" dirty="0" err="1"/>
+              <a:t>Matched</a:t>
+            </a:r>
+            <a:r>
+              <a:rPr lang="fr-CA" dirty="0"/>
+              <a:t> Layer</a:t>
+            </a:r>
+          </a:p>
+        </p:txBody>
+      </p:sp>
+      <p:grpSp>
+        <p:nvGrpSpPr>
+          <p:cNvPr id="17" name="Groupe 16">
+            <a:extLst>
+              <a:ext uri="{FF2B5EF4-FFF2-40B4-BE49-F238E27FC236}">
+                <a16:creationId xmlns:a16="http://schemas.microsoft.com/office/drawing/2014/main" id="{B281D58F-6984-4114-82FD-6C872C97AFC4}"/>
+              </a:ext>
+            </a:extLst>
+          </p:cNvPr>
+          <p:cNvGrpSpPr/>
+          <p:nvPr/>
+        </p:nvGrpSpPr>
+        <p:grpSpPr>
+          <a:xfrm>
+            <a:off x="455643" y="5137248"/>
+            <a:ext cx="3214598" cy="733534"/>
+            <a:chOff x="455643" y="5137248"/>
+            <a:chExt cx="3214598" cy="733534"/>
+          </a:xfrm>
+        </p:grpSpPr>
+        <mc:AlternateContent xmlns:mc="http://schemas.openxmlformats.org/markup-compatibility/2006">
+          <mc:Choice xmlns:a14="http://schemas.microsoft.com/office/drawing/2010/main" Requires="a14">
+            <p:sp>
+              <p:nvSpPr>
+                <p:cNvPr id="10" name="ZoneTexte 9">
+                  <a:extLst>
+                    <a:ext uri="{FF2B5EF4-FFF2-40B4-BE49-F238E27FC236}">
+                      <a16:creationId xmlns:a16="http://schemas.microsoft.com/office/drawing/2014/main" id="{67E76AD1-3256-4D51-8DB3-937AAC43163C}"/>
+                    </a:ext>
+                  </a:extLst>
+                </p:cNvPr>
+                <p:cNvSpPr txBox="1"/>
+                <p:nvPr/>
+              </p:nvSpPr>
+              <p:spPr>
+                <a:xfrm>
+                  <a:off x="455643" y="5137248"/>
+                  <a:ext cx="2581091" cy="733534"/>
+                </a:xfrm>
+                <a:prstGeom prst="rect">
+                  <a:avLst/>
+                </a:prstGeom>
+                <a:noFill/>
+              </p:spPr>
+              <p:txBody>
+                <a:bodyPr wrap="none" lIns="0" tIns="0" rIns="0" bIns="0" rtlCol="0">
+                  <a:spAutoFit/>
+                </a:bodyPr>
+                <a:lstStyle/>
+                <a:p>
+                  <a14:m>
+                    <m:oMathPara xmlns:m="http://schemas.openxmlformats.org/officeDocument/2006/math">
+                      <m:oMathParaPr>
+                        <m:jc m:val="centerGroup"/>
+                      </m:oMathParaPr>
+                      <m:oMath xmlns:m="http://schemas.openxmlformats.org/officeDocument/2006/math">
+                        <m:r>
+                          <a:rPr lang="fr-CA" b="0" i="1" smtClean="0">
+                            <a:latin typeface="Cambria Math" panose="02040503050406030204" pitchFamily="18" charset="0"/>
+                          </a:rPr>
+                          <m:t>𝑝</m:t>
+                        </m:r>
+                        <m:d>
+                          <m:dPr>
+                            <m:ctrlPr>
+                              <a:rPr lang="fr-CA" b="0" i="1" smtClean="0">
+                                <a:latin typeface="Cambria Math" panose="02040503050406030204" pitchFamily="18" charset="0"/>
+                              </a:rPr>
+                            </m:ctrlPr>
+                          </m:dPr>
+                          <m:e>
+                            <m:acc>
+                              <m:accPr>
+                                <m:chr m:val="⃗"/>
+                                <m:ctrlPr>
+                                  <a:rPr lang="fr-CA" b="0" i="1" smtClean="0">
+                                    <a:latin typeface="Cambria Math" panose="02040503050406030204" pitchFamily="18" charset="0"/>
+                                  </a:rPr>
+                                </m:ctrlPr>
+                              </m:accPr>
+                              <m:e>
+                                <m:r>
+                                  <a:rPr lang="fr-CA" b="0" i="1" smtClean="0">
+                                    <a:latin typeface="Cambria Math" panose="02040503050406030204" pitchFamily="18" charset="0"/>
+                                  </a:rPr>
+                                  <m:t>𝑟</m:t>
+                                </m:r>
+                              </m:e>
+                            </m:acc>
+                            <m:r>
+                              <a:rPr lang="fr-CA" b="0" i="1" smtClean="0">
+                                <a:latin typeface="Cambria Math" panose="02040503050406030204" pitchFamily="18" charset="0"/>
+                              </a:rPr>
+                              <m:t>,</m:t>
+                            </m:r>
+                            <m:r>
+                              <a:rPr lang="fr-CA" b="0" i="1" smtClean="0">
+                                <a:latin typeface="Cambria Math" panose="02040503050406030204" pitchFamily="18" charset="0"/>
+                              </a:rPr>
+                              <m:t>𝑡</m:t>
+                            </m:r>
+                          </m:e>
+                        </m:d>
+                        <m:r>
+                          <a:rPr lang="fr-CA" b="0" i="1" smtClean="0">
+                            <a:latin typeface="Cambria Math" panose="02040503050406030204" pitchFamily="18" charset="0"/>
+                          </a:rPr>
+                          <m:t>=</m:t>
+                        </m:r>
+                        <m:nary>
+                          <m:naryPr>
+                            <m:chr m:val="∑"/>
+                            <m:supHide m:val="on"/>
+                            <m:ctrlPr>
+                              <a:rPr lang="fr-CA" b="0" i="1" smtClean="0">
+                                <a:latin typeface="Cambria Math" panose="02040503050406030204" pitchFamily="18" charset="0"/>
+                              </a:rPr>
+                            </m:ctrlPr>
+                          </m:naryPr>
+                          <m:sub>
+                            <m:acc>
+                              <m:accPr>
+                                <m:chr m:val="⃗"/>
+                                <m:ctrlPr>
+                                  <a:rPr lang="fr-CA" b="0" i="1" smtClean="0">
+                                    <a:latin typeface="Cambria Math" panose="02040503050406030204" pitchFamily="18" charset="0"/>
+                                  </a:rPr>
+                                </m:ctrlPr>
+                              </m:accPr>
+                              <m:e>
+                                <m:r>
+                                  <a:rPr lang="fr-CA" b="0" i="1" smtClean="0">
+                                    <a:latin typeface="Cambria Math" panose="02040503050406030204" pitchFamily="18" charset="0"/>
+                                  </a:rPr>
+                                  <m:t>𝑘</m:t>
+                                </m:r>
+                              </m:e>
+                            </m:acc>
+                            <m:r>
+                              <a:rPr lang="fr-CA" b="0" i="1" smtClean="0">
+                                <a:latin typeface="Cambria Math" panose="02040503050406030204" pitchFamily="18" charset="0"/>
+                              </a:rPr>
+                              <m:t>,</m:t>
+                            </m:r>
+                            <m:r>
+                              <a:rPr lang="fr-CA" b="0" i="1" smtClean="0">
+                                <a:latin typeface="Cambria Math" panose="02040503050406030204" pitchFamily="18" charset="0"/>
+                                <a:ea typeface="Cambria Math" panose="02040503050406030204" pitchFamily="18" charset="0"/>
+                              </a:rPr>
+                              <m:t>𝜔</m:t>
+                            </m:r>
+                          </m:sub>
+                          <m:sup/>
+                          <m:e>
+                            <m:sSub>
+                              <m:sSubPr>
+                                <m:ctrlPr>
+                                  <a:rPr lang="fr-CA" b="0" i="1" smtClean="0">
+                                    <a:latin typeface="Cambria Math" panose="02040503050406030204" pitchFamily="18" charset="0"/>
+                                  </a:rPr>
+                                </m:ctrlPr>
+                              </m:sSubPr>
+                              <m:e>
+                                <m:r>
+                                  <a:rPr lang="fr-CA" b="0" i="1" smtClean="0">
+                                    <a:latin typeface="Cambria Math" panose="02040503050406030204" pitchFamily="18" charset="0"/>
+                                  </a:rPr>
+                                  <m:t>𝑃</m:t>
+                                </m:r>
+                              </m:e>
+                              <m:sub>
+                                <m:acc>
+                                  <m:accPr>
+                                    <m:chr m:val="⃗"/>
+                                    <m:ctrlPr>
+                                      <a:rPr lang="fr-CA" i="1">
+                                        <a:latin typeface="Cambria Math" panose="02040503050406030204" pitchFamily="18" charset="0"/>
+                                      </a:rPr>
+                                    </m:ctrlPr>
+                                  </m:accPr>
+                                  <m:e>
+                                    <m:r>
+                                      <a:rPr lang="fr-CA" i="1">
+                                        <a:latin typeface="Cambria Math" panose="02040503050406030204" pitchFamily="18" charset="0"/>
+                                      </a:rPr>
+                                      <m:t>𝑘</m:t>
+                                    </m:r>
+                                  </m:e>
+                                </m:acc>
+                                <m:r>
+                                  <a:rPr lang="fr-CA" b="0" i="1" smtClean="0">
+                                    <a:latin typeface="Cambria Math" panose="02040503050406030204" pitchFamily="18" charset="0"/>
+                                  </a:rPr>
+                                  <m:t>,</m:t>
+                                </m:r>
+                                <m:r>
+                                  <a:rPr lang="fr-CA" b="0" i="1" smtClean="0">
+                                    <a:latin typeface="Cambria Math" panose="02040503050406030204" pitchFamily="18" charset="0"/>
+                                  </a:rPr>
+                                  <m:t>𝑡</m:t>
+                                </m:r>
+                              </m:sub>
+                            </m:sSub>
+                            <m:sSup>
+                              <m:sSupPr>
+                                <m:ctrlPr>
+                                  <a:rPr lang="fr-CA" b="0" i="1" smtClean="0">
+                                    <a:latin typeface="Cambria Math" panose="02040503050406030204" pitchFamily="18" charset="0"/>
+                                  </a:rPr>
+                                </m:ctrlPr>
+                              </m:sSupPr>
+                              <m:e>
+                                <m:r>
+                                  <a:rPr lang="fr-CA" b="0" i="1" smtClean="0">
+                                    <a:latin typeface="Cambria Math" panose="02040503050406030204" pitchFamily="18" charset="0"/>
+                                  </a:rPr>
+                                  <m:t>𝑒</m:t>
+                                </m:r>
+                              </m:e>
+                              <m:sup>
+                                <m:r>
+                                  <a:rPr lang="fr-CA" b="0" i="1" smtClean="0">
+                                    <a:latin typeface="Cambria Math" panose="02040503050406030204" pitchFamily="18" charset="0"/>
+                                  </a:rPr>
+                                  <m:t>𝑖</m:t>
+                                </m:r>
+                                <m:r>
+                                  <a:rPr lang="fr-CA" b="0" i="1" smtClean="0">
+                                    <a:latin typeface="Cambria Math" panose="02040503050406030204" pitchFamily="18" charset="0"/>
+                                  </a:rPr>
+                                  <m:t>(</m:t>
+                                </m:r>
+                                <m:acc>
+                                  <m:accPr>
+                                    <m:chr m:val="⃗"/>
+                                    <m:ctrlPr>
+                                      <a:rPr lang="fr-CA" b="0" i="1" smtClean="0">
+                                        <a:latin typeface="Cambria Math" panose="02040503050406030204" pitchFamily="18" charset="0"/>
+                                      </a:rPr>
+                                    </m:ctrlPr>
+                                  </m:accPr>
+                                  <m:e>
+                                    <m:r>
+                                      <a:rPr lang="fr-CA" b="0" i="1" smtClean="0">
+                                        <a:latin typeface="Cambria Math" panose="02040503050406030204" pitchFamily="18" charset="0"/>
+                                      </a:rPr>
+                                      <m:t>𝑘</m:t>
+                                    </m:r>
+                                  </m:e>
+                                </m:acc>
+                                <m:acc>
+                                  <m:accPr>
+                                    <m:chr m:val="⃗"/>
+                                    <m:ctrlPr>
+                                      <a:rPr lang="fr-CA" b="0" i="1" smtClean="0">
+                                        <a:latin typeface="Cambria Math" panose="02040503050406030204" pitchFamily="18" charset="0"/>
+                                      </a:rPr>
+                                    </m:ctrlPr>
+                                  </m:accPr>
+                                  <m:e>
+                                    <m:r>
+                                      <a:rPr lang="fr-CA" b="0" i="1" smtClean="0">
+                                        <a:latin typeface="Cambria Math" panose="02040503050406030204" pitchFamily="18" charset="0"/>
+                                      </a:rPr>
+                                      <m:t>𝑟</m:t>
+                                    </m:r>
+                                  </m:e>
+                                </m:acc>
+                                <m:r>
+                                  <a:rPr lang="fr-CA" b="0" i="1" smtClean="0">
+                                    <a:latin typeface="Cambria Math" panose="02040503050406030204" pitchFamily="18" charset="0"/>
+                                  </a:rPr>
+                                  <m:t>−</m:t>
+                                </m:r>
+                                <m:r>
+                                  <a:rPr lang="fr-CA" b="0" i="1" smtClean="0">
+                                    <a:latin typeface="Cambria Math" panose="02040503050406030204" pitchFamily="18" charset="0"/>
+                                    <a:ea typeface="Cambria Math" panose="02040503050406030204" pitchFamily="18" charset="0"/>
+                                  </a:rPr>
+                                  <m:t>𝜔</m:t>
+                                </m:r>
+                                <m:r>
+                                  <a:rPr lang="fr-CA" b="0" i="1" smtClean="0">
+                                    <a:latin typeface="Cambria Math" panose="02040503050406030204" pitchFamily="18" charset="0"/>
+                                    <a:ea typeface="Cambria Math" panose="02040503050406030204" pitchFamily="18" charset="0"/>
+                                  </a:rPr>
+                                  <m:t>𝑡</m:t>
+                                </m:r>
+                                <m:r>
+                                  <a:rPr lang="fr-CA" b="0" i="1" smtClean="0">
+                                    <a:latin typeface="Cambria Math" panose="02040503050406030204" pitchFamily="18" charset="0"/>
+                                    <a:ea typeface="Cambria Math" panose="02040503050406030204" pitchFamily="18" charset="0"/>
+                                  </a:rPr>
+                                  <m:t>)</m:t>
+                                </m:r>
+                              </m:sup>
+                            </m:sSup>
+                          </m:e>
+                        </m:nary>
+                      </m:oMath>
+                    </m:oMathPara>
+                  </a14:m>
+                  <a:endParaRPr lang="fr-CA" dirty="0"/>
+                </a:p>
+              </p:txBody>
+            </p:sp>
+          </mc:Choice>
+          <mc:Fallback>
+            <p:sp>
+              <p:nvSpPr>
+                <p:cNvPr id="10" name="ZoneTexte 9">
+                  <a:extLst>
+                    <a:ext uri="{FF2B5EF4-FFF2-40B4-BE49-F238E27FC236}">
+                      <a16:creationId xmlns:a16="http://schemas.microsoft.com/office/drawing/2014/main" id="{67E76AD1-3256-4D51-8DB3-937AAC43163C}"/>
+                    </a:ext>
+                  </a:extLst>
+                </p:cNvPr>
+                <p:cNvSpPr txBox="1">
+                  <a:spLocks noRot="1" noChangeAspect="1" noMove="1" noResize="1" noEditPoints="1" noAdjustHandles="1" noChangeArrowheads="1" noChangeShapeType="1" noTextEdit="1"/>
+                </p:cNvSpPr>
+                <p:nvPr/>
+              </p:nvSpPr>
+              <p:spPr>
+                <a:xfrm>
+                  <a:off x="455643" y="5137248"/>
+                  <a:ext cx="2581091" cy="733534"/>
+                </a:xfrm>
+                <a:prstGeom prst="rect">
+                  <a:avLst/>
+                </a:prstGeom>
+                <a:blipFill>
+                  <a:blip r:embed="rId3"/>
+                  <a:stretch>
+                    <a:fillRect/>
+                  </a:stretch>
+                </a:blipFill>
+              </p:spPr>
+              <p:txBody>
+                <a:bodyPr/>
+                <a:lstStyle/>
+                <a:p>
+                  <a:r>
+                    <a:rPr lang="fr-CA">
+                      <a:noFill/>
+                    </a:rPr>
+                    <a:t> </a:t>
+                  </a:r>
+                </a:p>
+              </p:txBody>
+            </p:sp>
+          </mc:Fallback>
+        </mc:AlternateContent>
+        <p:sp>
+          <p:nvSpPr>
+            <p:cNvPr id="15" name="ZoneTexte 14">
+              <a:extLst>
+                <a:ext uri="{FF2B5EF4-FFF2-40B4-BE49-F238E27FC236}">
+                  <a16:creationId xmlns:a16="http://schemas.microsoft.com/office/drawing/2014/main" id="{4F70FE0E-F6EE-4C25-86CC-98E703711DE2}"/>
+                </a:ext>
+              </a:extLst>
+            </p:cNvPr>
+            <p:cNvSpPr txBox="1"/>
+            <p:nvPr/>
+          </p:nvSpPr>
+          <p:spPr>
+            <a:xfrm>
+              <a:off x="3036734" y="5319349"/>
+              <a:ext cx="633507" cy="369332"/>
+            </a:xfrm>
+            <a:prstGeom prst="rect">
+              <a:avLst/>
+            </a:prstGeom>
+            <a:noFill/>
+          </p:spPr>
+          <p:txBody>
+            <a:bodyPr wrap="none" rtlCol="0">
+              <a:spAutoFit/>
+            </a:bodyPr>
+            <a:lstStyle/>
+            <a:p>
+              <a:r>
+                <a:rPr lang="fr-CA" dirty="0">
+                  <a:latin typeface="Cambria Math" panose="02040503050406030204" pitchFamily="18" charset="0"/>
+                  <a:ea typeface="Cambria Math" panose="02040503050406030204" pitchFamily="18" charset="0"/>
+                </a:rPr>
+                <a:t>(12)</a:t>
+              </a:r>
+            </a:p>
+          </p:txBody>
+        </p:sp>
+      </p:grpSp>
+      <p:grpSp>
+        <p:nvGrpSpPr>
+          <p:cNvPr id="13" name="Groupe 12">
+            <a:extLst>
+              <a:ext uri="{FF2B5EF4-FFF2-40B4-BE49-F238E27FC236}">
+                <a16:creationId xmlns:a16="http://schemas.microsoft.com/office/drawing/2014/main" id="{A3309B43-7516-4A80-99BA-293EE5C1B6FB}"/>
+              </a:ext>
+            </a:extLst>
+          </p:cNvPr>
+          <p:cNvGrpSpPr/>
+          <p:nvPr/>
+        </p:nvGrpSpPr>
+        <p:grpSpPr>
+          <a:xfrm>
+            <a:off x="4025995" y="5319349"/>
+            <a:ext cx="4454219" cy="369332"/>
+            <a:chOff x="4025995" y="5319349"/>
+            <a:chExt cx="4454219" cy="369332"/>
+          </a:xfrm>
+        </p:grpSpPr>
+        <mc:AlternateContent xmlns:mc="http://schemas.openxmlformats.org/markup-compatibility/2006">
+          <mc:Choice xmlns:a14="http://schemas.microsoft.com/office/drawing/2010/main" Requires="a14">
+            <p:sp>
+              <p:nvSpPr>
+                <p:cNvPr id="12" name="ZoneTexte 11">
+                  <a:extLst>
+                    <a:ext uri="{FF2B5EF4-FFF2-40B4-BE49-F238E27FC236}">
+                      <a16:creationId xmlns:a16="http://schemas.microsoft.com/office/drawing/2014/main" id="{4334F313-CD67-4EDF-8B92-A3C7498320DA}"/>
+                    </a:ext>
+                  </a:extLst>
+                </p:cNvPr>
+                <p:cNvSpPr txBox="1"/>
+                <p:nvPr/>
+              </p:nvSpPr>
+              <p:spPr>
+                <a:xfrm>
+                  <a:off x="4025995" y="5337256"/>
+                  <a:ext cx="3810146" cy="334515"/>
+                </a:xfrm>
+                <a:prstGeom prst="rect">
+                  <a:avLst/>
+                </a:prstGeom>
+                <a:noFill/>
+              </p:spPr>
+              <p:txBody>
+                <a:bodyPr wrap="none" lIns="0" tIns="0" rIns="0" bIns="0" rtlCol="0">
+                  <a:spAutoFit/>
+                </a:bodyPr>
+                <a:lstStyle/>
+                <a:p>
+                  <a14:m>
+                    <m:oMathPara xmlns:m="http://schemas.openxmlformats.org/officeDocument/2006/math">
+                      <m:oMathParaPr>
+                        <m:jc m:val="centerGroup"/>
+                      </m:oMathParaPr>
+                      <m:oMath xmlns:m="http://schemas.openxmlformats.org/officeDocument/2006/math">
+                        <m:sSup>
+                          <m:sSupPr>
+                            <m:ctrlPr>
+                              <a:rPr lang="fr-CA" i="1" smtClean="0">
+                                <a:latin typeface="Cambria Math" panose="02040503050406030204" pitchFamily="18" charset="0"/>
+                              </a:rPr>
+                            </m:ctrlPr>
+                          </m:sSupPr>
+                          <m:e>
+                            <m:r>
+                              <a:rPr lang="fr-CA" b="0" i="1" smtClean="0">
+                                <a:latin typeface="Cambria Math" panose="02040503050406030204" pitchFamily="18" charset="0"/>
+                              </a:rPr>
+                              <m:t>𝑒</m:t>
+                            </m:r>
+                          </m:e>
+                          <m:sup>
+                            <m:r>
+                              <a:rPr lang="fr-CA" b="0" i="1" smtClean="0">
+                                <a:latin typeface="Cambria Math" panose="02040503050406030204" pitchFamily="18" charset="0"/>
+                              </a:rPr>
+                              <m:t>𝑖</m:t>
+                            </m:r>
+                            <m:acc>
+                              <m:accPr>
+                                <m:chr m:val="⃗"/>
+                                <m:ctrlPr>
+                                  <a:rPr lang="fr-CA" i="1">
+                                    <a:latin typeface="Cambria Math" panose="02040503050406030204" pitchFamily="18" charset="0"/>
+                                  </a:rPr>
+                                </m:ctrlPr>
+                              </m:accPr>
+                              <m:e>
+                                <m:r>
+                                  <a:rPr lang="fr-CA" i="1">
+                                    <a:latin typeface="Cambria Math" panose="02040503050406030204" pitchFamily="18" charset="0"/>
+                                  </a:rPr>
+                                  <m:t>𝑘</m:t>
+                                </m:r>
+                              </m:e>
+                            </m:acc>
+                            <m:r>
+                              <a:rPr lang="fr-CA" b="0" i="1" smtClean="0">
+                                <a:latin typeface="Cambria Math" panose="02040503050406030204" pitchFamily="18" charset="0"/>
+                              </a:rPr>
+                              <m:t>(</m:t>
+                            </m:r>
+                            <m:r>
+                              <m:rPr>
+                                <m:sty m:val="p"/>
+                              </m:rPr>
+                              <a:rPr lang="fr-CA" b="0" i="0" smtClean="0">
+                                <a:latin typeface="Cambria Math" panose="02040503050406030204" pitchFamily="18" charset="0"/>
+                              </a:rPr>
+                              <m:t>Re</m:t>
+                            </m:r>
+                            <m:d>
+                              <m:dPr>
+                                <m:ctrlPr>
+                                  <a:rPr lang="fr-CA" b="0" i="1" smtClean="0">
+                                    <a:latin typeface="Cambria Math" panose="02040503050406030204" pitchFamily="18" charset="0"/>
+                                  </a:rPr>
+                                </m:ctrlPr>
+                              </m:dPr>
+                              <m:e>
+                                <m:acc>
+                                  <m:accPr>
+                                    <m:chr m:val="⃗"/>
+                                    <m:ctrlPr>
+                                      <a:rPr lang="fr-CA" i="1">
+                                        <a:latin typeface="Cambria Math" panose="02040503050406030204" pitchFamily="18" charset="0"/>
+                                      </a:rPr>
+                                    </m:ctrlPr>
+                                  </m:accPr>
+                                  <m:e>
+                                    <m:r>
+                                      <a:rPr lang="fr-CA" b="0" i="1" smtClean="0">
+                                        <a:latin typeface="Cambria Math" panose="02040503050406030204" pitchFamily="18" charset="0"/>
+                                      </a:rPr>
+                                      <m:t>𝑟</m:t>
+                                    </m:r>
+                                  </m:e>
+                                </m:acc>
+                              </m:e>
+                            </m:d>
+                            <m:r>
+                              <a:rPr lang="fr-CA" b="0" i="1" smtClean="0">
+                                <a:latin typeface="Cambria Math" panose="02040503050406030204" pitchFamily="18" charset="0"/>
+                              </a:rPr>
+                              <m:t>+</m:t>
+                            </m:r>
+                            <m:r>
+                              <a:rPr lang="fr-CA" b="0" i="1" smtClean="0">
+                                <a:latin typeface="Cambria Math" panose="02040503050406030204" pitchFamily="18" charset="0"/>
+                              </a:rPr>
+                              <m:t>𝑖</m:t>
+                            </m:r>
+                            <m:r>
+                              <m:rPr>
+                                <m:sty m:val="p"/>
+                              </m:rPr>
+                              <a:rPr lang="fr-CA" b="0" i="0" smtClean="0">
+                                <a:latin typeface="Cambria Math" panose="02040503050406030204" pitchFamily="18" charset="0"/>
+                              </a:rPr>
+                              <m:t>Im</m:t>
+                            </m:r>
+                            <m:d>
+                              <m:dPr>
+                                <m:ctrlPr>
+                                  <a:rPr lang="fr-CA" b="0" i="1" smtClean="0">
+                                    <a:latin typeface="Cambria Math" panose="02040503050406030204" pitchFamily="18" charset="0"/>
+                                  </a:rPr>
+                                </m:ctrlPr>
+                              </m:dPr>
+                              <m:e>
+                                <m:acc>
+                                  <m:accPr>
+                                    <m:chr m:val="⃗"/>
+                                    <m:ctrlPr>
+                                      <a:rPr lang="fr-CA" i="1" smtClean="0">
+                                        <a:latin typeface="Cambria Math" panose="02040503050406030204" pitchFamily="18" charset="0"/>
+                                      </a:rPr>
+                                    </m:ctrlPr>
+                                  </m:accPr>
+                                  <m:e>
+                                    <m:r>
+                                      <a:rPr lang="fr-CA" b="0" i="1" smtClean="0">
+                                        <a:latin typeface="Cambria Math" panose="02040503050406030204" pitchFamily="18" charset="0"/>
+                                      </a:rPr>
+                                      <m:t>𝑟</m:t>
+                                    </m:r>
+                                  </m:e>
+                                </m:acc>
+                              </m:e>
+                            </m:d>
+                            <m:r>
+                              <a:rPr lang="fr-CA" b="0" i="1" smtClean="0">
+                                <a:latin typeface="Cambria Math" panose="02040503050406030204" pitchFamily="18" charset="0"/>
+                              </a:rPr>
+                              <m:t>)</m:t>
+                            </m:r>
+                          </m:sup>
+                        </m:sSup>
+                        <m:r>
+                          <a:rPr lang="fr-CA" b="0" i="1" smtClean="0">
+                            <a:latin typeface="Cambria Math" panose="02040503050406030204" pitchFamily="18" charset="0"/>
+                          </a:rPr>
+                          <m:t>=</m:t>
+                        </m:r>
+                        <m:sSup>
+                          <m:sSupPr>
+                            <m:ctrlPr>
+                              <a:rPr lang="fr-CA" i="1">
+                                <a:latin typeface="Cambria Math" panose="02040503050406030204" pitchFamily="18" charset="0"/>
+                              </a:rPr>
+                            </m:ctrlPr>
+                          </m:sSupPr>
+                          <m:e>
+                            <m:r>
+                              <a:rPr lang="fr-CA" i="1">
+                                <a:latin typeface="Cambria Math" panose="02040503050406030204" pitchFamily="18" charset="0"/>
+                              </a:rPr>
+                              <m:t>𝑒</m:t>
+                            </m:r>
+                          </m:e>
+                          <m:sup>
+                            <m:r>
+                              <a:rPr lang="fr-CA" i="1">
+                                <a:latin typeface="Cambria Math" panose="02040503050406030204" pitchFamily="18" charset="0"/>
+                              </a:rPr>
+                              <m:t>𝑖</m:t>
+                            </m:r>
+                            <m:acc>
+                              <m:accPr>
+                                <m:chr m:val="⃗"/>
+                                <m:ctrlPr>
+                                  <a:rPr lang="fr-CA" i="1">
+                                    <a:latin typeface="Cambria Math" panose="02040503050406030204" pitchFamily="18" charset="0"/>
+                                  </a:rPr>
+                                </m:ctrlPr>
+                              </m:accPr>
+                              <m:e>
+                                <m:r>
+                                  <a:rPr lang="fr-CA" i="1">
+                                    <a:latin typeface="Cambria Math" panose="02040503050406030204" pitchFamily="18" charset="0"/>
+                                  </a:rPr>
+                                  <m:t>𝑘</m:t>
+                                </m:r>
+                              </m:e>
+                            </m:acc>
+                            <m:r>
+                              <m:rPr>
+                                <m:sty m:val="p"/>
+                              </m:rPr>
+                              <a:rPr lang="fr-CA">
+                                <a:latin typeface="Cambria Math" panose="02040503050406030204" pitchFamily="18" charset="0"/>
+                              </a:rPr>
+                              <m:t>Re</m:t>
+                            </m:r>
+                            <m:d>
+                              <m:dPr>
+                                <m:ctrlPr>
+                                  <a:rPr lang="fr-CA" i="1">
+                                    <a:latin typeface="Cambria Math" panose="02040503050406030204" pitchFamily="18" charset="0"/>
+                                  </a:rPr>
+                                </m:ctrlPr>
+                              </m:dPr>
+                              <m:e>
+                                <m:acc>
+                                  <m:accPr>
+                                    <m:chr m:val="⃗"/>
+                                    <m:ctrlPr>
+                                      <a:rPr lang="fr-CA" i="1">
+                                        <a:latin typeface="Cambria Math" panose="02040503050406030204" pitchFamily="18" charset="0"/>
+                                      </a:rPr>
+                                    </m:ctrlPr>
+                                  </m:accPr>
+                                  <m:e>
+                                    <m:r>
+                                      <a:rPr lang="fr-CA" i="1">
+                                        <a:latin typeface="Cambria Math" panose="02040503050406030204" pitchFamily="18" charset="0"/>
+                                      </a:rPr>
+                                      <m:t>𝑟</m:t>
+                                    </m:r>
+                                  </m:e>
+                                </m:acc>
+                              </m:e>
+                            </m:d>
+                          </m:sup>
+                        </m:sSup>
+                        <m:r>
+                          <a:rPr lang="fr-CA" b="0" i="1" smtClean="0">
+                            <a:latin typeface="Cambria Math" panose="02040503050406030204" pitchFamily="18" charset="0"/>
+                          </a:rPr>
+                          <m:t>+</m:t>
+                        </m:r>
+                        <m:sSup>
+                          <m:sSupPr>
+                            <m:ctrlPr>
+                              <a:rPr lang="fr-CA" i="1">
+                                <a:latin typeface="Cambria Math" panose="02040503050406030204" pitchFamily="18" charset="0"/>
+                              </a:rPr>
+                            </m:ctrlPr>
+                          </m:sSupPr>
+                          <m:e>
+                            <m:r>
+                              <a:rPr lang="fr-CA" i="1">
+                                <a:latin typeface="Cambria Math" panose="02040503050406030204" pitchFamily="18" charset="0"/>
+                              </a:rPr>
+                              <m:t>𝑒</m:t>
+                            </m:r>
+                          </m:e>
+                          <m:sup>
+                            <m:r>
+                              <a:rPr lang="fr-CA" b="0" i="1" smtClean="0">
+                                <a:latin typeface="Cambria Math" panose="02040503050406030204" pitchFamily="18" charset="0"/>
+                              </a:rPr>
+                              <m:t>−</m:t>
+                            </m:r>
+                            <m:acc>
+                              <m:accPr>
+                                <m:chr m:val="⃗"/>
+                                <m:ctrlPr>
+                                  <a:rPr lang="fr-CA" i="1">
+                                    <a:latin typeface="Cambria Math" panose="02040503050406030204" pitchFamily="18" charset="0"/>
+                                  </a:rPr>
+                                </m:ctrlPr>
+                              </m:accPr>
+                              <m:e>
+                                <m:r>
+                                  <a:rPr lang="fr-CA" i="1">
+                                    <a:latin typeface="Cambria Math" panose="02040503050406030204" pitchFamily="18" charset="0"/>
+                                  </a:rPr>
+                                  <m:t>𝑘</m:t>
+                                </m:r>
+                              </m:e>
+                            </m:acc>
+                            <m:r>
+                              <m:rPr>
+                                <m:sty m:val="p"/>
+                              </m:rPr>
+                              <a:rPr lang="fr-CA">
+                                <a:latin typeface="Cambria Math" panose="02040503050406030204" pitchFamily="18" charset="0"/>
+                              </a:rPr>
+                              <m:t>Im</m:t>
+                            </m:r>
+                            <m:d>
+                              <m:dPr>
+                                <m:ctrlPr>
+                                  <a:rPr lang="fr-CA" i="1">
+                                    <a:latin typeface="Cambria Math" panose="02040503050406030204" pitchFamily="18" charset="0"/>
+                                  </a:rPr>
+                                </m:ctrlPr>
+                              </m:dPr>
+                              <m:e>
+                                <m:acc>
+                                  <m:accPr>
+                                    <m:chr m:val="⃗"/>
+                                    <m:ctrlPr>
+                                      <a:rPr lang="fr-CA" i="1">
+                                        <a:latin typeface="Cambria Math" panose="02040503050406030204" pitchFamily="18" charset="0"/>
+                                      </a:rPr>
+                                    </m:ctrlPr>
+                                  </m:accPr>
+                                  <m:e>
+                                    <m:r>
+                                      <a:rPr lang="fr-CA" i="1">
+                                        <a:latin typeface="Cambria Math" panose="02040503050406030204" pitchFamily="18" charset="0"/>
+                                      </a:rPr>
+                                      <m:t>𝑟</m:t>
+                                    </m:r>
+                                  </m:e>
+                                </m:acc>
+                              </m:e>
+                            </m:d>
+                            <m:r>
+                              <a:rPr lang="fr-CA" i="1">
+                                <a:latin typeface="Cambria Math" panose="02040503050406030204" pitchFamily="18" charset="0"/>
+                              </a:rPr>
+                              <m:t>)</m:t>
+                            </m:r>
+                          </m:sup>
+                        </m:sSup>
+                      </m:oMath>
+                    </m:oMathPara>
+                  </a14:m>
+                  <a:endParaRPr lang="fr-CA" dirty="0"/>
+                </a:p>
+              </p:txBody>
+            </p:sp>
+          </mc:Choice>
+          <mc:Fallback>
+            <p:sp>
+              <p:nvSpPr>
+                <p:cNvPr id="12" name="ZoneTexte 11">
+                  <a:extLst>
+                    <a:ext uri="{FF2B5EF4-FFF2-40B4-BE49-F238E27FC236}">
+                      <a16:creationId xmlns:a16="http://schemas.microsoft.com/office/drawing/2014/main" id="{4334F313-CD67-4EDF-8B92-A3C7498320DA}"/>
+                    </a:ext>
+                  </a:extLst>
+                </p:cNvPr>
+                <p:cNvSpPr txBox="1">
+                  <a:spLocks noRot="1" noChangeAspect="1" noMove="1" noResize="1" noEditPoints="1" noAdjustHandles="1" noChangeArrowheads="1" noChangeShapeType="1" noTextEdit="1"/>
+                </p:cNvSpPr>
+                <p:nvPr/>
+              </p:nvSpPr>
+              <p:spPr>
+                <a:xfrm>
+                  <a:off x="4025995" y="5337256"/>
+                  <a:ext cx="3810146" cy="334515"/>
+                </a:xfrm>
+                <a:prstGeom prst="rect">
+                  <a:avLst/>
+                </a:prstGeom>
+                <a:blipFill>
+                  <a:blip r:embed="rId4"/>
+                  <a:stretch>
+                    <a:fillRect l="-160" t="-16667" r="-2560" b="-9259"/>
+                  </a:stretch>
+                </a:blipFill>
+              </p:spPr>
+              <p:txBody>
+                <a:bodyPr/>
+                <a:lstStyle/>
+                <a:p>
+                  <a:r>
+                    <a:rPr lang="fr-CA">
+                      <a:noFill/>
+                    </a:rPr>
+                    <a:t> </a:t>
+                  </a:r>
+                </a:p>
+              </p:txBody>
+            </p:sp>
+          </mc:Fallback>
+        </mc:AlternateContent>
+        <p:sp>
+          <p:nvSpPr>
+            <p:cNvPr id="16" name="ZoneTexte 15">
+              <a:extLst>
+                <a:ext uri="{FF2B5EF4-FFF2-40B4-BE49-F238E27FC236}">
+                  <a16:creationId xmlns:a16="http://schemas.microsoft.com/office/drawing/2014/main" id="{BF3A9947-212A-4C67-AA15-352DE5F5DD32}"/>
+                </a:ext>
+              </a:extLst>
+            </p:cNvPr>
+            <p:cNvSpPr txBox="1"/>
+            <p:nvPr/>
+          </p:nvSpPr>
+          <p:spPr>
+            <a:xfrm>
+              <a:off x="7846707" y="5319349"/>
+              <a:ext cx="633507" cy="369332"/>
+            </a:xfrm>
+            <a:prstGeom prst="rect">
+              <a:avLst/>
+            </a:prstGeom>
+            <a:noFill/>
+          </p:spPr>
+          <p:txBody>
+            <a:bodyPr wrap="none" rtlCol="0">
+              <a:spAutoFit/>
+            </a:bodyPr>
+            <a:lstStyle/>
+            <a:p>
+              <a:r>
+                <a:rPr lang="fr-CA" dirty="0">
+                  <a:latin typeface="Cambria Math" panose="02040503050406030204" pitchFamily="18" charset="0"/>
+                  <a:ea typeface="Cambria Math" panose="02040503050406030204" pitchFamily="18" charset="0"/>
+                </a:rPr>
+                <a:t>(13)</a:t>
+              </a:r>
+            </a:p>
+          </p:txBody>
+        </p:sp>
+      </p:grpSp>
+    </p:spTree>
+    <p:extLst>
+      <p:ext uri="{BB962C8B-B14F-4D97-AF65-F5344CB8AC3E}">
+        <p14:creationId xmlns:p14="http://schemas.microsoft.com/office/powerpoint/2010/main" val="2780626551"/>
+      </p:ext>
+    </p:extLst>
+  </p:cSld>
+  <p:clrMapOvr>
+    <a:masterClrMapping/>
+  </p:clrMapOvr>
+</p:sld>
+</file>
+
+<file path=ppt/slides/slide7.xml><?xml version="1.0" encoding="utf-8"?>
 <p:sld xmlns:a="http://schemas.openxmlformats.org/drawingml/2006/main" xmlns:r="http://schemas.openxmlformats.org/officeDocument/2006/relationships" xmlns:p="http://schemas.openxmlformats.org/presentationml/2006/main">
   <p:cSld>
     <p:spTree>
@@ -11136,7 +15169,7 @@
         </p:nvSpPr>
         <p:spPr>
           <a:xfrm>
-            <a:off x="3048000" y="2967335"/>
+            <a:off x="6151927" y="325509"/>
             <a:ext cx="6096000" cy="369332"/>
           </a:xfrm>
           <a:prstGeom prst="rect">
@@ -11157,184 +15190,434 @@
           </a:p>
         </p:txBody>
       </p:sp>
+      <p:sp>
+        <p:nvSpPr>
+          <p:cNvPr id="5" name="ZoneTexte 4">
+            <a:extLst>
+              <a:ext uri="{FF2B5EF4-FFF2-40B4-BE49-F238E27FC236}">
+                <a16:creationId xmlns:a16="http://schemas.microsoft.com/office/drawing/2014/main" id="{40661B45-3387-4CB2-AC2F-CEBE572C16BC}"/>
+              </a:ext>
+            </a:extLst>
+          </p:cNvPr>
+          <p:cNvSpPr txBox="1"/>
+          <p:nvPr/>
+        </p:nvSpPr>
+        <p:spPr>
+          <a:xfrm>
+            <a:off x="455643" y="1325461"/>
+            <a:ext cx="6795082" cy="646331"/>
+          </a:xfrm>
+          <a:prstGeom prst="rect">
+            <a:avLst/>
+          </a:prstGeom>
+          <a:noFill/>
+        </p:spPr>
+        <p:txBody>
+          <a:bodyPr wrap="square" rtlCol="0">
+            <a:spAutoFit/>
+          </a:bodyPr>
+          <a:lstStyle/>
+          <a:p>
+            <a:r>
+              <a:rPr lang="fr-CA" dirty="0"/>
+              <a:t>Le bateau aura comme forme un rectangle avec une pointe triangulaire (Géométrie 1) ou circulaire (Géométrie 2) fig.4. </a:t>
+            </a:r>
+          </a:p>
+        </p:txBody>
+      </p:sp>
+      <p:grpSp>
+        <p:nvGrpSpPr>
+          <p:cNvPr id="7" name="Groupe 6">
+            <a:extLst>
+              <a:ext uri="{FF2B5EF4-FFF2-40B4-BE49-F238E27FC236}">
+                <a16:creationId xmlns:a16="http://schemas.microsoft.com/office/drawing/2014/main" id="{E486700F-0045-47BD-A95E-4C4AC8CB04B4}"/>
+              </a:ext>
+            </a:extLst>
+          </p:cNvPr>
+          <p:cNvGrpSpPr/>
+          <p:nvPr/>
+        </p:nvGrpSpPr>
+        <p:grpSpPr>
+          <a:xfrm>
+            <a:off x="6600518" y="2287500"/>
+            <a:ext cx="3051847" cy="2477498"/>
+            <a:chOff x="6600518" y="2287500"/>
+            <a:chExt cx="3051847" cy="2477498"/>
+          </a:xfrm>
+        </p:grpSpPr>
+        <p:pic>
+          <p:nvPicPr>
+            <p:cNvPr id="4" name="Image 3">
+              <a:extLst>
+                <a:ext uri="{FF2B5EF4-FFF2-40B4-BE49-F238E27FC236}">
+                  <a16:creationId xmlns:a16="http://schemas.microsoft.com/office/drawing/2014/main" id="{3ABC39F4-4A6D-4DB1-87F6-C1BC6F20B67E}"/>
+                </a:ext>
+              </a:extLst>
+            </p:cNvPr>
+            <p:cNvPicPr>
+              <a:picLocks noChangeAspect="1"/>
+            </p:cNvPicPr>
+            <p:nvPr/>
+          </p:nvPicPr>
+          <p:blipFill>
+            <a:blip r:embed="rId2"/>
+            <a:stretch>
+              <a:fillRect/>
+            </a:stretch>
+          </p:blipFill>
+          <p:spPr>
+            <a:xfrm>
+              <a:off x="6600518" y="2287500"/>
+              <a:ext cx="2895819" cy="2140388"/>
+            </a:xfrm>
+            <a:prstGeom prst="rect">
+              <a:avLst/>
+            </a:prstGeom>
+            <a:solidFill>
+              <a:srgbClr val="FFFFFF">
+                <a:shade val="85000"/>
+              </a:srgbClr>
+            </a:solidFill>
+            <a:ln w="88900" cap="sq">
+              <a:solidFill>
+                <a:srgbClr val="FFFFFF"/>
+              </a:solidFill>
+              <a:miter lim="800000"/>
+            </a:ln>
+            <a:effectLst>
+              <a:outerShdw blurRad="55000" dist="18000" dir="5400000" algn="tl" rotWithShape="0">
+                <a:srgbClr val="000000">
+                  <a:alpha val="40000"/>
+                </a:srgbClr>
+              </a:outerShdw>
+            </a:effectLst>
+            <a:scene3d>
+              <a:camera prst="orthographicFront"/>
+              <a:lightRig rig="twoPt" dir="t">
+                <a:rot lat="0" lon="0" rev="7200000"/>
+              </a:lightRig>
+            </a:scene3d>
+            <a:sp3d>
+              <a:bevelT w="25400" h="19050"/>
+              <a:contourClr>
+                <a:srgbClr val="FFFFFF"/>
+              </a:contourClr>
+            </a:sp3d>
+          </p:spPr>
+        </p:pic>
+        <p:sp>
+          <p:nvSpPr>
+            <p:cNvPr id="6" name="ZoneTexte 5">
+              <a:extLst>
+                <a:ext uri="{FF2B5EF4-FFF2-40B4-BE49-F238E27FC236}">
+                  <a16:creationId xmlns:a16="http://schemas.microsoft.com/office/drawing/2014/main" id="{B40D4757-0BC1-497E-8B9B-D16C0665CF85}"/>
+                </a:ext>
+              </a:extLst>
+            </p:cNvPr>
+            <p:cNvSpPr txBox="1"/>
+            <p:nvPr/>
+          </p:nvSpPr>
+          <p:spPr>
+            <a:xfrm>
+              <a:off x="6600518" y="4503388"/>
+              <a:ext cx="3051847" cy="261610"/>
+            </a:xfrm>
+            <a:prstGeom prst="rect">
+              <a:avLst/>
+            </a:prstGeom>
+            <a:noFill/>
+          </p:spPr>
+          <p:txBody>
+            <a:bodyPr wrap="square" rtlCol="0">
+              <a:spAutoFit/>
+            </a:bodyPr>
+            <a:lstStyle/>
+            <a:p>
+              <a:r>
+                <a:rPr lang="fr-CA" sz="1100" dirty="0">
+                  <a:solidFill>
+                    <a:schemeClr val="tx1">
+                      <a:lumMod val="85000"/>
+                      <a:lumOff val="15000"/>
+                    </a:schemeClr>
+                  </a:solidFill>
+                </a:rPr>
+                <a:t>Figure 4 : Différentes géométries de l’objet</a:t>
+              </a:r>
+            </a:p>
+          </p:txBody>
+        </p:sp>
+      </p:grpSp>
+      <p:graphicFrame>
+        <p:nvGraphicFramePr>
+          <p:cNvPr id="8" name="Tableau 8">
+            <a:extLst>
+              <a:ext uri="{FF2B5EF4-FFF2-40B4-BE49-F238E27FC236}">
+                <a16:creationId xmlns:a16="http://schemas.microsoft.com/office/drawing/2014/main" id="{3050C28A-26C1-43C6-8CDC-12ECA233071D}"/>
+              </a:ext>
+            </a:extLst>
+          </p:cNvPr>
+          <p:cNvGraphicFramePr>
+            <a:graphicFrameLocks noGrp="1"/>
+          </p:cNvGraphicFramePr>
+          <p:nvPr>
+            <p:extLst>
+              <p:ext uri="{D42A27DB-BD31-4B8C-83A1-F6EECF244321}">
+                <p14:modId xmlns:p14="http://schemas.microsoft.com/office/powerpoint/2010/main" val="931280794"/>
+              </p:ext>
+            </p:extLst>
+          </p:nvPr>
+        </p:nvGraphicFramePr>
+        <p:xfrm>
+          <a:off x="828400" y="2944528"/>
+          <a:ext cx="4763083" cy="2966720"/>
+        </p:xfrm>
+        <a:graphic>
+          <a:graphicData uri="http://schemas.openxmlformats.org/drawingml/2006/table">
+            <a:tbl>
+              <a:tblPr firstRow="1" bandRow="1">
+                <a:tableStyleId>{5C22544A-7EE6-4342-B048-85BDC9FD1C3A}</a:tableStyleId>
+              </a:tblPr>
+              <a:tblGrid>
+                <a:gridCol w="904147">
+                  <a:extLst>
+                    <a:ext uri="{9D8B030D-6E8A-4147-A177-3AD203B41FA5}">
+                      <a16:colId xmlns:a16="http://schemas.microsoft.com/office/drawing/2014/main" val="3233838604"/>
+                    </a:ext>
+                  </a:extLst>
+                </a:gridCol>
+                <a:gridCol w="3858936">
+                  <a:extLst>
+                    <a:ext uri="{9D8B030D-6E8A-4147-A177-3AD203B41FA5}">
+                      <a16:colId xmlns:a16="http://schemas.microsoft.com/office/drawing/2014/main" val="4009959583"/>
+                    </a:ext>
+                  </a:extLst>
+                </a:gridCol>
+              </a:tblGrid>
+              <a:tr h="370840">
+                <a:tc>
+                  <a:txBody>
+                    <a:bodyPr/>
+                    <a:lstStyle/>
+                    <a:p>
+                      <a:endParaRPr lang="fr-CA"/>
+                    </a:p>
+                  </a:txBody>
+                  <a:tcPr/>
+                </a:tc>
+                <a:tc>
+                  <a:txBody>
+                    <a:bodyPr/>
+                    <a:lstStyle/>
+                    <a:p>
+                      <a:endParaRPr lang="fr-CA"/>
+                    </a:p>
+                  </a:txBody>
+                  <a:tcPr/>
+                </a:tc>
+                <a:extLst>
+                  <a:ext uri="{0D108BD9-81ED-4DB2-BD59-A6C34878D82A}">
+                    <a16:rowId xmlns:a16="http://schemas.microsoft.com/office/drawing/2014/main" val="2962888785"/>
+                  </a:ext>
+                </a:extLst>
+              </a:tr>
+              <a:tr h="370840">
+                <a:tc>
+                  <a:txBody>
+                    <a:bodyPr/>
+                    <a:lstStyle/>
+                    <a:p>
+                      <a:endParaRPr lang="fr-CA"/>
+                    </a:p>
+                  </a:txBody>
+                  <a:tcPr/>
+                </a:tc>
+                <a:tc>
+                  <a:txBody>
+                    <a:bodyPr/>
+                    <a:lstStyle/>
+                    <a:p>
+                      <a:endParaRPr lang="fr-CA"/>
+                    </a:p>
+                  </a:txBody>
+                  <a:tcPr/>
+                </a:tc>
+                <a:extLst>
+                  <a:ext uri="{0D108BD9-81ED-4DB2-BD59-A6C34878D82A}">
+                    <a16:rowId xmlns:a16="http://schemas.microsoft.com/office/drawing/2014/main" val="1826788109"/>
+                  </a:ext>
+                </a:extLst>
+              </a:tr>
+              <a:tr h="370840">
+                <a:tc>
+                  <a:txBody>
+                    <a:bodyPr/>
+                    <a:lstStyle/>
+                    <a:p>
+                      <a:endParaRPr lang="fr-CA"/>
+                    </a:p>
+                  </a:txBody>
+                  <a:tcPr/>
+                </a:tc>
+                <a:tc>
+                  <a:txBody>
+                    <a:bodyPr/>
+                    <a:lstStyle/>
+                    <a:p>
+                      <a:endParaRPr lang="fr-CA"/>
+                    </a:p>
+                  </a:txBody>
+                  <a:tcPr/>
+                </a:tc>
+                <a:extLst>
+                  <a:ext uri="{0D108BD9-81ED-4DB2-BD59-A6C34878D82A}">
+                    <a16:rowId xmlns:a16="http://schemas.microsoft.com/office/drawing/2014/main" val="403586237"/>
+                  </a:ext>
+                </a:extLst>
+              </a:tr>
+              <a:tr h="370840">
+                <a:tc>
+                  <a:txBody>
+                    <a:bodyPr/>
+                    <a:lstStyle/>
+                    <a:p>
+                      <a:endParaRPr lang="fr-CA"/>
+                    </a:p>
+                  </a:txBody>
+                  <a:tcPr/>
+                </a:tc>
+                <a:tc>
+                  <a:txBody>
+                    <a:bodyPr/>
+                    <a:lstStyle/>
+                    <a:p>
+                      <a:endParaRPr lang="fr-CA"/>
+                    </a:p>
+                  </a:txBody>
+                  <a:tcPr/>
+                </a:tc>
+                <a:extLst>
+                  <a:ext uri="{0D108BD9-81ED-4DB2-BD59-A6C34878D82A}">
+                    <a16:rowId xmlns:a16="http://schemas.microsoft.com/office/drawing/2014/main" val="3067625285"/>
+                  </a:ext>
+                </a:extLst>
+              </a:tr>
+              <a:tr h="370840">
+                <a:tc>
+                  <a:txBody>
+                    <a:bodyPr/>
+                    <a:lstStyle/>
+                    <a:p>
+                      <a:endParaRPr lang="fr-CA"/>
+                    </a:p>
+                  </a:txBody>
+                  <a:tcPr/>
+                </a:tc>
+                <a:tc>
+                  <a:txBody>
+                    <a:bodyPr/>
+                    <a:lstStyle/>
+                    <a:p>
+                      <a:endParaRPr lang="fr-CA"/>
+                    </a:p>
+                  </a:txBody>
+                  <a:tcPr/>
+                </a:tc>
+                <a:extLst>
+                  <a:ext uri="{0D108BD9-81ED-4DB2-BD59-A6C34878D82A}">
+                    <a16:rowId xmlns:a16="http://schemas.microsoft.com/office/drawing/2014/main" val="3470204885"/>
+                  </a:ext>
+                </a:extLst>
+              </a:tr>
+              <a:tr h="370840">
+                <a:tc>
+                  <a:txBody>
+                    <a:bodyPr/>
+                    <a:lstStyle/>
+                    <a:p>
+                      <a:endParaRPr lang="fr-CA"/>
+                    </a:p>
+                  </a:txBody>
+                  <a:tcPr/>
+                </a:tc>
+                <a:tc>
+                  <a:txBody>
+                    <a:bodyPr/>
+                    <a:lstStyle/>
+                    <a:p>
+                      <a:endParaRPr lang="fr-CA"/>
+                    </a:p>
+                  </a:txBody>
+                  <a:tcPr/>
+                </a:tc>
+                <a:extLst>
+                  <a:ext uri="{0D108BD9-81ED-4DB2-BD59-A6C34878D82A}">
+                    <a16:rowId xmlns:a16="http://schemas.microsoft.com/office/drawing/2014/main" val="122605989"/>
+                  </a:ext>
+                </a:extLst>
+              </a:tr>
+              <a:tr h="370840">
+                <a:tc>
+                  <a:txBody>
+                    <a:bodyPr/>
+                    <a:lstStyle/>
+                    <a:p>
+                      <a:endParaRPr lang="fr-CA"/>
+                    </a:p>
+                  </a:txBody>
+                  <a:tcPr/>
+                </a:tc>
+                <a:tc>
+                  <a:txBody>
+                    <a:bodyPr/>
+                    <a:lstStyle/>
+                    <a:p>
+                      <a:endParaRPr lang="fr-CA"/>
+                    </a:p>
+                  </a:txBody>
+                  <a:tcPr/>
+                </a:tc>
+                <a:extLst>
+                  <a:ext uri="{0D108BD9-81ED-4DB2-BD59-A6C34878D82A}">
+                    <a16:rowId xmlns:a16="http://schemas.microsoft.com/office/drawing/2014/main" val="1362088116"/>
+                  </a:ext>
+                </a:extLst>
+              </a:tr>
+              <a:tr h="370840">
+                <a:tc>
+                  <a:txBody>
+                    <a:bodyPr/>
+                    <a:lstStyle/>
+                    <a:p>
+                      <a:endParaRPr lang="fr-CA"/>
+                    </a:p>
+                  </a:txBody>
+                  <a:tcPr/>
+                </a:tc>
+                <a:tc>
+                  <a:txBody>
+                    <a:bodyPr/>
+                    <a:lstStyle/>
+                    <a:p>
+                      <a:endParaRPr lang="fr-CA" dirty="0"/>
+                    </a:p>
+                  </a:txBody>
+                  <a:tcPr/>
+                </a:tc>
+                <a:extLst>
+                  <a:ext uri="{0D108BD9-81ED-4DB2-BD59-A6C34878D82A}">
+                    <a16:rowId xmlns:a16="http://schemas.microsoft.com/office/drawing/2014/main" val="175491297"/>
+                  </a:ext>
+                </a:extLst>
+              </a:tr>
+            </a:tbl>
+          </a:graphicData>
+        </a:graphic>
+      </p:graphicFrame>
     </p:spTree>
     <p:extLst>
       <p:ext uri="{BB962C8B-B14F-4D97-AF65-F5344CB8AC3E}">
         <p14:creationId xmlns:p14="http://schemas.microsoft.com/office/powerpoint/2010/main" val="119408779"/>
-      </p:ext>
-    </p:extLst>
-  </p:cSld>
-  <p:clrMapOvr>
-    <a:masterClrMapping/>
-  </p:clrMapOvr>
-</p:sld>
-</file>
-
-<file path=ppt/slides/slide7.xml><?xml version="1.0" encoding="utf-8"?>
-<p:sld xmlns:a="http://schemas.openxmlformats.org/drawingml/2006/main" xmlns:r="http://schemas.openxmlformats.org/officeDocument/2006/relationships" xmlns:p="http://schemas.openxmlformats.org/presentationml/2006/main">
-  <p:cSld>
-    <p:spTree>
-      <p:nvGrpSpPr>
-        <p:cNvPr id="1" name=""/>
-        <p:cNvGrpSpPr/>
-        <p:nvPr/>
-      </p:nvGrpSpPr>
-      <p:grpSpPr>
-        <a:xfrm>
-          <a:off x="0" y="0"/>
-          <a:ext cx="0" cy="0"/>
-          <a:chOff x="0" y="0"/>
-          <a:chExt cx="0" cy="0"/>
-        </a:xfrm>
-      </p:grpSpPr>
-      <p:sp>
-        <p:nvSpPr>
-          <p:cNvPr id="2" name="Titre 1">
-            <a:extLst>
-              <a:ext uri="{FF2B5EF4-FFF2-40B4-BE49-F238E27FC236}">
-                <a16:creationId xmlns:a16="http://schemas.microsoft.com/office/drawing/2014/main" id="{03EE799C-7398-441E-956D-60778EB6ADFB}"/>
-              </a:ext>
-            </a:extLst>
-          </p:cNvPr>
-          <p:cNvSpPr txBox="1">
-            <a:spLocks/>
-          </p:cNvSpPr>
-          <p:nvPr/>
-        </p:nvSpPr>
-        <p:spPr>
-          <a:xfrm>
-            <a:off x="455643" y="510175"/>
-            <a:ext cx="9015528" cy="739786"/>
-          </a:xfrm>
-          <a:prstGeom prst="rect">
-            <a:avLst/>
-          </a:prstGeom>
-        </p:spPr>
-        <p:txBody>
-          <a:bodyPr/>
-          <a:lstStyle>
-            <a:lvl1pPr algn="l" defTabSz="457200" rtl="0" eaLnBrk="1" latinLnBrk="0" hangingPunct="1">
-              <a:spcBef>
-                <a:spcPct val="0"/>
-              </a:spcBef>
-              <a:buNone/>
-              <a:defRPr sz="3600" kern="1200">
-                <a:solidFill>
-                  <a:schemeClr val="accent1"/>
-                </a:solidFill>
-                <a:latin typeface="+mj-lt"/>
-                <a:ea typeface="+mj-ea"/>
-                <a:cs typeface="+mj-cs"/>
-              </a:defRPr>
-            </a:lvl1pPr>
-            <a:lvl2pPr eaLnBrk="1" hangingPunct="1">
-              <a:defRPr>
-                <a:solidFill>
-                  <a:schemeClr val="tx2"/>
-                </a:solidFill>
-              </a:defRPr>
-            </a:lvl2pPr>
-            <a:lvl3pPr eaLnBrk="1" hangingPunct="1">
-              <a:defRPr>
-                <a:solidFill>
-                  <a:schemeClr val="tx2"/>
-                </a:solidFill>
-              </a:defRPr>
-            </a:lvl3pPr>
-            <a:lvl4pPr eaLnBrk="1" hangingPunct="1">
-              <a:defRPr>
-                <a:solidFill>
-                  <a:schemeClr val="tx2"/>
-                </a:solidFill>
-              </a:defRPr>
-            </a:lvl4pPr>
-            <a:lvl5pPr eaLnBrk="1" hangingPunct="1">
-              <a:defRPr>
-                <a:solidFill>
-                  <a:schemeClr val="tx2"/>
-                </a:solidFill>
-              </a:defRPr>
-            </a:lvl5pPr>
-            <a:lvl6pPr eaLnBrk="1" hangingPunct="1">
-              <a:defRPr>
-                <a:solidFill>
-                  <a:schemeClr val="tx2"/>
-                </a:solidFill>
-              </a:defRPr>
-            </a:lvl6pPr>
-            <a:lvl7pPr eaLnBrk="1" hangingPunct="1">
-              <a:defRPr>
-                <a:solidFill>
-                  <a:schemeClr val="tx2"/>
-                </a:solidFill>
-              </a:defRPr>
-            </a:lvl7pPr>
-            <a:lvl8pPr eaLnBrk="1" hangingPunct="1">
-              <a:defRPr>
-                <a:solidFill>
-                  <a:schemeClr val="tx2"/>
-                </a:solidFill>
-              </a:defRPr>
-            </a:lvl8pPr>
-            <a:lvl9pPr eaLnBrk="1" hangingPunct="1">
-              <a:defRPr>
-                <a:solidFill>
-                  <a:schemeClr val="tx2"/>
-                </a:solidFill>
-              </a:defRPr>
-            </a:lvl9pPr>
-          </a:lstStyle>
-          <a:p>
-            <a:r>
-              <a:rPr lang="fr-CA" dirty="0">
-                <a:solidFill>
-                  <a:srgbClr val="286D9F"/>
-                </a:solidFill>
-              </a:rPr>
-              <a:t>Fonctionnement de la méthode numérique</a:t>
-            </a:r>
-          </a:p>
-        </p:txBody>
-      </p:sp>
-      <p:sp>
-        <p:nvSpPr>
-          <p:cNvPr id="3" name="Rectangle 2">
-            <a:extLst>
-              <a:ext uri="{FF2B5EF4-FFF2-40B4-BE49-F238E27FC236}">
-                <a16:creationId xmlns:a16="http://schemas.microsoft.com/office/drawing/2014/main" id="{BA0A46BD-0FD2-481A-AB72-F6E2A27E0618}"/>
-              </a:ext>
-            </a:extLst>
-          </p:cNvPr>
-          <p:cNvSpPr/>
-          <p:nvPr/>
-        </p:nvSpPr>
-        <p:spPr>
-          <a:xfrm>
-            <a:off x="2276213" y="2908612"/>
-            <a:ext cx="6096000" cy="1754326"/>
-          </a:xfrm>
-          <a:prstGeom prst="rect">
-            <a:avLst/>
-          </a:prstGeom>
-        </p:spPr>
-        <p:txBody>
-          <a:bodyPr>
-            <a:spAutoFit/>
-          </a:bodyPr>
-          <a:lstStyle/>
-          <a:p>
-            <a:r>
-              <a:rPr lang="fr-FR" dirty="0"/>
-              <a:t>Étapes et fonctionnement de la méthode numérique, en incluant les équations discrétisées telles que vous les avez programmées (ex : discrétisation d’une équation différentielle, condition initiale, conditions aux frontières, calcul de l’énergie d’un système, génération de nombres aléatoires, etc.) </a:t>
-            </a:r>
-            <a:endParaRPr lang="fr-CA" dirty="0"/>
-          </a:p>
-        </p:txBody>
-      </p:sp>
-    </p:spTree>
-    <p:extLst>
-      <p:ext uri="{BB962C8B-B14F-4D97-AF65-F5344CB8AC3E}">
-        <p14:creationId xmlns:p14="http://schemas.microsoft.com/office/powerpoint/2010/main" val="1646786163"/>
       </p:ext>
     </p:extLst>
   </p:cSld>
@@ -11465,7 +15748,7 @@
                   <a:srgbClr val="286D9F"/>
                 </a:solidFill>
               </a:rPr>
-              <a:t>Paramètres de simulation</a:t>
+              <a:t>Fonctionnement de la méthode numérique</a:t>
             </a:r>
           </a:p>
         </p:txBody>
@@ -11485,7 +15768,7 @@
         <p:spPr>
           <a:xfrm>
             <a:off x="2276213" y="2908612"/>
-            <a:ext cx="6096000" cy="646331"/>
+            <a:ext cx="6096000" cy="1754326"/>
           </a:xfrm>
           <a:prstGeom prst="rect">
             <a:avLst/>
@@ -11499,7 +15782,7 @@
           <a:p>
             <a:r>
               <a:rPr lang="fr-FR" dirty="0"/>
-              <a:t>Paramètres de l’algorithme (ex : pas de discrétisation, critère de convergence, etc.)</a:t>
+              <a:t>Étapes et fonctionnement de la méthode numérique, en incluant les équations discrétisées telles que vous les avez programmées (ex : discrétisation d’une équation différentielle, condition initiale, conditions aux frontières, calcul de l’énergie d’un système, génération de nombres aléatoires, etc.) </a:t>
             </a:r>
             <a:endParaRPr lang="fr-CA" dirty="0"/>
           </a:p>
@@ -11508,7 +15791,7 @@
     </p:spTree>
     <p:extLst>
       <p:ext uri="{BB962C8B-B14F-4D97-AF65-F5344CB8AC3E}">
-        <p14:creationId xmlns:p14="http://schemas.microsoft.com/office/powerpoint/2010/main" val="3922770649"/>
+        <p14:creationId xmlns:p14="http://schemas.microsoft.com/office/powerpoint/2010/main" val="1646786163"/>
       </p:ext>
     </p:extLst>
   </p:cSld>
@@ -11639,7 +15922,7 @@
                   <a:srgbClr val="286D9F"/>
                 </a:solidFill>
               </a:rPr>
-              <a:t>Défis surmontés</a:t>
+              <a:t>Paramètres de simulation</a:t>
             </a:r>
           </a:p>
         </p:txBody>
@@ -11673,7 +15956,7 @@
           <a:p>
             <a:r>
               <a:rPr lang="fr-FR" dirty="0"/>
-              <a:t>Défis d’implémentation de l’algorithme et solutions utilisées pour surmonter ces défis</a:t>
+              <a:t>Paramètres de l’algorithme (ex : pas de discrétisation, critère de convergence, etc.)</a:t>
             </a:r>
             <a:endParaRPr lang="fr-CA" dirty="0"/>
           </a:p>
@@ -11682,7 +15965,7 @@
     </p:spTree>
     <p:extLst>
       <p:ext uri="{BB962C8B-B14F-4D97-AF65-F5344CB8AC3E}">
-        <p14:creationId xmlns:p14="http://schemas.microsoft.com/office/powerpoint/2010/main" val="2366093840"/>
+        <p14:creationId xmlns:p14="http://schemas.microsoft.com/office/powerpoint/2010/main" val="3922770649"/>
       </p:ext>
     </p:extLst>
   </p:cSld>

--- a/Oral/Présentation_Eq11.pptx
+++ b/Oral/Présentation_Eq11.pptx
@@ -11,18 +11,20 @@
     <p:sldId id="272" r:id="rId5"/>
     <p:sldId id="259" r:id="rId6"/>
     <p:sldId id="273" r:id="rId7"/>
-    <p:sldId id="260" r:id="rId8"/>
-    <p:sldId id="261" r:id="rId9"/>
-    <p:sldId id="262" r:id="rId10"/>
-    <p:sldId id="263" r:id="rId11"/>
-    <p:sldId id="264" r:id="rId12"/>
-    <p:sldId id="265" r:id="rId13"/>
-    <p:sldId id="266" r:id="rId14"/>
-    <p:sldId id="267" r:id="rId15"/>
-    <p:sldId id="268" r:id="rId16"/>
-    <p:sldId id="269" r:id="rId17"/>
-    <p:sldId id="270" r:id="rId18"/>
-    <p:sldId id="271" r:id="rId19"/>
+    <p:sldId id="274" r:id="rId8"/>
+    <p:sldId id="260" r:id="rId9"/>
+    <p:sldId id="261" r:id="rId10"/>
+    <p:sldId id="275" r:id="rId11"/>
+    <p:sldId id="262" r:id="rId12"/>
+    <p:sldId id="263" r:id="rId13"/>
+    <p:sldId id="264" r:id="rId14"/>
+    <p:sldId id="265" r:id="rId15"/>
+    <p:sldId id="266" r:id="rId16"/>
+    <p:sldId id="267" r:id="rId17"/>
+    <p:sldId id="268" r:id="rId18"/>
+    <p:sldId id="269" r:id="rId19"/>
+    <p:sldId id="270" r:id="rId20"/>
+    <p:sldId id="271" r:id="rId21"/>
   </p:sldIdLst>
   <p:sldSz cx="12192000" cy="6858000"/>
   <p:notesSz cx="6858000" cy="9144000"/>
@@ -132,12 +134,14 @@
             <p14:sldId id="272"/>
             <p14:sldId id="259"/>
             <p14:sldId id="273"/>
+            <p14:sldId id="274"/>
             <p14:sldId id="260"/>
           </p14:sldIdLst>
         </p14:section>
         <p14:section name="Section 2 : Description de la méthode numérique" id="{0C56ED26-4511-477D-B264-2823014FD2B4}">
           <p14:sldIdLst>
             <p14:sldId id="261"/>
+            <p14:sldId id="275"/>
             <p14:sldId id="262"/>
             <p14:sldId id="263"/>
           </p14:sldIdLst>
@@ -173,6 +177,32 @@
     </p:ext>
   </p:extLst>
 </p:presentation>
+</file>
+
+<file path=ppt/commentAuthors.xml><?xml version="1.0" encoding="utf-8"?>
+<p:cmAuthorLst xmlns:a="http://schemas.openxmlformats.org/drawingml/2006/main" xmlns:r="http://schemas.openxmlformats.org/officeDocument/2006/relationships" xmlns:p="http://schemas.openxmlformats.org/presentationml/2006/main">
+  <p:cmAuthor id="1" name="Jie" initials="J" lastIdx="2" clrIdx="0">
+    <p:extLst>
+      <p:ext uri="{19B8F6BF-5375-455C-9EA6-DF929625EA0E}">
+        <p15:presenceInfo xmlns:p15="http://schemas.microsoft.com/office/powerpoint/2012/main" userId="Jie" providerId="None"/>
+      </p:ext>
+    </p:extLst>
+  </p:cmAuthor>
+</p:cmAuthorLst>
+</file>
+
+<file path=ppt/comments/comment1.xml><?xml version="1.0" encoding="utf-8"?>
+<p:cmLst xmlns:a="http://schemas.openxmlformats.org/drawingml/2006/main" xmlns:r="http://schemas.openxmlformats.org/officeDocument/2006/relationships" xmlns:p="http://schemas.openxmlformats.org/presentationml/2006/main">
+  <p:cm authorId="1" dt="2020-04-09T10:13:17.038" idx="2">
+    <p:pos x="2312" y="3351"/>
+    <p:text>Ce serait pas mieux de mettre la version fréquence direct ou on met les deux version?</p:text>
+    <p:extLst>
+      <p:ext uri="{C676402C-5697-4E1C-873F-D02D1690AC5C}">
+        <p15:threadingInfo xmlns:p15="http://schemas.microsoft.com/office/powerpoint/2012/main" timeZoneBias="240"/>
+      </p:ext>
+    </p:extLst>
+  </p:cm>
+</p:cmLst>
 </file>
 
 <file path=ppt/slideLayouts/slideLayout1.xml><?xml version="1.0" encoding="utf-8"?>
@@ -964,7 +994,7 @@
             <a:fld id="{D57F1E4F-1CFF-5643-939E-217C01CDF565}" type="slidenum">
               <a:rPr lang="en-US" dirty="0"/>
               <a:pPr/>
-              <a:t>‹N°›</a:t>
+              <a:t>‹#›</a:t>
             </a:fld>
             <a:endParaRPr lang="en-US" dirty="0"/>
           </a:p>
@@ -1212,7 +1242,7 @@
             <a:fld id="{D57F1E4F-1CFF-5643-939E-217C01CDF565}" type="slidenum">
               <a:rPr lang="en-US" dirty="0"/>
               <a:pPr/>
-              <a:t>‹N°›</a:t>
+              <a:t>‹#›</a:t>
             </a:fld>
             <a:endParaRPr lang="en-US" dirty="0"/>
           </a:p>
@@ -1523,7 +1553,7 @@
             <a:fld id="{D57F1E4F-1CFF-5643-939E-217C01CDF565}" type="slidenum">
               <a:rPr lang="en-US" dirty="0"/>
               <a:pPr/>
-              <a:t>‹N°›</a:t>
+              <a:t>‹#›</a:t>
             </a:fld>
             <a:endParaRPr lang="en-US" dirty="0"/>
           </a:p>
@@ -1853,7 +1883,7 @@
             <a:fld id="{D57F1E4F-1CFF-5643-939E-217C01CDF565}" type="slidenum">
               <a:rPr lang="en-US" dirty="0"/>
               <a:pPr/>
-              <a:t>‹N°›</a:t>
+              <a:t>‹#›</a:t>
             </a:fld>
             <a:endParaRPr lang="en-US" dirty="0"/>
           </a:p>
@@ -2164,7 +2194,7 @@
             <a:fld id="{D57F1E4F-1CFF-5643-939E-217C01CDF565}" type="slidenum">
               <a:rPr lang="en-US" dirty="0"/>
               <a:pPr/>
-              <a:t>‹N°›</a:t>
+              <a:t>‹#›</a:t>
             </a:fld>
             <a:endParaRPr lang="en-US" dirty="0"/>
           </a:p>
@@ -2554,7 +2584,7 @@
             <a:fld id="{D57F1E4F-1CFF-5643-939E-217C01CDF565}" type="slidenum">
               <a:rPr lang="en-US" dirty="0"/>
               <a:pPr/>
-              <a:t>‹N°›</a:t>
+              <a:t>‹#›</a:t>
             </a:fld>
             <a:endParaRPr lang="en-US" dirty="0"/>
           </a:p>
@@ -2719,7 +2749,7 @@
           <a:p>
             <a:fld id="{89333C77-0158-454C-844F-B7AB9BD7DAD4}" type="slidenum">
               <a:rPr lang="en-US" dirty="0"/>
-              <a:t>‹N°›</a:t>
+              <a:t>‹#›</a:t>
             </a:fld>
             <a:endParaRPr lang="en-US" dirty="0"/>
           </a:p>
@@ -2896,7 +2926,7 @@
             <a:fld id="{D57F1E4F-1CFF-5643-939E-217C01CDF565}" type="slidenum">
               <a:rPr lang="en-US" dirty="0"/>
               <a:pPr/>
-              <a:t>‹N°›</a:t>
+              <a:t>‹#›</a:t>
             </a:fld>
             <a:endParaRPr lang="en-US" dirty="0"/>
           </a:p>
@@ -3061,7 +3091,7 @@
           <a:p>
             <a:fld id="{519954A3-9DFD-4C44-94BA-B95130A3BA1C}" type="slidenum">
               <a:rPr lang="en-US" dirty="0"/>
-              <a:t>‹N°›</a:t>
+              <a:t>‹#›</a:t>
             </a:fld>
             <a:endParaRPr lang="en-US" dirty="0"/>
           </a:p>
@@ -3305,7 +3335,7 @@
             <a:fld id="{D57F1E4F-1CFF-5643-939E-217C01CDF565}" type="slidenum">
               <a:rPr lang="en-US" dirty="0"/>
               <a:pPr/>
-              <a:t>‹N°›</a:t>
+              <a:t>‹#›</a:t>
             </a:fld>
             <a:endParaRPr lang="en-US" dirty="0"/>
           </a:p>
@@ -3532,7 +3562,7 @@
           <a:p>
             <a:fld id="{519954A3-9DFD-4C44-94BA-B95130A3BA1C}" type="slidenum">
               <a:rPr lang="en-US" dirty="0"/>
-              <a:t>‹N°›</a:t>
+              <a:t>‹#›</a:t>
             </a:fld>
             <a:endParaRPr lang="en-US" dirty="0"/>
           </a:p>
@@ -3903,7 +3933,7 @@
             <a:fld id="{D57F1E4F-1CFF-5643-939E-217C01CDF565}" type="slidenum">
               <a:rPr lang="en-US" dirty="0"/>
               <a:pPr/>
-              <a:t>‹N°›</a:t>
+              <a:t>‹#›</a:t>
             </a:fld>
             <a:endParaRPr lang="en-US" dirty="0"/>
           </a:p>
@@ -4023,7 +4053,7 @@
             <a:fld id="{D57F1E4F-1CFF-5643-939E-217C01CDF565}" type="slidenum">
               <a:rPr lang="en-US" dirty="0"/>
               <a:pPr/>
-              <a:t>‹N°›</a:t>
+              <a:t>‹#›</a:t>
             </a:fld>
             <a:endParaRPr lang="en-US" dirty="0"/>
           </a:p>
@@ -4115,7 +4145,7 @@
             <a:fld id="{D57F1E4F-1CFF-5643-939E-217C01CDF565}" type="slidenum">
               <a:rPr lang="en-US" dirty="0"/>
               <a:pPr/>
-              <a:t>‹N°›</a:t>
+              <a:t>‹#›</a:t>
             </a:fld>
             <a:endParaRPr lang="en-US" dirty="0"/>
           </a:p>
@@ -4365,7 +4395,7 @@
           <a:p>
             <a:fld id="{519954A3-9DFD-4C44-94BA-B95130A3BA1C}" type="slidenum">
               <a:rPr lang="en-US" dirty="0"/>
-              <a:t>‹N°›</a:t>
+              <a:t>‹#›</a:t>
             </a:fld>
             <a:endParaRPr lang="en-US" dirty="0"/>
           </a:p>
@@ -4601,7 +4631,7 @@
             <a:fld id="{D57F1E4F-1CFF-5643-939E-217C01CDF565}" type="slidenum">
               <a:rPr lang="en-US" dirty="0"/>
               <a:pPr/>
-              <a:t>‹N°›</a:t>
+              <a:t>‹#›</a:t>
             </a:fld>
             <a:endParaRPr lang="en-US" dirty="0"/>
           </a:p>
@@ -5400,7 +5430,7 @@
             <a:fld id="{D57F1E4F-1CFF-5643-939E-217C01CDF565}" type="slidenum">
               <a:rPr lang="en-US" dirty="0"/>
               <a:pPr/>
-              <a:t>‹N°›</a:t>
+              <a:t>‹#›</a:t>
             </a:fld>
             <a:endParaRPr lang="en-US" dirty="0"/>
           </a:p>
@@ -6363,50 +6393,45 @@
                   <a:srgbClr val="286D9F"/>
                 </a:solidFill>
               </a:rPr>
-              <a:t>Défis surmontés</a:t>
+              <a:t>Formulation champ total/ champ diffus</a:t>
             </a:r>
           </a:p>
         </p:txBody>
       </p:sp>
-      <p:sp>
-        <p:nvSpPr>
-          <p:cNvPr id="3" name="Rectangle 2">
+      <p:pic>
+        <p:nvPicPr>
+          <p:cNvPr id="4" name="Picture 3">
             <a:extLst>
               <a:ext uri="{FF2B5EF4-FFF2-40B4-BE49-F238E27FC236}">
-                <a16:creationId xmlns:a16="http://schemas.microsoft.com/office/drawing/2014/main" id="{BA0A46BD-0FD2-481A-AB72-F6E2A27E0618}"/>
+                <a16:creationId xmlns:a16="http://schemas.microsoft.com/office/drawing/2014/main" id="{DDC48D94-9EA7-4219-9F76-82E9ECE3F114}"/>
               </a:ext>
             </a:extLst>
           </p:cNvPr>
-          <p:cNvSpPr/>
+          <p:cNvPicPr>
+            <a:picLocks noChangeAspect="1"/>
+          </p:cNvPicPr>
           <p:nvPr/>
-        </p:nvSpPr>
+        </p:nvPicPr>
+        <p:blipFill>
+          <a:blip r:embed="rId2"/>
+          <a:stretch>
+            <a:fillRect/>
+          </a:stretch>
+        </p:blipFill>
         <p:spPr>
           <a:xfrm>
-            <a:off x="2276213" y="2908612"/>
-            <a:ext cx="6096000" cy="646331"/>
+            <a:off x="1209675" y="1771650"/>
+            <a:ext cx="9772650" cy="3314700"/>
           </a:xfrm>
           <a:prstGeom prst="rect">
             <a:avLst/>
           </a:prstGeom>
         </p:spPr>
-        <p:txBody>
-          <a:bodyPr>
-            <a:spAutoFit/>
-          </a:bodyPr>
-          <a:lstStyle/>
-          <a:p>
-            <a:r>
-              <a:rPr lang="fr-FR" dirty="0"/>
-              <a:t>Défis d’implémentation de l’algorithme et solutions utilisées pour surmonter ces défis</a:t>
-            </a:r>
-            <a:endParaRPr lang="fr-CA" dirty="0"/>
-          </a:p>
-        </p:txBody>
-      </p:sp>
+      </p:pic>
     </p:spTree>
     <p:extLst>
       <p:ext uri="{BB962C8B-B14F-4D97-AF65-F5344CB8AC3E}">
-        <p14:creationId xmlns:p14="http://schemas.microsoft.com/office/powerpoint/2010/main" val="2366093840"/>
+        <p14:creationId xmlns:p14="http://schemas.microsoft.com/office/powerpoint/2010/main" val="439228046"/>
       </p:ext>
     </p:extLst>
   </p:cSld>
@@ -6537,7 +6562,7 @@
                   <a:srgbClr val="286D9F"/>
                 </a:solidFill>
               </a:rPr>
-              <a:t>Utilisation de la mémoire</a:t>
+              <a:t>Paramètres de simulation</a:t>
             </a:r>
           </a:p>
         </p:txBody>
@@ -6571,7 +6596,7 @@
           <a:p>
             <a:r>
               <a:rPr lang="fr-FR" dirty="0"/>
-              <a:t>Comportement et limites de votre code en temps et en mémoire</a:t>
+              <a:t>Paramètres de l’algorithme (ex : pas de discrétisation, critère de convergence, etc.)</a:t>
             </a:r>
             <a:endParaRPr lang="fr-CA" dirty="0"/>
           </a:p>
@@ -6580,7 +6605,7 @@
     </p:spTree>
     <p:extLst>
       <p:ext uri="{BB962C8B-B14F-4D97-AF65-F5344CB8AC3E}">
-        <p14:creationId xmlns:p14="http://schemas.microsoft.com/office/powerpoint/2010/main" val="69171058"/>
+        <p14:creationId xmlns:p14="http://schemas.microsoft.com/office/powerpoint/2010/main" val="3922770649"/>
       </p:ext>
     </p:extLst>
   </p:cSld>
@@ -6711,6 +6736,354 @@
                   <a:srgbClr val="286D9F"/>
                 </a:solidFill>
               </a:rPr>
+              <a:t>Défis surmontés</a:t>
+            </a:r>
+          </a:p>
+        </p:txBody>
+      </p:sp>
+      <p:sp>
+        <p:nvSpPr>
+          <p:cNvPr id="3" name="Rectangle 2">
+            <a:extLst>
+              <a:ext uri="{FF2B5EF4-FFF2-40B4-BE49-F238E27FC236}">
+                <a16:creationId xmlns:a16="http://schemas.microsoft.com/office/drawing/2014/main" id="{BA0A46BD-0FD2-481A-AB72-F6E2A27E0618}"/>
+              </a:ext>
+            </a:extLst>
+          </p:cNvPr>
+          <p:cNvSpPr/>
+          <p:nvPr/>
+        </p:nvSpPr>
+        <p:spPr>
+          <a:xfrm>
+            <a:off x="2276213" y="2908612"/>
+            <a:ext cx="6096000" cy="646331"/>
+          </a:xfrm>
+          <a:prstGeom prst="rect">
+            <a:avLst/>
+          </a:prstGeom>
+        </p:spPr>
+        <p:txBody>
+          <a:bodyPr>
+            <a:spAutoFit/>
+          </a:bodyPr>
+          <a:lstStyle/>
+          <a:p>
+            <a:r>
+              <a:rPr lang="fr-FR" dirty="0"/>
+              <a:t>Défis d’implémentation de l’algorithme et solutions utilisées pour surmonter ces défis</a:t>
+            </a:r>
+            <a:endParaRPr lang="fr-CA" dirty="0"/>
+          </a:p>
+        </p:txBody>
+      </p:sp>
+    </p:spTree>
+    <p:extLst>
+      <p:ext uri="{BB962C8B-B14F-4D97-AF65-F5344CB8AC3E}">
+        <p14:creationId xmlns:p14="http://schemas.microsoft.com/office/powerpoint/2010/main" val="2366093840"/>
+      </p:ext>
+    </p:extLst>
+  </p:cSld>
+  <p:clrMapOvr>
+    <a:masterClrMapping/>
+  </p:clrMapOvr>
+</p:sld>
+</file>
+
+<file path=ppt/slides/slide13.xml><?xml version="1.0" encoding="utf-8"?>
+<p:sld xmlns:a="http://schemas.openxmlformats.org/drawingml/2006/main" xmlns:r="http://schemas.openxmlformats.org/officeDocument/2006/relationships" xmlns:p="http://schemas.openxmlformats.org/presentationml/2006/main">
+  <p:cSld>
+    <p:spTree>
+      <p:nvGrpSpPr>
+        <p:cNvPr id="1" name=""/>
+        <p:cNvGrpSpPr/>
+        <p:nvPr/>
+      </p:nvGrpSpPr>
+      <p:grpSpPr>
+        <a:xfrm>
+          <a:off x="0" y="0"/>
+          <a:ext cx="0" cy="0"/>
+          <a:chOff x="0" y="0"/>
+          <a:chExt cx="0" cy="0"/>
+        </a:xfrm>
+      </p:grpSpPr>
+      <p:sp>
+        <p:nvSpPr>
+          <p:cNvPr id="2" name="Titre 1">
+            <a:extLst>
+              <a:ext uri="{FF2B5EF4-FFF2-40B4-BE49-F238E27FC236}">
+                <a16:creationId xmlns:a16="http://schemas.microsoft.com/office/drawing/2014/main" id="{03EE799C-7398-441E-956D-60778EB6ADFB}"/>
+              </a:ext>
+            </a:extLst>
+          </p:cNvPr>
+          <p:cNvSpPr txBox="1">
+            <a:spLocks/>
+          </p:cNvSpPr>
+          <p:nvPr/>
+        </p:nvSpPr>
+        <p:spPr>
+          <a:xfrm>
+            <a:off x="455643" y="510175"/>
+            <a:ext cx="9015528" cy="739786"/>
+          </a:xfrm>
+          <a:prstGeom prst="rect">
+            <a:avLst/>
+          </a:prstGeom>
+        </p:spPr>
+        <p:txBody>
+          <a:bodyPr/>
+          <a:lstStyle>
+            <a:lvl1pPr algn="l" defTabSz="457200" rtl="0" eaLnBrk="1" latinLnBrk="0" hangingPunct="1">
+              <a:spcBef>
+                <a:spcPct val="0"/>
+              </a:spcBef>
+              <a:buNone/>
+              <a:defRPr sz="3600" kern="1200">
+                <a:solidFill>
+                  <a:schemeClr val="accent1"/>
+                </a:solidFill>
+                <a:latin typeface="+mj-lt"/>
+                <a:ea typeface="+mj-ea"/>
+                <a:cs typeface="+mj-cs"/>
+              </a:defRPr>
+            </a:lvl1pPr>
+            <a:lvl2pPr eaLnBrk="1" hangingPunct="1">
+              <a:defRPr>
+                <a:solidFill>
+                  <a:schemeClr val="tx2"/>
+                </a:solidFill>
+              </a:defRPr>
+            </a:lvl2pPr>
+            <a:lvl3pPr eaLnBrk="1" hangingPunct="1">
+              <a:defRPr>
+                <a:solidFill>
+                  <a:schemeClr val="tx2"/>
+                </a:solidFill>
+              </a:defRPr>
+            </a:lvl3pPr>
+            <a:lvl4pPr eaLnBrk="1" hangingPunct="1">
+              <a:defRPr>
+                <a:solidFill>
+                  <a:schemeClr val="tx2"/>
+                </a:solidFill>
+              </a:defRPr>
+            </a:lvl4pPr>
+            <a:lvl5pPr eaLnBrk="1" hangingPunct="1">
+              <a:defRPr>
+                <a:solidFill>
+                  <a:schemeClr val="tx2"/>
+                </a:solidFill>
+              </a:defRPr>
+            </a:lvl5pPr>
+            <a:lvl6pPr eaLnBrk="1" hangingPunct="1">
+              <a:defRPr>
+                <a:solidFill>
+                  <a:schemeClr val="tx2"/>
+                </a:solidFill>
+              </a:defRPr>
+            </a:lvl6pPr>
+            <a:lvl7pPr eaLnBrk="1" hangingPunct="1">
+              <a:defRPr>
+                <a:solidFill>
+                  <a:schemeClr val="tx2"/>
+                </a:solidFill>
+              </a:defRPr>
+            </a:lvl7pPr>
+            <a:lvl8pPr eaLnBrk="1" hangingPunct="1">
+              <a:defRPr>
+                <a:solidFill>
+                  <a:schemeClr val="tx2"/>
+                </a:solidFill>
+              </a:defRPr>
+            </a:lvl8pPr>
+            <a:lvl9pPr eaLnBrk="1" hangingPunct="1">
+              <a:defRPr>
+                <a:solidFill>
+                  <a:schemeClr val="tx2"/>
+                </a:solidFill>
+              </a:defRPr>
+            </a:lvl9pPr>
+          </a:lstStyle>
+          <a:p>
+            <a:r>
+              <a:rPr lang="fr-CA" dirty="0">
+                <a:solidFill>
+                  <a:srgbClr val="286D9F"/>
+                </a:solidFill>
+              </a:rPr>
+              <a:t>Utilisation de la mémoire</a:t>
+            </a:r>
+          </a:p>
+        </p:txBody>
+      </p:sp>
+      <p:sp>
+        <p:nvSpPr>
+          <p:cNvPr id="3" name="Rectangle 2">
+            <a:extLst>
+              <a:ext uri="{FF2B5EF4-FFF2-40B4-BE49-F238E27FC236}">
+                <a16:creationId xmlns:a16="http://schemas.microsoft.com/office/drawing/2014/main" id="{BA0A46BD-0FD2-481A-AB72-F6E2A27E0618}"/>
+              </a:ext>
+            </a:extLst>
+          </p:cNvPr>
+          <p:cNvSpPr/>
+          <p:nvPr/>
+        </p:nvSpPr>
+        <p:spPr>
+          <a:xfrm>
+            <a:off x="2276213" y="2908612"/>
+            <a:ext cx="6096000" cy="646331"/>
+          </a:xfrm>
+          <a:prstGeom prst="rect">
+            <a:avLst/>
+          </a:prstGeom>
+        </p:spPr>
+        <p:txBody>
+          <a:bodyPr>
+            <a:spAutoFit/>
+          </a:bodyPr>
+          <a:lstStyle/>
+          <a:p>
+            <a:r>
+              <a:rPr lang="fr-FR" dirty="0"/>
+              <a:t>Comportement et limites de votre code en temps et en mémoire</a:t>
+            </a:r>
+            <a:endParaRPr lang="fr-CA" dirty="0"/>
+          </a:p>
+        </p:txBody>
+      </p:sp>
+    </p:spTree>
+    <p:extLst>
+      <p:ext uri="{BB962C8B-B14F-4D97-AF65-F5344CB8AC3E}">
+        <p14:creationId xmlns:p14="http://schemas.microsoft.com/office/powerpoint/2010/main" val="69171058"/>
+      </p:ext>
+    </p:extLst>
+  </p:cSld>
+  <p:clrMapOvr>
+    <a:masterClrMapping/>
+  </p:clrMapOvr>
+</p:sld>
+</file>
+
+<file path=ppt/slides/slide14.xml><?xml version="1.0" encoding="utf-8"?>
+<p:sld xmlns:a="http://schemas.openxmlformats.org/drawingml/2006/main" xmlns:r="http://schemas.openxmlformats.org/officeDocument/2006/relationships" xmlns:p="http://schemas.openxmlformats.org/presentationml/2006/main">
+  <p:cSld>
+    <p:spTree>
+      <p:nvGrpSpPr>
+        <p:cNvPr id="1" name=""/>
+        <p:cNvGrpSpPr/>
+        <p:nvPr/>
+      </p:nvGrpSpPr>
+      <p:grpSpPr>
+        <a:xfrm>
+          <a:off x="0" y="0"/>
+          <a:ext cx="0" cy="0"/>
+          <a:chOff x="0" y="0"/>
+          <a:chExt cx="0" cy="0"/>
+        </a:xfrm>
+      </p:grpSpPr>
+      <p:sp>
+        <p:nvSpPr>
+          <p:cNvPr id="2" name="Titre 1">
+            <a:extLst>
+              <a:ext uri="{FF2B5EF4-FFF2-40B4-BE49-F238E27FC236}">
+                <a16:creationId xmlns:a16="http://schemas.microsoft.com/office/drawing/2014/main" id="{03EE799C-7398-441E-956D-60778EB6ADFB}"/>
+              </a:ext>
+            </a:extLst>
+          </p:cNvPr>
+          <p:cNvSpPr txBox="1">
+            <a:spLocks/>
+          </p:cNvSpPr>
+          <p:nvPr/>
+        </p:nvSpPr>
+        <p:spPr>
+          <a:xfrm>
+            <a:off x="455643" y="510175"/>
+            <a:ext cx="9015528" cy="739786"/>
+          </a:xfrm>
+          <a:prstGeom prst="rect">
+            <a:avLst/>
+          </a:prstGeom>
+        </p:spPr>
+        <p:txBody>
+          <a:bodyPr/>
+          <a:lstStyle>
+            <a:lvl1pPr algn="l" defTabSz="457200" rtl="0" eaLnBrk="1" latinLnBrk="0" hangingPunct="1">
+              <a:spcBef>
+                <a:spcPct val="0"/>
+              </a:spcBef>
+              <a:buNone/>
+              <a:defRPr sz="3600" kern="1200">
+                <a:solidFill>
+                  <a:schemeClr val="accent1"/>
+                </a:solidFill>
+                <a:latin typeface="+mj-lt"/>
+                <a:ea typeface="+mj-ea"/>
+                <a:cs typeface="+mj-cs"/>
+              </a:defRPr>
+            </a:lvl1pPr>
+            <a:lvl2pPr eaLnBrk="1" hangingPunct="1">
+              <a:defRPr>
+                <a:solidFill>
+                  <a:schemeClr val="tx2"/>
+                </a:solidFill>
+              </a:defRPr>
+            </a:lvl2pPr>
+            <a:lvl3pPr eaLnBrk="1" hangingPunct="1">
+              <a:defRPr>
+                <a:solidFill>
+                  <a:schemeClr val="tx2"/>
+                </a:solidFill>
+              </a:defRPr>
+            </a:lvl3pPr>
+            <a:lvl4pPr eaLnBrk="1" hangingPunct="1">
+              <a:defRPr>
+                <a:solidFill>
+                  <a:schemeClr val="tx2"/>
+                </a:solidFill>
+              </a:defRPr>
+            </a:lvl4pPr>
+            <a:lvl5pPr eaLnBrk="1" hangingPunct="1">
+              <a:defRPr>
+                <a:solidFill>
+                  <a:schemeClr val="tx2"/>
+                </a:solidFill>
+              </a:defRPr>
+            </a:lvl5pPr>
+            <a:lvl6pPr eaLnBrk="1" hangingPunct="1">
+              <a:defRPr>
+                <a:solidFill>
+                  <a:schemeClr val="tx2"/>
+                </a:solidFill>
+              </a:defRPr>
+            </a:lvl6pPr>
+            <a:lvl7pPr eaLnBrk="1" hangingPunct="1">
+              <a:defRPr>
+                <a:solidFill>
+                  <a:schemeClr val="tx2"/>
+                </a:solidFill>
+              </a:defRPr>
+            </a:lvl7pPr>
+            <a:lvl8pPr eaLnBrk="1" hangingPunct="1">
+              <a:defRPr>
+                <a:solidFill>
+                  <a:schemeClr val="tx2"/>
+                </a:solidFill>
+              </a:defRPr>
+            </a:lvl8pPr>
+            <a:lvl9pPr eaLnBrk="1" hangingPunct="1">
+              <a:defRPr>
+                <a:solidFill>
+                  <a:schemeClr val="tx2"/>
+                </a:solidFill>
+              </a:defRPr>
+            </a:lvl9pPr>
+          </a:lstStyle>
+          <a:p>
+            <a:r>
+              <a:rPr lang="fr-CA" dirty="0">
+                <a:solidFill>
+                  <a:srgbClr val="286D9F"/>
+                </a:solidFill>
+              </a:rPr>
               <a:t>Influence sur la performance</a:t>
             </a:r>
           </a:p>
@@ -6764,7 +7137,7 @@
 </p:sld>
 </file>
 
-<file path=ppt/slides/slide13.xml><?xml version="1.0" encoding="utf-8"?>
+<file path=ppt/slides/slide15.xml><?xml version="1.0" encoding="utf-8"?>
 <p:sld xmlns:a="http://schemas.openxmlformats.org/drawingml/2006/main" xmlns:r="http://schemas.openxmlformats.org/officeDocument/2006/relationships" xmlns:p="http://schemas.openxmlformats.org/presentationml/2006/main">
   <p:cSld>
     <p:spTree>
@@ -6938,7 +7311,7 @@
 </p:sld>
 </file>
 
-<file path=ppt/slides/slide14.xml><?xml version="1.0" encoding="utf-8"?>
+<file path=ppt/slides/slide16.xml><?xml version="1.0" encoding="utf-8"?>
 <p:sld xmlns:a="http://schemas.openxmlformats.org/drawingml/2006/main" xmlns:r="http://schemas.openxmlformats.org/officeDocument/2006/relationships" xmlns:p="http://schemas.openxmlformats.org/presentationml/2006/main">
   <p:cSld>
     <p:spTree>
@@ -7112,7 +7485,7 @@
 </p:sld>
 </file>
 
-<file path=ppt/slides/slide15.xml><?xml version="1.0" encoding="utf-8"?>
+<file path=ppt/slides/slide17.xml><?xml version="1.0" encoding="utf-8"?>
 <p:sld xmlns:a="http://schemas.openxmlformats.org/drawingml/2006/main" xmlns:r="http://schemas.openxmlformats.org/officeDocument/2006/relationships" xmlns:p="http://schemas.openxmlformats.org/presentationml/2006/main">
   <p:cSld>
     <p:spTree>
@@ -7286,7 +7659,7 @@
 </p:sld>
 </file>
 
-<file path=ppt/slides/slide16.xml><?xml version="1.0" encoding="utf-8"?>
+<file path=ppt/slides/slide18.xml><?xml version="1.0" encoding="utf-8"?>
 <p:sld xmlns:a="http://schemas.openxmlformats.org/drawingml/2006/main" xmlns:r="http://schemas.openxmlformats.org/officeDocument/2006/relationships" xmlns:p="http://schemas.openxmlformats.org/presentationml/2006/main">
   <p:cSld>
     <p:spTree>
@@ -7460,7 +7833,7 @@
 </p:sld>
 </file>
 
-<file path=ppt/slides/slide17.xml><?xml version="1.0" encoding="utf-8"?>
+<file path=ppt/slides/slide19.xml><?xml version="1.0" encoding="utf-8"?>
 <p:sld xmlns:a="http://schemas.openxmlformats.org/drawingml/2006/main" xmlns:r="http://schemas.openxmlformats.org/officeDocument/2006/relationships" xmlns:p="http://schemas.openxmlformats.org/presentationml/2006/main">
   <p:cSld>
     <p:spTree>
@@ -7625,253 +7998,6 @@
     <p:extLst>
       <p:ext uri="{BB962C8B-B14F-4D97-AF65-F5344CB8AC3E}">
         <p14:creationId xmlns:p14="http://schemas.microsoft.com/office/powerpoint/2010/main" val="4105811840"/>
-      </p:ext>
-    </p:extLst>
-  </p:cSld>
-  <p:clrMapOvr>
-    <a:masterClrMapping/>
-  </p:clrMapOvr>
-</p:sld>
-</file>
-
-<file path=ppt/slides/slide18.xml><?xml version="1.0" encoding="utf-8"?>
-<p:sld xmlns:a="http://schemas.openxmlformats.org/drawingml/2006/main" xmlns:r="http://schemas.openxmlformats.org/officeDocument/2006/relationships" xmlns:p="http://schemas.openxmlformats.org/presentationml/2006/main">
-  <p:cSld>
-    <p:spTree>
-      <p:nvGrpSpPr>
-        <p:cNvPr id="1" name=""/>
-        <p:cNvGrpSpPr/>
-        <p:nvPr/>
-      </p:nvGrpSpPr>
-      <p:grpSpPr>
-        <a:xfrm>
-          <a:off x="0" y="0"/>
-          <a:ext cx="0" cy="0"/>
-          <a:chOff x="0" y="0"/>
-          <a:chExt cx="0" cy="0"/>
-        </a:xfrm>
-      </p:grpSpPr>
-      <p:sp>
-        <p:nvSpPr>
-          <p:cNvPr id="2" name="Titre 1">
-            <a:extLst>
-              <a:ext uri="{FF2B5EF4-FFF2-40B4-BE49-F238E27FC236}">
-                <a16:creationId xmlns:a16="http://schemas.microsoft.com/office/drawing/2014/main" id="{03EE799C-7398-441E-956D-60778EB6ADFB}"/>
-              </a:ext>
-            </a:extLst>
-          </p:cNvPr>
-          <p:cNvSpPr txBox="1">
-            <a:spLocks/>
-          </p:cNvSpPr>
-          <p:nvPr/>
-        </p:nvSpPr>
-        <p:spPr>
-          <a:xfrm>
-            <a:off x="455643" y="510175"/>
-            <a:ext cx="3352959" cy="739786"/>
-          </a:xfrm>
-          <a:prstGeom prst="rect">
-            <a:avLst/>
-          </a:prstGeom>
-        </p:spPr>
-        <p:txBody>
-          <a:bodyPr/>
-          <a:lstStyle>
-            <a:lvl1pPr algn="l" defTabSz="457200" rtl="0" eaLnBrk="1" latinLnBrk="0" hangingPunct="1">
-              <a:spcBef>
-                <a:spcPct val="0"/>
-              </a:spcBef>
-              <a:buNone/>
-              <a:defRPr sz="3600" kern="1200">
-                <a:solidFill>
-                  <a:schemeClr val="accent1"/>
-                </a:solidFill>
-                <a:latin typeface="+mj-lt"/>
-                <a:ea typeface="+mj-ea"/>
-                <a:cs typeface="+mj-cs"/>
-              </a:defRPr>
-            </a:lvl1pPr>
-            <a:lvl2pPr eaLnBrk="1" hangingPunct="1">
-              <a:defRPr>
-                <a:solidFill>
-                  <a:schemeClr val="tx2"/>
-                </a:solidFill>
-              </a:defRPr>
-            </a:lvl2pPr>
-            <a:lvl3pPr eaLnBrk="1" hangingPunct="1">
-              <a:defRPr>
-                <a:solidFill>
-                  <a:schemeClr val="tx2"/>
-                </a:solidFill>
-              </a:defRPr>
-            </a:lvl3pPr>
-            <a:lvl4pPr eaLnBrk="1" hangingPunct="1">
-              <a:defRPr>
-                <a:solidFill>
-                  <a:schemeClr val="tx2"/>
-                </a:solidFill>
-              </a:defRPr>
-            </a:lvl4pPr>
-            <a:lvl5pPr eaLnBrk="1" hangingPunct="1">
-              <a:defRPr>
-                <a:solidFill>
-                  <a:schemeClr val="tx2"/>
-                </a:solidFill>
-              </a:defRPr>
-            </a:lvl5pPr>
-            <a:lvl6pPr eaLnBrk="1" hangingPunct="1">
-              <a:defRPr>
-                <a:solidFill>
-                  <a:schemeClr val="tx2"/>
-                </a:solidFill>
-              </a:defRPr>
-            </a:lvl6pPr>
-            <a:lvl7pPr eaLnBrk="1" hangingPunct="1">
-              <a:defRPr>
-                <a:solidFill>
-                  <a:schemeClr val="tx2"/>
-                </a:solidFill>
-              </a:defRPr>
-            </a:lvl7pPr>
-            <a:lvl8pPr eaLnBrk="1" hangingPunct="1">
-              <a:defRPr>
-                <a:solidFill>
-                  <a:schemeClr val="tx2"/>
-                </a:solidFill>
-              </a:defRPr>
-            </a:lvl8pPr>
-            <a:lvl9pPr eaLnBrk="1" hangingPunct="1">
-              <a:defRPr>
-                <a:solidFill>
-                  <a:schemeClr val="tx2"/>
-                </a:solidFill>
-              </a:defRPr>
-            </a:lvl9pPr>
-          </a:lstStyle>
-          <a:p>
-            <a:r>
-              <a:rPr lang="fr-CA" dirty="0">
-                <a:solidFill>
-                  <a:srgbClr val="286D9F"/>
-                </a:solidFill>
-              </a:rPr>
-              <a:t>Références</a:t>
-            </a:r>
-          </a:p>
-        </p:txBody>
-      </p:sp>
-      <p:sp>
-        <p:nvSpPr>
-          <p:cNvPr id="3" name="Rectangle 2">
-            <a:extLst>
-              <a:ext uri="{FF2B5EF4-FFF2-40B4-BE49-F238E27FC236}">
-                <a16:creationId xmlns:a16="http://schemas.microsoft.com/office/drawing/2014/main" id="{BA0A46BD-0FD2-481A-AB72-F6E2A27E0618}"/>
-              </a:ext>
-            </a:extLst>
-          </p:cNvPr>
-          <p:cNvSpPr/>
-          <p:nvPr/>
-        </p:nvSpPr>
-        <p:spPr>
-          <a:xfrm>
-            <a:off x="631970" y="1507650"/>
-            <a:ext cx="7127847" cy="1785104"/>
-          </a:xfrm>
-          <a:prstGeom prst="rect">
-            <a:avLst/>
-          </a:prstGeom>
-        </p:spPr>
-        <p:txBody>
-          <a:bodyPr wrap="square">
-            <a:spAutoFit/>
-          </a:bodyPr>
-          <a:lstStyle/>
-          <a:p>
-            <a:r>
-              <a:rPr lang="fr-FR" sz="1400" dirty="0"/>
-              <a:t>[1] P. Mathew, «</a:t>
-            </a:r>
-            <a:r>
-              <a:rPr lang="en-US" sz="1400" i="1" dirty="0"/>
-              <a:t>Application of SONAR in ships»</a:t>
-            </a:r>
-            <a:r>
-              <a:rPr lang="fr-FR" sz="1400" dirty="0"/>
-              <a:t>, </a:t>
-            </a:r>
-            <a:r>
-              <a:rPr lang="fr-FR" sz="1400" dirty="0" err="1"/>
-              <a:t>ResearchGate</a:t>
-            </a:r>
-            <a:r>
-              <a:rPr lang="fr-FR" sz="1400" dirty="0"/>
-              <a:t>, </a:t>
-            </a:r>
-            <a:r>
-              <a:rPr lang="fr-CA" sz="1400" dirty="0"/>
-              <a:t>https://www.researchgate.net/figure/Figure-Application-of-SONAR-in-ships_fig1_325895667 </a:t>
-            </a:r>
-            <a:r>
-              <a:rPr lang="fr-FR" sz="1400" dirty="0"/>
-              <a:t>[En ligne ; Page disponible le 8 avril 2020].</a:t>
-            </a:r>
-          </a:p>
-          <a:p>
-            <a:endParaRPr lang="fr-FR" sz="600" dirty="0"/>
-          </a:p>
-          <a:p>
-            <a:r>
-              <a:rPr lang="fr-FR" sz="1400" dirty="0"/>
-              <a:t>[2] </a:t>
-            </a:r>
-            <a:r>
-              <a:rPr lang="fr-FR" sz="1400" dirty="0" err="1"/>
-              <a:t>Elbit</a:t>
-            </a:r>
-            <a:r>
-              <a:rPr lang="fr-FR" sz="1400" dirty="0"/>
-              <a:t> </a:t>
-            </a:r>
-            <a:r>
-              <a:rPr lang="fr-FR" sz="1400" dirty="0" err="1"/>
-              <a:t>Systems</a:t>
-            </a:r>
-            <a:r>
-              <a:rPr lang="fr-FR" sz="1400" dirty="0"/>
-              <a:t>, «</a:t>
-            </a:r>
-            <a:r>
-              <a:rPr lang="fr-FR" sz="1400" i="1" dirty="0"/>
-              <a:t>C-BASS</a:t>
-            </a:r>
-            <a:r>
-              <a:rPr lang="fr-FR" sz="1400" dirty="0"/>
-              <a:t>», Hull </a:t>
-            </a:r>
-            <a:r>
-              <a:rPr lang="fr-FR" sz="1400" dirty="0" err="1"/>
-              <a:t>Mounted</a:t>
-            </a:r>
-            <a:r>
-              <a:rPr lang="fr-FR" sz="1400" dirty="0"/>
-              <a:t> Sonar, https://www.elbitsystems-uk.com/what-we-do/naval/underwater-warfare/sonar-systems [En ligne ; Page disponible le 8 avril 2020].</a:t>
-            </a:r>
-          </a:p>
-          <a:p>
-            <a:endParaRPr lang="fr-FR" sz="600" dirty="0"/>
-          </a:p>
-          <a:p>
-            <a:r>
-              <a:rPr lang="fr-CA" sz="1400" dirty="0"/>
-              <a:t>[3] </a:t>
-            </a:r>
-          </a:p>
-        </p:txBody>
-      </p:sp>
-    </p:spTree>
-    <p:extLst>
-      <p:ext uri="{BB962C8B-B14F-4D97-AF65-F5344CB8AC3E}">
-        <p14:creationId xmlns:p14="http://schemas.microsoft.com/office/powerpoint/2010/main" val="335560268"/>
       </p:ext>
     </p:extLst>
   </p:cSld>
@@ -8281,6 +8407,253 @@
     <p:extLst>
       <p:ext uri="{BB962C8B-B14F-4D97-AF65-F5344CB8AC3E}">
         <p14:creationId xmlns:p14="http://schemas.microsoft.com/office/powerpoint/2010/main" val="1307310142"/>
+      </p:ext>
+    </p:extLst>
+  </p:cSld>
+  <p:clrMapOvr>
+    <a:masterClrMapping/>
+  </p:clrMapOvr>
+</p:sld>
+</file>
+
+<file path=ppt/slides/slide20.xml><?xml version="1.0" encoding="utf-8"?>
+<p:sld xmlns:a="http://schemas.openxmlformats.org/drawingml/2006/main" xmlns:r="http://schemas.openxmlformats.org/officeDocument/2006/relationships" xmlns:p="http://schemas.openxmlformats.org/presentationml/2006/main">
+  <p:cSld>
+    <p:spTree>
+      <p:nvGrpSpPr>
+        <p:cNvPr id="1" name=""/>
+        <p:cNvGrpSpPr/>
+        <p:nvPr/>
+      </p:nvGrpSpPr>
+      <p:grpSpPr>
+        <a:xfrm>
+          <a:off x="0" y="0"/>
+          <a:ext cx="0" cy="0"/>
+          <a:chOff x="0" y="0"/>
+          <a:chExt cx="0" cy="0"/>
+        </a:xfrm>
+      </p:grpSpPr>
+      <p:sp>
+        <p:nvSpPr>
+          <p:cNvPr id="2" name="Titre 1">
+            <a:extLst>
+              <a:ext uri="{FF2B5EF4-FFF2-40B4-BE49-F238E27FC236}">
+                <a16:creationId xmlns:a16="http://schemas.microsoft.com/office/drawing/2014/main" id="{03EE799C-7398-441E-956D-60778EB6ADFB}"/>
+              </a:ext>
+            </a:extLst>
+          </p:cNvPr>
+          <p:cNvSpPr txBox="1">
+            <a:spLocks/>
+          </p:cNvSpPr>
+          <p:nvPr/>
+        </p:nvSpPr>
+        <p:spPr>
+          <a:xfrm>
+            <a:off x="455643" y="510175"/>
+            <a:ext cx="3352959" cy="739786"/>
+          </a:xfrm>
+          <a:prstGeom prst="rect">
+            <a:avLst/>
+          </a:prstGeom>
+        </p:spPr>
+        <p:txBody>
+          <a:bodyPr/>
+          <a:lstStyle>
+            <a:lvl1pPr algn="l" defTabSz="457200" rtl="0" eaLnBrk="1" latinLnBrk="0" hangingPunct="1">
+              <a:spcBef>
+                <a:spcPct val="0"/>
+              </a:spcBef>
+              <a:buNone/>
+              <a:defRPr sz="3600" kern="1200">
+                <a:solidFill>
+                  <a:schemeClr val="accent1"/>
+                </a:solidFill>
+                <a:latin typeface="+mj-lt"/>
+                <a:ea typeface="+mj-ea"/>
+                <a:cs typeface="+mj-cs"/>
+              </a:defRPr>
+            </a:lvl1pPr>
+            <a:lvl2pPr eaLnBrk="1" hangingPunct="1">
+              <a:defRPr>
+                <a:solidFill>
+                  <a:schemeClr val="tx2"/>
+                </a:solidFill>
+              </a:defRPr>
+            </a:lvl2pPr>
+            <a:lvl3pPr eaLnBrk="1" hangingPunct="1">
+              <a:defRPr>
+                <a:solidFill>
+                  <a:schemeClr val="tx2"/>
+                </a:solidFill>
+              </a:defRPr>
+            </a:lvl3pPr>
+            <a:lvl4pPr eaLnBrk="1" hangingPunct="1">
+              <a:defRPr>
+                <a:solidFill>
+                  <a:schemeClr val="tx2"/>
+                </a:solidFill>
+              </a:defRPr>
+            </a:lvl4pPr>
+            <a:lvl5pPr eaLnBrk="1" hangingPunct="1">
+              <a:defRPr>
+                <a:solidFill>
+                  <a:schemeClr val="tx2"/>
+                </a:solidFill>
+              </a:defRPr>
+            </a:lvl5pPr>
+            <a:lvl6pPr eaLnBrk="1" hangingPunct="1">
+              <a:defRPr>
+                <a:solidFill>
+                  <a:schemeClr val="tx2"/>
+                </a:solidFill>
+              </a:defRPr>
+            </a:lvl6pPr>
+            <a:lvl7pPr eaLnBrk="1" hangingPunct="1">
+              <a:defRPr>
+                <a:solidFill>
+                  <a:schemeClr val="tx2"/>
+                </a:solidFill>
+              </a:defRPr>
+            </a:lvl7pPr>
+            <a:lvl8pPr eaLnBrk="1" hangingPunct="1">
+              <a:defRPr>
+                <a:solidFill>
+                  <a:schemeClr val="tx2"/>
+                </a:solidFill>
+              </a:defRPr>
+            </a:lvl8pPr>
+            <a:lvl9pPr eaLnBrk="1" hangingPunct="1">
+              <a:defRPr>
+                <a:solidFill>
+                  <a:schemeClr val="tx2"/>
+                </a:solidFill>
+              </a:defRPr>
+            </a:lvl9pPr>
+          </a:lstStyle>
+          <a:p>
+            <a:r>
+              <a:rPr lang="fr-CA" dirty="0">
+                <a:solidFill>
+                  <a:srgbClr val="286D9F"/>
+                </a:solidFill>
+              </a:rPr>
+              <a:t>Références</a:t>
+            </a:r>
+          </a:p>
+        </p:txBody>
+      </p:sp>
+      <p:sp>
+        <p:nvSpPr>
+          <p:cNvPr id="3" name="Rectangle 2">
+            <a:extLst>
+              <a:ext uri="{FF2B5EF4-FFF2-40B4-BE49-F238E27FC236}">
+                <a16:creationId xmlns:a16="http://schemas.microsoft.com/office/drawing/2014/main" id="{BA0A46BD-0FD2-481A-AB72-F6E2A27E0618}"/>
+              </a:ext>
+            </a:extLst>
+          </p:cNvPr>
+          <p:cNvSpPr/>
+          <p:nvPr/>
+        </p:nvSpPr>
+        <p:spPr>
+          <a:xfrm>
+            <a:off x="631970" y="1507650"/>
+            <a:ext cx="7127847" cy="1785104"/>
+          </a:xfrm>
+          <a:prstGeom prst="rect">
+            <a:avLst/>
+          </a:prstGeom>
+        </p:spPr>
+        <p:txBody>
+          <a:bodyPr wrap="square">
+            <a:spAutoFit/>
+          </a:bodyPr>
+          <a:lstStyle/>
+          <a:p>
+            <a:r>
+              <a:rPr lang="fr-FR" sz="1400" dirty="0"/>
+              <a:t>[1] P. Mathew, «</a:t>
+            </a:r>
+            <a:r>
+              <a:rPr lang="en-US" sz="1400" i="1" dirty="0"/>
+              <a:t>Application of SONAR in ships»</a:t>
+            </a:r>
+            <a:r>
+              <a:rPr lang="fr-FR" sz="1400" dirty="0"/>
+              <a:t>, </a:t>
+            </a:r>
+            <a:r>
+              <a:rPr lang="fr-FR" sz="1400" dirty="0" err="1"/>
+              <a:t>ResearchGate</a:t>
+            </a:r>
+            <a:r>
+              <a:rPr lang="fr-FR" sz="1400" dirty="0"/>
+              <a:t>, </a:t>
+            </a:r>
+            <a:r>
+              <a:rPr lang="fr-CA" sz="1400" dirty="0"/>
+              <a:t>https://www.researchgate.net/figure/Figure-Application-of-SONAR-in-ships_fig1_325895667 </a:t>
+            </a:r>
+            <a:r>
+              <a:rPr lang="fr-FR" sz="1400" dirty="0"/>
+              <a:t>[En ligne ; Page disponible le 8 avril 2020].</a:t>
+            </a:r>
+          </a:p>
+          <a:p>
+            <a:endParaRPr lang="fr-FR" sz="600" dirty="0"/>
+          </a:p>
+          <a:p>
+            <a:r>
+              <a:rPr lang="fr-FR" sz="1400" dirty="0"/>
+              <a:t>[2] </a:t>
+            </a:r>
+            <a:r>
+              <a:rPr lang="fr-FR" sz="1400" dirty="0" err="1"/>
+              <a:t>Elbit</a:t>
+            </a:r>
+            <a:r>
+              <a:rPr lang="fr-FR" sz="1400" dirty="0"/>
+              <a:t> </a:t>
+            </a:r>
+            <a:r>
+              <a:rPr lang="fr-FR" sz="1400" dirty="0" err="1"/>
+              <a:t>Systems</a:t>
+            </a:r>
+            <a:r>
+              <a:rPr lang="fr-FR" sz="1400" dirty="0"/>
+              <a:t>, «</a:t>
+            </a:r>
+            <a:r>
+              <a:rPr lang="fr-FR" sz="1400" i="1" dirty="0"/>
+              <a:t>C-BASS</a:t>
+            </a:r>
+            <a:r>
+              <a:rPr lang="fr-FR" sz="1400" dirty="0"/>
+              <a:t>», Hull </a:t>
+            </a:r>
+            <a:r>
+              <a:rPr lang="fr-FR" sz="1400" dirty="0" err="1"/>
+              <a:t>Mounted</a:t>
+            </a:r>
+            <a:r>
+              <a:rPr lang="fr-FR" sz="1400" dirty="0"/>
+              <a:t> Sonar, https://www.elbitsystems-uk.com/what-we-do/naval/underwater-warfare/sonar-systems [En ligne ; Page disponible le 8 avril 2020].</a:t>
+            </a:r>
+          </a:p>
+          <a:p>
+            <a:endParaRPr lang="fr-FR" sz="600" dirty="0"/>
+          </a:p>
+          <a:p>
+            <a:r>
+              <a:rPr lang="fr-CA" sz="1400" dirty="0"/>
+              <a:t>[3] </a:t>
+            </a:r>
+          </a:p>
+        </p:txBody>
+      </p:sp>
+    </p:spTree>
+    <p:extLst>
+      <p:ext uri="{BB962C8B-B14F-4D97-AF65-F5344CB8AC3E}">
+        <p14:creationId xmlns:p14="http://schemas.microsoft.com/office/powerpoint/2010/main" val="335560268"/>
       </p:ext>
     </p:extLst>
   </p:cSld>
@@ -13431,8 +13804,8 @@
             <a:chExt cx="4856765" cy="917046"/>
           </a:xfrm>
         </p:grpSpPr>
-        <mc:AlternateContent xmlns:mc="http://schemas.openxmlformats.org/markup-compatibility/2006">
-          <mc:Choice xmlns:a14="http://schemas.microsoft.com/office/drawing/2010/main" Requires="a14">
+        <mc:AlternateContent xmlns:mc="http://schemas.openxmlformats.org/markup-compatibility/2006" xmlns:a14="http://schemas.microsoft.com/office/drawing/2010/main">
+          <mc:Choice Requires="a14">
             <p:sp>
               <p:nvSpPr>
                 <p:cNvPr id="4" name="ZoneTexte 3">
@@ -13461,6 +13834,7 @@
                 </a:bodyPr>
                 <a:lstStyle/>
                 <a:p>
+                  <a:pPr/>
                   <a14:m>
                     <m:oMathPara xmlns:m="http://schemas.openxmlformats.org/officeDocument/2006/math">
                       <m:oMathParaPr>
@@ -13937,7 +14311,7 @@
               </p:txBody>
             </p:sp>
           </mc:Choice>
-          <mc:Fallback>
+          <mc:Fallback xmlns="">
             <p:sp>
               <p:nvSpPr>
                 <p:cNvPr id="4" name="ZoneTexte 3">
@@ -14174,8 +14548,8 @@
             <a:chExt cx="3214598" cy="733534"/>
           </a:xfrm>
         </p:grpSpPr>
-        <mc:AlternateContent xmlns:mc="http://schemas.openxmlformats.org/markup-compatibility/2006">
-          <mc:Choice xmlns:a14="http://schemas.microsoft.com/office/drawing/2010/main" Requires="a14">
+        <mc:AlternateContent xmlns:mc="http://schemas.openxmlformats.org/markup-compatibility/2006" xmlns:a14="http://schemas.microsoft.com/office/drawing/2010/main">
+          <mc:Choice Requires="a14">
             <p:sp>
               <p:nvSpPr>
                 <p:cNvPr id="10" name="ZoneTexte 9">
@@ -14204,6 +14578,7 @@
                 </a:bodyPr>
                 <a:lstStyle/>
                 <a:p>
+                  <a:pPr/>
                   <a14:m>
                     <m:oMathPara xmlns:m="http://schemas.openxmlformats.org/officeDocument/2006/math">
                       <m:oMathParaPr>
@@ -14461,7 +14836,7 @@
               </p:txBody>
             </p:sp>
           </mc:Choice>
-          <mc:Fallback>
+          <mc:Fallback xmlns="">
             <p:sp>
               <p:nvSpPr>
                 <p:cNvPr id="10" name="ZoneTexte 9">
@@ -14565,8 +14940,8 @@
             <a:chExt cx="4454219" cy="369332"/>
           </a:xfrm>
         </p:grpSpPr>
-        <mc:AlternateContent xmlns:mc="http://schemas.openxmlformats.org/markup-compatibility/2006">
-          <mc:Choice xmlns:a14="http://schemas.microsoft.com/office/drawing/2010/main" Requires="a14">
+        <mc:AlternateContent xmlns:mc="http://schemas.openxmlformats.org/markup-compatibility/2006" xmlns:a14="http://schemas.microsoft.com/office/drawing/2010/main">
+          <mc:Choice Requires="a14">
             <p:sp>
               <p:nvSpPr>
                 <p:cNvPr id="12" name="ZoneTexte 11">
@@ -14595,6 +14970,7 @@
                 </a:bodyPr>
                 <a:lstStyle/>
                 <a:p>
+                  <a:pPr/>
                   <a14:m>
                     <m:oMathPara xmlns:m="http://schemas.openxmlformats.org/officeDocument/2006/math">
                       <m:oMathParaPr>
@@ -14932,7 +15308,7 @@
               </p:txBody>
             </p:sp>
           </mc:Choice>
-          <mc:Fallback>
+          <mc:Fallback xmlns="">
             <p:sp>
               <p:nvSpPr>
                 <p:cNvPr id="12" name="ZoneTexte 11">
@@ -15016,6 +15392,731 @@
           </p:txBody>
         </p:sp>
       </p:grpSp>
+      <mc:AlternateContent xmlns:mc="http://schemas.openxmlformats.org/markup-compatibility/2006">
+        <mc:Choice xmlns:a14="http://schemas.microsoft.com/office/drawing/2010/main" Requires="a14">
+          <p:sp>
+            <p:nvSpPr>
+              <p:cNvPr id="11" name="TextBox 10">
+                <a:extLst>
+                  <a:ext uri="{FF2B5EF4-FFF2-40B4-BE49-F238E27FC236}">
+                    <a16:creationId xmlns:a16="http://schemas.microsoft.com/office/drawing/2014/main" id="{003D2D0D-0D3C-475B-91BF-156AA8591FA5}"/>
+                  </a:ext>
+                </a:extLst>
+              </p:cNvPr>
+              <p:cNvSpPr txBox="1"/>
+              <p:nvPr/>
+            </p:nvSpPr>
+            <p:spPr>
+              <a:xfrm>
+                <a:off x="1799376" y="5988957"/>
+                <a:ext cx="4096571" cy="627929"/>
+              </a:xfrm>
+              <a:prstGeom prst="rect">
+                <a:avLst/>
+              </a:prstGeom>
+              <a:noFill/>
+            </p:spPr>
+            <p:txBody>
+              <a:bodyPr wrap="none" lIns="0" tIns="0" rIns="0" bIns="0" rtlCol="0">
+                <a:spAutoFit/>
+              </a:bodyPr>
+              <a:lstStyle/>
+              <a:p>
+                <a14:m>
+                  <m:oMathPara xmlns:m="http://schemas.openxmlformats.org/officeDocument/2006/math">
+                    <m:oMathParaPr>
+                      <m:jc m:val="centerGroup"/>
+                    </m:oMathParaPr>
+                    <m:oMath xmlns:m="http://schemas.openxmlformats.org/officeDocument/2006/math">
+                      <m:f>
+                        <m:fPr>
+                          <m:ctrlPr>
+                            <a:rPr lang="en-CA" b="0" i="1" smtClean="0">
+                              <a:latin typeface="Cambria Math" panose="02040503050406030204" pitchFamily="18" charset="0"/>
+                            </a:rPr>
+                          </m:ctrlPr>
+                        </m:fPr>
+                        <m:num>
+                          <m:r>
+                            <a:rPr lang="en-CA" b="0" i="1" smtClean="0">
+                              <a:latin typeface="Cambria Math" panose="02040503050406030204" pitchFamily="18" charset="0"/>
+                            </a:rPr>
+                            <m:t>1</m:t>
+                          </m:r>
+                        </m:num>
+                        <m:den>
+                          <m:sSub>
+                            <m:sSubPr>
+                              <m:ctrlPr>
+                                <a:rPr lang="en-CA" b="0" i="1" smtClean="0">
+                                  <a:latin typeface="Cambria Math" panose="02040503050406030204" pitchFamily="18" charset="0"/>
+                                </a:rPr>
+                              </m:ctrlPr>
+                            </m:sSubPr>
+                            <m:e>
+                              <m:r>
+                                <a:rPr lang="en-CA" i="1">
+                                  <a:latin typeface="Cambria Math" panose="02040503050406030204" pitchFamily="18" charset="0"/>
+                                  <a:ea typeface="Cambria Math" panose="02040503050406030204" pitchFamily="18" charset="0"/>
+                                </a:rPr>
+                                <m:t>𝛾</m:t>
+                              </m:r>
+                            </m:e>
+                            <m:sub>
+                              <m:r>
+                                <a:rPr lang="en-CA" b="0" i="1" smtClean="0">
+                                  <a:latin typeface="Cambria Math" panose="02040503050406030204" pitchFamily="18" charset="0"/>
+                                </a:rPr>
+                                <m:t>𝑥</m:t>
+                              </m:r>
+                            </m:sub>
+                          </m:sSub>
+                        </m:den>
+                      </m:f>
+                      <m:f>
+                        <m:fPr>
+                          <m:ctrlPr>
+                            <a:rPr lang="en-CA" b="0" i="1" smtClean="0">
+                              <a:latin typeface="Cambria Math" panose="02040503050406030204" pitchFamily="18" charset="0"/>
+                            </a:rPr>
+                          </m:ctrlPr>
+                        </m:fPr>
+                        <m:num>
+                          <m:r>
+                            <a:rPr lang="en-CA" b="0" i="1" smtClean="0">
+                              <a:latin typeface="Cambria Math" panose="02040503050406030204" pitchFamily="18" charset="0"/>
+                              <a:ea typeface="Cambria Math" panose="02040503050406030204" pitchFamily="18" charset="0"/>
+                            </a:rPr>
+                            <m:t>𝜕</m:t>
+                          </m:r>
+                        </m:num>
+                        <m:den>
+                          <m:r>
+                            <a:rPr lang="en-CA" b="0" i="1" smtClean="0">
+                              <a:latin typeface="Cambria Math" panose="02040503050406030204" pitchFamily="18" charset="0"/>
+                              <a:ea typeface="Cambria Math" panose="02040503050406030204" pitchFamily="18" charset="0"/>
+                            </a:rPr>
+                            <m:t>𝜕</m:t>
+                          </m:r>
+                          <m:r>
+                            <a:rPr lang="en-CA" b="0" i="1" smtClean="0">
+                              <a:latin typeface="Cambria Math" panose="02040503050406030204" pitchFamily="18" charset="0"/>
+                              <a:ea typeface="Cambria Math" panose="02040503050406030204" pitchFamily="18" charset="0"/>
+                            </a:rPr>
+                            <m:t>𝑥</m:t>
+                          </m:r>
+                        </m:den>
+                      </m:f>
+                      <m:d>
+                        <m:dPr>
+                          <m:ctrlPr>
+                            <a:rPr lang="en-CA" b="0" i="1" smtClean="0">
+                              <a:latin typeface="Cambria Math" panose="02040503050406030204" pitchFamily="18" charset="0"/>
+                            </a:rPr>
+                          </m:ctrlPr>
+                        </m:dPr>
+                        <m:e>
+                          <m:f>
+                            <m:fPr>
+                              <m:ctrlPr>
+                                <a:rPr lang="en-CA" i="1">
+                                  <a:latin typeface="Cambria Math" panose="02040503050406030204" pitchFamily="18" charset="0"/>
+                                </a:rPr>
+                              </m:ctrlPr>
+                            </m:fPr>
+                            <m:num>
+                              <m:r>
+                                <a:rPr lang="en-CA" i="1">
+                                  <a:latin typeface="Cambria Math" panose="02040503050406030204" pitchFamily="18" charset="0"/>
+                                </a:rPr>
+                                <m:t>1</m:t>
+                              </m:r>
+                            </m:num>
+                            <m:den>
+                              <m:sSub>
+                                <m:sSubPr>
+                                  <m:ctrlPr>
+                                    <a:rPr lang="en-CA" i="1">
+                                      <a:latin typeface="Cambria Math" panose="02040503050406030204" pitchFamily="18" charset="0"/>
+                                    </a:rPr>
+                                  </m:ctrlPr>
+                                </m:sSubPr>
+                                <m:e>
+                                  <m:r>
+                                    <a:rPr lang="en-CA" i="1">
+                                      <a:latin typeface="Cambria Math" panose="02040503050406030204" pitchFamily="18" charset="0"/>
+                                      <a:ea typeface="Cambria Math" panose="02040503050406030204" pitchFamily="18" charset="0"/>
+                                    </a:rPr>
+                                    <m:t>𝛾</m:t>
+                                  </m:r>
+                                </m:e>
+                                <m:sub>
+                                  <m:r>
+                                    <a:rPr lang="en-CA" i="1">
+                                      <a:latin typeface="Cambria Math" panose="02040503050406030204" pitchFamily="18" charset="0"/>
+                                    </a:rPr>
+                                    <m:t>𝑥</m:t>
+                                  </m:r>
+                                </m:sub>
+                              </m:sSub>
+                            </m:den>
+                          </m:f>
+                          <m:f>
+                            <m:fPr>
+                              <m:ctrlPr>
+                                <a:rPr lang="en-CA" i="1">
+                                  <a:latin typeface="Cambria Math" panose="02040503050406030204" pitchFamily="18" charset="0"/>
+                                </a:rPr>
+                              </m:ctrlPr>
+                            </m:fPr>
+                            <m:num>
+                              <m:r>
+                                <a:rPr lang="en-CA" i="1">
+                                  <a:latin typeface="Cambria Math" panose="02040503050406030204" pitchFamily="18" charset="0"/>
+                                  <a:ea typeface="Cambria Math" panose="02040503050406030204" pitchFamily="18" charset="0"/>
+                                </a:rPr>
+                                <m:t>𝜕</m:t>
+                              </m:r>
+                              <m:r>
+                                <a:rPr lang="en-CA" b="0" i="1" smtClean="0">
+                                  <a:latin typeface="Cambria Math" panose="02040503050406030204" pitchFamily="18" charset="0"/>
+                                  <a:ea typeface="Cambria Math" panose="02040503050406030204" pitchFamily="18" charset="0"/>
+                                </a:rPr>
+                                <m:t>𝑝</m:t>
+                              </m:r>
+                            </m:num>
+                            <m:den>
+                              <m:r>
+                                <a:rPr lang="en-CA" i="1">
+                                  <a:latin typeface="Cambria Math" panose="02040503050406030204" pitchFamily="18" charset="0"/>
+                                  <a:ea typeface="Cambria Math" panose="02040503050406030204" pitchFamily="18" charset="0"/>
+                                </a:rPr>
+                                <m:t>𝜕</m:t>
+                              </m:r>
+                              <m:r>
+                                <a:rPr lang="en-CA" i="1">
+                                  <a:latin typeface="Cambria Math" panose="02040503050406030204" pitchFamily="18" charset="0"/>
+                                  <a:ea typeface="Cambria Math" panose="02040503050406030204" pitchFamily="18" charset="0"/>
+                                </a:rPr>
+                                <m:t>𝑥</m:t>
+                              </m:r>
+                            </m:den>
+                          </m:f>
+                        </m:e>
+                      </m:d>
+                      <m:r>
+                        <a:rPr lang="en-CA" b="0" i="1" smtClean="0">
+                          <a:latin typeface="Cambria Math" panose="02040503050406030204" pitchFamily="18" charset="0"/>
+                        </a:rPr>
+                        <m:t>+</m:t>
+                      </m:r>
+                      <m:f>
+                        <m:fPr>
+                          <m:ctrlPr>
+                            <a:rPr lang="en-CA" i="1">
+                              <a:latin typeface="Cambria Math" panose="02040503050406030204" pitchFamily="18" charset="0"/>
+                            </a:rPr>
+                          </m:ctrlPr>
+                        </m:fPr>
+                        <m:num>
+                          <m:r>
+                            <a:rPr lang="en-CA" i="1">
+                              <a:latin typeface="Cambria Math" panose="02040503050406030204" pitchFamily="18" charset="0"/>
+                            </a:rPr>
+                            <m:t>1</m:t>
+                          </m:r>
+                        </m:num>
+                        <m:den>
+                          <m:sSub>
+                            <m:sSubPr>
+                              <m:ctrlPr>
+                                <a:rPr lang="en-CA" i="1">
+                                  <a:latin typeface="Cambria Math" panose="02040503050406030204" pitchFamily="18" charset="0"/>
+                                </a:rPr>
+                              </m:ctrlPr>
+                            </m:sSubPr>
+                            <m:e>
+                              <m:r>
+                                <a:rPr lang="en-CA" i="1">
+                                  <a:latin typeface="Cambria Math" panose="02040503050406030204" pitchFamily="18" charset="0"/>
+                                  <a:ea typeface="Cambria Math" panose="02040503050406030204" pitchFamily="18" charset="0"/>
+                                </a:rPr>
+                                <m:t>𝛾</m:t>
+                              </m:r>
+                            </m:e>
+                            <m:sub>
+                              <m:r>
+                                <a:rPr lang="en-CA" b="0" i="1" smtClean="0">
+                                  <a:latin typeface="Cambria Math" panose="02040503050406030204" pitchFamily="18" charset="0"/>
+                                  <a:ea typeface="Cambria Math" panose="02040503050406030204" pitchFamily="18" charset="0"/>
+                                </a:rPr>
+                                <m:t>𝑦</m:t>
+                              </m:r>
+                            </m:sub>
+                          </m:sSub>
+                        </m:den>
+                      </m:f>
+                      <m:f>
+                        <m:fPr>
+                          <m:ctrlPr>
+                            <a:rPr lang="en-CA" i="1">
+                              <a:latin typeface="Cambria Math" panose="02040503050406030204" pitchFamily="18" charset="0"/>
+                            </a:rPr>
+                          </m:ctrlPr>
+                        </m:fPr>
+                        <m:num>
+                          <m:r>
+                            <a:rPr lang="en-CA" i="1">
+                              <a:latin typeface="Cambria Math" panose="02040503050406030204" pitchFamily="18" charset="0"/>
+                              <a:ea typeface="Cambria Math" panose="02040503050406030204" pitchFamily="18" charset="0"/>
+                            </a:rPr>
+                            <m:t>𝜕</m:t>
+                          </m:r>
+                        </m:num>
+                        <m:den>
+                          <m:r>
+                            <a:rPr lang="en-CA" i="1">
+                              <a:latin typeface="Cambria Math" panose="02040503050406030204" pitchFamily="18" charset="0"/>
+                              <a:ea typeface="Cambria Math" panose="02040503050406030204" pitchFamily="18" charset="0"/>
+                            </a:rPr>
+                            <m:t>𝜕</m:t>
+                          </m:r>
+                          <m:r>
+                            <a:rPr lang="en-CA" b="0" i="1" smtClean="0">
+                              <a:latin typeface="Cambria Math" panose="02040503050406030204" pitchFamily="18" charset="0"/>
+                              <a:ea typeface="Cambria Math" panose="02040503050406030204" pitchFamily="18" charset="0"/>
+                            </a:rPr>
+                            <m:t>𝑦</m:t>
+                          </m:r>
+                        </m:den>
+                      </m:f>
+                      <m:d>
+                        <m:dPr>
+                          <m:ctrlPr>
+                            <a:rPr lang="en-CA" i="1">
+                              <a:latin typeface="Cambria Math" panose="02040503050406030204" pitchFamily="18" charset="0"/>
+                            </a:rPr>
+                          </m:ctrlPr>
+                        </m:dPr>
+                        <m:e>
+                          <m:f>
+                            <m:fPr>
+                              <m:ctrlPr>
+                                <a:rPr lang="en-CA" i="1">
+                                  <a:latin typeface="Cambria Math" panose="02040503050406030204" pitchFamily="18" charset="0"/>
+                                </a:rPr>
+                              </m:ctrlPr>
+                            </m:fPr>
+                            <m:num>
+                              <m:r>
+                                <a:rPr lang="en-CA" i="1">
+                                  <a:latin typeface="Cambria Math" panose="02040503050406030204" pitchFamily="18" charset="0"/>
+                                </a:rPr>
+                                <m:t>1</m:t>
+                              </m:r>
+                            </m:num>
+                            <m:den>
+                              <m:sSub>
+                                <m:sSubPr>
+                                  <m:ctrlPr>
+                                    <a:rPr lang="en-CA" i="1">
+                                      <a:latin typeface="Cambria Math" panose="02040503050406030204" pitchFamily="18" charset="0"/>
+                                    </a:rPr>
+                                  </m:ctrlPr>
+                                </m:sSubPr>
+                                <m:e>
+                                  <m:r>
+                                    <a:rPr lang="en-CA" i="1">
+                                      <a:latin typeface="Cambria Math" panose="02040503050406030204" pitchFamily="18" charset="0"/>
+                                      <a:ea typeface="Cambria Math" panose="02040503050406030204" pitchFamily="18" charset="0"/>
+                                    </a:rPr>
+                                    <m:t>𝛾</m:t>
+                                  </m:r>
+                                </m:e>
+                                <m:sub>
+                                  <m:r>
+                                    <a:rPr lang="en-CA" i="1">
+                                      <a:latin typeface="Cambria Math" panose="02040503050406030204" pitchFamily="18" charset="0"/>
+                                      <a:ea typeface="Cambria Math" panose="02040503050406030204" pitchFamily="18" charset="0"/>
+                                    </a:rPr>
+                                    <m:t>𝑦</m:t>
+                                  </m:r>
+                                </m:sub>
+                              </m:sSub>
+                            </m:den>
+                          </m:f>
+                          <m:f>
+                            <m:fPr>
+                              <m:ctrlPr>
+                                <a:rPr lang="en-CA" i="1">
+                                  <a:latin typeface="Cambria Math" panose="02040503050406030204" pitchFamily="18" charset="0"/>
+                                </a:rPr>
+                              </m:ctrlPr>
+                            </m:fPr>
+                            <m:num>
+                              <m:r>
+                                <a:rPr lang="en-CA" i="1">
+                                  <a:latin typeface="Cambria Math" panose="02040503050406030204" pitchFamily="18" charset="0"/>
+                                  <a:ea typeface="Cambria Math" panose="02040503050406030204" pitchFamily="18" charset="0"/>
+                                </a:rPr>
+                                <m:t>𝜕</m:t>
+                              </m:r>
+                              <m:r>
+                                <a:rPr lang="en-CA" i="1">
+                                  <a:latin typeface="Cambria Math" panose="02040503050406030204" pitchFamily="18" charset="0"/>
+                                  <a:ea typeface="Cambria Math" panose="02040503050406030204" pitchFamily="18" charset="0"/>
+                                </a:rPr>
+                                <m:t>𝑝</m:t>
+                              </m:r>
+                            </m:num>
+                            <m:den>
+                              <m:r>
+                                <a:rPr lang="en-CA" i="1">
+                                  <a:latin typeface="Cambria Math" panose="02040503050406030204" pitchFamily="18" charset="0"/>
+                                  <a:ea typeface="Cambria Math" panose="02040503050406030204" pitchFamily="18" charset="0"/>
+                                </a:rPr>
+                                <m:t>𝜕</m:t>
+                              </m:r>
+                              <m:r>
+                                <a:rPr lang="en-CA" b="0" i="1" smtClean="0">
+                                  <a:latin typeface="Cambria Math" panose="02040503050406030204" pitchFamily="18" charset="0"/>
+                                  <a:ea typeface="Cambria Math" panose="02040503050406030204" pitchFamily="18" charset="0"/>
+                                </a:rPr>
+                                <m:t>𝑦</m:t>
+                              </m:r>
+                            </m:den>
+                          </m:f>
+                        </m:e>
+                      </m:d>
+                      <m:r>
+                        <a:rPr lang="en-CA" b="0" i="1" smtClean="0">
+                          <a:latin typeface="Cambria Math" panose="02040503050406030204" pitchFamily="18" charset="0"/>
+                          <a:ea typeface="Cambria Math" panose="02040503050406030204" pitchFamily="18" charset="0"/>
+                        </a:rPr>
+                        <m:t>+</m:t>
+                      </m:r>
+                      <m:sSup>
+                        <m:sSupPr>
+                          <m:ctrlPr>
+                            <a:rPr lang="en-CA" b="0" i="1" smtClean="0">
+                              <a:latin typeface="Cambria Math" panose="02040503050406030204" pitchFamily="18" charset="0"/>
+                              <a:ea typeface="Cambria Math" panose="02040503050406030204" pitchFamily="18" charset="0"/>
+                            </a:rPr>
+                          </m:ctrlPr>
+                        </m:sSupPr>
+                        <m:e>
+                          <m:r>
+                            <a:rPr lang="en-CA" b="0" i="1" smtClean="0">
+                              <a:latin typeface="Cambria Math" panose="02040503050406030204" pitchFamily="18" charset="0"/>
+                              <a:ea typeface="Cambria Math" panose="02040503050406030204" pitchFamily="18" charset="0"/>
+                            </a:rPr>
+                            <m:t>𝑘</m:t>
+                          </m:r>
+                        </m:e>
+                        <m:sup>
+                          <m:r>
+                            <a:rPr lang="en-CA" b="0" i="1" smtClean="0">
+                              <a:latin typeface="Cambria Math" panose="02040503050406030204" pitchFamily="18" charset="0"/>
+                              <a:ea typeface="Cambria Math" panose="02040503050406030204" pitchFamily="18" charset="0"/>
+                            </a:rPr>
+                            <m:t>2</m:t>
+                          </m:r>
+                        </m:sup>
+                      </m:sSup>
+                      <m:r>
+                        <a:rPr lang="en-CA" b="0" i="1" smtClean="0">
+                          <a:latin typeface="Cambria Math" panose="02040503050406030204" pitchFamily="18" charset="0"/>
+                          <a:ea typeface="Cambria Math" panose="02040503050406030204" pitchFamily="18" charset="0"/>
+                        </a:rPr>
+                        <m:t>𝑝</m:t>
+                      </m:r>
+                      <m:r>
+                        <a:rPr lang="en-CA" b="0" i="1" smtClean="0">
+                          <a:latin typeface="Cambria Math" panose="02040503050406030204" pitchFamily="18" charset="0"/>
+                          <a:ea typeface="Cambria Math" panose="02040503050406030204" pitchFamily="18" charset="0"/>
+                        </a:rPr>
+                        <m:t>=0</m:t>
+                      </m:r>
+                    </m:oMath>
+                  </m:oMathPara>
+                </a14:m>
+                <a:endParaRPr lang="en-CA" b="0" dirty="0"/>
+              </a:p>
+            </p:txBody>
+          </p:sp>
+        </mc:Choice>
+        <mc:Fallback>
+          <p:sp>
+            <p:nvSpPr>
+              <p:cNvPr id="11" name="TextBox 10">
+                <a:extLst>
+                  <a:ext uri="{FF2B5EF4-FFF2-40B4-BE49-F238E27FC236}">
+                    <a16:creationId xmlns:a16="http://schemas.microsoft.com/office/drawing/2014/main" id="{003D2D0D-0D3C-475B-91BF-156AA8591FA5}"/>
+                  </a:ext>
+                </a:extLst>
+              </p:cNvPr>
+              <p:cNvSpPr txBox="1">
+                <a:spLocks noRot="1" noChangeAspect="1" noMove="1" noResize="1" noEditPoints="1" noAdjustHandles="1" noChangeArrowheads="1" noChangeShapeType="1" noTextEdit="1"/>
+              </p:cNvSpPr>
+              <p:nvPr/>
+            </p:nvSpPr>
+            <p:spPr>
+              <a:xfrm>
+                <a:off x="1799376" y="5988957"/>
+                <a:ext cx="4096571" cy="627929"/>
+              </a:xfrm>
+              <a:prstGeom prst="rect">
+                <a:avLst/>
+              </a:prstGeom>
+              <a:blipFill>
+                <a:blip r:embed="rId5"/>
+                <a:stretch>
+                  <a:fillRect/>
+                </a:stretch>
+              </a:blipFill>
+            </p:spPr>
+            <p:txBody>
+              <a:bodyPr/>
+              <a:lstStyle/>
+              <a:p>
+                <a:r>
+                  <a:rPr lang="en-CA">
+                    <a:noFill/>
+                  </a:rPr>
+                  <a:t> </a:t>
+                </a:r>
+              </a:p>
+            </p:txBody>
+          </p:sp>
+        </mc:Fallback>
+      </mc:AlternateContent>
+      <mc:AlternateContent xmlns:mc="http://schemas.openxmlformats.org/markup-compatibility/2006">
+        <mc:Choice xmlns:a14="http://schemas.microsoft.com/office/drawing/2010/main" Requires="a14">
+          <p:sp>
+            <p:nvSpPr>
+              <p:cNvPr id="18" name="TextBox 17">
+                <a:extLst>
+                  <a:ext uri="{FF2B5EF4-FFF2-40B4-BE49-F238E27FC236}">
+                    <a16:creationId xmlns:a16="http://schemas.microsoft.com/office/drawing/2014/main" id="{EE8FEC50-193D-403C-BC60-7C3621ED8DCA}"/>
+                  </a:ext>
+                </a:extLst>
+              </p:cNvPr>
+              <p:cNvSpPr txBox="1"/>
+              <p:nvPr/>
+            </p:nvSpPr>
+            <p:spPr>
+              <a:xfrm>
+                <a:off x="6254330" y="5988957"/>
+                <a:ext cx="2029658" cy="567463"/>
+              </a:xfrm>
+              <a:prstGeom prst="rect">
+                <a:avLst/>
+              </a:prstGeom>
+              <a:noFill/>
+            </p:spPr>
+            <p:txBody>
+              <a:bodyPr wrap="none" lIns="0" tIns="0" rIns="0" bIns="0" rtlCol="0">
+                <a:spAutoFit/>
+              </a:bodyPr>
+              <a:lstStyle/>
+              <a:p>
+                <a14:m>
+                  <m:oMathPara xmlns:m="http://schemas.openxmlformats.org/officeDocument/2006/math">
+                    <m:oMathParaPr>
+                      <m:jc m:val="centerGroup"/>
+                    </m:oMathParaPr>
+                    <m:oMath xmlns:m="http://schemas.openxmlformats.org/officeDocument/2006/math">
+                      <m:sSub>
+                        <m:sSubPr>
+                          <m:ctrlPr>
+                            <a:rPr lang="en-CA" i="1">
+                              <a:latin typeface="Cambria Math" panose="02040503050406030204" pitchFamily="18" charset="0"/>
+                            </a:rPr>
+                          </m:ctrlPr>
+                        </m:sSubPr>
+                        <m:e>
+                          <m:r>
+                            <a:rPr lang="en-CA" i="1">
+                              <a:latin typeface="Cambria Math" panose="02040503050406030204" pitchFamily="18" charset="0"/>
+                              <a:ea typeface="Cambria Math" panose="02040503050406030204" pitchFamily="18" charset="0"/>
+                            </a:rPr>
+                            <m:t>𝛾</m:t>
+                          </m:r>
+                        </m:e>
+                        <m:sub>
+                          <m:r>
+                            <a:rPr lang="en-CA" i="1">
+                              <a:latin typeface="Cambria Math" panose="02040503050406030204" pitchFamily="18" charset="0"/>
+                            </a:rPr>
+                            <m:t>𝑥</m:t>
+                          </m:r>
+                        </m:sub>
+                      </m:sSub>
+                      <m:r>
+                        <a:rPr lang="en-CA" b="0" i="1" smtClean="0">
+                          <a:latin typeface="Cambria Math" panose="02040503050406030204" pitchFamily="18" charset="0"/>
+                          <a:ea typeface="Cambria Math" panose="02040503050406030204" pitchFamily="18" charset="0"/>
+                        </a:rPr>
+                        <m:t>=1+ </m:t>
+                      </m:r>
+                      <m:f>
+                        <m:fPr>
+                          <m:ctrlPr>
+                            <a:rPr lang="en-CA" b="0" i="1" smtClean="0">
+                              <a:latin typeface="Cambria Math" panose="02040503050406030204" pitchFamily="18" charset="0"/>
+                              <a:ea typeface="Cambria Math" panose="02040503050406030204" pitchFamily="18" charset="0"/>
+                            </a:rPr>
+                          </m:ctrlPr>
+                        </m:fPr>
+                        <m:num>
+                          <m:r>
+                            <a:rPr lang="en-CA" b="0" i="1" smtClean="0">
+                              <a:latin typeface="Cambria Math" panose="02040503050406030204" pitchFamily="18" charset="0"/>
+                              <a:ea typeface="Cambria Math" panose="02040503050406030204" pitchFamily="18" charset="0"/>
+                            </a:rPr>
+                            <m:t>𝑖</m:t>
+                          </m:r>
+                        </m:num>
+                        <m:den>
+                          <m:r>
+                            <a:rPr lang="en-CA" b="0" i="1" smtClean="0">
+                              <a:latin typeface="Cambria Math" panose="02040503050406030204" pitchFamily="18" charset="0"/>
+                              <a:ea typeface="Cambria Math" panose="02040503050406030204" pitchFamily="18" charset="0"/>
+                            </a:rPr>
+                            <m:t>𝜔</m:t>
+                          </m:r>
+                        </m:den>
+                      </m:f>
+                      <m:f>
+                        <m:fPr>
+                          <m:ctrlPr>
+                            <a:rPr lang="en-CA" b="0" i="1" smtClean="0">
+                              <a:latin typeface="Cambria Math" panose="02040503050406030204" pitchFamily="18" charset="0"/>
+                              <a:ea typeface="Cambria Math" panose="02040503050406030204" pitchFamily="18" charset="0"/>
+                            </a:rPr>
+                          </m:ctrlPr>
+                        </m:fPr>
+                        <m:num>
+                          <m:r>
+                            <a:rPr lang="en-CA" b="0" i="1" smtClean="0">
+                              <a:latin typeface="Cambria Math" panose="02040503050406030204" pitchFamily="18" charset="0"/>
+                              <a:ea typeface="Cambria Math" panose="02040503050406030204" pitchFamily="18" charset="0"/>
+                            </a:rPr>
+                            <m:t>1</m:t>
+                          </m:r>
+                        </m:num>
+                        <m:den>
+                          <m:d>
+                            <m:dPr>
+                              <m:begChr m:val="|"/>
+                              <m:endChr m:val="|"/>
+                              <m:ctrlPr>
+                                <a:rPr lang="en-CA" b="0" i="1" smtClean="0">
+                                  <a:latin typeface="Cambria Math" panose="02040503050406030204" pitchFamily="18" charset="0"/>
+                                  <a:ea typeface="Cambria Math" panose="02040503050406030204" pitchFamily="18" charset="0"/>
+                                </a:rPr>
+                              </m:ctrlPr>
+                            </m:dPr>
+                            <m:e>
+                              <m:sSub>
+                                <m:sSubPr>
+                                  <m:ctrlPr>
+                                    <a:rPr lang="en-CA" b="0" i="1" smtClean="0">
+                                      <a:latin typeface="Cambria Math" panose="02040503050406030204" pitchFamily="18" charset="0"/>
+                                      <a:ea typeface="Cambria Math" panose="02040503050406030204" pitchFamily="18" charset="0"/>
+                                    </a:rPr>
+                                  </m:ctrlPr>
+                                </m:sSubPr>
+                                <m:e>
+                                  <m:r>
+                                    <a:rPr lang="en-CA" b="0" i="1" smtClean="0">
+                                      <a:latin typeface="Cambria Math" panose="02040503050406030204" pitchFamily="18" charset="0"/>
+                                      <a:ea typeface="Cambria Math" panose="02040503050406030204" pitchFamily="18" charset="0"/>
+                                    </a:rPr>
+                                    <m:t>𝑥</m:t>
+                                  </m:r>
+                                </m:e>
+                                <m:sub>
+                                  <m:r>
+                                    <a:rPr lang="en-CA" b="0" i="1" smtClean="0">
+                                      <a:latin typeface="Cambria Math" panose="02040503050406030204" pitchFamily="18" charset="0"/>
+                                      <a:ea typeface="Cambria Math" panose="02040503050406030204" pitchFamily="18" charset="0"/>
+                                    </a:rPr>
+                                    <m:t>0</m:t>
+                                  </m:r>
+                                </m:sub>
+                              </m:sSub>
+                              <m:r>
+                                <a:rPr lang="en-CA" b="0" i="1" smtClean="0">
+                                  <a:latin typeface="Cambria Math" panose="02040503050406030204" pitchFamily="18" charset="0"/>
+                                  <a:ea typeface="Cambria Math" panose="02040503050406030204" pitchFamily="18" charset="0"/>
+                                </a:rPr>
+                                <m:t>−</m:t>
+                              </m:r>
+                              <m:r>
+                                <a:rPr lang="en-CA" b="0" i="1" smtClean="0">
+                                  <a:latin typeface="Cambria Math" panose="02040503050406030204" pitchFamily="18" charset="0"/>
+                                  <a:ea typeface="Cambria Math" panose="02040503050406030204" pitchFamily="18" charset="0"/>
+                                </a:rPr>
+                                <m:t>𝑥</m:t>
+                              </m:r>
+                            </m:e>
+                          </m:d>
+                        </m:den>
+                      </m:f>
+                    </m:oMath>
+                  </m:oMathPara>
+                </a14:m>
+                <a:endParaRPr lang="en-CA" dirty="0"/>
+              </a:p>
+            </p:txBody>
+          </p:sp>
+        </mc:Choice>
+        <mc:Fallback>
+          <p:sp>
+            <p:nvSpPr>
+              <p:cNvPr id="18" name="TextBox 17">
+                <a:extLst>
+                  <a:ext uri="{FF2B5EF4-FFF2-40B4-BE49-F238E27FC236}">
+                    <a16:creationId xmlns:a16="http://schemas.microsoft.com/office/drawing/2014/main" id="{EE8FEC50-193D-403C-BC60-7C3621ED8DCA}"/>
+                  </a:ext>
+                </a:extLst>
+              </p:cNvPr>
+              <p:cNvSpPr txBox="1">
+                <a:spLocks noRot="1" noChangeAspect="1" noMove="1" noResize="1" noEditPoints="1" noAdjustHandles="1" noChangeArrowheads="1" noChangeShapeType="1" noTextEdit="1"/>
+              </p:cNvSpPr>
+              <p:nvPr/>
+            </p:nvSpPr>
+            <p:spPr>
+              <a:xfrm>
+                <a:off x="6254330" y="5988957"/>
+                <a:ext cx="2029658" cy="567463"/>
+              </a:xfrm>
+              <a:prstGeom prst="rect">
+                <a:avLst/>
+              </a:prstGeom>
+              <a:blipFill>
+                <a:blip r:embed="rId6"/>
+                <a:stretch>
+                  <a:fillRect/>
+                </a:stretch>
+              </a:blipFill>
+            </p:spPr>
+            <p:txBody>
+              <a:bodyPr/>
+              <a:lstStyle/>
+              <a:p>
+                <a:r>
+                  <a:rPr lang="en-CA">
+                    <a:noFill/>
+                  </a:rPr>
+                  <a:t> </a:t>
+                </a:r>
+              </a:p>
+            </p:txBody>
+          </p:sp>
+        </mc:Fallback>
+      </mc:AlternateContent>
     </p:spTree>
     <p:extLst>
       <p:ext uri="{BB962C8B-B14F-4D97-AF65-F5344CB8AC3E}">
@@ -15030,6 +16131,373 @@
 </file>
 
 <file path=ppt/slides/slide7.xml><?xml version="1.0" encoding="utf-8"?>
+<p:sld xmlns:a="http://schemas.openxmlformats.org/drawingml/2006/main" xmlns:r="http://schemas.openxmlformats.org/officeDocument/2006/relationships" xmlns:p="http://schemas.openxmlformats.org/presentationml/2006/main">
+  <p:cSld>
+    <p:spTree>
+      <p:nvGrpSpPr>
+        <p:cNvPr id="1" name=""/>
+        <p:cNvGrpSpPr/>
+        <p:nvPr/>
+      </p:nvGrpSpPr>
+      <p:grpSpPr>
+        <a:xfrm>
+          <a:off x="0" y="0"/>
+          <a:ext cx="0" cy="0"/>
+          <a:chOff x="0" y="0"/>
+          <a:chExt cx="0" cy="0"/>
+        </a:xfrm>
+      </p:grpSpPr>
+      <p:sp>
+        <p:nvSpPr>
+          <p:cNvPr id="2" name="Titre 1">
+            <a:extLst>
+              <a:ext uri="{FF2B5EF4-FFF2-40B4-BE49-F238E27FC236}">
+                <a16:creationId xmlns:a16="http://schemas.microsoft.com/office/drawing/2014/main" id="{03EE799C-7398-441E-956D-60778EB6ADFB}"/>
+              </a:ext>
+            </a:extLst>
+          </p:cNvPr>
+          <p:cNvSpPr txBox="1">
+            <a:spLocks/>
+          </p:cNvSpPr>
+          <p:nvPr/>
+        </p:nvSpPr>
+        <p:spPr>
+          <a:xfrm>
+            <a:off x="455643" y="510175"/>
+            <a:ext cx="6893113" cy="739786"/>
+          </a:xfrm>
+          <a:prstGeom prst="rect">
+            <a:avLst/>
+          </a:prstGeom>
+        </p:spPr>
+        <p:txBody>
+          <a:bodyPr/>
+          <a:lstStyle>
+            <a:lvl1pPr algn="l" defTabSz="457200" rtl="0" eaLnBrk="1" latinLnBrk="0" hangingPunct="1">
+              <a:spcBef>
+                <a:spcPct val="0"/>
+              </a:spcBef>
+              <a:buNone/>
+              <a:defRPr sz="3600" kern="1200">
+                <a:solidFill>
+                  <a:schemeClr val="accent1"/>
+                </a:solidFill>
+                <a:latin typeface="+mj-lt"/>
+                <a:ea typeface="+mj-ea"/>
+                <a:cs typeface="+mj-cs"/>
+              </a:defRPr>
+            </a:lvl1pPr>
+            <a:lvl2pPr eaLnBrk="1" hangingPunct="1">
+              <a:defRPr>
+                <a:solidFill>
+                  <a:schemeClr val="tx2"/>
+                </a:solidFill>
+              </a:defRPr>
+            </a:lvl2pPr>
+            <a:lvl3pPr eaLnBrk="1" hangingPunct="1">
+              <a:defRPr>
+                <a:solidFill>
+                  <a:schemeClr val="tx2"/>
+                </a:solidFill>
+              </a:defRPr>
+            </a:lvl3pPr>
+            <a:lvl4pPr eaLnBrk="1" hangingPunct="1">
+              <a:defRPr>
+                <a:solidFill>
+                  <a:schemeClr val="tx2"/>
+                </a:solidFill>
+              </a:defRPr>
+            </a:lvl4pPr>
+            <a:lvl5pPr eaLnBrk="1" hangingPunct="1">
+              <a:defRPr>
+                <a:solidFill>
+                  <a:schemeClr val="tx2"/>
+                </a:solidFill>
+              </a:defRPr>
+            </a:lvl5pPr>
+            <a:lvl6pPr eaLnBrk="1" hangingPunct="1">
+              <a:defRPr>
+                <a:solidFill>
+                  <a:schemeClr val="tx2"/>
+                </a:solidFill>
+              </a:defRPr>
+            </a:lvl6pPr>
+            <a:lvl7pPr eaLnBrk="1" hangingPunct="1">
+              <a:defRPr>
+                <a:solidFill>
+                  <a:schemeClr val="tx2"/>
+                </a:solidFill>
+              </a:defRPr>
+            </a:lvl7pPr>
+            <a:lvl8pPr eaLnBrk="1" hangingPunct="1">
+              <a:defRPr>
+                <a:solidFill>
+                  <a:schemeClr val="tx2"/>
+                </a:solidFill>
+              </a:defRPr>
+            </a:lvl8pPr>
+            <a:lvl9pPr eaLnBrk="1" hangingPunct="1">
+              <a:defRPr>
+                <a:solidFill>
+                  <a:schemeClr val="tx2"/>
+                </a:solidFill>
+              </a:defRPr>
+            </a:lvl9pPr>
+          </a:lstStyle>
+          <a:p>
+            <a:r>
+              <a:rPr lang="fr-CA" dirty="0">
+                <a:solidFill>
+                  <a:srgbClr val="286D9F"/>
+                </a:solidFill>
+              </a:rPr>
+              <a:t>Importance des </a:t>
+            </a:r>
+            <a:r>
+              <a:rPr lang="fr-CA" dirty="0" err="1">
+                <a:solidFill>
+                  <a:srgbClr val="286D9F"/>
+                </a:solidFill>
+              </a:rPr>
+              <a:t>PMLs</a:t>
+            </a:r>
+            <a:endParaRPr lang="fr-CA" dirty="0">
+              <a:solidFill>
+                <a:srgbClr val="286D9F"/>
+              </a:solidFill>
+            </a:endParaRPr>
+          </a:p>
+        </p:txBody>
+      </p:sp>
+      <p:pic>
+        <p:nvPicPr>
+          <p:cNvPr id="18" name="PML">
+            <a:hlinkClick r:id="" action="ppaction://media"/>
+            <a:extLst>
+              <a:ext uri="{FF2B5EF4-FFF2-40B4-BE49-F238E27FC236}">
+                <a16:creationId xmlns:a16="http://schemas.microsoft.com/office/drawing/2014/main" id="{D638BE9F-ED6A-4197-8270-967572969F81}"/>
+              </a:ext>
+            </a:extLst>
+          </p:cNvPr>
+          <p:cNvPicPr>
+            <a:picLocks noChangeAspect="1"/>
+          </p:cNvPicPr>
+          <p:nvPr>
+            <a:videoFile r:link="rId2"/>
+            <p:extLst>
+              <p:ext uri="{DAA4B4D4-6D71-4841-9C94-3DE7FCFB9230}">
+                <p14:media xmlns:p14="http://schemas.microsoft.com/office/powerpoint/2010/main" r:embed="rId1"/>
+              </p:ext>
+            </p:extLst>
+          </p:nvPr>
+        </p:nvPicPr>
+        <p:blipFill>
+          <a:blip r:embed="rId4"/>
+          <a:stretch>
+            <a:fillRect/>
+          </a:stretch>
+        </p:blipFill>
+        <p:spPr>
+          <a:xfrm>
+            <a:off x="1896891" y="1249961"/>
+            <a:ext cx="8398218" cy="4821943"/>
+          </a:xfrm>
+          <a:prstGeom prst="rect">
+            <a:avLst/>
+          </a:prstGeom>
+        </p:spPr>
+      </p:pic>
+      <p:sp>
+        <p:nvSpPr>
+          <p:cNvPr id="20" name="ZoneTexte 10">
+            <a:extLst>
+              <a:ext uri="{FF2B5EF4-FFF2-40B4-BE49-F238E27FC236}">
+                <a16:creationId xmlns:a16="http://schemas.microsoft.com/office/drawing/2014/main" id="{6C686932-408F-4A52-A456-ECC5BD316C56}"/>
+              </a:ext>
+            </a:extLst>
+          </p:cNvPr>
+          <p:cNvSpPr txBox="1"/>
+          <p:nvPr/>
+        </p:nvSpPr>
+        <p:spPr>
+          <a:xfrm>
+            <a:off x="1896891" y="6071904"/>
+            <a:ext cx="8398218" cy="261610"/>
+          </a:xfrm>
+          <a:prstGeom prst="rect">
+            <a:avLst/>
+          </a:prstGeom>
+          <a:noFill/>
+        </p:spPr>
+        <p:txBody>
+          <a:bodyPr wrap="square" rtlCol="0">
+            <a:spAutoFit/>
+          </a:bodyPr>
+          <a:lstStyle/>
+          <a:p>
+            <a:r>
+              <a:rPr lang="fr-CA" sz="1100" dirty="0">
+                <a:solidFill>
+                  <a:schemeClr val="tx1">
+                    <a:lumMod val="85000"/>
+                    <a:lumOff val="15000"/>
+                  </a:schemeClr>
+                </a:solidFill>
+              </a:rPr>
+              <a:t>Vidéo 1 : Comparaison entre une propagation d’onde avec PML et une propagation sans PML [3]</a:t>
+            </a:r>
+          </a:p>
+        </p:txBody>
+      </p:sp>
+    </p:spTree>
+    <p:extLst>
+      <p:ext uri="{BB962C8B-B14F-4D97-AF65-F5344CB8AC3E}">
+        <p14:creationId xmlns:p14="http://schemas.microsoft.com/office/powerpoint/2010/main" val="4230701236"/>
+      </p:ext>
+    </p:extLst>
+  </p:cSld>
+  <p:clrMapOvr>
+    <a:masterClrMapping/>
+  </p:clrMapOvr>
+  <p:timing>
+    <p:tnLst>
+      <p:par>
+        <p:cTn id="1" dur="indefinite" restart="never" nodeType="tmRoot">
+          <p:childTnLst>
+            <p:seq concurrent="1" nextAc="seek">
+              <p:cTn id="2" dur="indefinite" nodeType="mainSeq">
+                <p:childTnLst>
+                  <p:par>
+                    <p:cTn id="3" fill="hold">
+                      <p:stCondLst>
+                        <p:cond delay="indefinite"/>
+                      </p:stCondLst>
+                      <p:childTnLst>
+                        <p:par>
+                          <p:cTn id="4" fill="hold">
+                            <p:stCondLst>
+                              <p:cond delay="0"/>
+                            </p:stCondLst>
+                            <p:childTnLst>
+                              <p:par>
+                                <p:cTn id="5" presetID="1" presetClass="mediacall" presetSubtype="0" fill="hold" nodeType="clickEffect">
+                                  <p:stCondLst>
+                                    <p:cond delay="0"/>
+                                  </p:stCondLst>
+                                  <p:childTnLst>
+                                    <p:cmd type="call" cmd="playFrom(0.0)">
+                                      <p:cBhvr>
+                                        <p:cTn id="6" dur="10193" fill="hold"/>
+                                        <p:tgtEl>
+                                          <p:spTgt spid="18"/>
+                                        </p:tgtEl>
+                                      </p:cBhvr>
+                                    </p:cmd>
+                                  </p:childTnLst>
+                                </p:cTn>
+                              </p:par>
+                            </p:childTnLst>
+                          </p:cTn>
+                        </p:par>
+                      </p:childTnLst>
+                    </p:cTn>
+                  </p:par>
+                </p:childTnLst>
+              </p:cTn>
+              <p:prevCondLst>
+                <p:cond evt="onPrev" delay="0">
+                  <p:tgtEl>
+                    <p:sldTgt/>
+                  </p:tgtEl>
+                </p:cond>
+              </p:prevCondLst>
+              <p:nextCondLst>
+                <p:cond evt="onNext" delay="0">
+                  <p:tgtEl>
+                    <p:sldTgt/>
+                  </p:tgtEl>
+                </p:cond>
+              </p:nextCondLst>
+            </p:seq>
+            <p:video>
+              <p:cMediaNode vol="80000">
+                <p:cTn id="7" fill="hold" display="0">
+                  <p:stCondLst>
+                    <p:cond delay="indefinite"/>
+                  </p:stCondLst>
+                </p:cTn>
+                <p:tgtEl>
+                  <p:spTgt spid="18"/>
+                </p:tgtEl>
+              </p:cMediaNode>
+            </p:video>
+            <p:seq concurrent="1" nextAc="seek">
+              <p:cTn id="8" restart="whenNotActive" fill="hold" evtFilter="cancelBubble" nodeType="interactiveSeq">
+                <p:stCondLst>
+                  <p:cond evt="onClick" delay="0">
+                    <p:tgtEl>
+                      <p:spTgt spid="18"/>
+                    </p:tgtEl>
+                  </p:cond>
+                </p:stCondLst>
+                <p:endSync evt="end" delay="0">
+                  <p:rtn val="all"/>
+                </p:endSync>
+                <p:childTnLst>
+                  <p:par>
+                    <p:cTn id="9" fill="hold">
+                      <p:stCondLst>
+                        <p:cond delay="0"/>
+                      </p:stCondLst>
+                      <p:childTnLst>
+                        <p:par>
+                          <p:cTn id="10" fill="hold">
+                            <p:stCondLst>
+                              <p:cond delay="0"/>
+                            </p:stCondLst>
+                            <p:childTnLst>
+                              <p:par>
+                                <p:cTn id="11" presetID="2" presetClass="mediacall" presetSubtype="0" fill="hold" nodeType="clickEffect">
+                                  <p:stCondLst>
+                                    <p:cond delay="0"/>
+                                  </p:stCondLst>
+                                  <p:childTnLst>
+                                    <p:cmd type="call" cmd="togglePause">
+                                      <p:cBhvr>
+                                        <p:cTn id="12" dur="1" fill="hold"/>
+                                        <p:tgtEl>
+                                          <p:spTgt spid="18"/>
+                                        </p:tgtEl>
+                                      </p:cBhvr>
+                                    </p:cmd>
+                                  </p:childTnLst>
+                                </p:cTn>
+                              </p:par>
+                            </p:childTnLst>
+                          </p:cTn>
+                        </p:par>
+                      </p:childTnLst>
+                    </p:cTn>
+                  </p:par>
+                </p:childTnLst>
+              </p:cTn>
+              <p:nextCondLst>
+                <p:cond evt="onClick" delay="0">
+                  <p:tgtEl>
+                    <p:spTgt spid="18"/>
+                  </p:tgtEl>
+                </p:cond>
+              </p:nextCondLst>
+            </p:seq>
+          </p:childTnLst>
+        </p:cTn>
+      </p:par>
+    </p:tnLst>
+  </p:timing>
+</p:sld>
+</file>
+
+<file path=ppt/slides/slide8.xml><?xml version="1.0" encoding="utf-8"?>
 <p:sld xmlns:a="http://schemas.openxmlformats.org/drawingml/2006/main" xmlns:r="http://schemas.openxmlformats.org/officeDocument/2006/relationships" xmlns:p="http://schemas.openxmlformats.org/presentationml/2006/main">
   <p:cSld>
     <p:spTree>
@@ -15627,180 +17095,6 @@
 </p:sld>
 </file>
 
-<file path=ppt/slides/slide8.xml><?xml version="1.0" encoding="utf-8"?>
-<p:sld xmlns:a="http://schemas.openxmlformats.org/drawingml/2006/main" xmlns:r="http://schemas.openxmlformats.org/officeDocument/2006/relationships" xmlns:p="http://schemas.openxmlformats.org/presentationml/2006/main">
-  <p:cSld>
-    <p:spTree>
-      <p:nvGrpSpPr>
-        <p:cNvPr id="1" name=""/>
-        <p:cNvGrpSpPr/>
-        <p:nvPr/>
-      </p:nvGrpSpPr>
-      <p:grpSpPr>
-        <a:xfrm>
-          <a:off x="0" y="0"/>
-          <a:ext cx="0" cy="0"/>
-          <a:chOff x="0" y="0"/>
-          <a:chExt cx="0" cy="0"/>
-        </a:xfrm>
-      </p:grpSpPr>
-      <p:sp>
-        <p:nvSpPr>
-          <p:cNvPr id="2" name="Titre 1">
-            <a:extLst>
-              <a:ext uri="{FF2B5EF4-FFF2-40B4-BE49-F238E27FC236}">
-                <a16:creationId xmlns:a16="http://schemas.microsoft.com/office/drawing/2014/main" id="{03EE799C-7398-441E-956D-60778EB6ADFB}"/>
-              </a:ext>
-            </a:extLst>
-          </p:cNvPr>
-          <p:cNvSpPr txBox="1">
-            <a:spLocks/>
-          </p:cNvSpPr>
-          <p:nvPr/>
-        </p:nvSpPr>
-        <p:spPr>
-          <a:xfrm>
-            <a:off x="455643" y="510175"/>
-            <a:ext cx="9015528" cy="739786"/>
-          </a:xfrm>
-          <a:prstGeom prst="rect">
-            <a:avLst/>
-          </a:prstGeom>
-        </p:spPr>
-        <p:txBody>
-          <a:bodyPr/>
-          <a:lstStyle>
-            <a:lvl1pPr algn="l" defTabSz="457200" rtl="0" eaLnBrk="1" latinLnBrk="0" hangingPunct="1">
-              <a:spcBef>
-                <a:spcPct val="0"/>
-              </a:spcBef>
-              <a:buNone/>
-              <a:defRPr sz="3600" kern="1200">
-                <a:solidFill>
-                  <a:schemeClr val="accent1"/>
-                </a:solidFill>
-                <a:latin typeface="+mj-lt"/>
-                <a:ea typeface="+mj-ea"/>
-                <a:cs typeface="+mj-cs"/>
-              </a:defRPr>
-            </a:lvl1pPr>
-            <a:lvl2pPr eaLnBrk="1" hangingPunct="1">
-              <a:defRPr>
-                <a:solidFill>
-                  <a:schemeClr val="tx2"/>
-                </a:solidFill>
-              </a:defRPr>
-            </a:lvl2pPr>
-            <a:lvl3pPr eaLnBrk="1" hangingPunct="1">
-              <a:defRPr>
-                <a:solidFill>
-                  <a:schemeClr val="tx2"/>
-                </a:solidFill>
-              </a:defRPr>
-            </a:lvl3pPr>
-            <a:lvl4pPr eaLnBrk="1" hangingPunct="1">
-              <a:defRPr>
-                <a:solidFill>
-                  <a:schemeClr val="tx2"/>
-                </a:solidFill>
-              </a:defRPr>
-            </a:lvl4pPr>
-            <a:lvl5pPr eaLnBrk="1" hangingPunct="1">
-              <a:defRPr>
-                <a:solidFill>
-                  <a:schemeClr val="tx2"/>
-                </a:solidFill>
-              </a:defRPr>
-            </a:lvl5pPr>
-            <a:lvl6pPr eaLnBrk="1" hangingPunct="1">
-              <a:defRPr>
-                <a:solidFill>
-                  <a:schemeClr val="tx2"/>
-                </a:solidFill>
-              </a:defRPr>
-            </a:lvl6pPr>
-            <a:lvl7pPr eaLnBrk="1" hangingPunct="1">
-              <a:defRPr>
-                <a:solidFill>
-                  <a:schemeClr val="tx2"/>
-                </a:solidFill>
-              </a:defRPr>
-            </a:lvl7pPr>
-            <a:lvl8pPr eaLnBrk="1" hangingPunct="1">
-              <a:defRPr>
-                <a:solidFill>
-                  <a:schemeClr val="tx2"/>
-                </a:solidFill>
-              </a:defRPr>
-            </a:lvl8pPr>
-            <a:lvl9pPr eaLnBrk="1" hangingPunct="1">
-              <a:defRPr>
-                <a:solidFill>
-                  <a:schemeClr val="tx2"/>
-                </a:solidFill>
-              </a:defRPr>
-            </a:lvl9pPr>
-          </a:lstStyle>
-          <a:p>
-            <a:r>
-              <a:rPr lang="fr-CA" dirty="0">
-                <a:solidFill>
-                  <a:srgbClr val="286D9F"/>
-                </a:solidFill>
-              </a:rPr>
-              <a:t>Fonctionnement de la méthode numérique</a:t>
-            </a:r>
-          </a:p>
-        </p:txBody>
-      </p:sp>
-      <p:sp>
-        <p:nvSpPr>
-          <p:cNvPr id="3" name="Rectangle 2">
-            <a:extLst>
-              <a:ext uri="{FF2B5EF4-FFF2-40B4-BE49-F238E27FC236}">
-                <a16:creationId xmlns:a16="http://schemas.microsoft.com/office/drawing/2014/main" id="{BA0A46BD-0FD2-481A-AB72-F6E2A27E0618}"/>
-              </a:ext>
-            </a:extLst>
-          </p:cNvPr>
-          <p:cNvSpPr/>
-          <p:nvPr/>
-        </p:nvSpPr>
-        <p:spPr>
-          <a:xfrm>
-            <a:off x="2276213" y="2908612"/>
-            <a:ext cx="6096000" cy="1754326"/>
-          </a:xfrm>
-          <a:prstGeom prst="rect">
-            <a:avLst/>
-          </a:prstGeom>
-        </p:spPr>
-        <p:txBody>
-          <a:bodyPr>
-            <a:spAutoFit/>
-          </a:bodyPr>
-          <a:lstStyle/>
-          <a:p>
-            <a:r>
-              <a:rPr lang="fr-FR" dirty="0"/>
-              <a:t>Étapes et fonctionnement de la méthode numérique, en incluant les équations discrétisées telles que vous les avez programmées (ex : discrétisation d’une équation différentielle, condition initiale, conditions aux frontières, calcul de l’énergie d’un système, génération de nombres aléatoires, etc.) </a:t>
-            </a:r>
-            <a:endParaRPr lang="fr-CA" dirty="0"/>
-          </a:p>
-        </p:txBody>
-      </p:sp>
-    </p:spTree>
-    <p:extLst>
-      <p:ext uri="{BB962C8B-B14F-4D97-AF65-F5344CB8AC3E}">
-        <p14:creationId xmlns:p14="http://schemas.microsoft.com/office/powerpoint/2010/main" val="1646786163"/>
-      </p:ext>
-    </p:extLst>
-  </p:cSld>
-  <p:clrMapOvr>
-    <a:masterClrMapping/>
-  </p:clrMapOvr>
-</p:sld>
-</file>
-
 <file path=ppt/slides/slide9.xml><?xml version="1.0" encoding="utf-8"?>
 <p:sld xmlns:a="http://schemas.openxmlformats.org/drawingml/2006/main" xmlns:r="http://schemas.openxmlformats.org/officeDocument/2006/relationships" xmlns:p="http://schemas.openxmlformats.org/presentationml/2006/main">
   <p:cSld>
@@ -15922,7 +17216,7 @@
                   <a:srgbClr val="286D9F"/>
                 </a:solidFill>
               </a:rPr>
-              <a:t>Paramètres de simulation</a:t>
+              <a:t>Fonctionnement de la méthode numérique</a:t>
             </a:r>
           </a:p>
         </p:txBody>
@@ -15941,8 +17235,8 @@
         </p:nvSpPr>
         <p:spPr>
           <a:xfrm>
-            <a:off x="2276213" y="2908612"/>
-            <a:ext cx="6096000" cy="646331"/>
+            <a:off x="3960634" y="1249961"/>
+            <a:ext cx="6096000" cy="1754326"/>
           </a:xfrm>
           <a:prstGeom prst="rect">
             <a:avLst/>
@@ -15956,7 +17250,7 @@
           <a:p>
             <a:r>
               <a:rPr lang="fr-FR" dirty="0"/>
-              <a:t>Paramètres de l’algorithme (ex : pas de discrétisation, critère de convergence, etc.)</a:t>
+              <a:t>Étapes et fonctionnement de la méthode numérique, en incluant les équations discrétisées telles que vous les avez programmées (ex : discrétisation d’une équation différentielle, condition initiale, conditions aux frontières, calcul de l’énergie d’un système, génération de nombres aléatoires, etc.) </a:t>
             </a:r>
             <a:endParaRPr lang="fr-CA" dirty="0"/>
           </a:p>
@@ -15965,7 +17259,7 @@
     </p:spTree>
     <p:extLst>
       <p:ext uri="{BB962C8B-B14F-4D97-AF65-F5344CB8AC3E}">
-        <p14:creationId xmlns:p14="http://schemas.microsoft.com/office/powerpoint/2010/main" val="3922770649"/>
+        <p14:creationId xmlns:p14="http://schemas.microsoft.com/office/powerpoint/2010/main" val="1646786163"/>
       </p:ext>
     </p:extLst>
   </p:cSld>

--- a/Oral/Présentation_Eq11.pptx
+++ b/Oral/Présentation_Eq11.pptx
@@ -189,20 +189,6 @@
     </p:extLst>
   </p:cmAuthor>
 </p:cmAuthorLst>
-</file>
-
-<file path=ppt/comments/comment1.xml><?xml version="1.0" encoding="utf-8"?>
-<p:cmLst xmlns:a="http://schemas.openxmlformats.org/drawingml/2006/main" xmlns:r="http://schemas.openxmlformats.org/officeDocument/2006/relationships" xmlns:p="http://schemas.openxmlformats.org/presentationml/2006/main">
-  <p:cm authorId="1" dt="2020-04-09T10:13:17.038" idx="2">
-    <p:pos x="2312" y="3351"/>
-    <p:text>Ce serait pas mieux de mettre la version fréquence direct ou on met les deux version?</p:text>
-    <p:extLst>
-      <p:ext uri="{C676402C-5697-4E1C-873F-D02D1690AC5C}">
-        <p15:threadingInfo xmlns:p15="http://schemas.microsoft.com/office/powerpoint/2012/main" timeZoneBias="240"/>
-      </p:ext>
-    </p:extLst>
-  </p:cm>
-</p:cmLst>
 </file>
 
 <file path=ppt/slideLayouts/slideLayout1.xml><?xml version="1.0" encoding="utf-8"?>
@@ -994,7 +980,7 @@
             <a:fld id="{D57F1E4F-1CFF-5643-939E-217C01CDF565}" type="slidenum">
               <a:rPr lang="en-US" dirty="0"/>
               <a:pPr/>
-              <a:t>‹#›</a:t>
+              <a:t>‹N°›</a:t>
             </a:fld>
             <a:endParaRPr lang="en-US" dirty="0"/>
           </a:p>
@@ -1242,7 +1228,7 @@
             <a:fld id="{D57F1E4F-1CFF-5643-939E-217C01CDF565}" type="slidenum">
               <a:rPr lang="en-US" dirty="0"/>
               <a:pPr/>
-              <a:t>‹#›</a:t>
+              <a:t>‹N°›</a:t>
             </a:fld>
             <a:endParaRPr lang="en-US" dirty="0"/>
           </a:p>
@@ -1553,7 +1539,7 @@
             <a:fld id="{D57F1E4F-1CFF-5643-939E-217C01CDF565}" type="slidenum">
               <a:rPr lang="en-US" dirty="0"/>
               <a:pPr/>
-              <a:t>‹#›</a:t>
+              <a:t>‹N°›</a:t>
             </a:fld>
             <a:endParaRPr lang="en-US" dirty="0"/>
           </a:p>
@@ -1883,7 +1869,7 @@
             <a:fld id="{D57F1E4F-1CFF-5643-939E-217C01CDF565}" type="slidenum">
               <a:rPr lang="en-US" dirty="0"/>
               <a:pPr/>
-              <a:t>‹#›</a:t>
+              <a:t>‹N°›</a:t>
             </a:fld>
             <a:endParaRPr lang="en-US" dirty="0"/>
           </a:p>
@@ -2194,7 +2180,7 @@
             <a:fld id="{D57F1E4F-1CFF-5643-939E-217C01CDF565}" type="slidenum">
               <a:rPr lang="en-US" dirty="0"/>
               <a:pPr/>
-              <a:t>‹#›</a:t>
+              <a:t>‹N°›</a:t>
             </a:fld>
             <a:endParaRPr lang="en-US" dirty="0"/>
           </a:p>
@@ -2584,7 +2570,7 @@
             <a:fld id="{D57F1E4F-1CFF-5643-939E-217C01CDF565}" type="slidenum">
               <a:rPr lang="en-US" dirty="0"/>
               <a:pPr/>
-              <a:t>‹#›</a:t>
+              <a:t>‹N°›</a:t>
             </a:fld>
             <a:endParaRPr lang="en-US" dirty="0"/>
           </a:p>
@@ -2749,7 +2735,7 @@
           <a:p>
             <a:fld id="{89333C77-0158-454C-844F-B7AB9BD7DAD4}" type="slidenum">
               <a:rPr lang="en-US" dirty="0"/>
-              <a:t>‹#›</a:t>
+              <a:t>‹N°›</a:t>
             </a:fld>
             <a:endParaRPr lang="en-US" dirty="0"/>
           </a:p>
@@ -2926,7 +2912,7 @@
             <a:fld id="{D57F1E4F-1CFF-5643-939E-217C01CDF565}" type="slidenum">
               <a:rPr lang="en-US" dirty="0"/>
               <a:pPr/>
-              <a:t>‹#›</a:t>
+              <a:t>‹N°›</a:t>
             </a:fld>
             <a:endParaRPr lang="en-US" dirty="0"/>
           </a:p>
@@ -3091,7 +3077,7 @@
           <a:p>
             <a:fld id="{519954A3-9DFD-4C44-94BA-B95130A3BA1C}" type="slidenum">
               <a:rPr lang="en-US" dirty="0"/>
-              <a:t>‹#›</a:t>
+              <a:t>‹N°›</a:t>
             </a:fld>
             <a:endParaRPr lang="en-US" dirty="0"/>
           </a:p>
@@ -3335,7 +3321,7 @@
             <a:fld id="{D57F1E4F-1CFF-5643-939E-217C01CDF565}" type="slidenum">
               <a:rPr lang="en-US" dirty="0"/>
               <a:pPr/>
-              <a:t>‹#›</a:t>
+              <a:t>‹N°›</a:t>
             </a:fld>
             <a:endParaRPr lang="en-US" dirty="0"/>
           </a:p>
@@ -3562,7 +3548,7 @@
           <a:p>
             <a:fld id="{519954A3-9DFD-4C44-94BA-B95130A3BA1C}" type="slidenum">
               <a:rPr lang="en-US" dirty="0"/>
-              <a:t>‹#›</a:t>
+              <a:t>‹N°›</a:t>
             </a:fld>
             <a:endParaRPr lang="en-US" dirty="0"/>
           </a:p>
@@ -3933,7 +3919,7 @@
             <a:fld id="{D57F1E4F-1CFF-5643-939E-217C01CDF565}" type="slidenum">
               <a:rPr lang="en-US" dirty="0"/>
               <a:pPr/>
-              <a:t>‹#›</a:t>
+              <a:t>‹N°›</a:t>
             </a:fld>
             <a:endParaRPr lang="en-US" dirty="0"/>
           </a:p>
@@ -4053,7 +4039,7 @@
             <a:fld id="{D57F1E4F-1CFF-5643-939E-217C01CDF565}" type="slidenum">
               <a:rPr lang="en-US" dirty="0"/>
               <a:pPr/>
-              <a:t>‹#›</a:t>
+              <a:t>‹N°›</a:t>
             </a:fld>
             <a:endParaRPr lang="en-US" dirty="0"/>
           </a:p>
@@ -4145,7 +4131,7 @@
             <a:fld id="{D57F1E4F-1CFF-5643-939E-217C01CDF565}" type="slidenum">
               <a:rPr lang="en-US" dirty="0"/>
               <a:pPr/>
-              <a:t>‹#›</a:t>
+              <a:t>‹N°›</a:t>
             </a:fld>
             <a:endParaRPr lang="en-US" dirty="0"/>
           </a:p>
@@ -4395,7 +4381,7 @@
           <a:p>
             <a:fld id="{519954A3-9DFD-4C44-94BA-B95130A3BA1C}" type="slidenum">
               <a:rPr lang="en-US" dirty="0"/>
-              <a:t>‹#›</a:t>
+              <a:t>‹N°›</a:t>
             </a:fld>
             <a:endParaRPr lang="en-US" dirty="0"/>
           </a:p>
@@ -4631,7 +4617,7 @@
             <a:fld id="{D57F1E4F-1CFF-5643-939E-217C01CDF565}" type="slidenum">
               <a:rPr lang="en-US" dirty="0"/>
               <a:pPr/>
-              <a:t>‹#›</a:t>
+              <a:t>‹N°›</a:t>
             </a:fld>
             <a:endParaRPr lang="en-US" dirty="0"/>
           </a:p>
@@ -5430,7 +5416,7 @@
             <a:fld id="{D57F1E4F-1CFF-5643-939E-217C01CDF565}" type="slidenum">
               <a:rPr lang="en-US" dirty="0"/>
               <a:pPr/>
-              <a:t>‹#›</a:t>
+              <a:t>‹N°›</a:t>
             </a:fld>
             <a:endParaRPr lang="en-US" dirty="0"/>
           </a:p>
@@ -6420,8 +6406,8 @@
         </p:blipFill>
         <p:spPr>
           <a:xfrm>
-            <a:off x="1209675" y="1771650"/>
-            <a:ext cx="9772650" cy="3314700"/>
+            <a:off x="714375" y="1322070"/>
+            <a:ext cx="7804785" cy="2647237"/>
           </a:xfrm>
           <a:prstGeom prst="rect">
             <a:avLst/>
@@ -8254,7 +8240,7 @@
           <a:p>
             <a:r>
               <a:rPr lang="fr-FR" dirty="0"/>
-              <a:t>SONAR constitué d’une source et d’un détecteur ponctuel.</a:t>
+              <a:t>sonar constitué d’une source et d’un détecteur ponctuel.</a:t>
             </a:r>
             <a:endParaRPr lang="fr-CA" dirty="0"/>
           </a:p>
@@ -8556,8 +8542,8 @@
         </p:nvSpPr>
         <p:spPr>
           <a:xfrm>
-            <a:off x="631970" y="1507650"/>
-            <a:ext cx="7127847" cy="1785104"/>
+            <a:off x="455643" y="1133356"/>
+            <a:ext cx="9115077" cy="4739759"/>
           </a:xfrm>
           <a:prstGeom prst="rect">
             <a:avLst/>
@@ -8645,7 +8631,332 @@
           <a:p>
             <a:r>
               <a:rPr lang="fr-CA" sz="1400" dirty="0"/>
-              <a:t>[3] </a:t>
+              <a:t>[3] T. K. </a:t>
+            </a:r>
+            <a:r>
+              <a:rPr lang="fr-CA" sz="1400" dirty="0" err="1"/>
+              <a:t>Katsibas</a:t>
+            </a:r>
+            <a:r>
+              <a:rPr lang="fr-CA" sz="1400" dirty="0"/>
+              <a:t> and C. S. </a:t>
+            </a:r>
+            <a:r>
+              <a:rPr lang="fr-CA" sz="1400" dirty="0" err="1"/>
+              <a:t>Antonopoulos</a:t>
+            </a:r>
+            <a:r>
+              <a:rPr lang="fr-CA" sz="1400" dirty="0"/>
+              <a:t>, “An efficient </a:t>
+            </a:r>
+            <a:r>
+              <a:rPr lang="fr-CA" sz="1400" dirty="0" err="1"/>
+              <a:t>pml</a:t>
+            </a:r>
+            <a:r>
+              <a:rPr lang="fr-CA" sz="1400" dirty="0"/>
+              <a:t> </a:t>
+            </a:r>
+            <a:r>
+              <a:rPr lang="fr-CA" sz="1400" dirty="0" err="1"/>
+              <a:t>absorbing</a:t>
+            </a:r>
+            <a:r>
+              <a:rPr lang="fr-CA" sz="1400" dirty="0"/>
+              <a:t> medium in </a:t>
+            </a:r>
+            <a:r>
+              <a:rPr lang="fr-CA" sz="1400" dirty="0" err="1"/>
+              <a:t>fdtd</a:t>
+            </a:r>
+            <a:r>
+              <a:rPr lang="fr-CA" sz="1400" dirty="0"/>
+              <a:t> simulations of </a:t>
+            </a:r>
+            <a:r>
+              <a:rPr lang="fr-CA" sz="1400" dirty="0" err="1"/>
+              <a:t>acousticscattering</a:t>
+            </a:r>
+            <a:r>
+              <a:rPr lang="fr-CA" sz="1400" dirty="0"/>
+              <a:t> in </a:t>
+            </a:r>
+            <a:r>
+              <a:rPr lang="fr-CA" sz="1400" dirty="0" err="1"/>
+              <a:t>lossy</a:t>
+            </a:r>
+            <a:r>
+              <a:rPr lang="fr-CA" sz="1400" dirty="0"/>
+              <a:t> media,” in2002 IEEE </a:t>
+            </a:r>
+            <a:r>
+              <a:rPr lang="fr-CA" sz="1400" dirty="0" err="1"/>
+              <a:t>Ultrasonics</a:t>
+            </a:r>
+            <a:r>
+              <a:rPr lang="fr-CA" sz="1400" dirty="0"/>
+              <a:t> Symposium, 2002. Proceedings.,1, pp. 551–554, IEEE,2002.</a:t>
+            </a:r>
+          </a:p>
+          <a:p>
+            <a:endParaRPr lang="fr-CA" sz="600" dirty="0"/>
+          </a:p>
+          <a:p>
+            <a:r>
+              <a:rPr lang="fr-CA" sz="1400" dirty="0"/>
+              <a:t>[4] S. Ernst Schmidt, “</a:t>
+            </a:r>
+            <a:r>
+              <a:rPr lang="fr-CA" sz="1400" dirty="0" err="1"/>
+              <a:t>Properties</a:t>
+            </a:r>
+            <a:r>
+              <a:rPr lang="fr-CA" sz="1400" dirty="0"/>
+              <a:t> of water and </a:t>
+            </a:r>
+            <a:r>
+              <a:rPr lang="fr-CA" sz="1400" dirty="0" err="1"/>
+              <a:t>steam</a:t>
+            </a:r>
+            <a:r>
+              <a:rPr lang="fr-CA" sz="1400" dirty="0"/>
+              <a:t> in si-</a:t>
+            </a:r>
+            <a:r>
+              <a:rPr lang="fr-CA" sz="1400" dirty="0" err="1"/>
+              <a:t>units</a:t>
+            </a:r>
+            <a:r>
+              <a:rPr lang="fr-CA" sz="1400" dirty="0"/>
+              <a:t>,”IEEE Transactions on </a:t>
+            </a:r>
+            <a:r>
+              <a:rPr lang="fr-CA" sz="1400" dirty="0" err="1"/>
+              <a:t>antennas</a:t>
+            </a:r>
+            <a:r>
+              <a:rPr lang="fr-CA" sz="1400" dirty="0"/>
+              <a:t> and propagation, 1969.</a:t>
+            </a:r>
+          </a:p>
+          <a:p>
+            <a:endParaRPr lang="fr-CA" sz="600" dirty="0"/>
+          </a:p>
+          <a:p>
+            <a:r>
+              <a:rPr lang="fr-CA" sz="1400" dirty="0"/>
+              <a:t>[5] E. </a:t>
+            </a:r>
+            <a:r>
+              <a:rPr lang="fr-CA" sz="1400" dirty="0" err="1"/>
+              <a:t>ToolBox</a:t>
+            </a:r>
+            <a:r>
+              <a:rPr lang="fr-CA" sz="1400" dirty="0"/>
+              <a:t>, “Wood </a:t>
+            </a:r>
+            <a:r>
+              <a:rPr lang="fr-CA" sz="1400" dirty="0" err="1"/>
+              <a:t>species</a:t>
+            </a:r>
+            <a:r>
+              <a:rPr lang="fr-CA" sz="1400" dirty="0"/>
+              <a:t> - </a:t>
+            </a:r>
+            <a:r>
+              <a:rPr lang="fr-CA" sz="1400" dirty="0" err="1"/>
+              <a:t>moisture</a:t>
+            </a:r>
+            <a:r>
+              <a:rPr lang="fr-CA" sz="1400" dirty="0"/>
+              <a:t> content and </a:t>
+            </a:r>
+            <a:r>
+              <a:rPr lang="fr-CA" sz="1400" dirty="0" err="1"/>
+              <a:t>weight</a:t>
+            </a:r>
+            <a:r>
+              <a:rPr lang="fr-CA" sz="1400" dirty="0"/>
+              <a:t>.”https://www.engineeringtoolbox.com/weigt-wood-d_821.html, 2005. [En ligne ; Page disponible le 14 février 2020].</a:t>
+            </a:r>
+          </a:p>
+          <a:p>
+            <a:endParaRPr lang="fr-CA" sz="600" dirty="0"/>
+          </a:p>
+          <a:p>
+            <a:r>
+              <a:rPr lang="fr-CA" sz="1400" dirty="0"/>
+              <a:t>[6] E.  </a:t>
+            </a:r>
+            <a:r>
+              <a:rPr lang="fr-CA" sz="1400" dirty="0" err="1"/>
+              <a:t>ToolBox</a:t>
+            </a:r>
+            <a:r>
+              <a:rPr lang="fr-CA" sz="1400" dirty="0"/>
+              <a:t>,  “Water  -  </a:t>
+            </a:r>
+            <a:r>
+              <a:rPr lang="fr-CA" sz="1400" dirty="0" err="1"/>
+              <a:t>dynamic</a:t>
+            </a:r>
+            <a:r>
+              <a:rPr lang="fr-CA" sz="1400" dirty="0"/>
+              <a:t>  and  </a:t>
+            </a:r>
+            <a:r>
+              <a:rPr lang="fr-CA" sz="1400" dirty="0" err="1"/>
+              <a:t>kinematic</a:t>
+            </a:r>
+            <a:r>
+              <a:rPr lang="fr-CA" sz="1400" dirty="0"/>
+              <a:t>  </a:t>
+            </a:r>
+            <a:r>
+              <a:rPr lang="fr-CA" sz="1400" dirty="0" err="1"/>
+              <a:t>viscosity</a:t>
+            </a:r>
+            <a:r>
+              <a:rPr lang="fr-CA" sz="1400" dirty="0"/>
+              <a:t>.”https://www.engineeringtoolbox.com/water-dynamic-kinematic-viscosity-d_596.html?vA=25&amp;units=C#, 2004.  [En ligne ; Page disponible le21 février 2020].</a:t>
+            </a:r>
+          </a:p>
+          <a:p>
+            <a:endParaRPr lang="fr-CA" sz="600" dirty="0"/>
+          </a:p>
+          <a:p>
+            <a:r>
+              <a:rPr lang="fr-CA" sz="1400" dirty="0"/>
+              <a:t>[7] E.   </a:t>
+            </a:r>
+            <a:r>
+              <a:rPr lang="fr-CA" sz="1400" dirty="0" err="1"/>
+              <a:t>ToolBox</a:t>
+            </a:r>
+            <a:r>
+              <a:rPr lang="fr-CA" sz="1400" dirty="0"/>
+              <a:t>,   “Bulk   </a:t>
+            </a:r>
+            <a:r>
+              <a:rPr lang="fr-CA" sz="1400" dirty="0" err="1"/>
+              <a:t>modulus</a:t>
+            </a:r>
+            <a:r>
+              <a:rPr lang="fr-CA" sz="1400" dirty="0"/>
+              <a:t>   and   </a:t>
+            </a:r>
+            <a:r>
+              <a:rPr lang="fr-CA" sz="1400" dirty="0" err="1"/>
+              <a:t>fluid</a:t>
+            </a:r>
+            <a:r>
+              <a:rPr lang="fr-CA" sz="1400" dirty="0"/>
+              <a:t>   </a:t>
+            </a:r>
+            <a:r>
+              <a:rPr lang="fr-CA" sz="1400" dirty="0" err="1"/>
+              <a:t>elasticity</a:t>
+            </a:r>
+            <a:r>
+              <a:rPr lang="fr-CA" sz="1400" dirty="0"/>
+              <a:t>.”https://www.engineeringtoolbox.com/bulk-modulus-elasticity-d_585.html, 2004. [En ligne ; Page disponible le 21 février 2020].</a:t>
+            </a:r>
+          </a:p>
+          <a:p>
+            <a:endParaRPr lang="fr-CA" sz="600" dirty="0"/>
+          </a:p>
+          <a:p>
+            <a:r>
+              <a:rPr lang="fr-CA" sz="1400" dirty="0"/>
+              <a:t>[8] D. W. Green, J. E. </a:t>
+            </a:r>
+            <a:r>
+              <a:rPr lang="fr-CA" sz="1400" dirty="0" err="1"/>
+              <a:t>Winandy</a:t>
+            </a:r>
+            <a:r>
+              <a:rPr lang="fr-CA" sz="1400" dirty="0"/>
+              <a:t>, and D. E. </a:t>
+            </a:r>
+            <a:r>
+              <a:rPr lang="fr-CA" sz="1400" dirty="0" err="1"/>
+              <a:t>Kretschmann</a:t>
+            </a:r>
+            <a:r>
+              <a:rPr lang="fr-CA" sz="1400" dirty="0"/>
+              <a:t>, “</a:t>
+            </a:r>
+            <a:r>
+              <a:rPr lang="fr-CA" sz="1400" dirty="0" err="1"/>
+              <a:t>Mechanical</a:t>
+            </a:r>
+            <a:r>
+              <a:rPr lang="fr-CA" sz="1400" dirty="0"/>
+              <a:t> </a:t>
+            </a:r>
+            <a:r>
+              <a:rPr lang="fr-CA" sz="1400" dirty="0" err="1"/>
+              <a:t>properties</a:t>
+            </a:r>
+            <a:r>
+              <a:rPr lang="fr-CA" sz="1400" dirty="0"/>
+              <a:t> of </a:t>
+            </a:r>
+            <a:r>
+              <a:rPr lang="fr-CA" sz="1400" dirty="0" err="1"/>
+              <a:t>wood</a:t>
+            </a:r>
+            <a:r>
+              <a:rPr lang="fr-CA" sz="1400" dirty="0"/>
+              <a:t>,”Wood </a:t>
+            </a:r>
+            <a:r>
+              <a:rPr lang="fr-CA" sz="1400" dirty="0" err="1"/>
+              <a:t>handbook</a:t>
+            </a:r>
+            <a:r>
+              <a:rPr lang="fr-CA" sz="1400" dirty="0"/>
+              <a:t> : </a:t>
+            </a:r>
+            <a:r>
+              <a:rPr lang="fr-CA" sz="1400" dirty="0" err="1"/>
+              <a:t>woodas</a:t>
+            </a:r>
+            <a:r>
+              <a:rPr lang="fr-CA" sz="1400" dirty="0"/>
+              <a:t> an engineering </a:t>
+            </a:r>
+            <a:r>
+              <a:rPr lang="fr-CA" sz="1400" dirty="0" err="1"/>
+              <a:t>material</a:t>
+            </a:r>
+            <a:r>
+              <a:rPr lang="fr-CA" sz="1400" dirty="0"/>
+              <a:t>. Madison, WI : USDA Forest Service, Forest </a:t>
+            </a:r>
+            <a:r>
+              <a:rPr lang="fr-CA" sz="1400" dirty="0" err="1"/>
+              <a:t>Products</a:t>
+            </a:r>
+            <a:r>
+              <a:rPr lang="fr-CA" sz="1400" dirty="0"/>
+              <a:t> </a:t>
+            </a:r>
+            <a:r>
+              <a:rPr lang="fr-CA" sz="1400" dirty="0" err="1"/>
+              <a:t>Laboratory</a:t>
+            </a:r>
+            <a:r>
+              <a:rPr lang="fr-CA" sz="1400" dirty="0"/>
+              <a:t>, 1999. </a:t>
+            </a:r>
+            <a:r>
+              <a:rPr lang="fr-CA" sz="1400" dirty="0" err="1"/>
+              <a:t>Generaltechnical</a:t>
+            </a:r>
+            <a:r>
+              <a:rPr lang="fr-CA" sz="1400" dirty="0"/>
+              <a:t> report FPL ; GTR-113 : Pages 4.1-4.45113, 1999.</a:t>
             </a:r>
           </a:p>
         </p:txBody>
@@ -14449,7 +14760,7 @@
         <p:spPr>
           <a:xfrm>
             <a:off x="455643" y="3602904"/>
-            <a:ext cx="7480343" cy="1200329"/>
+            <a:ext cx="7480343" cy="923330"/>
           </a:xfrm>
           <a:prstGeom prst="rect">
             <a:avLst/>
@@ -14472,7 +14783,7 @@
             </a:r>
             <a:r>
               <a:rPr lang="fr-CA" dirty="0"/>
-              <a:t> sont intégrées. La solution de l’équation d’onde est présenté à l’équation (12). Sa valeur diminuera exponentiellement à l’entrée de la couche absorbante (13).</a:t>
+              <a:t> sont intégrées. Les équations décrivant ces conditions sont présentées aux équations 12 et 13.</a:t>
             </a:r>
           </a:p>
         </p:txBody>
@@ -14528,12 +14839,758 @@
           </a:p>
         </p:txBody>
       </p:sp>
+      <mc:AlternateContent xmlns:mc="http://schemas.openxmlformats.org/markup-compatibility/2006">
+        <mc:Choice xmlns:a14="http://schemas.microsoft.com/office/drawing/2010/main" Requires="a14">
+          <p:sp>
+            <p:nvSpPr>
+              <p:cNvPr id="10" name="ZoneTexte 9">
+                <a:extLst>
+                  <a:ext uri="{FF2B5EF4-FFF2-40B4-BE49-F238E27FC236}">
+                    <a16:creationId xmlns:a16="http://schemas.microsoft.com/office/drawing/2014/main" id="{67E76AD1-3256-4D51-8DB3-937AAC43163C}"/>
+                  </a:ext>
+                </a:extLst>
+              </p:cNvPr>
+              <p:cNvSpPr txBox="1"/>
+              <p:nvPr/>
+            </p:nvSpPr>
+            <p:spPr>
+              <a:xfrm>
+                <a:off x="8936912" y="4665913"/>
+                <a:ext cx="2581091" cy="733534"/>
+              </a:xfrm>
+              <a:prstGeom prst="rect">
+                <a:avLst/>
+              </a:prstGeom>
+              <a:noFill/>
+            </p:spPr>
+            <p:txBody>
+              <a:bodyPr wrap="none" lIns="0" tIns="0" rIns="0" bIns="0" rtlCol="0">
+                <a:spAutoFit/>
+              </a:bodyPr>
+              <a:lstStyle/>
+              <a:p>
+                <a:pPr/>
+                <a14:m>
+                  <m:oMathPara xmlns:m="http://schemas.openxmlformats.org/officeDocument/2006/math">
+                    <m:oMathParaPr>
+                      <m:jc m:val="centerGroup"/>
+                    </m:oMathParaPr>
+                    <m:oMath xmlns:m="http://schemas.openxmlformats.org/officeDocument/2006/math">
+                      <m:r>
+                        <a:rPr lang="fr-CA" b="0" i="1" smtClean="0">
+                          <a:latin typeface="Cambria Math" panose="02040503050406030204" pitchFamily="18" charset="0"/>
+                        </a:rPr>
+                        <m:t>𝑝</m:t>
+                      </m:r>
+                      <m:d>
+                        <m:dPr>
+                          <m:ctrlPr>
+                            <a:rPr lang="fr-CA" b="0" i="1" smtClean="0">
+                              <a:latin typeface="Cambria Math" panose="02040503050406030204" pitchFamily="18" charset="0"/>
+                            </a:rPr>
+                          </m:ctrlPr>
+                        </m:dPr>
+                        <m:e>
+                          <m:acc>
+                            <m:accPr>
+                              <m:chr m:val="⃗"/>
+                              <m:ctrlPr>
+                                <a:rPr lang="fr-CA" b="0" i="1" smtClean="0">
+                                  <a:latin typeface="Cambria Math" panose="02040503050406030204" pitchFamily="18" charset="0"/>
+                                </a:rPr>
+                              </m:ctrlPr>
+                            </m:accPr>
+                            <m:e>
+                              <m:r>
+                                <a:rPr lang="fr-CA" b="0" i="1" smtClean="0">
+                                  <a:latin typeface="Cambria Math" panose="02040503050406030204" pitchFamily="18" charset="0"/>
+                                </a:rPr>
+                                <m:t>𝑟</m:t>
+                              </m:r>
+                            </m:e>
+                          </m:acc>
+                          <m:r>
+                            <a:rPr lang="fr-CA" b="0" i="1" smtClean="0">
+                              <a:latin typeface="Cambria Math" panose="02040503050406030204" pitchFamily="18" charset="0"/>
+                            </a:rPr>
+                            <m:t>,</m:t>
+                          </m:r>
+                          <m:r>
+                            <a:rPr lang="fr-CA" b="0" i="1" smtClean="0">
+                              <a:latin typeface="Cambria Math" panose="02040503050406030204" pitchFamily="18" charset="0"/>
+                            </a:rPr>
+                            <m:t>𝑡</m:t>
+                          </m:r>
+                        </m:e>
+                      </m:d>
+                      <m:r>
+                        <a:rPr lang="fr-CA" b="0" i="1" smtClean="0">
+                          <a:latin typeface="Cambria Math" panose="02040503050406030204" pitchFamily="18" charset="0"/>
+                        </a:rPr>
+                        <m:t>=</m:t>
+                      </m:r>
+                      <m:nary>
+                        <m:naryPr>
+                          <m:chr m:val="∑"/>
+                          <m:supHide m:val="on"/>
+                          <m:ctrlPr>
+                            <a:rPr lang="fr-CA" b="0" i="1" smtClean="0">
+                              <a:latin typeface="Cambria Math" panose="02040503050406030204" pitchFamily="18" charset="0"/>
+                            </a:rPr>
+                          </m:ctrlPr>
+                        </m:naryPr>
+                        <m:sub>
+                          <m:acc>
+                            <m:accPr>
+                              <m:chr m:val="⃗"/>
+                              <m:ctrlPr>
+                                <a:rPr lang="fr-CA" b="0" i="1" smtClean="0">
+                                  <a:latin typeface="Cambria Math" panose="02040503050406030204" pitchFamily="18" charset="0"/>
+                                </a:rPr>
+                              </m:ctrlPr>
+                            </m:accPr>
+                            <m:e>
+                              <m:r>
+                                <a:rPr lang="fr-CA" b="0" i="1" smtClean="0">
+                                  <a:latin typeface="Cambria Math" panose="02040503050406030204" pitchFamily="18" charset="0"/>
+                                </a:rPr>
+                                <m:t>𝑘</m:t>
+                              </m:r>
+                            </m:e>
+                          </m:acc>
+                          <m:r>
+                            <a:rPr lang="fr-CA" b="0" i="1" smtClean="0">
+                              <a:latin typeface="Cambria Math" panose="02040503050406030204" pitchFamily="18" charset="0"/>
+                            </a:rPr>
+                            <m:t>,</m:t>
+                          </m:r>
+                          <m:r>
+                            <a:rPr lang="fr-CA" b="0" i="1" smtClean="0">
+                              <a:latin typeface="Cambria Math" panose="02040503050406030204" pitchFamily="18" charset="0"/>
+                              <a:ea typeface="Cambria Math" panose="02040503050406030204" pitchFamily="18" charset="0"/>
+                            </a:rPr>
+                            <m:t>𝜔</m:t>
+                          </m:r>
+                        </m:sub>
+                        <m:sup/>
+                        <m:e>
+                          <m:sSub>
+                            <m:sSubPr>
+                              <m:ctrlPr>
+                                <a:rPr lang="fr-CA" b="0" i="1" smtClean="0">
+                                  <a:latin typeface="Cambria Math" panose="02040503050406030204" pitchFamily="18" charset="0"/>
+                                </a:rPr>
+                              </m:ctrlPr>
+                            </m:sSubPr>
+                            <m:e>
+                              <m:r>
+                                <a:rPr lang="fr-CA" b="0" i="1" smtClean="0">
+                                  <a:latin typeface="Cambria Math" panose="02040503050406030204" pitchFamily="18" charset="0"/>
+                                </a:rPr>
+                                <m:t>𝑃</m:t>
+                              </m:r>
+                            </m:e>
+                            <m:sub>
+                              <m:acc>
+                                <m:accPr>
+                                  <m:chr m:val="⃗"/>
+                                  <m:ctrlPr>
+                                    <a:rPr lang="fr-CA" i="1">
+                                      <a:latin typeface="Cambria Math" panose="02040503050406030204" pitchFamily="18" charset="0"/>
+                                    </a:rPr>
+                                  </m:ctrlPr>
+                                </m:accPr>
+                                <m:e>
+                                  <m:r>
+                                    <a:rPr lang="fr-CA" i="1">
+                                      <a:latin typeface="Cambria Math" panose="02040503050406030204" pitchFamily="18" charset="0"/>
+                                    </a:rPr>
+                                    <m:t>𝑘</m:t>
+                                  </m:r>
+                                </m:e>
+                              </m:acc>
+                              <m:r>
+                                <a:rPr lang="fr-CA" b="0" i="1" smtClean="0">
+                                  <a:latin typeface="Cambria Math" panose="02040503050406030204" pitchFamily="18" charset="0"/>
+                                </a:rPr>
+                                <m:t>,</m:t>
+                              </m:r>
+                              <m:r>
+                                <a:rPr lang="fr-CA" b="0" i="1" smtClean="0">
+                                  <a:latin typeface="Cambria Math" panose="02040503050406030204" pitchFamily="18" charset="0"/>
+                                </a:rPr>
+                                <m:t>𝑡</m:t>
+                              </m:r>
+                            </m:sub>
+                          </m:sSub>
+                          <m:sSup>
+                            <m:sSupPr>
+                              <m:ctrlPr>
+                                <a:rPr lang="fr-CA" b="0" i="1" smtClean="0">
+                                  <a:latin typeface="Cambria Math" panose="02040503050406030204" pitchFamily="18" charset="0"/>
+                                </a:rPr>
+                              </m:ctrlPr>
+                            </m:sSupPr>
+                            <m:e>
+                              <m:r>
+                                <a:rPr lang="fr-CA" b="0" i="1" smtClean="0">
+                                  <a:latin typeface="Cambria Math" panose="02040503050406030204" pitchFamily="18" charset="0"/>
+                                </a:rPr>
+                                <m:t>𝑒</m:t>
+                              </m:r>
+                            </m:e>
+                            <m:sup>
+                              <m:r>
+                                <a:rPr lang="fr-CA" b="0" i="1" smtClean="0">
+                                  <a:latin typeface="Cambria Math" panose="02040503050406030204" pitchFamily="18" charset="0"/>
+                                </a:rPr>
+                                <m:t>𝑖</m:t>
+                              </m:r>
+                              <m:r>
+                                <a:rPr lang="fr-CA" b="0" i="1" smtClean="0">
+                                  <a:latin typeface="Cambria Math" panose="02040503050406030204" pitchFamily="18" charset="0"/>
+                                </a:rPr>
+                                <m:t>(</m:t>
+                              </m:r>
+                              <m:acc>
+                                <m:accPr>
+                                  <m:chr m:val="⃗"/>
+                                  <m:ctrlPr>
+                                    <a:rPr lang="fr-CA" b="0" i="1" smtClean="0">
+                                      <a:latin typeface="Cambria Math" panose="02040503050406030204" pitchFamily="18" charset="0"/>
+                                    </a:rPr>
+                                  </m:ctrlPr>
+                                </m:accPr>
+                                <m:e>
+                                  <m:r>
+                                    <a:rPr lang="fr-CA" b="0" i="1" smtClean="0">
+                                      <a:latin typeface="Cambria Math" panose="02040503050406030204" pitchFamily="18" charset="0"/>
+                                    </a:rPr>
+                                    <m:t>𝑘</m:t>
+                                  </m:r>
+                                </m:e>
+                              </m:acc>
+                              <m:acc>
+                                <m:accPr>
+                                  <m:chr m:val="⃗"/>
+                                  <m:ctrlPr>
+                                    <a:rPr lang="fr-CA" b="0" i="1" smtClean="0">
+                                      <a:latin typeface="Cambria Math" panose="02040503050406030204" pitchFamily="18" charset="0"/>
+                                    </a:rPr>
+                                  </m:ctrlPr>
+                                </m:accPr>
+                                <m:e>
+                                  <m:r>
+                                    <a:rPr lang="fr-CA" b="0" i="1" smtClean="0">
+                                      <a:latin typeface="Cambria Math" panose="02040503050406030204" pitchFamily="18" charset="0"/>
+                                    </a:rPr>
+                                    <m:t>𝑟</m:t>
+                                  </m:r>
+                                </m:e>
+                              </m:acc>
+                              <m:r>
+                                <a:rPr lang="fr-CA" b="0" i="1" smtClean="0">
+                                  <a:latin typeface="Cambria Math" panose="02040503050406030204" pitchFamily="18" charset="0"/>
+                                </a:rPr>
+                                <m:t>−</m:t>
+                              </m:r>
+                              <m:r>
+                                <a:rPr lang="fr-CA" b="0" i="1" smtClean="0">
+                                  <a:latin typeface="Cambria Math" panose="02040503050406030204" pitchFamily="18" charset="0"/>
+                                  <a:ea typeface="Cambria Math" panose="02040503050406030204" pitchFamily="18" charset="0"/>
+                                </a:rPr>
+                                <m:t>𝜔</m:t>
+                              </m:r>
+                              <m:r>
+                                <a:rPr lang="fr-CA" b="0" i="1" smtClean="0">
+                                  <a:latin typeface="Cambria Math" panose="02040503050406030204" pitchFamily="18" charset="0"/>
+                                  <a:ea typeface="Cambria Math" panose="02040503050406030204" pitchFamily="18" charset="0"/>
+                                </a:rPr>
+                                <m:t>𝑡</m:t>
+                              </m:r>
+                              <m:r>
+                                <a:rPr lang="fr-CA" b="0" i="1" smtClean="0">
+                                  <a:latin typeface="Cambria Math" panose="02040503050406030204" pitchFamily="18" charset="0"/>
+                                  <a:ea typeface="Cambria Math" panose="02040503050406030204" pitchFamily="18" charset="0"/>
+                                </a:rPr>
+                                <m:t>)</m:t>
+                              </m:r>
+                            </m:sup>
+                          </m:sSup>
+                        </m:e>
+                      </m:nary>
+                    </m:oMath>
+                  </m:oMathPara>
+                </a14:m>
+                <a:endParaRPr lang="fr-CA" dirty="0"/>
+              </a:p>
+            </p:txBody>
+          </p:sp>
+        </mc:Choice>
+        <mc:Fallback>
+          <p:sp>
+            <p:nvSpPr>
+              <p:cNvPr id="10" name="ZoneTexte 9">
+                <a:extLst>
+                  <a:ext uri="{FF2B5EF4-FFF2-40B4-BE49-F238E27FC236}">
+                    <a16:creationId xmlns:a16="http://schemas.microsoft.com/office/drawing/2014/main" id="{67E76AD1-3256-4D51-8DB3-937AAC43163C}"/>
+                  </a:ext>
+                </a:extLst>
+              </p:cNvPr>
+              <p:cNvSpPr txBox="1">
+                <a:spLocks noRot="1" noChangeAspect="1" noMove="1" noResize="1" noEditPoints="1" noAdjustHandles="1" noChangeArrowheads="1" noChangeShapeType="1" noTextEdit="1"/>
+              </p:cNvSpPr>
+              <p:nvPr/>
+            </p:nvSpPr>
+            <p:spPr>
+              <a:xfrm>
+                <a:off x="8936912" y="4665913"/>
+                <a:ext cx="2581091" cy="733534"/>
+              </a:xfrm>
+              <a:prstGeom prst="rect">
+                <a:avLst/>
+              </a:prstGeom>
+              <a:blipFill>
+                <a:blip r:embed="rId3"/>
+                <a:stretch>
+                  <a:fillRect/>
+                </a:stretch>
+              </a:blipFill>
+            </p:spPr>
+            <p:txBody>
+              <a:bodyPr/>
+              <a:lstStyle/>
+              <a:p>
+                <a:r>
+                  <a:rPr lang="fr-CA">
+                    <a:noFill/>
+                  </a:rPr>
+                  <a:t> </a:t>
+                </a:r>
+              </a:p>
+            </p:txBody>
+          </p:sp>
+        </mc:Fallback>
+      </mc:AlternateContent>
+      <mc:AlternateContent xmlns:mc="http://schemas.openxmlformats.org/markup-compatibility/2006">
+        <mc:Choice xmlns:a14="http://schemas.microsoft.com/office/drawing/2010/main" Requires="a14">
+          <p:sp>
+            <p:nvSpPr>
+              <p:cNvPr id="12" name="ZoneTexte 11">
+                <a:extLst>
+                  <a:ext uri="{FF2B5EF4-FFF2-40B4-BE49-F238E27FC236}">
+                    <a16:creationId xmlns:a16="http://schemas.microsoft.com/office/drawing/2014/main" id="{4334F313-CD67-4EDF-8B92-A3C7498320DA}"/>
+                  </a:ext>
+                </a:extLst>
+              </p:cNvPr>
+              <p:cNvSpPr txBox="1"/>
+              <p:nvPr/>
+            </p:nvSpPr>
+            <p:spPr>
+              <a:xfrm>
+                <a:off x="8197758" y="4198365"/>
+                <a:ext cx="3810146" cy="334515"/>
+              </a:xfrm>
+              <a:prstGeom prst="rect">
+                <a:avLst/>
+              </a:prstGeom>
+              <a:noFill/>
+            </p:spPr>
+            <p:txBody>
+              <a:bodyPr wrap="none" lIns="0" tIns="0" rIns="0" bIns="0" rtlCol="0">
+                <a:spAutoFit/>
+              </a:bodyPr>
+              <a:lstStyle/>
+              <a:p>
+                <a:pPr/>
+                <a14:m>
+                  <m:oMathPara xmlns:m="http://schemas.openxmlformats.org/officeDocument/2006/math">
+                    <m:oMathParaPr>
+                      <m:jc m:val="centerGroup"/>
+                    </m:oMathParaPr>
+                    <m:oMath xmlns:m="http://schemas.openxmlformats.org/officeDocument/2006/math">
+                      <m:sSup>
+                        <m:sSupPr>
+                          <m:ctrlPr>
+                            <a:rPr lang="fr-CA" i="1" smtClean="0">
+                              <a:latin typeface="Cambria Math" panose="02040503050406030204" pitchFamily="18" charset="0"/>
+                            </a:rPr>
+                          </m:ctrlPr>
+                        </m:sSupPr>
+                        <m:e>
+                          <m:r>
+                            <a:rPr lang="fr-CA" b="0" i="1" smtClean="0">
+                              <a:latin typeface="Cambria Math" panose="02040503050406030204" pitchFamily="18" charset="0"/>
+                            </a:rPr>
+                            <m:t>𝑒</m:t>
+                          </m:r>
+                        </m:e>
+                        <m:sup>
+                          <m:r>
+                            <a:rPr lang="fr-CA" b="0" i="1" smtClean="0">
+                              <a:latin typeface="Cambria Math" panose="02040503050406030204" pitchFamily="18" charset="0"/>
+                            </a:rPr>
+                            <m:t>𝑖</m:t>
+                          </m:r>
+                          <m:acc>
+                            <m:accPr>
+                              <m:chr m:val="⃗"/>
+                              <m:ctrlPr>
+                                <a:rPr lang="fr-CA" i="1">
+                                  <a:latin typeface="Cambria Math" panose="02040503050406030204" pitchFamily="18" charset="0"/>
+                                </a:rPr>
+                              </m:ctrlPr>
+                            </m:accPr>
+                            <m:e>
+                              <m:r>
+                                <a:rPr lang="fr-CA" i="1">
+                                  <a:latin typeface="Cambria Math" panose="02040503050406030204" pitchFamily="18" charset="0"/>
+                                </a:rPr>
+                                <m:t>𝑘</m:t>
+                              </m:r>
+                            </m:e>
+                          </m:acc>
+                          <m:r>
+                            <a:rPr lang="fr-CA" b="0" i="1" smtClean="0">
+                              <a:latin typeface="Cambria Math" panose="02040503050406030204" pitchFamily="18" charset="0"/>
+                            </a:rPr>
+                            <m:t>(</m:t>
+                          </m:r>
+                          <m:r>
+                            <m:rPr>
+                              <m:sty m:val="p"/>
+                            </m:rPr>
+                            <a:rPr lang="fr-CA" b="0" i="0" smtClean="0">
+                              <a:latin typeface="Cambria Math" panose="02040503050406030204" pitchFamily="18" charset="0"/>
+                            </a:rPr>
+                            <m:t>Re</m:t>
+                          </m:r>
+                          <m:d>
+                            <m:dPr>
+                              <m:ctrlPr>
+                                <a:rPr lang="fr-CA" b="0" i="1" smtClean="0">
+                                  <a:latin typeface="Cambria Math" panose="02040503050406030204" pitchFamily="18" charset="0"/>
+                                </a:rPr>
+                              </m:ctrlPr>
+                            </m:dPr>
+                            <m:e>
+                              <m:acc>
+                                <m:accPr>
+                                  <m:chr m:val="⃗"/>
+                                  <m:ctrlPr>
+                                    <a:rPr lang="fr-CA" i="1">
+                                      <a:latin typeface="Cambria Math" panose="02040503050406030204" pitchFamily="18" charset="0"/>
+                                    </a:rPr>
+                                  </m:ctrlPr>
+                                </m:accPr>
+                                <m:e>
+                                  <m:r>
+                                    <a:rPr lang="fr-CA" b="0" i="1" smtClean="0">
+                                      <a:latin typeface="Cambria Math" panose="02040503050406030204" pitchFamily="18" charset="0"/>
+                                    </a:rPr>
+                                    <m:t>𝑟</m:t>
+                                  </m:r>
+                                </m:e>
+                              </m:acc>
+                            </m:e>
+                          </m:d>
+                          <m:r>
+                            <a:rPr lang="fr-CA" b="0" i="1" smtClean="0">
+                              <a:latin typeface="Cambria Math" panose="02040503050406030204" pitchFamily="18" charset="0"/>
+                            </a:rPr>
+                            <m:t>+</m:t>
+                          </m:r>
+                          <m:r>
+                            <a:rPr lang="fr-CA" b="0" i="1" smtClean="0">
+                              <a:latin typeface="Cambria Math" panose="02040503050406030204" pitchFamily="18" charset="0"/>
+                            </a:rPr>
+                            <m:t>𝑖</m:t>
+                          </m:r>
+                          <m:r>
+                            <m:rPr>
+                              <m:sty m:val="p"/>
+                            </m:rPr>
+                            <a:rPr lang="fr-CA" b="0" i="0" smtClean="0">
+                              <a:latin typeface="Cambria Math" panose="02040503050406030204" pitchFamily="18" charset="0"/>
+                            </a:rPr>
+                            <m:t>Im</m:t>
+                          </m:r>
+                          <m:d>
+                            <m:dPr>
+                              <m:ctrlPr>
+                                <a:rPr lang="fr-CA" b="0" i="1" smtClean="0">
+                                  <a:latin typeface="Cambria Math" panose="02040503050406030204" pitchFamily="18" charset="0"/>
+                                </a:rPr>
+                              </m:ctrlPr>
+                            </m:dPr>
+                            <m:e>
+                              <m:acc>
+                                <m:accPr>
+                                  <m:chr m:val="⃗"/>
+                                  <m:ctrlPr>
+                                    <a:rPr lang="fr-CA" i="1" smtClean="0">
+                                      <a:latin typeface="Cambria Math" panose="02040503050406030204" pitchFamily="18" charset="0"/>
+                                    </a:rPr>
+                                  </m:ctrlPr>
+                                </m:accPr>
+                                <m:e>
+                                  <m:r>
+                                    <a:rPr lang="fr-CA" b="0" i="1" smtClean="0">
+                                      <a:latin typeface="Cambria Math" panose="02040503050406030204" pitchFamily="18" charset="0"/>
+                                    </a:rPr>
+                                    <m:t>𝑟</m:t>
+                                  </m:r>
+                                </m:e>
+                              </m:acc>
+                            </m:e>
+                          </m:d>
+                          <m:r>
+                            <a:rPr lang="fr-CA" b="0" i="1" smtClean="0">
+                              <a:latin typeface="Cambria Math" panose="02040503050406030204" pitchFamily="18" charset="0"/>
+                            </a:rPr>
+                            <m:t>)</m:t>
+                          </m:r>
+                        </m:sup>
+                      </m:sSup>
+                      <m:r>
+                        <a:rPr lang="fr-CA" b="0" i="1" smtClean="0">
+                          <a:latin typeface="Cambria Math" panose="02040503050406030204" pitchFamily="18" charset="0"/>
+                        </a:rPr>
+                        <m:t>=</m:t>
+                      </m:r>
+                      <m:sSup>
+                        <m:sSupPr>
+                          <m:ctrlPr>
+                            <a:rPr lang="fr-CA" i="1">
+                              <a:latin typeface="Cambria Math" panose="02040503050406030204" pitchFamily="18" charset="0"/>
+                            </a:rPr>
+                          </m:ctrlPr>
+                        </m:sSupPr>
+                        <m:e>
+                          <m:r>
+                            <a:rPr lang="fr-CA" i="1">
+                              <a:latin typeface="Cambria Math" panose="02040503050406030204" pitchFamily="18" charset="0"/>
+                            </a:rPr>
+                            <m:t>𝑒</m:t>
+                          </m:r>
+                        </m:e>
+                        <m:sup>
+                          <m:r>
+                            <a:rPr lang="fr-CA" i="1">
+                              <a:latin typeface="Cambria Math" panose="02040503050406030204" pitchFamily="18" charset="0"/>
+                            </a:rPr>
+                            <m:t>𝑖</m:t>
+                          </m:r>
+                          <m:acc>
+                            <m:accPr>
+                              <m:chr m:val="⃗"/>
+                              <m:ctrlPr>
+                                <a:rPr lang="fr-CA" i="1">
+                                  <a:latin typeface="Cambria Math" panose="02040503050406030204" pitchFamily="18" charset="0"/>
+                                </a:rPr>
+                              </m:ctrlPr>
+                            </m:accPr>
+                            <m:e>
+                              <m:r>
+                                <a:rPr lang="fr-CA" i="1">
+                                  <a:latin typeface="Cambria Math" panose="02040503050406030204" pitchFamily="18" charset="0"/>
+                                </a:rPr>
+                                <m:t>𝑘</m:t>
+                              </m:r>
+                            </m:e>
+                          </m:acc>
+                          <m:r>
+                            <m:rPr>
+                              <m:sty m:val="p"/>
+                            </m:rPr>
+                            <a:rPr lang="fr-CA">
+                              <a:latin typeface="Cambria Math" panose="02040503050406030204" pitchFamily="18" charset="0"/>
+                            </a:rPr>
+                            <m:t>Re</m:t>
+                          </m:r>
+                          <m:d>
+                            <m:dPr>
+                              <m:ctrlPr>
+                                <a:rPr lang="fr-CA" i="1">
+                                  <a:latin typeface="Cambria Math" panose="02040503050406030204" pitchFamily="18" charset="0"/>
+                                </a:rPr>
+                              </m:ctrlPr>
+                            </m:dPr>
+                            <m:e>
+                              <m:acc>
+                                <m:accPr>
+                                  <m:chr m:val="⃗"/>
+                                  <m:ctrlPr>
+                                    <a:rPr lang="fr-CA" i="1">
+                                      <a:latin typeface="Cambria Math" panose="02040503050406030204" pitchFamily="18" charset="0"/>
+                                    </a:rPr>
+                                  </m:ctrlPr>
+                                </m:accPr>
+                                <m:e>
+                                  <m:r>
+                                    <a:rPr lang="fr-CA" i="1">
+                                      <a:latin typeface="Cambria Math" panose="02040503050406030204" pitchFamily="18" charset="0"/>
+                                    </a:rPr>
+                                    <m:t>𝑟</m:t>
+                                  </m:r>
+                                </m:e>
+                              </m:acc>
+                            </m:e>
+                          </m:d>
+                        </m:sup>
+                      </m:sSup>
+                      <m:r>
+                        <a:rPr lang="fr-CA" b="0" i="1" smtClean="0">
+                          <a:latin typeface="Cambria Math" panose="02040503050406030204" pitchFamily="18" charset="0"/>
+                        </a:rPr>
+                        <m:t>+</m:t>
+                      </m:r>
+                      <m:sSup>
+                        <m:sSupPr>
+                          <m:ctrlPr>
+                            <a:rPr lang="fr-CA" i="1">
+                              <a:latin typeface="Cambria Math" panose="02040503050406030204" pitchFamily="18" charset="0"/>
+                            </a:rPr>
+                          </m:ctrlPr>
+                        </m:sSupPr>
+                        <m:e>
+                          <m:r>
+                            <a:rPr lang="fr-CA" i="1">
+                              <a:latin typeface="Cambria Math" panose="02040503050406030204" pitchFamily="18" charset="0"/>
+                            </a:rPr>
+                            <m:t>𝑒</m:t>
+                          </m:r>
+                        </m:e>
+                        <m:sup>
+                          <m:r>
+                            <a:rPr lang="fr-CA" b="0" i="1" smtClean="0">
+                              <a:latin typeface="Cambria Math" panose="02040503050406030204" pitchFamily="18" charset="0"/>
+                            </a:rPr>
+                            <m:t>−</m:t>
+                          </m:r>
+                          <m:acc>
+                            <m:accPr>
+                              <m:chr m:val="⃗"/>
+                              <m:ctrlPr>
+                                <a:rPr lang="fr-CA" i="1">
+                                  <a:latin typeface="Cambria Math" panose="02040503050406030204" pitchFamily="18" charset="0"/>
+                                </a:rPr>
+                              </m:ctrlPr>
+                            </m:accPr>
+                            <m:e>
+                              <m:r>
+                                <a:rPr lang="fr-CA" i="1">
+                                  <a:latin typeface="Cambria Math" panose="02040503050406030204" pitchFamily="18" charset="0"/>
+                                </a:rPr>
+                                <m:t>𝑘</m:t>
+                              </m:r>
+                            </m:e>
+                          </m:acc>
+                          <m:r>
+                            <m:rPr>
+                              <m:sty m:val="p"/>
+                            </m:rPr>
+                            <a:rPr lang="fr-CA">
+                              <a:latin typeface="Cambria Math" panose="02040503050406030204" pitchFamily="18" charset="0"/>
+                            </a:rPr>
+                            <m:t>Im</m:t>
+                          </m:r>
+                          <m:d>
+                            <m:dPr>
+                              <m:ctrlPr>
+                                <a:rPr lang="fr-CA" i="1">
+                                  <a:latin typeface="Cambria Math" panose="02040503050406030204" pitchFamily="18" charset="0"/>
+                                </a:rPr>
+                              </m:ctrlPr>
+                            </m:dPr>
+                            <m:e>
+                              <m:acc>
+                                <m:accPr>
+                                  <m:chr m:val="⃗"/>
+                                  <m:ctrlPr>
+                                    <a:rPr lang="fr-CA" i="1">
+                                      <a:latin typeface="Cambria Math" panose="02040503050406030204" pitchFamily="18" charset="0"/>
+                                    </a:rPr>
+                                  </m:ctrlPr>
+                                </m:accPr>
+                                <m:e>
+                                  <m:r>
+                                    <a:rPr lang="fr-CA" i="1">
+                                      <a:latin typeface="Cambria Math" panose="02040503050406030204" pitchFamily="18" charset="0"/>
+                                    </a:rPr>
+                                    <m:t>𝑟</m:t>
+                                  </m:r>
+                                </m:e>
+                              </m:acc>
+                            </m:e>
+                          </m:d>
+                          <m:r>
+                            <a:rPr lang="fr-CA" i="1">
+                              <a:latin typeface="Cambria Math" panose="02040503050406030204" pitchFamily="18" charset="0"/>
+                            </a:rPr>
+                            <m:t>)</m:t>
+                          </m:r>
+                        </m:sup>
+                      </m:sSup>
+                    </m:oMath>
+                  </m:oMathPara>
+                </a14:m>
+                <a:endParaRPr lang="fr-CA" dirty="0"/>
+              </a:p>
+            </p:txBody>
+          </p:sp>
+        </mc:Choice>
+        <mc:Fallback>
+          <p:sp>
+            <p:nvSpPr>
+              <p:cNvPr id="12" name="ZoneTexte 11">
+                <a:extLst>
+                  <a:ext uri="{FF2B5EF4-FFF2-40B4-BE49-F238E27FC236}">
+                    <a16:creationId xmlns:a16="http://schemas.microsoft.com/office/drawing/2014/main" id="{4334F313-CD67-4EDF-8B92-A3C7498320DA}"/>
+                  </a:ext>
+                </a:extLst>
+              </p:cNvPr>
+              <p:cNvSpPr txBox="1">
+                <a:spLocks noRot="1" noChangeAspect="1" noMove="1" noResize="1" noEditPoints="1" noAdjustHandles="1" noChangeArrowheads="1" noChangeShapeType="1" noTextEdit="1"/>
+              </p:cNvSpPr>
+              <p:nvPr/>
+            </p:nvSpPr>
+            <p:spPr>
+              <a:xfrm>
+                <a:off x="8197758" y="4198365"/>
+                <a:ext cx="3810146" cy="334515"/>
+              </a:xfrm>
+              <a:prstGeom prst="rect">
+                <a:avLst/>
+              </a:prstGeom>
+              <a:blipFill>
+                <a:blip r:embed="rId4"/>
+                <a:stretch>
+                  <a:fillRect l="-160" t="-16364" r="-2400" b="-7273"/>
+                </a:stretch>
+              </a:blipFill>
+            </p:spPr>
+            <p:txBody>
+              <a:bodyPr/>
+              <a:lstStyle/>
+              <a:p>
+                <a:r>
+                  <a:rPr lang="fr-CA">
+                    <a:noFill/>
+                  </a:rPr>
+                  <a:t> </a:t>
+                </a:r>
+              </a:p>
+            </p:txBody>
+          </p:sp>
+        </mc:Fallback>
+      </mc:AlternateContent>
       <p:grpSp>
         <p:nvGrpSpPr>
-          <p:cNvPr id="17" name="Groupe 16">
+          <p:cNvPr id="19" name="Groupe 18">
             <a:extLst>
               <a:ext uri="{FF2B5EF4-FFF2-40B4-BE49-F238E27FC236}">
-                <a16:creationId xmlns:a16="http://schemas.microsoft.com/office/drawing/2014/main" id="{B281D58F-6984-4114-82FD-6C872C97AFC4}"/>
+                <a16:creationId xmlns:a16="http://schemas.microsoft.com/office/drawing/2014/main" id="{C758A252-8DEC-45BB-96AE-9691F144C9D3}"/>
               </a:ext>
             </a:extLst>
           </p:cNvPr>
@@ -14542,20 +15599,58 @@
         </p:nvGrpSpPr>
         <p:grpSpPr>
           <a:xfrm>
-            <a:off x="455643" y="5137248"/>
-            <a:ext cx="3214598" cy="733534"/>
-            <a:chOff x="455643" y="5137248"/>
-            <a:chExt cx="3214598" cy="733534"/>
+            <a:off x="2193930" y="5441379"/>
+            <a:ext cx="2778955" cy="567463"/>
+            <a:chOff x="2428950" y="5601756"/>
+            <a:chExt cx="2778955" cy="567463"/>
           </a:xfrm>
         </p:grpSpPr>
-        <mc:AlternateContent xmlns:mc="http://schemas.openxmlformats.org/markup-compatibility/2006" xmlns:a14="http://schemas.microsoft.com/office/drawing/2010/main">
-          <mc:Choice Requires="a14">
+        <p:sp>
+          <p:nvSpPr>
+            <p:cNvPr id="16" name="ZoneTexte 15">
+              <a:extLst>
+                <a:ext uri="{FF2B5EF4-FFF2-40B4-BE49-F238E27FC236}">
+                  <a16:creationId xmlns:a16="http://schemas.microsoft.com/office/drawing/2014/main" id="{BF3A9947-212A-4C67-AA15-352DE5F5DD32}"/>
+                </a:ext>
+              </a:extLst>
+            </p:cNvPr>
+            <p:cNvSpPr txBox="1"/>
+            <p:nvPr/>
+          </p:nvSpPr>
+          <p:spPr>
+            <a:xfrm>
+              <a:off x="4574398" y="5700821"/>
+              <a:ext cx="633507" cy="369332"/>
+            </a:xfrm>
+            <a:prstGeom prst="rect">
+              <a:avLst/>
+            </a:prstGeom>
+            <a:noFill/>
+          </p:spPr>
+          <p:txBody>
+            <a:bodyPr wrap="none" rtlCol="0">
+              <a:spAutoFit/>
+            </a:bodyPr>
+            <a:lstStyle/>
+            <a:p>
+              <a:r>
+                <a:rPr lang="fr-CA" dirty="0">
+                  <a:latin typeface="Cambria Math" panose="02040503050406030204" pitchFamily="18" charset="0"/>
+                  <a:ea typeface="Cambria Math" panose="02040503050406030204" pitchFamily="18" charset="0"/>
+                </a:rPr>
+                <a:t>(13)</a:t>
+              </a:r>
+            </a:p>
+          </p:txBody>
+        </p:sp>
+        <mc:AlternateContent xmlns:mc="http://schemas.openxmlformats.org/markup-compatibility/2006">
+          <mc:Choice xmlns:a14="http://schemas.microsoft.com/office/drawing/2010/main" Requires="a14">
             <p:sp>
               <p:nvSpPr>
-                <p:cNvPr id="10" name="ZoneTexte 9">
+                <p:cNvPr id="18" name="TextBox 17">
                   <a:extLst>
                     <a:ext uri="{FF2B5EF4-FFF2-40B4-BE49-F238E27FC236}">
-                      <a16:creationId xmlns:a16="http://schemas.microsoft.com/office/drawing/2014/main" id="{67E76AD1-3256-4D51-8DB3-937AAC43163C}"/>
+                      <a16:creationId xmlns:a16="http://schemas.microsoft.com/office/drawing/2014/main" id="{EE8FEC50-193D-403C-BC60-7C3621ED8DCA}"/>
                     </a:ext>
                   </a:extLst>
                 </p:cNvPr>
@@ -14564,8 +15659,8 @@
               </p:nvSpPr>
               <p:spPr>
                 <a:xfrm>
-                  <a:off x="455643" y="5137248"/>
-                  <a:ext cx="2581091" cy="733534"/>
+                  <a:off x="2428950" y="5601756"/>
+                  <a:ext cx="2029658" cy="567463"/>
                 </a:xfrm>
                 <a:prstGeom prst="rect">
                   <a:avLst/>
@@ -14585,264 +15680,159 @@
                         <m:jc m:val="centerGroup"/>
                       </m:oMathParaPr>
                       <m:oMath xmlns:m="http://schemas.openxmlformats.org/officeDocument/2006/math">
-                        <m:r>
-                          <a:rPr lang="fr-CA" b="0" i="1" smtClean="0">
-                            <a:latin typeface="Cambria Math" panose="02040503050406030204" pitchFamily="18" charset="0"/>
-                          </a:rPr>
-                          <m:t>𝑝</m:t>
-                        </m:r>
-                        <m:d>
-                          <m:dPr>
+                        <m:sSub>
+                          <m:sSubPr>
                             <m:ctrlPr>
-                              <a:rPr lang="fr-CA" b="0" i="1" smtClean="0">
+                              <a:rPr lang="en-CA" i="1">
                                 <a:latin typeface="Cambria Math" panose="02040503050406030204" pitchFamily="18" charset="0"/>
                               </a:rPr>
                             </m:ctrlPr>
-                          </m:dPr>
+                          </m:sSubPr>
                           <m:e>
-                            <m:acc>
-                              <m:accPr>
-                                <m:chr m:val="⃗"/>
-                                <m:ctrlPr>
-                                  <a:rPr lang="fr-CA" b="0" i="1" smtClean="0">
-                                    <a:latin typeface="Cambria Math" panose="02040503050406030204" pitchFamily="18" charset="0"/>
-                                  </a:rPr>
-                                </m:ctrlPr>
-                              </m:accPr>
-                              <m:e>
-                                <m:r>
-                                  <a:rPr lang="fr-CA" b="0" i="1" smtClean="0">
-                                    <a:latin typeface="Cambria Math" panose="02040503050406030204" pitchFamily="18" charset="0"/>
-                                  </a:rPr>
-                                  <m:t>𝑟</m:t>
-                                </m:r>
-                              </m:e>
-                            </m:acc>
                             <m:r>
-                              <a:rPr lang="fr-CA" b="0" i="1" smtClean="0">
+                              <a:rPr lang="en-CA" i="1">
+                                <a:latin typeface="Cambria Math" panose="02040503050406030204" pitchFamily="18" charset="0"/>
+                                <a:ea typeface="Cambria Math" panose="02040503050406030204" pitchFamily="18" charset="0"/>
+                              </a:rPr>
+                              <m:t>𝛾</m:t>
+                            </m:r>
+                          </m:e>
+                          <m:sub>
+                            <m:r>
+                              <a:rPr lang="en-CA" i="1">
                                 <a:latin typeface="Cambria Math" panose="02040503050406030204" pitchFamily="18" charset="0"/>
                               </a:rPr>
-                              <m:t>,</m:t>
+                              <m:t>𝑥</m:t>
                             </m:r>
-                            <m:r>
-                              <a:rPr lang="fr-CA" b="0" i="1" smtClean="0">
+                          </m:sub>
+                        </m:sSub>
+                        <m:r>
+                          <a:rPr lang="en-CA" b="0" i="1" smtClean="0">
+                            <a:latin typeface="Cambria Math" panose="02040503050406030204" pitchFamily="18" charset="0"/>
+                            <a:ea typeface="Cambria Math" panose="02040503050406030204" pitchFamily="18" charset="0"/>
+                          </a:rPr>
+                          <m:t>=1+ </m:t>
+                        </m:r>
+                        <m:f>
+                          <m:fPr>
+                            <m:ctrlPr>
+                              <a:rPr lang="en-CA" b="0" i="1" smtClean="0">
                                 <a:latin typeface="Cambria Math" panose="02040503050406030204" pitchFamily="18" charset="0"/>
-                              </a:rPr>
-                              <m:t>𝑡</m:t>
-                            </m:r>
-                          </m:e>
-                        </m:d>
-                        <m:r>
-                          <a:rPr lang="fr-CA" b="0" i="1" smtClean="0">
-                            <a:latin typeface="Cambria Math" panose="02040503050406030204" pitchFamily="18" charset="0"/>
-                          </a:rPr>
-                          <m:t>=</m:t>
-                        </m:r>
-                        <m:nary>
-                          <m:naryPr>
-                            <m:chr m:val="∑"/>
-                            <m:supHide m:val="on"/>
-                            <m:ctrlPr>
-                              <a:rPr lang="fr-CA" b="0" i="1" smtClean="0">
-                                <a:latin typeface="Cambria Math" panose="02040503050406030204" pitchFamily="18" charset="0"/>
+                                <a:ea typeface="Cambria Math" panose="02040503050406030204" pitchFamily="18" charset="0"/>
                               </a:rPr>
                             </m:ctrlPr>
-                          </m:naryPr>
-                          <m:sub>
-                            <m:acc>
-                              <m:accPr>
-                                <m:chr m:val="⃗"/>
-                                <m:ctrlPr>
-                                  <a:rPr lang="fr-CA" b="0" i="1" smtClean="0">
-                                    <a:latin typeface="Cambria Math" panose="02040503050406030204" pitchFamily="18" charset="0"/>
-                                  </a:rPr>
-                                </m:ctrlPr>
-                              </m:accPr>
-                              <m:e>
-                                <m:r>
-                                  <a:rPr lang="fr-CA" b="0" i="1" smtClean="0">
-                                    <a:latin typeface="Cambria Math" panose="02040503050406030204" pitchFamily="18" charset="0"/>
-                                  </a:rPr>
-                                  <m:t>𝑘</m:t>
-                                </m:r>
-                              </m:e>
-                            </m:acc>
+                          </m:fPr>
+                          <m:num>
                             <m:r>
-                              <a:rPr lang="fr-CA" b="0" i="1" smtClean="0">
+                              <a:rPr lang="en-CA" b="0" i="1" smtClean="0">
                                 <a:latin typeface="Cambria Math" panose="02040503050406030204" pitchFamily="18" charset="0"/>
+                                <a:ea typeface="Cambria Math" panose="02040503050406030204" pitchFamily="18" charset="0"/>
                               </a:rPr>
-                              <m:t>,</m:t>
+                              <m:t>𝑖</m:t>
                             </m:r>
+                          </m:num>
+                          <m:den>
                             <m:r>
-                              <a:rPr lang="fr-CA" b="0" i="1" smtClean="0">
+                              <a:rPr lang="en-CA" b="0" i="1" smtClean="0">
                                 <a:latin typeface="Cambria Math" panose="02040503050406030204" pitchFamily="18" charset="0"/>
                                 <a:ea typeface="Cambria Math" panose="02040503050406030204" pitchFamily="18" charset="0"/>
                               </a:rPr>
                               <m:t>𝜔</m:t>
                             </m:r>
-                          </m:sub>
-                          <m:sup/>
-                          <m:e>
-                            <m:sSub>
-                              <m:sSubPr>
+                          </m:den>
+                        </m:f>
+                        <m:f>
+                          <m:fPr>
+                            <m:ctrlPr>
+                              <a:rPr lang="en-CA" b="0" i="1" smtClean="0">
+                                <a:latin typeface="Cambria Math" panose="02040503050406030204" pitchFamily="18" charset="0"/>
+                                <a:ea typeface="Cambria Math" panose="02040503050406030204" pitchFamily="18" charset="0"/>
+                              </a:rPr>
+                            </m:ctrlPr>
+                          </m:fPr>
+                          <m:num>
+                            <m:r>
+                              <a:rPr lang="en-CA" b="0" i="1" smtClean="0">
+                                <a:latin typeface="Cambria Math" panose="02040503050406030204" pitchFamily="18" charset="0"/>
+                                <a:ea typeface="Cambria Math" panose="02040503050406030204" pitchFamily="18" charset="0"/>
+                              </a:rPr>
+                              <m:t>1</m:t>
+                            </m:r>
+                          </m:num>
+                          <m:den>
+                            <m:d>
+                              <m:dPr>
+                                <m:begChr m:val="|"/>
+                                <m:endChr m:val="|"/>
                                 <m:ctrlPr>
-                                  <a:rPr lang="fr-CA" b="0" i="1" smtClean="0">
+                                  <a:rPr lang="en-CA" b="0" i="1" smtClean="0">
                                     <a:latin typeface="Cambria Math" panose="02040503050406030204" pitchFamily="18" charset="0"/>
+                                    <a:ea typeface="Cambria Math" panose="02040503050406030204" pitchFamily="18" charset="0"/>
                                   </a:rPr>
                                 </m:ctrlPr>
-                              </m:sSubPr>
+                              </m:dPr>
                               <m:e>
-                                <m:r>
-                                  <a:rPr lang="fr-CA" b="0" i="1" smtClean="0">
-                                    <a:latin typeface="Cambria Math" panose="02040503050406030204" pitchFamily="18" charset="0"/>
-                                  </a:rPr>
-                                  <m:t>𝑃</m:t>
-                                </m:r>
-                              </m:e>
-                              <m:sub>
-                                <m:acc>
-                                  <m:accPr>
-                                    <m:chr m:val="⃗"/>
+                                <m:sSub>
+                                  <m:sSubPr>
                                     <m:ctrlPr>
-                                      <a:rPr lang="fr-CA" i="1">
+                                      <a:rPr lang="en-CA" b="0" i="1" smtClean="0">
                                         <a:latin typeface="Cambria Math" panose="02040503050406030204" pitchFamily="18" charset="0"/>
+                                        <a:ea typeface="Cambria Math" panose="02040503050406030204" pitchFamily="18" charset="0"/>
                                       </a:rPr>
                                     </m:ctrlPr>
-                                  </m:accPr>
+                                  </m:sSubPr>
                                   <m:e>
                                     <m:r>
-                                      <a:rPr lang="fr-CA" i="1">
+                                      <a:rPr lang="en-CA" b="0" i="1" smtClean="0">
                                         <a:latin typeface="Cambria Math" panose="02040503050406030204" pitchFamily="18" charset="0"/>
+                                        <a:ea typeface="Cambria Math" panose="02040503050406030204" pitchFamily="18" charset="0"/>
                                       </a:rPr>
-                                      <m:t>𝑘</m:t>
+                                      <m:t>𝑥</m:t>
                                     </m:r>
                                   </m:e>
-                                </m:acc>
+                                  <m:sub>
+                                    <m:r>
+                                      <a:rPr lang="en-CA" b="0" i="1" smtClean="0">
+                                        <a:latin typeface="Cambria Math" panose="02040503050406030204" pitchFamily="18" charset="0"/>
+                                        <a:ea typeface="Cambria Math" panose="02040503050406030204" pitchFamily="18" charset="0"/>
+                                      </a:rPr>
+                                      <m:t>0</m:t>
+                                    </m:r>
+                                  </m:sub>
+                                </m:sSub>
                                 <m:r>
-                                  <a:rPr lang="fr-CA" b="0" i="1" smtClean="0">
+                                  <a:rPr lang="en-CA" b="0" i="1" smtClean="0">
                                     <a:latin typeface="Cambria Math" panose="02040503050406030204" pitchFamily="18" charset="0"/>
-                                  </a:rPr>
-                                  <m:t>,</m:t>
-                                </m:r>
-                                <m:r>
-                                  <a:rPr lang="fr-CA" b="0" i="1" smtClean="0">
-                                    <a:latin typeface="Cambria Math" panose="02040503050406030204" pitchFamily="18" charset="0"/>
-                                  </a:rPr>
-                                  <m:t>𝑡</m:t>
-                                </m:r>
-                              </m:sub>
-                            </m:sSub>
-                            <m:sSup>
-                              <m:sSupPr>
-                                <m:ctrlPr>
-                                  <a:rPr lang="fr-CA" b="0" i="1" smtClean="0">
-                                    <a:latin typeface="Cambria Math" panose="02040503050406030204" pitchFamily="18" charset="0"/>
-                                  </a:rPr>
-                                </m:ctrlPr>
-                              </m:sSupPr>
-                              <m:e>
-                                <m:r>
-                                  <a:rPr lang="fr-CA" b="0" i="1" smtClean="0">
-                                    <a:latin typeface="Cambria Math" panose="02040503050406030204" pitchFamily="18" charset="0"/>
-                                  </a:rPr>
-                                  <m:t>𝑒</m:t>
-                                </m:r>
-                              </m:e>
-                              <m:sup>
-                                <m:r>
-                                  <a:rPr lang="fr-CA" b="0" i="1" smtClean="0">
-                                    <a:latin typeface="Cambria Math" panose="02040503050406030204" pitchFamily="18" charset="0"/>
-                                  </a:rPr>
-                                  <m:t>𝑖</m:t>
-                                </m:r>
-                                <m:r>
-                                  <a:rPr lang="fr-CA" b="0" i="1" smtClean="0">
-                                    <a:latin typeface="Cambria Math" panose="02040503050406030204" pitchFamily="18" charset="0"/>
-                                  </a:rPr>
-                                  <m:t>(</m:t>
-                                </m:r>
-                                <m:acc>
-                                  <m:accPr>
-                                    <m:chr m:val="⃗"/>
-                                    <m:ctrlPr>
-                                      <a:rPr lang="fr-CA" b="0" i="1" smtClean="0">
-                                        <a:latin typeface="Cambria Math" panose="02040503050406030204" pitchFamily="18" charset="0"/>
-                                      </a:rPr>
-                                    </m:ctrlPr>
-                                  </m:accPr>
-                                  <m:e>
-                                    <m:r>
-                                      <a:rPr lang="fr-CA" b="0" i="1" smtClean="0">
-                                        <a:latin typeface="Cambria Math" panose="02040503050406030204" pitchFamily="18" charset="0"/>
-                                      </a:rPr>
-                                      <m:t>𝑘</m:t>
-                                    </m:r>
-                                  </m:e>
-                                </m:acc>
-                                <m:acc>
-                                  <m:accPr>
-                                    <m:chr m:val="⃗"/>
-                                    <m:ctrlPr>
-                                      <a:rPr lang="fr-CA" b="0" i="1" smtClean="0">
-                                        <a:latin typeface="Cambria Math" panose="02040503050406030204" pitchFamily="18" charset="0"/>
-                                      </a:rPr>
-                                    </m:ctrlPr>
-                                  </m:accPr>
-                                  <m:e>
-                                    <m:r>
-                                      <a:rPr lang="fr-CA" b="0" i="1" smtClean="0">
-                                        <a:latin typeface="Cambria Math" panose="02040503050406030204" pitchFamily="18" charset="0"/>
-                                      </a:rPr>
-                                      <m:t>𝑟</m:t>
-                                    </m:r>
-                                  </m:e>
-                                </m:acc>
-                                <m:r>
-                                  <a:rPr lang="fr-CA" b="0" i="1" smtClean="0">
-                                    <a:latin typeface="Cambria Math" panose="02040503050406030204" pitchFamily="18" charset="0"/>
+                                    <a:ea typeface="Cambria Math" panose="02040503050406030204" pitchFamily="18" charset="0"/>
                                   </a:rPr>
                                   <m:t>−</m:t>
                                 </m:r>
                                 <m:r>
-                                  <a:rPr lang="fr-CA" b="0" i="1" smtClean="0">
+                                  <a:rPr lang="en-CA" b="0" i="1" smtClean="0">
                                     <a:latin typeface="Cambria Math" panose="02040503050406030204" pitchFamily="18" charset="0"/>
                                     <a:ea typeface="Cambria Math" panose="02040503050406030204" pitchFamily="18" charset="0"/>
                                   </a:rPr>
-                                  <m:t>𝜔</m:t>
+                                  <m:t>𝑥</m:t>
                                 </m:r>
-                                <m:r>
-                                  <a:rPr lang="fr-CA" b="0" i="1" smtClean="0">
-                                    <a:latin typeface="Cambria Math" panose="02040503050406030204" pitchFamily="18" charset="0"/>
-                                    <a:ea typeface="Cambria Math" panose="02040503050406030204" pitchFamily="18" charset="0"/>
-                                  </a:rPr>
-                                  <m:t>𝑡</m:t>
-                                </m:r>
-                                <m:r>
-                                  <a:rPr lang="fr-CA" b="0" i="1" smtClean="0">
-                                    <a:latin typeface="Cambria Math" panose="02040503050406030204" pitchFamily="18" charset="0"/>
-                                    <a:ea typeface="Cambria Math" panose="02040503050406030204" pitchFamily="18" charset="0"/>
-                                  </a:rPr>
-                                  <m:t>)</m:t>
-                                </m:r>
-                              </m:sup>
-                            </m:sSup>
-                          </m:e>
-                        </m:nary>
+                              </m:e>
+                            </m:d>
+                          </m:den>
+                        </m:f>
                       </m:oMath>
                     </m:oMathPara>
                   </a14:m>
-                  <a:endParaRPr lang="fr-CA" dirty="0"/>
+                  <a:endParaRPr lang="en-CA" dirty="0"/>
                 </a:p>
               </p:txBody>
             </p:sp>
           </mc:Choice>
-          <mc:Fallback xmlns="">
+          <mc:Fallback>
             <p:sp>
               <p:nvSpPr>
-                <p:cNvPr id="10" name="ZoneTexte 9">
+                <p:cNvPr id="18" name="TextBox 17">
                   <a:extLst>
                     <a:ext uri="{FF2B5EF4-FFF2-40B4-BE49-F238E27FC236}">
-                      <a16:creationId xmlns:a16="http://schemas.microsoft.com/office/drawing/2014/main" id="{67E76AD1-3256-4D51-8DB3-937AAC43163C}"/>
+                      <a16:creationId xmlns:a16="http://schemas.microsoft.com/office/drawing/2014/main" id="{EE8FEC50-193D-403C-BC60-7C3621ED8DCA}"/>
                     </a:ext>
                   </a:extLst>
                 </p:cNvPr>
@@ -14853,14 +15843,14 @@
               </p:nvSpPr>
               <p:spPr>
                 <a:xfrm>
-                  <a:off x="455643" y="5137248"/>
-                  <a:ext cx="2581091" cy="733534"/>
+                  <a:off x="2428950" y="5601756"/>
+                  <a:ext cx="2029658" cy="567463"/>
                 </a:xfrm>
                 <a:prstGeom prst="rect">
                   <a:avLst/>
                 </a:prstGeom>
                 <a:blipFill>
-                  <a:blip r:embed="rId3"/>
+                  <a:blip r:embed="rId5"/>
                   <a:stretch>
                     <a:fillRect/>
                   </a:stretch>
@@ -14881,6 +15871,27 @@
             </p:sp>
           </mc:Fallback>
         </mc:AlternateContent>
+      </p:grpSp>
+      <p:grpSp>
+        <p:nvGrpSpPr>
+          <p:cNvPr id="20" name="Groupe 19">
+            <a:extLst>
+              <a:ext uri="{FF2B5EF4-FFF2-40B4-BE49-F238E27FC236}">
+                <a16:creationId xmlns:a16="http://schemas.microsoft.com/office/drawing/2014/main" id="{413479F3-020E-46A7-9CB2-2ACB261815CF}"/>
+              </a:ext>
+            </a:extLst>
+          </p:cNvPr>
+          <p:cNvGrpSpPr/>
+          <p:nvPr/>
+        </p:nvGrpSpPr>
+        <p:grpSpPr>
+          <a:xfrm>
+            <a:off x="1537160" y="4669842"/>
+            <a:ext cx="4730078" cy="627929"/>
+            <a:chOff x="1723233" y="4705896"/>
+            <a:chExt cx="4730078" cy="627929"/>
+          </a:xfrm>
+        </p:grpSpPr>
         <p:sp>
           <p:nvSpPr>
             <p:cNvPr id="15" name="ZoneTexte 14">
@@ -14895,7 +15906,7 @@
           </p:nvSpPr>
           <p:spPr>
             <a:xfrm>
-              <a:off x="3036734" y="5319349"/>
+              <a:off x="5819804" y="4835194"/>
               <a:ext cx="633507" cy="369332"/>
             </a:xfrm>
             <a:prstGeom prst="rect">
@@ -14919,35 +15930,14 @@
             </a:p>
           </p:txBody>
         </p:sp>
-      </p:grpSp>
-      <p:grpSp>
-        <p:nvGrpSpPr>
-          <p:cNvPr id="13" name="Groupe 12">
-            <a:extLst>
-              <a:ext uri="{FF2B5EF4-FFF2-40B4-BE49-F238E27FC236}">
-                <a16:creationId xmlns:a16="http://schemas.microsoft.com/office/drawing/2014/main" id="{A3309B43-7516-4A80-99BA-293EE5C1B6FB}"/>
-              </a:ext>
-            </a:extLst>
-          </p:cNvPr>
-          <p:cNvGrpSpPr/>
-          <p:nvPr/>
-        </p:nvGrpSpPr>
-        <p:grpSpPr>
-          <a:xfrm>
-            <a:off x="4025995" y="5319349"/>
-            <a:ext cx="4454219" cy="369332"/>
-            <a:chOff x="4025995" y="5319349"/>
-            <a:chExt cx="4454219" cy="369332"/>
-          </a:xfrm>
-        </p:grpSpPr>
-        <mc:AlternateContent xmlns:mc="http://schemas.openxmlformats.org/markup-compatibility/2006" xmlns:a14="http://schemas.microsoft.com/office/drawing/2010/main">
-          <mc:Choice Requires="a14">
+        <mc:AlternateContent xmlns:mc="http://schemas.openxmlformats.org/markup-compatibility/2006">
+          <mc:Choice xmlns:a14="http://schemas.microsoft.com/office/drawing/2010/main" Requires="a14">
             <p:sp>
               <p:nvSpPr>
-                <p:cNvPr id="12" name="ZoneTexte 11">
+                <p:cNvPr id="11" name="TextBox 10">
                   <a:extLst>
                     <a:ext uri="{FF2B5EF4-FFF2-40B4-BE49-F238E27FC236}">
-                      <a16:creationId xmlns:a16="http://schemas.microsoft.com/office/drawing/2014/main" id="{4334F313-CD67-4EDF-8B92-A3C7498320DA}"/>
+                      <a16:creationId xmlns:a16="http://schemas.microsoft.com/office/drawing/2014/main" id="{003D2D0D-0D3C-475B-91BF-156AA8591FA5}"/>
                     </a:ext>
                   </a:extLst>
                 </p:cNvPr>
@@ -14956,8 +15946,8 @@
               </p:nvSpPr>
               <p:spPr>
                 <a:xfrm>
-                  <a:off x="4025995" y="5337256"/>
-                  <a:ext cx="3810146" cy="334515"/>
+                  <a:off x="1723233" y="4705896"/>
+                  <a:ext cx="4096571" cy="627929"/>
                 </a:xfrm>
                 <a:prstGeom prst="rect">
                   <a:avLst/>
@@ -14977,344 +15967,430 @@
                         <m:jc m:val="centerGroup"/>
                       </m:oMathParaPr>
                       <m:oMath xmlns:m="http://schemas.openxmlformats.org/officeDocument/2006/math">
-                        <m:sSup>
-                          <m:sSupPr>
+                        <m:f>
+                          <m:fPr>
                             <m:ctrlPr>
-                              <a:rPr lang="fr-CA" i="1" smtClean="0">
+                              <a:rPr lang="en-CA" b="0" i="1" smtClean="0">
                                 <a:latin typeface="Cambria Math" panose="02040503050406030204" pitchFamily="18" charset="0"/>
                               </a:rPr>
                             </m:ctrlPr>
-                          </m:sSupPr>
-                          <m:e>
+                          </m:fPr>
+                          <m:num>
                             <m:r>
-                              <a:rPr lang="fr-CA" b="0" i="1" smtClean="0">
+                              <a:rPr lang="en-CA" b="0" i="1" smtClean="0">
                                 <a:latin typeface="Cambria Math" panose="02040503050406030204" pitchFamily="18" charset="0"/>
                               </a:rPr>
-                              <m:t>𝑒</m:t>
+                              <m:t>1</m:t>
                             </m:r>
-                          </m:e>
-                          <m:sup>
-                            <m:r>
-                              <a:rPr lang="fr-CA" b="0" i="1" smtClean="0">
-                                <a:latin typeface="Cambria Math" panose="02040503050406030204" pitchFamily="18" charset="0"/>
-                              </a:rPr>
-                              <m:t>𝑖</m:t>
-                            </m:r>
-                            <m:acc>
-                              <m:accPr>
-                                <m:chr m:val="⃗"/>
+                          </m:num>
+                          <m:den>
+                            <m:sSub>
+                              <m:sSubPr>
                                 <m:ctrlPr>
-                                  <a:rPr lang="fr-CA" i="1">
+                                  <a:rPr lang="en-CA" b="0" i="1" smtClean="0">
                                     <a:latin typeface="Cambria Math" panose="02040503050406030204" pitchFamily="18" charset="0"/>
                                   </a:rPr>
                                 </m:ctrlPr>
-                              </m:accPr>
+                              </m:sSubPr>
                               <m:e>
                                 <m:r>
-                                  <a:rPr lang="fr-CA" i="1">
+                                  <a:rPr lang="en-CA" i="1">
+                                    <a:latin typeface="Cambria Math" panose="02040503050406030204" pitchFamily="18" charset="0"/>
+                                    <a:ea typeface="Cambria Math" panose="02040503050406030204" pitchFamily="18" charset="0"/>
+                                  </a:rPr>
+                                  <m:t>𝛾</m:t>
+                                </m:r>
+                              </m:e>
+                              <m:sub>
+                                <m:r>
+                                  <a:rPr lang="en-CA" b="0" i="1" smtClean="0">
                                     <a:latin typeface="Cambria Math" panose="02040503050406030204" pitchFamily="18" charset="0"/>
                                   </a:rPr>
-                                  <m:t>𝑘</m:t>
+                                  <m:t>𝑥</m:t>
                                 </m:r>
-                              </m:e>
-                            </m:acc>
-                            <m:r>
-                              <a:rPr lang="fr-CA" b="0" i="1" smtClean="0">
+                              </m:sub>
+                            </m:sSub>
+                          </m:den>
+                        </m:f>
+                        <m:f>
+                          <m:fPr>
+                            <m:ctrlPr>
+                              <a:rPr lang="en-CA" b="0" i="1" smtClean="0">
                                 <a:latin typeface="Cambria Math" panose="02040503050406030204" pitchFamily="18" charset="0"/>
                               </a:rPr>
-                              <m:t>(</m:t>
+                            </m:ctrlPr>
+                          </m:fPr>
+                          <m:num>
+                            <m:r>
+                              <a:rPr lang="en-CA" b="0" i="1" smtClean="0">
+                                <a:latin typeface="Cambria Math" panose="02040503050406030204" pitchFamily="18" charset="0"/>
+                                <a:ea typeface="Cambria Math" panose="02040503050406030204" pitchFamily="18" charset="0"/>
+                              </a:rPr>
+                              <m:t>𝜕</m:t>
+                            </m:r>
+                          </m:num>
+                          <m:den>
+                            <m:r>
+                              <a:rPr lang="en-CA" b="0" i="1" smtClean="0">
+                                <a:latin typeface="Cambria Math" panose="02040503050406030204" pitchFamily="18" charset="0"/>
+                                <a:ea typeface="Cambria Math" panose="02040503050406030204" pitchFamily="18" charset="0"/>
+                              </a:rPr>
+                              <m:t>𝜕</m:t>
                             </m:r>
                             <m:r>
-                              <m:rPr>
-                                <m:sty m:val="p"/>
-                              </m:rPr>
-                              <a:rPr lang="fr-CA" b="0" i="0" smtClean="0">
+                              <a:rPr lang="en-CA" b="0" i="1" smtClean="0">
+                                <a:latin typeface="Cambria Math" panose="02040503050406030204" pitchFamily="18" charset="0"/>
+                                <a:ea typeface="Cambria Math" panose="02040503050406030204" pitchFamily="18" charset="0"/>
+                              </a:rPr>
+                              <m:t>𝑥</m:t>
+                            </m:r>
+                          </m:den>
+                        </m:f>
+                        <m:d>
+                          <m:dPr>
+                            <m:ctrlPr>
+                              <a:rPr lang="en-CA" b="0" i="1" smtClean="0">
                                 <a:latin typeface="Cambria Math" panose="02040503050406030204" pitchFamily="18" charset="0"/>
                               </a:rPr>
-                              <m:t>Re</m:t>
-                            </m:r>
-                            <m:d>
-                              <m:dPr>
+                            </m:ctrlPr>
+                          </m:dPr>
+                          <m:e>
+                            <m:f>
+                              <m:fPr>
                                 <m:ctrlPr>
-                                  <a:rPr lang="fr-CA" b="0" i="1" smtClean="0">
+                                  <a:rPr lang="en-CA" i="1">
                                     <a:latin typeface="Cambria Math" panose="02040503050406030204" pitchFamily="18" charset="0"/>
                                   </a:rPr>
                                 </m:ctrlPr>
-                              </m:dPr>
-                              <m:e>
-                                <m:acc>
-                                  <m:accPr>
-                                    <m:chr m:val="⃗"/>
+                              </m:fPr>
+                              <m:num>
+                                <m:r>
+                                  <a:rPr lang="en-CA" i="1">
+                                    <a:latin typeface="Cambria Math" panose="02040503050406030204" pitchFamily="18" charset="0"/>
+                                  </a:rPr>
+                                  <m:t>1</m:t>
+                                </m:r>
+                              </m:num>
+                              <m:den>
+                                <m:sSub>
+                                  <m:sSubPr>
                                     <m:ctrlPr>
-                                      <a:rPr lang="fr-CA" i="1">
+                                      <a:rPr lang="en-CA" i="1">
                                         <a:latin typeface="Cambria Math" panose="02040503050406030204" pitchFamily="18" charset="0"/>
                                       </a:rPr>
                                     </m:ctrlPr>
-                                  </m:accPr>
+                                  </m:sSubPr>
                                   <m:e>
                                     <m:r>
-                                      <a:rPr lang="fr-CA" b="0" i="1" smtClean="0">
+                                      <a:rPr lang="en-CA" i="1">
+                                        <a:latin typeface="Cambria Math" panose="02040503050406030204" pitchFamily="18" charset="0"/>
+                                        <a:ea typeface="Cambria Math" panose="02040503050406030204" pitchFamily="18" charset="0"/>
+                                      </a:rPr>
+                                      <m:t>𝛾</m:t>
+                                    </m:r>
+                                  </m:e>
+                                  <m:sub>
+                                    <m:r>
+                                      <a:rPr lang="en-CA" i="1">
                                         <a:latin typeface="Cambria Math" panose="02040503050406030204" pitchFamily="18" charset="0"/>
                                       </a:rPr>
-                                      <m:t>𝑟</m:t>
+                                      <m:t>𝑥</m:t>
                                     </m:r>
-                                  </m:e>
-                                </m:acc>
-                              </m:e>
-                            </m:d>
-                            <m:r>
-                              <a:rPr lang="fr-CA" b="0" i="1" smtClean="0">
-                                <a:latin typeface="Cambria Math" panose="02040503050406030204" pitchFamily="18" charset="0"/>
-                              </a:rPr>
-                              <m:t>+</m:t>
-                            </m:r>
-                            <m:r>
-                              <a:rPr lang="fr-CA" b="0" i="1" smtClean="0">
-                                <a:latin typeface="Cambria Math" panose="02040503050406030204" pitchFamily="18" charset="0"/>
-                              </a:rPr>
-                              <m:t>𝑖</m:t>
-                            </m:r>
-                            <m:r>
-                              <m:rPr>
-                                <m:sty m:val="p"/>
-                              </m:rPr>
-                              <a:rPr lang="fr-CA" b="0" i="0" smtClean="0">
-                                <a:latin typeface="Cambria Math" panose="02040503050406030204" pitchFamily="18" charset="0"/>
-                              </a:rPr>
-                              <m:t>Im</m:t>
-                            </m:r>
-                            <m:d>
-                              <m:dPr>
+                                  </m:sub>
+                                </m:sSub>
+                              </m:den>
+                            </m:f>
+                            <m:f>
+                              <m:fPr>
                                 <m:ctrlPr>
-                                  <a:rPr lang="fr-CA" b="0" i="1" smtClean="0">
+                                  <a:rPr lang="en-CA" i="1">
                                     <a:latin typeface="Cambria Math" panose="02040503050406030204" pitchFamily="18" charset="0"/>
                                   </a:rPr>
                                 </m:ctrlPr>
-                              </m:dPr>
+                              </m:fPr>
+                              <m:num>
+                                <m:r>
+                                  <a:rPr lang="en-CA" i="1">
+                                    <a:latin typeface="Cambria Math" panose="02040503050406030204" pitchFamily="18" charset="0"/>
+                                    <a:ea typeface="Cambria Math" panose="02040503050406030204" pitchFamily="18" charset="0"/>
+                                  </a:rPr>
+                                  <m:t>𝜕</m:t>
+                                </m:r>
+                                <m:r>
+                                  <a:rPr lang="en-CA" b="0" i="1" smtClean="0">
+                                    <a:latin typeface="Cambria Math" panose="02040503050406030204" pitchFamily="18" charset="0"/>
+                                    <a:ea typeface="Cambria Math" panose="02040503050406030204" pitchFamily="18" charset="0"/>
+                                  </a:rPr>
+                                  <m:t>𝑝</m:t>
+                                </m:r>
+                              </m:num>
+                              <m:den>
+                                <m:r>
+                                  <a:rPr lang="en-CA" i="1">
+                                    <a:latin typeface="Cambria Math" panose="02040503050406030204" pitchFamily="18" charset="0"/>
+                                    <a:ea typeface="Cambria Math" panose="02040503050406030204" pitchFamily="18" charset="0"/>
+                                  </a:rPr>
+                                  <m:t>𝜕</m:t>
+                                </m:r>
+                                <m:r>
+                                  <a:rPr lang="en-CA" i="1">
+                                    <a:latin typeface="Cambria Math" panose="02040503050406030204" pitchFamily="18" charset="0"/>
+                                    <a:ea typeface="Cambria Math" panose="02040503050406030204" pitchFamily="18" charset="0"/>
+                                  </a:rPr>
+                                  <m:t>𝑥</m:t>
+                                </m:r>
+                              </m:den>
+                            </m:f>
+                          </m:e>
+                        </m:d>
+                        <m:r>
+                          <a:rPr lang="en-CA" b="0" i="1" smtClean="0">
+                            <a:latin typeface="Cambria Math" panose="02040503050406030204" pitchFamily="18" charset="0"/>
+                          </a:rPr>
+                          <m:t>+</m:t>
+                        </m:r>
+                        <m:f>
+                          <m:fPr>
+                            <m:ctrlPr>
+                              <a:rPr lang="en-CA" i="1">
+                                <a:latin typeface="Cambria Math" panose="02040503050406030204" pitchFamily="18" charset="0"/>
+                              </a:rPr>
+                            </m:ctrlPr>
+                          </m:fPr>
+                          <m:num>
+                            <m:r>
+                              <a:rPr lang="en-CA" i="1">
+                                <a:latin typeface="Cambria Math" panose="02040503050406030204" pitchFamily="18" charset="0"/>
+                              </a:rPr>
+                              <m:t>1</m:t>
+                            </m:r>
+                          </m:num>
+                          <m:den>
+                            <m:sSub>
+                              <m:sSubPr>
+                                <m:ctrlPr>
+                                  <a:rPr lang="en-CA" i="1">
+                                    <a:latin typeface="Cambria Math" panose="02040503050406030204" pitchFamily="18" charset="0"/>
+                                  </a:rPr>
+                                </m:ctrlPr>
+                              </m:sSubPr>
                               <m:e>
-                                <m:acc>
-                                  <m:accPr>
-                                    <m:chr m:val="⃗"/>
+                                <m:r>
+                                  <a:rPr lang="en-CA" i="1">
+                                    <a:latin typeface="Cambria Math" panose="02040503050406030204" pitchFamily="18" charset="0"/>
+                                    <a:ea typeface="Cambria Math" panose="02040503050406030204" pitchFamily="18" charset="0"/>
+                                  </a:rPr>
+                                  <m:t>𝛾</m:t>
+                                </m:r>
+                              </m:e>
+                              <m:sub>
+                                <m:r>
+                                  <a:rPr lang="en-CA" b="0" i="1" smtClean="0">
+                                    <a:latin typeface="Cambria Math" panose="02040503050406030204" pitchFamily="18" charset="0"/>
+                                    <a:ea typeface="Cambria Math" panose="02040503050406030204" pitchFamily="18" charset="0"/>
+                                  </a:rPr>
+                                  <m:t>𝑦</m:t>
+                                </m:r>
+                              </m:sub>
+                            </m:sSub>
+                          </m:den>
+                        </m:f>
+                        <m:f>
+                          <m:fPr>
+                            <m:ctrlPr>
+                              <a:rPr lang="en-CA" i="1">
+                                <a:latin typeface="Cambria Math" panose="02040503050406030204" pitchFamily="18" charset="0"/>
+                              </a:rPr>
+                            </m:ctrlPr>
+                          </m:fPr>
+                          <m:num>
+                            <m:r>
+                              <a:rPr lang="en-CA" i="1">
+                                <a:latin typeface="Cambria Math" panose="02040503050406030204" pitchFamily="18" charset="0"/>
+                                <a:ea typeface="Cambria Math" panose="02040503050406030204" pitchFamily="18" charset="0"/>
+                              </a:rPr>
+                              <m:t>𝜕</m:t>
+                            </m:r>
+                          </m:num>
+                          <m:den>
+                            <m:r>
+                              <a:rPr lang="en-CA" i="1">
+                                <a:latin typeface="Cambria Math" panose="02040503050406030204" pitchFamily="18" charset="0"/>
+                                <a:ea typeface="Cambria Math" panose="02040503050406030204" pitchFamily="18" charset="0"/>
+                              </a:rPr>
+                              <m:t>𝜕</m:t>
+                            </m:r>
+                            <m:r>
+                              <a:rPr lang="en-CA" b="0" i="1" smtClean="0">
+                                <a:latin typeface="Cambria Math" panose="02040503050406030204" pitchFamily="18" charset="0"/>
+                                <a:ea typeface="Cambria Math" panose="02040503050406030204" pitchFamily="18" charset="0"/>
+                              </a:rPr>
+                              <m:t>𝑦</m:t>
+                            </m:r>
+                          </m:den>
+                        </m:f>
+                        <m:d>
+                          <m:dPr>
+                            <m:ctrlPr>
+                              <a:rPr lang="en-CA" i="1">
+                                <a:latin typeface="Cambria Math" panose="02040503050406030204" pitchFamily="18" charset="0"/>
+                              </a:rPr>
+                            </m:ctrlPr>
+                          </m:dPr>
+                          <m:e>
+                            <m:f>
+                              <m:fPr>
+                                <m:ctrlPr>
+                                  <a:rPr lang="en-CA" i="1">
+                                    <a:latin typeface="Cambria Math" panose="02040503050406030204" pitchFamily="18" charset="0"/>
+                                  </a:rPr>
+                                </m:ctrlPr>
+                              </m:fPr>
+                              <m:num>
+                                <m:r>
+                                  <a:rPr lang="en-CA" i="1">
+                                    <a:latin typeface="Cambria Math" panose="02040503050406030204" pitchFamily="18" charset="0"/>
+                                  </a:rPr>
+                                  <m:t>1</m:t>
+                                </m:r>
+                              </m:num>
+                              <m:den>
+                                <m:sSub>
+                                  <m:sSubPr>
                                     <m:ctrlPr>
-                                      <a:rPr lang="fr-CA" i="1" smtClean="0">
+                                      <a:rPr lang="en-CA" i="1">
                                         <a:latin typeface="Cambria Math" panose="02040503050406030204" pitchFamily="18" charset="0"/>
                                       </a:rPr>
                                     </m:ctrlPr>
-                                  </m:accPr>
+                                  </m:sSubPr>
                                   <m:e>
                                     <m:r>
-                                      <a:rPr lang="fr-CA" b="0" i="1" smtClean="0">
+                                      <a:rPr lang="en-CA" i="1">
                                         <a:latin typeface="Cambria Math" panose="02040503050406030204" pitchFamily="18" charset="0"/>
+                                        <a:ea typeface="Cambria Math" panose="02040503050406030204" pitchFamily="18" charset="0"/>
                                       </a:rPr>
-                                      <m:t>𝑟</m:t>
+                                      <m:t>𝛾</m:t>
                                     </m:r>
                                   </m:e>
-                                </m:acc>
-                              </m:e>
-                            </m:d>
-                            <m:r>
-                              <a:rPr lang="fr-CA" b="0" i="1" smtClean="0">
-                                <a:latin typeface="Cambria Math" panose="02040503050406030204" pitchFamily="18" charset="0"/>
-                              </a:rPr>
-                              <m:t>)</m:t>
-                            </m:r>
-                          </m:sup>
-                        </m:sSup>
-                        <m:r>
-                          <a:rPr lang="fr-CA" b="0" i="1" smtClean="0">
-                            <a:latin typeface="Cambria Math" panose="02040503050406030204" pitchFamily="18" charset="0"/>
-                          </a:rPr>
-                          <m:t>=</m:t>
-                        </m:r>
-                        <m:sSup>
-                          <m:sSupPr>
-                            <m:ctrlPr>
-                              <a:rPr lang="fr-CA" i="1">
-                                <a:latin typeface="Cambria Math" panose="02040503050406030204" pitchFamily="18" charset="0"/>
-                              </a:rPr>
-                            </m:ctrlPr>
-                          </m:sSupPr>
-                          <m:e>
-                            <m:r>
-                              <a:rPr lang="fr-CA" i="1">
-                                <a:latin typeface="Cambria Math" panose="02040503050406030204" pitchFamily="18" charset="0"/>
-                              </a:rPr>
-                              <m:t>𝑒</m:t>
-                            </m:r>
-                          </m:e>
-                          <m:sup>
-                            <m:r>
-                              <a:rPr lang="fr-CA" i="1">
-                                <a:latin typeface="Cambria Math" panose="02040503050406030204" pitchFamily="18" charset="0"/>
-                              </a:rPr>
-                              <m:t>𝑖</m:t>
-                            </m:r>
-                            <m:acc>
-                              <m:accPr>
-                                <m:chr m:val="⃗"/>
+                                  <m:sub>
+                                    <m:r>
+                                      <a:rPr lang="en-CA" i="1">
+                                        <a:latin typeface="Cambria Math" panose="02040503050406030204" pitchFamily="18" charset="0"/>
+                                        <a:ea typeface="Cambria Math" panose="02040503050406030204" pitchFamily="18" charset="0"/>
+                                      </a:rPr>
+                                      <m:t>𝑦</m:t>
+                                    </m:r>
+                                  </m:sub>
+                                </m:sSub>
+                              </m:den>
+                            </m:f>
+                            <m:f>
+                              <m:fPr>
                                 <m:ctrlPr>
-                                  <a:rPr lang="fr-CA" i="1">
+                                  <a:rPr lang="en-CA" i="1">
                                     <a:latin typeface="Cambria Math" panose="02040503050406030204" pitchFamily="18" charset="0"/>
                                   </a:rPr>
                                 </m:ctrlPr>
-                              </m:accPr>
-                              <m:e>
+                              </m:fPr>
+                              <m:num>
                                 <m:r>
-                                  <a:rPr lang="fr-CA" i="1">
+                                  <a:rPr lang="en-CA" i="1">
                                     <a:latin typeface="Cambria Math" panose="02040503050406030204" pitchFamily="18" charset="0"/>
+                                    <a:ea typeface="Cambria Math" panose="02040503050406030204" pitchFamily="18" charset="0"/>
                                   </a:rPr>
-                                  <m:t>𝑘</m:t>
+                                  <m:t>𝜕</m:t>
                                 </m:r>
-                              </m:e>
-                            </m:acc>
-                            <m:r>
-                              <m:rPr>
-                                <m:sty m:val="p"/>
-                              </m:rPr>
-                              <a:rPr lang="fr-CA">
-                                <a:latin typeface="Cambria Math" panose="02040503050406030204" pitchFamily="18" charset="0"/>
-                              </a:rPr>
-                              <m:t>Re</m:t>
-                            </m:r>
-                            <m:d>
-                              <m:dPr>
-                                <m:ctrlPr>
-                                  <a:rPr lang="fr-CA" i="1">
+                                <m:r>
+                                  <a:rPr lang="en-CA" i="1">
                                     <a:latin typeface="Cambria Math" panose="02040503050406030204" pitchFamily="18" charset="0"/>
+                                    <a:ea typeface="Cambria Math" panose="02040503050406030204" pitchFamily="18" charset="0"/>
                                   </a:rPr>
-                                </m:ctrlPr>
-                              </m:dPr>
-                              <m:e>
-                                <m:acc>
-                                  <m:accPr>
-                                    <m:chr m:val="⃗"/>
-                                    <m:ctrlPr>
-                                      <a:rPr lang="fr-CA" i="1">
-                                        <a:latin typeface="Cambria Math" panose="02040503050406030204" pitchFamily="18" charset="0"/>
-                                      </a:rPr>
-                                    </m:ctrlPr>
-                                  </m:accPr>
-                                  <m:e>
-                                    <m:r>
-                                      <a:rPr lang="fr-CA" i="1">
-                                        <a:latin typeface="Cambria Math" panose="02040503050406030204" pitchFamily="18" charset="0"/>
-                                      </a:rPr>
-                                      <m:t>𝑟</m:t>
-                                    </m:r>
-                                  </m:e>
-                                </m:acc>
-                              </m:e>
-                            </m:d>
-                          </m:sup>
-                        </m:sSup>
+                                  <m:t>𝑝</m:t>
+                                </m:r>
+                              </m:num>
+                              <m:den>
+                                <m:r>
+                                  <a:rPr lang="en-CA" i="1">
+                                    <a:latin typeface="Cambria Math" panose="02040503050406030204" pitchFamily="18" charset="0"/>
+                                    <a:ea typeface="Cambria Math" panose="02040503050406030204" pitchFamily="18" charset="0"/>
+                                  </a:rPr>
+                                  <m:t>𝜕</m:t>
+                                </m:r>
+                                <m:r>
+                                  <a:rPr lang="en-CA" b="0" i="1" smtClean="0">
+                                    <a:latin typeface="Cambria Math" panose="02040503050406030204" pitchFamily="18" charset="0"/>
+                                    <a:ea typeface="Cambria Math" panose="02040503050406030204" pitchFamily="18" charset="0"/>
+                                  </a:rPr>
+                                  <m:t>𝑦</m:t>
+                                </m:r>
+                              </m:den>
+                            </m:f>
+                          </m:e>
+                        </m:d>
                         <m:r>
-                          <a:rPr lang="fr-CA" b="0" i="1" smtClean="0">
+                          <a:rPr lang="en-CA" b="0" i="1" smtClean="0">
                             <a:latin typeface="Cambria Math" panose="02040503050406030204" pitchFamily="18" charset="0"/>
+                            <a:ea typeface="Cambria Math" panose="02040503050406030204" pitchFamily="18" charset="0"/>
                           </a:rPr>
                           <m:t>+</m:t>
                         </m:r>
                         <m:sSup>
                           <m:sSupPr>
                             <m:ctrlPr>
-                              <a:rPr lang="fr-CA" i="1">
+                              <a:rPr lang="en-CA" b="0" i="1" smtClean="0">
                                 <a:latin typeface="Cambria Math" panose="02040503050406030204" pitchFamily="18" charset="0"/>
+                                <a:ea typeface="Cambria Math" panose="02040503050406030204" pitchFamily="18" charset="0"/>
                               </a:rPr>
                             </m:ctrlPr>
                           </m:sSupPr>
                           <m:e>
                             <m:r>
-                              <a:rPr lang="fr-CA" i="1">
+                              <a:rPr lang="en-CA" b="0" i="1" smtClean="0">
                                 <a:latin typeface="Cambria Math" panose="02040503050406030204" pitchFamily="18" charset="0"/>
+                                <a:ea typeface="Cambria Math" panose="02040503050406030204" pitchFamily="18" charset="0"/>
                               </a:rPr>
-                              <m:t>𝑒</m:t>
+                              <m:t>𝑘</m:t>
                             </m:r>
                           </m:e>
                           <m:sup>
                             <m:r>
-                              <a:rPr lang="fr-CA" b="0" i="1" smtClean="0">
+                              <a:rPr lang="en-CA" b="0" i="1" smtClean="0">
                                 <a:latin typeface="Cambria Math" panose="02040503050406030204" pitchFamily="18" charset="0"/>
+                                <a:ea typeface="Cambria Math" panose="02040503050406030204" pitchFamily="18" charset="0"/>
                               </a:rPr>
-                              <m:t>−</m:t>
-                            </m:r>
-                            <m:acc>
-                              <m:accPr>
-                                <m:chr m:val="⃗"/>
-                                <m:ctrlPr>
-                                  <a:rPr lang="fr-CA" i="1">
-                                    <a:latin typeface="Cambria Math" panose="02040503050406030204" pitchFamily="18" charset="0"/>
-                                  </a:rPr>
-                                </m:ctrlPr>
-                              </m:accPr>
-                              <m:e>
-                                <m:r>
-                                  <a:rPr lang="fr-CA" i="1">
-                                    <a:latin typeface="Cambria Math" panose="02040503050406030204" pitchFamily="18" charset="0"/>
-                                  </a:rPr>
-                                  <m:t>𝑘</m:t>
-                                </m:r>
-                              </m:e>
-                            </m:acc>
-                            <m:r>
-                              <m:rPr>
-                                <m:sty m:val="p"/>
-                              </m:rPr>
-                              <a:rPr lang="fr-CA">
-                                <a:latin typeface="Cambria Math" panose="02040503050406030204" pitchFamily="18" charset="0"/>
-                              </a:rPr>
-                              <m:t>Im</m:t>
-                            </m:r>
-                            <m:d>
-                              <m:dPr>
-                                <m:ctrlPr>
-                                  <a:rPr lang="fr-CA" i="1">
-                                    <a:latin typeface="Cambria Math" panose="02040503050406030204" pitchFamily="18" charset="0"/>
-                                  </a:rPr>
-                                </m:ctrlPr>
-                              </m:dPr>
-                              <m:e>
-                                <m:acc>
-                                  <m:accPr>
-                                    <m:chr m:val="⃗"/>
-                                    <m:ctrlPr>
-                                      <a:rPr lang="fr-CA" i="1">
-                                        <a:latin typeface="Cambria Math" panose="02040503050406030204" pitchFamily="18" charset="0"/>
-                                      </a:rPr>
-                                    </m:ctrlPr>
-                                  </m:accPr>
-                                  <m:e>
-                                    <m:r>
-                                      <a:rPr lang="fr-CA" i="1">
-                                        <a:latin typeface="Cambria Math" panose="02040503050406030204" pitchFamily="18" charset="0"/>
-                                      </a:rPr>
-                                      <m:t>𝑟</m:t>
-                                    </m:r>
-                                  </m:e>
-                                </m:acc>
-                              </m:e>
-                            </m:d>
-                            <m:r>
-                              <a:rPr lang="fr-CA" i="1">
-                                <a:latin typeface="Cambria Math" panose="02040503050406030204" pitchFamily="18" charset="0"/>
-                              </a:rPr>
-                              <m:t>)</m:t>
+                              <m:t>2</m:t>
                             </m:r>
                           </m:sup>
                         </m:sSup>
+                        <m:r>
+                          <a:rPr lang="en-CA" b="0" i="1" smtClean="0">
+                            <a:latin typeface="Cambria Math" panose="02040503050406030204" pitchFamily="18" charset="0"/>
+                            <a:ea typeface="Cambria Math" panose="02040503050406030204" pitchFamily="18" charset="0"/>
+                          </a:rPr>
+                          <m:t>𝑝</m:t>
+                        </m:r>
+                        <m:r>
+                          <a:rPr lang="en-CA" b="0" i="1" smtClean="0">
+                            <a:latin typeface="Cambria Math" panose="02040503050406030204" pitchFamily="18" charset="0"/>
+                            <a:ea typeface="Cambria Math" panose="02040503050406030204" pitchFamily="18" charset="0"/>
+                          </a:rPr>
+                          <m:t>=0</m:t>
+                        </m:r>
                       </m:oMath>
                     </m:oMathPara>
                   </a14:m>
-                  <a:endParaRPr lang="fr-CA" dirty="0"/>
+                  <a:endParaRPr lang="en-CA" b="0" dirty="0"/>
                 </a:p>
               </p:txBody>
             </p:sp>
           </mc:Choice>
-          <mc:Fallback xmlns="">
+          <mc:Fallback>
             <p:sp>
               <p:nvSpPr>
-                <p:cNvPr id="12" name="ZoneTexte 11">
+                <p:cNvPr id="11" name="TextBox 10">
                   <a:extLst>
                     <a:ext uri="{FF2B5EF4-FFF2-40B4-BE49-F238E27FC236}">
-                      <a16:creationId xmlns:a16="http://schemas.microsoft.com/office/drawing/2014/main" id="{4334F313-CD67-4EDF-8B92-A3C7498320DA}"/>
+                      <a16:creationId xmlns:a16="http://schemas.microsoft.com/office/drawing/2014/main" id="{003D2D0D-0D3C-475B-91BF-156AA8591FA5}"/>
                     </a:ext>
                   </a:extLst>
                 </p:cNvPr>
@@ -15325,16 +16401,16 @@
               </p:nvSpPr>
               <p:spPr>
                 <a:xfrm>
-                  <a:off x="4025995" y="5337256"/>
-                  <a:ext cx="3810146" cy="334515"/>
+                  <a:off x="1723233" y="4705896"/>
+                  <a:ext cx="4096571" cy="627929"/>
                 </a:xfrm>
                 <a:prstGeom prst="rect">
                   <a:avLst/>
                 </a:prstGeom>
                 <a:blipFill>
-                  <a:blip r:embed="rId4"/>
+                  <a:blip r:embed="rId6"/>
                   <a:stretch>
-                    <a:fillRect l="-160" t="-16667" r="-2560" b="-9259"/>
+                    <a:fillRect/>
                   </a:stretch>
                 </a:blipFill>
               </p:spPr>
@@ -15353,770 +16429,58 @@
             </p:sp>
           </mc:Fallback>
         </mc:AlternateContent>
-        <p:sp>
-          <p:nvSpPr>
-            <p:cNvPr id="16" name="ZoneTexte 15">
-              <a:extLst>
-                <a:ext uri="{FF2B5EF4-FFF2-40B4-BE49-F238E27FC236}">
-                  <a16:creationId xmlns:a16="http://schemas.microsoft.com/office/drawing/2014/main" id="{BF3A9947-212A-4C67-AA15-352DE5F5DD32}"/>
-                </a:ext>
-              </a:extLst>
-            </p:cNvPr>
-            <p:cNvSpPr txBox="1"/>
-            <p:nvPr/>
-          </p:nvSpPr>
-          <p:spPr>
-            <a:xfrm>
-              <a:off x="7846707" y="5319349"/>
-              <a:ext cx="633507" cy="369332"/>
-            </a:xfrm>
-            <a:prstGeom prst="rect">
-              <a:avLst/>
-            </a:prstGeom>
-            <a:noFill/>
-          </p:spPr>
-          <p:txBody>
-            <a:bodyPr wrap="none" rtlCol="0">
-              <a:spAutoFit/>
-            </a:bodyPr>
-            <a:lstStyle/>
-            <a:p>
-              <a:r>
-                <a:rPr lang="fr-CA" dirty="0">
-                  <a:latin typeface="Cambria Math" panose="02040503050406030204" pitchFamily="18" charset="0"/>
-                  <a:ea typeface="Cambria Math" panose="02040503050406030204" pitchFamily="18" charset="0"/>
-                </a:rPr>
-                <a:t>(13)</a:t>
-              </a:r>
-            </a:p>
-          </p:txBody>
-        </p:sp>
       </p:grpSp>
-      <mc:AlternateContent xmlns:mc="http://schemas.openxmlformats.org/markup-compatibility/2006">
-        <mc:Choice xmlns:a14="http://schemas.microsoft.com/office/drawing/2010/main" Requires="a14">
-          <p:sp>
-            <p:nvSpPr>
-              <p:cNvPr id="11" name="TextBox 10">
-                <a:extLst>
-                  <a:ext uri="{FF2B5EF4-FFF2-40B4-BE49-F238E27FC236}">
-                    <a16:creationId xmlns:a16="http://schemas.microsoft.com/office/drawing/2014/main" id="{003D2D0D-0D3C-475B-91BF-156AA8591FA5}"/>
-                  </a:ext>
-                </a:extLst>
-              </p:cNvPr>
-              <p:cNvSpPr txBox="1"/>
-              <p:nvPr/>
-            </p:nvSpPr>
-            <p:spPr>
-              <a:xfrm>
-                <a:off x="1799376" y="5988957"/>
-                <a:ext cx="4096571" cy="627929"/>
-              </a:xfrm>
-              <a:prstGeom prst="rect">
-                <a:avLst/>
-              </a:prstGeom>
-              <a:noFill/>
-            </p:spPr>
-            <p:txBody>
-              <a:bodyPr wrap="none" lIns="0" tIns="0" rIns="0" bIns="0" rtlCol="0">
-                <a:spAutoFit/>
-              </a:bodyPr>
-              <a:lstStyle/>
-              <a:p>
-                <a14:m>
-                  <m:oMathPara xmlns:m="http://schemas.openxmlformats.org/officeDocument/2006/math">
-                    <m:oMathParaPr>
-                      <m:jc m:val="centerGroup"/>
-                    </m:oMathParaPr>
-                    <m:oMath xmlns:m="http://schemas.openxmlformats.org/officeDocument/2006/math">
-                      <m:f>
-                        <m:fPr>
-                          <m:ctrlPr>
-                            <a:rPr lang="en-CA" b="0" i="1" smtClean="0">
-                              <a:latin typeface="Cambria Math" panose="02040503050406030204" pitchFamily="18" charset="0"/>
-                            </a:rPr>
-                          </m:ctrlPr>
-                        </m:fPr>
-                        <m:num>
-                          <m:r>
-                            <a:rPr lang="en-CA" b="0" i="1" smtClean="0">
-                              <a:latin typeface="Cambria Math" panose="02040503050406030204" pitchFamily="18" charset="0"/>
-                            </a:rPr>
-                            <m:t>1</m:t>
-                          </m:r>
-                        </m:num>
-                        <m:den>
-                          <m:sSub>
-                            <m:sSubPr>
-                              <m:ctrlPr>
-                                <a:rPr lang="en-CA" b="0" i="1" smtClean="0">
-                                  <a:latin typeface="Cambria Math" panose="02040503050406030204" pitchFamily="18" charset="0"/>
-                                </a:rPr>
-                              </m:ctrlPr>
-                            </m:sSubPr>
-                            <m:e>
-                              <m:r>
-                                <a:rPr lang="en-CA" i="1">
-                                  <a:latin typeface="Cambria Math" panose="02040503050406030204" pitchFamily="18" charset="0"/>
-                                  <a:ea typeface="Cambria Math" panose="02040503050406030204" pitchFamily="18" charset="0"/>
-                                </a:rPr>
-                                <m:t>𝛾</m:t>
-                              </m:r>
-                            </m:e>
-                            <m:sub>
-                              <m:r>
-                                <a:rPr lang="en-CA" b="0" i="1" smtClean="0">
-                                  <a:latin typeface="Cambria Math" panose="02040503050406030204" pitchFamily="18" charset="0"/>
-                                </a:rPr>
-                                <m:t>𝑥</m:t>
-                              </m:r>
-                            </m:sub>
-                          </m:sSub>
-                        </m:den>
-                      </m:f>
-                      <m:f>
-                        <m:fPr>
-                          <m:ctrlPr>
-                            <a:rPr lang="en-CA" b="0" i="1" smtClean="0">
-                              <a:latin typeface="Cambria Math" panose="02040503050406030204" pitchFamily="18" charset="0"/>
-                            </a:rPr>
-                          </m:ctrlPr>
-                        </m:fPr>
-                        <m:num>
-                          <m:r>
-                            <a:rPr lang="en-CA" b="0" i="1" smtClean="0">
-                              <a:latin typeface="Cambria Math" panose="02040503050406030204" pitchFamily="18" charset="0"/>
-                              <a:ea typeface="Cambria Math" panose="02040503050406030204" pitchFamily="18" charset="0"/>
-                            </a:rPr>
-                            <m:t>𝜕</m:t>
-                          </m:r>
-                        </m:num>
-                        <m:den>
-                          <m:r>
-                            <a:rPr lang="en-CA" b="0" i="1" smtClean="0">
-                              <a:latin typeface="Cambria Math" panose="02040503050406030204" pitchFamily="18" charset="0"/>
-                              <a:ea typeface="Cambria Math" panose="02040503050406030204" pitchFamily="18" charset="0"/>
-                            </a:rPr>
-                            <m:t>𝜕</m:t>
-                          </m:r>
-                          <m:r>
-                            <a:rPr lang="en-CA" b="0" i="1" smtClean="0">
-                              <a:latin typeface="Cambria Math" panose="02040503050406030204" pitchFamily="18" charset="0"/>
-                              <a:ea typeface="Cambria Math" panose="02040503050406030204" pitchFamily="18" charset="0"/>
-                            </a:rPr>
-                            <m:t>𝑥</m:t>
-                          </m:r>
-                        </m:den>
-                      </m:f>
-                      <m:d>
-                        <m:dPr>
-                          <m:ctrlPr>
-                            <a:rPr lang="en-CA" b="0" i="1" smtClean="0">
-                              <a:latin typeface="Cambria Math" panose="02040503050406030204" pitchFamily="18" charset="0"/>
-                            </a:rPr>
-                          </m:ctrlPr>
-                        </m:dPr>
-                        <m:e>
-                          <m:f>
-                            <m:fPr>
-                              <m:ctrlPr>
-                                <a:rPr lang="en-CA" i="1">
-                                  <a:latin typeface="Cambria Math" panose="02040503050406030204" pitchFamily="18" charset="0"/>
-                                </a:rPr>
-                              </m:ctrlPr>
-                            </m:fPr>
-                            <m:num>
-                              <m:r>
-                                <a:rPr lang="en-CA" i="1">
-                                  <a:latin typeface="Cambria Math" panose="02040503050406030204" pitchFamily="18" charset="0"/>
-                                </a:rPr>
-                                <m:t>1</m:t>
-                              </m:r>
-                            </m:num>
-                            <m:den>
-                              <m:sSub>
-                                <m:sSubPr>
-                                  <m:ctrlPr>
-                                    <a:rPr lang="en-CA" i="1">
-                                      <a:latin typeface="Cambria Math" panose="02040503050406030204" pitchFamily="18" charset="0"/>
-                                    </a:rPr>
-                                  </m:ctrlPr>
-                                </m:sSubPr>
-                                <m:e>
-                                  <m:r>
-                                    <a:rPr lang="en-CA" i="1">
-                                      <a:latin typeface="Cambria Math" panose="02040503050406030204" pitchFamily="18" charset="0"/>
-                                      <a:ea typeface="Cambria Math" panose="02040503050406030204" pitchFamily="18" charset="0"/>
-                                    </a:rPr>
-                                    <m:t>𝛾</m:t>
-                                  </m:r>
-                                </m:e>
-                                <m:sub>
-                                  <m:r>
-                                    <a:rPr lang="en-CA" i="1">
-                                      <a:latin typeface="Cambria Math" panose="02040503050406030204" pitchFamily="18" charset="0"/>
-                                    </a:rPr>
-                                    <m:t>𝑥</m:t>
-                                  </m:r>
-                                </m:sub>
-                              </m:sSub>
-                            </m:den>
-                          </m:f>
-                          <m:f>
-                            <m:fPr>
-                              <m:ctrlPr>
-                                <a:rPr lang="en-CA" i="1">
-                                  <a:latin typeface="Cambria Math" panose="02040503050406030204" pitchFamily="18" charset="0"/>
-                                </a:rPr>
-                              </m:ctrlPr>
-                            </m:fPr>
-                            <m:num>
-                              <m:r>
-                                <a:rPr lang="en-CA" i="1">
-                                  <a:latin typeface="Cambria Math" panose="02040503050406030204" pitchFamily="18" charset="0"/>
-                                  <a:ea typeface="Cambria Math" panose="02040503050406030204" pitchFamily="18" charset="0"/>
-                                </a:rPr>
-                                <m:t>𝜕</m:t>
-                              </m:r>
-                              <m:r>
-                                <a:rPr lang="en-CA" b="0" i="1" smtClean="0">
-                                  <a:latin typeface="Cambria Math" panose="02040503050406030204" pitchFamily="18" charset="0"/>
-                                  <a:ea typeface="Cambria Math" panose="02040503050406030204" pitchFamily="18" charset="0"/>
-                                </a:rPr>
-                                <m:t>𝑝</m:t>
-                              </m:r>
-                            </m:num>
-                            <m:den>
-                              <m:r>
-                                <a:rPr lang="en-CA" i="1">
-                                  <a:latin typeface="Cambria Math" panose="02040503050406030204" pitchFamily="18" charset="0"/>
-                                  <a:ea typeface="Cambria Math" panose="02040503050406030204" pitchFamily="18" charset="0"/>
-                                </a:rPr>
-                                <m:t>𝜕</m:t>
-                              </m:r>
-                              <m:r>
-                                <a:rPr lang="en-CA" i="1">
-                                  <a:latin typeface="Cambria Math" panose="02040503050406030204" pitchFamily="18" charset="0"/>
-                                  <a:ea typeface="Cambria Math" panose="02040503050406030204" pitchFamily="18" charset="0"/>
-                                </a:rPr>
-                                <m:t>𝑥</m:t>
-                              </m:r>
-                            </m:den>
-                          </m:f>
-                        </m:e>
-                      </m:d>
-                      <m:r>
-                        <a:rPr lang="en-CA" b="0" i="1" smtClean="0">
-                          <a:latin typeface="Cambria Math" panose="02040503050406030204" pitchFamily="18" charset="0"/>
-                        </a:rPr>
-                        <m:t>+</m:t>
-                      </m:r>
-                      <m:f>
-                        <m:fPr>
-                          <m:ctrlPr>
-                            <a:rPr lang="en-CA" i="1">
-                              <a:latin typeface="Cambria Math" panose="02040503050406030204" pitchFamily="18" charset="0"/>
-                            </a:rPr>
-                          </m:ctrlPr>
-                        </m:fPr>
-                        <m:num>
-                          <m:r>
-                            <a:rPr lang="en-CA" i="1">
-                              <a:latin typeface="Cambria Math" panose="02040503050406030204" pitchFamily="18" charset="0"/>
-                            </a:rPr>
-                            <m:t>1</m:t>
-                          </m:r>
-                        </m:num>
-                        <m:den>
-                          <m:sSub>
-                            <m:sSubPr>
-                              <m:ctrlPr>
-                                <a:rPr lang="en-CA" i="1">
-                                  <a:latin typeface="Cambria Math" panose="02040503050406030204" pitchFamily="18" charset="0"/>
-                                </a:rPr>
-                              </m:ctrlPr>
-                            </m:sSubPr>
-                            <m:e>
-                              <m:r>
-                                <a:rPr lang="en-CA" i="1">
-                                  <a:latin typeface="Cambria Math" panose="02040503050406030204" pitchFamily="18" charset="0"/>
-                                  <a:ea typeface="Cambria Math" panose="02040503050406030204" pitchFamily="18" charset="0"/>
-                                </a:rPr>
-                                <m:t>𝛾</m:t>
-                              </m:r>
-                            </m:e>
-                            <m:sub>
-                              <m:r>
-                                <a:rPr lang="en-CA" b="0" i="1" smtClean="0">
-                                  <a:latin typeface="Cambria Math" panose="02040503050406030204" pitchFamily="18" charset="0"/>
-                                  <a:ea typeface="Cambria Math" panose="02040503050406030204" pitchFamily="18" charset="0"/>
-                                </a:rPr>
-                                <m:t>𝑦</m:t>
-                              </m:r>
-                            </m:sub>
-                          </m:sSub>
-                        </m:den>
-                      </m:f>
-                      <m:f>
-                        <m:fPr>
-                          <m:ctrlPr>
-                            <a:rPr lang="en-CA" i="1">
-                              <a:latin typeface="Cambria Math" panose="02040503050406030204" pitchFamily="18" charset="0"/>
-                            </a:rPr>
-                          </m:ctrlPr>
-                        </m:fPr>
-                        <m:num>
-                          <m:r>
-                            <a:rPr lang="en-CA" i="1">
-                              <a:latin typeface="Cambria Math" panose="02040503050406030204" pitchFamily="18" charset="0"/>
-                              <a:ea typeface="Cambria Math" panose="02040503050406030204" pitchFamily="18" charset="0"/>
-                            </a:rPr>
-                            <m:t>𝜕</m:t>
-                          </m:r>
-                        </m:num>
-                        <m:den>
-                          <m:r>
-                            <a:rPr lang="en-CA" i="1">
-                              <a:latin typeface="Cambria Math" panose="02040503050406030204" pitchFamily="18" charset="0"/>
-                              <a:ea typeface="Cambria Math" panose="02040503050406030204" pitchFamily="18" charset="0"/>
-                            </a:rPr>
-                            <m:t>𝜕</m:t>
-                          </m:r>
-                          <m:r>
-                            <a:rPr lang="en-CA" b="0" i="1" smtClean="0">
-                              <a:latin typeface="Cambria Math" panose="02040503050406030204" pitchFamily="18" charset="0"/>
-                              <a:ea typeface="Cambria Math" panose="02040503050406030204" pitchFamily="18" charset="0"/>
-                            </a:rPr>
-                            <m:t>𝑦</m:t>
-                          </m:r>
-                        </m:den>
-                      </m:f>
-                      <m:d>
-                        <m:dPr>
-                          <m:ctrlPr>
-                            <a:rPr lang="en-CA" i="1">
-                              <a:latin typeface="Cambria Math" panose="02040503050406030204" pitchFamily="18" charset="0"/>
-                            </a:rPr>
-                          </m:ctrlPr>
-                        </m:dPr>
-                        <m:e>
-                          <m:f>
-                            <m:fPr>
-                              <m:ctrlPr>
-                                <a:rPr lang="en-CA" i="1">
-                                  <a:latin typeface="Cambria Math" panose="02040503050406030204" pitchFamily="18" charset="0"/>
-                                </a:rPr>
-                              </m:ctrlPr>
-                            </m:fPr>
-                            <m:num>
-                              <m:r>
-                                <a:rPr lang="en-CA" i="1">
-                                  <a:latin typeface="Cambria Math" panose="02040503050406030204" pitchFamily="18" charset="0"/>
-                                </a:rPr>
-                                <m:t>1</m:t>
-                              </m:r>
-                            </m:num>
-                            <m:den>
-                              <m:sSub>
-                                <m:sSubPr>
-                                  <m:ctrlPr>
-                                    <a:rPr lang="en-CA" i="1">
-                                      <a:latin typeface="Cambria Math" panose="02040503050406030204" pitchFamily="18" charset="0"/>
-                                    </a:rPr>
-                                  </m:ctrlPr>
-                                </m:sSubPr>
-                                <m:e>
-                                  <m:r>
-                                    <a:rPr lang="en-CA" i="1">
-                                      <a:latin typeface="Cambria Math" panose="02040503050406030204" pitchFamily="18" charset="0"/>
-                                      <a:ea typeface="Cambria Math" panose="02040503050406030204" pitchFamily="18" charset="0"/>
-                                    </a:rPr>
-                                    <m:t>𝛾</m:t>
-                                  </m:r>
-                                </m:e>
-                                <m:sub>
-                                  <m:r>
-                                    <a:rPr lang="en-CA" i="1">
-                                      <a:latin typeface="Cambria Math" panose="02040503050406030204" pitchFamily="18" charset="0"/>
-                                      <a:ea typeface="Cambria Math" panose="02040503050406030204" pitchFamily="18" charset="0"/>
-                                    </a:rPr>
-                                    <m:t>𝑦</m:t>
-                                  </m:r>
-                                </m:sub>
-                              </m:sSub>
-                            </m:den>
-                          </m:f>
-                          <m:f>
-                            <m:fPr>
-                              <m:ctrlPr>
-                                <a:rPr lang="en-CA" i="1">
-                                  <a:latin typeface="Cambria Math" panose="02040503050406030204" pitchFamily="18" charset="0"/>
-                                </a:rPr>
-                              </m:ctrlPr>
-                            </m:fPr>
-                            <m:num>
-                              <m:r>
-                                <a:rPr lang="en-CA" i="1">
-                                  <a:latin typeface="Cambria Math" panose="02040503050406030204" pitchFamily="18" charset="0"/>
-                                  <a:ea typeface="Cambria Math" panose="02040503050406030204" pitchFamily="18" charset="0"/>
-                                </a:rPr>
-                                <m:t>𝜕</m:t>
-                              </m:r>
-                              <m:r>
-                                <a:rPr lang="en-CA" i="1">
-                                  <a:latin typeface="Cambria Math" panose="02040503050406030204" pitchFamily="18" charset="0"/>
-                                  <a:ea typeface="Cambria Math" panose="02040503050406030204" pitchFamily="18" charset="0"/>
-                                </a:rPr>
-                                <m:t>𝑝</m:t>
-                              </m:r>
-                            </m:num>
-                            <m:den>
-                              <m:r>
-                                <a:rPr lang="en-CA" i="1">
-                                  <a:latin typeface="Cambria Math" panose="02040503050406030204" pitchFamily="18" charset="0"/>
-                                  <a:ea typeface="Cambria Math" panose="02040503050406030204" pitchFamily="18" charset="0"/>
-                                </a:rPr>
-                                <m:t>𝜕</m:t>
-                              </m:r>
-                              <m:r>
-                                <a:rPr lang="en-CA" b="0" i="1" smtClean="0">
-                                  <a:latin typeface="Cambria Math" panose="02040503050406030204" pitchFamily="18" charset="0"/>
-                                  <a:ea typeface="Cambria Math" panose="02040503050406030204" pitchFamily="18" charset="0"/>
-                                </a:rPr>
-                                <m:t>𝑦</m:t>
-                              </m:r>
-                            </m:den>
-                          </m:f>
-                        </m:e>
-                      </m:d>
-                      <m:r>
-                        <a:rPr lang="en-CA" b="0" i="1" smtClean="0">
-                          <a:latin typeface="Cambria Math" panose="02040503050406030204" pitchFamily="18" charset="0"/>
-                          <a:ea typeface="Cambria Math" panose="02040503050406030204" pitchFamily="18" charset="0"/>
-                        </a:rPr>
-                        <m:t>+</m:t>
-                      </m:r>
-                      <m:sSup>
-                        <m:sSupPr>
-                          <m:ctrlPr>
-                            <a:rPr lang="en-CA" b="0" i="1" smtClean="0">
-                              <a:latin typeface="Cambria Math" panose="02040503050406030204" pitchFamily="18" charset="0"/>
-                              <a:ea typeface="Cambria Math" panose="02040503050406030204" pitchFamily="18" charset="0"/>
-                            </a:rPr>
-                          </m:ctrlPr>
-                        </m:sSupPr>
-                        <m:e>
-                          <m:r>
-                            <a:rPr lang="en-CA" b="0" i="1" smtClean="0">
-                              <a:latin typeface="Cambria Math" panose="02040503050406030204" pitchFamily="18" charset="0"/>
-                              <a:ea typeface="Cambria Math" panose="02040503050406030204" pitchFamily="18" charset="0"/>
-                            </a:rPr>
-                            <m:t>𝑘</m:t>
-                          </m:r>
-                        </m:e>
-                        <m:sup>
-                          <m:r>
-                            <a:rPr lang="en-CA" b="0" i="1" smtClean="0">
-                              <a:latin typeface="Cambria Math" panose="02040503050406030204" pitchFamily="18" charset="0"/>
-                              <a:ea typeface="Cambria Math" panose="02040503050406030204" pitchFamily="18" charset="0"/>
-                            </a:rPr>
-                            <m:t>2</m:t>
-                          </m:r>
-                        </m:sup>
-                      </m:sSup>
-                      <m:r>
-                        <a:rPr lang="en-CA" b="0" i="1" smtClean="0">
-                          <a:latin typeface="Cambria Math" panose="02040503050406030204" pitchFamily="18" charset="0"/>
-                          <a:ea typeface="Cambria Math" panose="02040503050406030204" pitchFamily="18" charset="0"/>
-                        </a:rPr>
-                        <m:t>𝑝</m:t>
-                      </m:r>
-                      <m:r>
-                        <a:rPr lang="en-CA" b="0" i="1" smtClean="0">
-                          <a:latin typeface="Cambria Math" panose="02040503050406030204" pitchFamily="18" charset="0"/>
-                          <a:ea typeface="Cambria Math" panose="02040503050406030204" pitchFamily="18" charset="0"/>
-                        </a:rPr>
-                        <m:t>=0</m:t>
-                      </m:r>
-                    </m:oMath>
-                  </m:oMathPara>
-                </a14:m>
-                <a:endParaRPr lang="en-CA" b="0" dirty="0"/>
-              </a:p>
-            </p:txBody>
-          </p:sp>
-        </mc:Choice>
-        <mc:Fallback>
-          <p:sp>
-            <p:nvSpPr>
-              <p:cNvPr id="11" name="TextBox 10">
-                <a:extLst>
-                  <a:ext uri="{FF2B5EF4-FFF2-40B4-BE49-F238E27FC236}">
-                    <a16:creationId xmlns:a16="http://schemas.microsoft.com/office/drawing/2014/main" id="{003D2D0D-0D3C-475B-91BF-156AA8591FA5}"/>
-                  </a:ext>
-                </a:extLst>
-              </p:cNvPr>
-              <p:cNvSpPr txBox="1">
-                <a:spLocks noRot="1" noChangeAspect="1" noMove="1" noResize="1" noEditPoints="1" noAdjustHandles="1" noChangeArrowheads="1" noChangeShapeType="1" noTextEdit="1"/>
-              </p:cNvSpPr>
-              <p:nvPr/>
-            </p:nvSpPr>
-            <p:spPr>
-              <a:xfrm>
-                <a:off x="1799376" y="5988957"/>
-                <a:ext cx="4096571" cy="627929"/>
-              </a:xfrm>
-              <a:prstGeom prst="rect">
-                <a:avLst/>
-              </a:prstGeom>
-              <a:blipFill>
-                <a:blip r:embed="rId5"/>
-                <a:stretch>
-                  <a:fillRect/>
-                </a:stretch>
-              </a:blipFill>
-            </p:spPr>
-            <p:txBody>
-              <a:bodyPr/>
-              <a:lstStyle/>
-              <a:p>
-                <a:r>
-                  <a:rPr lang="en-CA">
-                    <a:noFill/>
-                  </a:rPr>
-                  <a:t> </a:t>
-                </a:r>
-              </a:p>
-            </p:txBody>
-          </p:sp>
-        </mc:Fallback>
-      </mc:AlternateContent>
-      <mc:AlternateContent xmlns:mc="http://schemas.openxmlformats.org/markup-compatibility/2006">
-        <mc:Choice xmlns:a14="http://schemas.microsoft.com/office/drawing/2010/main" Requires="a14">
-          <p:sp>
-            <p:nvSpPr>
-              <p:cNvPr id="18" name="TextBox 17">
-                <a:extLst>
-                  <a:ext uri="{FF2B5EF4-FFF2-40B4-BE49-F238E27FC236}">
-                    <a16:creationId xmlns:a16="http://schemas.microsoft.com/office/drawing/2014/main" id="{EE8FEC50-193D-403C-BC60-7C3621ED8DCA}"/>
-                  </a:ext>
-                </a:extLst>
-              </p:cNvPr>
-              <p:cNvSpPr txBox="1"/>
-              <p:nvPr/>
-            </p:nvSpPr>
-            <p:spPr>
-              <a:xfrm>
-                <a:off x="6254330" y="5988957"/>
-                <a:ext cx="2029658" cy="567463"/>
-              </a:xfrm>
-              <a:prstGeom prst="rect">
-                <a:avLst/>
-              </a:prstGeom>
-              <a:noFill/>
-            </p:spPr>
-            <p:txBody>
-              <a:bodyPr wrap="none" lIns="0" tIns="0" rIns="0" bIns="0" rtlCol="0">
-                <a:spAutoFit/>
-              </a:bodyPr>
-              <a:lstStyle/>
-              <a:p>
-                <a14:m>
-                  <m:oMathPara xmlns:m="http://schemas.openxmlformats.org/officeDocument/2006/math">
-                    <m:oMathParaPr>
-                      <m:jc m:val="centerGroup"/>
-                    </m:oMathParaPr>
-                    <m:oMath xmlns:m="http://schemas.openxmlformats.org/officeDocument/2006/math">
-                      <m:sSub>
-                        <m:sSubPr>
-                          <m:ctrlPr>
-                            <a:rPr lang="en-CA" i="1">
-                              <a:latin typeface="Cambria Math" panose="02040503050406030204" pitchFamily="18" charset="0"/>
-                            </a:rPr>
-                          </m:ctrlPr>
-                        </m:sSubPr>
-                        <m:e>
-                          <m:r>
-                            <a:rPr lang="en-CA" i="1">
-                              <a:latin typeface="Cambria Math" panose="02040503050406030204" pitchFamily="18" charset="0"/>
-                              <a:ea typeface="Cambria Math" panose="02040503050406030204" pitchFamily="18" charset="0"/>
-                            </a:rPr>
-                            <m:t>𝛾</m:t>
-                          </m:r>
-                        </m:e>
-                        <m:sub>
-                          <m:r>
-                            <a:rPr lang="en-CA" i="1">
-                              <a:latin typeface="Cambria Math" panose="02040503050406030204" pitchFamily="18" charset="0"/>
-                            </a:rPr>
-                            <m:t>𝑥</m:t>
-                          </m:r>
-                        </m:sub>
-                      </m:sSub>
-                      <m:r>
-                        <a:rPr lang="en-CA" b="0" i="1" smtClean="0">
-                          <a:latin typeface="Cambria Math" panose="02040503050406030204" pitchFamily="18" charset="0"/>
-                          <a:ea typeface="Cambria Math" panose="02040503050406030204" pitchFamily="18" charset="0"/>
-                        </a:rPr>
-                        <m:t>=1+ </m:t>
-                      </m:r>
-                      <m:f>
-                        <m:fPr>
-                          <m:ctrlPr>
-                            <a:rPr lang="en-CA" b="0" i="1" smtClean="0">
-                              <a:latin typeface="Cambria Math" panose="02040503050406030204" pitchFamily="18" charset="0"/>
-                              <a:ea typeface="Cambria Math" panose="02040503050406030204" pitchFamily="18" charset="0"/>
-                            </a:rPr>
-                          </m:ctrlPr>
-                        </m:fPr>
-                        <m:num>
-                          <m:r>
-                            <a:rPr lang="en-CA" b="0" i="1" smtClean="0">
-                              <a:latin typeface="Cambria Math" panose="02040503050406030204" pitchFamily="18" charset="0"/>
-                              <a:ea typeface="Cambria Math" panose="02040503050406030204" pitchFamily="18" charset="0"/>
-                            </a:rPr>
-                            <m:t>𝑖</m:t>
-                          </m:r>
-                        </m:num>
-                        <m:den>
-                          <m:r>
-                            <a:rPr lang="en-CA" b="0" i="1" smtClean="0">
-                              <a:latin typeface="Cambria Math" panose="02040503050406030204" pitchFamily="18" charset="0"/>
-                              <a:ea typeface="Cambria Math" panose="02040503050406030204" pitchFamily="18" charset="0"/>
-                            </a:rPr>
-                            <m:t>𝜔</m:t>
-                          </m:r>
-                        </m:den>
-                      </m:f>
-                      <m:f>
-                        <m:fPr>
-                          <m:ctrlPr>
-                            <a:rPr lang="en-CA" b="0" i="1" smtClean="0">
-                              <a:latin typeface="Cambria Math" panose="02040503050406030204" pitchFamily="18" charset="0"/>
-                              <a:ea typeface="Cambria Math" panose="02040503050406030204" pitchFamily="18" charset="0"/>
-                            </a:rPr>
-                          </m:ctrlPr>
-                        </m:fPr>
-                        <m:num>
-                          <m:r>
-                            <a:rPr lang="en-CA" b="0" i="1" smtClean="0">
-                              <a:latin typeface="Cambria Math" panose="02040503050406030204" pitchFamily="18" charset="0"/>
-                              <a:ea typeface="Cambria Math" panose="02040503050406030204" pitchFamily="18" charset="0"/>
-                            </a:rPr>
-                            <m:t>1</m:t>
-                          </m:r>
-                        </m:num>
-                        <m:den>
-                          <m:d>
-                            <m:dPr>
-                              <m:begChr m:val="|"/>
-                              <m:endChr m:val="|"/>
-                              <m:ctrlPr>
-                                <a:rPr lang="en-CA" b="0" i="1" smtClean="0">
-                                  <a:latin typeface="Cambria Math" panose="02040503050406030204" pitchFamily="18" charset="0"/>
-                                  <a:ea typeface="Cambria Math" panose="02040503050406030204" pitchFamily="18" charset="0"/>
-                                </a:rPr>
-                              </m:ctrlPr>
-                            </m:dPr>
-                            <m:e>
-                              <m:sSub>
-                                <m:sSubPr>
-                                  <m:ctrlPr>
-                                    <a:rPr lang="en-CA" b="0" i="1" smtClean="0">
-                                      <a:latin typeface="Cambria Math" panose="02040503050406030204" pitchFamily="18" charset="0"/>
-                                      <a:ea typeface="Cambria Math" panose="02040503050406030204" pitchFamily="18" charset="0"/>
-                                    </a:rPr>
-                                  </m:ctrlPr>
-                                </m:sSubPr>
-                                <m:e>
-                                  <m:r>
-                                    <a:rPr lang="en-CA" b="0" i="1" smtClean="0">
-                                      <a:latin typeface="Cambria Math" panose="02040503050406030204" pitchFamily="18" charset="0"/>
-                                      <a:ea typeface="Cambria Math" panose="02040503050406030204" pitchFamily="18" charset="0"/>
-                                    </a:rPr>
-                                    <m:t>𝑥</m:t>
-                                  </m:r>
-                                </m:e>
-                                <m:sub>
-                                  <m:r>
-                                    <a:rPr lang="en-CA" b="0" i="1" smtClean="0">
-                                      <a:latin typeface="Cambria Math" panose="02040503050406030204" pitchFamily="18" charset="0"/>
-                                      <a:ea typeface="Cambria Math" panose="02040503050406030204" pitchFamily="18" charset="0"/>
-                                    </a:rPr>
-                                    <m:t>0</m:t>
-                                  </m:r>
-                                </m:sub>
-                              </m:sSub>
-                              <m:r>
-                                <a:rPr lang="en-CA" b="0" i="1" smtClean="0">
-                                  <a:latin typeface="Cambria Math" panose="02040503050406030204" pitchFamily="18" charset="0"/>
-                                  <a:ea typeface="Cambria Math" panose="02040503050406030204" pitchFamily="18" charset="0"/>
-                                </a:rPr>
-                                <m:t>−</m:t>
-                              </m:r>
-                              <m:r>
-                                <a:rPr lang="en-CA" b="0" i="1" smtClean="0">
-                                  <a:latin typeface="Cambria Math" panose="02040503050406030204" pitchFamily="18" charset="0"/>
-                                  <a:ea typeface="Cambria Math" panose="02040503050406030204" pitchFamily="18" charset="0"/>
-                                </a:rPr>
-                                <m:t>𝑥</m:t>
-                              </m:r>
-                            </m:e>
-                          </m:d>
-                        </m:den>
-                      </m:f>
-                    </m:oMath>
-                  </m:oMathPara>
-                </a14:m>
-                <a:endParaRPr lang="en-CA" dirty="0"/>
-              </a:p>
-            </p:txBody>
-          </p:sp>
-        </mc:Choice>
-        <mc:Fallback>
-          <p:sp>
-            <p:nvSpPr>
-              <p:cNvPr id="18" name="TextBox 17">
-                <a:extLst>
-                  <a:ext uri="{FF2B5EF4-FFF2-40B4-BE49-F238E27FC236}">
-                    <a16:creationId xmlns:a16="http://schemas.microsoft.com/office/drawing/2014/main" id="{EE8FEC50-193D-403C-BC60-7C3621ED8DCA}"/>
-                  </a:ext>
-                </a:extLst>
-              </p:cNvPr>
-              <p:cNvSpPr txBox="1">
-                <a:spLocks noRot="1" noChangeAspect="1" noMove="1" noResize="1" noEditPoints="1" noAdjustHandles="1" noChangeArrowheads="1" noChangeShapeType="1" noTextEdit="1"/>
-              </p:cNvSpPr>
-              <p:nvPr/>
-            </p:nvSpPr>
-            <p:spPr>
-              <a:xfrm>
-                <a:off x="6254330" y="5988957"/>
-                <a:ext cx="2029658" cy="567463"/>
-              </a:xfrm>
-              <a:prstGeom prst="rect">
-                <a:avLst/>
-              </a:prstGeom>
-              <a:blipFill>
-                <a:blip r:embed="rId6"/>
-                <a:stretch>
-                  <a:fillRect/>
-                </a:stretch>
-              </a:blipFill>
-            </p:spPr>
-            <p:txBody>
-              <a:bodyPr/>
-              <a:lstStyle/>
-              <a:p>
-                <a:r>
-                  <a:rPr lang="en-CA">
-                    <a:noFill/>
-                  </a:rPr>
-                  <a:t> </a:t>
-                </a:r>
-              </a:p>
-            </p:txBody>
-          </p:sp>
-        </mc:Fallback>
-      </mc:AlternateContent>
+      <p:sp>
+        <p:nvSpPr>
+          <p:cNvPr id="21" name="Signe de multiplication 20">
+            <a:extLst>
+              <a:ext uri="{FF2B5EF4-FFF2-40B4-BE49-F238E27FC236}">
+                <a16:creationId xmlns:a16="http://schemas.microsoft.com/office/drawing/2014/main" id="{C1036B8C-A294-40CB-AFC9-AF3B69AF925C}"/>
+              </a:ext>
+            </a:extLst>
+          </p:cNvPr>
+          <p:cNvSpPr/>
+          <p:nvPr/>
+        </p:nvSpPr>
+        <p:spPr>
+          <a:xfrm>
+            <a:off x="8253686" y="3292307"/>
+            <a:ext cx="3728124" cy="3013666"/>
+          </a:xfrm>
+          <a:prstGeom prst="mathMultiply">
+            <a:avLst>
+              <a:gd name="adj1" fmla="val 5729"/>
+            </a:avLst>
+          </a:prstGeom>
+          <a:solidFill>
+            <a:srgbClr val="FF0000"/>
+          </a:solidFill>
+        </p:spPr>
+        <p:style>
+          <a:lnRef idx="2">
+            <a:schemeClr val="accent1">
+              <a:shade val="50000"/>
+            </a:schemeClr>
+          </a:lnRef>
+          <a:fillRef idx="1">
+            <a:schemeClr val="accent1"/>
+          </a:fillRef>
+          <a:effectRef idx="0">
+            <a:schemeClr val="accent1"/>
+          </a:effectRef>
+          <a:fontRef idx="minor">
+            <a:schemeClr val="lt1"/>
+          </a:fontRef>
+        </p:style>
+        <p:txBody>
+          <a:bodyPr rtlCol="0" anchor="ctr"/>
+          <a:lstStyle/>
+          <a:p>
+            <a:pPr algn="ctr"/>
+            <a:endParaRPr lang="fr-CA"/>
+          </a:p>
+        </p:txBody>
+      </p:sp>
     </p:spTree>
     <p:extLst>
       <p:ext uri="{BB962C8B-B14F-4D97-AF65-F5344CB8AC3E}">
@@ -16251,21 +16615,8 @@
                   <a:srgbClr val="286D9F"/>
                 </a:solidFill>
               </a:rPr>
-              <a:t>Importance des </a:t>
-            </a:r>
-            <a:r>
-              <a:rPr lang="fr-CA" dirty="0" err="1">
-                <a:solidFill>
-                  <a:srgbClr val="286D9F"/>
-                </a:solidFill>
-              </a:rPr>
-              <a:t>PMLs</a:t>
-            </a:r>
-            <a:endParaRPr lang="fr-CA" dirty="0">
-              <a:solidFill>
-                <a:srgbClr val="286D9F"/>
-              </a:solidFill>
-            </a:endParaRPr>
+              <a:t>Importance des PMLs</a:t>
+            </a:r>
           </a:p>
         </p:txBody>
       </p:sp>
@@ -16672,7 +17023,7 @@
         </p:nvSpPr>
         <p:spPr>
           <a:xfrm>
-            <a:off x="455643" y="1325461"/>
+            <a:off x="455643" y="1168005"/>
             <a:ext cx="6795082" cy="646331"/>
           </a:xfrm>
           <a:prstGeom prst="rect">
@@ -16693,12 +17044,1780 @@
           </a:p>
         </p:txBody>
       </p:sp>
+      <mc:AlternateContent xmlns:mc="http://schemas.openxmlformats.org/markup-compatibility/2006">
+        <mc:Choice xmlns:a14="http://schemas.microsoft.com/office/drawing/2010/main" Requires="a14">
+          <p:graphicFrame>
+            <p:nvGraphicFramePr>
+              <p:cNvPr id="8" name="Tableau 8">
+                <a:extLst>
+                  <a:ext uri="{FF2B5EF4-FFF2-40B4-BE49-F238E27FC236}">
+                    <a16:creationId xmlns:a16="http://schemas.microsoft.com/office/drawing/2014/main" id="{3050C28A-26C1-43C6-8CDC-12ECA233071D}"/>
+                  </a:ext>
+                </a:extLst>
+              </p:cNvPr>
+              <p:cNvGraphicFramePr>
+                <a:graphicFrameLocks noGrp="1"/>
+              </p:cNvGraphicFramePr>
+              <p:nvPr>
+                <p:extLst>
+                  <p:ext uri="{D42A27DB-BD31-4B8C-83A1-F6EECF244321}">
+                    <p14:modId xmlns:p14="http://schemas.microsoft.com/office/powerpoint/2010/main" val="2268109437"/>
+                  </p:ext>
+                </p:extLst>
+              </p:nvPr>
+            </p:nvGraphicFramePr>
+            <p:xfrm>
+              <a:off x="396920" y="1971792"/>
+              <a:ext cx="6356218" cy="4088810"/>
+            </p:xfrm>
+            <a:graphic>
+              <a:graphicData uri="http://schemas.openxmlformats.org/drawingml/2006/table">
+                <a:tbl>
+                  <a:tblPr firstRow="1" bandRow="1">
+                    <a:tableStyleId>{5C22544A-7EE6-4342-B048-85BDC9FD1C3A}</a:tableStyleId>
+                  </a:tblPr>
+                  <a:tblGrid>
+                    <a:gridCol w="995652">
+                      <a:extLst>
+                        <a:ext uri="{9D8B030D-6E8A-4147-A177-3AD203B41FA5}">
+                          <a16:colId xmlns:a16="http://schemas.microsoft.com/office/drawing/2014/main" val="3233838604"/>
+                        </a:ext>
+                      </a:extLst>
+                    </a:gridCol>
+                    <a:gridCol w="3405931">
+                      <a:extLst>
+                        <a:ext uri="{9D8B030D-6E8A-4147-A177-3AD203B41FA5}">
+                          <a16:colId xmlns:a16="http://schemas.microsoft.com/office/drawing/2014/main" val="4009959583"/>
+                        </a:ext>
+                      </a:extLst>
+                    </a:gridCol>
+                    <a:gridCol w="1954635">
+                      <a:extLst>
+                        <a:ext uri="{9D8B030D-6E8A-4147-A177-3AD203B41FA5}">
+                          <a16:colId xmlns:a16="http://schemas.microsoft.com/office/drawing/2014/main" val="2632752830"/>
+                        </a:ext>
+                      </a:extLst>
+                    </a:gridCol>
+                  </a:tblGrid>
+                  <a:tr h="380410">
+                    <a:tc>
+                      <a:txBody>
+                        <a:bodyPr/>
+                        <a:lstStyle/>
+                        <a:p>
+                          <a:pPr algn="ctr"/>
+                          <a:r>
+                            <a:rPr lang="fr-CA" sz="1600" dirty="0"/>
+                            <a:t>Symbole</a:t>
+                          </a:r>
+                        </a:p>
+                      </a:txBody>
+                      <a:tcPr anchor="ctr"/>
+                    </a:tc>
+                    <a:tc>
+                      <a:txBody>
+                        <a:bodyPr/>
+                        <a:lstStyle/>
+                        <a:p>
+                          <a:pPr marL="0" marR="0" lvl="0" indent="0" algn="ctr" defTabSz="457200" rtl="0" eaLnBrk="1" fontAlgn="auto" latinLnBrk="0" hangingPunct="1">
+                            <a:lnSpc>
+                              <a:spcPct val="100000"/>
+                            </a:lnSpc>
+                            <a:spcBef>
+                              <a:spcPts val="0"/>
+                            </a:spcBef>
+                            <a:spcAft>
+                              <a:spcPts val="0"/>
+                            </a:spcAft>
+                            <a:buClrTx/>
+                            <a:buSzTx/>
+                            <a:buFontTx/>
+                            <a:buNone/>
+                            <a:tabLst/>
+                            <a:defRPr/>
+                          </a:pPr>
+                          <a:r>
+                            <a:rPr lang="fr-CA" sz="1600" dirty="0"/>
+                            <a:t>Nom du paramètre</a:t>
+                          </a:r>
+                        </a:p>
+                      </a:txBody>
+                      <a:tcPr anchor="ctr"/>
+                    </a:tc>
+                    <a:tc>
+                      <a:txBody>
+                        <a:bodyPr/>
+                        <a:lstStyle/>
+                        <a:p>
+                          <a:pPr algn="ctr"/>
+                          <a:r>
+                            <a:rPr lang="fr-CA" sz="1600" dirty="0"/>
+                            <a:t>Valeur</a:t>
+                          </a:r>
+                        </a:p>
+                      </a:txBody>
+                      <a:tcPr anchor="ctr"/>
+                    </a:tc>
+                    <a:extLst>
+                      <a:ext uri="{0D108BD9-81ED-4DB2-BD59-A6C34878D82A}">
+                        <a16:rowId xmlns:a16="http://schemas.microsoft.com/office/drawing/2014/main" val="2962888785"/>
+                      </a:ext>
+                    </a:extLst>
+                  </a:tr>
+                  <a:tr h="370840">
+                    <a:tc>
+                      <a:txBody>
+                        <a:bodyPr/>
+                        <a:lstStyle/>
+                        <a:p>
+                          <a14:m>
+                            <m:oMathPara xmlns:m="http://schemas.openxmlformats.org/officeDocument/2006/math">
+                              <m:oMathParaPr>
+                                <m:jc m:val="centerGroup"/>
+                              </m:oMathParaPr>
+                              <m:oMath xmlns:m="http://schemas.openxmlformats.org/officeDocument/2006/math">
+                                <m:sSub>
+                                  <m:sSubPr>
+                                    <m:ctrlPr>
+                                      <a:rPr lang="fr-CA" sz="1600" i="1" smtClean="0">
+                                        <a:latin typeface="Cambria Math" panose="02040503050406030204" pitchFamily="18" charset="0"/>
+                                      </a:rPr>
+                                    </m:ctrlPr>
+                                  </m:sSubPr>
+                                  <m:e>
+                                    <m:r>
+                                      <a:rPr lang="fr-CA" sz="1600" i="1" smtClean="0">
+                                        <a:latin typeface="Cambria Math" panose="02040503050406030204" pitchFamily="18" charset="0"/>
+                                        <a:ea typeface="Cambria Math" panose="02040503050406030204" pitchFamily="18" charset="0"/>
+                                      </a:rPr>
+                                      <m:t>𝜌</m:t>
+                                    </m:r>
+                                  </m:e>
+                                  <m:sub>
+                                    <m:r>
+                                      <a:rPr lang="fr-CA" sz="1600" b="0" i="1" smtClean="0">
+                                        <a:latin typeface="Cambria Math" panose="02040503050406030204" pitchFamily="18" charset="0"/>
+                                      </a:rPr>
+                                      <m:t>𝑒𝑎𝑢</m:t>
+                                    </m:r>
+                                  </m:sub>
+                                </m:sSub>
+                              </m:oMath>
+                            </m:oMathPara>
+                          </a14:m>
+                          <a:endParaRPr lang="fr-CA" sz="1600" dirty="0"/>
+                        </a:p>
+                      </a:txBody>
+                      <a:tcPr/>
+                    </a:tc>
+                    <a:tc>
+                      <a:txBody>
+                        <a:bodyPr/>
+                        <a:lstStyle/>
+                        <a:p>
+                          <a:r>
+                            <a:rPr lang="fr-CA" sz="1600" dirty="0"/>
+                            <a:t>Densité de l’eau</a:t>
+                          </a:r>
+                        </a:p>
+                      </a:txBody>
+                      <a:tcPr/>
+                    </a:tc>
+                    <a:tc>
+                      <a:txBody>
+                        <a:bodyPr/>
+                        <a:lstStyle/>
+                        <a:p>
+                          <a:r>
+                            <a:rPr lang="fr-CA" sz="1600" dirty="0"/>
+                            <a:t>998.30 kg/m</a:t>
+                          </a:r>
+                          <a:r>
+                            <a:rPr lang="fr-CA" sz="1600" baseline="30000" dirty="0"/>
+                            <a:t>3</a:t>
+                          </a:r>
+                          <a:endParaRPr lang="fr-CA" sz="1600" dirty="0"/>
+                        </a:p>
+                      </a:txBody>
+                      <a:tcPr/>
+                    </a:tc>
+                    <a:extLst>
+                      <a:ext uri="{0D108BD9-81ED-4DB2-BD59-A6C34878D82A}">
+                        <a16:rowId xmlns:a16="http://schemas.microsoft.com/office/drawing/2014/main" val="1826788109"/>
+                      </a:ext>
+                    </a:extLst>
+                  </a:tr>
+                  <a:tr h="370840">
+                    <a:tc>
+                      <a:txBody>
+                        <a:bodyPr/>
+                        <a:lstStyle/>
+                        <a:p>
+                          <a14:m>
+                            <m:oMathPara xmlns:m="http://schemas.openxmlformats.org/officeDocument/2006/math">
+                              <m:oMathParaPr>
+                                <m:jc m:val="centerGroup"/>
+                              </m:oMathParaPr>
+                              <m:oMath xmlns:m="http://schemas.openxmlformats.org/officeDocument/2006/math">
+                                <m:sSub>
+                                  <m:sSubPr>
+                                    <m:ctrlPr>
+                                      <a:rPr lang="fr-CA" sz="1600" i="1" smtClean="0">
+                                        <a:latin typeface="Cambria Math" panose="02040503050406030204" pitchFamily="18" charset="0"/>
+                                      </a:rPr>
+                                    </m:ctrlPr>
+                                  </m:sSubPr>
+                                  <m:e>
+                                    <m:r>
+                                      <a:rPr lang="fr-CA" sz="1600" i="1" smtClean="0">
+                                        <a:latin typeface="Cambria Math" panose="02040503050406030204" pitchFamily="18" charset="0"/>
+                                        <a:ea typeface="Cambria Math" panose="02040503050406030204" pitchFamily="18" charset="0"/>
+                                      </a:rPr>
+                                      <m:t>𝜌</m:t>
+                                    </m:r>
+                                  </m:e>
+                                  <m:sub>
+                                    <m:r>
+                                      <a:rPr lang="fr-CA" sz="1600" b="0" i="1" smtClean="0">
+                                        <a:latin typeface="Cambria Math" panose="02040503050406030204" pitchFamily="18" charset="0"/>
+                                        <a:ea typeface="Cambria Math" panose="02040503050406030204" pitchFamily="18" charset="0"/>
+                                      </a:rPr>
+                                      <m:t>𝑏𝑜𝑖𝑠</m:t>
+                                    </m:r>
+                                  </m:sub>
+                                </m:sSub>
+                              </m:oMath>
+                            </m:oMathPara>
+                          </a14:m>
+                          <a:endParaRPr lang="fr-CA" sz="1600" dirty="0"/>
+                        </a:p>
+                      </a:txBody>
+                      <a:tcPr/>
+                    </a:tc>
+                    <a:tc>
+                      <a:txBody>
+                        <a:bodyPr/>
+                        <a:lstStyle/>
+                        <a:p>
+                          <a:r>
+                            <a:rPr lang="fr-CA" sz="1600" dirty="0"/>
+                            <a:t>Densité du bois</a:t>
+                          </a:r>
+                        </a:p>
+                      </a:txBody>
+                      <a:tcPr/>
+                    </a:tc>
+                    <a:tc>
+                      <a:txBody>
+                        <a:bodyPr/>
+                        <a:lstStyle/>
+                        <a:p>
+                          <a:r>
+                            <a:rPr lang="fr-CA" sz="1600" dirty="0"/>
+                            <a:t>640.72 kg/m</a:t>
+                          </a:r>
+                          <a:r>
+                            <a:rPr lang="fr-CA" sz="1600" baseline="30000" dirty="0"/>
+                            <a:t>3</a:t>
+                          </a:r>
+                          <a:endParaRPr lang="fr-CA" sz="1600" dirty="0"/>
+                        </a:p>
+                      </a:txBody>
+                      <a:tcPr/>
+                    </a:tc>
+                    <a:extLst>
+                      <a:ext uri="{0D108BD9-81ED-4DB2-BD59-A6C34878D82A}">
+                        <a16:rowId xmlns:a16="http://schemas.microsoft.com/office/drawing/2014/main" val="403586237"/>
+                      </a:ext>
+                    </a:extLst>
+                  </a:tr>
+                  <a:tr h="370840">
+                    <a:tc>
+                      <a:txBody>
+                        <a:bodyPr/>
+                        <a:lstStyle/>
+                        <a:p>
+                          <a14:m>
+                            <m:oMathPara xmlns:m="http://schemas.openxmlformats.org/officeDocument/2006/math">
+                              <m:oMathParaPr>
+                                <m:jc m:val="centerGroup"/>
+                              </m:oMathParaPr>
+                              <m:oMath xmlns:m="http://schemas.openxmlformats.org/officeDocument/2006/math">
+                                <m:sSub>
+                                  <m:sSubPr>
+                                    <m:ctrlPr>
+                                      <a:rPr lang="fr-CA" sz="1600" i="1" smtClean="0">
+                                        <a:latin typeface="Cambria Math" panose="02040503050406030204" pitchFamily="18" charset="0"/>
+                                      </a:rPr>
+                                    </m:ctrlPr>
+                                  </m:sSubPr>
+                                  <m:e>
+                                    <m:r>
+                                      <a:rPr lang="fr-CA" sz="1600" i="1" smtClean="0">
+                                        <a:latin typeface="Cambria Math" panose="02040503050406030204" pitchFamily="18" charset="0"/>
+                                        <a:ea typeface="Cambria Math" panose="02040503050406030204" pitchFamily="18" charset="0"/>
+                                      </a:rPr>
+                                      <m:t>𝛼</m:t>
+                                    </m:r>
+                                  </m:e>
+                                  <m:sub>
+                                    <m:r>
+                                      <a:rPr lang="fr-CA" sz="1600" b="0" i="1" smtClean="0">
+                                        <a:latin typeface="Cambria Math" panose="02040503050406030204" pitchFamily="18" charset="0"/>
+                                      </a:rPr>
+                                      <m:t>𝑒𝑎𝑢</m:t>
+                                    </m:r>
+                                  </m:sub>
+                                </m:sSub>
+                              </m:oMath>
+                            </m:oMathPara>
+                          </a14:m>
+                          <a:endParaRPr lang="fr-CA" sz="1600" dirty="0"/>
+                        </a:p>
+                      </a:txBody>
+                      <a:tcPr/>
+                    </a:tc>
+                    <a:tc>
+                      <a:txBody>
+                        <a:bodyPr/>
+                        <a:lstStyle/>
+                        <a:p>
+                          <a:r>
+                            <a:rPr lang="fr-CA" sz="1600" dirty="0"/>
+                            <a:t>Coefficient d’atténuation de l’eau</a:t>
+                          </a:r>
+                        </a:p>
+                      </a:txBody>
+                      <a:tcPr/>
+                    </a:tc>
+                    <a:tc>
+                      <a:txBody>
+                        <a:bodyPr/>
+                        <a:lstStyle/>
+                        <a:p>
+                          <a:r>
+                            <a:rPr lang="fr-CA" sz="1600" dirty="0"/>
+                            <a:t>1.18 Pa</a:t>
+                          </a:r>
+                          <a:r>
+                            <a:rPr lang="fr-CA" sz="1600" baseline="30000" dirty="0"/>
+                            <a:t>-1</a:t>
+                          </a:r>
+                          <a:r>
+                            <a:rPr lang="fr-CA" sz="1600" baseline="0" dirty="0"/>
+                            <a:t>s</a:t>
+                          </a:r>
+                          <a:r>
+                            <a:rPr lang="fr-CA" sz="1600" baseline="30000" dirty="0"/>
+                            <a:t>-1</a:t>
+                          </a:r>
+                          <a:endParaRPr lang="fr-CA" sz="1600" dirty="0"/>
+                        </a:p>
+                      </a:txBody>
+                      <a:tcPr/>
+                    </a:tc>
+                    <a:extLst>
+                      <a:ext uri="{0D108BD9-81ED-4DB2-BD59-A6C34878D82A}">
+                        <a16:rowId xmlns:a16="http://schemas.microsoft.com/office/drawing/2014/main" val="3067625285"/>
+                      </a:ext>
+                    </a:extLst>
+                  </a:tr>
+                  <a:tr h="370840">
+                    <a:tc>
+                      <a:txBody>
+                        <a:bodyPr/>
+                        <a:lstStyle/>
+                        <a:p>
+                          <a14:m>
+                            <m:oMathPara xmlns:m="http://schemas.openxmlformats.org/officeDocument/2006/math">
+                              <m:oMathParaPr>
+                                <m:jc m:val="centerGroup"/>
+                              </m:oMathParaPr>
+                              <m:oMath xmlns:m="http://schemas.openxmlformats.org/officeDocument/2006/math">
+                                <m:sSub>
+                                  <m:sSubPr>
+                                    <m:ctrlPr>
+                                      <a:rPr lang="fr-CA" sz="1600" i="1" smtClean="0">
+                                        <a:latin typeface="Cambria Math" panose="02040503050406030204" pitchFamily="18" charset="0"/>
+                                      </a:rPr>
+                                    </m:ctrlPr>
+                                  </m:sSubPr>
+                                  <m:e>
+                                    <m:r>
+                                      <a:rPr lang="fr-CA" sz="1600" i="1" smtClean="0">
+                                        <a:latin typeface="Cambria Math" panose="02040503050406030204" pitchFamily="18" charset="0"/>
+                                        <a:ea typeface="Cambria Math" panose="02040503050406030204" pitchFamily="18" charset="0"/>
+                                      </a:rPr>
+                                      <m:t>𝛼</m:t>
+                                    </m:r>
+                                  </m:e>
+                                  <m:sub>
+                                    <m:r>
+                                      <a:rPr lang="fr-CA" sz="1600" b="0" i="1" smtClean="0">
+                                        <a:latin typeface="Cambria Math" panose="02040503050406030204" pitchFamily="18" charset="0"/>
+                                        <a:ea typeface="Cambria Math" panose="02040503050406030204" pitchFamily="18" charset="0"/>
+                                      </a:rPr>
+                                      <m:t>𝑏𝑜𝑖𝑠</m:t>
+                                    </m:r>
+                                  </m:sub>
+                                </m:sSub>
+                              </m:oMath>
+                            </m:oMathPara>
+                          </a14:m>
+                          <a:endParaRPr lang="fr-CA" sz="1600" dirty="0"/>
+                        </a:p>
+                      </a:txBody>
+                      <a:tcPr/>
+                    </a:tc>
+                    <a:tc>
+                      <a:txBody>
+                        <a:bodyPr/>
+                        <a:lstStyle/>
+                        <a:p>
+                          <a:pPr marL="0" marR="0" lvl="0" indent="0" algn="l" defTabSz="457200" rtl="0" eaLnBrk="1" fontAlgn="auto" latinLnBrk="0" hangingPunct="1">
+                            <a:lnSpc>
+                              <a:spcPct val="100000"/>
+                            </a:lnSpc>
+                            <a:spcBef>
+                              <a:spcPts val="0"/>
+                            </a:spcBef>
+                            <a:spcAft>
+                              <a:spcPts val="0"/>
+                            </a:spcAft>
+                            <a:buClrTx/>
+                            <a:buSzTx/>
+                            <a:buFontTx/>
+                            <a:buNone/>
+                            <a:tabLst/>
+                            <a:defRPr/>
+                          </a:pPr>
+                          <a:r>
+                            <a:rPr lang="fr-CA" sz="1600" dirty="0"/>
+                            <a:t>Coefficient d’atténuation du bois</a:t>
+                          </a:r>
+                        </a:p>
+                      </a:txBody>
+                      <a:tcPr/>
+                    </a:tc>
+                    <a:tc>
+                      <a:txBody>
+                        <a:bodyPr/>
+                        <a:lstStyle/>
+                        <a:p>
+                          <a:pPr marL="0" marR="0" lvl="0" indent="0" algn="l" defTabSz="457200" rtl="0" eaLnBrk="1" fontAlgn="auto" latinLnBrk="0" hangingPunct="1">
+                            <a:lnSpc>
+                              <a:spcPct val="100000"/>
+                            </a:lnSpc>
+                            <a:spcBef>
+                              <a:spcPts val="0"/>
+                            </a:spcBef>
+                            <a:spcAft>
+                              <a:spcPts val="0"/>
+                            </a:spcAft>
+                            <a:buClrTx/>
+                            <a:buSzTx/>
+                            <a:buFontTx/>
+                            <a:buNone/>
+                            <a:tabLst/>
+                            <a:defRPr/>
+                          </a:pPr>
+                          <a:r>
+                            <a:rPr lang="fr-CA" sz="1600" dirty="0"/>
+                            <a:t>3.21×10</a:t>
+                          </a:r>
+                          <a:r>
+                            <a:rPr lang="fr-CA" sz="1600" baseline="30000" dirty="0"/>
+                            <a:t>-4</a:t>
+                          </a:r>
+                          <a:r>
+                            <a:rPr lang="fr-CA" sz="1600" dirty="0"/>
+                            <a:t> Pa</a:t>
+                          </a:r>
+                          <a:r>
+                            <a:rPr lang="fr-CA" sz="1600" baseline="30000" dirty="0"/>
+                            <a:t>-1</a:t>
+                          </a:r>
+                          <a:r>
+                            <a:rPr lang="fr-CA" sz="1600" baseline="0" dirty="0"/>
+                            <a:t>s</a:t>
+                          </a:r>
+                          <a:r>
+                            <a:rPr lang="fr-CA" sz="1600" baseline="30000" dirty="0"/>
+                            <a:t>-1</a:t>
+                          </a:r>
+                          <a:endParaRPr lang="fr-CA" sz="1600" dirty="0"/>
+                        </a:p>
+                      </a:txBody>
+                      <a:tcPr/>
+                    </a:tc>
+                    <a:extLst>
+                      <a:ext uri="{0D108BD9-81ED-4DB2-BD59-A6C34878D82A}">
+                        <a16:rowId xmlns:a16="http://schemas.microsoft.com/office/drawing/2014/main" val="3470204885"/>
+                      </a:ext>
+                    </a:extLst>
+                  </a:tr>
+                  <a:tr h="370840">
+                    <a:tc>
+                      <a:txBody>
+                        <a:bodyPr/>
+                        <a:lstStyle/>
+                        <a:p>
+                          <a14:m>
+                            <m:oMathPara xmlns:m="http://schemas.openxmlformats.org/officeDocument/2006/math">
+                              <m:oMathParaPr>
+                                <m:jc m:val="centerGroup"/>
+                              </m:oMathParaPr>
+                              <m:oMath xmlns:m="http://schemas.openxmlformats.org/officeDocument/2006/math">
+                                <m:sSub>
+                                  <m:sSubPr>
+                                    <m:ctrlPr>
+                                      <a:rPr lang="fr-CA" sz="1600" i="1" smtClean="0">
+                                        <a:latin typeface="Cambria Math" panose="02040503050406030204" pitchFamily="18" charset="0"/>
+                                      </a:rPr>
+                                    </m:ctrlPr>
+                                  </m:sSubPr>
+                                  <m:e>
+                                    <m:r>
+                                      <a:rPr lang="fr-CA" sz="1600" b="0" i="1" smtClean="0">
+                                        <a:latin typeface="Cambria Math" panose="02040503050406030204" pitchFamily="18" charset="0"/>
+                                      </a:rPr>
+                                      <m:t>𝐵</m:t>
+                                    </m:r>
+                                  </m:e>
+                                  <m:sub>
+                                    <m:r>
+                                      <a:rPr lang="fr-CA" sz="1600" b="0" i="1" smtClean="0">
+                                        <a:latin typeface="Cambria Math" panose="02040503050406030204" pitchFamily="18" charset="0"/>
+                                        <a:ea typeface="Cambria Math" panose="02040503050406030204" pitchFamily="18" charset="0"/>
+                                      </a:rPr>
+                                      <m:t>𝑒𝑎𝑢</m:t>
+                                    </m:r>
+                                  </m:sub>
+                                </m:sSub>
+                              </m:oMath>
+                            </m:oMathPara>
+                          </a14:m>
+                          <a:endParaRPr lang="fr-CA" sz="1600" dirty="0"/>
+                        </a:p>
+                      </a:txBody>
+                      <a:tcPr/>
+                    </a:tc>
+                    <a:tc>
+                      <a:txBody>
+                        <a:bodyPr/>
+                        <a:lstStyle/>
+                        <a:p>
+                          <a:r>
+                            <a:rPr lang="fr-CA" sz="1600" dirty="0"/>
+                            <a:t>Module d’élasticité de l’eau</a:t>
+                          </a:r>
+                        </a:p>
+                      </a:txBody>
+                      <a:tcPr/>
+                    </a:tc>
+                    <a:tc>
+                      <a:txBody>
+                        <a:bodyPr/>
+                        <a:lstStyle/>
+                        <a:p>
+                          <a:pPr marL="0" marR="0" lvl="0" indent="0" algn="l" defTabSz="457200" rtl="0" eaLnBrk="1" fontAlgn="auto" latinLnBrk="0" hangingPunct="1">
+                            <a:lnSpc>
+                              <a:spcPct val="100000"/>
+                            </a:lnSpc>
+                            <a:spcBef>
+                              <a:spcPts val="0"/>
+                            </a:spcBef>
+                            <a:spcAft>
+                              <a:spcPts val="0"/>
+                            </a:spcAft>
+                            <a:buClrTx/>
+                            <a:buSzTx/>
+                            <a:buFontTx/>
+                            <a:buNone/>
+                            <a:tabLst/>
+                            <a:defRPr/>
+                          </a:pPr>
+                          <a:r>
+                            <a:rPr lang="fr-CA" sz="1600" dirty="0"/>
+                            <a:t>2.15×10</a:t>
+                          </a:r>
+                          <a:r>
+                            <a:rPr lang="fr-CA" sz="1600" baseline="30000" dirty="0"/>
+                            <a:t>9</a:t>
+                          </a:r>
+                          <a:r>
+                            <a:rPr lang="fr-CA" sz="1600" dirty="0"/>
+                            <a:t> Pa</a:t>
+                          </a:r>
+                        </a:p>
+                      </a:txBody>
+                      <a:tcPr/>
+                    </a:tc>
+                    <a:extLst>
+                      <a:ext uri="{0D108BD9-81ED-4DB2-BD59-A6C34878D82A}">
+                        <a16:rowId xmlns:a16="http://schemas.microsoft.com/office/drawing/2014/main" val="122605989"/>
+                      </a:ext>
+                    </a:extLst>
+                  </a:tr>
+                  <a:tr h="370840">
+                    <a:tc>
+                      <a:txBody>
+                        <a:bodyPr/>
+                        <a:lstStyle/>
+                        <a:p>
+                          <a14:m>
+                            <m:oMathPara xmlns:m="http://schemas.openxmlformats.org/officeDocument/2006/math">
+                              <m:oMathParaPr>
+                                <m:jc m:val="centerGroup"/>
+                              </m:oMathParaPr>
+                              <m:oMath xmlns:m="http://schemas.openxmlformats.org/officeDocument/2006/math">
+                                <m:sSub>
+                                  <m:sSubPr>
+                                    <m:ctrlPr>
+                                      <a:rPr lang="fr-CA" sz="1600" i="1" smtClean="0">
+                                        <a:latin typeface="Cambria Math" panose="02040503050406030204" pitchFamily="18" charset="0"/>
+                                      </a:rPr>
+                                    </m:ctrlPr>
+                                  </m:sSubPr>
+                                  <m:e>
+                                    <m:r>
+                                      <a:rPr lang="fr-CA" sz="1600" b="0" i="1" smtClean="0">
+                                        <a:latin typeface="Cambria Math" panose="02040503050406030204" pitchFamily="18" charset="0"/>
+                                      </a:rPr>
+                                      <m:t>𝐵</m:t>
+                                    </m:r>
+                                  </m:e>
+                                  <m:sub>
+                                    <m:r>
+                                      <a:rPr lang="fr-CA" sz="1600" b="0" i="1" smtClean="0">
+                                        <a:latin typeface="Cambria Math" panose="02040503050406030204" pitchFamily="18" charset="0"/>
+                                        <a:ea typeface="Cambria Math" panose="02040503050406030204" pitchFamily="18" charset="0"/>
+                                      </a:rPr>
+                                      <m:t>𝑏𝑜𝑖𝑠</m:t>
+                                    </m:r>
+                                  </m:sub>
+                                </m:sSub>
+                              </m:oMath>
+                            </m:oMathPara>
+                          </a14:m>
+                          <a:endParaRPr lang="fr-CA" sz="1600" dirty="0"/>
+                        </a:p>
+                      </a:txBody>
+                      <a:tcPr/>
+                    </a:tc>
+                    <a:tc>
+                      <a:txBody>
+                        <a:bodyPr/>
+                        <a:lstStyle/>
+                        <a:p>
+                          <a:r>
+                            <a:rPr lang="fr-CA" sz="1600" dirty="0"/>
+                            <a:t>Module d’élasticité du bois</a:t>
+                          </a:r>
+                        </a:p>
+                      </a:txBody>
+                      <a:tcPr/>
+                    </a:tc>
+                    <a:tc>
+                      <a:txBody>
+                        <a:bodyPr/>
+                        <a:lstStyle/>
+                        <a:p>
+                          <a:pPr marL="0" marR="0" lvl="0" indent="0" algn="l" defTabSz="457200" rtl="0" eaLnBrk="1" fontAlgn="auto" latinLnBrk="0" hangingPunct="1">
+                            <a:lnSpc>
+                              <a:spcPct val="100000"/>
+                            </a:lnSpc>
+                            <a:spcBef>
+                              <a:spcPts val="0"/>
+                            </a:spcBef>
+                            <a:spcAft>
+                              <a:spcPts val="0"/>
+                            </a:spcAft>
+                            <a:buClrTx/>
+                            <a:buSzTx/>
+                            <a:buFontTx/>
+                            <a:buNone/>
+                            <a:tabLst/>
+                            <a:defRPr/>
+                          </a:pPr>
+                          <a:r>
+                            <a:rPr lang="fr-CA" sz="1600" dirty="0"/>
+                            <a:t>10</a:t>
+                          </a:r>
+                          <a:r>
+                            <a:rPr lang="fr-CA" sz="1600" baseline="30000" dirty="0"/>
+                            <a:t>10</a:t>
+                          </a:r>
+                          <a:r>
+                            <a:rPr lang="fr-CA" sz="1600" dirty="0"/>
+                            <a:t> Pa</a:t>
+                          </a:r>
+                        </a:p>
+                      </a:txBody>
+                      <a:tcPr/>
+                    </a:tc>
+                    <a:extLst>
+                      <a:ext uri="{0D108BD9-81ED-4DB2-BD59-A6C34878D82A}">
+                        <a16:rowId xmlns:a16="http://schemas.microsoft.com/office/drawing/2014/main" val="1362088116"/>
+                      </a:ext>
+                    </a:extLst>
+                  </a:tr>
+                  <a:tr h="370840">
+                    <a:tc>
+                      <a:txBody>
+                        <a:bodyPr/>
+                        <a:lstStyle/>
+                        <a:p>
+                          <a14:m>
+                            <m:oMathPara xmlns:m="http://schemas.openxmlformats.org/officeDocument/2006/math">
+                              <m:oMathParaPr>
+                                <m:jc m:val="centerGroup"/>
+                              </m:oMathParaPr>
+                              <m:oMath xmlns:m="http://schemas.openxmlformats.org/officeDocument/2006/math">
+                                <m:r>
+                                  <a:rPr lang="fr-CA" sz="1600" i="1" smtClean="0">
+                                    <a:latin typeface="Cambria Math" panose="02040503050406030204" pitchFamily="18" charset="0"/>
+                                    <a:ea typeface="Cambria Math" panose="02040503050406030204" pitchFamily="18" charset="0"/>
+                                  </a:rPr>
+                                  <m:t>𝜔</m:t>
+                                </m:r>
+                              </m:oMath>
+                            </m:oMathPara>
+                          </a14:m>
+                          <a:endParaRPr lang="fr-CA" sz="1600" dirty="0"/>
+                        </a:p>
+                      </a:txBody>
+                      <a:tcPr/>
+                    </a:tc>
+                    <a:tc>
+                      <a:txBody>
+                        <a:bodyPr/>
+                        <a:lstStyle/>
+                        <a:p>
+                          <a:r>
+                            <a:rPr lang="fr-CA" sz="1600" dirty="0"/>
+                            <a:t>Plage de fréquences du sonar</a:t>
+                          </a:r>
+                        </a:p>
+                      </a:txBody>
+                      <a:tcPr/>
+                    </a:tc>
+                    <a:tc>
+                      <a:txBody>
+                        <a:bodyPr/>
+                        <a:lstStyle/>
+                        <a:p>
+                          <a:r>
+                            <a:rPr lang="fr-CA" sz="1600" dirty="0"/>
+                            <a:t>100 Hz à 10 kHz</a:t>
+                          </a:r>
+                        </a:p>
+                      </a:txBody>
+                      <a:tcPr/>
+                    </a:tc>
+                    <a:extLst>
+                      <a:ext uri="{0D108BD9-81ED-4DB2-BD59-A6C34878D82A}">
+                        <a16:rowId xmlns:a16="http://schemas.microsoft.com/office/drawing/2014/main" val="175491297"/>
+                      </a:ext>
+                    </a:extLst>
+                  </a:tr>
+                  <a:tr h="370840">
+                    <a:tc>
+                      <a:txBody>
+                        <a:bodyPr/>
+                        <a:lstStyle/>
+                        <a:p>
+                          <a14:m>
+                            <m:oMathPara xmlns:m="http://schemas.openxmlformats.org/officeDocument/2006/math">
+                              <m:oMathParaPr>
+                                <m:jc m:val="centerGroup"/>
+                              </m:oMathParaPr>
+                              <m:oMath xmlns:m="http://schemas.openxmlformats.org/officeDocument/2006/math">
+                                <m:r>
+                                  <a:rPr lang="fr-CA" sz="1600" b="0" i="1" smtClean="0">
+                                    <a:latin typeface="Cambria Math" panose="02040503050406030204" pitchFamily="18" charset="0"/>
+                                  </a:rPr>
+                                  <m:t>𝑁</m:t>
+                                </m:r>
+                              </m:oMath>
+                            </m:oMathPara>
+                          </a14:m>
+                          <a:endParaRPr lang="fr-CA" sz="1600" dirty="0"/>
+                        </a:p>
+                      </a:txBody>
+                      <a:tcPr/>
+                    </a:tc>
+                    <a:tc>
+                      <a:txBody>
+                        <a:bodyPr/>
+                        <a:lstStyle/>
+                        <a:p>
+                          <a:r>
+                            <a:rPr lang="fr-CA" sz="1600" dirty="0"/>
+                            <a:t>Plage de pas de discrétisation</a:t>
+                          </a:r>
+                        </a:p>
+                      </a:txBody>
+                      <a:tcPr/>
+                    </a:tc>
+                    <a:tc>
+                      <a:txBody>
+                        <a:bodyPr/>
+                        <a:lstStyle/>
+                        <a:p>
+                          <a:r>
+                            <a:rPr lang="fr-CA" sz="1600" dirty="0"/>
+                            <a:t>1.7 cm à 17 cm</a:t>
+                          </a:r>
+                        </a:p>
+                      </a:txBody>
+                      <a:tcPr/>
+                    </a:tc>
+                    <a:extLst>
+                      <a:ext uri="{0D108BD9-81ED-4DB2-BD59-A6C34878D82A}">
+                        <a16:rowId xmlns:a16="http://schemas.microsoft.com/office/drawing/2014/main" val="4086683385"/>
+                      </a:ext>
+                    </a:extLst>
+                  </a:tr>
+                  <a:tr h="370840">
+                    <a:tc>
+                      <a:txBody>
+                        <a:bodyPr/>
+                        <a:lstStyle/>
+                        <a:p>
+                          <a14:m>
+                            <m:oMathPara xmlns:m="http://schemas.openxmlformats.org/officeDocument/2006/math">
+                              <m:oMathParaPr>
+                                <m:jc m:val="centerGroup"/>
+                              </m:oMathParaPr>
+                              <m:oMath xmlns:m="http://schemas.openxmlformats.org/officeDocument/2006/math">
+                                <m:r>
+                                  <a:rPr lang="fr-CA" sz="1600" i="1" smtClean="0">
+                                    <a:latin typeface="Cambria Math" panose="02040503050406030204" pitchFamily="18" charset="0"/>
+                                    <a:ea typeface="Cambria Math" panose="02040503050406030204" pitchFamily="18" charset="0"/>
+                                  </a:rPr>
+                                  <m:t>𝛼</m:t>
+                                </m:r>
+                              </m:oMath>
+                            </m:oMathPara>
+                          </a14:m>
+                          <a:endParaRPr lang="fr-CA" sz="1600" dirty="0"/>
+                        </a:p>
+                      </a:txBody>
+                      <a:tcPr/>
+                    </a:tc>
+                    <a:tc>
+                      <a:txBody>
+                        <a:bodyPr/>
+                        <a:lstStyle/>
+                        <a:p>
+                          <a:r>
+                            <a:rPr lang="fr-CA" sz="1600" dirty="0"/>
+                            <a:t>Angle de la pointe du triangle</a:t>
+                          </a:r>
+                        </a:p>
+                      </a:txBody>
+                      <a:tcPr/>
+                    </a:tc>
+                    <a:tc>
+                      <a:txBody>
+                        <a:bodyPr/>
+                        <a:lstStyle/>
+                        <a:p>
+                          <a:pPr marL="0" marR="0" lvl="0" indent="0" algn="l" defTabSz="457200" rtl="0" eaLnBrk="1" fontAlgn="auto" latinLnBrk="0" hangingPunct="1">
+                            <a:lnSpc>
+                              <a:spcPct val="100000"/>
+                            </a:lnSpc>
+                            <a:spcBef>
+                              <a:spcPts val="0"/>
+                            </a:spcBef>
+                            <a:spcAft>
+                              <a:spcPts val="0"/>
+                            </a:spcAft>
+                            <a:buClrTx/>
+                            <a:buSzTx/>
+                            <a:buFontTx/>
+                            <a:buNone/>
+                            <a:tabLst/>
+                            <a:defRPr/>
+                          </a:pPr>
+                          <a:r>
+                            <a:rPr lang="el-GR" sz="1600" dirty="0"/>
+                            <a:t>π</a:t>
+                          </a:r>
+                          <a:r>
+                            <a:rPr lang="fr-CA" sz="1600" dirty="0"/>
+                            <a:t>/8 rad à 7</a:t>
+                          </a:r>
+                          <a:r>
+                            <a:rPr lang="el-GR" sz="1600" dirty="0"/>
+                            <a:t>π</a:t>
+                          </a:r>
+                          <a:r>
+                            <a:rPr lang="fr-CA" sz="1600" dirty="0"/>
+                            <a:t>/8 rad</a:t>
+                          </a:r>
+                        </a:p>
+                      </a:txBody>
+                      <a:tcPr/>
+                    </a:tc>
+                    <a:extLst>
+                      <a:ext uri="{0D108BD9-81ED-4DB2-BD59-A6C34878D82A}">
+                        <a16:rowId xmlns:a16="http://schemas.microsoft.com/office/drawing/2014/main" val="1852928695"/>
+                      </a:ext>
+                    </a:extLst>
+                  </a:tr>
+                  <a:tr h="370840">
+                    <a:tc>
+                      <a:txBody>
+                        <a:bodyPr/>
+                        <a:lstStyle/>
+                        <a:p>
+                          <a14:m>
+                            <m:oMathPara xmlns:m="http://schemas.openxmlformats.org/officeDocument/2006/math">
+                              <m:oMathParaPr>
+                                <m:jc m:val="centerGroup"/>
+                              </m:oMathParaPr>
+                              <m:oMath xmlns:m="http://schemas.openxmlformats.org/officeDocument/2006/math">
+                                <m:r>
+                                  <a:rPr lang="fr-CA" sz="1600" b="0" i="1" smtClean="0">
+                                    <a:latin typeface="Cambria Math" panose="02040503050406030204" pitchFamily="18" charset="0"/>
+                                  </a:rPr>
+                                  <m:t>𝑅</m:t>
+                                </m:r>
+                              </m:oMath>
+                            </m:oMathPara>
+                          </a14:m>
+                          <a:endParaRPr lang="fr-CA" sz="1600" dirty="0"/>
+                        </a:p>
+                      </a:txBody>
+                      <a:tcPr/>
+                    </a:tc>
+                    <a:tc>
+                      <a:txBody>
+                        <a:bodyPr/>
+                        <a:lstStyle/>
+                        <a:p>
+                          <a:r>
+                            <a:rPr lang="fr-CA" sz="1600" dirty="0"/>
+                            <a:t>Rayon du cercle</a:t>
+                          </a:r>
+                        </a:p>
+                      </a:txBody>
+                      <a:tcPr/>
+                    </a:tc>
+                    <a:tc>
+                      <a:txBody>
+                        <a:bodyPr/>
+                        <a:lstStyle/>
+                        <a:p>
+                          <a:r>
+                            <a:rPr lang="fr-CA" sz="1600" dirty="0"/>
+                            <a:t>0.5m à 2.5m</a:t>
+                          </a:r>
+                        </a:p>
+                      </a:txBody>
+                      <a:tcPr/>
+                    </a:tc>
+                    <a:extLst>
+                      <a:ext uri="{0D108BD9-81ED-4DB2-BD59-A6C34878D82A}">
+                        <a16:rowId xmlns:a16="http://schemas.microsoft.com/office/drawing/2014/main" val="178195317"/>
+                      </a:ext>
+                    </a:extLst>
+                  </a:tr>
+                </a:tbl>
+              </a:graphicData>
+            </a:graphic>
+          </p:graphicFrame>
+        </mc:Choice>
+        <mc:Fallback>
+          <p:graphicFrame>
+            <p:nvGraphicFramePr>
+              <p:cNvPr id="8" name="Tableau 8">
+                <a:extLst>
+                  <a:ext uri="{FF2B5EF4-FFF2-40B4-BE49-F238E27FC236}">
+                    <a16:creationId xmlns:a16="http://schemas.microsoft.com/office/drawing/2014/main" id="{3050C28A-26C1-43C6-8CDC-12ECA233071D}"/>
+                  </a:ext>
+                </a:extLst>
+              </p:cNvPr>
+              <p:cNvGraphicFramePr>
+                <a:graphicFrameLocks noGrp="1"/>
+              </p:cNvGraphicFramePr>
+              <p:nvPr>
+                <p:extLst>
+                  <p:ext uri="{D42A27DB-BD31-4B8C-83A1-F6EECF244321}">
+                    <p14:modId xmlns:p14="http://schemas.microsoft.com/office/powerpoint/2010/main" val="2268109437"/>
+                  </p:ext>
+                </p:extLst>
+              </p:nvPr>
+            </p:nvGraphicFramePr>
+            <p:xfrm>
+              <a:off x="396920" y="1971792"/>
+              <a:ext cx="6356218" cy="4088810"/>
+            </p:xfrm>
+            <a:graphic>
+              <a:graphicData uri="http://schemas.openxmlformats.org/drawingml/2006/table">
+                <a:tbl>
+                  <a:tblPr firstRow="1" bandRow="1">
+                    <a:tableStyleId>{5C22544A-7EE6-4342-B048-85BDC9FD1C3A}</a:tableStyleId>
+                  </a:tblPr>
+                  <a:tblGrid>
+                    <a:gridCol w="995652">
+                      <a:extLst>
+                        <a:ext uri="{9D8B030D-6E8A-4147-A177-3AD203B41FA5}">
+                          <a16:colId xmlns:a16="http://schemas.microsoft.com/office/drawing/2014/main" val="3233838604"/>
+                        </a:ext>
+                      </a:extLst>
+                    </a:gridCol>
+                    <a:gridCol w="3405931">
+                      <a:extLst>
+                        <a:ext uri="{9D8B030D-6E8A-4147-A177-3AD203B41FA5}">
+                          <a16:colId xmlns:a16="http://schemas.microsoft.com/office/drawing/2014/main" val="4009959583"/>
+                        </a:ext>
+                      </a:extLst>
+                    </a:gridCol>
+                    <a:gridCol w="1954635">
+                      <a:extLst>
+                        <a:ext uri="{9D8B030D-6E8A-4147-A177-3AD203B41FA5}">
+                          <a16:colId xmlns:a16="http://schemas.microsoft.com/office/drawing/2014/main" val="2632752830"/>
+                        </a:ext>
+                      </a:extLst>
+                    </a:gridCol>
+                  </a:tblGrid>
+                  <a:tr h="380410">
+                    <a:tc>
+                      <a:txBody>
+                        <a:bodyPr/>
+                        <a:lstStyle/>
+                        <a:p>
+                          <a:pPr algn="ctr"/>
+                          <a:r>
+                            <a:rPr lang="fr-CA" sz="1600" dirty="0"/>
+                            <a:t>Symbole</a:t>
+                          </a:r>
+                        </a:p>
+                      </a:txBody>
+                      <a:tcPr anchor="ctr"/>
+                    </a:tc>
+                    <a:tc>
+                      <a:txBody>
+                        <a:bodyPr/>
+                        <a:lstStyle/>
+                        <a:p>
+                          <a:pPr marL="0" marR="0" lvl="0" indent="0" algn="ctr" defTabSz="457200" rtl="0" eaLnBrk="1" fontAlgn="auto" latinLnBrk="0" hangingPunct="1">
+                            <a:lnSpc>
+                              <a:spcPct val="100000"/>
+                            </a:lnSpc>
+                            <a:spcBef>
+                              <a:spcPts val="0"/>
+                            </a:spcBef>
+                            <a:spcAft>
+                              <a:spcPts val="0"/>
+                            </a:spcAft>
+                            <a:buClrTx/>
+                            <a:buSzTx/>
+                            <a:buFontTx/>
+                            <a:buNone/>
+                            <a:tabLst/>
+                            <a:defRPr/>
+                          </a:pPr>
+                          <a:r>
+                            <a:rPr lang="fr-CA" sz="1600" dirty="0"/>
+                            <a:t>Nom du paramètre</a:t>
+                          </a:r>
+                        </a:p>
+                      </a:txBody>
+                      <a:tcPr anchor="ctr"/>
+                    </a:tc>
+                    <a:tc>
+                      <a:txBody>
+                        <a:bodyPr/>
+                        <a:lstStyle/>
+                        <a:p>
+                          <a:pPr algn="ctr"/>
+                          <a:r>
+                            <a:rPr lang="fr-CA" sz="1600" dirty="0"/>
+                            <a:t>Valeur</a:t>
+                          </a:r>
+                        </a:p>
+                      </a:txBody>
+                      <a:tcPr anchor="ctr"/>
+                    </a:tc>
+                    <a:extLst>
+                      <a:ext uri="{0D108BD9-81ED-4DB2-BD59-A6C34878D82A}">
+                        <a16:rowId xmlns:a16="http://schemas.microsoft.com/office/drawing/2014/main" val="2962888785"/>
+                      </a:ext>
+                    </a:extLst>
+                  </a:tr>
+                  <a:tr h="370840">
+                    <a:tc>
+                      <a:txBody>
+                        <a:bodyPr/>
+                        <a:lstStyle/>
+                        <a:p>
+                          <a:endParaRPr lang="fr-FR"/>
+                        </a:p>
+                      </a:txBody>
+                      <a:tcPr>
+                        <a:blipFill>
+                          <a:blip r:embed="rId2"/>
+                          <a:stretch>
+                            <a:fillRect l="-613" t="-106667" r="-542331" b="-923333"/>
+                          </a:stretch>
+                        </a:blipFill>
+                      </a:tcPr>
+                    </a:tc>
+                    <a:tc>
+                      <a:txBody>
+                        <a:bodyPr/>
+                        <a:lstStyle/>
+                        <a:p>
+                          <a:r>
+                            <a:rPr lang="fr-CA" sz="1600" dirty="0"/>
+                            <a:t>Densité de l’eau</a:t>
+                          </a:r>
+                        </a:p>
+                      </a:txBody>
+                      <a:tcPr/>
+                    </a:tc>
+                    <a:tc>
+                      <a:txBody>
+                        <a:bodyPr/>
+                        <a:lstStyle/>
+                        <a:p>
+                          <a:r>
+                            <a:rPr lang="fr-CA" sz="1600" dirty="0"/>
+                            <a:t>998.30 kg/m</a:t>
+                          </a:r>
+                          <a:r>
+                            <a:rPr lang="fr-CA" sz="1600" baseline="30000" dirty="0"/>
+                            <a:t>3</a:t>
+                          </a:r>
+                          <a:endParaRPr lang="fr-CA" sz="1600" dirty="0"/>
+                        </a:p>
+                      </a:txBody>
+                      <a:tcPr/>
+                    </a:tc>
+                    <a:extLst>
+                      <a:ext uri="{0D108BD9-81ED-4DB2-BD59-A6C34878D82A}">
+                        <a16:rowId xmlns:a16="http://schemas.microsoft.com/office/drawing/2014/main" val="1826788109"/>
+                      </a:ext>
+                    </a:extLst>
+                  </a:tr>
+                  <a:tr h="370840">
+                    <a:tc>
+                      <a:txBody>
+                        <a:bodyPr/>
+                        <a:lstStyle/>
+                        <a:p>
+                          <a:endParaRPr lang="fr-FR"/>
+                        </a:p>
+                      </a:txBody>
+                      <a:tcPr>
+                        <a:blipFill>
+                          <a:blip r:embed="rId2"/>
+                          <a:stretch>
+                            <a:fillRect l="-613" t="-203279" r="-542331" b="-808197"/>
+                          </a:stretch>
+                        </a:blipFill>
+                      </a:tcPr>
+                    </a:tc>
+                    <a:tc>
+                      <a:txBody>
+                        <a:bodyPr/>
+                        <a:lstStyle/>
+                        <a:p>
+                          <a:r>
+                            <a:rPr lang="fr-CA" sz="1600" dirty="0"/>
+                            <a:t>Densité du bois</a:t>
+                          </a:r>
+                        </a:p>
+                      </a:txBody>
+                      <a:tcPr/>
+                    </a:tc>
+                    <a:tc>
+                      <a:txBody>
+                        <a:bodyPr/>
+                        <a:lstStyle/>
+                        <a:p>
+                          <a:r>
+                            <a:rPr lang="fr-CA" sz="1600" dirty="0"/>
+                            <a:t>640.72 kg/m</a:t>
+                          </a:r>
+                          <a:r>
+                            <a:rPr lang="fr-CA" sz="1600" baseline="30000" dirty="0"/>
+                            <a:t>3</a:t>
+                          </a:r>
+                          <a:endParaRPr lang="fr-CA" sz="1600" dirty="0"/>
+                        </a:p>
+                      </a:txBody>
+                      <a:tcPr/>
+                    </a:tc>
+                    <a:extLst>
+                      <a:ext uri="{0D108BD9-81ED-4DB2-BD59-A6C34878D82A}">
+                        <a16:rowId xmlns:a16="http://schemas.microsoft.com/office/drawing/2014/main" val="403586237"/>
+                      </a:ext>
+                    </a:extLst>
+                  </a:tr>
+                  <a:tr h="370840">
+                    <a:tc>
+                      <a:txBody>
+                        <a:bodyPr/>
+                        <a:lstStyle/>
+                        <a:p>
+                          <a:endParaRPr lang="fr-FR"/>
+                        </a:p>
+                      </a:txBody>
+                      <a:tcPr>
+                        <a:blipFill>
+                          <a:blip r:embed="rId2"/>
+                          <a:stretch>
+                            <a:fillRect l="-613" t="-303279" r="-542331" b="-708197"/>
+                          </a:stretch>
+                        </a:blipFill>
+                      </a:tcPr>
+                    </a:tc>
+                    <a:tc>
+                      <a:txBody>
+                        <a:bodyPr/>
+                        <a:lstStyle/>
+                        <a:p>
+                          <a:r>
+                            <a:rPr lang="fr-CA" sz="1600" dirty="0"/>
+                            <a:t>Coefficient d’atténuation de l’eau</a:t>
+                          </a:r>
+                        </a:p>
+                      </a:txBody>
+                      <a:tcPr/>
+                    </a:tc>
+                    <a:tc>
+                      <a:txBody>
+                        <a:bodyPr/>
+                        <a:lstStyle/>
+                        <a:p>
+                          <a:r>
+                            <a:rPr lang="fr-CA" sz="1600" dirty="0"/>
+                            <a:t>1.18 Pa</a:t>
+                          </a:r>
+                          <a:r>
+                            <a:rPr lang="fr-CA" sz="1600" baseline="30000" dirty="0"/>
+                            <a:t>-1</a:t>
+                          </a:r>
+                          <a:r>
+                            <a:rPr lang="fr-CA" sz="1600" baseline="0" dirty="0"/>
+                            <a:t>s</a:t>
+                          </a:r>
+                          <a:r>
+                            <a:rPr lang="fr-CA" sz="1600" baseline="30000" dirty="0"/>
+                            <a:t>-1</a:t>
+                          </a:r>
+                          <a:endParaRPr lang="fr-CA" sz="1600" dirty="0"/>
+                        </a:p>
+                      </a:txBody>
+                      <a:tcPr/>
+                    </a:tc>
+                    <a:extLst>
+                      <a:ext uri="{0D108BD9-81ED-4DB2-BD59-A6C34878D82A}">
+                        <a16:rowId xmlns:a16="http://schemas.microsoft.com/office/drawing/2014/main" val="3067625285"/>
+                      </a:ext>
+                    </a:extLst>
+                  </a:tr>
+                  <a:tr h="370840">
+                    <a:tc>
+                      <a:txBody>
+                        <a:bodyPr/>
+                        <a:lstStyle/>
+                        <a:p>
+                          <a:endParaRPr lang="fr-FR"/>
+                        </a:p>
+                      </a:txBody>
+                      <a:tcPr>
+                        <a:blipFill>
+                          <a:blip r:embed="rId2"/>
+                          <a:stretch>
+                            <a:fillRect l="-613" t="-403279" r="-542331" b="-608197"/>
+                          </a:stretch>
+                        </a:blipFill>
+                      </a:tcPr>
+                    </a:tc>
+                    <a:tc>
+                      <a:txBody>
+                        <a:bodyPr/>
+                        <a:lstStyle/>
+                        <a:p>
+                          <a:pPr marL="0" marR="0" lvl="0" indent="0" algn="l" defTabSz="457200" rtl="0" eaLnBrk="1" fontAlgn="auto" latinLnBrk="0" hangingPunct="1">
+                            <a:lnSpc>
+                              <a:spcPct val="100000"/>
+                            </a:lnSpc>
+                            <a:spcBef>
+                              <a:spcPts val="0"/>
+                            </a:spcBef>
+                            <a:spcAft>
+                              <a:spcPts val="0"/>
+                            </a:spcAft>
+                            <a:buClrTx/>
+                            <a:buSzTx/>
+                            <a:buFontTx/>
+                            <a:buNone/>
+                            <a:tabLst/>
+                            <a:defRPr/>
+                          </a:pPr>
+                          <a:r>
+                            <a:rPr lang="fr-CA" sz="1600" dirty="0"/>
+                            <a:t>Coefficient d’atténuation du bois</a:t>
+                          </a:r>
+                        </a:p>
+                      </a:txBody>
+                      <a:tcPr/>
+                    </a:tc>
+                    <a:tc>
+                      <a:txBody>
+                        <a:bodyPr/>
+                        <a:lstStyle/>
+                        <a:p>
+                          <a:pPr marL="0" marR="0" lvl="0" indent="0" algn="l" defTabSz="457200" rtl="0" eaLnBrk="1" fontAlgn="auto" latinLnBrk="0" hangingPunct="1">
+                            <a:lnSpc>
+                              <a:spcPct val="100000"/>
+                            </a:lnSpc>
+                            <a:spcBef>
+                              <a:spcPts val="0"/>
+                            </a:spcBef>
+                            <a:spcAft>
+                              <a:spcPts val="0"/>
+                            </a:spcAft>
+                            <a:buClrTx/>
+                            <a:buSzTx/>
+                            <a:buFontTx/>
+                            <a:buNone/>
+                            <a:tabLst/>
+                            <a:defRPr/>
+                          </a:pPr>
+                          <a:r>
+                            <a:rPr lang="fr-CA" sz="1600" dirty="0"/>
+                            <a:t>3.21×10</a:t>
+                          </a:r>
+                          <a:r>
+                            <a:rPr lang="fr-CA" sz="1600" baseline="30000" dirty="0"/>
+                            <a:t>-4</a:t>
+                          </a:r>
+                          <a:r>
+                            <a:rPr lang="fr-CA" sz="1600" dirty="0"/>
+                            <a:t> Pa</a:t>
+                          </a:r>
+                          <a:r>
+                            <a:rPr lang="fr-CA" sz="1600" baseline="30000" dirty="0"/>
+                            <a:t>-1</a:t>
+                          </a:r>
+                          <a:r>
+                            <a:rPr lang="fr-CA" sz="1600" baseline="0" dirty="0"/>
+                            <a:t>s</a:t>
+                          </a:r>
+                          <a:r>
+                            <a:rPr lang="fr-CA" sz="1600" baseline="30000" dirty="0"/>
+                            <a:t>-1</a:t>
+                          </a:r>
+                          <a:endParaRPr lang="fr-CA" sz="1600" dirty="0"/>
+                        </a:p>
+                      </a:txBody>
+                      <a:tcPr/>
+                    </a:tc>
+                    <a:extLst>
+                      <a:ext uri="{0D108BD9-81ED-4DB2-BD59-A6C34878D82A}">
+                        <a16:rowId xmlns:a16="http://schemas.microsoft.com/office/drawing/2014/main" val="3470204885"/>
+                      </a:ext>
+                    </a:extLst>
+                  </a:tr>
+                  <a:tr h="370840">
+                    <a:tc>
+                      <a:txBody>
+                        <a:bodyPr/>
+                        <a:lstStyle/>
+                        <a:p>
+                          <a:endParaRPr lang="fr-FR"/>
+                        </a:p>
+                      </a:txBody>
+                      <a:tcPr>
+                        <a:blipFill>
+                          <a:blip r:embed="rId2"/>
+                          <a:stretch>
+                            <a:fillRect l="-613" t="-503279" r="-542331" b="-508197"/>
+                          </a:stretch>
+                        </a:blipFill>
+                      </a:tcPr>
+                    </a:tc>
+                    <a:tc>
+                      <a:txBody>
+                        <a:bodyPr/>
+                        <a:lstStyle/>
+                        <a:p>
+                          <a:r>
+                            <a:rPr lang="fr-CA" sz="1600" dirty="0"/>
+                            <a:t>Module d’élasticité de l’eau</a:t>
+                          </a:r>
+                        </a:p>
+                      </a:txBody>
+                      <a:tcPr/>
+                    </a:tc>
+                    <a:tc>
+                      <a:txBody>
+                        <a:bodyPr/>
+                        <a:lstStyle/>
+                        <a:p>
+                          <a:pPr marL="0" marR="0" lvl="0" indent="0" algn="l" defTabSz="457200" rtl="0" eaLnBrk="1" fontAlgn="auto" latinLnBrk="0" hangingPunct="1">
+                            <a:lnSpc>
+                              <a:spcPct val="100000"/>
+                            </a:lnSpc>
+                            <a:spcBef>
+                              <a:spcPts val="0"/>
+                            </a:spcBef>
+                            <a:spcAft>
+                              <a:spcPts val="0"/>
+                            </a:spcAft>
+                            <a:buClrTx/>
+                            <a:buSzTx/>
+                            <a:buFontTx/>
+                            <a:buNone/>
+                            <a:tabLst/>
+                            <a:defRPr/>
+                          </a:pPr>
+                          <a:r>
+                            <a:rPr lang="fr-CA" sz="1600" dirty="0"/>
+                            <a:t>2.15×10</a:t>
+                          </a:r>
+                          <a:r>
+                            <a:rPr lang="fr-CA" sz="1600" baseline="30000" dirty="0"/>
+                            <a:t>9</a:t>
+                          </a:r>
+                          <a:r>
+                            <a:rPr lang="fr-CA" sz="1600" dirty="0"/>
+                            <a:t> Pa</a:t>
+                          </a:r>
+                        </a:p>
+                      </a:txBody>
+                      <a:tcPr/>
+                    </a:tc>
+                    <a:extLst>
+                      <a:ext uri="{0D108BD9-81ED-4DB2-BD59-A6C34878D82A}">
+                        <a16:rowId xmlns:a16="http://schemas.microsoft.com/office/drawing/2014/main" val="122605989"/>
+                      </a:ext>
+                    </a:extLst>
+                  </a:tr>
+                  <a:tr h="370840">
+                    <a:tc>
+                      <a:txBody>
+                        <a:bodyPr/>
+                        <a:lstStyle/>
+                        <a:p>
+                          <a:endParaRPr lang="fr-FR"/>
+                        </a:p>
+                      </a:txBody>
+                      <a:tcPr>
+                        <a:blipFill>
+                          <a:blip r:embed="rId2"/>
+                          <a:stretch>
+                            <a:fillRect l="-613" t="-603279" r="-542331" b="-408197"/>
+                          </a:stretch>
+                        </a:blipFill>
+                      </a:tcPr>
+                    </a:tc>
+                    <a:tc>
+                      <a:txBody>
+                        <a:bodyPr/>
+                        <a:lstStyle/>
+                        <a:p>
+                          <a:r>
+                            <a:rPr lang="fr-CA" sz="1600" dirty="0"/>
+                            <a:t>Module d’élasticité du bois</a:t>
+                          </a:r>
+                        </a:p>
+                      </a:txBody>
+                      <a:tcPr/>
+                    </a:tc>
+                    <a:tc>
+                      <a:txBody>
+                        <a:bodyPr/>
+                        <a:lstStyle/>
+                        <a:p>
+                          <a:pPr marL="0" marR="0" lvl="0" indent="0" algn="l" defTabSz="457200" rtl="0" eaLnBrk="1" fontAlgn="auto" latinLnBrk="0" hangingPunct="1">
+                            <a:lnSpc>
+                              <a:spcPct val="100000"/>
+                            </a:lnSpc>
+                            <a:spcBef>
+                              <a:spcPts val="0"/>
+                            </a:spcBef>
+                            <a:spcAft>
+                              <a:spcPts val="0"/>
+                            </a:spcAft>
+                            <a:buClrTx/>
+                            <a:buSzTx/>
+                            <a:buFontTx/>
+                            <a:buNone/>
+                            <a:tabLst/>
+                            <a:defRPr/>
+                          </a:pPr>
+                          <a:r>
+                            <a:rPr lang="fr-CA" sz="1600" dirty="0"/>
+                            <a:t>10</a:t>
+                          </a:r>
+                          <a:r>
+                            <a:rPr lang="fr-CA" sz="1600" baseline="30000" dirty="0"/>
+                            <a:t>10</a:t>
+                          </a:r>
+                          <a:r>
+                            <a:rPr lang="fr-CA" sz="1600" dirty="0"/>
+                            <a:t> Pa</a:t>
+                          </a:r>
+                        </a:p>
+                      </a:txBody>
+                      <a:tcPr/>
+                    </a:tc>
+                    <a:extLst>
+                      <a:ext uri="{0D108BD9-81ED-4DB2-BD59-A6C34878D82A}">
+                        <a16:rowId xmlns:a16="http://schemas.microsoft.com/office/drawing/2014/main" val="1362088116"/>
+                      </a:ext>
+                    </a:extLst>
+                  </a:tr>
+                  <a:tr h="370840">
+                    <a:tc>
+                      <a:txBody>
+                        <a:bodyPr/>
+                        <a:lstStyle/>
+                        <a:p>
+                          <a:endParaRPr lang="fr-FR"/>
+                        </a:p>
+                      </a:txBody>
+                      <a:tcPr>
+                        <a:blipFill>
+                          <a:blip r:embed="rId2"/>
+                          <a:stretch>
+                            <a:fillRect l="-613" t="-703279" r="-542331" b="-308197"/>
+                          </a:stretch>
+                        </a:blipFill>
+                      </a:tcPr>
+                    </a:tc>
+                    <a:tc>
+                      <a:txBody>
+                        <a:bodyPr/>
+                        <a:lstStyle/>
+                        <a:p>
+                          <a:r>
+                            <a:rPr lang="fr-CA" sz="1600" dirty="0"/>
+                            <a:t>Plage de fréquences du sonar</a:t>
+                          </a:r>
+                        </a:p>
+                      </a:txBody>
+                      <a:tcPr/>
+                    </a:tc>
+                    <a:tc>
+                      <a:txBody>
+                        <a:bodyPr/>
+                        <a:lstStyle/>
+                        <a:p>
+                          <a:r>
+                            <a:rPr lang="fr-CA" sz="1600" dirty="0"/>
+                            <a:t>100 Hz à 10 kHz</a:t>
+                          </a:r>
+                        </a:p>
+                      </a:txBody>
+                      <a:tcPr/>
+                    </a:tc>
+                    <a:extLst>
+                      <a:ext uri="{0D108BD9-81ED-4DB2-BD59-A6C34878D82A}">
+                        <a16:rowId xmlns:a16="http://schemas.microsoft.com/office/drawing/2014/main" val="175491297"/>
+                      </a:ext>
+                    </a:extLst>
+                  </a:tr>
+                  <a:tr h="370840">
+                    <a:tc>
+                      <a:txBody>
+                        <a:bodyPr/>
+                        <a:lstStyle/>
+                        <a:p>
+                          <a:endParaRPr lang="fr-FR"/>
+                        </a:p>
+                      </a:txBody>
+                      <a:tcPr>
+                        <a:blipFill>
+                          <a:blip r:embed="rId2"/>
+                          <a:stretch>
+                            <a:fillRect l="-613" t="-803279" r="-542331" b="-208197"/>
+                          </a:stretch>
+                        </a:blipFill>
+                      </a:tcPr>
+                    </a:tc>
+                    <a:tc>
+                      <a:txBody>
+                        <a:bodyPr/>
+                        <a:lstStyle/>
+                        <a:p>
+                          <a:r>
+                            <a:rPr lang="fr-CA" sz="1600" dirty="0"/>
+                            <a:t>Plage de pas de discrétisation</a:t>
+                          </a:r>
+                        </a:p>
+                      </a:txBody>
+                      <a:tcPr/>
+                    </a:tc>
+                    <a:tc>
+                      <a:txBody>
+                        <a:bodyPr/>
+                        <a:lstStyle/>
+                        <a:p>
+                          <a:r>
+                            <a:rPr lang="fr-CA" sz="1600" dirty="0"/>
+                            <a:t>1.7 cm à 17 cm</a:t>
+                          </a:r>
+                        </a:p>
+                      </a:txBody>
+                      <a:tcPr/>
+                    </a:tc>
+                    <a:extLst>
+                      <a:ext uri="{0D108BD9-81ED-4DB2-BD59-A6C34878D82A}">
+                        <a16:rowId xmlns:a16="http://schemas.microsoft.com/office/drawing/2014/main" val="4086683385"/>
+                      </a:ext>
+                    </a:extLst>
+                  </a:tr>
+                  <a:tr h="370840">
+                    <a:tc>
+                      <a:txBody>
+                        <a:bodyPr/>
+                        <a:lstStyle/>
+                        <a:p>
+                          <a:endParaRPr lang="fr-FR"/>
+                        </a:p>
+                      </a:txBody>
+                      <a:tcPr>
+                        <a:blipFill>
+                          <a:blip r:embed="rId2"/>
+                          <a:stretch>
+                            <a:fillRect l="-613" t="-903279" r="-542331" b="-108197"/>
+                          </a:stretch>
+                        </a:blipFill>
+                      </a:tcPr>
+                    </a:tc>
+                    <a:tc>
+                      <a:txBody>
+                        <a:bodyPr/>
+                        <a:lstStyle/>
+                        <a:p>
+                          <a:r>
+                            <a:rPr lang="fr-CA" sz="1600" dirty="0"/>
+                            <a:t>Angle de la pointe du triangle</a:t>
+                          </a:r>
+                        </a:p>
+                      </a:txBody>
+                      <a:tcPr/>
+                    </a:tc>
+                    <a:tc>
+                      <a:txBody>
+                        <a:bodyPr/>
+                        <a:lstStyle/>
+                        <a:p>
+                          <a:pPr marL="0" marR="0" lvl="0" indent="0" algn="l" defTabSz="457200" rtl="0" eaLnBrk="1" fontAlgn="auto" latinLnBrk="0" hangingPunct="1">
+                            <a:lnSpc>
+                              <a:spcPct val="100000"/>
+                            </a:lnSpc>
+                            <a:spcBef>
+                              <a:spcPts val="0"/>
+                            </a:spcBef>
+                            <a:spcAft>
+                              <a:spcPts val="0"/>
+                            </a:spcAft>
+                            <a:buClrTx/>
+                            <a:buSzTx/>
+                            <a:buFontTx/>
+                            <a:buNone/>
+                            <a:tabLst/>
+                            <a:defRPr/>
+                          </a:pPr>
+                          <a:r>
+                            <a:rPr lang="el-GR" sz="1600" dirty="0"/>
+                            <a:t>π</a:t>
+                          </a:r>
+                          <a:r>
+                            <a:rPr lang="fr-CA" sz="1600" dirty="0"/>
+                            <a:t>/8 rad à 7</a:t>
+                          </a:r>
+                          <a:r>
+                            <a:rPr lang="el-GR" sz="1600" dirty="0"/>
+                            <a:t>π</a:t>
+                          </a:r>
+                          <a:r>
+                            <a:rPr lang="fr-CA" sz="1600" dirty="0"/>
+                            <a:t>/8 rad</a:t>
+                          </a:r>
+                        </a:p>
+                      </a:txBody>
+                      <a:tcPr/>
+                    </a:tc>
+                    <a:extLst>
+                      <a:ext uri="{0D108BD9-81ED-4DB2-BD59-A6C34878D82A}">
+                        <a16:rowId xmlns:a16="http://schemas.microsoft.com/office/drawing/2014/main" val="1852928695"/>
+                      </a:ext>
+                    </a:extLst>
+                  </a:tr>
+                  <a:tr h="370840">
+                    <a:tc>
+                      <a:txBody>
+                        <a:bodyPr/>
+                        <a:lstStyle/>
+                        <a:p>
+                          <a:endParaRPr lang="fr-FR"/>
+                        </a:p>
+                      </a:txBody>
+                      <a:tcPr>
+                        <a:blipFill>
+                          <a:blip r:embed="rId2"/>
+                          <a:stretch>
+                            <a:fillRect l="-613" t="-1003279" r="-542331" b="-8197"/>
+                          </a:stretch>
+                        </a:blipFill>
+                      </a:tcPr>
+                    </a:tc>
+                    <a:tc>
+                      <a:txBody>
+                        <a:bodyPr/>
+                        <a:lstStyle/>
+                        <a:p>
+                          <a:r>
+                            <a:rPr lang="fr-CA" sz="1600" dirty="0"/>
+                            <a:t>Rayon du cercle</a:t>
+                          </a:r>
+                        </a:p>
+                      </a:txBody>
+                      <a:tcPr/>
+                    </a:tc>
+                    <a:tc>
+                      <a:txBody>
+                        <a:bodyPr/>
+                        <a:lstStyle/>
+                        <a:p>
+                          <a:r>
+                            <a:rPr lang="fr-CA" sz="1600" dirty="0"/>
+                            <a:t>0.5m à 2.5m</a:t>
+                          </a:r>
+                        </a:p>
+                      </a:txBody>
+                      <a:tcPr/>
+                    </a:tc>
+                    <a:extLst>
+                      <a:ext uri="{0D108BD9-81ED-4DB2-BD59-A6C34878D82A}">
+                        <a16:rowId xmlns:a16="http://schemas.microsoft.com/office/drawing/2014/main" val="178195317"/>
+                      </a:ext>
+                    </a:extLst>
+                  </a:tr>
+                </a:tbl>
+              </a:graphicData>
+            </a:graphic>
+          </p:graphicFrame>
+        </mc:Fallback>
+      </mc:AlternateContent>
       <p:grpSp>
         <p:nvGrpSpPr>
-          <p:cNvPr id="7" name="Groupe 6">
+          <p:cNvPr id="21" name="Groupe 20">
             <a:extLst>
               <a:ext uri="{FF2B5EF4-FFF2-40B4-BE49-F238E27FC236}">
-                <a16:creationId xmlns:a16="http://schemas.microsoft.com/office/drawing/2014/main" id="{E486700F-0045-47BD-A95E-4C4AC8CB04B4}"/>
+                <a16:creationId xmlns:a16="http://schemas.microsoft.com/office/drawing/2014/main" id="{9E7EF0E7-ECAA-4BD1-A76E-39B02B91C377}"/>
               </a:ext>
             </a:extLst>
           </p:cNvPr>
@@ -16707,78 +18826,388 @@
         </p:nvGrpSpPr>
         <p:grpSpPr>
           <a:xfrm>
-            <a:off x="6600518" y="2287500"/>
-            <a:ext cx="3051847" cy="2477498"/>
-            <a:chOff x="6600518" y="2287500"/>
-            <a:chExt cx="3051847" cy="2477498"/>
+            <a:off x="6820320" y="1578298"/>
+            <a:ext cx="3096853" cy="2437899"/>
+            <a:chOff x="6820320" y="2114025"/>
+            <a:chExt cx="3096853" cy="2437899"/>
           </a:xfrm>
         </p:grpSpPr>
-        <p:pic>
-          <p:nvPicPr>
-            <p:cNvPr id="4" name="Image 3">
+        <p:grpSp>
+          <p:nvGrpSpPr>
+            <p:cNvPr id="7" name="Groupe 6">
               <a:extLst>
                 <a:ext uri="{FF2B5EF4-FFF2-40B4-BE49-F238E27FC236}">
-                  <a16:creationId xmlns:a16="http://schemas.microsoft.com/office/drawing/2014/main" id="{3ABC39F4-4A6D-4DB1-87F6-C1BC6F20B67E}"/>
+                  <a16:creationId xmlns:a16="http://schemas.microsoft.com/office/drawing/2014/main" id="{E486700F-0045-47BD-A95E-4C4AC8CB04B4}"/>
                 </a:ext>
               </a:extLst>
             </p:cNvPr>
-            <p:cNvPicPr>
-              <a:picLocks noChangeAspect="1"/>
-            </p:cNvPicPr>
+            <p:cNvGrpSpPr/>
             <p:nvPr/>
-          </p:nvPicPr>
-          <p:blipFill>
-            <a:blip r:embed="rId2"/>
-            <a:stretch>
-              <a:fillRect/>
-            </a:stretch>
-          </p:blipFill>
+          </p:nvGrpSpPr>
+          <p:grpSpPr>
+            <a:xfrm>
+              <a:off x="6820320" y="2114026"/>
+              <a:ext cx="3068610" cy="2437898"/>
+              <a:chOff x="6522503" y="2034447"/>
+              <a:chExt cx="3243343" cy="2765729"/>
+            </a:xfrm>
+          </p:grpSpPr>
+          <p:pic>
+            <p:nvPicPr>
+              <p:cNvPr id="4" name="Image 3">
+                <a:extLst>
+                  <a:ext uri="{FF2B5EF4-FFF2-40B4-BE49-F238E27FC236}">
+                    <a16:creationId xmlns:a16="http://schemas.microsoft.com/office/drawing/2014/main" id="{3ABC39F4-4A6D-4DB1-87F6-C1BC6F20B67E}"/>
+                  </a:ext>
+                </a:extLst>
+              </p:cNvPr>
+              <p:cNvPicPr>
+                <a:picLocks noChangeAspect="1"/>
+              </p:cNvPicPr>
+              <p:nvPr/>
+            </p:nvPicPr>
+            <p:blipFill rotWithShape="1">
+              <a:blip r:embed="rId3"/>
+              <a:srcRect l="-1" t="-11823" r="-9308" b="-1"/>
+              <a:stretch/>
+            </p:blipFill>
+            <p:spPr>
+              <a:xfrm>
+                <a:off x="6600518" y="2034447"/>
+                <a:ext cx="3165328" cy="2393442"/>
+              </a:xfrm>
+              <a:prstGeom prst="rect">
+                <a:avLst/>
+              </a:prstGeom>
+              <a:solidFill>
+                <a:srgbClr val="FFFFFF">
+                  <a:shade val="85000"/>
+                </a:srgbClr>
+              </a:solidFill>
+              <a:ln w="88900" cap="sq">
+                <a:solidFill>
+                  <a:srgbClr val="FFFFFF"/>
+                </a:solidFill>
+                <a:miter lim="800000"/>
+              </a:ln>
+              <a:effectLst>
+                <a:outerShdw blurRad="55000" dist="18000" dir="5400000" algn="tl" rotWithShape="0">
+                  <a:srgbClr val="000000">
+                    <a:alpha val="40000"/>
+                  </a:srgbClr>
+                </a:outerShdw>
+              </a:effectLst>
+              <a:scene3d>
+                <a:camera prst="orthographicFront"/>
+                <a:lightRig rig="twoPt" dir="t">
+                  <a:rot lat="0" lon="0" rev="7200000"/>
+                </a:lightRig>
+              </a:scene3d>
+              <a:sp3d>
+                <a:bevelT w="25400" h="19050"/>
+                <a:contourClr>
+                  <a:srgbClr val="FFFFFF"/>
+                </a:contourClr>
+              </a:sp3d>
+            </p:spPr>
+          </p:pic>
+          <p:sp>
+            <p:nvSpPr>
+              <p:cNvPr id="6" name="ZoneTexte 5">
+                <a:extLst>
+                  <a:ext uri="{FF2B5EF4-FFF2-40B4-BE49-F238E27FC236}">
+                    <a16:creationId xmlns:a16="http://schemas.microsoft.com/office/drawing/2014/main" id="{B40D4757-0BC1-497E-8B9B-D16C0665CF85}"/>
+                  </a:ext>
+                </a:extLst>
+              </p:cNvPr>
+              <p:cNvSpPr txBox="1"/>
+              <p:nvPr/>
+            </p:nvSpPr>
+            <p:spPr>
+              <a:xfrm>
+                <a:off x="6522503" y="4503387"/>
+                <a:ext cx="3165328" cy="296789"/>
+              </a:xfrm>
+              <a:prstGeom prst="rect">
+                <a:avLst/>
+              </a:prstGeom>
+              <a:noFill/>
+            </p:spPr>
+            <p:txBody>
+              <a:bodyPr wrap="square" rtlCol="0">
+                <a:spAutoFit/>
+              </a:bodyPr>
+              <a:lstStyle/>
+              <a:p>
+                <a:r>
+                  <a:rPr lang="fr-CA" sz="1100" dirty="0">
+                    <a:solidFill>
+                      <a:schemeClr val="tx1">
+                        <a:lumMod val="85000"/>
+                        <a:lumOff val="15000"/>
+                      </a:schemeClr>
+                    </a:solidFill>
+                  </a:rPr>
+                  <a:t>Figure 4 : Différentes géométries de l’objet</a:t>
+                </a:r>
+              </a:p>
+            </p:txBody>
+          </p:sp>
+        </p:grpSp>
+        <p:sp>
+          <p:nvSpPr>
+            <p:cNvPr id="15" name="Rectangle 14">
+              <a:extLst>
+                <a:ext uri="{FF2B5EF4-FFF2-40B4-BE49-F238E27FC236}">
+                  <a16:creationId xmlns:a16="http://schemas.microsoft.com/office/drawing/2014/main" id="{722F84F0-7834-4F8B-9A9E-02C50ED54CAD}"/>
+                </a:ext>
+              </a:extLst>
+            </p:cNvPr>
+            <p:cNvSpPr/>
+            <p:nvPr/>
+          </p:nvSpPr>
           <p:spPr>
             <a:xfrm>
-              <a:off x="6600518" y="2287500"/>
-              <a:ext cx="2895819" cy="2140388"/>
+              <a:off x="6894132" y="2114027"/>
+              <a:ext cx="2994793" cy="230226"/>
             </a:xfrm>
             <a:prstGeom prst="rect">
               <a:avLst/>
             </a:prstGeom>
             <a:solidFill>
-              <a:srgbClr val="FFFFFF">
-                <a:shade val="85000"/>
-              </a:srgbClr>
+              <a:schemeClr val="bg1"/>
             </a:solidFill>
-            <a:ln w="88900" cap="sq">
-              <a:solidFill>
-                <a:srgbClr val="FFFFFF"/>
-              </a:solidFill>
-              <a:miter lim="800000"/>
+            <a:ln>
+              <a:noFill/>
             </a:ln>
-            <a:effectLst>
-              <a:outerShdw blurRad="55000" dist="18000" dir="5400000" algn="tl" rotWithShape="0">
-                <a:srgbClr val="000000">
-                  <a:alpha val="40000"/>
-                </a:srgbClr>
-              </a:outerShdw>
-            </a:effectLst>
-            <a:scene3d>
-              <a:camera prst="orthographicFront"/>
-              <a:lightRig rig="twoPt" dir="t">
-                <a:rot lat="0" lon="0" rev="7200000"/>
-              </a:lightRig>
-            </a:scene3d>
-            <a:sp3d>
-              <a:bevelT w="25400" h="19050"/>
-              <a:contourClr>
-                <a:srgbClr val="FFFFFF"/>
-              </a:contourClr>
-            </a:sp3d>
           </p:spPr>
-        </p:pic>
+          <p:style>
+            <a:lnRef idx="2">
+              <a:schemeClr val="accent1">
+                <a:shade val="50000"/>
+              </a:schemeClr>
+            </a:lnRef>
+            <a:fillRef idx="1">
+              <a:schemeClr val="accent1"/>
+            </a:fillRef>
+            <a:effectRef idx="0">
+              <a:schemeClr val="accent1"/>
+            </a:effectRef>
+            <a:fontRef idx="minor">
+              <a:schemeClr val="lt1"/>
+            </a:fontRef>
+          </p:style>
+          <p:txBody>
+            <a:bodyPr rtlCol="0" anchor="ctr"/>
+            <a:lstStyle/>
+            <a:p>
+              <a:pPr algn="ctr"/>
+              <a:endParaRPr lang="fr-CA"/>
+            </a:p>
+          </p:txBody>
+        </p:sp>
         <p:sp>
           <p:nvSpPr>
-            <p:cNvPr id="6" name="ZoneTexte 5">
+            <p:cNvPr id="16" name="Rectangle 15">
               <a:extLst>
                 <a:ext uri="{FF2B5EF4-FFF2-40B4-BE49-F238E27FC236}">
-                  <a16:creationId xmlns:a16="http://schemas.microsoft.com/office/drawing/2014/main" id="{B40D4757-0BC1-497E-8B9B-D16C0665CF85}"/>
+                  <a16:creationId xmlns:a16="http://schemas.microsoft.com/office/drawing/2014/main" id="{AB7D90D6-2025-4A79-AE19-67CE31181EDE}"/>
+                </a:ext>
+              </a:extLst>
+            </p:cNvPr>
+            <p:cNvSpPr/>
+            <p:nvPr/>
+          </p:nvSpPr>
+          <p:spPr>
+            <a:xfrm rot="5400000">
+              <a:off x="8805014" y="3113700"/>
+              <a:ext cx="1867975" cy="230228"/>
+            </a:xfrm>
+            <a:prstGeom prst="rect">
+              <a:avLst/>
+            </a:prstGeom>
+            <a:solidFill>
+              <a:schemeClr val="bg1"/>
+            </a:solidFill>
+            <a:ln>
+              <a:noFill/>
+            </a:ln>
+          </p:spPr>
+          <p:style>
+            <a:lnRef idx="2">
+              <a:schemeClr val="accent1">
+                <a:shade val="50000"/>
+              </a:schemeClr>
+            </a:lnRef>
+            <a:fillRef idx="1">
+              <a:schemeClr val="accent1"/>
+            </a:fillRef>
+            <a:effectRef idx="0">
+              <a:schemeClr val="accent1"/>
+            </a:effectRef>
+            <a:fontRef idx="minor">
+              <a:schemeClr val="lt1"/>
+            </a:fontRef>
+          </p:style>
+          <p:txBody>
+            <a:bodyPr rtlCol="0" anchor="ctr"/>
+            <a:lstStyle/>
+            <a:p>
+              <a:pPr algn="ctr"/>
+              <a:endParaRPr lang="fr-CA"/>
+            </a:p>
+          </p:txBody>
+        </p:sp>
+        <p:cxnSp>
+          <p:nvCxnSpPr>
+            <p:cNvPr id="11" name="Connecteur droit avec flèche 10">
+              <a:extLst>
+                <a:ext uri="{FF2B5EF4-FFF2-40B4-BE49-F238E27FC236}">
+                  <a16:creationId xmlns:a16="http://schemas.microsoft.com/office/drawing/2014/main" id="{9BCF5204-D6E6-4E46-8D36-6A74AF22B785}"/>
+                </a:ext>
+              </a:extLst>
+            </p:cNvPr>
+            <p:cNvCxnSpPr>
+              <a:cxnSpLocks/>
+            </p:cNvCxnSpPr>
+            <p:nvPr/>
+          </p:nvCxnSpPr>
+          <p:spPr>
+            <a:xfrm>
+              <a:off x="9687465" y="2372819"/>
+              <a:ext cx="0" cy="675181"/>
+            </a:xfrm>
+            <a:prstGeom prst="straightConnector1">
+              <a:avLst/>
+            </a:prstGeom>
+            <a:ln w="19050" cap="flat" cmpd="sng" algn="ctr">
+              <a:solidFill>
+                <a:schemeClr val="dk1"/>
+              </a:solidFill>
+              <a:prstDash val="solid"/>
+              <a:round/>
+              <a:headEnd type="arrow" w="med" len="med"/>
+              <a:tailEnd type="arrow" w="med" len="med"/>
+            </a:ln>
+          </p:spPr>
+          <p:style>
+            <a:lnRef idx="0">
+              <a:scrgbClr r="0" g="0" b="0"/>
+            </a:lnRef>
+            <a:fillRef idx="0">
+              <a:scrgbClr r="0" g="0" b="0"/>
+            </a:fillRef>
+            <a:effectRef idx="0">
+              <a:scrgbClr r="0" g="0" b="0"/>
+            </a:effectRef>
+            <a:fontRef idx="minor">
+              <a:schemeClr val="tx1"/>
+            </a:fontRef>
+          </p:style>
+        </p:cxnSp>
+        <p:cxnSp>
+          <p:nvCxnSpPr>
+            <p:cNvPr id="10" name="Connecteur droit avec flèche 9">
+              <a:extLst>
+                <a:ext uri="{FF2B5EF4-FFF2-40B4-BE49-F238E27FC236}">
+                  <a16:creationId xmlns:a16="http://schemas.microsoft.com/office/drawing/2014/main" id="{2BE8FB74-F4A1-43D5-B9C0-583FE76D581A}"/>
+                </a:ext>
+              </a:extLst>
+            </p:cNvPr>
+            <p:cNvCxnSpPr/>
+            <p:nvPr/>
+          </p:nvCxnSpPr>
+          <p:spPr>
+            <a:xfrm>
+              <a:off x="7608498" y="2254370"/>
+              <a:ext cx="1949570" cy="0"/>
+            </a:xfrm>
+            <a:prstGeom prst="straightConnector1">
+              <a:avLst/>
+            </a:prstGeom>
+            <a:ln w="19050" cap="flat" cmpd="sng" algn="ctr">
+              <a:solidFill>
+                <a:schemeClr val="dk1"/>
+              </a:solidFill>
+              <a:prstDash val="solid"/>
+              <a:round/>
+              <a:headEnd type="arrow" w="med" len="med"/>
+              <a:tailEnd type="arrow" w="med" len="med"/>
+            </a:ln>
+          </p:spPr>
+          <p:style>
+            <a:lnRef idx="0">
+              <a:scrgbClr r="0" g="0" b="0"/>
+            </a:lnRef>
+            <a:fillRef idx="0">
+              <a:scrgbClr r="0" g="0" b="0"/>
+            </a:fillRef>
+            <a:effectRef idx="0">
+              <a:scrgbClr r="0" g="0" b="0"/>
+            </a:effectRef>
+            <a:fontRef idx="minor">
+              <a:schemeClr val="tx1"/>
+            </a:fontRef>
+          </p:style>
+        </p:cxnSp>
+        <p:sp>
+          <p:nvSpPr>
+            <p:cNvPr id="18" name="Rectangle 17">
+              <a:extLst>
+                <a:ext uri="{FF2B5EF4-FFF2-40B4-BE49-F238E27FC236}">
+                  <a16:creationId xmlns:a16="http://schemas.microsoft.com/office/drawing/2014/main" id="{A9F28084-019F-405B-A958-3261AEAAB35C}"/>
+                </a:ext>
+              </a:extLst>
+            </p:cNvPr>
+            <p:cNvSpPr/>
+            <p:nvPr/>
+          </p:nvSpPr>
+          <p:spPr>
+            <a:xfrm>
+              <a:off x="8512040" y="2118750"/>
+              <a:ext cx="257727" cy="230226"/>
+            </a:xfrm>
+            <a:prstGeom prst="rect">
+              <a:avLst/>
+            </a:prstGeom>
+            <a:solidFill>
+              <a:schemeClr val="bg1"/>
+            </a:solidFill>
+            <a:ln>
+              <a:noFill/>
+            </a:ln>
+          </p:spPr>
+          <p:style>
+            <a:lnRef idx="2">
+              <a:schemeClr val="accent1">
+                <a:shade val="50000"/>
+              </a:schemeClr>
+            </a:lnRef>
+            <a:fillRef idx="1">
+              <a:schemeClr val="accent1"/>
+            </a:fillRef>
+            <a:effectRef idx="0">
+              <a:schemeClr val="accent1"/>
+            </a:effectRef>
+            <a:fontRef idx="minor">
+              <a:schemeClr val="lt1"/>
+            </a:fontRef>
+          </p:style>
+          <p:txBody>
+            <a:bodyPr rtlCol="0" anchor="ctr"/>
+            <a:lstStyle/>
+            <a:p>
+              <a:pPr algn="ctr"/>
+              <a:endParaRPr lang="fr-CA"/>
+            </a:p>
+          </p:txBody>
+        </p:sp>
+        <p:sp>
+          <p:nvSpPr>
+            <p:cNvPr id="14" name="ZoneTexte 13">
+              <a:extLst>
+                <a:ext uri="{FF2B5EF4-FFF2-40B4-BE49-F238E27FC236}">
+                  <a16:creationId xmlns:a16="http://schemas.microsoft.com/office/drawing/2014/main" id="{6494218B-EDCC-4851-9EB5-DFFBFEE04108}"/>
                 </a:ext>
               </a:extLst>
             </p:cNvPr>
@@ -16787,8 +19216,8 @@
           </p:nvSpPr>
           <p:spPr>
             <a:xfrm>
-              <a:off x="6600518" y="4503388"/>
-              <a:ext cx="3051847" cy="261610"/>
+              <a:off x="8440414" y="2114025"/>
+              <a:ext cx="400978" cy="276999"/>
             </a:xfrm>
             <a:prstGeom prst="rect">
               <a:avLst/>
@@ -16802,286 +19231,177 @@
             <a:lstStyle/>
             <a:p>
               <a:r>
-                <a:rPr lang="fr-CA" sz="1100" dirty="0">
-                  <a:solidFill>
-                    <a:schemeClr val="tx1">
-                      <a:lumMod val="85000"/>
-                      <a:lumOff val="15000"/>
-                    </a:schemeClr>
-                  </a:solidFill>
-                </a:rPr>
-                <a:t>Figure 4 : Différentes géométries de l’objet</a:t>
+                <a:rPr lang="fr-CA" sz="1200" dirty="0"/>
+                <a:t>5m</a:t>
+              </a:r>
+            </a:p>
+          </p:txBody>
+        </p:sp>
+        <p:sp>
+          <p:nvSpPr>
+            <p:cNvPr id="20" name="Rectangle 19">
+              <a:extLst>
+                <a:ext uri="{FF2B5EF4-FFF2-40B4-BE49-F238E27FC236}">
+                  <a16:creationId xmlns:a16="http://schemas.microsoft.com/office/drawing/2014/main" id="{46635937-81F9-4F79-A032-278B8B5BB6E1}"/>
+                </a:ext>
+              </a:extLst>
+            </p:cNvPr>
+            <p:cNvSpPr/>
+            <p:nvPr/>
+          </p:nvSpPr>
+          <p:spPr>
+            <a:xfrm>
+              <a:off x="9610137" y="2603115"/>
+              <a:ext cx="257727" cy="230226"/>
+            </a:xfrm>
+            <a:prstGeom prst="rect">
+              <a:avLst/>
+            </a:prstGeom>
+            <a:solidFill>
+              <a:schemeClr val="bg1"/>
+            </a:solidFill>
+            <a:ln>
+              <a:noFill/>
+            </a:ln>
+          </p:spPr>
+          <p:style>
+            <a:lnRef idx="2">
+              <a:schemeClr val="accent1">
+                <a:shade val="50000"/>
+              </a:schemeClr>
+            </a:lnRef>
+            <a:fillRef idx="1">
+              <a:schemeClr val="accent1"/>
+            </a:fillRef>
+            <a:effectRef idx="0">
+              <a:schemeClr val="accent1"/>
+            </a:effectRef>
+            <a:fontRef idx="minor">
+              <a:schemeClr val="lt1"/>
+            </a:fontRef>
+          </p:style>
+          <p:txBody>
+            <a:bodyPr rtlCol="0" anchor="ctr"/>
+            <a:lstStyle/>
+            <a:p>
+              <a:pPr algn="ctr"/>
+              <a:endParaRPr lang="fr-CA"/>
+            </a:p>
+          </p:txBody>
+        </p:sp>
+        <p:sp>
+          <p:nvSpPr>
+            <p:cNvPr id="19" name="ZoneTexte 18">
+              <a:extLst>
+                <a:ext uri="{FF2B5EF4-FFF2-40B4-BE49-F238E27FC236}">
+                  <a16:creationId xmlns:a16="http://schemas.microsoft.com/office/drawing/2014/main" id="{082EA234-F814-43C2-BD64-766888502FA6}"/>
+                </a:ext>
+              </a:extLst>
+            </p:cNvPr>
+            <p:cNvSpPr txBox="1"/>
+            <p:nvPr/>
+          </p:nvSpPr>
+          <p:spPr>
+            <a:xfrm>
+              <a:off x="9516195" y="2571909"/>
+              <a:ext cx="400978" cy="276999"/>
+            </a:xfrm>
+            <a:prstGeom prst="rect">
+              <a:avLst/>
+            </a:prstGeom>
+            <a:noFill/>
+          </p:spPr>
+          <p:txBody>
+            <a:bodyPr wrap="square" rtlCol="0">
+              <a:spAutoFit/>
+            </a:bodyPr>
+            <a:lstStyle/>
+            <a:p>
+              <a:r>
+                <a:rPr lang="fr-CA" sz="1200" dirty="0"/>
+                <a:t>1m</a:t>
               </a:r>
             </a:p>
           </p:txBody>
         </p:sp>
       </p:grpSp>
-      <p:graphicFrame>
-        <p:nvGraphicFramePr>
-          <p:cNvPr id="8" name="Tableau 8">
+      <p:sp>
+        <p:nvSpPr>
+          <p:cNvPr id="22" name="ZoneTexte 21">
             <a:extLst>
               <a:ext uri="{FF2B5EF4-FFF2-40B4-BE49-F238E27FC236}">
-                <a16:creationId xmlns:a16="http://schemas.microsoft.com/office/drawing/2014/main" id="{3050C28A-26C1-43C6-8CDC-12ECA233071D}"/>
+                <a16:creationId xmlns:a16="http://schemas.microsoft.com/office/drawing/2014/main" id="{D26EE1FE-0C7E-4F21-AF4D-2512C100F2A1}"/>
               </a:ext>
             </a:extLst>
           </p:cNvPr>
-          <p:cNvGraphicFramePr>
-            <a:graphicFrameLocks noGrp="1"/>
-          </p:cNvGraphicFramePr>
-          <p:nvPr>
-            <p:extLst>
-              <p:ext uri="{D42A27DB-BD31-4B8C-83A1-F6EECF244321}">
-                <p14:modId xmlns:p14="http://schemas.microsoft.com/office/powerpoint/2010/main" val="931280794"/>
-              </p:ext>
-            </p:extLst>
-          </p:nvPr>
-        </p:nvGraphicFramePr>
-        <p:xfrm>
-          <a:off x="828400" y="2944528"/>
-          <a:ext cx="4763083" cy="2966720"/>
-        </p:xfrm>
-        <a:graphic>
-          <a:graphicData uri="http://schemas.openxmlformats.org/drawingml/2006/table">
-            <a:tbl>
-              <a:tblPr firstRow="1" bandRow="1">
-                <a:tableStyleId>{5C22544A-7EE6-4342-B048-85BDC9FD1C3A}</a:tableStyleId>
-              </a:tblPr>
-              <a:tblGrid>
-                <a:gridCol w="904147">
-                  <a:extLst>
-                    <a:ext uri="{9D8B030D-6E8A-4147-A177-3AD203B41FA5}">
-                      <a16:colId xmlns:a16="http://schemas.microsoft.com/office/drawing/2014/main" val="3233838604"/>
-                    </a:ext>
-                  </a:extLst>
-                </a:gridCol>
-                <a:gridCol w="3858936">
-                  <a:extLst>
-                    <a:ext uri="{9D8B030D-6E8A-4147-A177-3AD203B41FA5}">
-                      <a16:colId xmlns:a16="http://schemas.microsoft.com/office/drawing/2014/main" val="4009959583"/>
-                    </a:ext>
-                  </a:extLst>
-                </a:gridCol>
-              </a:tblGrid>
-              <a:tr h="370840">
-                <a:tc>
-                  <a:txBody>
-                    <a:bodyPr/>
-                    <a:lstStyle/>
-                    <a:p>
-                      <a:endParaRPr lang="fr-CA"/>
-                    </a:p>
-                  </a:txBody>
-                  <a:tcPr/>
-                </a:tc>
-                <a:tc>
-                  <a:txBody>
-                    <a:bodyPr/>
-                    <a:lstStyle/>
-                    <a:p>
-                      <a:endParaRPr lang="fr-CA"/>
-                    </a:p>
-                  </a:txBody>
-                  <a:tcPr/>
-                </a:tc>
-                <a:extLst>
-                  <a:ext uri="{0D108BD9-81ED-4DB2-BD59-A6C34878D82A}">
-                    <a16:rowId xmlns:a16="http://schemas.microsoft.com/office/drawing/2014/main" val="2962888785"/>
-                  </a:ext>
-                </a:extLst>
-              </a:tr>
-              <a:tr h="370840">
-                <a:tc>
-                  <a:txBody>
-                    <a:bodyPr/>
-                    <a:lstStyle/>
-                    <a:p>
-                      <a:endParaRPr lang="fr-CA"/>
-                    </a:p>
-                  </a:txBody>
-                  <a:tcPr/>
-                </a:tc>
-                <a:tc>
-                  <a:txBody>
-                    <a:bodyPr/>
-                    <a:lstStyle/>
-                    <a:p>
-                      <a:endParaRPr lang="fr-CA"/>
-                    </a:p>
-                  </a:txBody>
-                  <a:tcPr/>
-                </a:tc>
-                <a:extLst>
-                  <a:ext uri="{0D108BD9-81ED-4DB2-BD59-A6C34878D82A}">
-                    <a16:rowId xmlns:a16="http://schemas.microsoft.com/office/drawing/2014/main" val="1826788109"/>
-                  </a:ext>
-                </a:extLst>
-              </a:tr>
-              <a:tr h="370840">
-                <a:tc>
-                  <a:txBody>
-                    <a:bodyPr/>
-                    <a:lstStyle/>
-                    <a:p>
-                      <a:endParaRPr lang="fr-CA"/>
-                    </a:p>
-                  </a:txBody>
-                  <a:tcPr/>
-                </a:tc>
-                <a:tc>
-                  <a:txBody>
-                    <a:bodyPr/>
-                    <a:lstStyle/>
-                    <a:p>
-                      <a:endParaRPr lang="fr-CA"/>
-                    </a:p>
-                  </a:txBody>
-                  <a:tcPr/>
-                </a:tc>
-                <a:extLst>
-                  <a:ext uri="{0D108BD9-81ED-4DB2-BD59-A6C34878D82A}">
-                    <a16:rowId xmlns:a16="http://schemas.microsoft.com/office/drawing/2014/main" val="403586237"/>
-                  </a:ext>
-                </a:extLst>
-              </a:tr>
-              <a:tr h="370840">
-                <a:tc>
-                  <a:txBody>
-                    <a:bodyPr/>
-                    <a:lstStyle/>
-                    <a:p>
-                      <a:endParaRPr lang="fr-CA"/>
-                    </a:p>
-                  </a:txBody>
-                  <a:tcPr/>
-                </a:tc>
-                <a:tc>
-                  <a:txBody>
-                    <a:bodyPr/>
-                    <a:lstStyle/>
-                    <a:p>
-                      <a:endParaRPr lang="fr-CA"/>
-                    </a:p>
-                  </a:txBody>
-                  <a:tcPr/>
-                </a:tc>
-                <a:extLst>
-                  <a:ext uri="{0D108BD9-81ED-4DB2-BD59-A6C34878D82A}">
-                    <a16:rowId xmlns:a16="http://schemas.microsoft.com/office/drawing/2014/main" val="3067625285"/>
-                  </a:ext>
-                </a:extLst>
-              </a:tr>
-              <a:tr h="370840">
-                <a:tc>
-                  <a:txBody>
-                    <a:bodyPr/>
-                    <a:lstStyle/>
-                    <a:p>
-                      <a:endParaRPr lang="fr-CA"/>
-                    </a:p>
-                  </a:txBody>
-                  <a:tcPr/>
-                </a:tc>
-                <a:tc>
-                  <a:txBody>
-                    <a:bodyPr/>
-                    <a:lstStyle/>
-                    <a:p>
-                      <a:endParaRPr lang="fr-CA"/>
-                    </a:p>
-                  </a:txBody>
-                  <a:tcPr/>
-                </a:tc>
-                <a:extLst>
-                  <a:ext uri="{0D108BD9-81ED-4DB2-BD59-A6C34878D82A}">
-                    <a16:rowId xmlns:a16="http://schemas.microsoft.com/office/drawing/2014/main" val="3470204885"/>
-                  </a:ext>
-                </a:extLst>
-              </a:tr>
-              <a:tr h="370840">
-                <a:tc>
-                  <a:txBody>
-                    <a:bodyPr/>
-                    <a:lstStyle/>
-                    <a:p>
-                      <a:endParaRPr lang="fr-CA"/>
-                    </a:p>
-                  </a:txBody>
-                  <a:tcPr/>
-                </a:tc>
-                <a:tc>
-                  <a:txBody>
-                    <a:bodyPr/>
-                    <a:lstStyle/>
-                    <a:p>
-                      <a:endParaRPr lang="fr-CA"/>
-                    </a:p>
-                  </a:txBody>
-                  <a:tcPr/>
-                </a:tc>
-                <a:extLst>
-                  <a:ext uri="{0D108BD9-81ED-4DB2-BD59-A6C34878D82A}">
-                    <a16:rowId xmlns:a16="http://schemas.microsoft.com/office/drawing/2014/main" val="122605989"/>
-                  </a:ext>
-                </a:extLst>
-              </a:tr>
-              <a:tr h="370840">
-                <a:tc>
-                  <a:txBody>
-                    <a:bodyPr/>
-                    <a:lstStyle/>
-                    <a:p>
-                      <a:endParaRPr lang="fr-CA"/>
-                    </a:p>
-                  </a:txBody>
-                  <a:tcPr/>
-                </a:tc>
-                <a:tc>
-                  <a:txBody>
-                    <a:bodyPr/>
-                    <a:lstStyle/>
-                    <a:p>
-                      <a:endParaRPr lang="fr-CA"/>
-                    </a:p>
-                  </a:txBody>
-                  <a:tcPr/>
-                </a:tc>
-                <a:extLst>
-                  <a:ext uri="{0D108BD9-81ED-4DB2-BD59-A6C34878D82A}">
-                    <a16:rowId xmlns:a16="http://schemas.microsoft.com/office/drawing/2014/main" val="1362088116"/>
-                  </a:ext>
-                </a:extLst>
-              </a:tr>
-              <a:tr h="370840">
-                <a:tc>
-                  <a:txBody>
-                    <a:bodyPr/>
-                    <a:lstStyle/>
-                    <a:p>
-                      <a:endParaRPr lang="fr-CA"/>
-                    </a:p>
-                  </a:txBody>
-                  <a:tcPr/>
-                </a:tc>
-                <a:tc>
-                  <a:txBody>
-                    <a:bodyPr/>
-                    <a:lstStyle/>
-                    <a:p>
-                      <a:endParaRPr lang="fr-CA" dirty="0"/>
-                    </a:p>
-                  </a:txBody>
-                  <a:tcPr/>
-                </a:tc>
-                <a:extLst>
-                  <a:ext uri="{0D108BD9-81ED-4DB2-BD59-A6C34878D82A}">
-                    <a16:rowId xmlns:a16="http://schemas.microsoft.com/office/drawing/2014/main" val="175491297"/>
-                  </a:ext>
-                </a:extLst>
-              </a:tr>
-            </a:tbl>
-          </a:graphicData>
-        </a:graphic>
-      </p:graphicFrame>
+          <p:cNvSpPr txBox="1"/>
+          <p:nvPr/>
+        </p:nvSpPr>
+        <p:spPr>
+          <a:xfrm>
+            <a:off x="6820320" y="4320870"/>
+            <a:ext cx="2994798" cy="954107"/>
+          </a:xfrm>
+          <a:prstGeom prst="rect">
+            <a:avLst/>
+          </a:prstGeom>
+          <a:noFill/>
+        </p:spPr>
+        <p:txBody>
+          <a:bodyPr wrap="square" rtlCol="0">
+            <a:spAutoFit/>
+          </a:bodyPr>
+          <a:lstStyle/>
+          <a:p>
+            <a:r>
+              <a:rPr lang="fr-CA" sz="1400" dirty="0"/>
+              <a:t>La simulation mesurera entre 20 et 30 mètres de chaque côté. Un émetteur et un récepteur seront placés à 1m de distance.</a:t>
+            </a:r>
+          </a:p>
+        </p:txBody>
+      </p:sp>
+      <p:sp>
+        <p:nvSpPr>
+          <p:cNvPr id="23" name="ZoneTexte 22">
+            <a:extLst>
+              <a:ext uri="{FF2B5EF4-FFF2-40B4-BE49-F238E27FC236}">
+                <a16:creationId xmlns:a16="http://schemas.microsoft.com/office/drawing/2014/main" id="{358F7104-D82F-4FC5-931D-24C64F6B78A1}"/>
+              </a:ext>
+            </a:extLst>
+          </p:cNvPr>
+          <p:cNvSpPr txBox="1"/>
+          <p:nvPr/>
+        </p:nvSpPr>
+        <p:spPr>
+          <a:xfrm>
+            <a:off x="455642" y="6071292"/>
+            <a:ext cx="6297495" cy="261610"/>
+          </a:xfrm>
+          <a:prstGeom prst="rect">
+            <a:avLst/>
+          </a:prstGeom>
+          <a:noFill/>
+        </p:spPr>
+        <p:txBody>
+          <a:bodyPr wrap="square" rtlCol="0">
+            <a:spAutoFit/>
+          </a:bodyPr>
+          <a:lstStyle/>
+          <a:p>
+            <a:r>
+              <a:rPr lang="fr-CA" sz="1100" dirty="0">
+                <a:solidFill>
+                  <a:schemeClr val="tx1">
+                    <a:lumMod val="85000"/>
+                    <a:lumOff val="15000"/>
+                  </a:schemeClr>
+                </a:solidFill>
+              </a:rPr>
+              <a:t>Tableau 1 : Paramètres physiques et géométriques de la situation [3],[4],[5],[6],[7],[8]. </a:t>
+            </a:r>
+          </a:p>
+        </p:txBody>
+      </p:sp>
     </p:spTree>
     <p:extLst>
       <p:ext uri="{BB962C8B-B14F-4D97-AF65-F5344CB8AC3E}">

--- a/Oral/Présentation_Eq11.pptx
+++ b/Oral/Présentation_Eq11.pptx
@@ -14,17 +14,18 @@
     <p:sldId id="274" r:id="rId8"/>
     <p:sldId id="260" r:id="rId9"/>
     <p:sldId id="261" r:id="rId10"/>
-    <p:sldId id="275" r:id="rId11"/>
-    <p:sldId id="262" r:id="rId12"/>
-    <p:sldId id="263" r:id="rId13"/>
-    <p:sldId id="264" r:id="rId14"/>
-    <p:sldId id="265" r:id="rId15"/>
-    <p:sldId id="266" r:id="rId16"/>
-    <p:sldId id="267" r:id="rId17"/>
-    <p:sldId id="268" r:id="rId18"/>
-    <p:sldId id="269" r:id="rId19"/>
-    <p:sldId id="270" r:id="rId20"/>
-    <p:sldId id="271" r:id="rId21"/>
+    <p:sldId id="276" r:id="rId11"/>
+    <p:sldId id="275" r:id="rId12"/>
+    <p:sldId id="262" r:id="rId13"/>
+    <p:sldId id="263" r:id="rId14"/>
+    <p:sldId id="264" r:id="rId15"/>
+    <p:sldId id="265" r:id="rId16"/>
+    <p:sldId id="266" r:id="rId17"/>
+    <p:sldId id="267" r:id="rId18"/>
+    <p:sldId id="268" r:id="rId19"/>
+    <p:sldId id="269" r:id="rId20"/>
+    <p:sldId id="270" r:id="rId21"/>
+    <p:sldId id="271" r:id="rId22"/>
   </p:sldIdLst>
   <p:sldSz cx="12192000" cy="6858000"/>
   <p:notesSz cx="6858000" cy="9144000"/>
@@ -141,6 +142,7 @@
         <p14:section name="Section 2 : Description de la méthode numérique" id="{0C56ED26-4511-477D-B264-2823014FD2B4}">
           <p14:sldIdLst>
             <p14:sldId id="261"/>
+            <p14:sldId id="276"/>
             <p14:sldId id="275"/>
             <p14:sldId id="262"/>
             <p14:sldId id="263"/>
@@ -6379,45 +6381,50 @@
                   <a:srgbClr val="286D9F"/>
                 </a:solidFill>
               </a:rPr>
-              <a:t>Formulation champ total/ champ diffus</a:t>
+              <a:t>Fonctionnement de la méthode numérique</a:t>
             </a:r>
           </a:p>
         </p:txBody>
       </p:sp>
-      <p:pic>
-        <p:nvPicPr>
-          <p:cNvPr id="4" name="Picture 3">
+      <p:sp>
+        <p:nvSpPr>
+          <p:cNvPr id="3" name="Rectangle 2">
             <a:extLst>
               <a:ext uri="{FF2B5EF4-FFF2-40B4-BE49-F238E27FC236}">
-                <a16:creationId xmlns:a16="http://schemas.microsoft.com/office/drawing/2014/main" id="{DDC48D94-9EA7-4219-9F76-82E9ECE3F114}"/>
+                <a16:creationId xmlns:a16="http://schemas.microsoft.com/office/drawing/2014/main" id="{BA0A46BD-0FD2-481A-AB72-F6E2A27E0618}"/>
               </a:ext>
             </a:extLst>
           </p:cNvPr>
-          <p:cNvPicPr>
-            <a:picLocks noChangeAspect="1"/>
-          </p:cNvPicPr>
+          <p:cNvSpPr/>
           <p:nvPr/>
-        </p:nvPicPr>
-        <p:blipFill>
-          <a:blip r:embed="rId2"/>
-          <a:stretch>
-            <a:fillRect/>
-          </a:stretch>
-        </p:blipFill>
+        </p:nvSpPr>
         <p:spPr>
           <a:xfrm>
-            <a:off x="714375" y="1322070"/>
-            <a:ext cx="7804785" cy="2647237"/>
+            <a:off x="6188279" y="-436226"/>
+            <a:ext cx="6096000" cy="1754326"/>
           </a:xfrm>
           <a:prstGeom prst="rect">
             <a:avLst/>
           </a:prstGeom>
         </p:spPr>
-      </p:pic>
+        <p:txBody>
+          <a:bodyPr>
+            <a:spAutoFit/>
+          </a:bodyPr>
+          <a:lstStyle/>
+          <a:p>
+            <a:r>
+              <a:rPr lang="fr-FR" dirty="0"/>
+              <a:t>Étapes et fonctionnement de la méthode numérique, en incluant les équations discrétisées telles que vous les avez programmées (ex : discrétisation d’une équation différentielle, condition initiale, conditions aux frontières, calcul de l’énergie d’un système, génération de nombres aléatoires, etc.) </a:t>
+            </a:r>
+            <a:endParaRPr lang="fr-CA" dirty="0"/>
+          </a:p>
+        </p:txBody>
+      </p:sp>
     </p:spTree>
     <p:extLst>
       <p:ext uri="{BB962C8B-B14F-4D97-AF65-F5344CB8AC3E}">
-        <p14:creationId xmlns:p14="http://schemas.microsoft.com/office/powerpoint/2010/main" val="439228046"/>
+        <p14:creationId xmlns:p14="http://schemas.microsoft.com/office/powerpoint/2010/main" val="2829224241"/>
       </p:ext>
     </p:extLst>
   </p:cSld>
@@ -6548,50 +6555,45 @@
                   <a:srgbClr val="286D9F"/>
                 </a:solidFill>
               </a:rPr>
-              <a:t>Paramètres de simulation</a:t>
+              <a:t>Formulation champ total/ champ diffus</a:t>
             </a:r>
           </a:p>
         </p:txBody>
       </p:sp>
-      <p:sp>
-        <p:nvSpPr>
-          <p:cNvPr id="3" name="Rectangle 2">
+      <p:pic>
+        <p:nvPicPr>
+          <p:cNvPr id="4" name="Picture 3">
             <a:extLst>
               <a:ext uri="{FF2B5EF4-FFF2-40B4-BE49-F238E27FC236}">
-                <a16:creationId xmlns:a16="http://schemas.microsoft.com/office/drawing/2014/main" id="{BA0A46BD-0FD2-481A-AB72-F6E2A27E0618}"/>
+                <a16:creationId xmlns:a16="http://schemas.microsoft.com/office/drawing/2014/main" id="{DDC48D94-9EA7-4219-9F76-82E9ECE3F114}"/>
               </a:ext>
             </a:extLst>
           </p:cNvPr>
-          <p:cNvSpPr/>
+          <p:cNvPicPr>
+            <a:picLocks noChangeAspect="1"/>
+          </p:cNvPicPr>
           <p:nvPr/>
-        </p:nvSpPr>
+        </p:nvPicPr>
+        <p:blipFill>
+          <a:blip r:embed="rId2"/>
+          <a:stretch>
+            <a:fillRect/>
+          </a:stretch>
+        </p:blipFill>
         <p:spPr>
           <a:xfrm>
-            <a:off x="2276213" y="2908612"/>
-            <a:ext cx="6096000" cy="646331"/>
+            <a:off x="714375" y="1322070"/>
+            <a:ext cx="7804785" cy="2647237"/>
           </a:xfrm>
           <a:prstGeom prst="rect">
             <a:avLst/>
           </a:prstGeom>
         </p:spPr>
-        <p:txBody>
-          <a:bodyPr>
-            <a:spAutoFit/>
-          </a:bodyPr>
-          <a:lstStyle/>
-          <a:p>
-            <a:r>
-              <a:rPr lang="fr-FR" dirty="0"/>
-              <a:t>Paramètres de l’algorithme (ex : pas de discrétisation, critère de convergence, etc.)</a:t>
-            </a:r>
-            <a:endParaRPr lang="fr-CA" dirty="0"/>
-          </a:p>
-        </p:txBody>
-      </p:sp>
+      </p:pic>
     </p:spTree>
     <p:extLst>
       <p:ext uri="{BB962C8B-B14F-4D97-AF65-F5344CB8AC3E}">
-        <p14:creationId xmlns:p14="http://schemas.microsoft.com/office/powerpoint/2010/main" val="3922770649"/>
+        <p14:creationId xmlns:p14="http://schemas.microsoft.com/office/powerpoint/2010/main" val="439228046"/>
       </p:ext>
     </p:extLst>
   </p:cSld>
@@ -6722,7 +6724,7 @@
                   <a:srgbClr val="286D9F"/>
                 </a:solidFill>
               </a:rPr>
-              <a:t>Défis surmontés</a:t>
+              <a:t>Paramètres de simulation</a:t>
             </a:r>
           </a:p>
         </p:txBody>
@@ -6756,7 +6758,7 @@
           <a:p>
             <a:r>
               <a:rPr lang="fr-FR" dirty="0"/>
-              <a:t>Défis d’implémentation de l’algorithme et solutions utilisées pour surmonter ces défis</a:t>
+              <a:t>Paramètres de l’algorithme (ex : pas de discrétisation, critère de convergence, etc.)</a:t>
             </a:r>
             <a:endParaRPr lang="fr-CA" dirty="0"/>
           </a:p>
@@ -6765,7 +6767,7 @@
     </p:spTree>
     <p:extLst>
       <p:ext uri="{BB962C8B-B14F-4D97-AF65-F5344CB8AC3E}">
-        <p14:creationId xmlns:p14="http://schemas.microsoft.com/office/powerpoint/2010/main" val="2366093840"/>
+        <p14:creationId xmlns:p14="http://schemas.microsoft.com/office/powerpoint/2010/main" val="3922770649"/>
       </p:ext>
     </p:extLst>
   </p:cSld>
@@ -6896,7 +6898,7 @@
                   <a:srgbClr val="286D9F"/>
                 </a:solidFill>
               </a:rPr>
-              <a:t>Utilisation de la mémoire</a:t>
+              <a:t>Défis surmontés</a:t>
             </a:r>
           </a:p>
         </p:txBody>
@@ -6930,7 +6932,7 @@
           <a:p>
             <a:r>
               <a:rPr lang="fr-FR" dirty="0"/>
-              <a:t>Comportement et limites de votre code en temps et en mémoire</a:t>
+              <a:t>Défis d’implémentation de l’algorithme et solutions utilisées pour surmonter ces défis</a:t>
             </a:r>
             <a:endParaRPr lang="fr-CA" dirty="0"/>
           </a:p>
@@ -6939,7 +6941,7 @@
     </p:spTree>
     <p:extLst>
       <p:ext uri="{BB962C8B-B14F-4D97-AF65-F5344CB8AC3E}">
-        <p14:creationId xmlns:p14="http://schemas.microsoft.com/office/powerpoint/2010/main" val="69171058"/>
+        <p14:creationId xmlns:p14="http://schemas.microsoft.com/office/powerpoint/2010/main" val="2366093840"/>
       </p:ext>
     </p:extLst>
   </p:cSld>
@@ -7070,6 +7072,180 @@
                   <a:srgbClr val="286D9F"/>
                 </a:solidFill>
               </a:rPr>
+              <a:t>Utilisation de la mémoire</a:t>
+            </a:r>
+          </a:p>
+        </p:txBody>
+      </p:sp>
+      <p:sp>
+        <p:nvSpPr>
+          <p:cNvPr id="3" name="Rectangle 2">
+            <a:extLst>
+              <a:ext uri="{FF2B5EF4-FFF2-40B4-BE49-F238E27FC236}">
+                <a16:creationId xmlns:a16="http://schemas.microsoft.com/office/drawing/2014/main" id="{BA0A46BD-0FD2-481A-AB72-F6E2A27E0618}"/>
+              </a:ext>
+            </a:extLst>
+          </p:cNvPr>
+          <p:cNvSpPr/>
+          <p:nvPr/>
+        </p:nvSpPr>
+        <p:spPr>
+          <a:xfrm>
+            <a:off x="2276213" y="2908612"/>
+            <a:ext cx="6096000" cy="646331"/>
+          </a:xfrm>
+          <a:prstGeom prst="rect">
+            <a:avLst/>
+          </a:prstGeom>
+        </p:spPr>
+        <p:txBody>
+          <a:bodyPr>
+            <a:spAutoFit/>
+          </a:bodyPr>
+          <a:lstStyle/>
+          <a:p>
+            <a:r>
+              <a:rPr lang="fr-FR" dirty="0"/>
+              <a:t>Comportement et limites de votre code en temps et en mémoire</a:t>
+            </a:r>
+            <a:endParaRPr lang="fr-CA" dirty="0"/>
+          </a:p>
+        </p:txBody>
+      </p:sp>
+    </p:spTree>
+    <p:extLst>
+      <p:ext uri="{BB962C8B-B14F-4D97-AF65-F5344CB8AC3E}">
+        <p14:creationId xmlns:p14="http://schemas.microsoft.com/office/powerpoint/2010/main" val="69171058"/>
+      </p:ext>
+    </p:extLst>
+  </p:cSld>
+  <p:clrMapOvr>
+    <a:masterClrMapping/>
+  </p:clrMapOvr>
+</p:sld>
+</file>
+
+<file path=ppt/slides/slide15.xml><?xml version="1.0" encoding="utf-8"?>
+<p:sld xmlns:a="http://schemas.openxmlformats.org/drawingml/2006/main" xmlns:r="http://schemas.openxmlformats.org/officeDocument/2006/relationships" xmlns:p="http://schemas.openxmlformats.org/presentationml/2006/main">
+  <p:cSld>
+    <p:spTree>
+      <p:nvGrpSpPr>
+        <p:cNvPr id="1" name=""/>
+        <p:cNvGrpSpPr/>
+        <p:nvPr/>
+      </p:nvGrpSpPr>
+      <p:grpSpPr>
+        <a:xfrm>
+          <a:off x="0" y="0"/>
+          <a:ext cx="0" cy="0"/>
+          <a:chOff x="0" y="0"/>
+          <a:chExt cx="0" cy="0"/>
+        </a:xfrm>
+      </p:grpSpPr>
+      <p:sp>
+        <p:nvSpPr>
+          <p:cNvPr id="2" name="Titre 1">
+            <a:extLst>
+              <a:ext uri="{FF2B5EF4-FFF2-40B4-BE49-F238E27FC236}">
+                <a16:creationId xmlns:a16="http://schemas.microsoft.com/office/drawing/2014/main" id="{03EE799C-7398-441E-956D-60778EB6ADFB}"/>
+              </a:ext>
+            </a:extLst>
+          </p:cNvPr>
+          <p:cNvSpPr txBox="1">
+            <a:spLocks/>
+          </p:cNvSpPr>
+          <p:nvPr/>
+        </p:nvSpPr>
+        <p:spPr>
+          <a:xfrm>
+            <a:off x="455643" y="510175"/>
+            <a:ext cx="9015528" cy="739786"/>
+          </a:xfrm>
+          <a:prstGeom prst="rect">
+            <a:avLst/>
+          </a:prstGeom>
+        </p:spPr>
+        <p:txBody>
+          <a:bodyPr/>
+          <a:lstStyle>
+            <a:lvl1pPr algn="l" defTabSz="457200" rtl="0" eaLnBrk="1" latinLnBrk="0" hangingPunct="1">
+              <a:spcBef>
+                <a:spcPct val="0"/>
+              </a:spcBef>
+              <a:buNone/>
+              <a:defRPr sz="3600" kern="1200">
+                <a:solidFill>
+                  <a:schemeClr val="accent1"/>
+                </a:solidFill>
+                <a:latin typeface="+mj-lt"/>
+                <a:ea typeface="+mj-ea"/>
+                <a:cs typeface="+mj-cs"/>
+              </a:defRPr>
+            </a:lvl1pPr>
+            <a:lvl2pPr eaLnBrk="1" hangingPunct="1">
+              <a:defRPr>
+                <a:solidFill>
+                  <a:schemeClr val="tx2"/>
+                </a:solidFill>
+              </a:defRPr>
+            </a:lvl2pPr>
+            <a:lvl3pPr eaLnBrk="1" hangingPunct="1">
+              <a:defRPr>
+                <a:solidFill>
+                  <a:schemeClr val="tx2"/>
+                </a:solidFill>
+              </a:defRPr>
+            </a:lvl3pPr>
+            <a:lvl4pPr eaLnBrk="1" hangingPunct="1">
+              <a:defRPr>
+                <a:solidFill>
+                  <a:schemeClr val="tx2"/>
+                </a:solidFill>
+              </a:defRPr>
+            </a:lvl4pPr>
+            <a:lvl5pPr eaLnBrk="1" hangingPunct="1">
+              <a:defRPr>
+                <a:solidFill>
+                  <a:schemeClr val="tx2"/>
+                </a:solidFill>
+              </a:defRPr>
+            </a:lvl5pPr>
+            <a:lvl6pPr eaLnBrk="1" hangingPunct="1">
+              <a:defRPr>
+                <a:solidFill>
+                  <a:schemeClr val="tx2"/>
+                </a:solidFill>
+              </a:defRPr>
+            </a:lvl6pPr>
+            <a:lvl7pPr eaLnBrk="1" hangingPunct="1">
+              <a:defRPr>
+                <a:solidFill>
+                  <a:schemeClr val="tx2"/>
+                </a:solidFill>
+              </a:defRPr>
+            </a:lvl7pPr>
+            <a:lvl8pPr eaLnBrk="1" hangingPunct="1">
+              <a:defRPr>
+                <a:solidFill>
+                  <a:schemeClr val="tx2"/>
+                </a:solidFill>
+              </a:defRPr>
+            </a:lvl8pPr>
+            <a:lvl9pPr eaLnBrk="1" hangingPunct="1">
+              <a:defRPr>
+                <a:solidFill>
+                  <a:schemeClr val="tx2"/>
+                </a:solidFill>
+              </a:defRPr>
+            </a:lvl9pPr>
+          </a:lstStyle>
+          <a:p>
+            <a:r>
+              <a:rPr lang="fr-CA" dirty="0">
+                <a:solidFill>
+                  <a:srgbClr val="286D9F"/>
+                </a:solidFill>
+              </a:rPr>
               <a:t>Influence sur la performance</a:t>
             </a:r>
           </a:p>
@@ -7123,7 +7299,7 @@
 </p:sld>
 </file>
 
-<file path=ppt/slides/slide15.xml><?xml version="1.0" encoding="utf-8"?>
+<file path=ppt/slides/slide16.xml><?xml version="1.0" encoding="utf-8"?>
 <p:sld xmlns:a="http://schemas.openxmlformats.org/drawingml/2006/main" xmlns:r="http://schemas.openxmlformats.org/officeDocument/2006/relationships" xmlns:p="http://schemas.openxmlformats.org/presentationml/2006/main">
   <p:cSld>
     <p:spTree>
@@ -7297,7 +7473,7 @@
 </p:sld>
 </file>
 
-<file path=ppt/slides/slide16.xml><?xml version="1.0" encoding="utf-8"?>
+<file path=ppt/slides/slide17.xml><?xml version="1.0" encoding="utf-8"?>
 <p:sld xmlns:a="http://schemas.openxmlformats.org/drawingml/2006/main" xmlns:r="http://schemas.openxmlformats.org/officeDocument/2006/relationships" xmlns:p="http://schemas.openxmlformats.org/presentationml/2006/main">
   <p:cSld>
     <p:spTree>
@@ -7471,7 +7647,7 @@
 </p:sld>
 </file>
 
-<file path=ppt/slides/slide17.xml><?xml version="1.0" encoding="utf-8"?>
+<file path=ppt/slides/slide18.xml><?xml version="1.0" encoding="utf-8"?>
 <p:sld xmlns:a="http://schemas.openxmlformats.org/drawingml/2006/main" xmlns:r="http://schemas.openxmlformats.org/officeDocument/2006/relationships" xmlns:p="http://schemas.openxmlformats.org/presentationml/2006/main">
   <p:cSld>
     <p:spTree>
@@ -7645,7 +7821,7 @@
 </p:sld>
 </file>
 
-<file path=ppt/slides/slide18.xml><?xml version="1.0" encoding="utf-8"?>
+<file path=ppt/slides/slide19.xml><?xml version="1.0" encoding="utf-8"?>
 <p:sld xmlns:a="http://schemas.openxmlformats.org/drawingml/2006/main" xmlns:r="http://schemas.openxmlformats.org/officeDocument/2006/relationships" xmlns:p="http://schemas.openxmlformats.org/presentationml/2006/main">
   <p:cSld>
     <p:spTree>
@@ -7810,180 +7986,6 @@
     <p:extLst>
       <p:ext uri="{BB962C8B-B14F-4D97-AF65-F5344CB8AC3E}">
         <p14:creationId xmlns:p14="http://schemas.microsoft.com/office/powerpoint/2010/main" val="1331799850"/>
-      </p:ext>
-    </p:extLst>
-  </p:cSld>
-  <p:clrMapOvr>
-    <a:masterClrMapping/>
-  </p:clrMapOvr>
-</p:sld>
-</file>
-
-<file path=ppt/slides/slide19.xml><?xml version="1.0" encoding="utf-8"?>
-<p:sld xmlns:a="http://schemas.openxmlformats.org/drawingml/2006/main" xmlns:r="http://schemas.openxmlformats.org/officeDocument/2006/relationships" xmlns:p="http://schemas.openxmlformats.org/presentationml/2006/main">
-  <p:cSld>
-    <p:spTree>
-      <p:nvGrpSpPr>
-        <p:cNvPr id="1" name=""/>
-        <p:cNvGrpSpPr/>
-        <p:nvPr/>
-      </p:nvGrpSpPr>
-      <p:grpSpPr>
-        <a:xfrm>
-          <a:off x="0" y="0"/>
-          <a:ext cx="0" cy="0"/>
-          <a:chOff x="0" y="0"/>
-          <a:chExt cx="0" cy="0"/>
-        </a:xfrm>
-      </p:grpSpPr>
-      <p:sp>
-        <p:nvSpPr>
-          <p:cNvPr id="2" name="Titre 1">
-            <a:extLst>
-              <a:ext uri="{FF2B5EF4-FFF2-40B4-BE49-F238E27FC236}">
-                <a16:creationId xmlns:a16="http://schemas.microsoft.com/office/drawing/2014/main" id="{03EE799C-7398-441E-956D-60778EB6ADFB}"/>
-              </a:ext>
-            </a:extLst>
-          </p:cNvPr>
-          <p:cNvSpPr txBox="1">
-            <a:spLocks/>
-          </p:cNvSpPr>
-          <p:nvPr/>
-        </p:nvSpPr>
-        <p:spPr>
-          <a:xfrm>
-            <a:off x="455643" y="510175"/>
-            <a:ext cx="3352959" cy="739786"/>
-          </a:xfrm>
-          <a:prstGeom prst="rect">
-            <a:avLst/>
-          </a:prstGeom>
-        </p:spPr>
-        <p:txBody>
-          <a:bodyPr/>
-          <a:lstStyle>
-            <a:lvl1pPr algn="l" defTabSz="457200" rtl="0" eaLnBrk="1" latinLnBrk="0" hangingPunct="1">
-              <a:spcBef>
-                <a:spcPct val="0"/>
-              </a:spcBef>
-              <a:buNone/>
-              <a:defRPr sz="3600" kern="1200">
-                <a:solidFill>
-                  <a:schemeClr val="accent1"/>
-                </a:solidFill>
-                <a:latin typeface="+mj-lt"/>
-                <a:ea typeface="+mj-ea"/>
-                <a:cs typeface="+mj-cs"/>
-              </a:defRPr>
-            </a:lvl1pPr>
-            <a:lvl2pPr eaLnBrk="1" hangingPunct="1">
-              <a:defRPr>
-                <a:solidFill>
-                  <a:schemeClr val="tx2"/>
-                </a:solidFill>
-              </a:defRPr>
-            </a:lvl2pPr>
-            <a:lvl3pPr eaLnBrk="1" hangingPunct="1">
-              <a:defRPr>
-                <a:solidFill>
-                  <a:schemeClr val="tx2"/>
-                </a:solidFill>
-              </a:defRPr>
-            </a:lvl3pPr>
-            <a:lvl4pPr eaLnBrk="1" hangingPunct="1">
-              <a:defRPr>
-                <a:solidFill>
-                  <a:schemeClr val="tx2"/>
-                </a:solidFill>
-              </a:defRPr>
-            </a:lvl4pPr>
-            <a:lvl5pPr eaLnBrk="1" hangingPunct="1">
-              <a:defRPr>
-                <a:solidFill>
-                  <a:schemeClr val="tx2"/>
-                </a:solidFill>
-              </a:defRPr>
-            </a:lvl5pPr>
-            <a:lvl6pPr eaLnBrk="1" hangingPunct="1">
-              <a:defRPr>
-                <a:solidFill>
-                  <a:schemeClr val="tx2"/>
-                </a:solidFill>
-              </a:defRPr>
-            </a:lvl6pPr>
-            <a:lvl7pPr eaLnBrk="1" hangingPunct="1">
-              <a:defRPr>
-                <a:solidFill>
-                  <a:schemeClr val="tx2"/>
-                </a:solidFill>
-              </a:defRPr>
-            </a:lvl7pPr>
-            <a:lvl8pPr eaLnBrk="1" hangingPunct="1">
-              <a:defRPr>
-                <a:solidFill>
-                  <a:schemeClr val="tx2"/>
-                </a:solidFill>
-              </a:defRPr>
-            </a:lvl8pPr>
-            <a:lvl9pPr eaLnBrk="1" hangingPunct="1">
-              <a:defRPr>
-                <a:solidFill>
-                  <a:schemeClr val="tx2"/>
-                </a:solidFill>
-              </a:defRPr>
-            </a:lvl9pPr>
-          </a:lstStyle>
-          <a:p>
-            <a:r>
-              <a:rPr lang="fr-CA" dirty="0">
-                <a:solidFill>
-                  <a:srgbClr val="286D9F"/>
-                </a:solidFill>
-              </a:rPr>
-              <a:t>Améliorations</a:t>
-            </a:r>
-          </a:p>
-        </p:txBody>
-      </p:sp>
-      <p:sp>
-        <p:nvSpPr>
-          <p:cNvPr id="3" name="Rectangle 2">
-            <a:extLst>
-              <a:ext uri="{FF2B5EF4-FFF2-40B4-BE49-F238E27FC236}">
-                <a16:creationId xmlns:a16="http://schemas.microsoft.com/office/drawing/2014/main" id="{BA0A46BD-0FD2-481A-AB72-F6E2A27E0618}"/>
-              </a:ext>
-            </a:extLst>
-          </p:cNvPr>
-          <p:cNvSpPr/>
-          <p:nvPr/>
-        </p:nvSpPr>
-        <p:spPr>
-          <a:xfrm>
-            <a:off x="2276213" y="2908612"/>
-            <a:ext cx="6096000" cy="646331"/>
-          </a:xfrm>
-          <a:prstGeom prst="rect">
-            <a:avLst/>
-          </a:prstGeom>
-        </p:spPr>
-        <p:txBody>
-          <a:bodyPr>
-            <a:spAutoFit/>
-          </a:bodyPr>
-          <a:lstStyle/>
-          <a:p>
-            <a:r>
-              <a:rPr lang="fr-FR" dirty="0"/>
-              <a:t>Améliorations désirées pour compléter le projet à votre entière satisfaction </a:t>
-            </a:r>
-            <a:endParaRPr lang="fr-CA" dirty="0"/>
-          </a:p>
-        </p:txBody>
-      </p:sp>
-    </p:spTree>
-    <p:extLst>
-      <p:ext uri="{BB962C8B-B14F-4D97-AF65-F5344CB8AC3E}">
-        <p14:creationId xmlns:p14="http://schemas.microsoft.com/office/powerpoint/2010/main" val="4105811840"/>
       </p:ext>
     </p:extLst>
   </p:cSld>
@@ -8403,6 +8405,180 @@
 </file>
 
 <file path=ppt/slides/slide20.xml><?xml version="1.0" encoding="utf-8"?>
+<p:sld xmlns:a="http://schemas.openxmlformats.org/drawingml/2006/main" xmlns:r="http://schemas.openxmlformats.org/officeDocument/2006/relationships" xmlns:p="http://schemas.openxmlformats.org/presentationml/2006/main">
+  <p:cSld>
+    <p:spTree>
+      <p:nvGrpSpPr>
+        <p:cNvPr id="1" name=""/>
+        <p:cNvGrpSpPr/>
+        <p:nvPr/>
+      </p:nvGrpSpPr>
+      <p:grpSpPr>
+        <a:xfrm>
+          <a:off x="0" y="0"/>
+          <a:ext cx="0" cy="0"/>
+          <a:chOff x="0" y="0"/>
+          <a:chExt cx="0" cy="0"/>
+        </a:xfrm>
+      </p:grpSpPr>
+      <p:sp>
+        <p:nvSpPr>
+          <p:cNvPr id="2" name="Titre 1">
+            <a:extLst>
+              <a:ext uri="{FF2B5EF4-FFF2-40B4-BE49-F238E27FC236}">
+                <a16:creationId xmlns:a16="http://schemas.microsoft.com/office/drawing/2014/main" id="{03EE799C-7398-441E-956D-60778EB6ADFB}"/>
+              </a:ext>
+            </a:extLst>
+          </p:cNvPr>
+          <p:cNvSpPr txBox="1">
+            <a:spLocks/>
+          </p:cNvSpPr>
+          <p:nvPr/>
+        </p:nvSpPr>
+        <p:spPr>
+          <a:xfrm>
+            <a:off x="455643" y="510175"/>
+            <a:ext cx="3352959" cy="739786"/>
+          </a:xfrm>
+          <a:prstGeom prst="rect">
+            <a:avLst/>
+          </a:prstGeom>
+        </p:spPr>
+        <p:txBody>
+          <a:bodyPr/>
+          <a:lstStyle>
+            <a:lvl1pPr algn="l" defTabSz="457200" rtl="0" eaLnBrk="1" latinLnBrk="0" hangingPunct="1">
+              <a:spcBef>
+                <a:spcPct val="0"/>
+              </a:spcBef>
+              <a:buNone/>
+              <a:defRPr sz="3600" kern="1200">
+                <a:solidFill>
+                  <a:schemeClr val="accent1"/>
+                </a:solidFill>
+                <a:latin typeface="+mj-lt"/>
+                <a:ea typeface="+mj-ea"/>
+                <a:cs typeface="+mj-cs"/>
+              </a:defRPr>
+            </a:lvl1pPr>
+            <a:lvl2pPr eaLnBrk="1" hangingPunct="1">
+              <a:defRPr>
+                <a:solidFill>
+                  <a:schemeClr val="tx2"/>
+                </a:solidFill>
+              </a:defRPr>
+            </a:lvl2pPr>
+            <a:lvl3pPr eaLnBrk="1" hangingPunct="1">
+              <a:defRPr>
+                <a:solidFill>
+                  <a:schemeClr val="tx2"/>
+                </a:solidFill>
+              </a:defRPr>
+            </a:lvl3pPr>
+            <a:lvl4pPr eaLnBrk="1" hangingPunct="1">
+              <a:defRPr>
+                <a:solidFill>
+                  <a:schemeClr val="tx2"/>
+                </a:solidFill>
+              </a:defRPr>
+            </a:lvl4pPr>
+            <a:lvl5pPr eaLnBrk="1" hangingPunct="1">
+              <a:defRPr>
+                <a:solidFill>
+                  <a:schemeClr val="tx2"/>
+                </a:solidFill>
+              </a:defRPr>
+            </a:lvl5pPr>
+            <a:lvl6pPr eaLnBrk="1" hangingPunct="1">
+              <a:defRPr>
+                <a:solidFill>
+                  <a:schemeClr val="tx2"/>
+                </a:solidFill>
+              </a:defRPr>
+            </a:lvl6pPr>
+            <a:lvl7pPr eaLnBrk="1" hangingPunct="1">
+              <a:defRPr>
+                <a:solidFill>
+                  <a:schemeClr val="tx2"/>
+                </a:solidFill>
+              </a:defRPr>
+            </a:lvl7pPr>
+            <a:lvl8pPr eaLnBrk="1" hangingPunct="1">
+              <a:defRPr>
+                <a:solidFill>
+                  <a:schemeClr val="tx2"/>
+                </a:solidFill>
+              </a:defRPr>
+            </a:lvl8pPr>
+            <a:lvl9pPr eaLnBrk="1" hangingPunct="1">
+              <a:defRPr>
+                <a:solidFill>
+                  <a:schemeClr val="tx2"/>
+                </a:solidFill>
+              </a:defRPr>
+            </a:lvl9pPr>
+          </a:lstStyle>
+          <a:p>
+            <a:r>
+              <a:rPr lang="fr-CA" dirty="0">
+                <a:solidFill>
+                  <a:srgbClr val="286D9F"/>
+                </a:solidFill>
+              </a:rPr>
+              <a:t>Améliorations</a:t>
+            </a:r>
+          </a:p>
+        </p:txBody>
+      </p:sp>
+      <p:sp>
+        <p:nvSpPr>
+          <p:cNvPr id="3" name="Rectangle 2">
+            <a:extLst>
+              <a:ext uri="{FF2B5EF4-FFF2-40B4-BE49-F238E27FC236}">
+                <a16:creationId xmlns:a16="http://schemas.microsoft.com/office/drawing/2014/main" id="{BA0A46BD-0FD2-481A-AB72-F6E2A27E0618}"/>
+              </a:ext>
+            </a:extLst>
+          </p:cNvPr>
+          <p:cNvSpPr/>
+          <p:nvPr/>
+        </p:nvSpPr>
+        <p:spPr>
+          <a:xfrm>
+            <a:off x="2276213" y="2908612"/>
+            <a:ext cx="6096000" cy="646331"/>
+          </a:xfrm>
+          <a:prstGeom prst="rect">
+            <a:avLst/>
+          </a:prstGeom>
+        </p:spPr>
+        <p:txBody>
+          <a:bodyPr>
+            <a:spAutoFit/>
+          </a:bodyPr>
+          <a:lstStyle/>
+          <a:p>
+            <a:r>
+              <a:rPr lang="fr-FR" dirty="0"/>
+              <a:t>Améliorations désirées pour compléter le projet à votre entière satisfaction </a:t>
+            </a:r>
+            <a:endParaRPr lang="fr-CA" dirty="0"/>
+          </a:p>
+        </p:txBody>
+      </p:sp>
+    </p:spTree>
+    <p:extLst>
+      <p:ext uri="{BB962C8B-B14F-4D97-AF65-F5344CB8AC3E}">
+        <p14:creationId xmlns:p14="http://schemas.microsoft.com/office/powerpoint/2010/main" val="4105811840"/>
+      </p:ext>
+    </p:extLst>
+  </p:cSld>
+  <p:clrMapOvr>
+    <a:masterClrMapping/>
+  </p:clrMapOvr>
+</p:sld>
+</file>
+
+<file path=ppt/slides/slide21.xml><?xml version="1.0" encoding="utf-8"?>
 <p:sld xmlns:a="http://schemas.openxmlformats.org/drawingml/2006/main" xmlns:r="http://schemas.openxmlformats.org/officeDocument/2006/relationships" xmlns:p="http://schemas.openxmlformats.org/presentationml/2006/main">
   <p:cSld>
     <p:spTree>
@@ -14839,8 +15015,8 @@
           </a:p>
         </p:txBody>
       </p:sp>
-      <mc:AlternateContent xmlns:mc="http://schemas.openxmlformats.org/markup-compatibility/2006">
-        <mc:Choice xmlns:a14="http://schemas.microsoft.com/office/drawing/2010/main" Requires="a14">
+      <mc:AlternateContent xmlns:mc="http://schemas.openxmlformats.org/markup-compatibility/2006" xmlns:a14="http://schemas.microsoft.com/office/drawing/2010/main">
+        <mc:Choice Requires="a14">
           <p:sp>
             <p:nvSpPr>
               <p:cNvPr id="10" name="ZoneTexte 9">
@@ -15127,7 +15303,7 @@
             </p:txBody>
           </p:sp>
         </mc:Choice>
-        <mc:Fallback>
+        <mc:Fallback xmlns="">
           <p:sp>
             <p:nvSpPr>
               <p:cNvPr id="10" name="ZoneTexte 9">
@@ -15172,8 +15348,8 @@
           </p:sp>
         </mc:Fallback>
       </mc:AlternateContent>
-      <mc:AlternateContent xmlns:mc="http://schemas.openxmlformats.org/markup-compatibility/2006">
-        <mc:Choice xmlns:a14="http://schemas.microsoft.com/office/drawing/2010/main" Requires="a14">
+      <mc:AlternateContent xmlns:mc="http://schemas.openxmlformats.org/markup-compatibility/2006" xmlns:a14="http://schemas.microsoft.com/office/drawing/2010/main">
+        <mc:Choice Requires="a14">
           <p:sp>
             <p:nvSpPr>
               <p:cNvPr id="12" name="ZoneTexte 11">
@@ -15540,7 +15716,7 @@
             </p:txBody>
           </p:sp>
         </mc:Choice>
-        <mc:Fallback>
+        <mc:Fallback xmlns="">
           <p:sp>
             <p:nvSpPr>
               <p:cNvPr id="12" name="ZoneTexte 11">
@@ -15643,8 +15819,8 @@
             </a:p>
           </p:txBody>
         </p:sp>
-        <mc:AlternateContent xmlns:mc="http://schemas.openxmlformats.org/markup-compatibility/2006">
-          <mc:Choice xmlns:a14="http://schemas.microsoft.com/office/drawing/2010/main" Requires="a14">
+        <mc:AlternateContent xmlns:mc="http://schemas.openxmlformats.org/markup-compatibility/2006" xmlns:a14="http://schemas.microsoft.com/office/drawing/2010/main">
+          <mc:Choice Requires="a14">
             <p:sp>
               <p:nvSpPr>
                 <p:cNvPr id="18" name="TextBox 17">
@@ -15826,7 +16002,7 @@
               </p:txBody>
             </p:sp>
           </mc:Choice>
-          <mc:Fallback>
+          <mc:Fallback xmlns="">
             <p:sp>
               <p:nvSpPr>
                 <p:cNvPr id="18" name="TextBox 17">
@@ -15930,8 +16106,8 @@
             </a:p>
           </p:txBody>
         </p:sp>
-        <mc:AlternateContent xmlns:mc="http://schemas.openxmlformats.org/markup-compatibility/2006">
-          <mc:Choice xmlns:a14="http://schemas.microsoft.com/office/drawing/2010/main" Requires="a14">
+        <mc:AlternateContent xmlns:mc="http://schemas.openxmlformats.org/markup-compatibility/2006" xmlns:a14="http://schemas.microsoft.com/office/drawing/2010/main">
+          <mc:Choice Requires="a14">
             <p:sp>
               <p:nvSpPr>
                 <p:cNvPr id="11" name="TextBox 10">
@@ -16384,7 +16560,7 @@
               </p:txBody>
             </p:sp>
           </mc:Choice>
-          <mc:Fallback>
+          <mc:Fallback xmlns="">
             <p:sp>
               <p:nvSpPr>
                 <p:cNvPr id="11" name="TextBox 10">
@@ -17044,8 +17220,8 @@
           </a:p>
         </p:txBody>
       </p:sp>
-      <mc:AlternateContent xmlns:mc="http://schemas.openxmlformats.org/markup-compatibility/2006">
-        <mc:Choice xmlns:a14="http://schemas.microsoft.com/office/drawing/2010/main" Requires="a14">
+      <mc:AlternateContent xmlns:mc="http://schemas.openxmlformats.org/markup-compatibility/2006" xmlns:a14="http://schemas.microsoft.com/office/drawing/2010/main">
+        <mc:Choice Requires="a14">
           <p:graphicFrame>
             <p:nvGraphicFramePr>
               <p:cNvPr id="8" name="Tableau 8">
@@ -17170,6 +17346,7 @@
                         <a:bodyPr/>
                         <a:lstStyle/>
                         <a:p>
+                          <a:pPr/>
                           <a14:m>
                             <m:oMathPara xmlns:m="http://schemas.openxmlformats.org/officeDocument/2006/math">
                               <m:oMathParaPr>
@@ -17253,6 +17430,7 @@
                         <a:bodyPr/>
                         <a:lstStyle/>
                         <a:p>
+                          <a:pPr/>
                           <a14:m>
                             <m:oMathPara xmlns:m="http://schemas.openxmlformats.org/officeDocument/2006/math">
                               <m:oMathParaPr>
@@ -17337,6 +17515,7 @@
                         <a:bodyPr/>
                         <a:lstStyle/>
                         <a:p>
+                          <a:pPr/>
                           <a14:m>
                             <m:oMathPara xmlns:m="http://schemas.openxmlformats.org/officeDocument/2006/math">
                               <m:oMathParaPr>
@@ -17428,6 +17607,7 @@
                         <a:bodyPr/>
                         <a:lstStyle/>
                         <a:p>
+                          <a:pPr/>
                           <a14:m>
                             <m:oMathPara xmlns:m="http://schemas.openxmlformats.org/officeDocument/2006/math">
                               <m:oMathParaPr>
@@ -17562,6 +17742,7 @@
                         <a:bodyPr/>
                         <a:lstStyle/>
                         <a:p>
+                          <a:pPr/>
                           <a14:m>
                             <m:oMathPara xmlns:m="http://schemas.openxmlformats.org/officeDocument/2006/math">
                               <m:oMathParaPr>
@@ -17665,6 +17846,7 @@
                         <a:bodyPr/>
                         <a:lstStyle/>
                         <a:p>
+                          <a:pPr/>
                           <a14:m>
                             <m:oMathPara xmlns:m="http://schemas.openxmlformats.org/officeDocument/2006/math">
                               <m:oMathParaPr>
@@ -17768,6 +17950,7 @@
                         <a:bodyPr/>
                         <a:lstStyle/>
                         <a:p>
+                          <a:pPr/>
                           <a14:m>
                             <m:oMathPara xmlns:m="http://schemas.openxmlformats.org/officeDocument/2006/math">
                               <m:oMathParaPr>
@@ -17827,6 +18010,7 @@
                         <a:bodyPr/>
                         <a:lstStyle/>
                         <a:p>
+                          <a:pPr/>
                           <a14:m>
                             <m:oMathPara xmlns:m="http://schemas.openxmlformats.org/officeDocument/2006/math">
                               <m:oMathParaPr>
@@ -17885,6 +18069,7 @@
                         <a:bodyPr/>
                         <a:lstStyle/>
                         <a:p>
+                          <a:pPr/>
                           <a14:m>
                             <m:oMathPara xmlns:m="http://schemas.openxmlformats.org/officeDocument/2006/math">
                               <m:oMathParaPr>
@@ -17973,6 +18158,7 @@
                         <a:bodyPr/>
                         <a:lstStyle/>
                         <a:p>
+                          <a:pPr/>
                           <a14:m>
                             <m:oMathPara xmlns:m="http://schemas.openxmlformats.org/officeDocument/2006/math">
                               <m:oMathParaPr>
@@ -18030,7 +18216,7 @@
             </a:graphic>
           </p:graphicFrame>
         </mc:Choice>
-        <mc:Fallback>
+        <mc:Fallback xmlns="">
           <p:graphicFrame>
             <p:nvGraphicFramePr>
               <p:cNvPr id="8" name="Tableau 8">
@@ -19555,7 +19741,7 @@
         </p:nvSpPr>
         <p:spPr>
           <a:xfrm>
-            <a:off x="3960634" y="1249961"/>
+            <a:off x="6188279" y="-436226"/>
             <a:ext cx="6096000" cy="1754326"/>
           </a:xfrm>
           <a:prstGeom prst="rect">
@@ -19576,6 +19762,179 @@
           </a:p>
         </p:txBody>
       </p:sp>
+      <p:sp>
+        <p:nvSpPr>
+          <p:cNvPr id="4" name="ZoneTexte 3">
+            <a:extLst>
+              <a:ext uri="{FF2B5EF4-FFF2-40B4-BE49-F238E27FC236}">
+                <a16:creationId xmlns:a16="http://schemas.microsoft.com/office/drawing/2014/main" id="{E6A8A025-D423-4A49-BA37-79DF0E490258}"/>
+              </a:ext>
+            </a:extLst>
+          </p:cNvPr>
+          <p:cNvSpPr txBox="1"/>
+          <p:nvPr/>
+        </p:nvSpPr>
+        <p:spPr>
+          <a:xfrm>
+            <a:off x="360727" y="1249961"/>
+            <a:ext cx="7004807" cy="1323439"/>
+          </a:xfrm>
+          <a:prstGeom prst="rect">
+            <a:avLst/>
+          </a:prstGeom>
+          <a:noFill/>
+        </p:spPr>
+        <p:txBody>
+          <a:bodyPr wrap="square" rtlCol="0">
+            <a:spAutoFit/>
+          </a:bodyPr>
+          <a:lstStyle/>
+          <a:p>
+            <a:r>
+              <a:rPr lang="fr-FR" sz="1600" dirty="0"/>
+              <a:t>Les points de la grille physique (fig.5) sont séparées en situation :</a:t>
+            </a:r>
+          </a:p>
+          <a:p>
+            <a:pPr marL="285750" indent="-285750">
+              <a:buFont typeface="Arial" panose="020B0604020202020204" pitchFamily="34" charset="0"/>
+              <a:buChar char="•"/>
+            </a:pPr>
+            <a:r>
+              <a:rPr lang="fr-FR" sz="1600" dirty="0"/>
+              <a:t>Les points 0 : Frontière finale.</a:t>
+            </a:r>
+          </a:p>
+          <a:p>
+            <a:pPr marL="285750" indent="-285750">
+              <a:buFont typeface="Arial" panose="020B0604020202020204" pitchFamily="34" charset="0"/>
+              <a:buChar char="•"/>
+            </a:pPr>
+            <a:r>
+              <a:rPr lang="fr-FR" sz="1600" dirty="0"/>
+              <a:t>Les points 1 et 2 : Milieu homogène. 1=eau, 2=bois.</a:t>
+            </a:r>
+          </a:p>
+          <a:p>
+            <a:pPr marL="285750" indent="-285750">
+              <a:buFont typeface="Arial" panose="020B0604020202020204" pitchFamily="34" charset="0"/>
+              <a:buChar char="•"/>
+            </a:pPr>
+            <a:r>
+              <a:rPr lang="fr-FR" sz="1600" dirty="0"/>
+              <a:t>Les points 3 à 13 : Conditions frontières du bateau.</a:t>
+            </a:r>
+          </a:p>
+          <a:p>
+            <a:pPr marL="285750" indent="-285750">
+              <a:buFont typeface="Arial" panose="020B0604020202020204" pitchFamily="34" charset="0"/>
+              <a:buChar char="•"/>
+            </a:pPr>
+            <a:r>
+              <a:rPr lang="fr-FR" sz="1600" dirty="0"/>
+              <a:t>Les points 14 à 21 : Couches absorbantes entourant la simulation</a:t>
+            </a:r>
+            <a:endParaRPr lang="fr-CA" sz="1600" dirty="0"/>
+          </a:p>
+        </p:txBody>
+      </p:sp>
+      <p:grpSp>
+        <p:nvGrpSpPr>
+          <p:cNvPr id="9" name="Groupe 8">
+            <a:extLst>
+              <a:ext uri="{FF2B5EF4-FFF2-40B4-BE49-F238E27FC236}">
+                <a16:creationId xmlns:a16="http://schemas.microsoft.com/office/drawing/2014/main" id="{41AE47AF-A067-4B61-908C-D125BFA4316A}"/>
+              </a:ext>
+            </a:extLst>
+          </p:cNvPr>
+          <p:cNvGrpSpPr/>
+          <p:nvPr/>
+        </p:nvGrpSpPr>
+        <p:grpSpPr>
+          <a:xfrm>
+            <a:off x="3257623" y="2692839"/>
+            <a:ext cx="4177994" cy="4090645"/>
+            <a:chOff x="1293258" y="2482995"/>
+            <a:chExt cx="4626078" cy="4529361"/>
+          </a:xfrm>
+          <a:solidFill>
+            <a:schemeClr val="bg1"/>
+          </a:solidFill>
+        </p:grpSpPr>
+        <p:pic>
+          <p:nvPicPr>
+            <p:cNvPr id="7" name="Image 6">
+              <a:extLst>
+                <a:ext uri="{FF2B5EF4-FFF2-40B4-BE49-F238E27FC236}">
+                  <a16:creationId xmlns:a16="http://schemas.microsoft.com/office/drawing/2014/main" id="{B8D17851-6BAC-4BFC-B1E3-91885B22C6FF}"/>
+                </a:ext>
+              </a:extLst>
+            </p:cNvPr>
+            <p:cNvPicPr>
+              <a:picLocks noChangeAspect="1"/>
+            </p:cNvPicPr>
+            <p:nvPr/>
+          </p:nvPicPr>
+          <p:blipFill>
+            <a:blip r:embed="rId2"/>
+            <a:stretch>
+              <a:fillRect/>
+            </a:stretch>
+          </p:blipFill>
+          <p:spPr>
+            <a:xfrm>
+              <a:off x="1373858" y="2482995"/>
+              <a:ext cx="4464879" cy="3864830"/>
+            </a:xfrm>
+            <a:prstGeom prst="rect">
+              <a:avLst/>
+            </a:prstGeom>
+            <a:grpFill/>
+          </p:spPr>
+        </p:pic>
+        <p:sp>
+          <p:nvSpPr>
+            <p:cNvPr id="8" name="ZoneTexte 7">
+              <a:extLst>
+                <a:ext uri="{FF2B5EF4-FFF2-40B4-BE49-F238E27FC236}">
+                  <a16:creationId xmlns:a16="http://schemas.microsoft.com/office/drawing/2014/main" id="{604CFB8A-3163-4D18-A566-E6096A90E9EB}"/>
+                </a:ext>
+              </a:extLst>
+            </p:cNvPr>
+            <p:cNvSpPr txBox="1"/>
+            <p:nvPr/>
+          </p:nvSpPr>
+          <p:spPr>
+            <a:xfrm>
+              <a:off x="1293258" y="6347825"/>
+              <a:ext cx="4626078" cy="664531"/>
+            </a:xfrm>
+            <a:prstGeom prst="rect">
+              <a:avLst/>
+            </a:prstGeom>
+            <a:grpFill/>
+          </p:spPr>
+          <p:txBody>
+            <a:bodyPr wrap="square" rtlCol="0">
+              <a:spAutoFit/>
+            </a:bodyPr>
+            <a:lstStyle/>
+            <a:p>
+              <a:r>
+                <a:rPr lang="fr-CA" sz="1100" dirty="0">
+                  <a:solidFill>
+                    <a:schemeClr val="tx1">
+                      <a:lumMod val="85000"/>
+                      <a:lumOff val="15000"/>
+                    </a:schemeClr>
+                  </a:solidFill>
+                </a:rPr>
+                <a:t>Figure 5 : Les situations pour chaque points, où A est le bateau sans pointe, B avec une pointe circulaire et C une pointe triangulaire</a:t>
+              </a:r>
+            </a:p>
+          </p:txBody>
+        </p:sp>
+      </p:grpSp>
     </p:spTree>
     <p:extLst>
       <p:ext uri="{BB962C8B-B14F-4D97-AF65-F5344CB8AC3E}">

--- a/Oral/Présentation_Eq11.pptx
+++ b/Oral/Présentation_Eq11.pptx
@@ -15,17 +15,19 @@
     <p:sldId id="260" r:id="rId9"/>
     <p:sldId id="261" r:id="rId10"/>
     <p:sldId id="276" r:id="rId11"/>
-    <p:sldId id="275" r:id="rId12"/>
-    <p:sldId id="262" r:id="rId13"/>
-    <p:sldId id="263" r:id="rId14"/>
-    <p:sldId id="264" r:id="rId15"/>
-    <p:sldId id="265" r:id="rId16"/>
-    <p:sldId id="266" r:id="rId17"/>
-    <p:sldId id="267" r:id="rId18"/>
-    <p:sldId id="268" r:id="rId19"/>
-    <p:sldId id="269" r:id="rId20"/>
-    <p:sldId id="270" r:id="rId21"/>
-    <p:sldId id="271" r:id="rId22"/>
+    <p:sldId id="277" r:id="rId12"/>
+    <p:sldId id="278" r:id="rId13"/>
+    <p:sldId id="275" r:id="rId14"/>
+    <p:sldId id="262" r:id="rId15"/>
+    <p:sldId id="263" r:id="rId16"/>
+    <p:sldId id="264" r:id="rId17"/>
+    <p:sldId id="265" r:id="rId18"/>
+    <p:sldId id="266" r:id="rId19"/>
+    <p:sldId id="267" r:id="rId20"/>
+    <p:sldId id="268" r:id="rId21"/>
+    <p:sldId id="269" r:id="rId22"/>
+    <p:sldId id="270" r:id="rId23"/>
+    <p:sldId id="271" r:id="rId24"/>
   </p:sldIdLst>
   <p:sldSz cx="12192000" cy="6858000"/>
   <p:notesSz cx="6858000" cy="9144000"/>
@@ -143,6 +145,8 @@
           <p14:sldIdLst>
             <p14:sldId id="261"/>
             <p14:sldId id="276"/>
+            <p14:sldId id="277"/>
+            <p14:sldId id="278"/>
             <p14:sldId id="275"/>
             <p14:sldId id="262"/>
             <p14:sldId id="263"/>
@@ -6421,6 +6425,2454 @@
           </a:p>
         </p:txBody>
       </p:sp>
+      <p:sp>
+        <p:nvSpPr>
+          <p:cNvPr id="4" name="ZoneTexte 3">
+            <a:extLst>
+              <a:ext uri="{FF2B5EF4-FFF2-40B4-BE49-F238E27FC236}">
+                <a16:creationId xmlns:a16="http://schemas.microsoft.com/office/drawing/2014/main" id="{9BADA194-35A4-4465-9879-CFB6014BE644}"/>
+              </a:ext>
+            </a:extLst>
+          </p:cNvPr>
+          <p:cNvSpPr txBox="1"/>
+          <p:nvPr/>
+        </p:nvSpPr>
+        <p:spPr>
+          <a:xfrm>
+            <a:off x="455643" y="1802836"/>
+            <a:ext cx="8506436" cy="923330"/>
+          </a:xfrm>
+          <a:prstGeom prst="rect">
+            <a:avLst/>
+          </a:prstGeom>
+          <a:noFill/>
+        </p:spPr>
+        <p:txBody>
+          <a:bodyPr wrap="square" rtlCol="0">
+            <a:spAutoFit/>
+          </a:bodyPr>
+          <a:lstStyle/>
+          <a:p>
+            <a:r>
+              <a:rPr lang="fr-CA" dirty="0"/>
+              <a:t>En utilisant un </a:t>
+            </a:r>
+            <a:r>
+              <a:rPr lang="fr-CA" dirty="0" err="1"/>
+              <a:t>Laplacien</a:t>
+            </a:r>
+            <a:r>
+              <a:rPr lang="fr-CA" dirty="0"/>
+              <a:t> à 9 points, on obtient les équations de gradient avant (14) et arrière (15). Une fois discréditée, les équations auront la forme générale de l’équation 16.</a:t>
+            </a:r>
+          </a:p>
+        </p:txBody>
+      </p:sp>
+      <p:grpSp>
+        <p:nvGrpSpPr>
+          <p:cNvPr id="9" name="Groupe 8">
+            <a:extLst>
+              <a:ext uri="{FF2B5EF4-FFF2-40B4-BE49-F238E27FC236}">
+                <a16:creationId xmlns:a16="http://schemas.microsoft.com/office/drawing/2014/main" id="{862F21EC-CC60-4154-BA6A-C663B79EE1CC}"/>
+              </a:ext>
+            </a:extLst>
+          </p:cNvPr>
+          <p:cNvGrpSpPr/>
+          <p:nvPr/>
+        </p:nvGrpSpPr>
+        <p:grpSpPr>
+          <a:xfrm>
+            <a:off x="566256" y="2817376"/>
+            <a:ext cx="7917745" cy="535531"/>
+            <a:chOff x="566256" y="2355711"/>
+            <a:chExt cx="7917745" cy="535531"/>
+          </a:xfrm>
+        </p:grpSpPr>
+        <mc:AlternateContent xmlns:mc="http://schemas.openxmlformats.org/markup-compatibility/2006">
+          <mc:Choice xmlns:a14="http://schemas.microsoft.com/office/drawing/2010/main" Requires="a14">
+            <p:sp>
+              <p:nvSpPr>
+                <p:cNvPr id="5" name="ZoneTexte 4">
+                  <a:extLst>
+                    <a:ext uri="{FF2B5EF4-FFF2-40B4-BE49-F238E27FC236}">
+                      <a16:creationId xmlns:a16="http://schemas.microsoft.com/office/drawing/2014/main" id="{A4206C53-2767-4559-87C9-8CD9924D60FD}"/>
+                    </a:ext>
+                  </a:extLst>
+                </p:cNvPr>
+                <p:cNvSpPr txBox="1"/>
+                <p:nvPr/>
+              </p:nvSpPr>
+              <p:spPr>
+                <a:xfrm>
+                  <a:off x="566256" y="2355711"/>
+                  <a:ext cx="7284238" cy="535531"/>
+                </a:xfrm>
+                <a:prstGeom prst="rect">
+                  <a:avLst/>
+                </a:prstGeom>
+                <a:noFill/>
+              </p:spPr>
+              <p:txBody>
+                <a:bodyPr wrap="none" lIns="0" tIns="0" rIns="0" bIns="0" rtlCol="0">
+                  <a:spAutoFit/>
+                </a:bodyPr>
+                <a:lstStyle/>
+                <a:p>
+                  <a14:m>
+                    <m:oMathPara xmlns:m="http://schemas.openxmlformats.org/officeDocument/2006/math">
+                      <m:oMathParaPr>
+                        <m:jc m:val="centerGroup"/>
+                      </m:oMathParaPr>
+                      <m:oMath xmlns:m="http://schemas.openxmlformats.org/officeDocument/2006/math">
+                        <m:acc>
+                          <m:accPr>
+                            <m:chr m:val="⃗"/>
+                            <m:ctrlPr>
+                              <a:rPr lang="fr-CA" i="1" smtClean="0">
+                                <a:latin typeface="Cambria Math" panose="02040503050406030204" pitchFamily="18" charset="0"/>
+                              </a:rPr>
+                            </m:ctrlPr>
+                          </m:accPr>
+                          <m:e>
+                            <m:r>
+                              <m:rPr>
+                                <m:sty m:val="p"/>
+                              </m:rPr>
+                              <a:rPr lang="fr-CA" i="1" smtClean="0">
+                                <a:latin typeface="Cambria Math" panose="02040503050406030204" pitchFamily="18" charset="0"/>
+                                <a:ea typeface="Cambria Math" panose="02040503050406030204" pitchFamily="18" charset="0"/>
+                              </a:rPr>
+                              <m:t>∇</m:t>
+                            </m:r>
+                          </m:e>
+                        </m:acc>
+                        <m:r>
+                          <a:rPr lang="fr-CA" b="0" i="1" smtClean="0">
+                            <a:latin typeface="Cambria Math" panose="02040503050406030204" pitchFamily="18" charset="0"/>
+                          </a:rPr>
+                          <m:t>𝑓</m:t>
+                        </m:r>
+                        <m:r>
+                          <a:rPr lang="fr-CA" b="0" i="1" smtClean="0">
+                            <a:latin typeface="Cambria Math" panose="02040503050406030204" pitchFamily="18" charset="0"/>
+                          </a:rPr>
+                          <m:t>=</m:t>
+                        </m:r>
+                        <m:f>
+                          <m:fPr>
+                            <m:ctrlPr>
+                              <a:rPr lang="fr-CA" b="0" i="1" smtClean="0">
+                                <a:latin typeface="Cambria Math" panose="02040503050406030204" pitchFamily="18" charset="0"/>
+                              </a:rPr>
+                            </m:ctrlPr>
+                          </m:fPr>
+                          <m:num>
+                            <m:r>
+                              <a:rPr lang="fr-CA" b="0" i="1" smtClean="0">
+                                <a:latin typeface="Cambria Math" panose="02040503050406030204" pitchFamily="18" charset="0"/>
+                              </a:rPr>
+                              <m:t>(−3</m:t>
+                            </m:r>
+                            <m:sSub>
+                              <m:sSubPr>
+                                <m:ctrlPr>
+                                  <a:rPr lang="fr-CA" b="0" i="1" smtClean="0">
+                                    <a:latin typeface="Cambria Math" panose="02040503050406030204" pitchFamily="18" charset="0"/>
+                                  </a:rPr>
+                                </m:ctrlPr>
+                              </m:sSubPr>
+                              <m:e>
+                                <m:r>
+                                  <a:rPr lang="fr-CA" b="0" i="1" smtClean="0">
+                                    <a:latin typeface="Cambria Math" panose="02040503050406030204" pitchFamily="18" charset="0"/>
+                                  </a:rPr>
+                                  <m:t>𝑝</m:t>
+                                </m:r>
+                              </m:e>
+                              <m:sub>
+                                <m:r>
+                                  <a:rPr lang="fr-CA" b="0" i="1" smtClean="0">
+                                    <a:latin typeface="Cambria Math" panose="02040503050406030204" pitchFamily="18" charset="0"/>
+                                  </a:rPr>
+                                  <m:t>𝑖</m:t>
+                                </m:r>
+                                <m:r>
+                                  <a:rPr lang="fr-CA" b="0" i="1" smtClean="0">
+                                    <a:latin typeface="Cambria Math" panose="02040503050406030204" pitchFamily="18" charset="0"/>
+                                  </a:rPr>
+                                  <m:t>,</m:t>
+                                </m:r>
+                                <m:r>
+                                  <a:rPr lang="fr-CA" b="0" i="1" smtClean="0">
+                                    <a:latin typeface="Cambria Math" panose="02040503050406030204" pitchFamily="18" charset="0"/>
+                                  </a:rPr>
+                                  <m:t>𝑗</m:t>
+                                </m:r>
+                              </m:sub>
+                            </m:sSub>
+                            <m:r>
+                              <a:rPr lang="fr-CA" b="0" i="1" smtClean="0">
+                                <a:latin typeface="Cambria Math" panose="02040503050406030204" pitchFamily="18" charset="0"/>
+                              </a:rPr>
+                              <m:t>+2</m:t>
+                            </m:r>
+                            <m:sSub>
+                              <m:sSubPr>
+                                <m:ctrlPr>
+                                  <a:rPr lang="fr-CA" i="1">
+                                    <a:latin typeface="Cambria Math" panose="02040503050406030204" pitchFamily="18" charset="0"/>
+                                  </a:rPr>
+                                </m:ctrlPr>
+                              </m:sSubPr>
+                              <m:e>
+                                <m:r>
+                                  <a:rPr lang="fr-CA" i="1">
+                                    <a:latin typeface="Cambria Math" panose="02040503050406030204" pitchFamily="18" charset="0"/>
+                                  </a:rPr>
+                                  <m:t>𝑝</m:t>
+                                </m:r>
+                              </m:e>
+                              <m:sub>
+                                <m:r>
+                                  <a:rPr lang="fr-CA" i="1">
+                                    <a:latin typeface="Cambria Math" panose="02040503050406030204" pitchFamily="18" charset="0"/>
+                                  </a:rPr>
+                                  <m:t>𝑖</m:t>
+                                </m:r>
+                                <m:r>
+                                  <a:rPr lang="fr-CA" b="0" i="1" smtClean="0">
+                                    <a:latin typeface="Cambria Math" panose="02040503050406030204" pitchFamily="18" charset="0"/>
+                                  </a:rPr>
+                                  <m:t>+1</m:t>
+                                </m:r>
+                                <m:r>
+                                  <a:rPr lang="fr-CA" i="1">
+                                    <a:latin typeface="Cambria Math" panose="02040503050406030204" pitchFamily="18" charset="0"/>
+                                  </a:rPr>
+                                  <m:t>,</m:t>
+                                </m:r>
+                                <m:r>
+                                  <a:rPr lang="fr-CA" i="1">
+                                    <a:latin typeface="Cambria Math" panose="02040503050406030204" pitchFamily="18" charset="0"/>
+                                  </a:rPr>
+                                  <m:t>𝑗</m:t>
+                                </m:r>
+                              </m:sub>
+                            </m:sSub>
+                            <m:r>
+                              <a:rPr lang="fr-CA" b="0" i="1" smtClean="0">
+                                <a:latin typeface="Cambria Math" panose="02040503050406030204" pitchFamily="18" charset="0"/>
+                              </a:rPr>
+                              <m:t>−</m:t>
+                            </m:r>
+                            <m:sSub>
+                              <m:sSubPr>
+                                <m:ctrlPr>
+                                  <a:rPr lang="fr-CA" i="1">
+                                    <a:latin typeface="Cambria Math" panose="02040503050406030204" pitchFamily="18" charset="0"/>
+                                  </a:rPr>
+                                </m:ctrlPr>
+                              </m:sSubPr>
+                              <m:e>
+                                <m:r>
+                                  <a:rPr lang="fr-CA" i="1">
+                                    <a:latin typeface="Cambria Math" panose="02040503050406030204" pitchFamily="18" charset="0"/>
+                                  </a:rPr>
+                                  <m:t>𝑝</m:t>
+                                </m:r>
+                              </m:e>
+                              <m:sub>
+                                <m:r>
+                                  <a:rPr lang="fr-CA" i="1">
+                                    <a:latin typeface="Cambria Math" panose="02040503050406030204" pitchFamily="18" charset="0"/>
+                                  </a:rPr>
+                                  <m:t>𝑖</m:t>
+                                </m:r>
+                                <m:r>
+                                  <a:rPr lang="fr-CA" b="0" i="1" smtClean="0">
+                                    <a:latin typeface="Cambria Math" panose="02040503050406030204" pitchFamily="18" charset="0"/>
+                                  </a:rPr>
+                                  <m:t>+2</m:t>
+                                </m:r>
+                                <m:r>
+                                  <a:rPr lang="fr-CA" i="1">
+                                    <a:latin typeface="Cambria Math" panose="02040503050406030204" pitchFamily="18" charset="0"/>
+                                  </a:rPr>
+                                  <m:t>,</m:t>
+                                </m:r>
+                                <m:r>
+                                  <a:rPr lang="fr-CA" i="1">
+                                    <a:latin typeface="Cambria Math" panose="02040503050406030204" pitchFamily="18" charset="0"/>
+                                  </a:rPr>
+                                  <m:t>𝑗</m:t>
+                                </m:r>
+                              </m:sub>
+                            </m:sSub>
+                            <m:r>
+                              <a:rPr lang="fr-CA" b="0" i="1" smtClean="0">
+                                <a:latin typeface="Cambria Math" panose="02040503050406030204" pitchFamily="18" charset="0"/>
+                              </a:rPr>
+                              <m:t>)</m:t>
+                            </m:r>
+                          </m:num>
+                          <m:den>
+                            <m:r>
+                              <a:rPr lang="fr-CA" b="0" i="1" smtClean="0">
+                                <a:latin typeface="Cambria Math" panose="02040503050406030204" pitchFamily="18" charset="0"/>
+                              </a:rPr>
+                              <m:t>2</m:t>
+                            </m:r>
+                            <m:sSup>
+                              <m:sSupPr>
+                                <m:ctrlPr>
+                                  <a:rPr lang="fr-CA" b="0" i="1" smtClean="0">
+                                    <a:latin typeface="Cambria Math" panose="02040503050406030204" pitchFamily="18" charset="0"/>
+                                  </a:rPr>
+                                </m:ctrlPr>
+                              </m:sSupPr>
+                              <m:e>
+                                <m:r>
+                                  <a:rPr lang="fr-CA" b="0" i="1" smtClean="0">
+                                    <a:latin typeface="Cambria Math" panose="02040503050406030204" pitchFamily="18" charset="0"/>
+                                  </a:rPr>
+                                  <m:t>h</m:t>
+                                </m:r>
+                              </m:e>
+                              <m:sup>
+                                <m:r>
+                                  <a:rPr lang="fr-CA" b="0" i="1" smtClean="0">
+                                    <a:latin typeface="Cambria Math" panose="02040503050406030204" pitchFamily="18" charset="0"/>
+                                  </a:rPr>
+                                  <m:t>2</m:t>
+                                </m:r>
+                              </m:sup>
+                            </m:sSup>
+                          </m:den>
+                        </m:f>
+                        <m:acc>
+                          <m:accPr>
+                            <m:chr m:val="̂"/>
+                            <m:ctrlPr>
+                              <a:rPr lang="fr-CA" b="0" i="1" smtClean="0">
+                                <a:latin typeface="Cambria Math" panose="02040503050406030204" pitchFamily="18" charset="0"/>
+                              </a:rPr>
+                            </m:ctrlPr>
+                          </m:accPr>
+                          <m:e>
+                            <m:r>
+                              <a:rPr lang="fr-CA" b="0" i="1" smtClean="0">
+                                <a:latin typeface="Cambria Math" panose="02040503050406030204" pitchFamily="18" charset="0"/>
+                              </a:rPr>
+                              <m:t>𝑥</m:t>
+                            </m:r>
+                          </m:e>
+                        </m:acc>
+                        <m:r>
+                          <a:rPr lang="fr-CA" b="0" i="1" smtClean="0">
+                            <a:latin typeface="Cambria Math" panose="02040503050406030204" pitchFamily="18" charset="0"/>
+                          </a:rPr>
+                          <m:t>+</m:t>
+                        </m:r>
+                        <m:f>
+                          <m:fPr>
+                            <m:ctrlPr>
+                              <a:rPr lang="fr-CA" i="1">
+                                <a:latin typeface="Cambria Math" panose="02040503050406030204" pitchFamily="18" charset="0"/>
+                              </a:rPr>
+                            </m:ctrlPr>
+                          </m:fPr>
+                          <m:num>
+                            <m:r>
+                              <a:rPr lang="fr-CA" i="1">
+                                <a:latin typeface="Cambria Math" panose="02040503050406030204" pitchFamily="18" charset="0"/>
+                              </a:rPr>
+                              <m:t>(−3</m:t>
+                            </m:r>
+                            <m:sSub>
+                              <m:sSubPr>
+                                <m:ctrlPr>
+                                  <a:rPr lang="fr-CA" i="1">
+                                    <a:latin typeface="Cambria Math" panose="02040503050406030204" pitchFamily="18" charset="0"/>
+                                  </a:rPr>
+                                </m:ctrlPr>
+                              </m:sSubPr>
+                              <m:e>
+                                <m:r>
+                                  <a:rPr lang="fr-CA" i="1">
+                                    <a:latin typeface="Cambria Math" panose="02040503050406030204" pitchFamily="18" charset="0"/>
+                                  </a:rPr>
+                                  <m:t>𝑝</m:t>
+                                </m:r>
+                              </m:e>
+                              <m:sub>
+                                <m:r>
+                                  <a:rPr lang="fr-CA" i="1">
+                                    <a:latin typeface="Cambria Math" panose="02040503050406030204" pitchFamily="18" charset="0"/>
+                                  </a:rPr>
+                                  <m:t>𝑖</m:t>
+                                </m:r>
+                                <m:r>
+                                  <a:rPr lang="fr-CA" i="1">
+                                    <a:latin typeface="Cambria Math" panose="02040503050406030204" pitchFamily="18" charset="0"/>
+                                  </a:rPr>
+                                  <m:t>,</m:t>
+                                </m:r>
+                                <m:r>
+                                  <a:rPr lang="fr-CA" i="1">
+                                    <a:latin typeface="Cambria Math" panose="02040503050406030204" pitchFamily="18" charset="0"/>
+                                  </a:rPr>
+                                  <m:t>𝑗</m:t>
+                                </m:r>
+                              </m:sub>
+                            </m:sSub>
+                            <m:r>
+                              <a:rPr lang="fr-CA" i="1">
+                                <a:latin typeface="Cambria Math" panose="02040503050406030204" pitchFamily="18" charset="0"/>
+                              </a:rPr>
+                              <m:t>+2</m:t>
+                            </m:r>
+                            <m:sSub>
+                              <m:sSubPr>
+                                <m:ctrlPr>
+                                  <a:rPr lang="fr-CA" i="1">
+                                    <a:latin typeface="Cambria Math" panose="02040503050406030204" pitchFamily="18" charset="0"/>
+                                  </a:rPr>
+                                </m:ctrlPr>
+                              </m:sSubPr>
+                              <m:e>
+                                <m:r>
+                                  <a:rPr lang="fr-CA" i="1">
+                                    <a:latin typeface="Cambria Math" panose="02040503050406030204" pitchFamily="18" charset="0"/>
+                                  </a:rPr>
+                                  <m:t>𝑝</m:t>
+                                </m:r>
+                              </m:e>
+                              <m:sub>
+                                <m:r>
+                                  <a:rPr lang="fr-CA" i="1">
+                                    <a:latin typeface="Cambria Math" panose="02040503050406030204" pitchFamily="18" charset="0"/>
+                                  </a:rPr>
+                                  <m:t>𝑖</m:t>
+                                </m:r>
+                                <m:r>
+                                  <a:rPr lang="fr-CA" i="1">
+                                    <a:latin typeface="Cambria Math" panose="02040503050406030204" pitchFamily="18" charset="0"/>
+                                  </a:rPr>
+                                  <m:t>+1</m:t>
+                                </m:r>
+                                <m:r>
+                                  <a:rPr lang="fr-CA" i="1">
+                                    <a:latin typeface="Cambria Math" panose="02040503050406030204" pitchFamily="18" charset="0"/>
+                                  </a:rPr>
+                                  <m:t>,</m:t>
+                                </m:r>
+                                <m:r>
+                                  <a:rPr lang="fr-CA" i="1">
+                                    <a:latin typeface="Cambria Math" panose="02040503050406030204" pitchFamily="18" charset="0"/>
+                                  </a:rPr>
+                                  <m:t>𝑗</m:t>
+                                </m:r>
+                              </m:sub>
+                            </m:sSub>
+                            <m:r>
+                              <a:rPr lang="fr-CA" i="1">
+                                <a:latin typeface="Cambria Math" panose="02040503050406030204" pitchFamily="18" charset="0"/>
+                              </a:rPr>
+                              <m:t>−</m:t>
+                            </m:r>
+                            <m:sSub>
+                              <m:sSubPr>
+                                <m:ctrlPr>
+                                  <a:rPr lang="fr-CA" i="1">
+                                    <a:latin typeface="Cambria Math" panose="02040503050406030204" pitchFamily="18" charset="0"/>
+                                  </a:rPr>
+                                </m:ctrlPr>
+                              </m:sSubPr>
+                              <m:e>
+                                <m:r>
+                                  <a:rPr lang="fr-CA" i="1">
+                                    <a:latin typeface="Cambria Math" panose="02040503050406030204" pitchFamily="18" charset="0"/>
+                                  </a:rPr>
+                                  <m:t>𝑝</m:t>
+                                </m:r>
+                              </m:e>
+                              <m:sub>
+                                <m:r>
+                                  <a:rPr lang="fr-CA" i="1">
+                                    <a:latin typeface="Cambria Math" panose="02040503050406030204" pitchFamily="18" charset="0"/>
+                                  </a:rPr>
+                                  <m:t>𝑖</m:t>
+                                </m:r>
+                                <m:r>
+                                  <a:rPr lang="fr-CA" i="1">
+                                    <a:latin typeface="Cambria Math" panose="02040503050406030204" pitchFamily="18" charset="0"/>
+                                  </a:rPr>
+                                  <m:t>+2</m:t>
+                                </m:r>
+                                <m:r>
+                                  <a:rPr lang="fr-CA" i="1">
+                                    <a:latin typeface="Cambria Math" panose="02040503050406030204" pitchFamily="18" charset="0"/>
+                                  </a:rPr>
+                                  <m:t>,</m:t>
+                                </m:r>
+                                <m:r>
+                                  <a:rPr lang="fr-CA" i="1">
+                                    <a:latin typeface="Cambria Math" panose="02040503050406030204" pitchFamily="18" charset="0"/>
+                                  </a:rPr>
+                                  <m:t>𝑗</m:t>
+                                </m:r>
+                              </m:sub>
+                            </m:sSub>
+                            <m:r>
+                              <a:rPr lang="fr-CA" i="1">
+                                <a:latin typeface="Cambria Math" panose="02040503050406030204" pitchFamily="18" charset="0"/>
+                              </a:rPr>
+                              <m:t>)</m:t>
+                            </m:r>
+                          </m:num>
+                          <m:den>
+                            <m:r>
+                              <a:rPr lang="fr-CA" i="1">
+                                <a:latin typeface="Cambria Math" panose="02040503050406030204" pitchFamily="18" charset="0"/>
+                              </a:rPr>
+                              <m:t>2</m:t>
+                            </m:r>
+                            <m:sSup>
+                              <m:sSupPr>
+                                <m:ctrlPr>
+                                  <a:rPr lang="fr-CA" i="1">
+                                    <a:latin typeface="Cambria Math" panose="02040503050406030204" pitchFamily="18" charset="0"/>
+                                  </a:rPr>
+                                </m:ctrlPr>
+                              </m:sSupPr>
+                              <m:e>
+                                <m:r>
+                                  <a:rPr lang="fr-CA" i="1">
+                                    <a:latin typeface="Cambria Math" panose="02040503050406030204" pitchFamily="18" charset="0"/>
+                                  </a:rPr>
+                                  <m:t>h</m:t>
+                                </m:r>
+                              </m:e>
+                              <m:sup>
+                                <m:r>
+                                  <a:rPr lang="fr-CA" i="1">
+                                    <a:latin typeface="Cambria Math" panose="02040503050406030204" pitchFamily="18" charset="0"/>
+                                  </a:rPr>
+                                  <m:t>2</m:t>
+                                </m:r>
+                              </m:sup>
+                            </m:sSup>
+                          </m:den>
+                        </m:f>
+                        <m:acc>
+                          <m:accPr>
+                            <m:chr m:val="̂"/>
+                            <m:ctrlPr>
+                              <a:rPr lang="fr-CA" i="1">
+                                <a:latin typeface="Cambria Math" panose="02040503050406030204" pitchFamily="18" charset="0"/>
+                              </a:rPr>
+                            </m:ctrlPr>
+                          </m:accPr>
+                          <m:e>
+                            <m:r>
+                              <a:rPr lang="fr-CA" b="0" i="1" smtClean="0">
+                                <a:latin typeface="Cambria Math" panose="02040503050406030204" pitchFamily="18" charset="0"/>
+                              </a:rPr>
+                              <m:t>𝑦</m:t>
+                            </m:r>
+                          </m:e>
+                        </m:acc>
+                        <m:r>
+                          <a:rPr lang="fr-CA" b="0" i="1" smtClean="0">
+                            <a:latin typeface="Cambria Math" panose="02040503050406030204" pitchFamily="18" charset="0"/>
+                          </a:rPr>
+                          <m:t>+</m:t>
+                        </m:r>
+                        <m:r>
+                          <a:rPr lang="fr-CA" b="0" i="1" smtClean="0">
+                            <a:latin typeface="Cambria Math" panose="02040503050406030204" pitchFamily="18" charset="0"/>
+                          </a:rPr>
+                          <m:t>𝑂</m:t>
+                        </m:r>
+                        <m:r>
+                          <a:rPr lang="fr-CA" b="0" i="1" smtClean="0">
+                            <a:latin typeface="Cambria Math" panose="02040503050406030204" pitchFamily="18" charset="0"/>
+                          </a:rPr>
+                          <m:t>(</m:t>
+                        </m:r>
+                        <m:sSup>
+                          <m:sSupPr>
+                            <m:ctrlPr>
+                              <a:rPr lang="fr-CA" b="0" i="1" smtClean="0">
+                                <a:latin typeface="Cambria Math" panose="02040503050406030204" pitchFamily="18" charset="0"/>
+                              </a:rPr>
+                            </m:ctrlPr>
+                          </m:sSupPr>
+                          <m:e>
+                            <m:r>
+                              <a:rPr lang="fr-CA" b="0" i="1" smtClean="0">
+                                <a:latin typeface="Cambria Math" panose="02040503050406030204" pitchFamily="18" charset="0"/>
+                              </a:rPr>
+                              <m:t>h</m:t>
+                            </m:r>
+                          </m:e>
+                          <m:sup>
+                            <m:r>
+                              <a:rPr lang="fr-CA" b="0" i="1" smtClean="0">
+                                <a:latin typeface="Cambria Math" panose="02040503050406030204" pitchFamily="18" charset="0"/>
+                              </a:rPr>
+                              <m:t>2</m:t>
+                            </m:r>
+                          </m:sup>
+                        </m:sSup>
+                        <m:r>
+                          <a:rPr lang="fr-CA" b="0" i="1" smtClean="0">
+                            <a:latin typeface="Cambria Math" panose="02040503050406030204" pitchFamily="18" charset="0"/>
+                          </a:rPr>
+                          <m:t>)</m:t>
+                        </m:r>
+                      </m:oMath>
+                    </m:oMathPara>
+                  </a14:m>
+                  <a:endParaRPr lang="fr-CA" dirty="0"/>
+                </a:p>
+              </p:txBody>
+            </p:sp>
+          </mc:Choice>
+          <mc:Fallback>
+            <p:sp>
+              <p:nvSpPr>
+                <p:cNvPr id="5" name="ZoneTexte 4">
+                  <a:extLst>
+                    <a:ext uri="{FF2B5EF4-FFF2-40B4-BE49-F238E27FC236}">
+                      <a16:creationId xmlns:a16="http://schemas.microsoft.com/office/drawing/2014/main" id="{A4206C53-2767-4559-87C9-8CD9924D60FD}"/>
+                    </a:ext>
+                  </a:extLst>
+                </p:cNvPr>
+                <p:cNvSpPr txBox="1">
+                  <a:spLocks noRot="1" noChangeAspect="1" noMove="1" noResize="1" noEditPoints="1" noAdjustHandles="1" noChangeArrowheads="1" noChangeShapeType="1" noTextEdit="1"/>
+                </p:cNvSpPr>
+                <p:nvPr/>
+              </p:nvSpPr>
+              <p:spPr>
+                <a:xfrm>
+                  <a:off x="566256" y="2355711"/>
+                  <a:ext cx="7284238" cy="535531"/>
+                </a:xfrm>
+                <a:prstGeom prst="rect">
+                  <a:avLst/>
+                </a:prstGeom>
+                <a:blipFill>
+                  <a:blip r:embed="rId2"/>
+                  <a:stretch>
+                    <a:fillRect/>
+                  </a:stretch>
+                </a:blipFill>
+              </p:spPr>
+              <p:txBody>
+                <a:bodyPr/>
+                <a:lstStyle/>
+                <a:p>
+                  <a:r>
+                    <a:rPr lang="fr-CA">
+                      <a:noFill/>
+                    </a:rPr>
+                    <a:t> </a:t>
+                  </a:r>
+                </a:p>
+              </p:txBody>
+            </p:sp>
+          </mc:Fallback>
+        </mc:AlternateContent>
+        <p:sp>
+          <p:nvSpPr>
+            <p:cNvPr id="8" name="ZoneTexte 7">
+              <a:extLst>
+                <a:ext uri="{FF2B5EF4-FFF2-40B4-BE49-F238E27FC236}">
+                  <a16:creationId xmlns:a16="http://schemas.microsoft.com/office/drawing/2014/main" id="{9971D1EC-DB0F-4900-B5DD-02FE91E57C2A}"/>
+                </a:ext>
+              </a:extLst>
+            </p:cNvPr>
+            <p:cNvSpPr txBox="1"/>
+            <p:nvPr/>
+          </p:nvSpPr>
+          <p:spPr>
+            <a:xfrm>
+              <a:off x="7850494" y="2438810"/>
+              <a:ext cx="633507" cy="369332"/>
+            </a:xfrm>
+            <a:prstGeom prst="rect">
+              <a:avLst/>
+            </a:prstGeom>
+            <a:noFill/>
+          </p:spPr>
+          <p:txBody>
+            <a:bodyPr wrap="none" rtlCol="0">
+              <a:spAutoFit/>
+            </a:bodyPr>
+            <a:lstStyle/>
+            <a:p>
+              <a:r>
+                <a:rPr lang="fr-CA" dirty="0">
+                  <a:latin typeface="Cambria Math" panose="02040503050406030204" pitchFamily="18" charset="0"/>
+                  <a:ea typeface="Cambria Math" panose="02040503050406030204" pitchFamily="18" charset="0"/>
+                </a:rPr>
+                <a:t>(14)</a:t>
+              </a:r>
+            </a:p>
+          </p:txBody>
+        </p:sp>
+      </p:grpSp>
+      <p:grpSp>
+        <p:nvGrpSpPr>
+          <p:cNvPr id="11" name="Groupe 10">
+            <a:extLst>
+              <a:ext uri="{FF2B5EF4-FFF2-40B4-BE49-F238E27FC236}">
+                <a16:creationId xmlns:a16="http://schemas.microsoft.com/office/drawing/2014/main" id="{69F48FEC-DD76-4B64-9412-8A4DB6620C44}"/>
+              </a:ext>
+            </a:extLst>
+          </p:cNvPr>
+          <p:cNvGrpSpPr/>
+          <p:nvPr/>
+        </p:nvGrpSpPr>
+        <p:grpSpPr>
+          <a:xfrm>
+            <a:off x="566257" y="3444117"/>
+            <a:ext cx="7594653" cy="535531"/>
+            <a:chOff x="566257" y="2982452"/>
+            <a:chExt cx="7594653" cy="535531"/>
+          </a:xfrm>
+        </p:grpSpPr>
+        <mc:AlternateContent xmlns:mc="http://schemas.openxmlformats.org/markup-compatibility/2006">
+          <mc:Choice xmlns:a14="http://schemas.microsoft.com/office/drawing/2010/main" Requires="a14">
+            <p:sp>
+              <p:nvSpPr>
+                <p:cNvPr id="6" name="ZoneTexte 5">
+                  <a:extLst>
+                    <a:ext uri="{FF2B5EF4-FFF2-40B4-BE49-F238E27FC236}">
+                      <a16:creationId xmlns:a16="http://schemas.microsoft.com/office/drawing/2014/main" id="{39B4E4BC-67C9-4738-868B-B1EDB7E0997A}"/>
+                    </a:ext>
+                  </a:extLst>
+                </p:cNvPr>
+                <p:cNvSpPr txBox="1"/>
+                <p:nvPr/>
+              </p:nvSpPr>
+              <p:spPr>
+                <a:xfrm>
+                  <a:off x="566257" y="2982452"/>
+                  <a:ext cx="6961146" cy="535531"/>
+                </a:xfrm>
+                <a:prstGeom prst="rect">
+                  <a:avLst/>
+                </a:prstGeom>
+                <a:noFill/>
+              </p:spPr>
+              <p:txBody>
+                <a:bodyPr wrap="square" lIns="0" tIns="0" rIns="0" bIns="0" rtlCol="0">
+                  <a:spAutoFit/>
+                </a:bodyPr>
+                <a:lstStyle/>
+                <a:p>
+                  <a14:m>
+                    <m:oMathPara xmlns:m="http://schemas.openxmlformats.org/officeDocument/2006/math">
+                      <m:oMathParaPr>
+                        <m:jc m:val="centerGroup"/>
+                      </m:oMathParaPr>
+                      <m:oMath xmlns:m="http://schemas.openxmlformats.org/officeDocument/2006/math">
+                        <m:acc>
+                          <m:accPr>
+                            <m:chr m:val="⃗"/>
+                            <m:ctrlPr>
+                              <a:rPr lang="fr-CA" i="1" smtClean="0">
+                                <a:latin typeface="Cambria Math" panose="02040503050406030204" pitchFamily="18" charset="0"/>
+                              </a:rPr>
+                            </m:ctrlPr>
+                          </m:accPr>
+                          <m:e>
+                            <m:r>
+                              <m:rPr>
+                                <m:sty m:val="p"/>
+                              </m:rPr>
+                              <a:rPr lang="fr-CA" i="1" smtClean="0">
+                                <a:latin typeface="Cambria Math" panose="02040503050406030204" pitchFamily="18" charset="0"/>
+                                <a:ea typeface="Cambria Math" panose="02040503050406030204" pitchFamily="18" charset="0"/>
+                              </a:rPr>
+                              <m:t>∇</m:t>
+                            </m:r>
+                          </m:e>
+                        </m:acc>
+                        <m:r>
+                          <a:rPr lang="fr-CA" b="0" i="1" smtClean="0">
+                            <a:latin typeface="Cambria Math" panose="02040503050406030204" pitchFamily="18" charset="0"/>
+                          </a:rPr>
+                          <m:t>𝑓</m:t>
+                        </m:r>
+                        <m:r>
+                          <a:rPr lang="fr-CA" b="0" i="1" smtClean="0">
+                            <a:latin typeface="Cambria Math" panose="02040503050406030204" pitchFamily="18" charset="0"/>
+                          </a:rPr>
+                          <m:t>=</m:t>
+                        </m:r>
+                        <m:f>
+                          <m:fPr>
+                            <m:ctrlPr>
+                              <a:rPr lang="fr-CA" b="0" i="1" smtClean="0">
+                                <a:latin typeface="Cambria Math" panose="02040503050406030204" pitchFamily="18" charset="0"/>
+                              </a:rPr>
+                            </m:ctrlPr>
+                          </m:fPr>
+                          <m:num>
+                            <m:r>
+                              <a:rPr lang="fr-CA" b="0" i="1" smtClean="0">
+                                <a:latin typeface="Cambria Math" panose="02040503050406030204" pitchFamily="18" charset="0"/>
+                              </a:rPr>
+                              <m:t>(</m:t>
+                            </m:r>
+                            <m:sSub>
+                              <m:sSubPr>
+                                <m:ctrlPr>
+                                  <a:rPr lang="fr-CA" i="1">
+                                    <a:latin typeface="Cambria Math" panose="02040503050406030204" pitchFamily="18" charset="0"/>
+                                  </a:rPr>
+                                </m:ctrlPr>
+                              </m:sSubPr>
+                              <m:e>
+                                <m:r>
+                                  <a:rPr lang="fr-CA" i="1">
+                                    <a:latin typeface="Cambria Math" panose="02040503050406030204" pitchFamily="18" charset="0"/>
+                                  </a:rPr>
+                                  <m:t>𝑝</m:t>
+                                </m:r>
+                              </m:e>
+                              <m:sub>
+                                <m:r>
+                                  <a:rPr lang="fr-CA" i="1">
+                                    <a:latin typeface="Cambria Math" panose="02040503050406030204" pitchFamily="18" charset="0"/>
+                                  </a:rPr>
+                                  <m:t>𝑖</m:t>
+                                </m:r>
+                                <m:r>
+                                  <a:rPr lang="fr-CA" b="0" i="1" smtClean="0">
+                                    <a:latin typeface="Cambria Math" panose="02040503050406030204" pitchFamily="18" charset="0"/>
+                                  </a:rPr>
+                                  <m:t>−</m:t>
+                                </m:r>
+                                <m:r>
+                                  <a:rPr lang="fr-CA" i="1">
+                                    <a:latin typeface="Cambria Math" panose="02040503050406030204" pitchFamily="18" charset="0"/>
+                                  </a:rPr>
+                                  <m:t>2</m:t>
+                                </m:r>
+                                <m:r>
+                                  <a:rPr lang="fr-CA" i="1">
+                                    <a:latin typeface="Cambria Math" panose="02040503050406030204" pitchFamily="18" charset="0"/>
+                                  </a:rPr>
+                                  <m:t>,</m:t>
+                                </m:r>
+                                <m:r>
+                                  <a:rPr lang="fr-CA" i="1">
+                                    <a:latin typeface="Cambria Math" panose="02040503050406030204" pitchFamily="18" charset="0"/>
+                                  </a:rPr>
+                                  <m:t>𝑗</m:t>
+                                </m:r>
+                              </m:sub>
+                            </m:sSub>
+                            <m:r>
+                              <a:rPr lang="fr-CA" b="0" i="1" smtClean="0">
+                                <a:latin typeface="Cambria Math" panose="02040503050406030204" pitchFamily="18" charset="0"/>
+                              </a:rPr>
+                              <m:t>−2</m:t>
+                            </m:r>
+                            <m:sSub>
+                              <m:sSubPr>
+                                <m:ctrlPr>
+                                  <a:rPr lang="fr-CA" b="0" i="1" smtClean="0">
+                                    <a:latin typeface="Cambria Math" panose="02040503050406030204" pitchFamily="18" charset="0"/>
+                                  </a:rPr>
+                                </m:ctrlPr>
+                              </m:sSubPr>
+                              <m:e>
+                                <m:r>
+                                  <a:rPr lang="fr-CA" b="0" i="1" smtClean="0">
+                                    <a:latin typeface="Cambria Math" panose="02040503050406030204" pitchFamily="18" charset="0"/>
+                                  </a:rPr>
+                                  <m:t>𝑝</m:t>
+                                </m:r>
+                              </m:e>
+                              <m:sub>
+                                <m:r>
+                                  <a:rPr lang="fr-CA" b="0" i="1" smtClean="0">
+                                    <a:latin typeface="Cambria Math" panose="02040503050406030204" pitchFamily="18" charset="0"/>
+                                  </a:rPr>
+                                  <m:t>𝑖</m:t>
+                                </m:r>
+                                <m:r>
+                                  <a:rPr lang="fr-CA" b="0" i="1" smtClean="0">
+                                    <a:latin typeface="Cambria Math" panose="02040503050406030204" pitchFamily="18" charset="0"/>
+                                  </a:rPr>
+                                  <m:t>−1,</m:t>
+                                </m:r>
+                                <m:r>
+                                  <a:rPr lang="fr-CA" b="0" i="1" smtClean="0">
+                                    <a:latin typeface="Cambria Math" panose="02040503050406030204" pitchFamily="18" charset="0"/>
+                                  </a:rPr>
+                                  <m:t>𝑗</m:t>
+                                </m:r>
+                              </m:sub>
+                            </m:sSub>
+                            <m:r>
+                              <a:rPr lang="fr-CA" b="0" i="1" smtClean="0">
+                                <a:latin typeface="Cambria Math" panose="02040503050406030204" pitchFamily="18" charset="0"/>
+                              </a:rPr>
+                              <m:t>+3</m:t>
+                            </m:r>
+                            <m:sSub>
+                              <m:sSubPr>
+                                <m:ctrlPr>
+                                  <a:rPr lang="fr-CA" i="1">
+                                    <a:latin typeface="Cambria Math" panose="02040503050406030204" pitchFamily="18" charset="0"/>
+                                  </a:rPr>
+                                </m:ctrlPr>
+                              </m:sSubPr>
+                              <m:e>
+                                <m:r>
+                                  <a:rPr lang="fr-CA" i="1">
+                                    <a:latin typeface="Cambria Math" panose="02040503050406030204" pitchFamily="18" charset="0"/>
+                                  </a:rPr>
+                                  <m:t>𝑝</m:t>
+                                </m:r>
+                              </m:e>
+                              <m:sub>
+                                <m:r>
+                                  <a:rPr lang="fr-CA" i="1">
+                                    <a:latin typeface="Cambria Math" panose="02040503050406030204" pitchFamily="18" charset="0"/>
+                                  </a:rPr>
+                                  <m:t>𝑖</m:t>
+                                </m:r>
+                                <m:r>
+                                  <a:rPr lang="fr-CA" i="1">
+                                    <a:latin typeface="Cambria Math" panose="02040503050406030204" pitchFamily="18" charset="0"/>
+                                  </a:rPr>
+                                  <m:t>,</m:t>
+                                </m:r>
+                                <m:r>
+                                  <a:rPr lang="fr-CA" i="1">
+                                    <a:latin typeface="Cambria Math" panose="02040503050406030204" pitchFamily="18" charset="0"/>
+                                  </a:rPr>
+                                  <m:t>𝑗</m:t>
+                                </m:r>
+                              </m:sub>
+                            </m:sSub>
+                            <m:r>
+                              <a:rPr lang="fr-CA" b="0" i="1" smtClean="0">
+                                <a:latin typeface="Cambria Math" panose="02040503050406030204" pitchFamily="18" charset="0"/>
+                              </a:rPr>
+                              <m:t>)</m:t>
+                            </m:r>
+                          </m:num>
+                          <m:den>
+                            <m:r>
+                              <a:rPr lang="fr-CA" b="0" i="1" smtClean="0">
+                                <a:latin typeface="Cambria Math" panose="02040503050406030204" pitchFamily="18" charset="0"/>
+                              </a:rPr>
+                              <m:t>2</m:t>
+                            </m:r>
+                            <m:sSup>
+                              <m:sSupPr>
+                                <m:ctrlPr>
+                                  <a:rPr lang="fr-CA" b="0" i="1" smtClean="0">
+                                    <a:latin typeface="Cambria Math" panose="02040503050406030204" pitchFamily="18" charset="0"/>
+                                  </a:rPr>
+                                </m:ctrlPr>
+                              </m:sSupPr>
+                              <m:e>
+                                <m:r>
+                                  <a:rPr lang="fr-CA" b="0" i="1" smtClean="0">
+                                    <a:latin typeface="Cambria Math" panose="02040503050406030204" pitchFamily="18" charset="0"/>
+                                  </a:rPr>
+                                  <m:t>h</m:t>
+                                </m:r>
+                              </m:e>
+                              <m:sup>
+                                <m:r>
+                                  <a:rPr lang="fr-CA" b="0" i="1" smtClean="0">
+                                    <a:latin typeface="Cambria Math" panose="02040503050406030204" pitchFamily="18" charset="0"/>
+                                  </a:rPr>
+                                  <m:t>2</m:t>
+                                </m:r>
+                              </m:sup>
+                            </m:sSup>
+                          </m:den>
+                        </m:f>
+                        <m:acc>
+                          <m:accPr>
+                            <m:chr m:val="̂"/>
+                            <m:ctrlPr>
+                              <a:rPr lang="fr-CA" b="0" i="1" smtClean="0">
+                                <a:latin typeface="Cambria Math" panose="02040503050406030204" pitchFamily="18" charset="0"/>
+                              </a:rPr>
+                            </m:ctrlPr>
+                          </m:accPr>
+                          <m:e>
+                            <m:r>
+                              <a:rPr lang="fr-CA" b="0" i="1" smtClean="0">
+                                <a:latin typeface="Cambria Math" panose="02040503050406030204" pitchFamily="18" charset="0"/>
+                              </a:rPr>
+                              <m:t>𝑥</m:t>
+                            </m:r>
+                          </m:e>
+                        </m:acc>
+                        <m:r>
+                          <a:rPr lang="fr-CA" b="0" i="1" smtClean="0">
+                            <a:latin typeface="Cambria Math" panose="02040503050406030204" pitchFamily="18" charset="0"/>
+                          </a:rPr>
+                          <m:t>+</m:t>
+                        </m:r>
+                        <m:f>
+                          <m:fPr>
+                            <m:ctrlPr>
+                              <a:rPr lang="fr-CA" i="1">
+                                <a:latin typeface="Cambria Math" panose="02040503050406030204" pitchFamily="18" charset="0"/>
+                              </a:rPr>
+                            </m:ctrlPr>
+                          </m:fPr>
+                          <m:num>
+                            <m:r>
+                              <a:rPr lang="fr-CA" i="1">
+                                <a:latin typeface="Cambria Math" panose="02040503050406030204" pitchFamily="18" charset="0"/>
+                              </a:rPr>
+                              <m:t>(</m:t>
+                            </m:r>
+                            <m:sSub>
+                              <m:sSubPr>
+                                <m:ctrlPr>
+                                  <a:rPr lang="fr-CA" i="1">
+                                    <a:latin typeface="Cambria Math" panose="02040503050406030204" pitchFamily="18" charset="0"/>
+                                  </a:rPr>
+                                </m:ctrlPr>
+                              </m:sSubPr>
+                              <m:e>
+                                <m:r>
+                                  <a:rPr lang="fr-CA" i="1">
+                                    <a:latin typeface="Cambria Math" panose="02040503050406030204" pitchFamily="18" charset="0"/>
+                                  </a:rPr>
+                                  <m:t>𝑝</m:t>
+                                </m:r>
+                              </m:e>
+                              <m:sub>
+                                <m:r>
+                                  <a:rPr lang="fr-CA" i="1">
+                                    <a:latin typeface="Cambria Math" panose="02040503050406030204" pitchFamily="18" charset="0"/>
+                                  </a:rPr>
+                                  <m:t>𝑖</m:t>
+                                </m:r>
+                                <m:r>
+                                  <a:rPr lang="fr-CA" i="1">
+                                    <a:latin typeface="Cambria Math" panose="02040503050406030204" pitchFamily="18" charset="0"/>
+                                  </a:rPr>
+                                  <m:t>−</m:t>
+                                </m:r>
+                                <m:r>
+                                  <a:rPr lang="fr-CA" i="1">
+                                    <a:latin typeface="Cambria Math" panose="02040503050406030204" pitchFamily="18" charset="0"/>
+                                  </a:rPr>
+                                  <m:t>2,</m:t>
+                                </m:r>
+                                <m:r>
+                                  <a:rPr lang="fr-CA" i="1">
+                                    <a:latin typeface="Cambria Math" panose="02040503050406030204" pitchFamily="18" charset="0"/>
+                                  </a:rPr>
+                                  <m:t>𝑗</m:t>
+                                </m:r>
+                              </m:sub>
+                            </m:sSub>
+                            <m:r>
+                              <a:rPr lang="fr-CA" i="1">
+                                <a:latin typeface="Cambria Math" panose="02040503050406030204" pitchFamily="18" charset="0"/>
+                              </a:rPr>
+                              <m:t>−2</m:t>
+                            </m:r>
+                            <m:sSub>
+                              <m:sSubPr>
+                                <m:ctrlPr>
+                                  <a:rPr lang="fr-CA" i="1">
+                                    <a:latin typeface="Cambria Math" panose="02040503050406030204" pitchFamily="18" charset="0"/>
+                                  </a:rPr>
+                                </m:ctrlPr>
+                              </m:sSubPr>
+                              <m:e>
+                                <m:r>
+                                  <a:rPr lang="fr-CA" i="1">
+                                    <a:latin typeface="Cambria Math" panose="02040503050406030204" pitchFamily="18" charset="0"/>
+                                  </a:rPr>
+                                  <m:t>𝑝</m:t>
+                                </m:r>
+                              </m:e>
+                              <m:sub>
+                                <m:r>
+                                  <a:rPr lang="fr-CA" i="1">
+                                    <a:latin typeface="Cambria Math" panose="02040503050406030204" pitchFamily="18" charset="0"/>
+                                  </a:rPr>
+                                  <m:t>𝑖</m:t>
+                                </m:r>
+                                <m:r>
+                                  <a:rPr lang="fr-CA" i="1">
+                                    <a:latin typeface="Cambria Math" panose="02040503050406030204" pitchFamily="18" charset="0"/>
+                                  </a:rPr>
+                                  <m:t>−1,</m:t>
+                                </m:r>
+                                <m:r>
+                                  <a:rPr lang="fr-CA" i="1">
+                                    <a:latin typeface="Cambria Math" panose="02040503050406030204" pitchFamily="18" charset="0"/>
+                                  </a:rPr>
+                                  <m:t>𝑗</m:t>
+                                </m:r>
+                              </m:sub>
+                            </m:sSub>
+                            <m:r>
+                              <a:rPr lang="fr-CA" i="1">
+                                <a:latin typeface="Cambria Math" panose="02040503050406030204" pitchFamily="18" charset="0"/>
+                              </a:rPr>
+                              <m:t>+3</m:t>
+                            </m:r>
+                            <m:sSub>
+                              <m:sSubPr>
+                                <m:ctrlPr>
+                                  <a:rPr lang="fr-CA" i="1">
+                                    <a:latin typeface="Cambria Math" panose="02040503050406030204" pitchFamily="18" charset="0"/>
+                                  </a:rPr>
+                                </m:ctrlPr>
+                              </m:sSubPr>
+                              <m:e>
+                                <m:r>
+                                  <a:rPr lang="fr-CA" i="1">
+                                    <a:latin typeface="Cambria Math" panose="02040503050406030204" pitchFamily="18" charset="0"/>
+                                  </a:rPr>
+                                  <m:t>𝑝</m:t>
+                                </m:r>
+                              </m:e>
+                              <m:sub>
+                                <m:r>
+                                  <a:rPr lang="fr-CA" i="1">
+                                    <a:latin typeface="Cambria Math" panose="02040503050406030204" pitchFamily="18" charset="0"/>
+                                  </a:rPr>
+                                  <m:t>𝑖</m:t>
+                                </m:r>
+                                <m:r>
+                                  <a:rPr lang="fr-CA" i="1">
+                                    <a:latin typeface="Cambria Math" panose="02040503050406030204" pitchFamily="18" charset="0"/>
+                                  </a:rPr>
+                                  <m:t>,</m:t>
+                                </m:r>
+                                <m:r>
+                                  <a:rPr lang="fr-CA" i="1">
+                                    <a:latin typeface="Cambria Math" panose="02040503050406030204" pitchFamily="18" charset="0"/>
+                                  </a:rPr>
+                                  <m:t>𝑗</m:t>
+                                </m:r>
+                              </m:sub>
+                            </m:sSub>
+                            <m:r>
+                              <a:rPr lang="fr-CA" i="1">
+                                <a:latin typeface="Cambria Math" panose="02040503050406030204" pitchFamily="18" charset="0"/>
+                              </a:rPr>
+                              <m:t>)</m:t>
+                            </m:r>
+                          </m:num>
+                          <m:den>
+                            <m:r>
+                              <a:rPr lang="fr-CA" i="1">
+                                <a:latin typeface="Cambria Math" panose="02040503050406030204" pitchFamily="18" charset="0"/>
+                              </a:rPr>
+                              <m:t>2</m:t>
+                            </m:r>
+                            <m:sSup>
+                              <m:sSupPr>
+                                <m:ctrlPr>
+                                  <a:rPr lang="fr-CA" i="1">
+                                    <a:latin typeface="Cambria Math" panose="02040503050406030204" pitchFamily="18" charset="0"/>
+                                  </a:rPr>
+                                </m:ctrlPr>
+                              </m:sSupPr>
+                              <m:e>
+                                <m:r>
+                                  <a:rPr lang="fr-CA" i="1">
+                                    <a:latin typeface="Cambria Math" panose="02040503050406030204" pitchFamily="18" charset="0"/>
+                                  </a:rPr>
+                                  <m:t>h</m:t>
+                                </m:r>
+                              </m:e>
+                              <m:sup>
+                                <m:r>
+                                  <a:rPr lang="fr-CA" i="1">
+                                    <a:latin typeface="Cambria Math" panose="02040503050406030204" pitchFamily="18" charset="0"/>
+                                  </a:rPr>
+                                  <m:t>2</m:t>
+                                </m:r>
+                              </m:sup>
+                            </m:sSup>
+                          </m:den>
+                        </m:f>
+                        <m:acc>
+                          <m:accPr>
+                            <m:chr m:val="̂"/>
+                            <m:ctrlPr>
+                              <a:rPr lang="fr-CA" i="1">
+                                <a:latin typeface="Cambria Math" panose="02040503050406030204" pitchFamily="18" charset="0"/>
+                              </a:rPr>
+                            </m:ctrlPr>
+                          </m:accPr>
+                          <m:e>
+                            <m:r>
+                              <a:rPr lang="fr-CA" b="0" i="1" smtClean="0">
+                                <a:latin typeface="Cambria Math" panose="02040503050406030204" pitchFamily="18" charset="0"/>
+                              </a:rPr>
+                              <m:t>𝑦</m:t>
+                            </m:r>
+                          </m:e>
+                        </m:acc>
+                        <m:r>
+                          <a:rPr lang="fr-CA" b="0" i="1" smtClean="0">
+                            <a:latin typeface="Cambria Math" panose="02040503050406030204" pitchFamily="18" charset="0"/>
+                          </a:rPr>
+                          <m:t>+</m:t>
+                        </m:r>
+                        <m:r>
+                          <a:rPr lang="fr-CA" b="0" i="1" smtClean="0">
+                            <a:latin typeface="Cambria Math" panose="02040503050406030204" pitchFamily="18" charset="0"/>
+                          </a:rPr>
+                          <m:t>𝑂</m:t>
+                        </m:r>
+                        <m:r>
+                          <a:rPr lang="fr-CA" b="0" i="1" smtClean="0">
+                            <a:latin typeface="Cambria Math" panose="02040503050406030204" pitchFamily="18" charset="0"/>
+                          </a:rPr>
+                          <m:t>(</m:t>
+                        </m:r>
+                        <m:sSup>
+                          <m:sSupPr>
+                            <m:ctrlPr>
+                              <a:rPr lang="fr-CA" b="0" i="1" smtClean="0">
+                                <a:latin typeface="Cambria Math" panose="02040503050406030204" pitchFamily="18" charset="0"/>
+                              </a:rPr>
+                            </m:ctrlPr>
+                          </m:sSupPr>
+                          <m:e>
+                            <m:r>
+                              <a:rPr lang="fr-CA" b="0" i="1" smtClean="0">
+                                <a:latin typeface="Cambria Math" panose="02040503050406030204" pitchFamily="18" charset="0"/>
+                              </a:rPr>
+                              <m:t>h</m:t>
+                            </m:r>
+                          </m:e>
+                          <m:sup>
+                            <m:r>
+                              <a:rPr lang="fr-CA" b="0" i="1" smtClean="0">
+                                <a:latin typeface="Cambria Math" panose="02040503050406030204" pitchFamily="18" charset="0"/>
+                              </a:rPr>
+                              <m:t>2</m:t>
+                            </m:r>
+                          </m:sup>
+                        </m:sSup>
+                        <m:r>
+                          <a:rPr lang="fr-CA" b="0" i="1" smtClean="0">
+                            <a:latin typeface="Cambria Math" panose="02040503050406030204" pitchFamily="18" charset="0"/>
+                          </a:rPr>
+                          <m:t>)</m:t>
+                        </m:r>
+                      </m:oMath>
+                    </m:oMathPara>
+                  </a14:m>
+                  <a:endParaRPr lang="fr-CA" dirty="0"/>
+                </a:p>
+              </p:txBody>
+            </p:sp>
+          </mc:Choice>
+          <mc:Fallback>
+            <p:sp>
+              <p:nvSpPr>
+                <p:cNvPr id="6" name="ZoneTexte 5">
+                  <a:extLst>
+                    <a:ext uri="{FF2B5EF4-FFF2-40B4-BE49-F238E27FC236}">
+                      <a16:creationId xmlns:a16="http://schemas.microsoft.com/office/drawing/2014/main" id="{39B4E4BC-67C9-4738-868B-B1EDB7E0997A}"/>
+                    </a:ext>
+                  </a:extLst>
+                </p:cNvPr>
+                <p:cNvSpPr txBox="1">
+                  <a:spLocks noRot="1" noChangeAspect="1" noMove="1" noResize="1" noEditPoints="1" noAdjustHandles="1" noChangeArrowheads="1" noChangeShapeType="1" noTextEdit="1"/>
+                </p:cNvSpPr>
+                <p:nvPr/>
+              </p:nvSpPr>
+              <p:spPr>
+                <a:xfrm>
+                  <a:off x="566257" y="2982452"/>
+                  <a:ext cx="6961146" cy="535531"/>
+                </a:xfrm>
+                <a:prstGeom prst="rect">
+                  <a:avLst/>
+                </a:prstGeom>
+                <a:blipFill>
+                  <a:blip r:embed="rId3"/>
+                  <a:stretch>
+                    <a:fillRect/>
+                  </a:stretch>
+                </a:blipFill>
+              </p:spPr>
+              <p:txBody>
+                <a:bodyPr/>
+                <a:lstStyle/>
+                <a:p>
+                  <a:r>
+                    <a:rPr lang="fr-CA">
+                      <a:noFill/>
+                    </a:rPr>
+                    <a:t> </a:t>
+                  </a:r>
+                </a:p>
+              </p:txBody>
+            </p:sp>
+          </mc:Fallback>
+        </mc:AlternateContent>
+        <p:sp>
+          <p:nvSpPr>
+            <p:cNvPr id="10" name="ZoneTexte 9">
+              <a:extLst>
+                <a:ext uri="{FF2B5EF4-FFF2-40B4-BE49-F238E27FC236}">
+                  <a16:creationId xmlns:a16="http://schemas.microsoft.com/office/drawing/2014/main" id="{4A49BA88-C95A-48A3-8A2A-D95DF9C835B0}"/>
+                </a:ext>
+              </a:extLst>
+            </p:cNvPr>
+            <p:cNvSpPr txBox="1"/>
+            <p:nvPr/>
+          </p:nvSpPr>
+          <p:spPr>
+            <a:xfrm>
+              <a:off x="7527403" y="3065551"/>
+              <a:ext cx="633507" cy="369332"/>
+            </a:xfrm>
+            <a:prstGeom prst="rect">
+              <a:avLst/>
+            </a:prstGeom>
+            <a:noFill/>
+          </p:spPr>
+          <p:txBody>
+            <a:bodyPr wrap="none" rtlCol="0">
+              <a:spAutoFit/>
+            </a:bodyPr>
+            <a:lstStyle/>
+            <a:p>
+              <a:r>
+                <a:rPr lang="fr-CA" dirty="0">
+                  <a:latin typeface="Cambria Math" panose="02040503050406030204" pitchFamily="18" charset="0"/>
+                  <a:ea typeface="Cambria Math" panose="02040503050406030204" pitchFamily="18" charset="0"/>
+                </a:rPr>
+                <a:t>(15)</a:t>
+              </a:r>
+            </a:p>
+          </p:txBody>
+        </p:sp>
+      </p:grpSp>
+      <p:grpSp>
+        <p:nvGrpSpPr>
+          <p:cNvPr id="13" name="Groupe 12">
+            <a:extLst>
+              <a:ext uri="{FF2B5EF4-FFF2-40B4-BE49-F238E27FC236}">
+                <a16:creationId xmlns:a16="http://schemas.microsoft.com/office/drawing/2014/main" id="{FDCFA658-A8B3-4938-B9F1-C7E7E9F47719}"/>
+              </a:ext>
+            </a:extLst>
+          </p:cNvPr>
+          <p:cNvGrpSpPr/>
+          <p:nvPr/>
+        </p:nvGrpSpPr>
+        <p:grpSpPr>
+          <a:xfrm>
+            <a:off x="455643" y="4389474"/>
+            <a:ext cx="8418122" cy="897938"/>
+            <a:chOff x="455643" y="3667446"/>
+            <a:chExt cx="8418122" cy="897938"/>
+          </a:xfrm>
+        </p:grpSpPr>
+        <mc:AlternateContent xmlns:mc="http://schemas.openxmlformats.org/markup-compatibility/2006">
+          <mc:Choice xmlns:a14="http://schemas.microsoft.com/office/drawing/2010/main" Requires="a14">
+            <p:sp>
+              <p:nvSpPr>
+                <p:cNvPr id="7" name="ZoneTexte 6">
+                  <a:extLst>
+                    <a:ext uri="{FF2B5EF4-FFF2-40B4-BE49-F238E27FC236}">
+                      <a16:creationId xmlns:a16="http://schemas.microsoft.com/office/drawing/2014/main" id="{7005CEB2-9801-438B-98FC-BCD9B914EF39}"/>
+                    </a:ext>
+                  </a:extLst>
+                </p:cNvPr>
+                <p:cNvSpPr txBox="1"/>
+                <p:nvPr/>
+              </p:nvSpPr>
+              <p:spPr>
+                <a:xfrm>
+                  <a:off x="455643" y="3667446"/>
+                  <a:ext cx="7871642" cy="897938"/>
+                </a:xfrm>
+                <a:prstGeom prst="rect">
+                  <a:avLst/>
+                </a:prstGeom>
+                <a:noFill/>
+              </p:spPr>
+              <p:txBody>
+                <a:bodyPr wrap="none" lIns="0" tIns="0" rIns="0" bIns="0" rtlCol="0">
+                  <a:spAutoFit/>
+                </a:bodyPr>
+                <a:lstStyle/>
+                <a:p>
+                  <a:pPr>
+                    <a:lnSpc>
+                      <a:spcPct val="150000"/>
+                    </a:lnSpc>
+                  </a:pPr>
+                  <a14:m>
+                    <m:oMathPara xmlns:m="http://schemas.openxmlformats.org/officeDocument/2006/math">
+                      <m:oMathParaPr>
+                        <m:jc m:val="left"/>
+                      </m:oMathParaPr>
+                      <m:oMath xmlns:m="http://schemas.openxmlformats.org/officeDocument/2006/math">
+                        <m:sSub>
+                          <m:sSubPr>
+                            <m:ctrlPr>
+                              <a:rPr lang="fr-CA" i="1" smtClean="0">
+                                <a:latin typeface="Cambria Math" panose="02040503050406030204" pitchFamily="18" charset="0"/>
+                              </a:rPr>
+                            </m:ctrlPr>
+                          </m:sSubPr>
+                          <m:e>
+                            <m:r>
+                              <a:rPr lang="fr-CA" b="0" i="1" smtClean="0">
+                                <a:latin typeface="Cambria Math" panose="02040503050406030204" pitchFamily="18" charset="0"/>
+                              </a:rPr>
+                              <m:t>𝑎</m:t>
+                            </m:r>
+                          </m:e>
+                          <m:sub>
+                            <m:r>
+                              <a:rPr lang="fr-CA" b="0" i="1" smtClean="0">
+                                <a:latin typeface="Cambria Math" panose="02040503050406030204" pitchFamily="18" charset="0"/>
+                              </a:rPr>
+                              <m:t>1</m:t>
+                            </m:r>
+                          </m:sub>
+                        </m:sSub>
+                        <m:sSub>
+                          <m:sSubPr>
+                            <m:ctrlPr>
+                              <a:rPr lang="fr-CA" i="1">
+                                <a:latin typeface="Cambria Math" panose="02040503050406030204" pitchFamily="18" charset="0"/>
+                              </a:rPr>
+                            </m:ctrlPr>
+                          </m:sSubPr>
+                          <m:e>
+                            <m:r>
+                              <a:rPr lang="fr-CA" i="1">
+                                <a:latin typeface="Cambria Math" panose="02040503050406030204" pitchFamily="18" charset="0"/>
+                              </a:rPr>
+                              <m:t>𝑝</m:t>
+                            </m:r>
+                          </m:e>
+                          <m:sub>
+                            <m:r>
+                              <a:rPr lang="fr-CA" i="1">
+                                <a:latin typeface="Cambria Math" panose="02040503050406030204" pitchFamily="18" charset="0"/>
+                              </a:rPr>
+                              <m:t>𝑖</m:t>
+                            </m:r>
+                            <m:r>
+                              <a:rPr lang="fr-CA" i="1">
+                                <a:latin typeface="Cambria Math" panose="02040503050406030204" pitchFamily="18" charset="0"/>
+                              </a:rPr>
+                              <m:t>−</m:t>
+                            </m:r>
+                            <m:r>
+                              <a:rPr lang="fr-CA" i="1">
+                                <a:latin typeface="Cambria Math" panose="02040503050406030204" pitchFamily="18" charset="0"/>
+                              </a:rPr>
+                              <m:t>2,</m:t>
+                            </m:r>
+                            <m:r>
+                              <a:rPr lang="fr-CA" i="1">
+                                <a:latin typeface="Cambria Math" panose="02040503050406030204" pitchFamily="18" charset="0"/>
+                              </a:rPr>
+                              <m:t>𝑗</m:t>
+                            </m:r>
+                          </m:sub>
+                        </m:sSub>
+                        <m:r>
+                          <a:rPr lang="fr-CA" b="0" i="1" smtClean="0">
+                            <a:latin typeface="Cambria Math" panose="02040503050406030204" pitchFamily="18" charset="0"/>
+                          </a:rPr>
+                          <m:t>+</m:t>
+                        </m:r>
+                        <m:sSub>
+                          <m:sSubPr>
+                            <m:ctrlPr>
+                              <a:rPr lang="fr-CA" i="1">
+                                <a:latin typeface="Cambria Math" panose="02040503050406030204" pitchFamily="18" charset="0"/>
+                              </a:rPr>
+                            </m:ctrlPr>
+                          </m:sSubPr>
+                          <m:e>
+                            <m:r>
+                              <a:rPr lang="fr-CA" i="1">
+                                <a:latin typeface="Cambria Math" panose="02040503050406030204" pitchFamily="18" charset="0"/>
+                              </a:rPr>
+                              <m:t>𝑎</m:t>
+                            </m:r>
+                          </m:e>
+                          <m:sub>
+                            <m:r>
+                              <a:rPr lang="fr-CA" b="0" i="1" smtClean="0">
+                                <a:latin typeface="Cambria Math" panose="02040503050406030204" pitchFamily="18" charset="0"/>
+                              </a:rPr>
+                              <m:t>2</m:t>
+                            </m:r>
+                          </m:sub>
+                        </m:sSub>
+                        <m:sSub>
+                          <m:sSubPr>
+                            <m:ctrlPr>
+                              <a:rPr lang="fr-CA" i="1">
+                                <a:latin typeface="Cambria Math" panose="02040503050406030204" pitchFamily="18" charset="0"/>
+                              </a:rPr>
+                            </m:ctrlPr>
+                          </m:sSubPr>
+                          <m:e>
+                            <m:r>
+                              <a:rPr lang="fr-CA" i="1">
+                                <a:latin typeface="Cambria Math" panose="02040503050406030204" pitchFamily="18" charset="0"/>
+                              </a:rPr>
+                              <m:t>𝑝</m:t>
+                            </m:r>
+                          </m:e>
+                          <m:sub>
+                            <m:r>
+                              <a:rPr lang="fr-CA" i="1">
+                                <a:latin typeface="Cambria Math" panose="02040503050406030204" pitchFamily="18" charset="0"/>
+                              </a:rPr>
+                              <m:t>𝑖</m:t>
+                            </m:r>
+                            <m:r>
+                              <a:rPr lang="fr-CA" i="1">
+                                <a:latin typeface="Cambria Math" panose="02040503050406030204" pitchFamily="18" charset="0"/>
+                              </a:rPr>
+                              <m:t>−1,</m:t>
+                            </m:r>
+                            <m:r>
+                              <a:rPr lang="fr-CA" i="1">
+                                <a:latin typeface="Cambria Math" panose="02040503050406030204" pitchFamily="18" charset="0"/>
+                              </a:rPr>
+                              <m:t>𝑗</m:t>
+                            </m:r>
+                            <m:r>
+                              <a:rPr lang="fr-CA" b="0" i="1" smtClean="0">
+                                <a:latin typeface="Cambria Math" panose="02040503050406030204" pitchFamily="18" charset="0"/>
+                              </a:rPr>
+                              <m:t>+2</m:t>
+                            </m:r>
+                          </m:sub>
+                        </m:sSub>
+                        <m:r>
+                          <a:rPr lang="fr-CA" b="0" i="1" smtClean="0">
+                            <a:latin typeface="Cambria Math" panose="02040503050406030204" pitchFamily="18" charset="0"/>
+                          </a:rPr>
+                          <m:t>+</m:t>
+                        </m:r>
+                        <m:r>
+                          <a:rPr lang="fr-CA" b="0" i="1" smtClean="0">
+                            <a:latin typeface="Cambria Math" panose="02040503050406030204" pitchFamily="18" charset="0"/>
+                          </a:rPr>
+                          <m:t>𝑐</m:t>
+                        </m:r>
+                        <m:sSub>
+                          <m:sSubPr>
+                            <m:ctrlPr>
+                              <a:rPr lang="fr-CA" i="1">
+                                <a:latin typeface="Cambria Math" panose="02040503050406030204" pitchFamily="18" charset="0"/>
+                              </a:rPr>
+                            </m:ctrlPr>
+                          </m:sSubPr>
+                          <m:e>
+                            <m:r>
+                              <a:rPr lang="fr-CA" i="1">
+                                <a:latin typeface="Cambria Math" panose="02040503050406030204" pitchFamily="18" charset="0"/>
+                              </a:rPr>
+                              <m:t>𝑝</m:t>
+                            </m:r>
+                          </m:e>
+                          <m:sub>
+                            <m:r>
+                              <a:rPr lang="fr-CA" i="1">
+                                <a:latin typeface="Cambria Math" panose="02040503050406030204" pitchFamily="18" charset="0"/>
+                              </a:rPr>
+                              <m:t>𝑖</m:t>
+                            </m:r>
+                            <m:r>
+                              <a:rPr lang="fr-CA" i="1">
+                                <a:latin typeface="Cambria Math" panose="02040503050406030204" pitchFamily="18" charset="0"/>
+                              </a:rPr>
+                              <m:t>−1,</m:t>
+                            </m:r>
+                            <m:r>
+                              <a:rPr lang="fr-CA" i="1">
+                                <a:latin typeface="Cambria Math" panose="02040503050406030204" pitchFamily="18" charset="0"/>
+                              </a:rPr>
+                              <m:t>𝑗</m:t>
+                            </m:r>
+                          </m:sub>
+                        </m:sSub>
+                        <m:r>
+                          <a:rPr lang="fr-CA" i="1">
+                            <a:latin typeface="Cambria Math" panose="02040503050406030204" pitchFamily="18" charset="0"/>
+                          </a:rPr>
+                          <m:t>+</m:t>
+                        </m:r>
+                        <m:r>
+                          <a:rPr lang="fr-CA" b="0" i="1" smtClean="0">
+                            <a:latin typeface="Cambria Math" panose="02040503050406030204" pitchFamily="18" charset="0"/>
+                          </a:rPr>
+                          <m:t>𝑑</m:t>
+                        </m:r>
+                        <m:sSub>
+                          <m:sSubPr>
+                            <m:ctrlPr>
+                              <a:rPr lang="fr-CA" i="1">
+                                <a:latin typeface="Cambria Math" panose="02040503050406030204" pitchFamily="18" charset="0"/>
+                              </a:rPr>
+                            </m:ctrlPr>
+                          </m:sSubPr>
+                          <m:e>
+                            <m:r>
+                              <a:rPr lang="fr-CA" i="1">
+                                <a:latin typeface="Cambria Math" panose="02040503050406030204" pitchFamily="18" charset="0"/>
+                              </a:rPr>
+                              <m:t>𝑝</m:t>
+                            </m:r>
+                          </m:e>
+                          <m:sub>
+                            <m:r>
+                              <a:rPr lang="fr-CA" i="1">
+                                <a:latin typeface="Cambria Math" panose="02040503050406030204" pitchFamily="18" charset="0"/>
+                              </a:rPr>
+                              <m:t>𝑖</m:t>
+                            </m:r>
+                            <m:r>
+                              <a:rPr lang="fr-CA" i="1">
+                                <a:latin typeface="Cambria Math" panose="02040503050406030204" pitchFamily="18" charset="0"/>
+                              </a:rPr>
+                              <m:t>−1,</m:t>
+                            </m:r>
+                            <m:r>
+                              <a:rPr lang="fr-CA" i="1">
+                                <a:latin typeface="Cambria Math" panose="02040503050406030204" pitchFamily="18" charset="0"/>
+                              </a:rPr>
+                              <m:t>𝑗</m:t>
+                            </m:r>
+                            <m:r>
+                              <a:rPr lang="fr-CA" b="0" i="1" smtClean="0">
+                                <a:latin typeface="Cambria Math" panose="02040503050406030204" pitchFamily="18" charset="0"/>
+                              </a:rPr>
+                              <m:t>−1</m:t>
+                            </m:r>
+                          </m:sub>
+                        </m:sSub>
+                        <m:r>
+                          <a:rPr lang="fr-CA" b="0" i="1" smtClean="0">
+                            <a:latin typeface="Cambria Math" panose="02040503050406030204" pitchFamily="18" charset="0"/>
+                          </a:rPr>
+                          <m:t>+</m:t>
+                        </m:r>
+                        <m:r>
+                          <a:rPr lang="fr-CA" b="0" i="1" smtClean="0">
+                            <a:latin typeface="Cambria Math" panose="02040503050406030204" pitchFamily="18" charset="0"/>
+                          </a:rPr>
+                          <m:t>𝑒</m:t>
+                        </m:r>
+                        <m:sSub>
+                          <m:sSubPr>
+                            <m:ctrlPr>
+                              <a:rPr lang="fr-CA" i="1">
+                                <a:latin typeface="Cambria Math" panose="02040503050406030204" pitchFamily="18" charset="0"/>
+                              </a:rPr>
+                            </m:ctrlPr>
+                          </m:sSubPr>
+                          <m:e>
+                            <m:r>
+                              <a:rPr lang="fr-CA" i="1">
+                                <a:latin typeface="Cambria Math" panose="02040503050406030204" pitchFamily="18" charset="0"/>
+                              </a:rPr>
+                              <m:t>𝑝</m:t>
+                            </m:r>
+                          </m:e>
+                          <m:sub>
+                            <m:r>
+                              <a:rPr lang="fr-CA" i="1">
+                                <a:latin typeface="Cambria Math" panose="02040503050406030204" pitchFamily="18" charset="0"/>
+                              </a:rPr>
+                              <m:t>𝑖</m:t>
+                            </m:r>
+                            <m:r>
+                              <a:rPr lang="fr-CA" i="1">
+                                <a:latin typeface="Cambria Math" panose="02040503050406030204" pitchFamily="18" charset="0"/>
+                              </a:rPr>
+                              <m:t>,</m:t>
+                            </m:r>
+                            <m:r>
+                              <a:rPr lang="fr-CA" i="1">
+                                <a:latin typeface="Cambria Math" panose="02040503050406030204" pitchFamily="18" charset="0"/>
+                              </a:rPr>
+                              <m:t>𝑗</m:t>
+                            </m:r>
+                            <m:r>
+                              <a:rPr lang="fr-CA" b="0" i="1" smtClean="0">
+                                <a:latin typeface="Cambria Math" panose="02040503050406030204" pitchFamily="18" charset="0"/>
+                              </a:rPr>
+                              <m:t>−2</m:t>
+                            </m:r>
+                          </m:sub>
+                        </m:sSub>
+                        <m:r>
+                          <a:rPr lang="fr-CA" i="1">
+                            <a:latin typeface="Cambria Math" panose="02040503050406030204" pitchFamily="18" charset="0"/>
+                          </a:rPr>
+                          <m:t>+</m:t>
+                        </m:r>
+                        <m:r>
+                          <a:rPr lang="fr-CA" b="0" i="1" smtClean="0">
+                            <a:latin typeface="Cambria Math" panose="02040503050406030204" pitchFamily="18" charset="0"/>
+                          </a:rPr>
+                          <m:t>𝑒</m:t>
+                        </m:r>
+                        <m:sSub>
+                          <m:sSubPr>
+                            <m:ctrlPr>
+                              <a:rPr lang="fr-CA" i="1">
+                                <a:latin typeface="Cambria Math" panose="02040503050406030204" pitchFamily="18" charset="0"/>
+                              </a:rPr>
+                            </m:ctrlPr>
+                          </m:sSubPr>
+                          <m:e>
+                            <m:r>
+                              <a:rPr lang="fr-CA" i="1">
+                                <a:latin typeface="Cambria Math" panose="02040503050406030204" pitchFamily="18" charset="0"/>
+                              </a:rPr>
+                              <m:t>𝑝</m:t>
+                            </m:r>
+                          </m:e>
+                          <m:sub>
+                            <m:r>
+                              <a:rPr lang="fr-CA" i="1">
+                                <a:latin typeface="Cambria Math" panose="02040503050406030204" pitchFamily="18" charset="0"/>
+                              </a:rPr>
+                              <m:t>𝑖</m:t>
+                            </m:r>
+                            <m:r>
+                              <a:rPr lang="fr-CA" i="1">
+                                <a:latin typeface="Cambria Math" panose="02040503050406030204" pitchFamily="18" charset="0"/>
+                              </a:rPr>
+                              <m:t>,</m:t>
+                            </m:r>
+                            <m:r>
+                              <a:rPr lang="fr-CA" i="1">
+                                <a:latin typeface="Cambria Math" panose="02040503050406030204" pitchFamily="18" charset="0"/>
+                              </a:rPr>
+                              <m:t>𝑗</m:t>
+                            </m:r>
+                            <m:r>
+                              <a:rPr lang="fr-CA" b="0" i="1" smtClean="0">
+                                <a:latin typeface="Cambria Math" panose="02040503050406030204" pitchFamily="18" charset="0"/>
+                              </a:rPr>
+                              <m:t>−1</m:t>
+                            </m:r>
+                          </m:sub>
+                        </m:sSub>
+                      </m:oMath>
+                    </m:oMathPara>
+                  </a14:m>
+                  <a:endParaRPr lang="fr-CA" i="1" dirty="0">
+                    <a:latin typeface="Cambria Math" panose="02040503050406030204" pitchFamily="18" charset="0"/>
+                  </a:endParaRPr>
+                </a:p>
+                <a:p>
+                  <a:pPr>
+                    <a:lnSpc>
+                      <a:spcPct val="150000"/>
+                    </a:lnSpc>
+                  </a:pPr>
+                  <a14:m>
+                    <m:oMathPara xmlns:m="http://schemas.openxmlformats.org/officeDocument/2006/math">
+                      <m:oMathParaPr>
+                        <m:jc m:val="centerGroup"/>
+                      </m:oMathParaPr>
+                      <m:oMath xmlns:m="http://schemas.openxmlformats.org/officeDocument/2006/math">
+                        <m:r>
+                          <a:rPr lang="fr-CA" i="1" smtClean="0">
+                            <a:latin typeface="Cambria Math" panose="02040503050406030204" pitchFamily="18" charset="0"/>
+                          </a:rPr>
+                          <m:t> </m:t>
+                        </m:r>
+                        <m:r>
+                          <a:rPr lang="fr-CA" b="0" i="1" smtClean="0">
+                            <a:latin typeface="Cambria Math" panose="02040503050406030204" pitchFamily="18" charset="0"/>
+                          </a:rPr>
+                          <m:t>    </m:t>
+                        </m:r>
+                        <m:r>
+                          <a:rPr lang="fr-CA" i="1">
+                            <a:latin typeface="Cambria Math" panose="02040503050406030204" pitchFamily="18" charset="0"/>
+                          </a:rPr>
+                          <m:t>+</m:t>
+                        </m:r>
+                        <m:r>
+                          <a:rPr lang="fr-CA" i="1">
+                            <a:latin typeface="Cambria Math" panose="02040503050406030204" pitchFamily="18" charset="0"/>
+                          </a:rPr>
+                          <m:t>𝑒</m:t>
+                        </m:r>
+                        <m:sSub>
+                          <m:sSubPr>
+                            <m:ctrlPr>
+                              <a:rPr lang="fr-CA" i="1">
+                                <a:latin typeface="Cambria Math" panose="02040503050406030204" pitchFamily="18" charset="0"/>
+                              </a:rPr>
+                            </m:ctrlPr>
+                          </m:sSubPr>
+                          <m:e>
+                            <m:r>
+                              <a:rPr lang="fr-CA" i="1">
+                                <a:latin typeface="Cambria Math" panose="02040503050406030204" pitchFamily="18" charset="0"/>
+                              </a:rPr>
+                              <m:t>𝑝</m:t>
+                            </m:r>
+                          </m:e>
+                          <m:sub>
+                            <m:r>
+                              <a:rPr lang="fr-CA" i="1">
+                                <a:latin typeface="Cambria Math" panose="02040503050406030204" pitchFamily="18" charset="0"/>
+                              </a:rPr>
+                              <m:t>𝑖</m:t>
+                            </m:r>
+                            <m:r>
+                              <a:rPr lang="fr-CA" i="1">
+                                <a:latin typeface="Cambria Math" panose="02040503050406030204" pitchFamily="18" charset="0"/>
+                              </a:rPr>
+                              <m:t>,</m:t>
+                            </m:r>
+                            <m:r>
+                              <a:rPr lang="fr-CA" i="1">
+                                <a:latin typeface="Cambria Math" panose="02040503050406030204" pitchFamily="18" charset="0"/>
+                              </a:rPr>
+                              <m:t>𝑗</m:t>
+                            </m:r>
+                          </m:sub>
+                        </m:sSub>
+                        <m:r>
+                          <a:rPr lang="fr-CA" i="1">
+                            <a:latin typeface="Cambria Math" panose="02040503050406030204" pitchFamily="18" charset="0"/>
+                          </a:rPr>
+                          <m:t>+</m:t>
+                        </m:r>
+                        <m:r>
+                          <a:rPr lang="fr-CA" i="1">
+                            <a:latin typeface="Cambria Math" panose="02040503050406030204" pitchFamily="18" charset="0"/>
+                          </a:rPr>
+                          <m:t>𝑒</m:t>
+                        </m:r>
+                        <m:sSub>
+                          <m:sSubPr>
+                            <m:ctrlPr>
+                              <a:rPr lang="fr-CA" i="1">
+                                <a:latin typeface="Cambria Math" panose="02040503050406030204" pitchFamily="18" charset="0"/>
+                              </a:rPr>
+                            </m:ctrlPr>
+                          </m:sSubPr>
+                          <m:e>
+                            <m:r>
+                              <a:rPr lang="fr-CA" i="1">
+                                <a:latin typeface="Cambria Math" panose="02040503050406030204" pitchFamily="18" charset="0"/>
+                              </a:rPr>
+                              <m:t>𝑝</m:t>
+                            </m:r>
+                          </m:e>
+                          <m:sub>
+                            <m:r>
+                              <a:rPr lang="fr-CA" i="1">
+                                <a:latin typeface="Cambria Math" panose="02040503050406030204" pitchFamily="18" charset="0"/>
+                              </a:rPr>
+                              <m:t>𝑖</m:t>
+                            </m:r>
+                            <m:r>
+                              <a:rPr lang="fr-CA" i="1">
+                                <a:latin typeface="Cambria Math" panose="02040503050406030204" pitchFamily="18" charset="0"/>
+                              </a:rPr>
+                              <m:t>,</m:t>
+                            </m:r>
+                            <m:r>
+                              <a:rPr lang="fr-CA" i="1">
+                                <a:latin typeface="Cambria Math" panose="02040503050406030204" pitchFamily="18" charset="0"/>
+                              </a:rPr>
+                              <m:t>𝑗</m:t>
+                            </m:r>
+                            <m:r>
+                              <a:rPr lang="fr-CA" b="0" i="1" smtClean="0">
+                                <a:latin typeface="Cambria Math" panose="02040503050406030204" pitchFamily="18" charset="0"/>
+                              </a:rPr>
+                              <m:t>+</m:t>
+                            </m:r>
+                            <m:r>
+                              <a:rPr lang="fr-CA" i="1">
+                                <a:latin typeface="Cambria Math" panose="02040503050406030204" pitchFamily="18" charset="0"/>
+                              </a:rPr>
+                              <m:t>1</m:t>
+                            </m:r>
+                          </m:sub>
+                        </m:sSub>
+                        <m:r>
+                          <a:rPr lang="fr-CA" i="1">
+                            <a:latin typeface="Cambria Math" panose="02040503050406030204" pitchFamily="18" charset="0"/>
+                          </a:rPr>
+                          <m:t>+</m:t>
+                        </m:r>
+                        <m:r>
+                          <a:rPr lang="fr-CA" i="1">
+                            <a:latin typeface="Cambria Math" panose="02040503050406030204" pitchFamily="18" charset="0"/>
+                          </a:rPr>
+                          <m:t>𝑒</m:t>
+                        </m:r>
+                        <m:sSub>
+                          <m:sSubPr>
+                            <m:ctrlPr>
+                              <a:rPr lang="fr-CA" i="1">
+                                <a:latin typeface="Cambria Math" panose="02040503050406030204" pitchFamily="18" charset="0"/>
+                              </a:rPr>
+                            </m:ctrlPr>
+                          </m:sSubPr>
+                          <m:e>
+                            <m:r>
+                              <a:rPr lang="fr-CA" i="1">
+                                <a:latin typeface="Cambria Math" panose="02040503050406030204" pitchFamily="18" charset="0"/>
+                              </a:rPr>
+                              <m:t>𝑝</m:t>
+                            </m:r>
+                          </m:e>
+                          <m:sub>
+                            <m:r>
+                              <a:rPr lang="fr-CA" i="1">
+                                <a:latin typeface="Cambria Math" panose="02040503050406030204" pitchFamily="18" charset="0"/>
+                              </a:rPr>
+                              <m:t>𝑖</m:t>
+                            </m:r>
+                            <m:r>
+                              <a:rPr lang="fr-CA" i="1">
+                                <a:latin typeface="Cambria Math" panose="02040503050406030204" pitchFamily="18" charset="0"/>
+                              </a:rPr>
+                              <m:t>,</m:t>
+                            </m:r>
+                            <m:r>
+                              <a:rPr lang="fr-CA" i="1">
+                                <a:latin typeface="Cambria Math" panose="02040503050406030204" pitchFamily="18" charset="0"/>
+                              </a:rPr>
+                              <m:t>𝑗</m:t>
+                            </m:r>
+                            <m:r>
+                              <a:rPr lang="fr-CA" b="0" i="1" smtClean="0">
+                                <a:latin typeface="Cambria Math" panose="02040503050406030204" pitchFamily="18" charset="0"/>
+                              </a:rPr>
+                              <m:t>+</m:t>
+                            </m:r>
+                            <m:r>
+                              <a:rPr lang="fr-CA" i="1">
+                                <a:latin typeface="Cambria Math" panose="02040503050406030204" pitchFamily="18" charset="0"/>
+                              </a:rPr>
+                              <m:t>2</m:t>
+                            </m:r>
+                          </m:sub>
+                        </m:sSub>
+                        <m:r>
+                          <a:rPr lang="fr-CA" i="1">
+                            <a:latin typeface="Cambria Math" panose="02040503050406030204" pitchFamily="18" charset="0"/>
+                          </a:rPr>
+                          <m:t>+</m:t>
+                        </m:r>
+                        <m:r>
+                          <a:rPr lang="fr-CA" i="1">
+                            <a:latin typeface="Cambria Math" panose="02040503050406030204" pitchFamily="18" charset="0"/>
+                          </a:rPr>
+                          <m:t>𝑒</m:t>
+                        </m:r>
+                        <m:sSub>
+                          <m:sSubPr>
+                            <m:ctrlPr>
+                              <a:rPr lang="fr-CA" i="1">
+                                <a:latin typeface="Cambria Math" panose="02040503050406030204" pitchFamily="18" charset="0"/>
+                              </a:rPr>
+                            </m:ctrlPr>
+                          </m:sSubPr>
+                          <m:e>
+                            <m:r>
+                              <a:rPr lang="fr-CA" i="1">
+                                <a:latin typeface="Cambria Math" panose="02040503050406030204" pitchFamily="18" charset="0"/>
+                              </a:rPr>
+                              <m:t>𝑝</m:t>
+                            </m:r>
+                          </m:e>
+                          <m:sub>
+                            <m:r>
+                              <a:rPr lang="fr-CA" i="1">
+                                <a:latin typeface="Cambria Math" panose="02040503050406030204" pitchFamily="18" charset="0"/>
+                              </a:rPr>
+                              <m:t>𝑖</m:t>
+                            </m:r>
+                            <m:r>
+                              <a:rPr lang="fr-CA" b="0" i="1" smtClean="0">
+                                <a:latin typeface="Cambria Math" panose="02040503050406030204" pitchFamily="18" charset="0"/>
+                              </a:rPr>
+                              <m:t>+1</m:t>
+                            </m:r>
+                            <m:r>
+                              <a:rPr lang="fr-CA" i="1">
+                                <a:latin typeface="Cambria Math" panose="02040503050406030204" pitchFamily="18" charset="0"/>
+                              </a:rPr>
+                              <m:t>,</m:t>
+                            </m:r>
+                            <m:r>
+                              <a:rPr lang="fr-CA" i="1">
+                                <a:latin typeface="Cambria Math" panose="02040503050406030204" pitchFamily="18" charset="0"/>
+                              </a:rPr>
+                              <m:t>𝑗</m:t>
+                            </m:r>
+                            <m:r>
+                              <a:rPr lang="fr-CA" i="1">
+                                <a:latin typeface="Cambria Math" panose="02040503050406030204" pitchFamily="18" charset="0"/>
+                              </a:rPr>
+                              <m:t>−1</m:t>
+                            </m:r>
+                          </m:sub>
+                        </m:sSub>
+                        <m:r>
+                          <a:rPr lang="fr-CA" i="1">
+                            <a:latin typeface="Cambria Math" panose="02040503050406030204" pitchFamily="18" charset="0"/>
+                          </a:rPr>
+                          <m:t>+</m:t>
+                        </m:r>
+                        <m:r>
+                          <a:rPr lang="fr-CA" i="1">
+                            <a:latin typeface="Cambria Math" panose="02040503050406030204" pitchFamily="18" charset="0"/>
+                          </a:rPr>
+                          <m:t>𝑒</m:t>
+                        </m:r>
+                        <m:sSub>
+                          <m:sSubPr>
+                            <m:ctrlPr>
+                              <a:rPr lang="fr-CA" i="1">
+                                <a:latin typeface="Cambria Math" panose="02040503050406030204" pitchFamily="18" charset="0"/>
+                              </a:rPr>
+                            </m:ctrlPr>
+                          </m:sSubPr>
+                          <m:e>
+                            <m:r>
+                              <a:rPr lang="fr-CA" i="1">
+                                <a:latin typeface="Cambria Math" panose="02040503050406030204" pitchFamily="18" charset="0"/>
+                              </a:rPr>
+                              <m:t>𝑝</m:t>
+                            </m:r>
+                          </m:e>
+                          <m:sub>
+                            <m:r>
+                              <a:rPr lang="fr-CA" i="1">
+                                <a:latin typeface="Cambria Math" panose="02040503050406030204" pitchFamily="18" charset="0"/>
+                              </a:rPr>
+                              <m:t>𝑖</m:t>
+                            </m:r>
+                            <m:r>
+                              <a:rPr lang="fr-CA" b="0" i="1" smtClean="0">
+                                <a:latin typeface="Cambria Math" panose="02040503050406030204" pitchFamily="18" charset="0"/>
+                              </a:rPr>
+                              <m:t>+1</m:t>
+                            </m:r>
+                            <m:r>
+                              <a:rPr lang="fr-CA" i="1">
+                                <a:latin typeface="Cambria Math" panose="02040503050406030204" pitchFamily="18" charset="0"/>
+                              </a:rPr>
+                              <m:t>,</m:t>
+                            </m:r>
+                            <m:r>
+                              <a:rPr lang="fr-CA" i="1">
+                                <a:latin typeface="Cambria Math" panose="02040503050406030204" pitchFamily="18" charset="0"/>
+                              </a:rPr>
+                              <m:t>𝑗</m:t>
+                            </m:r>
+                          </m:sub>
+                        </m:sSub>
+                        <m:r>
+                          <a:rPr lang="fr-CA" i="1">
+                            <a:latin typeface="Cambria Math" panose="02040503050406030204" pitchFamily="18" charset="0"/>
+                          </a:rPr>
+                          <m:t>+</m:t>
+                        </m:r>
+                        <m:r>
+                          <a:rPr lang="fr-CA" i="1">
+                            <a:latin typeface="Cambria Math" panose="02040503050406030204" pitchFamily="18" charset="0"/>
+                          </a:rPr>
+                          <m:t>𝑒</m:t>
+                        </m:r>
+                        <m:sSub>
+                          <m:sSubPr>
+                            <m:ctrlPr>
+                              <a:rPr lang="fr-CA" i="1">
+                                <a:latin typeface="Cambria Math" panose="02040503050406030204" pitchFamily="18" charset="0"/>
+                              </a:rPr>
+                            </m:ctrlPr>
+                          </m:sSubPr>
+                          <m:e>
+                            <m:r>
+                              <a:rPr lang="fr-CA" i="1">
+                                <a:latin typeface="Cambria Math" panose="02040503050406030204" pitchFamily="18" charset="0"/>
+                              </a:rPr>
+                              <m:t>𝑝</m:t>
+                            </m:r>
+                          </m:e>
+                          <m:sub>
+                            <m:r>
+                              <a:rPr lang="fr-CA" i="1">
+                                <a:latin typeface="Cambria Math" panose="02040503050406030204" pitchFamily="18" charset="0"/>
+                              </a:rPr>
+                              <m:t>𝑖</m:t>
+                            </m:r>
+                            <m:r>
+                              <a:rPr lang="fr-CA" b="0" i="1" smtClean="0">
+                                <a:latin typeface="Cambria Math" panose="02040503050406030204" pitchFamily="18" charset="0"/>
+                              </a:rPr>
+                              <m:t>+1</m:t>
+                            </m:r>
+                            <m:r>
+                              <a:rPr lang="fr-CA" i="1">
+                                <a:latin typeface="Cambria Math" panose="02040503050406030204" pitchFamily="18" charset="0"/>
+                              </a:rPr>
+                              <m:t>,</m:t>
+                            </m:r>
+                            <m:r>
+                              <a:rPr lang="fr-CA" i="1">
+                                <a:latin typeface="Cambria Math" panose="02040503050406030204" pitchFamily="18" charset="0"/>
+                              </a:rPr>
+                              <m:t>𝑗</m:t>
+                            </m:r>
+                            <m:r>
+                              <a:rPr lang="fr-CA" b="0" i="1" smtClean="0">
+                                <a:latin typeface="Cambria Math" panose="02040503050406030204" pitchFamily="18" charset="0"/>
+                              </a:rPr>
+                              <m:t>+</m:t>
+                            </m:r>
+                            <m:r>
+                              <a:rPr lang="fr-CA" i="1">
+                                <a:latin typeface="Cambria Math" panose="02040503050406030204" pitchFamily="18" charset="0"/>
+                              </a:rPr>
+                              <m:t>1</m:t>
+                            </m:r>
+                          </m:sub>
+                        </m:sSub>
+                        <m:r>
+                          <a:rPr lang="fr-CA" i="1">
+                            <a:latin typeface="Cambria Math" panose="02040503050406030204" pitchFamily="18" charset="0"/>
+                          </a:rPr>
+                          <m:t>+</m:t>
+                        </m:r>
+                        <m:r>
+                          <a:rPr lang="fr-CA" i="1">
+                            <a:latin typeface="Cambria Math" panose="02040503050406030204" pitchFamily="18" charset="0"/>
+                          </a:rPr>
+                          <m:t>𝑒</m:t>
+                        </m:r>
+                        <m:sSub>
+                          <m:sSubPr>
+                            <m:ctrlPr>
+                              <a:rPr lang="fr-CA" i="1">
+                                <a:latin typeface="Cambria Math" panose="02040503050406030204" pitchFamily="18" charset="0"/>
+                              </a:rPr>
+                            </m:ctrlPr>
+                          </m:sSubPr>
+                          <m:e>
+                            <m:r>
+                              <a:rPr lang="fr-CA" i="1">
+                                <a:latin typeface="Cambria Math" panose="02040503050406030204" pitchFamily="18" charset="0"/>
+                              </a:rPr>
+                              <m:t>𝑝</m:t>
+                            </m:r>
+                          </m:e>
+                          <m:sub>
+                            <m:r>
+                              <a:rPr lang="fr-CA" i="1">
+                                <a:latin typeface="Cambria Math" panose="02040503050406030204" pitchFamily="18" charset="0"/>
+                              </a:rPr>
+                              <m:t>𝑖</m:t>
+                            </m:r>
+                            <m:r>
+                              <a:rPr lang="fr-CA" b="0" i="1" smtClean="0">
+                                <a:latin typeface="Cambria Math" panose="02040503050406030204" pitchFamily="18" charset="0"/>
+                              </a:rPr>
+                              <m:t>+2</m:t>
+                            </m:r>
+                            <m:r>
+                              <a:rPr lang="fr-CA" i="1">
+                                <a:latin typeface="Cambria Math" panose="02040503050406030204" pitchFamily="18" charset="0"/>
+                              </a:rPr>
+                              <m:t>,</m:t>
+                            </m:r>
+                            <m:r>
+                              <a:rPr lang="fr-CA" i="1">
+                                <a:latin typeface="Cambria Math" panose="02040503050406030204" pitchFamily="18" charset="0"/>
+                              </a:rPr>
+                              <m:t>𝑗</m:t>
+                            </m:r>
+                          </m:sub>
+                        </m:sSub>
+                        <m:r>
+                          <a:rPr lang="fr-CA" b="0" i="1" smtClean="0">
+                            <a:latin typeface="Cambria Math" panose="02040503050406030204" pitchFamily="18" charset="0"/>
+                          </a:rPr>
+                          <m:t>=</m:t>
+                        </m:r>
+                        <m:sSub>
+                          <m:sSubPr>
+                            <m:ctrlPr>
+                              <a:rPr lang="fr-CA" b="0" i="1" smtClean="0">
+                                <a:latin typeface="Cambria Math" panose="02040503050406030204" pitchFamily="18" charset="0"/>
+                              </a:rPr>
+                            </m:ctrlPr>
+                          </m:sSubPr>
+                          <m:e>
+                            <m:r>
+                              <a:rPr lang="fr-CA" b="0" i="1" smtClean="0">
+                                <a:latin typeface="Cambria Math" panose="02040503050406030204" pitchFamily="18" charset="0"/>
+                              </a:rPr>
+                              <m:t>𝑆</m:t>
+                            </m:r>
+                          </m:e>
+                          <m:sub>
+                            <m:r>
+                              <a:rPr lang="fr-CA" b="0" i="1" smtClean="0">
+                                <a:latin typeface="Cambria Math" panose="02040503050406030204" pitchFamily="18" charset="0"/>
+                              </a:rPr>
+                              <m:t>𝑖</m:t>
+                            </m:r>
+                            <m:r>
+                              <a:rPr lang="fr-CA" b="0" i="1" smtClean="0">
+                                <a:latin typeface="Cambria Math" panose="02040503050406030204" pitchFamily="18" charset="0"/>
+                              </a:rPr>
+                              <m:t>,</m:t>
+                            </m:r>
+                            <m:r>
+                              <a:rPr lang="fr-CA" b="0" i="1" smtClean="0">
+                                <a:latin typeface="Cambria Math" panose="02040503050406030204" pitchFamily="18" charset="0"/>
+                              </a:rPr>
+                              <m:t>𝑗</m:t>
+                            </m:r>
+                          </m:sub>
+                        </m:sSub>
+                      </m:oMath>
+                    </m:oMathPara>
+                  </a14:m>
+                  <a:endParaRPr lang="fr-CA" dirty="0"/>
+                </a:p>
+              </p:txBody>
+            </p:sp>
+          </mc:Choice>
+          <mc:Fallback>
+            <p:sp>
+              <p:nvSpPr>
+                <p:cNvPr id="7" name="ZoneTexte 6">
+                  <a:extLst>
+                    <a:ext uri="{FF2B5EF4-FFF2-40B4-BE49-F238E27FC236}">
+                      <a16:creationId xmlns:a16="http://schemas.microsoft.com/office/drawing/2014/main" id="{7005CEB2-9801-438B-98FC-BCD9B914EF39}"/>
+                    </a:ext>
+                  </a:extLst>
+                </p:cNvPr>
+                <p:cNvSpPr txBox="1">
+                  <a:spLocks noRot="1" noChangeAspect="1" noMove="1" noResize="1" noEditPoints="1" noAdjustHandles="1" noChangeArrowheads="1" noChangeShapeType="1" noTextEdit="1"/>
+                </p:cNvSpPr>
+                <p:nvPr/>
+              </p:nvSpPr>
+              <p:spPr>
+                <a:xfrm>
+                  <a:off x="455643" y="3667446"/>
+                  <a:ext cx="7871642" cy="897938"/>
+                </a:xfrm>
+                <a:prstGeom prst="rect">
+                  <a:avLst/>
+                </a:prstGeom>
+                <a:blipFill>
+                  <a:blip r:embed="rId4"/>
+                  <a:stretch>
+                    <a:fillRect/>
+                  </a:stretch>
+                </a:blipFill>
+              </p:spPr>
+              <p:txBody>
+                <a:bodyPr/>
+                <a:lstStyle/>
+                <a:p>
+                  <a:r>
+                    <a:rPr lang="fr-CA">
+                      <a:noFill/>
+                    </a:rPr>
+                    <a:t> </a:t>
+                  </a:r>
+                </a:p>
+              </p:txBody>
+            </p:sp>
+          </mc:Fallback>
+        </mc:AlternateContent>
+        <p:sp>
+          <p:nvSpPr>
+            <p:cNvPr id="12" name="ZoneTexte 11">
+              <a:extLst>
+                <a:ext uri="{FF2B5EF4-FFF2-40B4-BE49-F238E27FC236}">
+                  <a16:creationId xmlns:a16="http://schemas.microsoft.com/office/drawing/2014/main" id="{BEC7DABA-06BC-43B9-83B7-F70848751634}"/>
+                </a:ext>
+              </a:extLst>
+            </p:cNvPr>
+            <p:cNvSpPr txBox="1"/>
+            <p:nvPr/>
+          </p:nvSpPr>
+          <p:spPr>
+            <a:xfrm>
+              <a:off x="8240258" y="3931749"/>
+              <a:ext cx="633507" cy="369332"/>
+            </a:xfrm>
+            <a:prstGeom prst="rect">
+              <a:avLst/>
+            </a:prstGeom>
+            <a:noFill/>
+          </p:spPr>
+          <p:txBody>
+            <a:bodyPr wrap="none" rtlCol="0">
+              <a:spAutoFit/>
+            </a:bodyPr>
+            <a:lstStyle/>
+            <a:p>
+              <a:r>
+                <a:rPr lang="fr-CA" dirty="0">
+                  <a:latin typeface="Cambria Math" panose="02040503050406030204" pitchFamily="18" charset="0"/>
+                  <a:ea typeface="Cambria Math" panose="02040503050406030204" pitchFamily="18" charset="0"/>
+                </a:rPr>
+                <a:t>(16)</a:t>
+              </a:r>
+            </a:p>
+          </p:txBody>
+        </p:sp>
+      </p:grpSp>
+      <p:sp>
+        <p:nvSpPr>
+          <p:cNvPr id="14" name="Titre 1">
+            <a:extLst>
+              <a:ext uri="{FF2B5EF4-FFF2-40B4-BE49-F238E27FC236}">
+                <a16:creationId xmlns:a16="http://schemas.microsoft.com/office/drawing/2014/main" id="{6477EBCE-95BC-403D-ABB2-986C07EBD112}"/>
+              </a:ext>
+            </a:extLst>
+          </p:cNvPr>
+          <p:cNvSpPr txBox="1">
+            <a:spLocks/>
+          </p:cNvSpPr>
+          <p:nvPr/>
+        </p:nvSpPr>
+        <p:spPr>
+          <a:xfrm>
+            <a:off x="455643" y="1391464"/>
+            <a:ext cx="9015528" cy="739786"/>
+          </a:xfrm>
+          <a:prstGeom prst="rect">
+            <a:avLst/>
+          </a:prstGeom>
+        </p:spPr>
+        <p:txBody>
+          <a:bodyPr/>
+          <a:lstStyle>
+            <a:lvl1pPr algn="l" defTabSz="457200" rtl="0" eaLnBrk="1" latinLnBrk="0" hangingPunct="1">
+              <a:spcBef>
+                <a:spcPct val="0"/>
+              </a:spcBef>
+              <a:buNone/>
+              <a:defRPr sz="3600" kern="1200">
+                <a:solidFill>
+                  <a:schemeClr val="accent1"/>
+                </a:solidFill>
+                <a:latin typeface="+mj-lt"/>
+                <a:ea typeface="+mj-ea"/>
+                <a:cs typeface="+mj-cs"/>
+              </a:defRPr>
+            </a:lvl1pPr>
+            <a:lvl2pPr eaLnBrk="1" hangingPunct="1">
+              <a:defRPr>
+                <a:solidFill>
+                  <a:schemeClr val="tx2"/>
+                </a:solidFill>
+              </a:defRPr>
+            </a:lvl2pPr>
+            <a:lvl3pPr eaLnBrk="1" hangingPunct="1">
+              <a:defRPr>
+                <a:solidFill>
+                  <a:schemeClr val="tx2"/>
+                </a:solidFill>
+              </a:defRPr>
+            </a:lvl3pPr>
+            <a:lvl4pPr eaLnBrk="1" hangingPunct="1">
+              <a:defRPr>
+                <a:solidFill>
+                  <a:schemeClr val="tx2"/>
+                </a:solidFill>
+              </a:defRPr>
+            </a:lvl4pPr>
+            <a:lvl5pPr eaLnBrk="1" hangingPunct="1">
+              <a:defRPr>
+                <a:solidFill>
+                  <a:schemeClr val="tx2"/>
+                </a:solidFill>
+              </a:defRPr>
+            </a:lvl5pPr>
+            <a:lvl6pPr eaLnBrk="1" hangingPunct="1">
+              <a:defRPr>
+                <a:solidFill>
+                  <a:schemeClr val="tx2"/>
+                </a:solidFill>
+              </a:defRPr>
+            </a:lvl6pPr>
+            <a:lvl7pPr eaLnBrk="1" hangingPunct="1">
+              <a:defRPr>
+                <a:solidFill>
+                  <a:schemeClr val="tx2"/>
+                </a:solidFill>
+              </a:defRPr>
+            </a:lvl7pPr>
+            <a:lvl8pPr eaLnBrk="1" hangingPunct="1">
+              <a:defRPr>
+                <a:solidFill>
+                  <a:schemeClr val="tx2"/>
+                </a:solidFill>
+              </a:defRPr>
+            </a:lvl8pPr>
+            <a:lvl9pPr eaLnBrk="1" hangingPunct="1">
+              <a:defRPr>
+                <a:solidFill>
+                  <a:schemeClr val="tx2"/>
+                </a:solidFill>
+              </a:defRPr>
+            </a:lvl9pPr>
+          </a:lstStyle>
+          <a:p>
+            <a:r>
+              <a:rPr lang="fr-CA" sz="2400" dirty="0">
+                <a:solidFill>
+                  <a:srgbClr val="286D9F"/>
+                </a:solidFill>
+              </a:rPr>
+              <a:t>Forme générale des équations à discréditer</a:t>
+            </a:r>
+          </a:p>
+        </p:txBody>
+      </p:sp>
     </p:spTree>
     <p:extLst>
       <p:ext uri="{BB962C8B-B14F-4D97-AF65-F5344CB8AC3E}">
@@ -6555,45 +9007,2679 @@
                   <a:srgbClr val="286D9F"/>
                 </a:solidFill>
               </a:rPr>
-              <a:t>Formulation champ total/ champ diffus</a:t>
+              <a:t>Fonctionnement de la méthode numérique</a:t>
             </a:r>
           </a:p>
         </p:txBody>
       </p:sp>
-      <p:pic>
-        <p:nvPicPr>
-          <p:cNvPr id="4" name="Picture 3">
+      <p:sp>
+        <p:nvSpPr>
+          <p:cNvPr id="3" name="Rectangle 2">
             <a:extLst>
               <a:ext uri="{FF2B5EF4-FFF2-40B4-BE49-F238E27FC236}">
-                <a16:creationId xmlns:a16="http://schemas.microsoft.com/office/drawing/2014/main" id="{DDC48D94-9EA7-4219-9F76-82E9ECE3F114}"/>
+                <a16:creationId xmlns:a16="http://schemas.microsoft.com/office/drawing/2014/main" id="{BA0A46BD-0FD2-481A-AB72-F6E2A27E0618}"/>
               </a:ext>
             </a:extLst>
           </p:cNvPr>
-          <p:cNvPicPr>
-            <a:picLocks noChangeAspect="1"/>
-          </p:cNvPicPr>
+          <p:cNvSpPr/>
           <p:nvPr/>
-        </p:nvPicPr>
-        <p:blipFill>
-          <a:blip r:embed="rId2"/>
-          <a:stretch>
-            <a:fillRect/>
-          </a:stretch>
-        </p:blipFill>
+        </p:nvSpPr>
         <p:spPr>
           <a:xfrm>
-            <a:off x="714375" y="1322070"/>
-            <a:ext cx="7804785" cy="2647237"/>
+            <a:off x="6188279" y="-436226"/>
+            <a:ext cx="6096000" cy="1754326"/>
           </a:xfrm>
           <a:prstGeom prst="rect">
             <a:avLst/>
           </a:prstGeom>
         </p:spPr>
-      </p:pic>
+        <p:txBody>
+          <a:bodyPr>
+            <a:spAutoFit/>
+          </a:bodyPr>
+          <a:lstStyle/>
+          <a:p>
+            <a:r>
+              <a:rPr lang="fr-FR" dirty="0"/>
+              <a:t>Étapes et fonctionnement de la méthode numérique, en incluant les équations discrétisées telles que vous les avez programmées (ex : discrétisation d’une équation différentielle, condition initiale, conditions aux frontières, calcul de l’énergie d’un système, génération de nombres aléatoires, etc.) </a:t>
+            </a:r>
+            <a:endParaRPr lang="fr-CA" dirty="0"/>
+          </a:p>
+        </p:txBody>
+      </p:sp>
+      <p:sp>
+        <p:nvSpPr>
+          <p:cNvPr id="4" name="ZoneTexte 3">
+            <a:extLst>
+              <a:ext uri="{FF2B5EF4-FFF2-40B4-BE49-F238E27FC236}">
+                <a16:creationId xmlns:a16="http://schemas.microsoft.com/office/drawing/2014/main" id="{9BADA194-35A4-4465-9879-CFB6014BE644}"/>
+              </a:ext>
+            </a:extLst>
+          </p:cNvPr>
+          <p:cNvSpPr txBox="1"/>
+          <p:nvPr/>
+        </p:nvSpPr>
+        <p:spPr>
+          <a:xfrm>
+            <a:off x="455642" y="1802836"/>
+            <a:ext cx="9091029" cy="369332"/>
+          </a:xfrm>
+          <a:prstGeom prst="rect">
+            <a:avLst/>
+          </a:prstGeom>
+          <a:noFill/>
+        </p:spPr>
+        <p:txBody>
+          <a:bodyPr wrap="square" rtlCol="0">
+            <a:spAutoFit/>
+          </a:bodyPr>
+          <a:lstStyle/>
+          <a:p>
+            <a:r>
+              <a:rPr lang="fr-CA" dirty="0"/>
+              <a:t>Pour le milieu homogène on a l’équation 17 où </a:t>
+            </a:r>
+            <a:r>
+              <a:rPr lang="fr-CA" i="1" dirty="0">
+                <a:latin typeface="Cambria Math" panose="02040503050406030204" pitchFamily="18" charset="0"/>
+                <a:ea typeface="Cambria Math" panose="02040503050406030204" pitchFamily="18" charset="0"/>
+              </a:rPr>
+              <a:t>m</a:t>
+            </a:r>
+            <a:r>
+              <a:rPr lang="fr-CA" dirty="0"/>
+              <a:t> est le milieu selon l’eau où le bois.</a:t>
+            </a:r>
+          </a:p>
+        </p:txBody>
+      </p:sp>
+      <p:grpSp>
+        <p:nvGrpSpPr>
+          <p:cNvPr id="11" name="Groupe 10">
+            <a:extLst>
+              <a:ext uri="{FF2B5EF4-FFF2-40B4-BE49-F238E27FC236}">
+                <a16:creationId xmlns:a16="http://schemas.microsoft.com/office/drawing/2014/main" id="{69F48FEC-DD76-4B64-9412-8A4DB6620C44}"/>
+              </a:ext>
+            </a:extLst>
+          </p:cNvPr>
+          <p:cNvGrpSpPr/>
+          <p:nvPr/>
+        </p:nvGrpSpPr>
+        <p:grpSpPr>
+          <a:xfrm>
+            <a:off x="298527" y="3820554"/>
+            <a:ext cx="10565216" cy="433388"/>
+            <a:chOff x="566257" y="2982452"/>
+            <a:chExt cx="7366438" cy="433388"/>
+          </a:xfrm>
+        </p:grpSpPr>
+        <mc:AlternateContent xmlns:mc="http://schemas.openxmlformats.org/markup-compatibility/2006">
+          <mc:Choice xmlns:a14="http://schemas.microsoft.com/office/drawing/2010/main" Requires="a14">
+            <p:sp>
+              <p:nvSpPr>
+                <p:cNvPr id="6" name="ZoneTexte 5">
+                  <a:extLst>
+                    <a:ext uri="{FF2B5EF4-FFF2-40B4-BE49-F238E27FC236}">
+                      <a16:creationId xmlns:a16="http://schemas.microsoft.com/office/drawing/2014/main" id="{39B4E4BC-67C9-4738-868B-B1EDB7E0997A}"/>
+                    </a:ext>
+                  </a:extLst>
+                </p:cNvPr>
+                <p:cNvSpPr txBox="1"/>
+                <p:nvPr/>
+              </p:nvSpPr>
+              <p:spPr>
+                <a:xfrm>
+                  <a:off x="566257" y="2982452"/>
+                  <a:ext cx="6961146" cy="433388"/>
+                </a:xfrm>
+                <a:prstGeom prst="rect">
+                  <a:avLst/>
+                </a:prstGeom>
+                <a:noFill/>
+              </p:spPr>
+              <p:txBody>
+                <a:bodyPr wrap="square" lIns="0" tIns="0" rIns="0" bIns="0" rtlCol="0">
+                  <a:spAutoFit/>
+                </a:bodyPr>
+                <a:lstStyle/>
+                <a:p>
+                  <a14:m>
+                    <m:oMath xmlns:m="http://schemas.openxmlformats.org/officeDocument/2006/math">
+                      <m:sSub>
+                        <m:sSubPr>
+                          <m:ctrlPr>
+                            <a:rPr lang="fr-CA" sz="1600" i="1" smtClean="0">
+                              <a:latin typeface="Cambria Math" panose="02040503050406030204" pitchFamily="18" charset="0"/>
+                            </a:rPr>
+                          </m:ctrlPr>
+                        </m:sSubPr>
+                        <m:e>
+                          <m:f>
+                            <m:fPr>
+                              <m:ctrlPr>
+                                <a:rPr lang="fr-CA" sz="1600" i="1" smtClean="0">
+                                  <a:latin typeface="Cambria Math" panose="02040503050406030204" pitchFamily="18" charset="0"/>
+                                </a:rPr>
+                              </m:ctrlPr>
+                            </m:fPr>
+                            <m:num>
+                              <m:sSub>
+                                <m:sSubPr>
+                                  <m:ctrlPr>
+                                    <a:rPr lang="fr-CA" sz="1600" i="1" smtClean="0">
+                                      <a:latin typeface="Cambria Math" panose="02040503050406030204" pitchFamily="18" charset="0"/>
+                                    </a:rPr>
+                                  </m:ctrlPr>
+                                </m:sSubPr>
+                                <m:e>
+                                  <m:r>
+                                    <a:rPr lang="fr-CA" sz="1600" b="0" i="1" smtClean="0">
+                                      <a:latin typeface="Cambria Math" panose="02040503050406030204" pitchFamily="18" charset="0"/>
+                                    </a:rPr>
+                                    <m:t>𝑛</m:t>
+                                  </m:r>
+                                </m:e>
+                                <m:sub>
+                                  <m:r>
+                                    <a:rPr lang="fr-CA" sz="1600" b="0" i="1" smtClean="0">
+                                      <a:latin typeface="Cambria Math" panose="02040503050406030204" pitchFamily="18" charset="0"/>
+                                    </a:rPr>
+                                    <m:t>𝑥</m:t>
+                                  </m:r>
+                                </m:sub>
+                              </m:sSub>
+                            </m:num>
+                            <m:den>
+                              <m:sSub>
+                                <m:sSubPr>
+                                  <m:ctrlPr>
+                                    <a:rPr lang="fr-CA" sz="1600" i="1" smtClean="0">
+                                      <a:latin typeface="Cambria Math" panose="02040503050406030204" pitchFamily="18" charset="0"/>
+                                    </a:rPr>
+                                  </m:ctrlPr>
+                                </m:sSubPr>
+                                <m:e>
+                                  <m:r>
+                                    <a:rPr lang="fr-CA" sz="1600" i="1" smtClean="0">
+                                      <a:latin typeface="Cambria Math" panose="02040503050406030204" pitchFamily="18" charset="0"/>
+                                      <a:ea typeface="Cambria Math" panose="02040503050406030204" pitchFamily="18" charset="0"/>
+                                    </a:rPr>
+                                    <m:t>𝛾</m:t>
+                                  </m:r>
+                                </m:e>
+                                <m:sub>
+                                  <m:r>
+                                    <a:rPr lang="fr-CA" sz="1600" b="0" i="1" smtClean="0">
+                                      <a:latin typeface="Cambria Math" panose="02040503050406030204" pitchFamily="18" charset="0"/>
+                                    </a:rPr>
+                                    <m:t>𝑚</m:t>
+                                  </m:r>
+                                </m:sub>
+                              </m:sSub>
+                            </m:den>
+                          </m:f>
+                          <m:r>
+                            <a:rPr lang="fr-CA" sz="1600" i="1">
+                              <a:latin typeface="Cambria Math" panose="02040503050406030204" pitchFamily="18" charset="0"/>
+                            </a:rPr>
+                            <m:t>𝑝</m:t>
+                          </m:r>
+                        </m:e>
+                        <m:sub>
+                          <m:r>
+                            <a:rPr lang="fr-CA" sz="1600" i="1">
+                              <a:latin typeface="Cambria Math" panose="02040503050406030204" pitchFamily="18" charset="0"/>
+                            </a:rPr>
+                            <m:t>𝑖</m:t>
+                          </m:r>
+                          <m:r>
+                            <a:rPr lang="fr-CA" sz="1600" i="1">
+                              <a:latin typeface="Cambria Math" panose="02040503050406030204" pitchFamily="18" charset="0"/>
+                            </a:rPr>
+                            <m:t>−2,</m:t>
+                          </m:r>
+                          <m:r>
+                            <a:rPr lang="fr-CA" sz="1600" i="1">
+                              <a:latin typeface="Cambria Math" panose="02040503050406030204" pitchFamily="18" charset="0"/>
+                            </a:rPr>
+                            <m:t>𝑗</m:t>
+                          </m:r>
+                        </m:sub>
+                      </m:sSub>
+                      <m:r>
+                        <a:rPr lang="fr-CA" sz="1600" b="0" i="1" smtClean="0">
+                          <a:latin typeface="Cambria Math" panose="02040503050406030204" pitchFamily="18" charset="0"/>
+                        </a:rPr>
+                        <m:t>−</m:t>
+                      </m:r>
+                      <m:f>
+                        <m:fPr>
+                          <m:ctrlPr>
+                            <a:rPr lang="fr-CA" sz="1600" i="1">
+                              <a:latin typeface="Cambria Math" panose="02040503050406030204" pitchFamily="18" charset="0"/>
+                            </a:rPr>
+                          </m:ctrlPr>
+                        </m:fPr>
+                        <m:num>
+                          <m:r>
+                            <a:rPr lang="fr-CA" sz="1600" b="0" i="1" smtClean="0">
+                              <a:latin typeface="Cambria Math" panose="02040503050406030204" pitchFamily="18" charset="0"/>
+                            </a:rPr>
+                            <m:t>4</m:t>
+                          </m:r>
+                          <m:sSub>
+                            <m:sSubPr>
+                              <m:ctrlPr>
+                                <a:rPr lang="fr-CA" sz="1600" i="1">
+                                  <a:latin typeface="Cambria Math" panose="02040503050406030204" pitchFamily="18" charset="0"/>
+                                </a:rPr>
+                              </m:ctrlPr>
+                            </m:sSubPr>
+                            <m:e>
+                              <m:r>
+                                <a:rPr lang="fr-CA" sz="1600" i="1">
+                                  <a:latin typeface="Cambria Math" panose="02040503050406030204" pitchFamily="18" charset="0"/>
+                                </a:rPr>
+                                <m:t>𝑛</m:t>
+                              </m:r>
+                            </m:e>
+                            <m:sub>
+                              <m:r>
+                                <a:rPr lang="fr-CA" sz="1600" i="1">
+                                  <a:latin typeface="Cambria Math" panose="02040503050406030204" pitchFamily="18" charset="0"/>
+                                </a:rPr>
+                                <m:t>𝑥</m:t>
+                              </m:r>
+                            </m:sub>
+                          </m:sSub>
+                        </m:num>
+                        <m:den>
+                          <m:sSub>
+                            <m:sSubPr>
+                              <m:ctrlPr>
+                                <a:rPr lang="fr-CA" sz="1600" i="1">
+                                  <a:latin typeface="Cambria Math" panose="02040503050406030204" pitchFamily="18" charset="0"/>
+                                </a:rPr>
+                              </m:ctrlPr>
+                            </m:sSubPr>
+                            <m:e>
+                              <m:r>
+                                <a:rPr lang="fr-CA" sz="1600" i="1">
+                                  <a:latin typeface="Cambria Math" panose="02040503050406030204" pitchFamily="18" charset="0"/>
+                                  <a:ea typeface="Cambria Math" panose="02040503050406030204" pitchFamily="18" charset="0"/>
+                                </a:rPr>
+                                <m:t>𝛾</m:t>
+                              </m:r>
+                            </m:e>
+                            <m:sub>
+                              <m:r>
+                                <a:rPr lang="fr-CA" sz="1600" i="1">
+                                  <a:latin typeface="Cambria Math" panose="02040503050406030204" pitchFamily="18" charset="0"/>
+                                </a:rPr>
+                                <m:t>𝑚</m:t>
+                              </m:r>
+                            </m:sub>
+                          </m:sSub>
+                        </m:den>
+                      </m:f>
+                      <m:sSub>
+                        <m:sSubPr>
+                          <m:ctrlPr>
+                            <a:rPr lang="fr-CA" sz="1600" i="1">
+                              <a:latin typeface="Cambria Math" panose="02040503050406030204" pitchFamily="18" charset="0"/>
+                            </a:rPr>
+                          </m:ctrlPr>
+                        </m:sSubPr>
+                        <m:e>
+                          <m:r>
+                            <a:rPr lang="fr-CA" sz="1600" i="1">
+                              <a:latin typeface="Cambria Math" panose="02040503050406030204" pitchFamily="18" charset="0"/>
+                            </a:rPr>
+                            <m:t>𝑝</m:t>
+                          </m:r>
+                        </m:e>
+                        <m:sub>
+                          <m:r>
+                            <a:rPr lang="fr-CA" sz="1600" i="1">
+                              <a:latin typeface="Cambria Math" panose="02040503050406030204" pitchFamily="18" charset="0"/>
+                            </a:rPr>
+                            <m:t>𝑖</m:t>
+                          </m:r>
+                          <m:r>
+                            <a:rPr lang="fr-CA" sz="1600" i="1">
+                              <a:latin typeface="Cambria Math" panose="02040503050406030204" pitchFamily="18" charset="0"/>
+                            </a:rPr>
+                            <m:t>−1,</m:t>
+                          </m:r>
+                          <m:r>
+                            <a:rPr lang="fr-CA" sz="1600" i="1">
+                              <a:latin typeface="Cambria Math" panose="02040503050406030204" pitchFamily="18" charset="0"/>
+                            </a:rPr>
+                            <m:t>𝑗</m:t>
+                          </m:r>
+                        </m:sub>
+                      </m:sSub>
+                      <m:r>
+                        <a:rPr lang="fr-CA" sz="1600" i="1">
+                          <a:latin typeface="Cambria Math" panose="02040503050406030204" pitchFamily="18" charset="0"/>
+                        </a:rPr>
+                        <m:t>+</m:t>
+                      </m:r>
+                      <m:f>
+                        <m:fPr>
+                          <m:ctrlPr>
+                            <a:rPr lang="fr-CA" sz="1600" i="1">
+                              <a:latin typeface="Cambria Math" panose="02040503050406030204" pitchFamily="18" charset="0"/>
+                            </a:rPr>
+                          </m:ctrlPr>
+                        </m:fPr>
+                        <m:num>
+                          <m:sSub>
+                            <m:sSubPr>
+                              <m:ctrlPr>
+                                <a:rPr lang="fr-CA" sz="1600" i="1" smtClean="0">
+                                  <a:latin typeface="Cambria Math" panose="02040503050406030204" pitchFamily="18" charset="0"/>
+                                </a:rPr>
+                              </m:ctrlPr>
+                            </m:sSubPr>
+                            <m:e>
+                              <m:r>
+                                <a:rPr lang="fr-CA" sz="1600" i="1">
+                                  <a:latin typeface="Cambria Math" panose="02040503050406030204" pitchFamily="18" charset="0"/>
+                                </a:rPr>
+                                <m:t>𝑛</m:t>
+                              </m:r>
+                            </m:e>
+                            <m:sub>
+                              <m:r>
+                                <a:rPr lang="fr-CA" sz="1600" b="0" i="1" smtClean="0">
+                                  <a:latin typeface="Cambria Math" panose="02040503050406030204" pitchFamily="18" charset="0"/>
+                                </a:rPr>
+                                <m:t>𝑦</m:t>
+                              </m:r>
+                            </m:sub>
+                          </m:sSub>
+                        </m:num>
+                        <m:den>
+                          <m:sSub>
+                            <m:sSubPr>
+                              <m:ctrlPr>
+                                <a:rPr lang="fr-CA" sz="1600" i="1">
+                                  <a:highlight>
+                                    <a:srgbClr val="FFFF00"/>
+                                  </a:highlight>
+                                  <a:latin typeface="Cambria Math" panose="02040503050406030204" pitchFamily="18" charset="0"/>
+                                </a:rPr>
+                              </m:ctrlPr>
+                            </m:sSubPr>
+                            <m:e>
+                              <m:r>
+                                <a:rPr lang="fr-CA" sz="1600" i="1">
+                                  <a:highlight>
+                                    <a:srgbClr val="FFFF00"/>
+                                  </a:highlight>
+                                  <a:latin typeface="Cambria Math" panose="02040503050406030204" pitchFamily="18" charset="0"/>
+                                  <a:ea typeface="Cambria Math" panose="02040503050406030204" pitchFamily="18" charset="0"/>
+                                </a:rPr>
+                                <m:t>𝛾</m:t>
+                              </m:r>
+                            </m:e>
+                            <m:sub>
+                              <m:r>
+                                <a:rPr lang="fr-CA" sz="1600" b="0" i="1" smtClean="0">
+                                  <a:highlight>
+                                    <a:srgbClr val="FFFF00"/>
+                                  </a:highlight>
+                                  <a:latin typeface="Cambria Math" panose="02040503050406030204" pitchFamily="18" charset="0"/>
+                                  <a:ea typeface="Cambria Math" panose="02040503050406030204" pitchFamily="18" charset="0"/>
+                                </a:rPr>
+                                <m:t>1</m:t>
+                              </m:r>
+                            </m:sub>
+                          </m:sSub>
+                        </m:den>
+                      </m:f>
+                      <m:sSub>
+                        <m:sSubPr>
+                          <m:ctrlPr>
+                            <a:rPr lang="fr-CA" sz="1600" i="1">
+                              <a:latin typeface="Cambria Math" panose="02040503050406030204" pitchFamily="18" charset="0"/>
+                            </a:rPr>
+                          </m:ctrlPr>
+                        </m:sSubPr>
+                        <m:e>
+                          <m:r>
+                            <a:rPr lang="fr-CA" sz="1600" i="1">
+                              <a:latin typeface="Cambria Math" panose="02040503050406030204" pitchFamily="18" charset="0"/>
+                            </a:rPr>
+                            <m:t>𝑝</m:t>
+                          </m:r>
+                        </m:e>
+                        <m:sub>
+                          <m:r>
+                            <a:rPr lang="fr-CA" sz="1600" i="1">
+                              <a:latin typeface="Cambria Math" panose="02040503050406030204" pitchFamily="18" charset="0"/>
+                            </a:rPr>
+                            <m:t>𝑖</m:t>
+                          </m:r>
+                          <m:r>
+                            <a:rPr lang="fr-CA" sz="1600" i="1">
+                              <a:latin typeface="Cambria Math" panose="02040503050406030204" pitchFamily="18" charset="0"/>
+                            </a:rPr>
+                            <m:t>,</m:t>
+                          </m:r>
+                          <m:r>
+                            <a:rPr lang="fr-CA" sz="1600" i="1">
+                              <a:latin typeface="Cambria Math" panose="02040503050406030204" pitchFamily="18" charset="0"/>
+                            </a:rPr>
+                            <m:t>𝑗</m:t>
+                          </m:r>
+                          <m:r>
+                            <a:rPr lang="fr-CA" sz="1600" b="0" i="1" smtClean="0">
+                              <a:latin typeface="Cambria Math" panose="02040503050406030204" pitchFamily="18" charset="0"/>
+                            </a:rPr>
+                            <m:t>−2</m:t>
+                          </m:r>
+                        </m:sub>
+                      </m:sSub>
+                      <m:r>
+                        <a:rPr lang="fr-CA" sz="1600" b="0" i="1" smtClean="0">
+                          <a:latin typeface="Cambria Math" panose="02040503050406030204" pitchFamily="18" charset="0"/>
+                        </a:rPr>
+                        <m:t>−</m:t>
+                      </m:r>
+                      <m:f>
+                        <m:fPr>
+                          <m:ctrlPr>
+                            <a:rPr lang="fr-CA" sz="1600" i="1">
+                              <a:latin typeface="Cambria Math" panose="02040503050406030204" pitchFamily="18" charset="0"/>
+                            </a:rPr>
+                          </m:ctrlPr>
+                        </m:fPr>
+                        <m:num>
+                          <m:r>
+                            <a:rPr lang="fr-CA" sz="1600" i="1">
+                              <a:latin typeface="Cambria Math" panose="02040503050406030204" pitchFamily="18" charset="0"/>
+                            </a:rPr>
+                            <m:t>4</m:t>
+                          </m:r>
+                          <m:sSub>
+                            <m:sSubPr>
+                              <m:ctrlPr>
+                                <a:rPr lang="fr-CA" sz="1600" i="1" smtClean="0">
+                                  <a:latin typeface="Cambria Math" panose="02040503050406030204" pitchFamily="18" charset="0"/>
+                                </a:rPr>
+                              </m:ctrlPr>
+                            </m:sSubPr>
+                            <m:e>
+                              <m:r>
+                                <a:rPr lang="fr-CA" sz="1600" i="1">
+                                  <a:latin typeface="Cambria Math" panose="02040503050406030204" pitchFamily="18" charset="0"/>
+                                </a:rPr>
+                                <m:t>𝑛</m:t>
+                              </m:r>
+                            </m:e>
+                            <m:sub>
+                              <m:r>
+                                <a:rPr lang="fr-CA" sz="1600" b="0" i="1" smtClean="0">
+                                  <a:latin typeface="Cambria Math" panose="02040503050406030204" pitchFamily="18" charset="0"/>
+                                </a:rPr>
+                                <m:t>𝑦</m:t>
+                              </m:r>
+                            </m:sub>
+                          </m:sSub>
+                        </m:num>
+                        <m:den>
+                          <m:sSub>
+                            <m:sSubPr>
+                              <m:ctrlPr>
+                                <a:rPr lang="fr-CA" sz="1600" i="1">
+                                  <a:latin typeface="Cambria Math" panose="02040503050406030204" pitchFamily="18" charset="0"/>
+                                </a:rPr>
+                              </m:ctrlPr>
+                            </m:sSubPr>
+                            <m:e>
+                              <m:r>
+                                <a:rPr lang="fr-CA" sz="1600" i="1">
+                                  <a:latin typeface="Cambria Math" panose="02040503050406030204" pitchFamily="18" charset="0"/>
+                                  <a:ea typeface="Cambria Math" panose="02040503050406030204" pitchFamily="18" charset="0"/>
+                                </a:rPr>
+                                <m:t>𝛾</m:t>
+                              </m:r>
+                            </m:e>
+                            <m:sub>
+                              <m:r>
+                                <a:rPr lang="fr-CA" sz="1600" i="1">
+                                  <a:latin typeface="Cambria Math" panose="02040503050406030204" pitchFamily="18" charset="0"/>
+                                </a:rPr>
+                                <m:t>𝑚</m:t>
+                              </m:r>
+                            </m:sub>
+                          </m:sSub>
+                        </m:den>
+                      </m:f>
+                      <m:sSub>
+                        <m:sSubPr>
+                          <m:ctrlPr>
+                            <a:rPr lang="fr-CA" sz="1600" i="1">
+                              <a:latin typeface="Cambria Math" panose="02040503050406030204" pitchFamily="18" charset="0"/>
+                            </a:rPr>
+                          </m:ctrlPr>
+                        </m:sSubPr>
+                        <m:e>
+                          <m:r>
+                            <a:rPr lang="fr-CA" sz="1600" i="1">
+                              <a:latin typeface="Cambria Math" panose="02040503050406030204" pitchFamily="18" charset="0"/>
+                            </a:rPr>
+                            <m:t>𝑝</m:t>
+                          </m:r>
+                        </m:e>
+                        <m:sub>
+                          <m:r>
+                            <a:rPr lang="fr-CA" sz="1600" i="1">
+                              <a:latin typeface="Cambria Math" panose="02040503050406030204" pitchFamily="18" charset="0"/>
+                            </a:rPr>
+                            <m:t>𝑖</m:t>
+                          </m:r>
+                          <m:r>
+                            <a:rPr lang="fr-CA" sz="1600" i="1">
+                              <a:latin typeface="Cambria Math" panose="02040503050406030204" pitchFamily="18" charset="0"/>
+                            </a:rPr>
+                            <m:t>,</m:t>
+                          </m:r>
+                          <m:r>
+                            <a:rPr lang="fr-CA" sz="1600" i="1">
+                              <a:latin typeface="Cambria Math" panose="02040503050406030204" pitchFamily="18" charset="0"/>
+                            </a:rPr>
+                            <m:t>𝑗</m:t>
+                          </m:r>
+                          <m:r>
+                            <a:rPr lang="fr-CA" sz="1600" i="1">
+                              <a:latin typeface="Cambria Math" panose="02040503050406030204" pitchFamily="18" charset="0"/>
+                            </a:rPr>
+                            <m:t>−1</m:t>
+                          </m:r>
+                        </m:sub>
+                      </m:sSub>
+                      <m:r>
+                        <a:rPr lang="fr-CA" sz="1600" b="0" i="1" smtClean="0">
+                          <a:latin typeface="Cambria Math" panose="02040503050406030204" pitchFamily="18" charset="0"/>
+                        </a:rPr>
+                        <m:t>+</m:t>
+                      </m:r>
+                      <m:f>
+                        <m:fPr>
+                          <m:ctrlPr>
+                            <a:rPr lang="fr-CA" sz="1600" b="0" i="1" smtClean="0">
+                              <a:latin typeface="Cambria Math" panose="02040503050406030204" pitchFamily="18" charset="0"/>
+                            </a:rPr>
+                          </m:ctrlPr>
+                        </m:fPr>
+                        <m:num>
+                          <m:r>
+                            <a:rPr lang="fr-CA" sz="1600" i="1">
+                              <a:latin typeface="Cambria Math" panose="02040503050406030204" pitchFamily="18" charset="0"/>
+                            </a:rPr>
+                            <m:t>3</m:t>
+                          </m:r>
+                          <m:d>
+                            <m:dPr>
+                              <m:ctrlPr>
+                                <a:rPr lang="fr-CA" sz="1600" i="1">
+                                  <a:latin typeface="Cambria Math" panose="02040503050406030204" pitchFamily="18" charset="0"/>
+                                </a:rPr>
+                              </m:ctrlPr>
+                            </m:dPr>
+                            <m:e>
+                              <m:sSub>
+                                <m:sSubPr>
+                                  <m:ctrlPr>
+                                    <a:rPr lang="fr-CA" sz="1600" i="1">
+                                      <a:latin typeface="Cambria Math" panose="02040503050406030204" pitchFamily="18" charset="0"/>
+                                    </a:rPr>
+                                  </m:ctrlPr>
+                                </m:sSubPr>
+                                <m:e>
+                                  <m:r>
+                                    <a:rPr lang="fr-CA" sz="1600" i="1">
+                                      <a:latin typeface="Cambria Math" panose="02040503050406030204" pitchFamily="18" charset="0"/>
+                                      <a:ea typeface="Cambria Math" panose="02040503050406030204" pitchFamily="18" charset="0"/>
+                                    </a:rPr>
+                                    <m:t>𝛾</m:t>
+                                  </m:r>
+                                </m:e>
+                                <m:sub>
+                                  <m:r>
+                                    <a:rPr lang="fr-CA" sz="1600" i="1">
+                                      <a:latin typeface="Cambria Math" panose="02040503050406030204" pitchFamily="18" charset="0"/>
+                                    </a:rPr>
+                                    <m:t>𝑚</m:t>
+                                  </m:r>
+                                </m:sub>
+                              </m:sSub>
+                              <m:r>
+                                <a:rPr lang="fr-CA" sz="1600" i="1">
+                                  <a:latin typeface="Cambria Math" panose="02040503050406030204" pitchFamily="18" charset="0"/>
+                                </a:rPr>
+                                <m:t>+</m:t>
+                              </m:r>
+                              <m:sSub>
+                                <m:sSubPr>
+                                  <m:ctrlPr>
+                                    <a:rPr lang="fr-CA" sz="1600" i="1">
+                                      <a:latin typeface="Cambria Math" panose="02040503050406030204" pitchFamily="18" charset="0"/>
+                                    </a:rPr>
+                                  </m:ctrlPr>
+                                </m:sSubPr>
+                                <m:e>
+                                  <m:r>
+                                    <a:rPr lang="fr-CA" sz="1600" i="1">
+                                      <a:latin typeface="Cambria Math" panose="02040503050406030204" pitchFamily="18" charset="0"/>
+                                      <a:ea typeface="Cambria Math" panose="02040503050406030204" pitchFamily="18" charset="0"/>
+                                    </a:rPr>
+                                    <m:t>𝛾</m:t>
+                                  </m:r>
+                                </m:e>
+                                <m:sub>
+                                  <m:r>
+                                    <a:rPr lang="fr-CA" sz="1600" i="1">
+                                      <a:latin typeface="Cambria Math" panose="02040503050406030204" pitchFamily="18" charset="0"/>
+                                      <a:ea typeface="Cambria Math" panose="02040503050406030204" pitchFamily="18" charset="0"/>
+                                    </a:rPr>
+                                    <m:t>𝑛</m:t>
+                                  </m:r>
+                                </m:sub>
+                              </m:sSub>
+                            </m:e>
+                          </m:d>
+                          <m:d>
+                            <m:dPr>
+                              <m:ctrlPr>
+                                <a:rPr lang="fr-CA" sz="1600" i="1">
+                                  <a:latin typeface="Cambria Math" panose="02040503050406030204" pitchFamily="18" charset="0"/>
+                                  <a:ea typeface="Cambria Math" panose="02040503050406030204" pitchFamily="18" charset="0"/>
+                                </a:rPr>
+                              </m:ctrlPr>
+                            </m:dPr>
+                            <m:e>
+                              <m:sSub>
+                                <m:sSubPr>
+                                  <m:ctrlPr>
+                                    <a:rPr lang="fr-CA" sz="1600" i="1">
+                                      <a:latin typeface="Cambria Math" panose="02040503050406030204" pitchFamily="18" charset="0"/>
+                                    </a:rPr>
+                                  </m:ctrlPr>
+                                </m:sSubPr>
+                                <m:e>
+                                  <m:r>
+                                    <a:rPr lang="fr-CA" sz="1600" i="1">
+                                      <a:latin typeface="Cambria Math" panose="02040503050406030204" pitchFamily="18" charset="0"/>
+                                    </a:rPr>
+                                    <m:t>𝑛</m:t>
+                                  </m:r>
+                                </m:e>
+                                <m:sub>
+                                  <m:r>
+                                    <a:rPr lang="fr-CA" sz="1600" i="1">
+                                      <a:latin typeface="Cambria Math" panose="02040503050406030204" pitchFamily="18" charset="0"/>
+                                    </a:rPr>
+                                    <m:t>𝑥</m:t>
+                                  </m:r>
+                                </m:sub>
+                              </m:sSub>
+                              <m:r>
+                                <a:rPr lang="fr-CA" sz="1600" i="1">
+                                  <a:latin typeface="Cambria Math" panose="02040503050406030204" pitchFamily="18" charset="0"/>
+                                </a:rPr>
+                                <m:t>+</m:t>
+                              </m:r>
+                              <m:sSub>
+                                <m:sSubPr>
+                                  <m:ctrlPr>
+                                    <a:rPr lang="fr-CA" sz="1600" i="1">
+                                      <a:latin typeface="Cambria Math" panose="02040503050406030204" pitchFamily="18" charset="0"/>
+                                    </a:rPr>
+                                  </m:ctrlPr>
+                                </m:sSubPr>
+                                <m:e>
+                                  <m:r>
+                                    <a:rPr lang="fr-CA" sz="1600" i="1">
+                                      <a:latin typeface="Cambria Math" panose="02040503050406030204" pitchFamily="18" charset="0"/>
+                                    </a:rPr>
+                                    <m:t>𝑛</m:t>
+                                  </m:r>
+                                </m:e>
+                                <m:sub>
+                                  <m:r>
+                                    <a:rPr lang="fr-CA" sz="1600" i="1">
+                                      <a:latin typeface="Cambria Math" panose="02040503050406030204" pitchFamily="18" charset="0"/>
+                                    </a:rPr>
+                                    <m:t>𝑦</m:t>
+                                  </m:r>
+                                </m:sub>
+                              </m:sSub>
+                            </m:e>
+                          </m:d>
+                        </m:num>
+                        <m:den>
+                          <m:sSub>
+                            <m:sSubPr>
+                              <m:ctrlPr>
+                                <a:rPr lang="fr-CA" sz="1600" i="1">
+                                  <a:latin typeface="Cambria Math" panose="02040503050406030204" pitchFamily="18" charset="0"/>
+                                </a:rPr>
+                              </m:ctrlPr>
+                            </m:sSubPr>
+                            <m:e>
+                              <m:r>
+                                <a:rPr lang="fr-CA" sz="1600" i="1">
+                                  <a:latin typeface="Cambria Math" panose="02040503050406030204" pitchFamily="18" charset="0"/>
+                                  <a:ea typeface="Cambria Math" panose="02040503050406030204" pitchFamily="18" charset="0"/>
+                                </a:rPr>
+                                <m:t>𝛾</m:t>
+                              </m:r>
+                            </m:e>
+                            <m:sub>
+                              <m:r>
+                                <a:rPr lang="fr-CA" sz="1600" i="1">
+                                  <a:latin typeface="Cambria Math" panose="02040503050406030204" pitchFamily="18" charset="0"/>
+                                </a:rPr>
+                                <m:t>𝑚</m:t>
+                              </m:r>
+                            </m:sub>
+                          </m:sSub>
+                          <m:sSub>
+                            <m:sSubPr>
+                              <m:ctrlPr>
+                                <a:rPr lang="fr-CA" sz="1600" i="1">
+                                  <a:latin typeface="Cambria Math" panose="02040503050406030204" pitchFamily="18" charset="0"/>
+                                </a:rPr>
+                              </m:ctrlPr>
+                            </m:sSubPr>
+                            <m:e>
+                              <m:r>
+                                <a:rPr lang="fr-CA" sz="1600" i="1">
+                                  <a:latin typeface="Cambria Math" panose="02040503050406030204" pitchFamily="18" charset="0"/>
+                                  <a:ea typeface="Cambria Math" panose="02040503050406030204" pitchFamily="18" charset="0"/>
+                                </a:rPr>
+                                <m:t>𝛾</m:t>
+                              </m:r>
+                            </m:e>
+                            <m:sub>
+                              <m:r>
+                                <a:rPr lang="fr-CA" sz="1600" i="1">
+                                  <a:latin typeface="Cambria Math" panose="02040503050406030204" pitchFamily="18" charset="0"/>
+                                  <a:ea typeface="Cambria Math" panose="02040503050406030204" pitchFamily="18" charset="0"/>
+                                </a:rPr>
+                                <m:t>𝑛</m:t>
+                              </m:r>
+                            </m:sub>
+                          </m:sSub>
+                        </m:den>
+                      </m:f>
+                      <m:sSub>
+                        <m:sSubPr>
+                          <m:ctrlPr>
+                            <a:rPr lang="fr-CA" sz="1600" i="1">
+                              <a:latin typeface="Cambria Math" panose="02040503050406030204" pitchFamily="18" charset="0"/>
+                            </a:rPr>
+                          </m:ctrlPr>
+                        </m:sSubPr>
+                        <m:e>
+                          <m:r>
+                            <a:rPr lang="fr-CA" sz="1600" i="1">
+                              <a:latin typeface="Cambria Math" panose="02040503050406030204" pitchFamily="18" charset="0"/>
+                            </a:rPr>
+                            <m:t>𝑝</m:t>
+                          </m:r>
+                        </m:e>
+                        <m:sub>
+                          <m:r>
+                            <a:rPr lang="fr-CA" sz="1600" i="1">
+                              <a:latin typeface="Cambria Math" panose="02040503050406030204" pitchFamily="18" charset="0"/>
+                            </a:rPr>
+                            <m:t>𝑖</m:t>
+                          </m:r>
+                          <m:r>
+                            <a:rPr lang="fr-CA" sz="1600" i="1">
+                              <a:latin typeface="Cambria Math" panose="02040503050406030204" pitchFamily="18" charset="0"/>
+                            </a:rPr>
+                            <m:t>,</m:t>
+                          </m:r>
+                          <m:r>
+                            <a:rPr lang="fr-CA" sz="1600" i="1">
+                              <a:latin typeface="Cambria Math" panose="02040503050406030204" pitchFamily="18" charset="0"/>
+                            </a:rPr>
+                            <m:t>𝑗</m:t>
+                          </m:r>
+                        </m:sub>
+                      </m:sSub>
+                      <m:r>
+                        <a:rPr lang="fr-CA" sz="1600" b="0" i="1" smtClean="0">
+                          <a:latin typeface="Cambria Math" panose="02040503050406030204" pitchFamily="18" charset="0"/>
+                        </a:rPr>
+                        <m:t>−</m:t>
+                      </m:r>
+                      <m:f>
+                        <m:fPr>
+                          <m:ctrlPr>
+                            <a:rPr lang="fr-CA" sz="1600" i="1">
+                              <a:latin typeface="Cambria Math" panose="02040503050406030204" pitchFamily="18" charset="0"/>
+                            </a:rPr>
+                          </m:ctrlPr>
+                        </m:fPr>
+                        <m:num>
+                          <m:r>
+                            <a:rPr lang="fr-CA" sz="1600" i="1">
+                              <a:latin typeface="Cambria Math" panose="02040503050406030204" pitchFamily="18" charset="0"/>
+                            </a:rPr>
+                            <m:t>4</m:t>
+                          </m:r>
+                          <m:sSub>
+                            <m:sSubPr>
+                              <m:ctrlPr>
+                                <a:rPr lang="fr-CA" sz="1600" i="1">
+                                  <a:latin typeface="Cambria Math" panose="02040503050406030204" pitchFamily="18" charset="0"/>
+                                </a:rPr>
+                              </m:ctrlPr>
+                            </m:sSubPr>
+                            <m:e>
+                              <m:r>
+                                <a:rPr lang="fr-CA" sz="1600" i="1">
+                                  <a:latin typeface="Cambria Math" panose="02040503050406030204" pitchFamily="18" charset="0"/>
+                                </a:rPr>
+                                <m:t>𝑛</m:t>
+                              </m:r>
+                            </m:e>
+                            <m:sub>
+                              <m:r>
+                                <a:rPr lang="fr-CA" sz="1600" i="1">
+                                  <a:latin typeface="Cambria Math" panose="02040503050406030204" pitchFamily="18" charset="0"/>
+                                </a:rPr>
+                                <m:t>𝑥</m:t>
+                              </m:r>
+                            </m:sub>
+                          </m:sSub>
+                        </m:num>
+                        <m:den>
+                          <m:sSub>
+                            <m:sSubPr>
+                              <m:ctrlPr>
+                                <a:rPr lang="fr-CA" sz="1600" i="1">
+                                  <a:latin typeface="Cambria Math" panose="02040503050406030204" pitchFamily="18" charset="0"/>
+                                </a:rPr>
+                              </m:ctrlPr>
+                            </m:sSubPr>
+                            <m:e>
+                              <m:r>
+                                <a:rPr lang="fr-CA" sz="1600" i="1">
+                                  <a:latin typeface="Cambria Math" panose="02040503050406030204" pitchFamily="18" charset="0"/>
+                                  <a:ea typeface="Cambria Math" panose="02040503050406030204" pitchFamily="18" charset="0"/>
+                                </a:rPr>
+                                <m:t>𝛾</m:t>
+                              </m:r>
+                            </m:e>
+                            <m:sub>
+                              <m:r>
+                                <a:rPr lang="fr-CA" sz="1600" b="0" i="1" smtClean="0">
+                                  <a:latin typeface="Cambria Math" panose="02040503050406030204" pitchFamily="18" charset="0"/>
+                                  <a:ea typeface="Cambria Math" panose="02040503050406030204" pitchFamily="18" charset="0"/>
+                                </a:rPr>
+                                <m:t>𝑛</m:t>
+                              </m:r>
+                            </m:sub>
+                          </m:sSub>
+                        </m:den>
+                      </m:f>
+                      <m:sSub>
+                        <m:sSubPr>
+                          <m:ctrlPr>
+                            <a:rPr lang="fr-CA" sz="1600" i="1">
+                              <a:latin typeface="Cambria Math" panose="02040503050406030204" pitchFamily="18" charset="0"/>
+                            </a:rPr>
+                          </m:ctrlPr>
+                        </m:sSubPr>
+                        <m:e>
+                          <m:r>
+                            <a:rPr lang="fr-CA" sz="1600" i="1">
+                              <a:latin typeface="Cambria Math" panose="02040503050406030204" pitchFamily="18" charset="0"/>
+                            </a:rPr>
+                            <m:t>𝑝</m:t>
+                          </m:r>
+                        </m:e>
+                        <m:sub>
+                          <m:r>
+                            <a:rPr lang="fr-CA" sz="1600" i="1">
+                              <a:latin typeface="Cambria Math" panose="02040503050406030204" pitchFamily="18" charset="0"/>
+                            </a:rPr>
+                            <m:t>𝑖</m:t>
+                          </m:r>
+                          <m:r>
+                            <a:rPr lang="fr-CA" sz="1600" i="1">
+                              <a:latin typeface="Cambria Math" panose="02040503050406030204" pitchFamily="18" charset="0"/>
+                            </a:rPr>
+                            <m:t>+1,</m:t>
+                          </m:r>
+                          <m:r>
+                            <a:rPr lang="fr-CA" sz="1600" i="1">
+                              <a:latin typeface="Cambria Math" panose="02040503050406030204" pitchFamily="18" charset="0"/>
+                            </a:rPr>
+                            <m:t>𝑗</m:t>
+                          </m:r>
+                        </m:sub>
+                      </m:sSub>
+                      <m:r>
+                        <a:rPr lang="fr-CA" sz="1600" i="1">
+                          <a:latin typeface="Cambria Math" panose="02040503050406030204" pitchFamily="18" charset="0"/>
+                        </a:rPr>
+                        <m:t>+</m:t>
+                      </m:r>
+                      <m:f>
+                        <m:fPr>
+                          <m:ctrlPr>
+                            <a:rPr lang="fr-CA" sz="1600" i="1">
+                              <a:latin typeface="Cambria Math" panose="02040503050406030204" pitchFamily="18" charset="0"/>
+                            </a:rPr>
+                          </m:ctrlPr>
+                        </m:fPr>
+                        <m:num>
+                          <m:sSub>
+                            <m:sSubPr>
+                              <m:ctrlPr>
+                                <a:rPr lang="fr-CA" sz="1600" i="1">
+                                  <a:latin typeface="Cambria Math" panose="02040503050406030204" pitchFamily="18" charset="0"/>
+                                </a:rPr>
+                              </m:ctrlPr>
+                            </m:sSubPr>
+                            <m:e>
+                              <m:r>
+                                <a:rPr lang="fr-CA" sz="1600" i="1">
+                                  <a:latin typeface="Cambria Math" panose="02040503050406030204" pitchFamily="18" charset="0"/>
+                                </a:rPr>
+                                <m:t>𝑛</m:t>
+                              </m:r>
+                            </m:e>
+                            <m:sub>
+                              <m:r>
+                                <a:rPr lang="fr-CA" sz="1600" i="1">
+                                  <a:latin typeface="Cambria Math" panose="02040503050406030204" pitchFamily="18" charset="0"/>
+                                </a:rPr>
+                                <m:t>𝑥</m:t>
+                              </m:r>
+                            </m:sub>
+                          </m:sSub>
+                        </m:num>
+                        <m:den>
+                          <m:sSub>
+                            <m:sSubPr>
+                              <m:ctrlPr>
+                                <a:rPr lang="fr-CA" sz="1600" i="1">
+                                  <a:latin typeface="Cambria Math" panose="02040503050406030204" pitchFamily="18" charset="0"/>
+                                </a:rPr>
+                              </m:ctrlPr>
+                            </m:sSubPr>
+                            <m:e>
+                              <m:r>
+                                <a:rPr lang="fr-CA" sz="1600" i="1">
+                                  <a:latin typeface="Cambria Math" panose="02040503050406030204" pitchFamily="18" charset="0"/>
+                                  <a:ea typeface="Cambria Math" panose="02040503050406030204" pitchFamily="18" charset="0"/>
+                                </a:rPr>
+                                <m:t>𝛾</m:t>
+                              </m:r>
+                            </m:e>
+                            <m:sub>
+                              <m:r>
+                                <a:rPr lang="fr-CA" sz="1600" i="1">
+                                  <a:latin typeface="Cambria Math" panose="02040503050406030204" pitchFamily="18" charset="0"/>
+                                  <a:ea typeface="Cambria Math" panose="02040503050406030204" pitchFamily="18" charset="0"/>
+                                </a:rPr>
+                                <m:t>𝑛</m:t>
+                              </m:r>
+                            </m:sub>
+                          </m:sSub>
+                        </m:den>
+                      </m:f>
+                      <m:sSub>
+                        <m:sSubPr>
+                          <m:ctrlPr>
+                            <a:rPr lang="fr-CA" sz="1600" i="1">
+                              <a:latin typeface="Cambria Math" panose="02040503050406030204" pitchFamily="18" charset="0"/>
+                            </a:rPr>
+                          </m:ctrlPr>
+                        </m:sSubPr>
+                        <m:e>
+                          <m:r>
+                            <a:rPr lang="fr-CA" sz="1600" i="1">
+                              <a:latin typeface="Cambria Math" panose="02040503050406030204" pitchFamily="18" charset="0"/>
+                            </a:rPr>
+                            <m:t>𝑝</m:t>
+                          </m:r>
+                        </m:e>
+                        <m:sub>
+                          <m:r>
+                            <a:rPr lang="fr-CA" sz="1600" i="1">
+                              <a:latin typeface="Cambria Math" panose="02040503050406030204" pitchFamily="18" charset="0"/>
+                            </a:rPr>
+                            <m:t>𝑖</m:t>
+                          </m:r>
+                          <m:r>
+                            <a:rPr lang="fr-CA" sz="1600" b="0" i="1" smtClean="0">
+                              <a:latin typeface="Cambria Math" panose="02040503050406030204" pitchFamily="18" charset="0"/>
+                            </a:rPr>
+                            <m:t>+2</m:t>
+                          </m:r>
+                          <m:r>
+                            <a:rPr lang="fr-CA" sz="1600" i="1">
+                              <a:latin typeface="Cambria Math" panose="02040503050406030204" pitchFamily="18" charset="0"/>
+                            </a:rPr>
+                            <m:t>,</m:t>
+                          </m:r>
+                          <m:r>
+                            <a:rPr lang="fr-CA" sz="1600" i="1">
+                              <a:latin typeface="Cambria Math" panose="02040503050406030204" pitchFamily="18" charset="0"/>
+                            </a:rPr>
+                            <m:t>𝑗</m:t>
+                          </m:r>
+                        </m:sub>
+                      </m:sSub>
+                      <m:r>
+                        <a:rPr lang="fr-CA" sz="1600" b="0" i="1" smtClean="0">
+                          <a:latin typeface="Cambria Math" panose="02040503050406030204" pitchFamily="18" charset="0"/>
+                        </a:rPr>
+                        <m:t>−</m:t>
+                      </m:r>
+                      <m:sSub>
+                        <m:sSubPr>
+                          <m:ctrlPr>
+                            <a:rPr lang="fr-CA" sz="1600" i="1">
+                              <a:latin typeface="Cambria Math" panose="02040503050406030204" pitchFamily="18" charset="0"/>
+                            </a:rPr>
+                          </m:ctrlPr>
+                        </m:sSubPr>
+                        <m:e>
+                          <m:f>
+                            <m:fPr>
+                              <m:ctrlPr>
+                                <a:rPr lang="fr-CA" sz="1600" i="1">
+                                  <a:latin typeface="Cambria Math" panose="02040503050406030204" pitchFamily="18" charset="0"/>
+                                </a:rPr>
+                              </m:ctrlPr>
+                            </m:fPr>
+                            <m:num>
+                              <m:r>
+                                <a:rPr lang="fr-CA" sz="1600" i="1">
+                                  <a:latin typeface="Cambria Math" panose="02040503050406030204" pitchFamily="18" charset="0"/>
+                                </a:rPr>
+                                <m:t>4</m:t>
+                              </m:r>
+                              <m:sSub>
+                                <m:sSubPr>
+                                  <m:ctrlPr>
+                                    <a:rPr lang="fr-CA" sz="1600" i="1">
+                                      <a:latin typeface="Cambria Math" panose="02040503050406030204" pitchFamily="18" charset="0"/>
+                                    </a:rPr>
+                                  </m:ctrlPr>
+                                </m:sSubPr>
+                                <m:e>
+                                  <m:r>
+                                    <a:rPr lang="fr-CA" sz="1600" i="1">
+                                      <a:latin typeface="Cambria Math" panose="02040503050406030204" pitchFamily="18" charset="0"/>
+                                    </a:rPr>
+                                    <m:t>𝑛</m:t>
+                                  </m:r>
+                                </m:e>
+                                <m:sub>
+                                  <m:r>
+                                    <a:rPr lang="fr-CA" sz="1600" b="0" i="1" smtClean="0">
+                                      <a:latin typeface="Cambria Math" panose="02040503050406030204" pitchFamily="18" charset="0"/>
+                                    </a:rPr>
+                                    <m:t>𝑦</m:t>
+                                  </m:r>
+                                </m:sub>
+                              </m:sSub>
+                            </m:num>
+                            <m:den>
+                              <m:sSub>
+                                <m:sSubPr>
+                                  <m:ctrlPr>
+                                    <a:rPr lang="fr-CA" sz="1600" i="1">
+                                      <a:latin typeface="Cambria Math" panose="02040503050406030204" pitchFamily="18" charset="0"/>
+                                    </a:rPr>
+                                  </m:ctrlPr>
+                                </m:sSubPr>
+                                <m:e>
+                                  <m:r>
+                                    <a:rPr lang="fr-CA" sz="1600" i="1">
+                                      <a:latin typeface="Cambria Math" panose="02040503050406030204" pitchFamily="18" charset="0"/>
+                                      <a:ea typeface="Cambria Math" panose="02040503050406030204" pitchFamily="18" charset="0"/>
+                                    </a:rPr>
+                                    <m:t>𝛾</m:t>
+                                  </m:r>
+                                </m:e>
+                                <m:sub>
+                                  <m:r>
+                                    <a:rPr lang="fr-CA" sz="1600" i="1">
+                                      <a:latin typeface="Cambria Math" panose="02040503050406030204" pitchFamily="18" charset="0"/>
+                                      <a:ea typeface="Cambria Math" panose="02040503050406030204" pitchFamily="18" charset="0"/>
+                                    </a:rPr>
+                                    <m:t>𝑛</m:t>
+                                  </m:r>
+                                </m:sub>
+                              </m:sSub>
+                            </m:den>
+                          </m:f>
+                          <m:r>
+                            <a:rPr lang="fr-CA" sz="1600" i="1">
+                              <a:latin typeface="Cambria Math" panose="02040503050406030204" pitchFamily="18" charset="0"/>
+                            </a:rPr>
+                            <m:t>𝑝</m:t>
+                          </m:r>
+                        </m:e>
+                        <m:sub>
+                          <m:r>
+                            <a:rPr lang="fr-CA" sz="1600" i="1">
+                              <a:latin typeface="Cambria Math" panose="02040503050406030204" pitchFamily="18" charset="0"/>
+                            </a:rPr>
+                            <m:t>𝑖</m:t>
+                          </m:r>
+                          <m:r>
+                            <a:rPr lang="fr-CA" sz="1600" i="1">
+                              <a:latin typeface="Cambria Math" panose="02040503050406030204" pitchFamily="18" charset="0"/>
+                            </a:rPr>
+                            <m:t>,</m:t>
+                          </m:r>
+                          <m:r>
+                            <a:rPr lang="fr-CA" sz="1600" i="1">
+                              <a:latin typeface="Cambria Math" panose="02040503050406030204" pitchFamily="18" charset="0"/>
+                            </a:rPr>
+                            <m:t>𝑗</m:t>
+                          </m:r>
+                          <m:r>
+                            <a:rPr lang="fr-CA" sz="1600" b="0" i="1" smtClean="0">
+                              <a:latin typeface="Cambria Math" panose="02040503050406030204" pitchFamily="18" charset="0"/>
+                            </a:rPr>
+                            <m:t>+</m:t>
+                          </m:r>
+                          <m:r>
+                            <a:rPr lang="fr-CA" sz="1600" i="1">
+                              <a:latin typeface="Cambria Math" panose="02040503050406030204" pitchFamily="18" charset="0"/>
+                            </a:rPr>
+                            <m:t>1</m:t>
+                          </m:r>
+                        </m:sub>
+                      </m:sSub>
+                      <m:r>
+                        <a:rPr lang="fr-CA" sz="1600" i="1">
+                          <a:latin typeface="Cambria Math" panose="02040503050406030204" pitchFamily="18" charset="0"/>
+                        </a:rPr>
+                        <m:t>+</m:t>
+                      </m:r>
+                      <m:f>
+                        <m:fPr>
+                          <m:ctrlPr>
+                            <a:rPr lang="fr-CA" sz="1600" i="1">
+                              <a:latin typeface="Cambria Math" panose="02040503050406030204" pitchFamily="18" charset="0"/>
+                            </a:rPr>
+                          </m:ctrlPr>
+                        </m:fPr>
+                        <m:num>
+                          <m:sSub>
+                            <m:sSubPr>
+                              <m:ctrlPr>
+                                <a:rPr lang="fr-CA" sz="1600" i="1">
+                                  <a:latin typeface="Cambria Math" panose="02040503050406030204" pitchFamily="18" charset="0"/>
+                                </a:rPr>
+                              </m:ctrlPr>
+                            </m:sSubPr>
+                            <m:e>
+                              <m:r>
+                                <a:rPr lang="fr-CA" sz="1600" i="1">
+                                  <a:latin typeface="Cambria Math" panose="02040503050406030204" pitchFamily="18" charset="0"/>
+                                </a:rPr>
+                                <m:t>𝑛</m:t>
+                              </m:r>
+                            </m:e>
+                            <m:sub>
+                              <m:r>
+                                <a:rPr lang="fr-CA" sz="1600" i="1">
+                                  <a:latin typeface="Cambria Math" panose="02040503050406030204" pitchFamily="18" charset="0"/>
+                                </a:rPr>
+                                <m:t>𝑦</m:t>
+                              </m:r>
+                            </m:sub>
+                          </m:sSub>
+                        </m:num>
+                        <m:den>
+                          <m:sSub>
+                            <m:sSubPr>
+                              <m:ctrlPr>
+                                <a:rPr lang="fr-CA" sz="1600" i="1">
+                                  <a:latin typeface="Cambria Math" panose="02040503050406030204" pitchFamily="18" charset="0"/>
+                                </a:rPr>
+                              </m:ctrlPr>
+                            </m:sSubPr>
+                            <m:e>
+                              <m:r>
+                                <a:rPr lang="fr-CA" sz="1600" i="1">
+                                  <a:latin typeface="Cambria Math" panose="02040503050406030204" pitchFamily="18" charset="0"/>
+                                  <a:ea typeface="Cambria Math" panose="02040503050406030204" pitchFamily="18" charset="0"/>
+                                </a:rPr>
+                                <m:t>𝛾</m:t>
+                              </m:r>
+                            </m:e>
+                            <m:sub>
+                              <m:r>
+                                <a:rPr lang="fr-CA" sz="1600" i="1">
+                                  <a:latin typeface="Cambria Math" panose="02040503050406030204" pitchFamily="18" charset="0"/>
+                                  <a:ea typeface="Cambria Math" panose="02040503050406030204" pitchFamily="18" charset="0"/>
+                                </a:rPr>
+                                <m:t>𝑛</m:t>
+                              </m:r>
+                            </m:sub>
+                          </m:sSub>
+                        </m:den>
+                      </m:f>
+                      <m:sSub>
+                        <m:sSubPr>
+                          <m:ctrlPr>
+                            <a:rPr lang="fr-CA" sz="1600" i="1">
+                              <a:latin typeface="Cambria Math" panose="02040503050406030204" pitchFamily="18" charset="0"/>
+                            </a:rPr>
+                          </m:ctrlPr>
+                        </m:sSubPr>
+                        <m:e>
+                          <m:r>
+                            <a:rPr lang="fr-CA" sz="1600" i="1">
+                              <a:latin typeface="Cambria Math" panose="02040503050406030204" pitchFamily="18" charset="0"/>
+                            </a:rPr>
+                            <m:t>𝑝</m:t>
+                          </m:r>
+                        </m:e>
+                        <m:sub>
+                          <m:r>
+                            <a:rPr lang="fr-CA" sz="1600" i="1">
+                              <a:latin typeface="Cambria Math" panose="02040503050406030204" pitchFamily="18" charset="0"/>
+                            </a:rPr>
+                            <m:t>𝑖</m:t>
+                          </m:r>
+                          <m:r>
+                            <a:rPr lang="fr-CA" sz="1600" i="1">
+                              <a:latin typeface="Cambria Math" panose="02040503050406030204" pitchFamily="18" charset="0"/>
+                            </a:rPr>
+                            <m:t>,</m:t>
+                          </m:r>
+                          <m:r>
+                            <a:rPr lang="fr-CA" sz="1600" i="1">
+                              <a:latin typeface="Cambria Math" panose="02040503050406030204" pitchFamily="18" charset="0"/>
+                            </a:rPr>
+                            <m:t>𝑗</m:t>
+                          </m:r>
+                          <m:r>
+                            <a:rPr lang="fr-CA" sz="1600" i="1">
+                              <a:latin typeface="Cambria Math" panose="02040503050406030204" pitchFamily="18" charset="0"/>
+                            </a:rPr>
+                            <m:t>+2</m:t>
+                          </m:r>
+                        </m:sub>
+                      </m:sSub>
+                      <m:r>
+                        <a:rPr lang="fr-CA" sz="1600" b="0" i="1" smtClean="0">
+                          <a:latin typeface="Cambria Math" panose="02040503050406030204" pitchFamily="18" charset="0"/>
+                        </a:rPr>
+                        <m:t>=0</m:t>
+                      </m:r>
+                    </m:oMath>
+                  </a14:m>
+                  <a:r>
+                    <a:rPr lang="fr-CA" sz="1600" dirty="0"/>
+                    <a:t> </a:t>
+                  </a:r>
+                </a:p>
+              </p:txBody>
+            </p:sp>
+          </mc:Choice>
+          <mc:Fallback>
+            <p:sp>
+              <p:nvSpPr>
+                <p:cNvPr id="6" name="ZoneTexte 5">
+                  <a:extLst>
+                    <a:ext uri="{FF2B5EF4-FFF2-40B4-BE49-F238E27FC236}">
+                      <a16:creationId xmlns:a16="http://schemas.microsoft.com/office/drawing/2014/main" id="{39B4E4BC-67C9-4738-868B-B1EDB7E0997A}"/>
+                    </a:ext>
+                  </a:extLst>
+                </p:cNvPr>
+                <p:cNvSpPr txBox="1">
+                  <a:spLocks noRot="1" noChangeAspect="1" noMove="1" noResize="1" noEditPoints="1" noAdjustHandles="1" noChangeArrowheads="1" noChangeShapeType="1" noTextEdit="1"/>
+                </p:cNvSpPr>
+                <p:nvPr/>
+              </p:nvSpPr>
+              <p:spPr>
+                <a:xfrm>
+                  <a:off x="566257" y="2982452"/>
+                  <a:ext cx="6961146" cy="433388"/>
+                </a:xfrm>
+                <a:prstGeom prst="rect">
+                  <a:avLst/>
+                </a:prstGeom>
+                <a:blipFill>
+                  <a:blip r:embed="rId2"/>
+                  <a:stretch>
+                    <a:fillRect l="-549" b="-11268"/>
+                  </a:stretch>
+                </a:blipFill>
+              </p:spPr>
+              <p:txBody>
+                <a:bodyPr/>
+                <a:lstStyle/>
+                <a:p>
+                  <a:r>
+                    <a:rPr lang="fr-CA">
+                      <a:noFill/>
+                    </a:rPr>
+                    <a:t> </a:t>
+                  </a:r>
+                </a:p>
+              </p:txBody>
+            </p:sp>
+          </mc:Fallback>
+        </mc:AlternateContent>
+        <p:sp>
+          <p:nvSpPr>
+            <p:cNvPr id="10" name="ZoneTexte 9">
+              <a:extLst>
+                <a:ext uri="{FF2B5EF4-FFF2-40B4-BE49-F238E27FC236}">
+                  <a16:creationId xmlns:a16="http://schemas.microsoft.com/office/drawing/2014/main" id="{4A49BA88-C95A-48A3-8A2A-D95DF9C835B0}"/>
+                </a:ext>
+              </a:extLst>
+            </p:cNvPr>
+            <p:cNvSpPr txBox="1"/>
+            <p:nvPr/>
+          </p:nvSpPr>
+          <p:spPr>
+            <a:xfrm>
+              <a:off x="7457115" y="3014480"/>
+              <a:ext cx="475580" cy="369332"/>
+            </a:xfrm>
+            <a:prstGeom prst="rect">
+              <a:avLst/>
+            </a:prstGeom>
+            <a:noFill/>
+          </p:spPr>
+          <p:txBody>
+            <a:bodyPr wrap="square" rtlCol="0">
+              <a:spAutoFit/>
+            </a:bodyPr>
+            <a:lstStyle/>
+            <a:p>
+              <a:r>
+                <a:rPr lang="fr-CA" dirty="0">
+                  <a:latin typeface="Cambria Math" panose="02040503050406030204" pitchFamily="18" charset="0"/>
+                  <a:ea typeface="Cambria Math" panose="02040503050406030204" pitchFamily="18" charset="0"/>
+                </a:rPr>
+                <a:t>(18)</a:t>
+              </a:r>
+            </a:p>
+          </p:txBody>
+        </p:sp>
+      </p:grpSp>
+      <p:grpSp>
+        <p:nvGrpSpPr>
+          <p:cNvPr id="13" name="Groupe 12">
+            <a:extLst>
+              <a:ext uri="{FF2B5EF4-FFF2-40B4-BE49-F238E27FC236}">
+                <a16:creationId xmlns:a16="http://schemas.microsoft.com/office/drawing/2014/main" id="{FDCFA658-A8B3-4938-B9F1-C7E7E9F47719}"/>
+              </a:ext>
+            </a:extLst>
+          </p:cNvPr>
+          <p:cNvGrpSpPr/>
+          <p:nvPr/>
+        </p:nvGrpSpPr>
+        <p:grpSpPr>
+          <a:xfrm>
+            <a:off x="298527" y="2112698"/>
+            <a:ext cx="9527851" cy="751744"/>
+            <a:chOff x="-1817538" y="3547482"/>
+            <a:chExt cx="9527851" cy="751744"/>
+          </a:xfrm>
+        </p:grpSpPr>
+        <mc:AlternateContent xmlns:mc="http://schemas.openxmlformats.org/markup-compatibility/2006">
+          <mc:Choice xmlns:a14="http://schemas.microsoft.com/office/drawing/2010/main" Requires="a14">
+            <p:sp>
+              <p:nvSpPr>
+                <p:cNvPr id="7" name="ZoneTexte 6">
+                  <a:extLst>
+                    <a:ext uri="{FF2B5EF4-FFF2-40B4-BE49-F238E27FC236}">
+                      <a16:creationId xmlns:a16="http://schemas.microsoft.com/office/drawing/2014/main" id="{7005CEB2-9801-438B-98FC-BCD9B914EF39}"/>
+                    </a:ext>
+                  </a:extLst>
+                </p:cNvPr>
+                <p:cNvSpPr txBox="1"/>
+                <p:nvPr/>
+              </p:nvSpPr>
+              <p:spPr>
+                <a:xfrm>
+                  <a:off x="-1817538" y="3547482"/>
+                  <a:ext cx="9073381" cy="751744"/>
+                </a:xfrm>
+                <a:prstGeom prst="rect">
+                  <a:avLst/>
+                </a:prstGeom>
+                <a:noFill/>
+              </p:spPr>
+              <p:txBody>
+                <a:bodyPr wrap="none" lIns="0" tIns="0" rIns="0" bIns="0" rtlCol="0">
+                  <a:spAutoFit/>
+                </a:bodyPr>
+                <a:lstStyle/>
+                <a:p>
+                  <a:pPr>
+                    <a:lnSpc>
+                      <a:spcPct val="150000"/>
+                    </a:lnSpc>
+                  </a:pPr>
+                  <a14:m>
+                    <m:oMathPara xmlns:m="http://schemas.openxmlformats.org/officeDocument/2006/math">
+                      <m:oMathParaPr>
+                        <m:jc m:val="left"/>
+                      </m:oMathParaPr>
+                      <m:oMath xmlns:m="http://schemas.openxmlformats.org/officeDocument/2006/math">
+                        <m:f>
+                          <m:fPr>
+                            <m:ctrlPr>
+                              <a:rPr lang="fr-CA" sz="1600" i="1" smtClean="0">
+                                <a:latin typeface="Cambria Math" panose="02040503050406030204" pitchFamily="18" charset="0"/>
+                              </a:rPr>
+                            </m:ctrlPr>
+                          </m:fPr>
+                          <m:num>
+                            <m:sSub>
+                              <m:sSubPr>
+                                <m:ctrlPr>
+                                  <a:rPr lang="fr-CA" sz="1600" i="1">
+                                    <a:latin typeface="Cambria Math" panose="02040503050406030204" pitchFamily="18" charset="0"/>
+                                  </a:rPr>
+                                </m:ctrlPr>
+                              </m:sSubPr>
+                              <m:e>
+                                <m:r>
+                                  <a:rPr lang="fr-CA" sz="1600" i="1">
+                                    <a:latin typeface="Cambria Math" panose="02040503050406030204" pitchFamily="18" charset="0"/>
+                                  </a:rPr>
+                                  <m:t>𝑝</m:t>
+                                </m:r>
+                              </m:e>
+                              <m:sub>
+                                <m:r>
+                                  <a:rPr lang="fr-CA" sz="1600" i="1">
+                                    <a:latin typeface="Cambria Math" panose="02040503050406030204" pitchFamily="18" charset="0"/>
+                                  </a:rPr>
+                                  <m:t>𝑖</m:t>
+                                </m:r>
+                                <m:r>
+                                  <a:rPr lang="fr-CA" sz="1600" i="1">
+                                    <a:latin typeface="Cambria Math" panose="02040503050406030204" pitchFamily="18" charset="0"/>
+                                  </a:rPr>
+                                  <m:t>−1,</m:t>
+                                </m:r>
+                                <m:r>
+                                  <a:rPr lang="fr-CA" sz="1600" i="1">
+                                    <a:latin typeface="Cambria Math" panose="02040503050406030204" pitchFamily="18" charset="0"/>
+                                  </a:rPr>
+                                  <m:t>𝑗</m:t>
+                                </m:r>
+                                <m:r>
+                                  <a:rPr lang="fr-CA" sz="1600" i="1">
+                                    <a:latin typeface="Cambria Math" panose="02040503050406030204" pitchFamily="18" charset="0"/>
+                                  </a:rPr>
+                                  <m:t>−1</m:t>
+                                </m:r>
+                              </m:sub>
+                            </m:sSub>
+                            <m:r>
+                              <a:rPr lang="fr-CA" sz="1600" i="1">
+                                <a:latin typeface="Cambria Math" panose="02040503050406030204" pitchFamily="18" charset="0"/>
+                              </a:rPr>
+                              <m:t>+</m:t>
+                            </m:r>
+                            <m:sSub>
+                              <m:sSubPr>
+                                <m:ctrlPr>
+                                  <a:rPr lang="fr-CA" sz="1600" i="1">
+                                    <a:latin typeface="Cambria Math" panose="02040503050406030204" pitchFamily="18" charset="0"/>
+                                  </a:rPr>
+                                </m:ctrlPr>
+                              </m:sSubPr>
+                              <m:e>
+                                <m:r>
+                                  <a:rPr lang="fr-CA" sz="1600" i="1">
+                                    <a:latin typeface="Cambria Math" panose="02040503050406030204" pitchFamily="18" charset="0"/>
+                                  </a:rPr>
+                                  <m:t>𝑝</m:t>
+                                </m:r>
+                              </m:e>
+                              <m:sub>
+                                <m:r>
+                                  <a:rPr lang="fr-CA" sz="1600" i="1">
+                                    <a:latin typeface="Cambria Math" panose="02040503050406030204" pitchFamily="18" charset="0"/>
+                                  </a:rPr>
+                                  <m:t>𝑖</m:t>
+                                </m:r>
+                                <m:r>
+                                  <a:rPr lang="fr-CA" sz="1600" i="1">
+                                    <a:latin typeface="Cambria Math" panose="02040503050406030204" pitchFamily="18" charset="0"/>
+                                  </a:rPr>
+                                  <m:t>−1,</m:t>
+                                </m:r>
+                                <m:r>
+                                  <a:rPr lang="fr-CA" sz="1600" i="1">
+                                    <a:latin typeface="Cambria Math" panose="02040503050406030204" pitchFamily="18" charset="0"/>
+                                  </a:rPr>
+                                  <m:t>𝑗</m:t>
+                                </m:r>
+                                <m:r>
+                                  <a:rPr lang="fr-CA" sz="1600" i="1">
+                                    <a:latin typeface="Cambria Math" panose="02040503050406030204" pitchFamily="18" charset="0"/>
+                                  </a:rPr>
+                                  <m:t>+1</m:t>
+                                </m:r>
+                              </m:sub>
+                            </m:sSub>
+                            <m:r>
+                              <a:rPr lang="fr-CA" sz="1600" i="1">
+                                <a:latin typeface="Cambria Math" panose="02040503050406030204" pitchFamily="18" charset="0"/>
+                              </a:rPr>
+                              <m:t>+4</m:t>
+                            </m:r>
+                            <m:sSub>
+                              <m:sSubPr>
+                                <m:ctrlPr>
+                                  <a:rPr lang="fr-CA" sz="1600" i="1">
+                                    <a:latin typeface="Cambria Math" panose="02040503050406030204" pitchFamily="18" charset="0"/>
+                                  </a:rPr>
+                                </m:ctrlPr>
+                              </m:sSubPr>
+                              <m:e>
+                                <m:r>
+                                  <a:rPr lang="fr-CA" sz="1600" i="1">
+                                    <a:latin typeface="Cambria Math" panose="02040503050406030204" pitchFamily="18" charset="0"/>
+                                  </a:rPr>
+                                  <m:t>𝑝</m:t>
+                                </m:r>
+                              </m:e>
+                              <m:sub>
+                                <m:r>
+                                  <a:rPr lang="fr-CA" sz="1600" i="1">
+                                    <a:latin typeface="Cambria Math" panose="02040503050406030204" pitchFamily="18" charset="0"/>
+                                  </a:rPr>
+                                  <m:t>𝑖</m:t>
+                                </m:r>
+                                <m:r>
+                                  <a:rPr lang="fr-CA" sz="1600" i="1">
+                                    <a:latin typeface="Cambria Math" panose="02040503050406030204" pitchFamily="18" charset="0"/>
+                                  </a:rPr>
+                                  <m:t>−1,</m:t>
+                                </m:r>
+                                <m:r>
+                                  <a:rPr lang="fr-CA" sz="1600" i="1">
+                                    <a:latin typeface="Cambria Math" panose="02040503050406030204" pitchFamily="18" charset="0"/>
+                                  </a:rPr>
+                                  <m:t>𝑗</m:t>
+                                </m:r>
+                              </m:sub>
+                            </m:sSub>
+                            <m:r>
+                              <a:rPr lang="fr-CA" sz="1600" i="1">
+                                <a:latin typeface="Cambria Math" panose="02040503050406030204" pitchFamily="18" charset="0"/>
+                              </a:rPr>
+                              <m:t>+</m:t>
+                            </m:r>
+                            <m:r>
+                              <a:rPr lang="fr-CA" sz="1600" i="1">
+                                <a:latin typeface="Cambria Math" panose="02040503050406030204" pitchFamily="18" charset="0"/>
+                              </a:rPr>
+                              <m:t>4</m:t>
+                            </m:r>
+                            <m:sSub>
+                              <m:sSubPr>
+                                <m:ctrlPr>
+                                  <a:rPr lang="fr-CA" sz="1600" i="1">
+                                    <a:latin typeface="Cambria Math" panose="02040503050406030204" pitchFamily="18" charset="0"/>
+                                  </a:rPr>
+                                </m:ctrlPr>
+                              </m:sSubPr>
+                              <m:e>
+                                <m:r>
+                                  <a:rPr lang="fr-CA" sz="1600" i="1">
+                                    <a:latin typeface="Cambria Math" panose="02040503050406030204" pitchFamily="18" charset="0"/>
+                                  </a:rPr>
+                                  <m:t>𝑝</m:t>
+                                </m:r>
+                              </m:e>
+                              <m:sub>
+                                <m:r>
+                                  <a:rPr lang="fr-CA" sz="1600" i="1">
+                                    <a:latin typeface="Cambria Math" panose="02040503050406030204" pitchFamily="18" charset="0"/>
+                                  </a:rPr>
+                                  <m:t>𝑖</m:t>
+                                </m:r>
+                                <m:r>
+                                  <a:rPr lang="fr-CA" sz="1600" i="1">
+                                    <a:latin typeface="Cambria Math" panose="02040503050406030204" pitchFamily="18" charset="0"/>
+                                  </a:rPr>
+                                  <m:t>,</m:t>
+                                </m:r>
+                                <m:r>
+                                  <a:rPr lang="fr-CA" sz="1600" i="1">
+                                    <a:latin typeface="Cambria Math" panose="02040503050406030204" pitchFamily="18" charset="0"/>
+                                  </a:rPr>
+                                  <m:t>𝑗</m:t>
+                                </m:r>
+                                <m:r>
+                                  <a:rPr lang="fr-CA" sz="1600" i="1">
+                                    <a:latin typeface="Cambria Math" panose="02040503050406030204" pitchFamily="18" charset="0"/>
+                                  </a:rPr>
+                                  <m:t>−1</m:t>
+                                </m:r>
+                              </m:sub>
+                            </m:sSub>
+                            <m:r>
+                              <a:rPr lang="fr-CA" sz="1600" i="1">
+                                <a:latin typeface="Cambria Math" panose="02040503050406030204" pitchFamily="18" charset="0"/>
+                              </a:rPr>
+                              <m:t>−(20−6</m:t>
+                            </m:r>
+                            <m:sSup>
+                              <m:sSupPr>
+                                <m:ctrlPr>
+                                  <a:rPr lang="fr-CA" sz="1600" i="1">
+                                    <a:latin typeface="Cambria Math" panose="02040503050406030204" pitchFamily="18" charset="0"/>
+                                  </a:rPr>
+                                </m:ctrlPr>
+                              </m:sSupPr>
+                              <m:e>
+                                <m:r>
+                                  <a:rPr lang="fr-CA" sz="1600" i="1">
+                                    <a:latin typeface="Cambria Math" panose="02040503050406030204" pitchFamily="18" charset="0"/>
+                                  </a:rPr>
+                                  <m:t>h</m:t>
+                                </m:r>
+                              </m:e>
+                              <m:sup>
+                                <m:r>
+                                  <a:rPr lang="fr-CA" sz="1600" i="1">
+                                    <a:latin typeface="Cambria Math" panose="02040503050406030204" pitchFamily="18" charset="0"/>
+                                  </a:rPr>
+                                  <m:t>2</m:t>
+                                </m:r>
+                              </m:sup>
+                            </m:sSup>
+                            <m:sSubSup>
+                              <m:sSubSupPr>
+                                <m:ctrlPr>
+                                  <a:rPr lang="fr-CA" sz="1600" i="1">
+                                    <a:latin typeface="Cambria Math" panose="02040503050406030204" pitchFamily="18" charset="0"/>
+                                  </a:rPr>
+                                </m:ctrlPr>
+                              </m:sSubSupPr>
+                              <m:e>
+                                <m:r>
+                                  <a:rPr lang="fr-CA" sz="1600" i="1">
+                                    <a:latin typeface="Cambria Math" panose="02040503050406030204" pitchFamily="18" charset="0"/>
+                                  </a:rPr>
+                                  <m:t>𝑘</m:t>
+                                </m:r>
+                              </m:e>
+                              <m:sub>
+                                <m:r>
+                                  <a:rPr lang="fr-CA" sz="1600" i="1">
+                                    <a:latin typeface="Cambria Math" panose="02040503050406030204" pitchFamily="18" charset="0"/>
+                                  </a:rPr>
+                                  <m:t>𝑚</m:t>
+                                </m:r>
+                              </m:sub>
+                              <m:sup>
+                                <m:r>
+                                  <a:rPr lang="fr-CA" sz="1600" i="1">
+                                    <a:latin typeface="Cambria Math" panose="02040503050406030204" pitchFamily="18" charset="0"/>
+                                  </a:rPr>
+                                  <m:t>2</m:t>
+                                </m:r>
+                              </m:sup>
+                            </m:sSubSup>
+                            <m:r>
+                              <a:rPr lang="fr-CA" sz="1600" i="1">
+                                <a:latin typeface="Cambria Math" panose="02040503050406030204" pitchFamily="18" charset="0"/>
+                              </a:rPr>
+                              <m:t>)</m:t>
+                            </m:r>
+                            <m:sSub>
+                              <m:sSubPr>
+                                <m:ctrlPr>
+                                  <a:rPr lang="fr-CA" sz="1600" i="1">
+                                    <a:latin typeface="Cambria Math" panose="02040503050406030204" pitchFamily="18" charset="0"/>
+                                  </a:rPr>
+                                </m:ctrlPr>
+                              </m:sSubPr>
+                              <m:e>
+                                <m:r>
+                                  <a:rPr lang="fr-CA" sz="1600" i="1">
+                                    <a:latin typeface="Cambria Math" panose="02040503050406030204" pitchFamily="18" charset="0"/>
+                                  </a:rPr>
+                                  <m:t>𝑝</m:t>
+                                </m:r>
+                              </m:e>
+                              <m:sub>
+                                <m:r>
+                                  <a:rPr lang="fr-CA" sz="1600" i="1">
+                                    <a:latin typeface="Cambria Math" panose="02040503050406030204" pitchFamily="18" charset="0"/>
+                                  </a:rPr>
+                                  <m:t>𝑖</m:t>
+                                </m:r>
+                                <m:r>
+                                  <a:rPr lang="fr-CA" sz="1600" i="1">
+                                    <a:latin typeface="Cambria Math" panose="02040503050406030204" pitchFamily="18" charset="0"/>
+                                  </a:rPr>
+                                  <m:t>,</m:t>
+                                </m:r>
+                                <m:r>
+                                  <a:rPr lang="fr-CA" sz="1600" i="1">
+                                    <a:latin typeface="Cambria Math" panose="02040503050406030204" pitchFamily="18" charset="0"/>
+                                  </a:rPr>
+                                  <m:t>𝑗</m:t>
+                                </m:r>
+                              </m:sub>
+                            </m:sSub>
+                            <m:r>
+                              <a:rPr lang="fr-CA" sz="1600" i="1">
+                                <a:latin typeface="Cambria Math" panose="02040503050406030204" pitchFamily="18" charset="0"/>
+                              </a:rPr>
+                              <m:t>+</m:t>
+                            </m:r>
+                            <m:r>
+                              <a:rPr lang="fr-CA" sz="1600" i="1">
+                                <a:latin typeface="Cambria Math" panose="02040503050406030204" pitchFamily="18" charset="0"/>
+                              </a:rPr>
+                              <m:t>4</m:t>
+                            </m:r>
+                            <m:sSub>
+                              <m:sSubPr>
+                                <m:ctrlPr>
+                                  <a:rPr lang="fr-CA" sz="1600" i="1">
+                                    <a:latin typeface="Cambria Math" panose="02040503050406030204" pitchFamily="18" charset="0"/>
+                                  </a:rPr>
+                                </m:ctrlPr>
+                              </m:sSubPr>
+                              <m:e>
+                                <m:r>
+                                  <a:rPr lang="fr-CA" sz="1600" i="1">
+                                    <a:latin typeface="Cambria Math" panose="02040503050406030204" pitchFamily="18" charset="0"/>
+                                  </a:rPr>
+                                  <m:t>𝑝</m:t>
+                                </m:r>
+                              </m:e>
+                              <m:sub>
+                                <m:r>
+                                  <a:rPr lang="fr-CA" sz="1600" i="1">
+                                    <a:latin typeface="Cambria Math" panose="02040503050406030204" pitchFamily="18" charset="0"/>
+                                  </a:rPr>
+                                  <m:t>𝑖</m:t>
+                                </m:r>
+                                <m:r>
+                                  <a:rPr lang="fr-CA" sz="1600" i="1">
+                                    <a:latin typeface="Cambria Math" panose="02040503050406030204" pitchFamily="18" charset="0"/>
+                                  </a:rPr>
+                                  <m:t>+1</m:t>
+                                </m:r>
+                                <m:r>
+                                  <a:rPr lang="fr-CA" sz="1600" i="1">
+                                    <a:latin typeface="Cambria Math" panose="02040503050406030204" pitchFamily="18" charset="0"/>
+                                  </a:rPr>
+                                  <m:t>,</m:t>
+                                </m:r>
+                                <m:r>
+                                  <a:rPr lang="fr-CA" sz="1600" i="1">
+                                    <a:latin typeface="Cambria Math" panose="02040503050406030204" pitchFamily="18" charset="0"/>
+                                  </a:rPr>
+                                  <m:t>𝑗</m:t>
+                                </m:r>
+                              </m:sub>
+                            </m:sSub>
+                            <m:r>
+                              <a:rPr lang="fr-CA" sz="1600" i="1">
+                                <a:latin typeface="Cambria Math" panose="02040503050406030204" pitchFamily="18" charset="0"/>
+                              </a:rPr>
+                              <m:t>+</m:t>
+                            </m:r>
+                            <m:r>
+                              <a:rPr lang="fr-CA" sz="1600" i="1">
+                                <a:latin typeface="Cambria Math" panose="02040503050406030204" pitchFamily="18" charset="0"/>
+                              </a:rPr>
+                              <m:t>4</m:t>
+                            </m:r>
+                            <m:sSub>
+                              <m:sSubPr>
+                                <m:ctrlPr>
+                                  <a:rPr lang="fr-CA" sz="1600" i="1">
+                                    <a:latin typeface="Cambria Math" panose="02040503050406030204" pitchFamily="18" charset="0"/>
+                                  </a:rPr>
+                                </m:ctrlPr>
+                              </m:sSubPr>
+                              <m:e>
+                                <m:r>
+                                  <a:rPr lang="fr-CA" sz="1600" i="1">
+                                    <a:latin typeface="Cambria Math" panose="02040503050406030204" pitchFamily="18" charset="0"/>
+                                  </a:rPr>
+                                  <m:t>𝑝</m:t>
+                                </m:r>
+                              </m:e>
+                              <m:sub>
+                                <m:r>
+                                  <a:rPr lang="fr-CA" sz="1600" i="1">
+                                    <a:latin typeface="Cambria Math" panose="02040503050406030204" pitchFamily="18" charset="0"/>
+                                  </a:rPr>
+                                  <m:t>𝑖</m:t>
+                                </m:r>
+                                <m:r>
+                                  <a:rPr lang="fr-CA" sz="1600" i="1">
+                                    <a:latin typeface="Cambria Math" panose="02040503050406030204" pitchFamily="18" charset="0"/>
+                                  </a:rPr>
+                                  <m:t>,</m:t>
+                                </m:r>
+                                <m:r>
+                                  <a:rPr lang="fr-CA" sz="1600" i="1">
+                                    <a:latin typeface="Cambria Math" panose="02040503050406030204" pitchFamily="18" charset="0"/>
+                                  </a:rPr>
+                                  <m:t>𝑗</m:t>
+                                </m:r>
+                                <m:r>
+                                  <a:rPr lang="fr-CA" sz="1600" i="1">
+                                    <a:latin typeface="Cambria Math" panose="02040503050406030204" pitchFamily="18" charset="0"/>
+                                  </a:rPr>
+                                  <m:t>+</m:t>
+                                </m:r>
+                                <m:r>
+                                  <a:rPr lang="fr-CA" sz="1600" i="1">
+                                    <a:latin typeface="Cambria Math" panose="02040503050406030204" pitchFamily="18" charset="0"/>
+                                  </a:rPr>
+                                  <m:t>1</m:t>
+                                </m:r>
+                              </m:sub>
+                            </m:sSub>
+                            <m:r>
+                              <a:rPr lang="fr-CA" sz="1600" i="1">
+                                <a:latin typeface="Cambria Math" panose="02040503050406030204" pitchFamily="18" charset="0"/>
+                              </a:rPr>
+                              <m:t>+</m:t>
+                            </m:r>
+                            <m:r>
+                              <a:rPr lang="fr-CA" sz="1600" i="1">
+                                <a:latin typeface="Cambria Math" panose="02040503050406030204" pitchFamily="18" charset="0"/>
+                              </a:rPr>
+                              <m:t>4</m:t>
+                            </m:r>
+                            <m:sSub>
+                              <m:sSubPr>
+                                <m:ctrlPr>
+                                  <a:rPr lang="fr-CA" sz="1600" i="1">
+                                    <a:latin typeface="Cambria Math" panose="02040503050406030204" pitchFamily="18" charset="0"/>
+                                  </a:rPr>
+                                </m:ctrlPr>
+                              </m:sSubPr>
+                              <m:e>
+                                <m:r>
+                                  <a:rPr lang="fr-CA" sz="1600" i="1">
+                                    <a:latin typeface="Cambria Math" panose="02040503050406030204" pitchFamily="18" charset="0"/>
+                                  </a:rPr>
+                                  <m:t>𝑝</m:t>
+                                </m:r>
+                              </m:e>
+                              <m:sub>
+                                <m:r>
+                                  <a:rPr lang="fr-CA" sz="1600" i="1">
+                                    <a:latin typeface="Cambria Math" panose="02040503050406030204" pitchFamily="18" charset="0"/>
+                                  </a:rPr>
+                                  <m:t>𝑖</m:t>
+                                </m:r>
+                                <m:r>
+                                  <a:rPr lang="fr-CA" sz="1600" i="1">
+                                    <a:latin typeface="Cambria Math" panose="02040503050406030204" pitchFamily="18" charset="0"/>
+                                  </a:rPr>
+                                  <m:t>+1</m:t>
+                                </m:r>
+                                <m:r>
+                                  <a:rPr lang="fr-CA" sz="1600" i="1">
+                                    <a:latin typeface="Cambria Math" panose="02040503050406030204" pitchFamily="18" charset="0"/>
+                                  </a:rPr>
+                                  <m:t>,</m:t>
+                                </m:r>
+                                <m:r>
+                                  <a:rPr lang="fr-CA" sz="1600" i="1">
+                                    <a:latin typeface="Cambria Math" panose="02040503050406030204" pitchFamily="18" charset="0"/>
+                                  </a:rPr>
+                                  <m:t>𝑗</m:t>
+                                </m:r>
+                                <m:r>
+                                  <a:rPr lang="fr-CA" sz="1600" i="1">
+                                    <a:latin typeface="Cambria Math" panose="02040503050406030204" pitchFamily="18" charset="0"/>
+                                  </a:rPr>
+                                  <m:t>−1</m:t>
+                                </m:r>
+                              </m:sub>
+                            </m:sSub>
+                            <m:r>
+                              <a:rPr lang="fr-CA" sz="1600" i="1">
+                                <a:latin typeface="Cambria Math" panose="02040503050406030204" pitchFamily="18" charset="0"/>
+                              </a:rPr>
+                              <m:t>+</m:t>
+                            </m:r>
+                            <m:sSub>
+                              <m:sSubPr>
+                                <m:ctrlPr>
+                                  <a:rPr lang="fr-CA" sz="1600" i="1">
+                                    <a:latin typeface="Cambria Math" panose="02040503050406030204" pitchFamily="18" charset="0"/>
+                                  </a:rPr>
+                                </m:ctrlPr>
+                              </m:sSubPr>
+                              <m:e>
+                                <m:r>
+                                  <a:rPr lang="fr-CA" sz="1600" i="1">
+                                    <a:latin typeface="Cambria Math" panose="02040503050406030204" pitchFamily="18" charset="0"/>
+                                  </a:rPr>
+                                  <m:t>𝑝</m:t>
+                                </m:r>
+                              </m:e>
+                              <m:sub>
+                                <m:r>
+                                  <a:rPr lang="fr-CA" sz="1600" i="1">
+                                    <a:latin typeface="Cambria Math" panose="02040503050406030204" pitchFamily="18" charset="0"/>
+                                  </a:rPr>
+                                  <m:t>𝑖</m:t>
+                                </m:r>
+                                <m:r>
+                                  <a:rPr lang="fr-CA" sz="1600" i="1">
+                                    <a:latin typeface="Cambria Math" panose="02040503050406030204" pitchFamily="18" charset="0"/>
+                                  </a:rPr>
+                                  <m:t>+1</m:t>
+                                </m:r>
+                                <m:r>
+                                  <a:rPr lang="fr-CA" sz="1600" i="1">
+                                    <a:latin typeface="Cambria Math" panose="02040503050406030204" pitchFamily="18" charset="0"/>
+                                  </a:rPr>
+                                  <m:t>,</m:t>
+                                </m:r>
+                                <m:r>
+                                  <a:rPr lang="fr-CA" sz="1600" i="1">
+                                    <a:latin typeface="Cambria Math" panose="02040503050406030204" pitchFamily="18" charset="0"/>
+                                  </a:rPr>
+                                  <m:t>𝑗</m:t>
+                                </m:r>
+                                <m:r>
+                                  <a:rPr lang="fr-CA" sz="1600" i="1">
+                                    <a:latin typeface="Cambria Math" panose="02040503050406030204" pitchFamily="18" charset="0"/>
+                                  </a:rPr>
+                                  <m:t>+</m:t>
+                                </m:r>
+                                <m:r>
+                                  <a:rPr lang="fr-CA" sz="1600" i="1">
+                                    <a:latin typeface="Cambria Math" panose="02040503050406030204" pitchFamily="18" charset="0"/>
+                                  </a:rPr>
+                                  <m:t>1</m:t>
+                                </m:r>
+                              </m:sub>
+                            </m:sSub>
+                          </m:num>
+                          <m:den>
+                            <m:r>
+                              <a:rPr lang="fr-CA" sz="1600" b="0" i="1" smtClean="0">
+                                <a:latin typeface="Cambria Math" panose="02040503050406030204" pitchFamily="18" charset="0"/>
+                              </a:rPr>
+                              <m:t>6</m:t>
+                            </m:r>
+                            <m:sSup>
+                              <m:sSupPr>
+                                <m:ctrlPr>
+                                  <a:rPr lang="fr-CA" sz="1600" b="0" i="1" smtClean="0">
+                                    <a:latin typeface="Cambria Math" panose="02040503050406030204" pitchFamily="18" charset="0"/>
+                                  </a:rPr>
+                                </m:ctrlPr>
+                              </m:sSupPr>
+                              <m:e>
+                                <m:r>
+                                  <a:rPr lang="fr-CA" sz="1600" b="0" i="1" smtClean="0">
+                                    <a:latin typeface="Cambria Math" panose="02040503050406030204" pitchFamily="18" charset="0"/>
+                                  </a:rPr>
+                                  <m:t>h</m:t>
+                                </m:r>
+                              </m:e>
+                              <m:sup>
+                                <m:r>
+                                  <a:rPr lang="fr-CA" sz="1600" b="0" i="1" smtClean="0">
+                                    <a:latin typeface="Cambria Math" panose="02040503050406030204" pitchFamily="18" charset="0"/>
+                                  </a:rPr>
+                                  <m:t>2</m:t>
+                                </m:r>
+                              </m:sup>
+                            </m:sSup>
+                          </m:den>
+                        </m:f>
+                        <m:r>
+                          <a:rPr lang="fr-CA" sz="1600" b="0" i="1" smtClean="0">
+                            <a:latin typeface="Cambria Math" panose="02040503050406030204" pitchFamily="18" charset="0"/>
+                          </a:rPr>
+                          <m:t>=0</m:t>
+                        </m:r>
+                      </m:oMath>
+                    </m:oMathPara>
+                  </a14:m>
+                  <a:endParaRPr lang="fr-CA" sz="1600" dirty="0"/>
+                </a:p>
+              </p:txBody>
+            </p:sp>
+          </mc:Choice>
+          <mc:Fallback>
+            <p:sp>
+              <p:nvSpPr>
+                <p:cNvPr id="7" name="ZoneTexte 6">
+                  <a:extLst>
+                    <a:ext uri="{FF2B5EF4-FFF2-40B4-BE49-F238E27FC236}">
+                      <a16:creationId xmlns:a16="http://schemas.microsoft.com/office/drawing/2014/main" id="{7005CEB2-9801-438B-98FC-BCD9B914EF39}"/>
+                    </a:ext>
+                  </a:extLst>
+                </p:cNvPr>
+                <p:cNvSpPr txBox="1">
+                  <a:spLocks noRot="1" noChangeAspect="1" noMove="1" noResize="1" noEditPoints="1" noAdjustHandles="1" noChangeArrowheads="1" noChangeShapeType="1" noTextEdit="1"/>
+                </p:cNvSpPr>
+                <p:nvPr/>
+              </p:nvSpPr>
+              <p:spPr>
+                <a:xfrm>
+                  <a:off x="-1817538" y="3547482"/>
+                  <a:ext cx="9073381" cy="751744"/>
+                </a:xfrm>
+                <a:prstGeom prst="rect">
+                  <a:avLst/>
+                </a:prstGeom>
+                <a:blipFill>
+                  <a:blip r:embed="rId3"/>
+                  <a:stretch>
+                    <a:fillRect l="-67"/>
+                  </a:stretch>
+                </a:blipFill>
+              </p:spPr>
+              <p:txBody>
+                <a:bodyPr/>
+                <a:lstStyle/>
+                <a:p>
+                  <a:r>
+                    <a:rPr lang="fr-CA">
+                      <a:noFill/>
+                    </a:rPr>
+                    <a:t> </a:t>
+                  </a:r>
+                </a:p>
+              </p:txBody>
+            </p:sp>
+          </mc:Fallback>
+        </mc:AlternateContent>
+        <p:sp>
+          <p:nvSpPr>
+            <p:cNvPr id="12" name="ZoneTexte 11">
+              <a:extLst>
+                <a:ext uri="{FF2B5EF4-FFF2-40B4-BE49-F238E27FC236}">
+                  <a16:creationId xmlns:a16="http://schemas.microsoft.com/office/drawing/2014/main" id="{BEC7DABA-06BC-43B9-83B7-F70848751634}"/>
+                </a:ext>
+              </a:extLst>
+            </p:cNvPr>
+            <p:cNvSpPr txBox="1"/>
+            <p:nvPr/>
+          </p:nvSpPr>
+          <p:spPr>
+            <a:xfrm>
+              <a:off x="7076806" y="3819445"/>
+              <a:ext cx="633507" cy="369332"/>
+            </a:xfrm>
+            <a:prstGeom prst="rect">
+              <a:avLst/>
+            </a:prstGeom>
+            <a:noFill/>
+          </p:spPr>
+          <p:txBody>
+            <a:bodyPr wrap="none" rtlCol="0">
+              <a:spAutoFit/>
+            </a:bodyPr>
+            <a:lstStyle/>
+            <a:p>
+              <a:r>
+                <a:rPr lang="fr-CA" dirty="0">
+                  <a:latin typeface="Cambria Math" panose="02040503050406030204" pitchFamily="18" charset="0"/>
+                  <a:ea typeface="Cambria Math" panose="02040503050406030204" pitchFamily="18" charset="0"/>
+                </a:rPr>
+                <a:t>(17)</a:t>
+              </a:r>
+            </a:p>
+          </p:txBody>
+        </p:sp>
+      </p:grpSp>
+      <p:sp>
+        <p:nvSpPr>
+          <p:cNvPr id="14" name="Titre 1">
+            <a:extLst>
+              <a:ext uri="{FF2B5EF4-FFF2-40B4-BE49-F238E27FC236}">
+                <a16:creationId xmlns:a16="http://schemas.microsoft.com/office/drawing/2014/main" id="{6477EBCE-95BC-403D-ABB2-986C07EBD112}"/>
+              </a:ext>
+            </a:extLst>
+          </p:cNvPr>
+          <p:cNvSpPr txBox="1">
+            <a:spLocks/>
+          </p:cNvSpPr>
+          <p:nvPr/>
+        </p:nvSpPr>
+        <p:spPr>
+          <a:xfrm>
+            <a:off x="455643" y="1391464"/>
+            <a:ext cx="3428460" cy="411372"/>
+          </a:xfrm>
+          <a:prstGeom prst="rect">
+            <a:avLst/>
+          </a:prstGeom>
+        </p:spPr>
+        <p:txBody>
+          <a:bodyPr/>
+          <a:lstStyle>
+            <a:lvl1pPr algn="l" defTabSz="457200" rtl="0" eaLnBrk="1" latinLnBrk="0" hangingPunct="1">
+              <a:spcBef>
+                <a:spcPct val="0"/>
+              </a:spcBef>
+              <a:buNone/>
+              <a:defRPr sz="3600" kern="1200">
+                <a:solidFill>
+                  <a:schemeClr val="accent1"/>
+                </a:solidFill>
+                <a:latin typeface="+mj-lt"/>
+                <a:ea typeface="+mj-ea"/>
+                <a:cs typeface="+mj-cs"/>
+              </a:defRPr>
+            </a:lvl1pPr>
+            <a:lvl2pPr eaLnBrk="1" hangingPunct="1">
+              <a:defRPr>
+                <a:solidFill>
+                  <a:schemeClr val="tx2"/>
+                </a:solidFill>
+              </a:defRPr>
+            </a:lvl2pPr>
+            <a:lvl3pPr eaLnBrk="1" hangingPunct="1">
+              <a:defRPr>
+                <a:solidFill>
+                  <a:schemeClr val="tx2"/>
+                </a:solidFill>
+              </a:defRPr>
+            </a:lvl3pPr>
+            <a:lvl4pPr eaLnBrk="1" hangingPunct="1">
+              <a:defRPr>
+                <a:solidFill>
+                  <a:schemeClr val="tx2"/>
+                </a:solidFill>
+              </a:defRPr>
+            </a:lvl4pPr>
+            <a:lvl5pPr eaLnBrk="1" hangingPunct="1">
+              <a:defRPr>
+                <a:solidFill>
+                  <a:schemeClr val="tx2"/>
+                </a:solidFill>
+              </a:defRPr>
+            </a:lvl5pPr>
+            <a:lvl6pPr eaLnBrk="1" hangingPunct="1">
+              <a:defRPr>
+                <a:solidFill>
+                  <a:schemeClr val="tx2"/>
+                </a:solidFill>
+              </a:defRPr>
+            </a:lvl6pPr>
+            <a:lvl7pPr eaLnBrk="1" hangingPunct="1">
+              <a:defRPr>
+                <a:solidFill>
+                  <a:schemeClr val="tx2"/>
+                </a:solidFill>
+              </a:defRPr>
+            </a:lvl7pPr>
+            <a:lvl8pPr eaLnBrk="1" hangingPunct="1">
+              <a:defRPr>
+                <a:solidFill>
+                  <a:schemeClr val="tx2"/>
+                </a:solidFill>
+              </a:defRPr>
+            </a:lvl8pPr>
+            <a:lvl9pPr eaLnBrk="1" hangingPunct="1">
+              <a:defRPr>
+                <a:solidFill>
+                  <a:schemeClr val="tx2"/>
+                </a:solidFill>
+              </a:defRPr>
+            </a:lvl9pPr>
+          </a:lstStyle>
+          <a:p>
+            <a:r>
+              <a:rPr lang="fr-CA" sz="2400" dirty="0">
+                <a:solidFill>
+                  <a:srgbClr val="286D9F"/>
+                </a:solidFill>
+              </a:rPr>
+              <a:t>Équations à discréditer</a:t>
+            </a:r>
+          </a:p>
+        </p:txBody>
+      </p:sp>
+      <mc:AlternateContent xmlns:mc="http://schemas.openxmlformats.org/markup-compatibility/2006">
+        <mc:Choice xmlns:a14="http://schemas.microsoft.com/office/drawing/2010/main" Requires="a14">
+          <p:sp>
+            <p:nvSpPr>
+              <p:cNvPr id="15" name="ZoneTexte 14">
+                <a:extLst>
+                  <a:ext uri="{FF2B5EF4-FFF2-40B4-BE49-F238E27FC236}">
+                    <a16:creationId xmlns:a16="http://schemas.microsoft.com/office/drawing/2014/main" id="{778E3EB3-C4F7-4ED7-AECE-0A2B0638FF61}"/>
+                  </a:ext>
+                </a:extLst>
+              </p:cNvPr>
+              <p:cNvSpPr txBox="1"/>
+              <p:nvPr/>
+            </p:nvSpPr>
+            <p:spPr>
+              <a:xfrm>
+                <a:off x="455641" y="3011163"/>
+                <a:ext cx="9091029" cy="668260"/>
+              </a:xfrm>
+              <a:prstGeom prst="rect">
+                <a:avLst/>
+              </a:prstGeom>
+              <a:noFill/>
+            </p:spPr>
+            <p:txBody>
+              <a:bodyPr wrap="square" rtlCol="0">
+                <a:spAutoFit/>
+              </a:bodyPr>
+              <a:lstStyle/>
+              <a:p>
+                <a:r>
+                  <a:rPr lang="fr-CA" dirty="0"/>
+                  <a:t>Pour les conditions frontières aux interfaces, l’équation discréditée dépend de </a:t>
+                </a:r>
+                <a14:m>
+                  <m:oMath xmlns:m="http://schemas.openxmlformats.org/officeDocument/2006/math">
+                    <m:sSub>
+                      <m:sSubPr>
+                        <m:ctrlPr>
+                          <a:rPr lang="fr-CA" i="1" smtClean="0">
+                            <a:latin typeface="Cambria Math" panose="02040503050406030204" pitchFamily="18" charset="0"/>
+                          </a:rPr>
+                        </m:ctrlPr>
+                      </m:sSubPr>
+                      <m:e>
+                        <m:r>
+                          <a:rPr lang="fr-CA" b="0" i="1" smtClean="0">
+                            <a:latin typeface="Cambria Math" panose="02040503050406030204" pitchFamily="18" charset="0"/>
+                          </a:rPr>
+                          <m:t>𝑛</m:t>
+                        </m:r>
+                      </m:e>
+                      <m:sub>
+                        <m:r>
+                          <a:rPr lang="fr-CA" b="0" i="1" smtClean="0">
+                            <a:latin typeface="Cambria Math" panose="02040503050406030204" pitchFamily="18" charset="0"/>
+                          </a:rPr>
+                          <m:t>𝑥</m:t>
+                        </m:r>
+                      </m:sub>
+                    </m:sSub>
+                  </m:oMath>
+                </a14:m>
+                <a:r>
+                  <a:rPr lang="fr-CA" dirty="0"/>
+                  <a:t> et </a:t>
+                </a:r>
+                <a14:m>
+                  <m:oMath xmlns:m="http://schemas.openxmlformats.org/officeDocument/2006/math">
+                    <m:sSub>
+                      <m:sSubPr>
+                        <m:ctrlPr>
+                          <a:rPr lang="fr-CA" i="1">
+                            <a:latin typeface="Cambria Math" panose="02040503050406030204" pitchFamily="18" charset="0"/>
+                          </a:rPr>
+                        </m:ctrlPr>
+                      </m:sSubPr>
+                      <m:e>
+                        <m:r>
+                          <a:rPr lang="fr-CA" i="1">
+                            <a:latin typeface="Cambria Math" panose="02040503050406030204" pitchFamily="18" charset="0"/>
+                          </a:rPr>
+                          <m:t>𝑛</m:t>
+                        </m:r>
+                      </m:e>
+                      <m:sub>
+                        <m:r>
+                          <a:rPr lang="fr-CA" b="0" i="1" smtClean="0">
+                            <a:latin typeface="Cambria Math" panose="02040503050406030204" pitchFamily="18" charset="0"/>
+                          </a:rPr>
+                          <m:t>𝑦</m:t>
+                        </m:r>
+                      </m:sub>
+                    </m:sSub>
+                  </m:oMath>
+                </a14:m>
+                <a:r>
+                  <a:rPr lang="fr-CA" dirty="0"/>
+                  <a:t> les composantes de la normales à la frontière (18).</a:t>
+                </a:r>
+              </a:p>
+            </p:txBody>
+          </p:sp>
+        </mc:Choice>
+        <mc:Fallback>
+          <p:sp>
+            <p:nvSpPr>
+              <p:cNvPr id="15" name="ZoneTexte 14">
+                <a:extLst>
+                  <a:ext uri="{FF2B5EF4-FFF2-40B4-BE49-F238E27FC236}">
+                    <a16:creationId xmlns:a16="http://schemas.microsoft.com/office/drawing/2014/main" id="{778E3EB3-C4F7-4ED7-AECE-0A2B0638FF61}"/>
+                  </a:ext>
+                </a:extLst>
+              </p:cNvPr>
+              <p:cNvSpPr txBox="1">
+                <a:spLocks noRot="1" noChangeAspect="1" noMove="1" noResize="1" noEditPoints="1" noAdjustHandles="1" noChangeArrowheads="1" noChangeShapeType="1" noTextEdit="1"/>
+              </p:cNvSpPr>
+              <p:nvPr/>
+            </p:nvSpPr>
+            <p:spPr>
+              <a:xfrm>
+                <a:off x="455641" y="3011163"/>
+                <a:ext cx="9091029" cy="668260"/>
+              </a:xfrm>
+              <a:prstGeom prst="rect">
+                <a:avLst/>
+              </a:prstGeom>
+              <a:blipFill>
+                <a:blip r:embed="rId4"/>
+                <a:stretch>
+                  <a:fillRect l="-604" t="-6364" b="-9091"/>
+                </a:stretch>
+              </a:blipFill>
+            </p:spPr>
+            <p:txBody>
+              <a:bodyPr/>
+              <a:lstStyle/>
+              <a:p>
+                <a:r>
+                  <a:rPr lang="fr-CA">
+                    <a:noFill/>
+                  </a:rPr>
+                  <a:t> </a:t>
+                </a:r>
+              </a:p>
+            </p:txBody>
+          </p:sp>
+        </mc:Fallback>
+      </mc:AlternateContent>
+      <p:sp>
+        <p:nvSpPr>
+          <p:cNvPr id="16" name="ZoneTexte 15">
+            <a:extLst>
+              <a:ext uri="{FF2B5EF4-FFF2-40B4-BE49-F238E27FC236}">
+                <a16:creationId xmlns:a16="http://schemas.microsoft.com/office/drawing/2014/main" id="{EE57C928-C4AC-4DB6-B0FB-EFF891E19F15}"/>
+              </a:ext>
+            </a:extLst>
+          </p:cNvPr>
+          <p:cNvSpPr txBox="1"/>
+          <p:nvPr/>
+        </p:nvSpPr>
+        <p:spPr>
+          <a:xfrm>
+            <a:off x="5683541" y="2747394"/>
+            <a:ext cx="65" cy="276999"/>
+          </a:xfrm>
+          <a:prstGeom prst="rect">
+            <a:avLst/>
+          </a:prstGeom>
+          <a:noFill/>
+        </p:spPr>
+        <p:txBody>
+          <a:bodyPr wrap="none" lIns="0" tIns="0" rIns="0" bIns="0" rtlCol="0">
+            <a:spAutoFit/>
+          </a:bodyPr>
+          <a:lstStyle/>
+          <a:p>
+            <a:endParaRPr lang="fr-CA" dirty="0"/>
+          </a:p>
+        </p:txBody>
+      </p:sp>
+      <p:sp>
+        <p:nvSpPr>
+          <p:cNvPr id="17" name="ZoneTexte 16">
+            <a:extLst>
+              <a:ext uri="{FF2B5EF4-FFF2-40B4-BE49-F238E27FC236}">
+                <a16:creationId xmlns:a16="http://schemas.microsoft.com/office/drawing/2014/main" id="{B973505A-CB1E-4DA9-85FB-4C94377CD4D1}"/>
+              </a:ext>
+            </a:extLst>
+          </p:cNvPr>
+          <p:cNvSpPr txBox="1"/>
+          <p:nvPr/>
+        </p:nvSpPr>
+        <p:spPr>
+          <a:xfrm>
+            <a:off x="455640" y="4395073"/>
+            <a:ext cx="8621247" cy="369332"/>
+          </a:xfrm>
+          <a:prstGeom prst="rect">
+            <a:avLst/>
+          </a:prstGeom>
+          <a:noFill/>
+        </p:spPr>
+        <p:txBody>
+          <a:bodyPr wrap="square" rtlCol="0">
+            <a:spAutoFit/>
+          </a:bodyPr>
+          <a:lstStyle/>
+          <a:p>
+            <a:r>
+              <a:rPr lang="fr-CA" dirty="0"/>
+              <a:t>Pour les conditions frontières aux limites de la cellule, l’équation 19 est utilisée.</a:t>
+            </a:r>
+          </a:p>
+        </p:txBody>
+      </p:sp>
+      <p:grpSp>
+        <p:nvGrpSpPr>
+          <p:cNvPr id="20" name="Groupe 19">
+            <a:extLst>
+              <a:ext uri="{FF2B5EF4-FFF2-40B4-BE49-F238E27FC236}">
+                <a16:creationId xmlns:a16="http://schemas.microsoft.com/office/drawing/2014/main" id="{B10A6B35-8837-4711-97E9-D86EF5F634D1}"/>
+              </a:ext>
+            </a:extLst>
+          </p:cNvPr>
+          <p:cNvGrpSpPr/>
+          <p:nvPr/>
+        </p:nvGrpSpPr>
+        <p:grpSpPr>
+          <a:xfrm>
+            <a:off x="3794714" y="4799268"/>
+            <a:ext cx="1495778" cy="369332"/>
+            <a:chOff x="3552737" y="4788814"/>
+            <a:chExt cx="1495778" cy="369332"/>
+          </a:xfrm>
+        </p:grpSpPr>
+        <mc:AlternateContent xmlns:mc="http://schemas.openxmlformats.org/markup-compatibility/2006">
+          <mc:Choice xmlns:a14="http://schemas.microsoft.com/office/drawing/2010/main" Requires="a14">
+            <p:sp>
+              <p:nvSpPr>
+                <p:cNvPr id="18" name="ZoneTexte 17">
+                  <a:extLst>
+                    <a:ext uri="{FF2B5EF4-FFF2-40B4-BE49-F238E27FC236}">
+                      <a16:creationId xmlns:a16="http://schemas.microsoft.com/office/drawing/2014/main" id="{D413A9E9-8A1F-4313-80FA-1B223422E906}"/>
+                    </a:ext>
+                  </a:extLst>
+                </p:cNvPr>
+                <p:cNvSpPr txBox="1"/>
+                <p:nvPr/>
+              </p:nvSpPr>
+              <p:spPr>
+                <a:xfrm>
+                  <a:off x="3552737" y="4842780"/>
+                  <a:ext cx="813684" cy="299313"/>
+                </a:xfrm>
+                <a:prstGeom prst="rect">
+                  <a:avLst/>
+                </a:prstGeom>
+                <a:noFill/>
+              </p:spPr>
+              <p:txBody>
+                <a:bodyPr wrap="none" lIns="0" tIns="0" rIns="0" bIns="0" rtlCol="0">
+                  <a:spAutoFit/>
+                </a:bodyPr>
+                <a:lstStyle/>
+                <a:p>
+                  <a14:m>
+                    <m:oMathPara xmlns:m="http://schemas.openxmlformats.org/officeDocument/2006/math">
+                      <m:oMathParaPr>
+                        <m:jc m:val="centerGroup"/>
+                      </m:oMathParaPr>
+                      <m:oMath xmlns:m="http://schemas.openxmlformats.org/officeDocument/2006/math">
+                        <m:sSub>
+                          <m:sSubPr>
+                            <m:ctrlPr>
+                              <a:rPr lang="fr-CA" i="1" smtClean="0">
+                                <a:latin typeface="Cambria Math" panose="02040503050406030204" pitchFamily="18" charset="0"/>
+                              </a:rPr>
+                            </m:ctrlPr>
+                          </m:sSubPr>
+                          <m:e>
+                            <m:r>
+                              <a:rPr lang="fr-CA" b="0" i="1" smtClean="0">
+                                <a:latin typeface="Cambria Math" panose="02040503050406030204" pitchFamily="18" charset="0"/>
+                              </a:rPr>
+                              <m:t>𝑝</m:t>
+                            </m:r>
+                          </m:e>
+                          <m:sub>
+                            <m:r>
+                              <a:rPr lang="fr-CA" b="0" i="1" smtClean="0">
+                                <a:latin typeface="Cambria Math" panose="02040503050406030204" pitchFamily="18" charset="0"/>
+                              </a:rPr>
+                              <m:t>𝑖</m:t>
+                            </m:r>
+                            <m:r>
+                              <a:rPr lang="fr-CA" b="0" i="1" smtClean="0">
+                                <a:latin typeface="Cambria Math" panose="02040503050406030204" pitchFamily="18" charset="0"/>
+                              </a:rPr>
+                              <m:t>,</m:t>
+                            </m:r>
+                            <m:r>
+                              <a:rPr lang="fr-CA" b="0" i="1" smtClean="0">
+                                <a:latin typeface="Cambria Math" panose="02040503050406030204" pitchFamily="18" charset="0"/>
+                              </a:rPr>
+                              <m:t>𝑗</m:t>
+                            </m:r>
+                          </m:sub>
+                        </m:sSub>
+                        <m:r>
+                          <a:rPr lang="fr-CA" b="0" i="1" smtClean="0">
+                            <a:latin typeface="Cambria Math" panose="02040503050406030204" pitchFamily="18" charset="0"/>
+                          </a:rPr>
+                          <m:t>=0</m:t>
+                        </m:r>
+                      </m:oMath>
+                    </m:oMathPara>
+                  </a14:m>
+                  <a:endParaRPr lang="fr-CA" dirty="0"/>
+                </a:p>
+              </p:txBody>
+            </p:sp>
+          </mc:Choice>
+          <mc:Fallback>
+            <p:sp>
+              <p:nvSpPr>
+                <p:cNvPr id="18" name="ZoneTexte 17">
+                  <a:extLst>
+                    <a:ext uri="{FF2B5EF4-FFF2-40B4-BE49-F238E27FC236}">
+                      <a16:creationId xmlns:a16="http://schemas.microsoft.com/office/drawing/2014/main" id="{D413A9E9-8A1F-4313-80FA-1B223422E906}"/>
+                    </a:ext>
+                  </a:extLst>
+                </p:cNvPr>
+                <p:cNvSpPr txBox="1">
+                  <a:spLocks noRot="1" noChangeAspect="1" noMove="1" noResize="1" noEditPoints="1" noAdjustHandles="1" noChangeArrowheads="1" noChangeShapeType="1" noTextEdit="1"/>
+                </p:cNvSpPr>
+                <p:nvPr/>
+              </p:nvSpPr>
+              <p:spPr>
+                <a:xfrm>
+                  <a:off x="3552737" y="4842780"/>
+                  <a:ext cx="813684" cy="299313"/>
+                </a:xfrm>
+                <a:prstGeom prst="rect">
+                  <a:avLst/>
+                </a:prstGeom>
+                <a:blipFill>
+                  <a:blip r:embed="rId5"/>
+                  <a:stretch>
+                    <a:fillRect l="-5970" r="-5224" b="-26531"/>
+                  </a:stretch>
+                </a:blipFill>
+              </p:spPr>
+              <p:txBody>
+                <a:bodyPr/>
+                <a:lstStyle/>
+                <a:p>
+                  <a:r>
+                    <a:rPr lang="fr-CA">
+                      <a:noFill/>
+                    </a:rPr>
+                    <a:t> </a:t>
+                  </a:r>
+                </a:p>
+              </p:txBody>
+            </p:sp>
+          </mc:Fallback>
+        </mc:AlternateContent>
+        <p:sp>
+          <p:nvSpPr>
+            <p:cNvPr id="19" name="ZoneTexte 18">
+              <a:extLst>
+                <a:ext uri="{FF2B5EF4-FFF2-40B4-BE49-F238E27FC236}">
+                  <a16:creationId xmlns:a16="http://schemas.microsoft.com/office/drawing/2014/main" id="{FE868C55-6015-48D7-A56B-BFEEB6DBF67E}"/>
+                </a:ext>
+              </a:extLst>
+            </p:cNvPr>
+            <p:cNvSpPr txBox="1"/>
+            <p:nvPr/>
+          </p:nvSpPr>
+          <p:spPr>
+            <a:xfrm>
+              <a:off x="4366421" y="4788814"/>
+              <a:ext cx="682094" cy="369332"/>
+            </a:xfrm>
+            <a:prstGeom prst="rect">
+              <a:avLst/>
+            </a:prstGeom>
+            <a:noFill/>
+          </p:spPr>
+          <p:txBody>
+            <a:bodyPr wrap="square" rtlCol="0">
+              <a:spAutoFit/>
+            </a:bodyPr>
+            <a:lstStyle/>
+            <a:p>
+              <a:r>
+                <a:rPr lang="fr-CA" dirty="0">
+                  <a:latin typeface="Cambria Math" panose="02040503050406030204" pitchFamily="18" charset="0"/>
+                  <a:ea typeface="Cambria Math" panose="02040503050406030204" pitchFamily="18" charset="0"/>
+                </a:rPr>
+                <a:t>(19)</a:t>
+              </a:r>
+            </a:p>
+          </p:txBody>
+        </p:sp>
+      </p:grpSp>
     </p:spTree>
     <p:extLst>
       <p:ext uri="{BB962C8B-B14F-4D97-AF65-F5344CB8AC3E}">
-        <p14:creationId xmlns:p14="http://schemas.microsoft.com/office/powerpoint/2010/main" val="439228046"/>
+        <p14:creationId xmlns:p14="http://schemas.microsoft.com/office/powerpoint/2010/main" val="890667459"/>
       </p:ext>
     </p:extLst>
   </p:cSld>
@@ -6724,7 +11810,7 @@
                   <a:srgbClr val="286D9F"/>
                 </a:solidFill>
               </a:rPr>
-              <a:t>Paramètres de simulation</a:t>
+              <a:t>Fonctionnement de la méthode numérique</a:t>
             </a:r>
           </a:p>
         </p:txBody>
@@ -6743,8 +11829,8 @@
         </p:nvSpPr>
         <p:spPr>
           <a:xfrm>
-            <a:off x="2276213" y="2908612"/>
-            <a:ext cx="6096000" cy="646331"/>
+            <a:off x="6188279" y="-436226"/>
+            <a:ext cx="6096000" cy="1754326"/>
           </a:xfrm>
           <a:prstGeom prst="rect">
             <a:avLst/>
@@ -6758,16 +11844,2045 @@
           <a:p>
             <a:r>
               <a:rPr lang="fr-FR" dirty="0"/>
-              <a:t>Paramètres de l’algorithme (ex : pas de discrétisation, critère de convergence, etc.)</a:t>
+              <a:t>Étapes et fonctionnement de la méthode numérique, en incluant les équations discrétisées telles que vous les avez programmées (ex : discrétisation d’une équation différentielle, condition initiale, conditions aux frontières, calcul de l’énergie d’un système, génération de nombres aléatoires, etc.) </a:t>
             </a:r>
             <a:endParaRPr lang="fr-CA" dirty="0"/>
           </a:p>
         </p:txBody>
       </p:sp>
+      <p:sp>
+        <p:nvSpPr>
+          <p:cNvPr id="4" name="ZoneTexte 3">
+            <a:extLst>
+              <a:ext uri="{FF2B5EF4-FFF2-40B4-BE49-F238E27FC236}">
+                <a16:creationId xmlns:a16="http://schemas.microsoft.com/office/drawing/2014/main" id="{9BADA194-35A4-4465-9879-CFB6014BE644}"/>
+              </a:ext>
+            </a:extLst>
+          </p:cNvPr>
+          <p:cNvSpPr txBox="1"/>
+          <p:nvPr/>
+        </p:nvSpPr>
+        <p:spPr>
+          <a:xfrm>
+            <a:off x="455642" y="1802836"/>
+            <a:ext cx="9091029" cy="369332"/>
+          </a:xfrm>
+          <a:prstGeom prst="rect">
+            <a:avLst/>
+          </a:prstGeom>
+          <a:noFill/>
+        </p:spPr>
+        <p:txBody>
+          <a:bodyPr wrap="square" rtlCol="0">
+            <a:spAutoFit/>
+          </a:bodyPr>
+          <a:lstStyle/>
+          <a:p>
+            <a:r>
+              <a:rPr lang="fr-CA" dirty="0"/>
+              <a:t>Pour les couches absorbantes, l’équation 20 présente la forme discrétisée.</a:t>
+            </a:r>
+          </a:p>
+        </p:txBody>
+      </p:sp>
+      <p:grpSp>
+        <p:nvGrpSpPr>
+          <p:cNvPr id="13" name="Groupe 12">
+            <a:extLst>
+              <a:ext uri="{FF2B5EF4-FFF2-40B4-BE49-F238E27FC236}">
+                <a16:creationId xmlns:a16="http://schemas.microsoft.com/office/drawing/2014/main" id="{FDCFA658-A8B3-4938-B9F1-C7E7E9F47719}"/>
+              </a:ext>
+            </a:extLst>
+          </p:cNvPr>
+          <p:cNvGrpSpPr/>
+          <p:nvPr/>
+        </p:nvGrpSpPr>
+        <p:grpSpPr>
+          <a:xfrm>
+            <a:off x="665367" y="2172168"/>
+            <a:ext cx="8425384" cy="1310936"/>
+            <a:chOff x="-1817538" y="3547482"/>
+            <a:chExt cx="8425384" cy="1310936"/>
+          </a:xfrm>
+        </p:grpSpPr>
+        <mc:AlternateContent xmlns:mc="http://schemas.openxmlformats.org/markup-compatibility/2006">
+          <mc:Choice xmlns:a14="http://schemas.microsoft.com/office/drawing/2010/main" Requires="a14">
+            <p:sp>
+              <p:nvSpPr>
+                <p:cNvPr id="7" name="ZoneTexte 6">
+                  <a:extLst>
+                    <a:ext uri="{FF2B5EF4-FFF2-40B4-BE49-F238E27FC236}">
+                      <a16:creationId xmlns:a16="http://schemas.microsoft.com/office/drawing/2014/main" id="{7005CEB2-9801-438B-98FC-BCD9B914EF39}"/>
+                    </a:ext>
+                  </a:extLst>
+                </p:cNvPr>
+                <p:cNvSpPr txBox="1"/>
+                <p:nvPr/>
+              </p:nvSpPr>
+              <p:spPr>
+                <a:xfrm>
+                  <a:off x="-1817538" y="3547482"/>
+                  <a:ext cx="7791877" cy="1310936"/>
+                </a:xfrm>
+                <a:prstGeom prst="rect">
+                  <a:avLst/>
+                </a:prstGeom>
+                <a:noFill/>
+              </p:spPr>
+              <p:txBody>
+                <a:bodyPr wrap="none" lIns="0" tIns="0" rIns="0" bIns="0" rtlCol="0">
+                  <a:spAutoFit/>
+                </a:bodyPr>
+                <a:lstStyle/>
+                <a:p>
+                  <a:pPr>
+                    <a:lnSpc>
+                      <a:spcPct val="150000"/>
+                    </a:lnSpc>
+                  </a:pPr>
+                  <a14:m>
+                    <m:oMath xmlns:m="http://schemas.openxmlformats.org/officeDocument/2006/math">
+                      <m:d>
+                        <m:dPr>
+                          <m:ctrlPr>
+                            <a:rPr lang="fr-CA" sz="1600" i="1" smtClean="0">
+                              <a:latin typeface="Cambria Math" panose="02040503050406030204" pitchFamily="18" charset="0"/>
+                            </a:rPr>
+                          </m:ctrlPr>
+                        </m:dPr>
+                        <m:e>
+                          <m:f>
+                            <m:fPr>
+                              <m:ctrlPr>
+                                <a:rPr lang="fr-CA" sz="1600" i="1" smtClean="0">
+                                  <a:latin typeface="Cambria Math" panose="02040503050406030204" pitchFamily="18" charset="0"/>
+                                </a:rPr>
+                              </m:ctrlPr>
+                            </m:fPr>
+                            <m:num>
+                              <m:sSub>
+                                <m:sSubPr>
+                                  <m:ctrlPr>
+                                    <a:rPr lang="fr-CA" sz="1600" i="1" smtClean="0">
+                                      <a:latin typeface="Cambria Math" panose="02040503050406030204" pitchFamily="18" charset="0"/>
+                                    </a:rPr>
+                                  </m:ctrlPr>
+                                </m:sSubPr>
+                                <m:e>
+                                  <m:r>
+                                    <a:rPr lang="fr-CA" sz="1600" i="1" smtClean="0">
+                                      <a:latin typeface="Cambria Math" panose="02040503050406030204" pitchFamily="18" charset="0"/>
+                                      <a:ea typeface="Cambria Math" panose="02040503050406030204" pitchFamily="18" charset="0"/>
+                                    </a:rPr>
+                                    <m:t>𝛽</m:t>
+                                  </m:r>
+                                </m:e>
+                                <m:sub>
+                                  <m:r>
+                                    <a:rPr lang="fr-CA" sz="1600" b="0" i="1" smtClean="0">
+                                      <a:latin typeface="Cambria Math" panose="02040503050406030204" pitchFamily="18" charset="0"/>
+                                    </a:rPr>
+                                    <m:t>𝑥</m:t>
+                                  </m:r>
+                                </m:sub>
+                              </m:sSub>
+                            </m:num>
+                            <m:den>
+                              <m:r>
+                                <a:rPr lang="fr-CA" sz="1600" b="0" i="1" smtClean="0">
+                                  <a:latin typeface="Cambria Math" panose="02040503050406030204" pitchFamily="18" charset="0"/>
+                                </a:rPr>
+                                <m:t>2</m:t>
+                              </m:r>
+                              <m:sSubSup>
+                                <m:sSubSupPr>
+                                  <m:ctrlPr>
+                                    <a:rPr lang="fr-CA" sz="1600" i="1">
+                                      <a:latin typeface="Cambria Math" panose="02040503050406030204" pitchFamily="18" charset="0"/>
+                                    </a:rPr>
+                                  </m:ctrlPr>
+                                </m:sSubSupPr>
+                                <m:e>
+                                  <m:r>
+                                    <a:rPr lang="fr-CA" sz="1600" i="1" smtClean="0">
+                                      <a:latin typeface="Cambria Math" panose="02040503050406030204" pitchFamily="18" charset="0"/>
+                                      <a:ea typeface="Cambria Math" panose="02040503050406030204" pitchFamily="18" charset="0"/>
+                                    </a:rPr>
+                                    <m:t>𝛾</m:t>
+                                  </m:r>
+                                </m:e>
+                                <m:sub>
+                                  <m:r>
+                                    <a:rPr lang="fr-CA" sz="1600" b="0" i="1" smtClean="0">
+                                      <a:latin typeface="Cambria Math" panose="02040503050406030204" pitchFamily="18" charset="0"/>
+                                    </a:rPr>
+                                    <m:t>𝑥</m:t>
+                                  </m:r>
+                                </m:sub>
+                                <m:sup>
+                                  <m:r>
+                                    <a:rPr lang="fr-CA" sz="1600" i="1">
+                                      <a:latin typeface="Cambria Math" panose="02040503050406030204" pitchFamily="18" charset="0"/>
+                                    </a:rPr>
+                                    <m:t>2</m:t>
+                                  </m:r>
+                                </m:sup>
+                              </m:sSubSup>
+                              <m:r>
+                                <a:rPr lang="fr-CA" sz="1600" i="1" smtClean="0">
+                                  <a:latin typeface="Cambria Math" panose="02040503050406030204" pitchFamily="18" charset="0"/>
+                                  <a:ea typeface="Cambria Math" panose="02040503050406030204" pitchFamily="18" charset="0"/>
+                                </a:rPr>
+                                <m:t>∆</m:t>
+                              </m:r>
+                              <m:r>
+                                <a:rPr lang="fr-CA" sz="1600" b="0" i="1" smtClean="0">
+                                  <a:latin typeface="Cambria Math" panose="02040503050406030204" pitchFamily="18" charset="0"/>
+                                  <a:ea typeface="Cambria Math" panose="02040503050406030204" pitchFamily="18" charset="0"/>
+                                </a:rPr>
+                                <m:t>𝑥</m:t>
+                              </m:r>
+                            </m:den>
+                          </m:f>
+                          <m:r>
+                            <a:rPr lang="fr-CA" sz="1600" b="0" i="1" smtClean="0">
+                              <a:latin typeface="Cambria Math" panose="02040503050406030204" pitchFamily="18" charset="0"/>
+                            </a:rPr>
+                            <m:t>+</m:t>
+                          </m:r>
+                          <m:f>
+                            <m:fPr>
+                              <m:ctrlPr>
+                                <a:rPr lang="fr-CA" sz="1600" i="1">
+                                  <a:latin typeface="Cambria Math" panose="02040503050406030204" pitchFamily="18" charset="0"/>
+                                </a:rPr>
+                              </m:ctrlPr>
+                            </m:fPr>
+                            <m:num>
+                              <m:r>
+                                <a:rPr lang="fr-CA" sz="1600" b="0" i="1" smtClean="0">
+                                  <a:latin typeface="Cambria Math" panose="02040503050406030204" pitchFamily="18" charset="0"/>
+                                </a:rPr>
+                                <m:t>1</m:t>
+                              </m:r>
+                            </m:num>
+                            <m:den>
+                              <m:sSubSup>
+                                <m:sSubSupPr>
+                                  <m:ctrlPr>
+                                    <a:rPr lang="fr-CA" sz="1600" i="1">
+                                      <a:latin typeface="Cambria Math" panose="02040503050406030204" pitchFamily="18" charset="0"/>
+                                    </a:rPr>
+                                  </m:ctrlPr>
+                                </m:sSubSupPr>
+                                <m:e>
+                                  <m:r>
+                                    <a:rPr lang="fr-CA" sz="1600" i="1">
+                                      <a:latin typeface="Cambria Math" panose="02040503050406030204" pitchFamily="18" charset="0"/>
+                                      <a:ea typeface="Cambria Math" panose="02040503050406030204" pitchFamily="18" charset="0"/>
+                                    </a:rPr>
+                                    <m:t>𝛾</m:t>
+                                  </m:r>
+                                </m:e>
+                                <m:sub>
+                                  <m:r>
+                                    <a:rPr lang="fr-CA" sz="1600" i="1">
+                                      <a:latin typeface="Cambria Math" panose="02040503050406030204" pitchFamily="18" charset="0"/>
+                                    </a:rPr>
+                                    <m:t>𝑥</m:t>
+                                  </m:r>
+                                </m:sub>
+                                <m:sup>
+                                  <m:r>
+                                    <a:rPr lang="fr-CA" sz="1600" i="1">
+                                      <a:latin typeface="Cambria Math" panose="02040503050406030204" pitchFamily="18" charset="0"/>
+                                    </a:rPr>
+                                    <m:t>2</m:t>
+                                  </m:r>
+                                </m:sup>
+                              </m:sSubSup>
+                              <m:sSup>
+                                <m:sSupPr>
+                                  <m:ctrlPr>
+                                    <a:rPr lang="fr-CA" sz="1600" i="1" smtClean="0">
+                                      <a:latin typeface="Cambria Math" panose="02040503050406030204" pitchFamily="18" charset="0"/>
+                                      <a:ea typeface="Cambria Math" panose="02040503050406030204" pitchFamily="18" charset="0"/>
+                                    </a:rPr>
+                                  </m:ctrlPr>
+                                </m:sSupPr>
+                                <m:e>
+                                  <m:r>
+                                    <a:rPr lang="fr-CA" sz="1600" i="1">
+                                      <a:latin typeface="Cambria Math" panose="02040503050406030204" pitchFamily="18" charset="0"/>
+                                      <a:ea typeface="Cambria Math" panose="02040503050406030204" pitchFamily="18" charset="0"/>
+                                    </a:rPr>
+                                    <m:t>∆</m:t>
+                                  </m:r>
+                                  <m:r>
+                                    <a:rPr lang="fr-CA" sz="1600" i="1">
+                                      <a:latin typeface="Cambria Math" panose="02040503050406030204" pitchFamily="18" charset="0"/>
+                                      <a:ea typeface="Cambria Math" panose="02040503050406030204" pitchFamily="18" charset="0"/>
+                                    </a:rPr>
+                                    <m:t>𝑥</m:t>
+                                  </m:r>
+                                </m:e>
+                                <m:sup>
+                                  <m:r>
+                                    <a:rPr lang="fr-CA" sz="1600" b="0" i="1" smtClean="0">
+                                      <a:latin typeface="Cambria Math" panose="02040503050406030204" pitchFamily="18" charset="0"/>
+                                      <a:ea typeface="Cambria Math" panose="02040503050406030204" pitchFamily="18" charset="0"/>
+                                    </a:rPr>
+                                    <m:t>2</m:t>
+                                  </m:r>
+                                </m:sup>
+                              </m:sSup>
+                            </m:den>
+                          </m:f>
+                        </m:e>
+                      </m:d>
+                      <m:sSub>
+                        <m:sSubPr>
+                          <m:ctrlPr>
+                            <a:rPr lang="fr-CA" sz="1600" i="1">
+                              <a:latin typeface="Cambria Math" panose="02040503050406030204" pitchFamily="18" charset="0"/>
+                            </a:rPr>
+                          </m:ctrlPr>
+                        </m:sSubPr>
+                        <m:e>
+                          <m:r>
+                            <a:rPr lang="fr-CA" sz="1600" i="1">
+                              <a:latin typeface="Cambria Math" panose="02040503050406030204" pitchFamily="18" charset="0"/>
+                            </a:rPr>
+                            <m:t>𝑝</m:t>
+                          </m:r>
+                        </m:e>
+                        <m:sub>
+                          <m:r>
+                            <a:rPr lang="fr-CA" sz="1600" i="1">
+                              <a:latin typeface="Cambria Math" panose="02040503050406030204" pitchFamily="18" charset="0"/>
+                            </a:rPr>
+                            <m:t>𝑖</m:t>
+                          </m:r>
+                          <m:r>
+                            <a:rPr lang="fr-CA" sz="1600" i="1">
+                              <a:latin typeface="Cambria Math" panose="02040503050406030204" pitchFamily="18" charset="0"/>
+                            </a:rPr>
+                            <m:t>−1,</m:t>
+                          </m:r>
+                          <m:r>
+                            <a:rPr lang="fr-CA" sz="1600" i="1">
+                              <a:latin typeface="Cambria Math" panose="02040503050406030204" pitchFamily="18" charset="0"/>
+                            </a:rPr>
+                            <m:t>𝑗</m:t>
+                          </m:r>
+                        </m:sub>
+                      </m:sSub>
+                      <m:r>
+                        <a:rPr lang="fr-CA" sz="1600" b="0" i="1" smtClean="0">
+                          <a:latin typeface="Cambria Math" panose="02040503050406030204" pitchFamily="18" charset="0"/>
+                        </a:rPr>
+                        <m:t>+</m:t>
+                      </m:r>
+                      <m:d>
+                        <m:dPr>
+                          <m:ctrlPr>
+                            <a:rPr lang="fr-CA" sz="1600" i="1">
+                              <a:latin typeface="Cambria Math" panose="02040503050406030204" pitchFamily="18" charset="0"/>
+                            </a:rPr>
+                          </m:ctrlPr>
+                        </m:dPr>
+                        <m:e>
+                          <m:f>
+                            <m:fPr>
+                              <m:ctrlPr>
+                                <a:rPr lang="fr-CA" sz="1600" i="1">
+                                  <a:latin typeface="Cambria Math" panose="02040503050406030204" pitchFamily="18" charset="0"/>
+                                </a:rPr>
+                              </m:ctrlPr>
+                            </m:fPr>
+                            <m:num>
+                              <m:sSub>
+                                <m:sSubPr>
+                                  <m:ctrlPr>
+                                    <a:rPr lang="fr-CA" sz="1600" i="1">
+                                      <a:latin typeface="Cambria Math" panose="02040503050406030204" pitchFamily="18" charset="0"/>
+                                    </a:rPr>
+                                  </m:ctrlPr>
+                                </m:sSubPr>
+                                <m:e>
+                                  <m:r>
+                                    <a:rPr lang="fr-CA" sz="1600" i="1">
+                                      <a:latin typeface="Cambria Math" panose="02040503050406030204" pitchFamily="18" charset="0"/>
+                                      <a:ea typeface="Cambria Math" panose="02040503050406030204" pitchFamily="18" charset="0"/>
+                                    </a:rPr>
+                                    <m:t>𝛽</m:t>
+                                  </m:r>
+                                </m:e>
+                                <m:sub>
+                                  <m:r>
+                                    <a:rPr lang="fr-CA" sz="1600" b="0" i="1" smtClean="0">
+                                      <a:latin typeface="Cambria Math" panose="02040503050406030204" pitchFamily="18" charset="0"/>
+                                      <a:ea typeface="Cambria Math" panose="02040503050406030204" pitchFamily="18" charset="0"/>
+                                    </a:rPr>
+                                    <m:t>𝑦</m:t>
+                                  </m:r>
+                                </m:sub>
+                              </m:sSub>
+                            </m:num>
+                            <m:den>
+                              <m:r>
+                                <a:rPr lang="fr-CA" sz="1600" i="1">
+                                  <a:latin typeface="Cambria Math" panose="02040503050406030204" pitchFamily="18" charset="0"/>
+                                </a:rPr>
+                                <m:t>2</m:t>
+                              </m:r>
+                              <m:sSubSup>
+                                <m:sSubSupPr>
+                                  <m:ctrlPr>
+                                    <a:rPr lang="fr-CA" sz="1600" i="1">
+                                      <a:latin typeface="Cambria Math" panose="02040503050406030204" pitchFamily="18" charset="0"/>
+                                    </a:rPr>
+                                  </m:ctrlPr>
+                                </m:sSubSupPr>
+                                <m:e>
+                                  <m:r>
+                                    <a:rPr lang="fr-CA" sz="1600" i="1">
+                                      <a:latin typeface="Cambria Math" panose="02040503050406030204" pitchFamily="18" charset="0"/>
+                                      <a:ea typeface="Cambria Math" panose="02040503050406030204" pitchFamily="18" charset="0"/>
+                                    </a:rPr>
+                                    <m:t>𝛾</m:t>
+                                  </m:r>
+                                </m:e>
+                                <m:sub>
+                                  <m:r>
+                                    <a:rPr lang="fr-CA" sz="1600" b="0" i="1" smtClean="0">
+                                      <a:latin typeface="Cambria Math" panose="02040503050406030204" pitchFamily="18" charset="0"/>
+                                      <a:ea typeface="Cambria Math" panose="02040503050406030204" pitchFamily="18" charset="0"/>
+                                    </a:rPr>
+                                    <m:t>𝑦</m:t>
+                                  </m:r>
+                                </m:sub>
+                                <m:sup>
+                                  <m:r>
+                                    <a:rPr lang="fr-CA" sz="1600" i="1">
+                                      <a:latin typeface="Cambria Math" panose="02040503050406030204" pitchFamily="18" charset="0"/>
+                                    </a:rPr>
+                                    <m:t>2</m:t>
+                                  </m:r>
+                                </m:sup>
+                              </m:sSubSup>
+                              <m:r>
+                                <a:rPr lang="fr-CA" sz="1600" i="1">
+                                  <a:latin typeface="Cambria Math" panose="02040503050406030204" pitchFamily="18" charset="0"/>
+                                  <a:ea typeface="Cambria Math" panose="02040503050406030204" pitchFamily="18" charset="0"/>
+                                </a:rPr>
+                                <m:t>∆</m:t>
+                              </m:r>
+                              <m:r>
+                                <a:rPr lang="fr-CA" sz="1600" b="0" i="1" smtClean="0">
+                                  <a:latin typeface="Cambria Math" panose="02040503050406030204" pitchFamily="18" charset="0"/>
+                                  <a:ea typeface="Cambria Math" panose="02040503050406030204" pitchFamily="18" charset="0"/>
+                                </a:rPr>
+                                <m:t>𝑦</m:t>
+                              </m:r>
+                            </m:den>
+                          </m:f>
+                          <m:r>
+                            <a:rPr lang="fr-CA" sz="1600" i="1">
+                              <a:latin typeface="Cambria Math" panose="02040503050406030204" pitchFamily="18" charset="0"/>
+                            </a:rPr>
+                            <m:t>+</m:t>
+                          </m:r>
+                          <m:f>
+                            <m:fPr>
+                              <m:ctrlPr>
+                                <a:rPr lang="fr-CA" sz="1600" i="1">
+                                  <a:latin typeface="Cambria Math" panose="02040503050406030204" pitchFamily="18" charset="0"/>
+                                </a:rPr>
+                              </m:ctrlPr>
+                            </m:fPr>
+                            <m:num>
+                              <m:r>
+                                <a:rPr lang="fr-CA" sz="1600" i="1">
+                                  <a:latin typeface="Cambria Math" panose="02040503050406030204" pitchFamily="18" charset="0"/>
+                                </a:rPr>
+                                <m:t>1</m:t>
+                              </m:r>
+                            </m:num>
+                            <m:den>
+                              <m:sSubSup>
+                                <m:sSubSupPr>
+                                  <m:ctrlPr>
+                                    <a:rPr lang="fr-CA" sz="1600" i="1">
+                                      <a:latin typeface="Cambria Math" panose="02040503050406030204" pitchFamily="18" charset="0"/>
+                                    </a:rPr>
+                                  </m:ctrlPr>
+                                </m:sSubSupPr>
+                                <m:e>
+                                  <m:r>
+                                    <a:rPr lang="fr-CA" sz="1600" i="1">
+                                      <a:latin typeface="Cambria Math" panose="02040503050406030204" pitchFamily="18" charset="0"/>
+                                      <a:ea typeface="Cambria Math" panose="02040503050406030204" pitchFamily="18" charset="0"/>
+                                    </a:rPr>
+                                    <m:t>𝛾</m:t>
+                                  </m:r>
+                                </m:e>
+                                <m:sub>
+                                  <m:r>
+                                    <a:rPr lang="fr-CA" sz="1600" b="0" i="1" smtClean="0">
+                                      <a:latin typeface="Cambria Math" panose="02040503050406030204" pitchFamily="18" charset="0"/>
+                                      <a:ea typeface="Cambria Math" panose="02040503050406030204" pitchFamily="18" charset="0"/>
+                                    </a:rPr>
+                                    <m:t>𝑦</m:t>
+                                  </m:r>
+                                </m:sub>
+                                <m:sup>
+                                  <m:r>
+                                    <a:rPr lang="fr-CA" sz="1600" i="1">
+                                      <a:latin typeface="Cambria Math" panose="02040503050406030204" pitchFamily="18" charset="0"/>
+                                    </a:rPr>
+                                    <m:t>2</m:t>
+                                  </m:r>
+                                </m:sup>
+                              </m:sSubSup>
+                              <m:sSup>
+                                <m:sSupPr>
+                                  <m:ctrlPr>
+                                    <a:rPr lang="fr-CA" sz="1600" i="1">
+                                      <a:latin typeface="Cambria Math" panose="02040503050406030204" pitchFamily="18" charset="0"/>
+                                      <a:ea typeface="Cambria Math" panose="02040503050406030204" pitchFamily="18" charset="0"/>
+                                    </a:rPr>
+                                  </m:ctrlPr>
+                                </m:sSupPr>
+                                <m:e>
+                                  <m:r>
+                                    <a:rPr lang="fr-CA" sz="1600" i="1">
+                                      <a:latin typeface="Cambria Math" panose="02040503050406030204" pitchFamily="18" charset="0"/>
+                                      <a:ea typeface="Cambria Math" panose="02040503050406030204" pitchFamily="18" charset="0"/>
+                                    </a:rPr>
+                                    <m:t>∆</m:t>
+                                  </m:r>
+                                  <m:r>
+                                    <a:rPr lang="fr-CA" sz="1600" b="0" i="1" smtClean="0">
+                                      <a:latin typeface="Cambria Math" panose="02040503050406030204" pitchFamily="18" charset="0"/>
+                                      <a:ea typeface="Cambria Math" panose="02040503050406030204" pitchFamily="18" charset="0"/>
+                                    </a:rPr>
+                                    <m:t>𝑦</m:t>
+                                  </m:r>
+                                </m:e>
+                                <m:sup>
+                                  <m:r>
+                                    <a:rPr lang="fr-CA" sz="1600" i="1">
+                                      <a:latin typeface="Cambria Math" panose="02040503050406030204" pitchFamily="18" charset="0"/>
+                                      <a:ea typeface="Cambria Math" panose="02040503050406030204" pitchFamily="18" charset="0"/>
+                                    </a:rPr>
+                                    <m:t>2</m:t>
+                                  </m:r>
+                                </m:sup>
+                              </m:sSup>
+                            </m:den>
+                          </m:f>
+                        </m:e>
+                      </m:d>
+                      <m:sSub>
+                        <m:sSubPr>
+                          <m:ctrlPr>
+                            <a:rPr lang="fr-CA" sz="1600" i="1">
+                              <a:latin typeface="Cambria Math" panose="02040503050406030204" pitchFamily="18" charset="0"/>
+                            </a:rPr>
+                          </m:ctrlPr>
+                        </m:sSubPr>
+                        <m:e>
+                          <m:r>
+                            <a:rPr lang="fr-CA" sz="1600" i="1">
+                              <a:latin typeface="Cambria Math" panose="02040503050406030204" pitchFamily="18" charset="0"/>
+                            </a:rPr>
+                            <m:t>𝑝</m:t>
+                          </m:r>
+                        </m:e>
+                        <m:sub>
+                          <m:r>
+                            <a:rPr lang="fr-CA" sz="1600" i="1">
+                              <a:latin typeface="Cambria Math" panose="02040503050406030204" pitchFamily="18" charset="0"/>
+                            </a:rPr>
+                            <m:t>𝑖</m:t>
+                          </m:r>
+                          <m:r>
+                            <a:rPr lang="fr-CA" sz="1600" i="1">
+                              <a:latin typeface="Cambria Math" panose="02040503050406030204" pitchFamily="18" charset="0"/>
+                            </a:rPr>
+                            <m:t>,</m:t>
+                          </m:r>
+                          <m:r>
+                            <a:rPr lang="fr-CA" sz="1600" i="1">
+                              <a:latin typeface="Cambria Math" panose="02040503050406030204" pitchFamily="18" charset="0"/>
+                            </a:rPr>
+                            <m:t>𝑗</m:t>
+                          </m:r>
+                          <m:r>
+                            <a:rPr lang="fr-CA" sz="1600" b="0" i="1" smtClean="0">
+                              <a:latin typeface="Cambria Math" panose="02040503050406030204" pitchFamily="18" charset="0"/>
+                            </a:rPr>
+                            <m:t>−1</m:t>
+                          </m:r>
+                        </m:sub>
+                      </m:sSub>
+                      <m:r>
+                        <a:rPr lang="fr-CA" sz="1600" b="0" i="1" smtClean="0">
+                          <a:latin typeface="Cambria Math" panose="02040503050406030204" pitchFamily="18" charset="0"/>
+                        </a:rPr>
+                        <m:t>+</m:t>
+                      </m:r>
+                      <m:d>
+                        <m:dPr>
+                          <m:ctrlPr>
+                            <a:rPr lang="fr-CA" sz="1600" i="1">
+                              <a:latin typeface="Cambria Math" panose="02040503050406030204" pitchFamily="18" charset="0"/>
+                            </a:rPr>
+                          </m:ctrlPr>
+                        </m:dPr>
+                        <m:e>
+                          <m:sSup>
+                            <m:sSupPr>
+                              <m:ctrlPr>
+                                <a:rPr lang="fr-CA" sz="1600" i="1" smtClean="0">
+                                  <a:latin typeface="Cambria Math" panose="02040503050406030204" pitchFamily="18" charset="0"/>
+                                </a:rPr>
+                              </m:ctrlPr>
+                            </m:sSupPr>
+                            <m:e>
+                              <m:r>
+                                <a:rPr lang="fr-CA" sz="1600" b="0" i="1" smtClean="0">
+                                  <a:latin typeface="Cambria Math" panose="02040503050406030204" pitchFamily="18" charset="0"/>
+                                </a:rPr>
+                                <m:t>𝑘</m:t>
+                              </m:r>
+                            </m:e>
+                            <m:sup>
+                              <m:r>
+                                <a:rPr lang="fr-CA" sz="1600" b="0" i="1" smtClean="0">
+                                  <a:latin typeface="Cambria Math" panose="02040503050406030204" pitchFamily="18" charset="0"/>
+                                </a:rPr>
+                                <m:t>2</m:t>
+                              </m:r>
+                            </m:sup>
+                          </m:sSup>
+                          <m:r>
+                            <a:rPr lang="fr-CA" sz="1600" b="0" i="1" smtClean="0">
+                              <a:latin typeface="Cambria Math" panose="02040503050406030204" pitchFamily="18" charset="0"/>
+                            </a:rPr>
+                            <m:t>−</m:t>
+                          </m:r>
+                          <m:f>
+                            <m:fPr>
+                              <m:ctrlPr>
+                                <a:rPr lang="fr-CA" sz="1600" i="1">
+                                  <a:latin typeface="Cambria Math" panose="02040503050406030204" pitchFamily="18" charset="0"/>
+                                </a:rPr>
+                              </m:ctrlPr>
+                            </m:fPr>
+                            <m:num>
+                              <m:r>
+                                <a:rPr lang="fr-CA" sz="1600" b="0" i="1" smtClean="0">
+                                  <a:latin typeface="Cambria Math" panose="02040503050406030204" pitchFamily="18" charset="0"/>
+                                </a:rPr>
+                                <m:t>2</m:t>
+                              </m:r>
+                            </m:num>
+                            <m:den>
+                              <m:r>
+                                <a:rPr lang="fr-CA" sz="1600" i="1">
+                                  <a:latin typeface="Cambria Math" panose="02040503050406030204" pitchFamily="18" charset="0"/>
+                                </a:rPr>
+                                <m:t>2</m:t>
+                              </m:r>
+                              <m:sSubSup>
+                                <m:sSubSupPr>
+                                  <m:ctrlPr>
+                                    <a:rPr lang="fr-CA" sz="1600" i="1">
+                                      <a:latin typeface="Cambria Math" panose="02040503050406030204" pitchFamily="18" charset="0"/>
+                                    </a:rPr>
+                                  </m:ctrlPr>
+                                </m:sSubSupPr>
+                                <m:e>
+                                  <m:r>
+                                    <a:rPr lang="fr-CA" sz="1600" i="1">
+                                      <a:latin typeface="Cambria Math" panose="02040503050406030204" pitchFamily="18" charset="0"/>
+                                      <a:ea typeface="Cambria Math" panose="02040503050406030204" pitchFamily="18" charset="0"/>
+                                    </a:rPr>
+                                    <m:t>𝛾</m:t>
+                                  </m:r>
+                                </m:e>
+                                <m:sub>
+                                  <m:r>
+                                    <a:rPr lang="fr-CA" sz="1600" b="0" i="1" smtClean="0">
+                                      <a:latin typeface="Cambria Math" panose="02040503050406030204" pitchFamily="18" charset="0"/>
+                                      <a:ea typeface="Cambria Math" panose="02040503050406030204" pitchFamily="18" charset="0"/>
+                                    </a:rPr>
+                                    <m:t>𝑥</m:t>
+                                  </m:r>
+                                </m:sub>
+                                <m:sup>
+                                  <m:r>
+                                    <a:rPr lang="fr-CA" sz="1600" i="1">
+                                      <a:latin typeface="Cambria Math" panose="02040503050406030204" pitchFamily="18" charset="0"/>
+                                    </a:rPr>
+                                    <m:t>2</m:t>
+                                  </m:r>
+                                </m:sup>
+                              </m:sSubSup>
+                              <m:r>
+                                <a:rPr lang="fr-CA" sz="1600" i="1">
+                                  <a:latin typeface="Cambria Math" panose="02040503050406030204" pitchFamily="18" charset="0"/>
+                                  <a:ea typeface="Cambria Math" panose="02040503050406030204" pitchFamily="18" charset="0"/>
+                                </a:rPr>
+                                <m:t>∆</m:t>
+                              </m:r>
+                              <m:r>
+                                <a:rPr lang="fr-CA" sz="1600" b="0" i="1" smtClean="0">
+                                  <a:latin typeface="Cambria Math" panose="02040503050406030204" pitchFamily="18" charset="0"/>
+                                  <a:ea typeface="Cambria Math" panose="02040503050406030204" pitchFamily="18" charset="0"/>
+                                </a:rPr>
+                                <m:t>𝑥</m:t>
+                              </m:r>
+                            </m:den>
+                          </m:f>
+                          <m:r>
+                            <a:rPr lang="fr-CA" sz="1600" i="1">
+                              <a:latin typeface="Cambria Math" panose="02040503050406030204" pitchFamily="18" charset="0"/>
+                            </a:rPr>
+                            <m:t>+</m:t>
+                          </m:r>
+                          <m:f>
+                            <m:fPr>
+                              <m:ctrlPr>
+                                <a:rPr lang="fr-CA" sz="1600" i="1">
+                                  <a:latin typeface="Cambria Math" panose="02040503050406030204" pitchFamily="18" charset="0"/>
+                                </a:rPr>
+                              </m:ctrlPr>
+                            </m:fPr>
+                            <m:num>
+                              <m:r>
+                                <a:rPr lang="fr-CA" sz="1600" b="0" i="1" smtClean="0">
+                                  <a:latin typeface="Cambria Math" panose="02040503050406030204" pitchFamily="18" charset="0"/>
+                                </a:rPr>
+                                <m:t>2</m:t>
+                              </m:r>
+                            </m:num>
+                            <m:den>
+                              <m:sSubSup>
+                                <m:sSubSupPr>
+                                  <m:ctrlPr>
+                                    <a:rPr lang="fr-CA" sz="1600" i="1">
+                                      <a:latin typeface="Cambria Math" panose="02040503050406030204" pitchFamily="18" charset="0"/>
+                                    </a:rPr>
+                                  </m:ctrlPr>
+                                </m:sSubSupPr>
+                                <m:e>
+                                  <m:r>
+                                    <a:rPr lang="fr-CA" sz="1600" i="1">
+                                      <a:latin typeface="Cambria Math" panose="02040503050406030204" pitchFamily="18" charset="0"/>
+                                      <a:ea typeface="Cambria Math" panose="02040503050406030204" pitchFamily="18" charset="0"/>
+                                    </a:rPr>
+                                    <m:t>𝛾</m:t>
+                                  </m:r>
+                                </m:e>
+                                <m:sub>
+                                  <m:r>
+                                    <a:rPr lang="fr-CA" sz="1600" i="1">
+                                      <a:latin typeface="Cambria Math" panose="02040503050406030204" pitchFamily="18" charset="0"/>
+                                      <a:ea typeface="Cambria Math" panose="02040503050406030204" pitchFamily="18" charset="0"/>
+                                    </a:rPr>
+                                    <m:t>𝑦</m:t>
+                                  </m:r>
+                                </m:sub>
+                                <m:sup>
+                                  <m:r>
+                                    <a:rPr lang="fr-CA" sz="1600" i="1">
+                                      <a:latin typeface="Cambria Math" panose="02040503050406030204" pitchFamily="18" charset="0"/>
+                                    </a:rPr>
+                                    <m:t>2</m:t>
+                                  </m:r>
+                                </m:sup>
+                              </m:sSubSup>
+                              <m:sSup>
+                                <m:sSupPr>
+                                  <m:ctrlPr>
+                                    <a:rPr lang="fr-CA" sz="1600" i="1">
+                                      <a:latin typeface="Cambria Math" panose="02040503050406030204" pitchFamily="18" charset="0"/>
+                                      <a:ea typeface="Cambria Math" panose="02040503050406030204" pitchFamily="18" charset="0"/>
+                                    </a:rPr>
+                                  </m:ctrlPr>
+                                </m:sSupPr>
+                                <m:e>
+                                  <m:r>
+                                    <a:rPr lang="fr-CA" sz="1600" i="1">
+                                      <a:latin typeface="Cambria Math" panose="02040503050406030204" pitchFamily="18" charset="0"/>
+                                      <a:ea typeface="Cambria Math" panose="02040503050406030204" pitchFamily="18" charset="0"/>
+                                    </a:rPr>
+                                    <m:t>∆</m:t>
+                                  </m:r>
+                                  <m:r>
+                                    <a:rPr lang="fr-CA" sz="1600" i="1">
+                                      <a:latin typeface="Cambria Math" panose="02040503050406030204" pitchFamily="18" charset="0"/>
+                                      <a:ea typeface="Cambria Math" panose="02040503050406030204" pitchFamily="18" charset="0"/>
+                                    </a:rPr>
+                                    <m:t>𝑦</m:t>
+                                  </m:r>
+                                </m:e>
+                                <m:sup>
+                                  <m:r>
+                                    <a:rPr lang="fr-CA" sz="1600" i="1">
+                                      <a:latin typeface="Cambria Math" panose="02040503050406030204" pitchFamily="18" charset="0"/>
+                                      <a:ea typeface="Cambria Math" panose="02040503050406030204" pitchFamily="18" charset="0"/>
+                                    </a:rPr>
+                                    <m:t>2</m:t>
+                                  </m:r>
+                                </m:sup>
+                              </m:sSup>
+                            </m:den>
+                          </m:f>
+                        </m:e>
+                      </m:d>
+                      <m:sSub>
+                        <m:sSubPr>
+                          <m:ctrlPr>
+                            <a:rPr lang="fr-CA" sz="1600" i="1">
+                              <a:latin typeface="Cambria Math" panose="02040503050406030204" pitchFamily="18" charset="0"/>
+                            </a:rPr>
+                          </m:ctrlPr>
+                        </m:sSubPr>
+                        <m:e>
+                          <m:r>
+                            <a:rPr lang="fr-CA" sz="1600" i="1">
+                              <a:latin typeface="Cambria Math" panose="02040503050406030204" pitchFamily="18" charset="0"/>
+                            </a:rPr>
+                            <m:t>𝑝</m:t>
+                          </m:r>
+                        </m:e>
+                        <m:sub>
+                          <m:r>
+                            <a:rPr lang="fr-CA" sz="1600" i="1">
+                              <a:latin typeface="Cambria Math" panose="02040503050406030204" pitchFamily="18" charset="0"/>
+                            </a:rPr>
+                            <m:t>𝑖</m:t>
+                          </m:r>
+                          <m:r>
+                            <a:rPr lang="fr-CA" sz="1600" i="1">
+                              <a:latin typeface="Cambria Math" panose="02040503050406030204" pitchFamily="18" charset="0"/>
+                            </a:rPr>
+                            <m:t>,</m:t>
+                          </m:r>
+                          <m:r>
+                            <a:rPr lang="fr-CA" sz="1600" i="1">
+                              <a:latin typeface="Cambria Math" panose="02040503050406030204" pitchFamily="18" charset="0"/>
+                            </a:rPr>
+                            <m:t>𝑗</m:t>
+                          </m:r>
+                        </m:sub>
+                      </m:sSub>
+                    </m:oMath>
+                  </a14:m>
+                  <a:r>
+                    <a:rPr lang="fr-CA" sz="1600" i="1" dirty="0">
+                      <a:latin typeface="Cambria Math" panose="02040503050406030204" pitchFamily="18" charset="0"/>
+                    </a:rPr>
+                    <a:t> </a:t>
+                  </a:r>
+                </a:p>
+                <a:p>
+                  <a:pPr>
+                    <a:lnSpc>
+                      <a:spcPct val="150000"/>
+                    </a:lnSpc>
+                  </a:pPr>
+                  <a:r>
+                    <a:rPr lang="fr-CA" sz="1600" b="0" dirty="0"/>
+                    <a:t>                                             </a:t>
+                  </a:r>
+                  <a14:m>
+                    <m:oMath xmlns:m="http://schemas.openxmlformats.org/officeDocument/2006/math">
+                      <m:r>
+                        <a:rPr lang="fr-CA" sz="1600" b="0" i="1" smtClean="0">
+                          <a:latin typeface="Cambria Math" panose="02040503050406030204" pitchFamily="18" charset="0"/>
+                        </a:rPr>
+                        <m:t>+</m:t>
+                      </m:r>
+                      <m:d>
+                        <m:dPr>
+                          <m:ctrlPr>
+                            <a:rPr lang="fr-CA" sz="1600" i="1">
+                              <a:latin typeface="Cambria Math" panose="02040503050406030204" pitchFamily="18" charset="0"/>
+                            </a:rPr>
+                          </m:ctrlPr>
+                        </m:dPr>
+                        <m:e>
+                          <m:r>
+                            <a:rPr lang="fr-CA" sz="1600" b="0" i="1" smtClean="0">
+                              <a:latin typeface="Cambria Math" panose="02040503050406030204" pitchFamily="18" charset="0"/>
+                            </a:rPr>
+                            <m:t>−</m:t>
+                          </m:r>
+                          <m:f>
+                            <m:fPr>
+                              <m:ctrlPr>
+                                <a:rPr lang="fr-CA" sz="1600" i="1">
+                                  <a:latin typeface="Cambria Math" panose="02040503050406030204" pitchFamily="18" charset="0"/>
+                                </a:rPr>
+                              </m:ctrlPr>
+                            </m:fPr>
+                            <m:num>
+                              <m:sSub>
+                                <m:sSubPr>
+                                  <m:ctrlPr>
+                                    <a:rPr lang="fr-CA" sz="1600" i="1">
+                                      <a:latin typeface="Cambria Math" panose="02040503050406030204" pitchFamily="18" charset="0"/>
+                                    </a:rPr>
+                                  </m:ctrlPr>
+                                </m:sSubPr>
+                                <m:e>
+                                  <m:r>
+                                    <a:rPr lang="fr-CA" sz="1600" i="1">
+                                      <a:latin typeface="Cambria Math" panose="02040503050406030204" pitchFamily="18" charset="0"/>
+                                      <a:ea typeface="Cambria Math" panose="02040503050406030204" pitchFamily="18" charset="0"/>
+                                    </a:rPr>
+                                    <m:t>𝛽</m:t>
+                                  </m:r>
+                                </m:e>
+                                <m:sub>
+                                  <m:r>
+                                    <a:rPr lang="fr-CA" sz="1600" b="0" i="1" smtClean="0">
+                                      <a:latin typeface="Cambria Math" panose="02040503050406030204" pitchFamily="18" charset="0"/>
+                                      <a:ea typeface="Cambria Math" panose="02040503050406030204" pitchFamily="18" charset="0"/>
+                                    </a:rPr>
+                                    <m:t>𝑥</m:t>
+                                  </m:r>
+                                </m:sub>
+                              </m:sSub>
+                            </m:num>
+                            <m:den>
+                              <m:r>
+                                <a:rPr lang="fr-CA" sz="1600" i="1">
+                                  <a:latin typeface="Cambria Math" panose="02040503050406030204" pitchFamily="18" charset="0"/>
+                                </a:rPr>
+                                <m:t>2</m:t>
+                              </m:r>
+                              <m:sSubSup>
+                                <m:sSubSupPr>
+                                  <m:ctrlPr>
+                                    <a:rPr lang="fr-CA" sz="1600" i="1">
+                                      <a:latin typeface="Cambria Math" panose="02040503050406030204" pitchFamily="18" charset="0"/>
+                                    </a:rPr>
+                                  </m:ctrlPr>
+                                </m:sSubSupPr>
+                                <m:e>
+                                  <m:r>
+                                    <a:rPr lang="fr-CA" sz="1600" i="1">
+                                      <a:latin typeface="Cambria Math" panose="02040503050406030204" pitchFamily="18" charset="0"/>
+                                      <a:ea typeface="Cambria Math" panose="02040503050406030204" pitchFamily="18" charset="0"/>
+                                    </a:rPr>
+                                    <m:t>𝛾</m:t>
+                                  </m:r>
+                                </m:e>
+                                <m:sub>
+                                  <m:r>
+                                    <a:rPr lang="fr-CA" sz="1600" b="0" i="1" smtClean="0">
+                                      <a:latin typeface="Cambria Math" panose="02040503050406030204" pitchFamily="18" charset="0"/>
+                                      <a:ea typeface="Cambria Math" panose="02040503050406030204" pitchFamily="18" charset="0"/>
+                                    </a:rPr>
+                                    <m:t>𝑥</m:t>
+                                  </m:r>
+                                </m:sub>
+                                <m:sup>
+                                  <m:r>
+                                    <a:rPr lang="fr-CA" sz="1600" i="1">
+                                      <a:latin typeface="Cambria Math" panose="02040503050406030204" pitchFamily="18" charset="0"/>
+                                    </a:rPr>
+                                    <m:t>2</m:t>
+                                  </m:r>
+                                </m:sup>
+                              </m:sSubSup>
+                              <m:r>
+                                <a:rPr lang="fr-CA" sz="1600" i="1">
+                                  <a:latin typeface="Cambria Math" panose="02040503050406030204" pitchFamily="18" charset="0"/>
+                                  <a:ea typeface="Cambria Math" panose="02040503050406030204" pitchFamily="18" charset="0"/>
+                                </a:rPr>
+                                <m:t>∆</m:t>
+                              </m:r>
+                              <m:r>
+                                <a:rPr lang="fr-CA" sz="1600" b="0" i="1" smtClean="0">
+                                  <a:latin typeface="Cambria Math" panose="02040503050406030204" pitchFamily="18" charset="0"/>
+                                  <a:ea typeface="Cambria Math" panose="02040503050406030204" pitchFamily="18" charset="0"/>
+                                </a:rPr>
+                                <m:t>𝑥</m:t>
+                              </m:r>
+                            </m:den>
+                          </m:f>
+                          <m:r>
+                            <a:rPr lang="fr-CA" sz="1600" i="1">
+                              <a:latin typeface="Cambria Math" panose="02040503050406030204" pitchFamily="18" charset="0"/>
+                            </a:rPr>
+                            <m:t>+</m:t>
+                          </m:r>
+                          <m:f>
+                            <m:fPr>
+                              <m:ctrlPr>
+                                <a:rPr lang="fr-CA" sz="1600" i="1">
+                                  <a:latin typeface="Cambria Math" panose="02040503050406030204" pitchFamily="18" charset="0"/>
+                                </a:rPr>
+                              </m:ctrlPr>
+                            </m:fPr>
+                            <m:num>
+                              <m:r>
+                                <a:rPr lang="fr-CA" sz="1600" i="1">
+                                  <a:latin typeface="Cambria Math" panose="02040503050406030204" pitchFamily="18" charset="0"/>
+                                </a:rPr>
+                                <m:t>1</m:t>
+                              </m:r>
+                            </m:num>
+                            <m:den>
+                              <m:sSubSup>
+                                <m:sSubSupPr>
+                                  <m:ctrlPr>
+                                    <a:rPr lang="fr-CA" sz="1600" i="1" smtClean="0">
+                                      <a:latin typeface="Cambria Math" panose="02040503050406030204" pitchFamily="18" charset="0"/>
+                                    </a:rPr>
+                                  </m:ctrlPr>
+                                </m:sSubSupPr>
+                                <m:e>
+                                  <m:r>
+                                    <a:rPr lang="fr-CA" sz="1600" i="1">
+                                      <a:latin typeface="Cambria Math" panose="02040503050406030204" pitchFamily="18" charset="0"/>
+                                      <a:ea typeface="Cambria Math" panose="02040503050406030204" pitchFamily="18" charset="0"/>
+                                    </a:rPr>
+                                    <m:t>𝛾</m:t>
+                                  </m:r>
+                                </m:e>
+                                <m:sub>
+                                  <m:r>
+                                    <a:rPr lang="fr-CA" sz="1600" b="0" i="1" smtClean="0">
+                                      <a:latin typeface="Cambria Math" panose="02040503050406030204" pitchFamily="18" charset="0"/>
+                                      <a:ea typeface="Cambria Math" panose="02040503050406030204" pitchFamily="18" charset="0"/>
+                                    </a:rPr>
+                                    <m:t>𝑥</m:t>
+                                  </m:r>
+                                </m:sub>
+                                <m:sup>
+                                  <m:r>
+                                    <a:rPr lang="fr-CA" sz="1600" i="1">
+                                      <a:latin typeface="Cambria Math" panose="02040503050406030204" pitchFamily="18" charset="0"/>
+                                    </a:rPr>
+                                    <m:t>2</m:t>
+                                  </m:r>
+                                </m:sup>
+                              </m:sSubSup>
+                              <m:sSup>
+                                <m:sSupPr>
+                                  <m:ctrlPr>
+                                    <a:rPr lang="fr-CA" sz="1600" i="1">
+                                      <a:latin typeface="Cambria Math" panose="02040503050406030204" pitchFamily="18" charset="0"/>
+                                      <a:ea typeface="Cambria Math" panose="02040503050406030204" pitchFamily="18" charset="0"/>
+                                    </a:rPr>
+                                  </m:ctrlPr>
+                                </m:sSupPr>
+                                <m:e>
+                                  <m:r>
+                                    <a:rPr lang="fr-CA" sz="1600" i="1">
+                                      <a:latin typeface="Cambria Math" panose="02040503050406030204" pitchFamily="18" charset="0"/>
+                                      <a:ea typeface="Cambria Math" panose="02040503050406030204" pitchFamily="18" charset="0"/>
+                                    </a:rPr>
+                                    <m:t>∆</m:t>
+                                  </m:r>
+                                  <m:r>
+                                    <a:rPr lang="fr-CA" sz="1600" b="0" i="1" smtClean="0">
+                                      <a:latin typeface="Cambria Math" panose="02040503050406030204" pitchFamily="18" charset="0"/>
+                                      <a:ea typeface="Cambria Math" panose="02040503050406030204" pitchFamily="18" charset="0"/>
+                                    </a:rPr>
+                                    <m:t>𝑥</m:t>
+                                  </m:r>
+                                </m:e>
+                                <m:sup>
+                                  <m:r>
+                                    <a:rPr lang="fr-CA" sz="1600" i="1">
+                                      <a:latin typeface="Cambria Math" panose="02040503050406030204" pitchFamily="18" charset="0"/>
+                                      <a:ea typeface="Cambria Math" panose="02040503050406030204" pitchFamily="18" charset="0"/>
+                                    </a:rPr>
+                                    <m:t>2</m:t>
+                                  </m:r>
+                                </m:sup>
+                              </m:sSup>
+                            </m:den>
+                          </m:f>
+                        </m:e>
+                      </m:d>
+                      <m:sSub>
+                        <m:sSubPr>
+                          <m:ctrlPr>
+                            <a:rPr lang="fr-CA" sz="1600" i="1">
+                              <a:latin typeface="Cambria Math" panose="02040503050406030204" pitchFamily="18" charset="0"/>
+                            </a:rPr>
+                          </m:ctrlPr>
+                        </m:sSubPr>
+                        <m:e>
+                          <m:r>
+                            <a:rPr lang="fr-CA" sz="1600" i="1">
+                              <a:latin typeface="Cambria Math" panose="02040503050406030204" pitchFamily="18" charset="0"/>
+                            </a:rPr>
+                            <m:t>𝑝</m:t>
+                          </m:r>
+                        </m:e>
+                        <m:sub>
+                          <m:r>
+                            <a:rPr lang="fr-CA" sz="1600" i="1">
+                              <a:latin typeface="Cambria Math" panose="02040503050406030204" pitchFamily="18" charset="0"/>
+                            </a:rPr>
+                            <m:t>𝑖</m:t>
+                          </m:r>
+                          <m:r>
+                            <a:rPr lang="fr-CA" sz="1600" b="0" i="1" smtClean="0">
+                              <a:latin typeface="Cambria Math" panose="02040503050406030204" pitchFamily="18" charset="0"/>
+                            </a:rPr>
+                            <m:t>+1</m:t>
+                          </m:r>
+                          <m:r>
+                            <a:rPr lang="fr-CA" sz="1600" i="1">
+                              <a:latin typeface="Cambria Math" panose="02040503050406030204" pitchFamily="18" charset="0"/>
+                            </a:rPr>
+                            <m:t>,</m:t>
+                          </m:r>
+                          <m:r>
+                            <a:rPr lang="fr-CA" sz="1600" b="0" i="1" smtClean="0">
+                              <a:latin typeface="Cambria Math" panose="02040503050406030204" pitchFamily="18" charset="0"/>
+                            </a:rPr>
+                            <m:t>𝑗</m:t>
+                          </m:r>
+                        </m:sub>
+                      </m:sSub>
+                      <m:r>
+                        <a:rPr lang="fr-CA" sz="1600" b="0" i="1" smtClean="0">
+                          <a:latin typeface="Cambria Math" panose="02040503050406030204" pitchFamily="18" charset="0"/>
+                        </a:rPr>
+                        <m:t>+</m:t>
+                      </m:r>
+                      <m:d>
+                        <m:dPr>
+                          <m:ctrlPr>
+                            <a:rPr lang="fr-CA" sz="1600" i="1">
+                              <a:latin typeface="Cambria Math" panose="02040503050406030204" pitchFamily="18" charset="0"/>
+                            </a:rPr>
+                          </m:ctrlPr>
+                        </m:dPr>
+                        <m:e>
+                          <m:r>
+                            <a:rPr lang="fr-CA" sz="1600" b="0" i="1" smtClean="0">
+                              <a:latin typeface="Cambria Math" panose="02040503050406030204" pitchFamily="18" charset="0"/>
+                            </a:rPr>
+                            <m:t>−</m:t>
+                          </m:r>
+                          <m:f>
+                            <m:fPr>
+                              <m:ctrlPr>
+                                <a:rPr lang="fr-CA" sz="1600" i="1">
+                                  <a:latin typeface="Cambria Math" panose="02040503050406030204" pitchFamily="18" charset="0"/>
+                                </a:rPr>
+                              </m:ctrlPr>
+                            </m:fPr>
+                            <m:num>
+                              <m:sSub>
+                                <m:sSubPr>
+                                  <m:ctrlPr>
+                                    <a:rPr lang="fr-CA" sz="1600" i="1">
+                                      <a:latin typeface="Cambria Math" panose="02040503050406030204" pitchFamily="18" charset="0"/>
+                                    </a:rPr>
+                                  </m:ctrlPr>
+                                </m:sSubPr>
+                                <m:e>
+                                  <m:r>
+                                    <a:rPr lang="fr-CA" sz="1600" i="1">
+                                      <a:latin typeface="Cambria Math" panose="02040503050406030204" pitchFamily="18" charset="0"/>
+                                      <a:ea typeface="Cambria Math" panose="02040503050406030204" pitchFamily="18" charset="0"/>
+                                    </a:rPr>
+                                    <m:t>𝛽</m:t>
+                                  </m:r>
+                                </m:e>
+                                <m:sub>
+                                  <m:r>
+                                    <a:rPr lang="fr-CA" sz="1600" i="1">
+                                      <a:latin typeface="Cambria Math" panose="02040503050406030204" pitchFamily="18" charset="0"/>
+                                      <a:ea typeface="Cambria Math" panose="02040503050406030204" pitchFamily="18" charset="0"/>
+                                    </a:rPr>
+                                    <m:t>𝑦</m:t>
+                                  </m:r>
+                                </m:sub>
+                              </m:sSub>
+                            </m:num>
+                            <m:den>
+                              <m:r>
+                                <a:rPr lang="fr-CA" sz="1600" i="1">
+                                  <a:latin typeface="Cambria Math" panose="02040503050406030204" pitchFamily="18" charset="0"/>
+                                </a:rPr>
+                                <m:t>2</m:t>
+                              </m:r>
+                              <m:sSubSup>
+                                <m:sSubSupPr>
+                                  <m:ctrlPr>
+                                    <a:rPr lang="fr-CA" sz="1600" i="1">
+                                      <a:latin typeface="Cambria Math" panose="02040503050406030204" pitchFamily="18" charset="0"/>
+                                    </a:rPr>
+                                  </m:ctrlPr>
+                                </m:sSubSupPr>
+                                <m:e>
+                                  <m:r>
+                                    <a:rPr lang="fr-CA" sz="1600" i="1">
+                                      <a:latin typeface="Cambria Math" panose="02040503050406030204" pitchFamily="18" charset="0"/>
+                                      <a:ea typeface="Cambria Math" panose="02040503050406030204" pitchFamily="18" charset="0"/>
+                                    </a:rPr>
+                                    <m:t>𝛾</m:t>
+                                  </m:r>
+                                </m:e>
+                                <m:sub>
+                                  <m:r>
+                                    <a:rPr lang="fr-CA" sz="1600" i="1">
+                                      <a:latin typeface="Cambria Math" panose="02040503050406030204" pitchFamily="18" charset="0"/>
+                                      <a:ea typeface="Cambria Math" panose="02040503050406030204" pitchFamily="18" charset="0"/>
+                                    </a:rPr>
+                                    <m:t>𝑦</m:t>
+                                  </m:r>
+                                </m:sub>
+                                <m:sup>
+                                  <m:r>
+                                    <a:rPr lang="fr-CA" sz="1600" i="1">
+                                      <a:latin typeface="Cambria Math" panose="02040503050406030204" pitchFamily="18" charset="0"/>
+                                    </a:rPr>
+                                    <m:t>2</m:t>
+                                  </m:r>
+                                </m:sup>
+                              </m:sSubSup>
+                              <m:r>
+                                <a:rPr lang="fr-CA" sz="1600" i="1">
+                                  <a:latin typeface="Cambria Math" panose="02040503050406030204" pitchFamily="18" charset="0"/>
+                                  <a:ea typeface="Cambria Math" panose="02040503050406030204" pitchFamily="18" charset="0"/>
+                                </a:rPr>
+                                <m:t>∆</m:t>
+                              </m:r>
+                              <m:r>
+                                <a:rPr lang="fr-CA" sz="1600" i="1">
+                                  <a:latin typeface="Cambria Math" panose="02040503050406030204" pitchFamily="18" charset="0"/>
+                                  <a:ea typeface="Cambria Math" panose="02040503050406030204" pitchFamily="18" charset="0"/>
+                                </a:rPr>
+                                <m:t>𝑦</m:t>
+                              </m:r>
+                            </m:den>
+                          </m:f>
+                          <m:r>
+                            <a:rPr lang="fr-CA" sz="1600" i="1">
+                              <a:latin typeface="Cambria Math" panose="02040503050406030204" pitchFamily="18" charset="0"/>
+                            </a:rPr>
+                            <m:t>+</m:t>
+                          </m:r>
+                          <m:f>
+                            <m:fPr>
+                              <m:ctrlPr>
+                                <a:rPr lang="fr-CA" sz="1600" i="1">
+                                  <a:latin typeface="Cambria Math" panose="02040503050406030204" pitchFamily="18" charset="0"/>
+                                </a:rPr>
+                              </m:ctrlPr>
+                            </m:fPr>
+                            <m:num>
+                              <m:r>
+                                <a:rPr lang="fr-CA" sz="1600" i="1">
+                                  <a:latin typeface="Cambria Math" panose="02040503050406030204" pitchFamily="18" charset="0"/>
+                                </a:rPr>
+                                <m:t>1</m:t>
+                              </m:r>
+                            </m:num>
+                            <m:den>
+                              <m:sSubSup>
+                                <m:sSubSupPr>
+                                  <m:ctrlPr>
+                                    <a:rPr lang="fr-CA" sz="1600" i="1">
+                                      <a:latin typeface="Cambria Math" panose="02040503050406030204" pitchFamily="18" charset="0"/>
+                                    </a:rPr>
+                                  </m:ctrlPr>
+                                </m:sSubSupPr>
+                                <m:e>
+                                  <m:r>
+                                    <a:rPr lang="fr-CA" sz="1600" i="1">
+                                      <a:latin typeface="Cambria Math" panose="02040503050406030204" pitchFamily="18" charset="0"/>
+                                      <a:ea typeface="Cambria Math" panose="02040503050406030204" pitchFamily="18" charset="0"/>
+                                    </a:rPr>
+                                    <m:t>𝛾</m:t>
+                                  </m:r>
+                                </m:e>
+                                <m:sub>
+                                  <m:r>
+                                    <a:rPr lang="fr-CA" sz="1600" i="1">
+                                      <a:latin typeface="Cambria Math" panose="02040503050406030204" pitchFamily="18" charset="0"/>
+                                      <a:ea typeface="Cambria Math" panose="02040503050406030204" pitchFamily="18" charset="0"/>
+                                    </a:rPr>
+                                    <m:t>𝑦</m:t>
+                                  </m:r>
+                                </m:sub>
+                                <m:sup>
+                                  <m:r>
+                                    <a:rPr lang="fr-CA" sz="1600" i="1">
+                                      <a:latin typeface="Cambria Math" panose="02040503050406030204" pitchFamily="18" charset="0"/>
+                                    </a:rPr>
+                                    <m:t>2</m:t>
+                                  </m:r>
+                                </m:sup>
+                              </m:sSubSup>
+                              <m:sSup>
+                                <m:sSupPr>
+                                  <m:ctrlPr>
+                                    <a:rPr lang="fr-CA" sz="1600" i="1">
+                                      <a:latin typeface="Cambria Math" panose="02040503050406030204" pitchFamily="18" charset="0"/>
+                                      <a:ea typeface="Cambria Math" panose="02040503050406030204" pitchFamily="18" charset="0"/>
+                                    </a:rPr>
+                                  </m:ctrlPr>
+                                </m:sSupPr>
+                                <m:e>
+                                  <m:r>
+                                    <a:rPr lang="fr-CA" sz="1600" i="1">
+                                      <a:latin typeface="Cambria Math" panose="02040503050406030204" pitchFamily="18" charset="0"/>
+                                      <a:ea typeface="Cambria Math" panose="02040503050406030204" pitchFamily="18" charset="0"/>
+                                    </a:rPr>
+                                    <m:t>∆</m:t>
+                                  </m:r>
+                                  <m:r>
+                                    <a:rPr lang="fr-CA" sz="1600" i="1">
+                                      <a:latin typeface="Cambria Math" panose="02040503050406030204" pitchFamily="18" charset="0"/>
+                                      <a:ea typeface="Cambria Math" panose="02040503050406030204" pitchFamily="18" charset="0"/>
+                                    </a:rPr>
+                                    <m:t>𝑦</m:t>
+                                  </m:r>
+                                </m:e>
+                                <m:sup>
+                                  <m:r>
+                                    <a:rPr lang="fr-CA" sz="1600" i="1">
+                                      <a:latin typeface="Cambria Math" panose="02040503050406030204" pitchFamily="18" charset="0"/>
+                                      <a:ea typeface="Cambria Math" panose="02040503050406030204" pitchFamily="18" charset="0"/>
+                                    </a:rPr>
+                                    <m:t>2</m:t>
+                                  </m:r>
+                                </m:sup>
+                              </m:sSup>
+                            </m:den>
+                          </m:f>
+                        </m:e>
+                      </m:d>
+                      <m:sSub>
+                        <m:sSubPr>
+                          <m:ctrlPr>
+                            <a:rPr lang="fr-CA" sz="1600" i="1">
+                              <a:latin typeface="Cambria Math" panose="02040503050406030204" pitchFamily="18" charset="0"/>
+                            </a:rPr>
+                          </m:ctrlPr>
+                        </m:sSubPr>
+                        <m:e>
+                          <m:r>
+                            <a:rPr lang="fr-CA" sz="1600" i="1">
+                              <a:latin typeface="Cambria Math" panose="02040503050406030204" pitchFamily="18" charset="0"/>
+                            </a:rPr>
+                            <m:t>𝑝</m:t>
+                          </m:r>
+                        </m:e>
+                        <m:sub>
+                          <m:r>
+                            <a:rPr lang="fr-CA" sz="1600" i="1">
+                              <a:latin typeface="Cambria Math" panose="02040503050406030204" pitchFamily="18" charset="0"/>
+                            </a:rPr>
+                            <m:t>𝑖</m:t>
+                          </m:r>
+                          <m:r>
+                            <a:rPr lang="fr-CA" sz="1600" i="1">
+                              <a:latin typeface="Cambria Math" panose="02040503050406030204" pitchFamily="18" charset="0"/>
+                            </a:rPr>
+                            <m:t>,</m:t>
+                          </m:r>
+                          <m:r>
+                            <a:rPr lang="fr-CA" sz="1600" i="1">
+                              <a:latin typeface="Cambria Math" panose="02040503050406030204" pitchFamily="18" charset="0"/>
+                            </a:rPr>
+                            <m:t>𝑗</m:t>
+                          </m:r>
+                          <m:r>
+                            <a:rPr lang="fr-CA" sz="1600" b="0" i="1" smtClean="0">
+                              <a:latin typeface="Cambria Math" panose="02040503050406030204" pitchFamily="18" charset="0"/>
+                            </a:rPr>
+                            <m:t>+</m:t>
+                          </m:r>
+                          <m:r>
+                            <a:rPr lang="fr-CA" sz="1600" i="1">
+                              <a:latin typeface="Cambria Math" panose="02040503050406030204" pitchFamily="18" charset="0"/>
+                            </a:rPr>
+                            <m:t>1</m:t>
+                          </m:r>
+                        </m:sub>
+                      </m:sSub>
+                      <m:r>
+                        <a:rPr lang="fr-CA" sz="1600" b="0" i="1" smtClean="0">
+                          <a:latin typeface="Cambria Math" panose="02040503050406030204" pitchFamily="18" charset="0"/>
+                        </a:rPr>
+                        <m:t>=0</m:t>
+                      </m:r>
+                      <m:r>
+                        <a:rPr lang="fr-CA" sz="1600" b="0" i="0" smtClean="0">
+                          <a:latin typeface="Cambria Math" panose="02040503050406030204" pitchFamily="18" charset="0"/>
+                        </a:rPr>
+                        <m:t> </m:t>
+                      </m:r>
+                    </m:oMath>
+                  </a14:m>
+                  <a:r>
+                    <a:rPr lang="fr-CA" sz="1600" dirty="0"/>
+                    <a:t> </a:t>
+                  </a:r>
+                </a:p>
+              </p:txBody>
+            </p:sp>
+          </mc:Choice>
+          <mc:Fallback>
+            <p:sp>
+              <p:nvSpPr>
+                <p:cNvPr id="7" name="ZoneTexte 6">
+                  <a:extLst>
+                    <a:ext uri="{FF2B5EF4-FFF2-40B4-BE49-F238E27FC236}">
+                      <a16:creationId xmlns:a16="http://schemas.microsoft.com/office/drawing/2014/main" id="{7005CEB2-9801-438B-98FC-BCD9B914EF39}"/>
+                    </a:ext>
+                  </a:extLst>
+                </p:cNvPr>
+                <p:cNvSpPr txBox="1">
+                  <a:spLocks noRot="1" noChangeAspect="1" noMove="1" noResize="1" noEditPoints="1" noAdjustHandles="1" noChangeArrowheads="1" noChangeShapeType="1" noTextEdit="1"/>
+                </p:cNvSpPr>
+                <p:nvPr/>
+              </p:nvSpPr>
+              <p:spPr>
+                <a:xfrm>
+                  <a:off x="-1817538" y="3547482"/>
+                  <a:ext cx="7791877" cy="1310936"/>
+                </a:xfrm>
+                <a:prstGeom prst="rect">
+                  <a:avLst/>
+                </a:prstGeom>
+                <a:blipFill>
+                  <a:blip r:embed="rId2"/>
+                  <a:stretch>
+                    <a:fillRect b="-2791"/>
+                  </a:stretch>
+                </a:blipFill>
+              </p:spPr>
+              <p:txBody>
+                <a:bodyPr/>
+                <a:lstStyle/>
+                <a:p>
+                  <a:r>
+                    <a:rPr lang="fr-CA">
+                      <a:noFill/>
+                    </a:rPr>
+                    <a:t> </a:t>
+                  </a:r>
+                </a:p>
+              </p:txBody>
+            </p:sp>
+          </mc:Fallback>
+        </mc:AlternateContent>
+        <p:sp>
+          <p:nvSpPr>
+            <p:cNvPr id="12" name="ZoneTexte 11">
+              <a:extLst>
+                <a:ext uri="{FF2B5EF4-FFF2-40B4-BE49-F238E27FC236}">
+                  <a16:creationId xmlns:a16="http://schemas.microsoft.com/office/drawing/2014/main" id="{BEC7DABA-06BC-43B9-83B7-F70848751634}"/>
+                </a:ext>
+              </a:extLst>
+            </p:cNvPr>
+            <p:cNvSpPr txBox="1"/>
+            <p:nvPr/>
+          </p:nvSpPr>
+          <p:spPr>
+            <a:xfrm>
+              <a:off x="5974339" y="4138505"/>
+              <a:ext cx="633507" cy="369332"/>
+            </a:xfrm>
+            <a:prstGeom prst="rect">
+              <a:avLst/>
+            </a:prstGeom>
+            <a:noFill/>
+          </p:spPr>
+          <p:txBody>
+            <a:bodyPr wrap="none" rtlCol="0">
+              <a:spAutoFit/>
+            </a:bodyPr>
+            <a:lstStyle/>
+            <a:p>
+              <a:r>
+                <a:rPr lang="fr-CA" dirty="0">
+                  <a:latin typeface="Cambria Math" panose="02040503050406030204" pitchFamily="18" charset="0"/>
+                  <a:ea typeface="Cambria Math" panose="02040503050406030204" pitchFamily="18" charset="0"/>
+                </a:rPr>
+                <a:t>(20)</a:t>
+              </a:r>
+            </a:p>
+          </p:txBody>
+        </p:sp>
+      </p:grpSp>
+      <p:sp>
+        <p:nvSpPr>
+          <p:cNvPr id="14" name="Titre 1">
+            <a:extLst>
+              <a:ext uri="{FF2B5EF4-FFF2-40B4-BE49-F238E27FC236}">
+                <a16:creationId xmlns:a16="http://schemas.microsoft.com/office/drawing/2014/main" id="{6477EBCE-95BC-403D-ABB2-986C07EBD112}"/>
+              </a:ext>
+            </a:extLst>
+          </p:cNvPr>
+          <p:cNvSpPr txBox="1">
+            <a:spLocks/>
+          </p:cNvSpPr>
+          <p:nvPr/>
+        </p:nvSpPr>
+        <p:spPr>
+          <a:xfrm>
+            <a:off x="455643" y="1391464"/>
+            <a:ext cx="3428460" cy="411372"/>
+          </a:xfrm>
+          <a:prstGeom prst="rect">
+            <a:avLst/>
+          </a:prstGeom>
+        </p:spPr>
+        <p:txBody>
+          <a:bodyPr/>
+          <a:lstStyle>
+            <a:lvl1pPr algn="l" defTabSz="457200" rtl="0" eaLnBrk="1" latinLnBrk="0" hangingPunct="1">
+              <a:spcBef>
+                <a:spcPct val="0"/>
+              </a:spcBef>
+              <a:buNone/>
+              <a:defRPr sz="3600" kern="1200">
+                <a:solidFill>
+                  <a:schemeClr val="accent1"/>
+                </a:solidFill>
+                <a:latin typeface="+mj-lt"/>
+                <a:ea typeface="+mj-ea"/>
+                <a:cs typeface="+mj-cs"/>
+              </a:defRPr>
+            </a:lvl1pPr>
+            <a:lvl2pPr eaLnBrk="1" hangingPunct="1">
+              <a:defRPr>
+                <a:solidFill>
+                  <a:schemeClr val="tx2"/>
+                </a:solidFill>
+              </a:defRPr>
+            </a:lvl2pPr>
+            <a:lvl3pPr eaLnBrk="1" hangingPunct="1">
+              <a:defRPr>
+                <a:solidFill>
+                  <a:schemeClr val="tx2"/>
+                </a:solidFill>
+              </a:defRPr>
+            </a:lvl3pPr>
+            <a:lvl4pPr eaLnBrk="1" hangingPunct="1">
+              <a:defRPr>
+                <a:solidFill>
+                  <a:schemeClr val="tx2"/>
+                </a:solidFill>
+              </a:defRPr>
+            </a:lvl4pPr>
+            <a:lvl5pPr eaLnBrk="1" hangingPunct="1">
+              <a:defRPr>
+                <a:solidFill>
+                  <a:schemeClr val="tx2"/>
+                </a:solidFill>
+              </a:defRPr>
+            </a:lvl5pPr>
+            <a:lvl6pPr eaLnBrk="1" hangingPunct="1">
+              <a:defRPr>
+                <a:solidFill>
+                  <a:schemeClr val="tx2"/>
+                </a:solidFill>
+              </a:defRPr>
+            </a:lvl6pPr>
+            <a:lvl7pPr eaLnBrk="1" hangingPunct="1">
+              <a:defRPr>
+                <a:solidFill>
+                  <a:schemeClr val="tx2"/>
+                </a:solidFill>
+              </a:defRPr>
+            </a:lvl7pPr>
+            <a:lvl8pPr eaLnBrk="1" hangingPunct="1">
+              <a:defRPr>
+                <a:solidFill>
+                  <a:schemeClr val="tx2"/>
+                </a:solidFill>
+              </a:defRPr>
+            </a:lvl8pPr>
+            <a:lvl9pPr eaLnBrk="1" hangingPunct="1">
+              <a:defRPr>
+                <a:solidFill>
+                  <a:schemeClr val="tx2"/>
+                </a:solidFill>
+              </a:defRPr>
+            </a:lvl9pPr>
+          </a:lstStyle>
+          <a:p>
+            <a:r>
+              <a:rPr lang="fr-CA" sz="2400" dirty="0">
+                <a:solidFill>
+                  <a:srgbClr val="286D9F"/>
+                </a:solidFill>
+              </a:rPr>
+              <a:t>Équations à discréditer</a:t>
+            </a:r>
+          </a:p>
+        </p:txBody>
+      </p:sp>
+      <p:sp>
+        <p:nvSpPr>
+          <p:cNvPr id="16" name="ZoneTexte 15">
+            <a:extLst>
+              <a:ext uri="{FF2B5EF4-FFF2-40B4-BE49-F238E27FC236}">
+                <a16:creationId xmlns:a16="http://schemas.microsoft.com/office/drawing/2014/main" id="{EE57C928-C4AC-4DB6-B0FB-EFF891E19F15}"/>
+              </a:ext>
+            </a:extLst>
+          </p:cNvPr>
+          <p:cNvSpPr txBox="1"/>
+          <p:nvPr/>
+        </p:nvSpPr>
+        <p:spPr>
+          <a:xfrm>
+            <a:off x="5683541" y="2747394"/>
+            <a:ext cx="65" cy="276999"/>
+          </a:xfrm>
+          <a:prstGeom prst="rect">
+            <a:avLst/>
+          </a:prstGeom>
+          <a:noFill/>
+        </p:spPr>
+        <p:txBody>
+          <a:bodyPr wrap="none" lIns="0" tIns="0" rIns="0" bIns="0" rtlCol="0">
+            <a:spAutoFit/>
+          </a:bodyPr>
+          <a:lstStyle/>
+          <a:p>
+            <a:endParaRPr lang="fr-CA" dirty="0"/>
+          </a:p>
+        </p:txBody>
+      </p:sp>
+      <mc:AlternateContent xmlns:mc="http://schemas.openxmlformats.org/markup-compatibility/2006">
+        <mc:Choice xmlns:a14="http://schemas.microsoft.com/office/drawing/2010/main" Requires="a14">
+          <p:sp>
+            <p:nvSpPr>
+              <p:cNvPr id="8" name="ZoneTexte 7">
+                <a:extLst>
+                  <a:ext uri="{FF2B5EF4-FFF2-40B4-BE49-F238E27FC236}">
+                    <a16:creationId xmlns:a16="http://schemas.microsoft.com/office/drawing/2014/main" id="{A87C9A70-21C3-40FB-91D9-7F46DAC8F22F}"/>
+                  </a:ext>
+                </a:extLst>
+              </p:cNvPr>
+              <p:cNvSpPr txBox="1"/>
+              <p:nvPr/>
+            </p:nvSpPr>
+            <p:spPr>
+              <a:xfrm>
+                <a:off x="455642" y="3599619"/>
+                <a:ext cx="6476301" cy="533544"/>
+              </a:xfrm>
+              <a:prstGeom prst="rect">
+                <a:avLst/>
+              </a:prstGeom>
+              <a:noFill/>
+            </p:spPr>
+            <p:txBody>
+              <a:bodyPr wrap="square" rtlCol="0">
+                <a:spAutoFit/>
+              </a:bodyPr>
+              <a:lstStyle/>
+              <a:p>
+                <a:r>
+                  <a:rPr lang="fr-CA" dirty="0"/>
+                  <a:t>où </a:t>
+                </a:r>
+                <a14:m>
+                  <m:oMath xmlns:m="http://schemas.openxmlformats.org/officeDocument/2006/math">
+                    <m:sSub>
+                      <m:sSubPr>
+                        <m:ctrlPr>
+                          <a:rPr lang="fr-CA" i="1" smtClean="0">
+                            <a:latin typeface="Cambria Math" panose="02040503050406030204" pitchFamily="18" charset="0"/>
+                          </a:rPr>
+                        </m:ctrlPr>
+                      </m:sSubPr>
+                      <m:e>
+                        <m:r>
+                          <a:rPr lang="fr-CA" i="1" smtClean="0">
+                            <a:latin typeface="Cambria Math" panose="02040503050406030204" pitchFamily="18" charset="0"/>
+                            <a:ea typeface="Cambria Math" panose="02040503050406030204" pitchFamily="18" charset="0"/>
+                          </a:rPr>
+                          <m:t>𝛽</m:t>
+                        </m:r>
+                      </m:e>
+                      <m:sub>
+                        <m:r>
+                          <a:rPr lang="fr-CA" i="1" smtClean="0">
+                            <a:latin typeface="Cambria Math" panose="02040503050406030204" pitchFamily="18" charset="0"/>
+                            <a:ea typeface="Cambria Math" panose="02040503050406030204" pitchFamily="18" charset="0"/>
+                          </a:rPr>
+                          <m:t>𝜀</m:t>
+                        </m:r>
+                      </m:sub>
+                    </m:sSub>
+                    <m:r>
+                      <a:rPr lang="fr-CA" b="0" i="1" smtClean="0">
+                        <a:latin typeface="Cambria Math" panose="02040503050406030204" pitchFamily="18" charset="0"/>
+                      </a:rPr>
+                      <m:t>=</m:t>
+                    </m:r>
+                    <m:f>
+                      <m:fPr>
+                        <m:ctrlPr>
+                          <a:rPr lang="fr-CA" b="0" i="1" smtClean="0">
+                            <a:latin typeface="Cambria Math" panose="02040503050406030204" pitchFamily="18" charset="0"/>
+                          </a:rPr>
+                        </m:ctrlPr>
+                      </m:fPr>
+                      <m:num>
+                        <m:r>
+                          <a:rPr lang="fr-CA" b="0" i="1" smtClean="0">
+                            <a:latin typeface="Cambria Math" panose="02040503050406030204" pitchFamily="18" charset="0"/>
+                          </a:rPr>
+                          <m:t>𝑖</m:t>
+                        </m:r>
+                        <m:r>
+                          <a:rPr lang="fr-CA" b="0" i="1" smtClean="0">
+                            <a:latin typeface="Cambria Math" panose="02040503050406030204" pitchFamily="18" charset="0"/>
+                          </a:rPr>
+                          <m:t>(</m:t>
+                        </m:r>
+                        <m:sSub>
+                          <m:sSubPr>
+                            <m:ctrlPr>
+                              <a:rPr lang="fr-CA" b="0" i="1" smtClean="0">
+                                <a:latin typeface="Cambria Math" panose="02040503050406030204" pitchFamily="18" charset="0"/>
+                              </a:rPr>
+                            </m:ctrlPr>
+                          </m:sSubPr>
+                          <m:e>
+                            <m:r>
+                              <a:rPr lang="fr-CA" b="0" i="1" smtClean="0">
+                                <a:latin typeface="Cambria Math" panose="02040503050406030204" pitchFamily="18" charset="0"/>
+                                <a:ea typeface="Cambria Math" panose="02040503050406030204" pitchFamily="18" charset="0"/>
+                              </a:rPr>
+                              <m:t>𝜀</m:t>
+                            </m:r>
+                          </m:e>
+                          <m:sub>
+                            <m:r>
+                              <a:rPr lang="fr-CA" b="0" i="1" smtClean="0">
+                                <a:latin typeface="Cambria Math" panose="02040503050406030204" pitchFamily="18" charset="0"/>
+                              </a:rPr>
+                              <m:t>0</m:t>
+                            </m:r>
+                          </m:sub>
+                        </m:sSub>
+                        <m:r>
+                          <a:rPr lang="fr-CA" b="0" i="1" smtClean="0">
+                            <a:latin typeface="Cambria Math" panose="02040503050406030204" pitchFamily="18" charset="0"/>
+                          </a:rPr>
+                          <m:t>−</m:t>
+                        </m:r>
+                        <m:r>
+                          <a:rPr lang="fr-CA" b="0" i="1" smtClean="0">
+                            <a:latin typeface="Cambria Math" panose="02040503050406030204" pitchFamily="18" charset="0"/>
+                            <a:ea typeface="Cambria Math" panose="02040503050406030204" pitchFamily="18" charset="0"/>
+                          </a:rPr>
+                          <m:t>𝜀</m:t>
+                        </m:r>
+                        <m:r>
+                          <a:rPr lang="fr-CA" b="0" i="1" smtClean="0">
+                            <a:latin typeface="Cambria Math" panose="02040503050406030204" pitchFamily="18" charset="0"/>
+                            <a:ea typeface="Cambria Math" panose="02040503050406030204" pitchFamily="18" charset="0"/>
+                          </a:rPr>
+                          <m:t>)</m:t>
+                        </m:r>
+                      </m:num>
+                      <m:den>
+                        <m:sSup>
+                          <m:sSupPr>
+                            <m:ctrlPr>
+                              <a:rPr lang="fr-CA" b="0" i="1" smtClean="0">
+                                <a:latin typeface="Cambria Math" panose="02040503050406030204" pitchFamily="18" charset="0"/>
+                              </a:rPr>
+                            </m:ctrlPr>
+                          </m:sSupPr>
+                          <m:e>
+                            <m:d>
+                              <m:dPr>
+                                <m:begChr m:val="|"/>
+                                <m:endChr m:val="|"/>
+                                <m:ctrlPr>
+                                  <a:rPr lang="fr-CA" i="1">
+                                    <a:latin typeface="Cambria Math" panose="02040503050406030204" pitchFamily="18" charset="0"/>
+                                  </a:rPr>
+                                </m:ctrlPr>
+                              </m:dPr>
+                              <m:e>
+                                <m:sSub>
+                                  <m:sSubPr>
+                                    <m:ctrlPr>
+                                      <a:rPr lang="fr-CA" i="1">
+                                        <a:latin typeface="Cambria Math" panose="02040503050406030204" pitchFamily="18" charset="0"/>
+                                      </a:rPr>
+                                    </m:ctrlPr>
+                                  </m:sSubPr>
+                                  <m:e>
+                                    <m:r>
+                                      <a:rPr lang="fr-CA" i="1">
+                                        <a:latin typeface="Cambria Math" panose="02040503050406030204" pitchFamily="18" charset="0"/>
+                                        <a:ea typeface="Cambria Math" panose="02040503050406030204" pitchFamily="18" charset="0"/>
+                                      </a:rPr>
+                                      <m:t>𝜀</m:t>
+                                    </m:r>
+                                  </m:e>
+                                  <m:sub>
+                                    <m:r>
+                                      <a:rPr lang="fr-CA" i="1">
+                                        <a:latin typeface="Cambria Math" panose="02040503050406030204" pitchFamily="18" charset="0"/>
+                                      </a:rPr>
+                                      <m:t>0</m:t>
+                                    </m:r>
+                                  </m:sub>
+                                </m:sSub>
+                                <m:r>
+                                  <a:rPr lang="fr-CA" i="1">
+                                    <a:latin typeface="Cambria Math" panose="02040503050406030204" pitchFamily="18" charset="0"/>
+                                  </a:rPr>
+                                  <m:t>−</m:t>
+                                </m:r>
+                                <m:r>
+                                  <a:rPr lang="fr-CA" i="1">
+                                    <a:latin typeface="Cambria Math" panose="02040503050406030204" pitchFamily="18" charset="0"/>
+                                    <a:ea typeface="Cambria Math" panose="02040503050406030204" pitchFamily="18" charset="0"/>
+                                  </a:rPr>
+                                  <m:t>𝜀</m:t>
+                                </m:r>
+                              </m:e>
+                            </m:d>
+                          </m:e>
+                          <m:sup>
+                            <m:r>
+                              <a:rPr lang="fr-CA" b="0" i="1" smtClean="0">
+                                <a:latin typeface="Cambria Math" panose="02040503050406030204" pitchFamily="18" charset="0"/>
+                              </a:rPr>
+                              <m:t>2</m:t>
+                            </m:r>
+                          </m:sup>
+                        </m:sSup>
+                        <m:sSup>
+                          <m:sSupPr>
+                            <m:ctrlPr>
+                              <a:rPr lang="fr-CA" b="0" i="1" smtClean="0">
+                                <a:latin typeface="Cambria Math" panose="02040503050406030204" pitchFamily="18" charset="0"/>
+                              </a:rPr>
+                            </m:ctrlPr>
+                          </m:sSupPr>
+                          <m:e>
+                            <m:r>
+                              <a:rPr lang="fr-CA" b="0" i="1" smtClean="0">
+                                <a:latin typeface="Cambria Math" panose="02040503050406030204" pitchFamily="18" charset="0"/>
+                              </a:rPr>
+                              <m:t>(</m:t>
+                            </m:r>
+                            <m:r>
+                              <a:rPr lang="fr-CA" b="0" i="1" smtClean="0">
+                                <a:latin typeface="Cambria Math" panose="02040503050406030204" pitchFamily="18" charset="0"/>
+                              </a:rPr>
+                              <m:t>𝑘</m:t>
+                            </m:r>
+                            <m:d>
+                              <m:dPr>
+                                <m:begChr m:val="|"/>
+                                <m:endChr m:val="|"/>
+                                <m:ctrlPr>
+                                  <a:rPr lang="fr-CA" i="1">
+                                    <a:latin typeface="Cambria Math" panose="02040503050406030204" pitchFamily="18" charset="0"/>
+                                  </a:rPr>
+                                </m:ctrlPr>
+                              </m:dPr>
+                              <m:e>
+                                <m:sSub>
+                                  <m:sSubPr>
+                                    <m:ctrlPr>
+                                      <a:rPr lang="fr-CA" i="1">
+                                        <a:latin typeface="Cambria Math" panose="02040503050406030204" pitchFamily="18" charset="0"/>
+                                      </a:rPr>
+                                    </m:ctrlPr>
+                                  </m:sSubPr>
+                                  <m:e>
+                                    <m:r>
+                                      <a:rPr lang="fr-CA" i="1">
+                                        <a:latin typeface="Cambria Math" panose="02040503050406030204" pitchFamily="18" charset="0"/>
+                                        <a:ea typeface="Cambria Math" panose="02040503050406030204" pitchFamily="18" charset="0"/>
+                                      </a:rPr>
+                                      <m:t>𝜀</m:t>
+                                    </m:r>
+                                  </m:e>
+                                  <m:sub>
+                                    <m:r>
+                                      <a:rPr lang="fr-CA" i="1">
+                                        <a:latin typeface="Cambria Math" panose="02040503050406030204" pitchFamily="18" charset="0"/>
+                                      </a:rPr>
+                                      <m:t>0</m:t>
+                                    </m:r>
+                                  </m:sub>
+                                </m:sSub>
+                                <m:r>
+                                  <a:rPr lang="fr-CA" i="1">
+                                    <a:latin typeface="Cambria Math" panose="02040503050406030204" pitchFamily="18" charset="0"/>
+                                  </a:rPr>
+                                  <m:t>−</m:t>
+                                </m:r>
+                                <m:r>
+                                  <a:rPr lang="fr-CA" i="1">
+                                    <a:latin typeface="Cambria Math" panose="02040503050406030204" pitchFamily="18" charset="0"/>
+                                    <a:ea typeface="Cambria Math" panose="02040503050406030204" pitchFamily="18" charset="0"/>
+                                  </a:rPr>
+                                  <m:t>𝜀</m:t>
+                                </m:r>
+                              </m:e>
+                            </m:d>
+                            <m:r>
+                              <a:rPr lang="fr-CA" b="0" i="1" smtClean="0">
+                                <a:latin typeface="Cambria Math" panose="02040503050406030204" pitchFamily="18" charset="0"/>
+                                <a:ea typeface="Cambria Math" panose="02040503050406030204" pitchFamily="18" charset="0"/>
+                              </a:rPr>
+                              <m:t>+</m:t>
+                            </m:r>
+                            <m:r>
+                              <a:rPr lang="fr-CA" b="0" i="1" smtClean="0">
+                                <a:latin typeface="Cambria Math" panose="02040503050406030204" pitchFamily="18" charset="0"/>
+                                <a:ea typeface="Cambria Math" panose="02040503050406030204" pitchFamily="18" charset="0"/>
+                              </a:rPr>
+                              <m:t>𝑖</m:t>
+                            </m:r>
+                            <m:r>
+                              <a:rPr lang="fr-CA" b="0" i="1" smtClean="0">
+                                <a:latin typeface="Cambria Math" panose="02040503050406030204" pitchFamily="18" charset="0"/>
+                              </a:rPr>
+                              <m:t>)</m:t>
+                            </m:r>
+                          </m:e>
+                          <m:sup>
+                            <m:r>
+                              <a:rPr lang="fr-CA" b="0" i="1" smtClean="0">
+                                <a:latin typeface="Cambria Math" panose="02040503050406030204" pitchFamily="18" charset="0"/>
+                              </a:rPr>
+                              <m:t>2</m:t>
+                            </m:r>
+                          </m:sup>
+                        </m:sSup>
+                      </m:den>
+                    </m:f>
+                  </m:oMath>
+                </a14:m>
+                <a:r>
+                  <a:rPr lang="fr-CA" dirty="0"/>
+                  <a:t> pour </a:t>
+                </a:r>
+                <a14:m>
+                  <m:oMath xmlns:m="http://schemas.openxmlformats.org/officeDocument/2006/math">
+                    <m:r>
+                      <a:rPr lang="fr-CA" i="1" smtClean="0">
+                        <a:latin typeface="Cambria Math" panose="02040503050406030204" pitchFamily="18" charset="0"/>
+                        <a:ea typeface="Cambria Math" panose="02040503050406030204" pitchFamily="18" charset="0"/>
+                      </a:rPr>
+                      <m:t>𝜀</m:t>
+                    </m:r>
+                    <m:r>
+                      <a:rPr lang="fr-CA" b="0" i="1" smtClean="0">
+                        <a:latin typeface="Cambria Math" panose="02040503050406030204" pitchFamily="18" charset="0"/>
+                        <a:ea typeface="Cambria Math" panose="02040503050406030204" pitchFamily="18" charset="0"/>
+                      </a:rPr>
+                      <m:t>=</m:t>
+                    </m:r>
+                    <m:r>
+                      <a:rPr lang="fr-CA" b="0" i="1" smtClean="0">
+                        <a:latin typeface="Cambria Math" panose="02040503050406030204" pitchFamily="18" charset="0"/>
+                        <a:ea typeface="Cambria Math" panose="02040503050406030204" pitchFamily="18" charset="0"/>
+                      </a:rPr>
+                      <m:t>𝑥</m:t>
+                    </m:r>
+                    <m:r>
+                      <a:rPr lang="fr-CA" b="0" i="1" smtClean="0">
+                        <a:latin typeface="Cambria Math" panose="02040503050406030204" pitchFamily="18" charset="0"/>
+                        <a:ea typeface="Cambria Math" panose="02040503050406030204" pitchFamily="18" charset="0"/>
+                      </a:rPr>
+                      <m:t>,</m:t>
+                    </m:r>
+                    <m:r>
+                      <a:rPr lang="fr-CA" b="0" i="1" smtClean="0">
+                        <a:latin typeface="Cambria Math" panose="02040503050406030204" pitchFamily="18" charset="0"/>
+                        <a:ea typeface="Cambria Math" panose="02040503050406030204" pitchFamily="18" charset="0"/>
+                      </a:rPr>
+                      <m:t>𝑦</m:t>
+                    </m:r>
+                  </m:oMath>
+                </a14:m>
+                <a:r>
+                  <a:rPr lang="fr-CA" dirty="0"/>
+                  <a:t> pour alléger l’écriture</a:t>
+                </a:r>
+              </a:p>
+            </p:txBody>
+          </p:sp>
+        </mc:Choice>
+        <mc:Fallback>
+          <p:sp>
+            <p:nvSpPr>
+              <p:cNvPr id="8" name="ZoneTexte 7">
+                <a:extLst>
+                  <a:ext uri="{FF2B5EF4-FFF2-40B4-BE49-F238E27FC236}">
+                    <a16:creationId xmlns:a16="http://schemas.microsoft.com/office/drawing/2014/main" id="{A87C9A70-21C3-40FB-91D9-7F46DAC8F22F}"/>
+                  </a:ext>
+                </a:extLst>
+              </p:cNvPr>
+              <p:cNvSpPr txBox="1">
+                <a:spLocks noRot="1" noChangeAspect="1" noMove="1" noResize="1" noEditPoints="1" noAdjustHandles="1" noChangeArrowheads="1" noChangeShapeType="1" noTextEdit="1"/>
+              </p:cNvSpPr>
+              <p:nvPr/>
+            </p:nvSpPr>
+            <p:spPr>
+              <a:xfrm>
+                <a:off x="455642" y="3599619"/>
+                <a:ext cx="6476301" cy="533544"/>
+              </a:xfrm>
+              <a:prstGeom prst="rect">
+                <a:avLst/>
+              </a:prstGeom>
+              <a:blipFill>
+                <a:blip r:embed="rId3"/>
+                <a:stretch>
+                  <a:fillRect l="-847" b="-5682"/>
+                </a:stretch>
+              </a:blipFill>
+            </p:spPr>
+            <p:txBody>
+              <a:bodyPr/>
+              <a:lstStyle/>
+              <a:p>
+                <a:r>
+                  <a:rPr lang="fr-CA">
+                    <a:noFill/>
+                  </a:rPr>
+                  <a:t> </a:t>
+                </a:r>
+              </a:p>
+            </p:txBody>
+          </p:sp>
+        </mc:Fallback>
+      </mc:AlternateContent>
     </p:spTree>
     <p:extLst>
       <p:ext uri="{BB962C8B-B14F-4D97-AF65-F5344CB8AC3E}">
-        <p14:creationId xmlns:p14="http://schemas.microsoft.com/office/powerpoint/2010/main" val="3922770649"/>
+        <p14:creationId xmlns:p14="http://schemas.microsoft.com/office/powerpoint/2010/main" val="2925103892"/>
       </p:ext>
     </p:extLst>
   </p:cSld>
@@ -6898,50 +14013,45 @@
                   <a:srgbClr val="286D9F"/>
                 </a:solidFill>
               </a:rPr>
-              <a:t>Défis surmontés</a:t>
+              <a:t>Formulation champ total/ champ diffus</a:t>
             </a:r>
           </a:p>
         </p:txBody>
       </p:sp>
-      <p:sp>
-        <p:nvSpPr>
-          <p:cNvPr id="3" name="Rectangle 2">
+      <p:pic>
+        <p:nvPicPr>
+          <p:cNvPr id="4" name="Picture 3">
             <a:extLst>
               <a:ext uri="{FF2B5EF4-FFF2-40B4-BE49-F238E27FC236}">
-                <a16:creationId xmlns:a16="http://schemas.microsoft.com/office/drawing/2014/main" id="{BA0A46BD-0FD2-481A-AB72-F6E2A27E0618}"/>
+                <a16:creationId xmlns:a16="http://schemas.microsoft.com/office/drawing/2014/main" id="{DDC48D94-9EA7-4219-9F76-82E9ECE3F114}"/>
               </a:ext>
             </a:extLst>
           </p:cNvPr>
-          <p:cNvSpPr/>
+          <p:cNvPicPr>
+            <a:picLocks noChangeAspect="1"/>
+          </p:cNvPicPr>
           <p:nvPr/>
-        </p:nvSpPr>
+        </p:nvPicPr>
+        <p:blipFill>
+          <a:blip r:embed="rId2"/>
+          <a:stretch>
+            <a:fillRect/>
+          </a:stretch>
+        </p:blipFill>
         <p:spPr>
           <a:xfrm>
-            <a:off x="2276213" y="2908612"/>
-            <a:ext cx="6096000" cy="646331"/>
+            <a:off x="714375" y="1322070"/>
+            <a:ext cx="7804785" cy="2647237"/>
           </a:xfrm>
           <a:prstGeom prst="rect">
             <a:avLst/>
           </a:prstGeom>
         </p:spPr>
-        <p:txBody>
-          <a:bodyPr>
-            <a:spAutoFit/>
-          </a:bodyPr>
-          <a:lstStyle/>
-          <a:p>
-            <a:r>
-              <a:rPr lang="fr-FR" dirty="0"/>
-              <a:t>Défis d’implémentation de l’algorithme et solutions utilisées pour surmonter ces défis</a:t>
-            </a:r>
-            <a:endParaRPr lang="fr-CA" dirty="0"/>
-          </a:p>
-        </p:txBody>
-      </p:sp>
+      </p:pic>
     </p:spTree>
     <p:extLst>
       <p:ext uri="{BB962C8B-B14F-4D97-AF65-F5344CB8AC3E}">
-        <p14:creationId xmlns:p14="http://schemas.microsoft.com/office/powerpoint/2010/main" val="2366093840"/>
+        <p14:creationId xmlns:p14="http://schemas.microsoft.com/office/powerpoint/2010/main" val="439228046"/>
       </p:ext>
     </p:extLst>
   </p:cSld>
@@ -7072,7 +14182,7 @@
                   <a:srgbClr val="286D9F"/>
                 </a:solidFill>
               </a:rPr>
-              <a:t>Utilisation de la mémoire</a:t>
+              <a:t>Paramètres de simulation</a:t>
             </a:r>
           </a:p>
         </p:txBody>
@@ -7106,7 +14216,7 @@
           <a:p>
             <a:r>
               <a:rPr lang="fr-FR" dirty="0"/>
-              <a:t>Comportement et limites de votre code en temps et en mémoire</a:t>
+              <a:t>Paramètres de l’algorithme (ex : pas de discrétisation, critère de convergence, etc.)</a:t>
             </a:r>
             <a:endParaRPr lang="fr-CA" dirty="0"/>
           </a:p>
@@ -7115,7 +14225,7 @@
     </p:spTree>
     <p:extLst>
       <p:ext uri="{BB962C8B-B14F-4D97-AF65-F5344CB8AC3E}">
-        <p14:creationId xmlns:p14="http://schemas.microsoft.com/office/powerpoint/2010/main" val="69171058"/>
+        <p14:creationId xmlns:p14="http://schemas.microsoft.com/office/powerpoint/2010/main" val="3922770649"/>
       </p:ext>
     </p:extLst>
   </p:cSld>
@@ -7246,6 +14356,354 @@
                   <a:srgbClr val="286D9F"/>
                 </a:solidFill>
               </a:rPr>
+              <a:t>Défis surmontés</a:t>
+            </a:r>
+          </a:p>
+        </p:txBody>
+      </p:sp>
+      <p:sp>
+        <p:nvSpPr>
+          <p:cNvPr id="3" name="Rectangle 2">
+            <a:extLst>
+              <a:ext uri="{FF2B5EF4-FFF2-40B4-BE49-F238E27FC236}">
+                <a16:creationId xmlns:a16="http://schemas.microsoft.com/office/drawing/2014/main" id="{BA0A46BD-0FD2-481A-AB72-F6E2A27E0618}"/>
+              </a:ext>
+            </a:extLst>
+          </p:cNvPr>
+          <p:cNvSpPr/>
+          <p:nvPr/>
+        </p:nvSpPr>
+        <p:spPr>
+          <a:xfrm>
+            <a:off x="2276213" y="2908612"/>
+            <a:ext cx="6096000" cy="646331"/>
+          </a:xfrm>
+          <a:prstGeom prst="rect">
+            <a:avLst/>
+          </a:prstGeom>
+        </p:spPr>
+        <p:txBody>
+          <a:bodyPr>
+            <a:spAutoFit/>
+          </a:bodyPr>
+          <a:lstStyle/>
+          <a:p>
+            <a:r>
+              <a:rPr lang="fr-FR" dirty="0"/>
+              <a:t>Défis d’implémentation de l’algorithme et solutions utilisées pour surmonter ces défis</a:t>
+            </a:r>
+            <a:endParaRPr lang="fr-CA" dirty="0"/>
+          </a:p>
+        </p:txBody>
+      </p:sp>
+    </p:spTree>
+    <p:extLst>
+      <p:ext uri="{BB962C8B-B14F-4D97-AF65-F5344CB8AC3E}">
+        <p14:creationId xmlns:p14="http://schemas.microsoft.com/office/powerpoint/2010/main" val="2366093840"/>
+      </p:ext>
+    </p:extLst>
+  </p:cSld>
+  <p:clrMapOvr>
+    <a:masterClrMapping/>
+  </p:clrMapOvr>
+</p:sld>
+</file>
+
+<file path=ppt/slides/slide16.xml><?xml version="1.0" encoding="utf-8"?>
+<p:sld xmlns:a="http://schemas.openxmlformats.org/drawingml/2006/main" xmlns:r="http://schemas.openxmlformats.org/officeDocument/2006/relationships" xmlns:p="http://schemas.openxmlformats.org/presentationml/2006/main">
+  <p:cSld>
+    <p:spTree>
+      <p:nvGrpSpPr>
+        <p:cNvPr id="1" name=""/>
+        <p:cNvGrpSpPr/>
+        <p:nvPr/>
+      </p:nvGrpSpPr>
+      <p:grpSpPr>
+        <a:xfrm>
+          <a:off x="0" y="0"/>
+          <a:ext cx="0" cy="0"/>
+          <a:chOff x="0" y="0"/>
+          <a:chExt cx="0" cy="0"/>
+        </a:xfrm>
+      </p:grpSpPr>
+      <p:sp>
+        <p:nvSpPr>
+          <p:cNvPr id="2" name="Titre 1">
+            <a:extLst>
+              <a:ext uri="{FF2B5EF4-FFF2-40B4-BE49-F238E27FC236}">
+                <a16:creationId xmlns:a16="http://schemas.microsoft.com/office/drawing/2014/main" id="{03EE799C-7398-441E-956D-60778EB6ADFB}"/>
+              </a:ext>
+            </a:extLst>
+          </p:cNvPr>
+          <p:cNvSpPr txBox="1">
+            <a:spLocks/>
+          </p:cNvSpPr>
+          <p:nvPr/>
+        </p:nvSpPr>
+        <p:spPr>
+          <a:xfrm>
+            <a:off x="455643" y="510175"/>
+            <a:ext cx="9015528" cy="739786"/>
+          </a:xfrm>
+          <a:prstGeom prst="rect">
+            <a:avLst/>
+          </a:prstGeom>
+        </p:spPr>
+        <p:txBody>
+          <a:bodyPr/>
+          <a:lstStyle>
+            <a:lvl1pPr algn="l" defTabSz="457200" rtl="0" eaLnBrk="1" latinLnBrk="0" hangingPunct="1">
+              <a:spcBef>
+                <a:spcPct val="0"/>
+              </a:spcBef>
+              <a:buNone/>
+              <a:defRPr sz="3600" kern="1200">
+                <a:solidFill>
+                  <a:schemeClr val="accent1"/>
+                </a:solidFill>
+                <a:latin typeface="+mj-lt"/>
+                <a:ea typeface="+mj-ea"/>
+                <a:cs typeface="+mj-cs"/>
+              </a:defRPr>
+            </a:lvl1pPr>
+            <a:lvl2pPr eaLnBrk="1" hangingPunct="1">
+              <a:defRPr>
+                <a:solidFill>
+                  <a:schemeClr val="tx2"/>
+                </a:solidFill>
+              </a:defRPr>
+            </a:lvl2pPr>
+            <a:lvl3pPr eaLnBrk="1" hangingPunct="1">
+              <a:defRPr>
+                <a:solidFill>
+                  <a:schemeClr val="tx2"/>
+                </a:solidFill>
+              </a:defRPr>
+            </a:lvl3pPr>
+            <a:lvl4pPr eaLnBrk="1" hangingPunct="1">
+              <a:defRPr>
+                <a:solidFill>
+                  <a:schemeClr val="tx2"/>
+                </a:solidFill>
+              </a:defRPr>
+            </a:lvl4pPr>
+            <a:lvl5pPr eaLnBrk="1" hangingPunct="1">
+              <a:defRPr>
+                <a:solidFill>
+                  <a:schemeClr val="tx2"/>
+                </a:solidFill>
+              </a:defRPr>
+            </a:lvl5pPr>
+            <a:lvl6pPr eaLnBrk="1" hangingPunct="1">
+              <a:defRPr>
+                <a:solidFill>
+                  <a:schemeClr val="tx2"/>
+                </a:solidFill>
+              </a:defRPr>
+            </a:lvl6pPr>
+            <a:lvl7pPr eaLnBrk="1" hangingPunct="1">
+              <a:defRPr>
+                <a:solidFill>
+                  <a:schemeClr val="tx2"/>
+                </a:solidFill>
+              </a:defRPr>
+            </a:lvl7pPr>
+            <a:lvl8pPr eaLnBrk="1" hangingPunct="1">
+              <a:defRPr>
+                <a:solidFill>
+                  <a:schemeClr val="tx2"/>
+                </a:solidFill>
+              </a:defRPr>
+            </a:lvl8pPr>
+            <a:lvl9pPr eaLnBrk="1" hangingPunct="1">
+              <a:defRPr>
+                <a:solidFill>
+                  <a:schemeClr val="tx2"/>
+                </a:solidFill>
+              </a:defRPr>
+            </a:lvl9pPr>
+          </a:lstStyle>
+          <a:p>
+            <a:r>
+              <a:rPr lang="fr-CA" dirty="0">
+                <a:solidFill>
+                  <a:srgbClr val="286D9F"/>
+                </a:solidFill>
+              </a:rPr>
+              <a:t>Utilisation de la mémoire</a:t>
+            </a:r>
+          </a:p>
+        </p:txBody>
+      </p:sp>
+      <p:sp>
+        <p:nvSpPr>
+          <p:cNvPr id="3" name="Rectangle 2">
+            <a:extLst>
+              <a:ext uri="{FF2B5EF4-FFF2-40B4-BE49-F238E27FC236}">
+                <a16:creationId xmlns:a16="http://schemas.microsoft.com/office/drawing/2014/main" id="{BA0A46BD-0FD2-481A-AB72-F6E2A27E0618}"/>
+              </a:ext>
+            </a:extLst>
+          </p:cNvPr>
+          <p:cNvSpPr/>
+          <p:nvPr/>
+        </p:nvSpPr>
+        <p:spPr>
+          <a:xfrm>
+            <a:off x="2276213" y="2908612"/>
+            <a:ext cx="6096000" cy="646331"/>
+          </a:xfrm>
+          <a:prstGeom prst="rect">
+            <a:avLst/>
+          </a:prstGeom>
+        </p:spPr>
+        <p:txBody>
+          <a:bodyPr>
+            <a:spAutoFit/>
+          </a:bodyPr>
+          <a:lstStyle/>
+          <a:p>
+            <a:r>
+              <a:rPr lang="fr-FR" dirty="0"/>
+              <a:t>Comportement et limites de votre code en temps et en mémoire</a:t>
+            </a:r>
+            <a:endParaRPr lang="fr-CA" dirty="0"/>
+          </a:p>
+        </p:txBody>
+      </p:sp>
+    </p:spTree>
+    <p:extLst>
+      <p:ext uri="{BB962C8B-B14F-4D97-AF65-F5344CB8AC3E}">
+        <p14:creationId xmlns:p14="http://schemas.microsoft.com/office/powerpoint/2010/main" val="69171058"/>
+      </p:ext>
+    </p:extLst>
+  </p:cSld>
+  <p:clrMapOvr>
+    <a:masterClrMapping/>
+  </p:clrMapOvr>
+</p:sld>
+</file>
+
+<file path=ppt/slides/slide17.xml><?xml version="1.0" encoding="utf-8"?>
+<p:sld xmlns:a="http://schemas.openxmlformats.org/drawingml/2006/main" xmlns:r="http://schemas.openxmlformats.org/officeDocument/2006/relationships" xmlns:p="http://schemas.openxmlformats.org/presentationml/2006/main">
+  <p:cSld>
+    <p:spTree>
+      <p:nvGrpSpPr>
+        <p:cNvPr id="1" name=""/>
+        <p:cNvGrpSpPr/>
+        <p:nvPr/>
+      </p:nvGrpSpPr>
+      <p:grpSpPr>
+        <a:xfrm>
+          <a:off x="0" y="0"/>
+          <a:ext cx="0" cy="0"/>
+          <a:chOff x="0" y="0"/>
+          <a:chExt cx="0" cy="0"/>
+        </a:xfrm>
+      </p:grpSpPr>
+      <p:sp>
+        <p:nvSpPr>
+          <p:cNvPr id="2" name="Titre 1">
+            <a:extLst>
+              <a:ext uri="{FF2B5EF4-FFF2-40B4-BE49-F238E27FC236}">
+                <a16:creationId xmlns:a16="http://schemas.microsoft.com/office/drawing/2014/main" id="{03EE799C-7398-441E-956D-60778EB6ADFB}"/>
+              </a:ext>
+            </a:extLst>
+          </p:cNvPr>
+          <p:cNvSpPr txBox="1">
+            <a:spLocks/>
+          </p:cNvSpPr>
+          <p:nvPr/>
+        </p:nvSpPr>
+        <p:spPr>
+          <a:xfrm>
+            <a:off x="455643" y="510175"/>
+            <a:ext cx="9015528" cy="739786"/>
+          </a:xfrm>
+          <a:prstGeom prst="rect">
+            <a:avLst/>
+          </a:prstGeom>
+        </p:spPr>
+        <p:txBody>
+          <a:bodyPr/>
+          <a:lstStyle>
+            <a:lvl1pPr algn="l" defTabSz="457200" rtl="0" eaLnBrk="1" latinLnBrk="0" hangingPunct="1">
+              <a:spcBef>
+                <a:spcPct val="0"/>
+              </a:spcBef>
+              <a:buNone/>
+              <a:defRPr sz="3600" kern="1200">
+                <a:solidFill>
+                  <a:schemeClr val="accent1"/>
+                </a:solidFill>
+                <a:latin typeface="+mj-lt"/>
+                <a:ea typeface="+mj-ea"/>
+                <a:cs typeface="+mj-cs"/>
+              </a:defRPr>
+            </a:lvl1pPr>
+            <a:lvl2pPr eaLnBrk="1" hangingPunct="1">
+              <a:defRPr>
+                <a:solidFill>
+                  <a:schemeClr val="tx2"/>
+                </a:solidFill>
+              </a:defRPr>
+            </a:lvl2pPr>
+            <a:lvl3pPr eaLnBrk="1" hangingPunct="1">
+              <a:defRPr>
+                <a:solidFill>
+                  <a:schemeClr val="tx2"/>
+                </a:solidFill>
+              </a:defRPr>
+            </a:lvl3pPr>
+            <a:lvl4pPr eaLnBrk="1" hangingPunct="1">
+              <a:defRPr>
+                <a:solidFill>
+                  <a:schemeClr val="tx2"/>
+                </a:solidFill>
+              </a:defRPr>
+            </a:lvl4pPr>
+            <a:lvl5pPr eaLnBrk="1" hangingPunct="1">
+              <a:defRPr>
+                <a:solidFill>
+                  <a:schemeClr val="tx2"/>
+                </a:solidFill>
+              </a:defRPr>
+            </a:lvl5pPr>
+            <a:lvl6pPr eaLnBrk="1" hangingPunct="1">
+              <a:defRPr>
+                <a:solidFill>
+                  <a:schemeClr val="tx2"/>
+                </a:solidFill>
+              </a:defRPr>
+            </a:lvl6pPr>
+            <a:lvl7pPr eaLnBrk="1" hangingPunct="1">
+              <a:defRPr>
+                <a:solidFill>
+                  <a:schemeClr val="tx2"/>
+                </a:solidFill>
+              </a:defRPr>
+            </a:lvl7pPr>
+            <a:lvl8pPr eaLnBrk="1" hangingPunct="1">
+              <a:defRPr>
+                <a:solidFill>
+                  <a:schemeClr val="tx2"/>
+                </a:solidFill>
+              </a:defRPr>
+            </a:lvl8pPr>
+            <a:lvl9pPr eaLnBrk="1" hangingPunct="1">
+              <a:defRPr>
+                <a:solidFill>
+                  <a:schemeClr val="tx2"/>
+                </a:solidFill>
+              </a:defRPr>
+            </a:lvl9pPr>
+          </a:lstStyle>
+          <a:p>
+            <a:r>
+              <a:rPr lang="fr-CA" dirty="0">
+                <a:solidFill>
+                  <a:srgbClr val="286D9F"/>
+                </a:solidFill>
+              </a:rPr>
               <a:t>Influence sur la performance</a:t>
             </a:r>
           </a:p>
@@ -7299,7 +14757,7 @@
 </p:sld>
 </file>
 
-<file path=ppt/slides/slide16.xml><?xml version="1.0" encoding="utf-8"?>
+<file path=ppt/slides/slide18.xml><?xml version="1.0" encoding="utf-8"?>
 <p:sld xmlns:a="http://schemas.openxmlformats.org/drawingml/2006/main" xmlns:r="http://schemas.openxmlformats.org/officeDocument/2006/relationships" xmlns:p="http://schemas.openxmlformats.org/presentationml/2006/main">
   <p:cSld>
     <p:spTree>
@@ -7473,7 +14931,7 @@
 </p:sld>
 </file>
 
-<file path=ppt/slides/slide17.xml><?xml version="1.0" encoding="utf-8"?>
+<file path=ppt/slides/slide19.xml><?xml version="1.0" encoding="utf-8"?>
 <p:sld xmlns:a="http://schemas.openxmlformats.org/drawingml/2006/main" xmlns:r="http://schemas.openxmlformats.org/officeDocument/2006/relationships" xmlns:p="http://schemas.openxmlformats.org/presentationml/2006/main">
   <p:cSld>
     <p:spTree>
@@ -7638,354 +15096,6 @@
     <p:extLst>
       <p:ext uri="{BB962C8B-B14F-4D97-AF65-F5344CB8AC3E}">
         <p14:creationId xmlns:p14="http://schemas.microsoft.com/office/powerpoint/2010/main" val="1689991843"/>
-      </p:ext>
-    </p:extLst>
-  </p:cSld>
-  <p:clrMapOvr>
-    <a:masterClrMapping/>
-  </p:clrMapOvr>
-</p:sld>
-</file>
-
-<file path=ppt/slides/slide18.xml><?xml version="1.0" encoding="utf-8"?>
-<p:sld xmlns:a="http://schemas.openxmlformats.org/drawingml/2006/main" xmlns:r="http://schemas.openxmlformats.org/officeDocument/2006/relationships" xmlns:p="http://schemas.openxmlformats.org/presentationml/2006/main">
-  <p:cSld>
-    <p:spTree>
-      <p:nvGrpSpPr>
-        <p:cNvPr id="1" name=""/>
-        <p:cNvGrpSpPr/>
-        <p:nvPr/>
-      </p:nvGrpSpPr>
-      <p:grpSpPr>
-        <a:xfrm>
-          <a:off x="0" y="0"/>
-          <a:ext cx="0" cy="0"/>
-          <a:chOff x="0" y="0"/>
-          <a:chExt cx="0" cy="0"/>
-        </a:xfrm>
-      </p:grpSpPr>
-      <p:sp>
-        <p:nvSpPr>
-          <p:cNvPr id="2" name="Titre 1">
-            <a:extLst>
-              <a:ext uri="{FF2B5EF4-FFF2-40B4-BE49-F238E27FC236}">
-                <a16:creationId xmlns:a16="http://schemas.microsoft.com/office/drawing/2014/main" id="{03EE799C-7398-441E-956D-60778EB6ADFB}"/>
-              </a:ext>
-            </a:extLst>
-          </p:cNvPr>
-          <p:cNvSpPr txBox="1">
-            <a:spLocks/>
-          </p:cNvSpPr>
-          <p:nvPr/>
-        </p:nvSpPr>
-        <p:spPr>
-          <a:xfrm>
-            <a:off x="455643" y="510175"/>
-            <a:ext cx="2405003" cy="739786"/>
-          </a:xfrm>
-          <a:prstGeom prst="rect">
-            <a:avLst/>
-          </a:prstGeom>
-        </p:spPr>
-        <p:txBody>
-          <a:bodyPr/>
-          <a:lstStyle>
-            <a:lvl1pPr algn="l" defTabSz="457200" rtl="0" eaLnBrk="1" latinLnBrk="0" hangingPunct="1">
-              <a:spcBef>
-                <a:spcPct val="0"/>
-              </a:spcBef>
-              <a:buNone/>
-              <a:defRPr sz="3600" kern="1200">
-                <a:solidFill>
-                  <a:schemeClr val="accent1"/>
-                </a:solidFill>
-                <a:latin typeface="+mj-lt"/>
-                <a:ea typeface="+mj-ea"/>
-                <a:cs typeface="+mj-cs"/>
-              </a:defRPr>
-            </a:lvl1pPr>
-            <a:lvl2pPr eaLnBrk="1" hangingPunct="1">
-              <a:defRPr>
-                <a:solidFill>
-                  <a:schemeClr val="tx2"/>
-                </a:solidFill>
-              </a:defRPr>
-            </a:lvl2pPr>
-            <a:lvl3pPr eaLnBrk="1" hangingPunct="1">
-              <a:defRPr>
-                <a:solidFill>
-                  <a:schemeClr val="tx2"/>
-                </a:solidFill>
-              </a:defRPr>
-            </a:lvl3pPr>
-            <a:lvl4pPr eaLnBrk="1" hangingPunct="1">
-              <a:defRPr>
-                <a:solidFill>
-                  <a:schemeClr val="tx2"/>
-                </a:solidFill>
-              </a:defRPr>
-            </a:lvl4pPr>
-            <a:lvl5pPr eaLnBrk="1" hangingPunct="1">
-              <a:defRPr>
-                <a:solidFill>
-                  <a:schemeClr val="tx2"/>
-                </a:solidFill>
-              </a:defRPr>
-            </a:lvl5pPr>
-            <a:lvl6pPr eaLnBrk="1" hangingPunct="1">
-              <a:defRPr>
-                <a:solidFill>
-                  <a:schemeClr val="tx2"/>
-                </a:solidFill>
-              </a:defRPr>
-            </a:lvl6pPr>
-            <a:lvl7pPr eaLnBrk="1" hangingPunct="1">
-              <a:defRPr>
-                <a:solidFill>
-                  <a:schemeClr val="tx2"/>
-                </a:solidFill>
-              </a:defRPr>
-            </a:lvl7pPr>
-            <a:lvl8pPr eaLnBrk="1" hangingPunct="1">
-              <a:defRPr>
-                <a:solidFill>
-                  <a:schemeClr val="tx2"/>
-                </a:solidFill>
-              </a:defRPr>
-            </a:lvl8pPr>
-            <a:lvl9pPr eaLnBrk="1" hangingPunct="1">
-              <a:defRPr>
-                <a:solidFill>
-                  <a:schemeClr val="tx2"/>
-                </a:solidFill>
-              </a:defRPr>
-            </a:lvl9pPr>
-          </a:lstStyle>
-          <a:p>
-            <a:r>
-              <a:rPr lang="fr-CA" dirty="0">
-                <a:solidFill>
-                  <a:srgbClr val="286D9F"/>
-                </a:solidFill>
-              </a:rPr>
-              <a:t>Discussion</a:t>
-            </a:r>
-          </a:p>
-        </p:txBody>
-      </p:sp>
-      <p:sp>
-        <p:nvSpPr>
-          <p:cNvPr id="3" name="Rectangle 2">
-            <a:extLst>
-              <a:ext uri="{FF2B5EF4-FFF2-40B4-BE49-F238E27FC236}">
-                <a16:creationId xmlns:a16="http://schemas.microsoft.com/office/drawing/2014/main" id="{BA0A46BD-0FD2-481A-AB72-F6E2A27E0618}"/>
-              </a:ext>
-            </a:extLst>
-          </p:cNvPr>
-          <p:cNvSpPr/>
-          <p:nvPr/>
-        </p:nvSpPr>
-        <p:spPr>
-          <a:xfrm>
-            <a:off x="2276213" y="2908612"/>
-            <a:ext cx="6096000" cy="923330"/>
-          </a:xfrm>
-          <a:prstGeom prst="rect">
-            <a:avLst/>
-          </a:prstGeom>
-        </p:spPr>
-        <p:txBody>
-          <a:bodyPr>
-            <a:spAutoFit/>
-          </a:bodyPr>
-          <a:lstStyle/>
-          <a:p>
-            <a:r>
-              <a:rPr lang="fr-FR" dirty="0"/>
-              <a:t>Discussion sur la qualité des résultats : est-ce que vos résultats représentent adéquatement les phénomènes physiques que vous avez modélisés ?</a:t>
-            </a:r>
-            <a:endParaRPr lang="fr-CA" dirty="0"/>
-          </a:p>
-        </p:txBody>
-      </p:sp>
-    </p:spTree>
-    <p:extLst>
-      <p:ext uri="{BB962C8B-B14F-4D97-AF65-F5344CB8AC3E}">
-        <p14:creationId xmlns:p14="http://schemas.microsoft.com/office/powerpoint/2010/main" val="3079558462"/>
-      </p:ext>
-    </p:extLst>
-  </p:cSld>
-  <p:clrMapOvr>
-    <a:masterClrMapping/>
-  </p:clrMapOvr>
-</p:sld>
-</file>
-
-<file path=ppt/slides/slide19.xml><?xml version="1.0" encoding="utf-8"?>
-<p:sld xmlns:a="http://schemas.openxmlformats.org/drawingml/2006/main" xmlns:r="http://schemas.openxmlformats.org/officeDocument/2006/relationships" xmlns:p="http://schemas.openxmlformats.org/presentationml/2006/main">
-  <p:cSld>
-    <p:spTree>
-      <p:nvGrpSpPr>
-        <p:cNvPr id="1" name=""/>
-        <p:cNvGrpSpPr/>
-        <p:nvPr/>
-      </p:nvGrpSpPr>
-      <p:grpSpPr>
-        <a:xfrm>
-          <a:off x="0" y="0"/>
-          <a:ext cx="0" cy="0"/>
-          <a:chOff x="0" y="0"/>
-          <a:chExt cx="0" cy="0"/>
-        </a:xfrm>
-      </p:grpSpPr>
-      <p:sp>
-        <p:nvSpPr>
-          <p:cNvPr id="2" name="Titre 1">
-            <a:extLst>
-              <a:ext uri="{FF2B5EF4-FFF2-40B4-BE49-F238E27FC236}">
-                <a16:creationId xmlns:a16="http://schemas.microsoft.com/office/drawing/2014/main" id="{03EE799C-7398-441E-956D-60778EB6ADFB}"/>
-              </a:ext>
-            </a:extLst>
-          </p:cNvPr>
-          <p:cNvSpPr txBox="1">
-            <a:spLocks/>
-          </p:cNvSpPr>
-          <p:nvPr/>
-        </p:nvSpPr>
-        <p:spPr>
-          <a:xfrm>
-            <a:off x="455643" y="510175"/>
-            <a:ext cx="2144944" cy="739786"/>
-          </a:xfrm>
-          <a:prstGeom prst="rect">
-            <a:avLst/>
-          </a:prstGeom>
-        </p:spPr>
-        <p:txBody>
-          <a:bodyPr/>
-          <a:lstStyle>
-            <a:lvl1pPr algn="l" defTabSz="457200" rtl="0" eaLnBrk="1" latinLnBrk="0" hangingPunct="1">
-              <a:spcBef>
-                <a:spcPct val="0"/>
-              </a:spcBef>
-              <a:buNone/>
-              <a:defRPr sz="3600" kern="1200">
-                <a:solidFill>
-                  <a:schemeClr val="accent1"/>
-                </a:solidFill>
-                <a:latin typeface="+mj-lt"/>
-                <a:ea typeface="+mj-ea"/>
-                <a:cs typeface="+mj-cs"/>
-              </a:defRPr>
-            </a:lvl1pPr>
-            <a:lvl2pPr eaLnBrk="1" hangingPunct="1">
-              <a:defRPr>
-                <a:solidFill>
-                  <a:schemeClr val="tx2"/>
-                </a:solidFill>
-              </a:defRPr>
-            </a:lvl2pPr>
-            <a:lvl3pPr eaLnBrk="1" hangingPunct="1">
-              <a:defRPr>
-                <a:solidFill>
-                  <a:schemeClr val="tx2"/>
-                </a:solidFill>
-              </a:defRPr>
-            </a:lvl3pPr>
-            <a:lvl4pPr eaLnBrk="1" hangingPunct="1">
-              <a:defRPr>
-                <a:solidFill>
-                  <a:schemeClr val="tx2"/>
-                </a:solidFill>
-              </a:defRPr>
-            </a:lvl4pPr>
-            <a:lvl5pPr eaLnBrk="1" hangingPunct="1">
-              <a:defRPr>
-                <a:solidFill>
-                  <a:schemeClr val="tx2"/>
-                </a:solidFill>
-              </a:defRPr>
-            </a:lvl5pPr>
-            <a:lvl6pPr eaLnBrk="1" hangingPunct="1">
-              <a:defRPr>
-                <a:solidFill>
-                  <a:schemeClr val="tx2"/>
-                </a:solidFill>
-              </a:defRPr>
-            </a:lvl6pPr>
-            <a:lvl7pPr eaLnBrk="1" hangingPunct="1">
-              <a:defRPr>
-                <a:solidFill>
-                  <a:schemeClr val="tx2"/>
-                </a:solidFill>
-              </a:defRPr>
-            </a:lvl7pPr>
-            <a:lvl8pPr eaLnBrk="1" hangingPunct="1">
-              <a:defRPr>
-                <a:solidFill>
-                  <a:schemeClr val="tx2"/>
-                </a:solidFill>
-              </a:defRPr>
-            </a:lvl8pPr>
-            <a:lvl9pPr eaLnBrk="1" hangingPunct="1">
-              <a:defRPr>
-                <a:solidFill>
-                  <a:schemeClr val="tx2"/>
-                </a:solidFill>
-              </a:defRPr>
-            </a:lvl9pPr>
-          </a:lstStyle>
-          <a:p>
-            <a:r>
-              <a:rPr lang="fr-CA" dirty="0">
-                <a:solidFill>
-                  <a:srgbClr val="286D9F"/>
-                </a:solidFill>
-              </a:rPr>
-              <a:t>Synthèse</a:t>
-            </a:r>
-          </a:p>
-        </p:txBody>
-      </p:sp>
-      <p:sp>
-        <p:nvSpPr>
-          <p:cNvPr id="3" name="Rectangle 2">
-            <a:extLst>
-              <a:ext uri="{FF2B5EF4-FFF2-40B4-BE49-F238E27FC236}">
-                <a16:creationId xmlns:a16="http://schemas.microsoft.com/office/drawing/2014/main" id="{BA0A46BD-0FD2-481A-AB72-F6E2A27E0618}"/>
-              </a:ext>
-            </a:extLst>
-          </p:cNvPr>
-          <p:cNvSpPr/>
-          <p:nvPr/>
-        </p:nvSpPr>
-        <p:spPr>
-          <a:xfrm>
-            <a:off x="2276213" y="2908612"/>
-            <a:ext cx="6096000" cy="369332"/>
-          </a:xfrm>
-          <a:prstGeom prst="rect">
-            <a:avLst/>
-          </a:prstGeom>
-        </p:spPr>
-        <p:txBody>
-          <a:bodyPr>
-            <a:spAutoFit/>
-          </a:bodyPr>
-          <a:lstStyle/>
-          <a:p>
-            <a:r>
-              <a:rPr lang="fr-FR" dirty="0"/>
-              <a:t>Synthèse de la présentation en quelques phrases</a:t>
-            </a:r>
-            <a:endParaRPr lang="fr-CA" dirty="0"/>
-          </a:p>
-        </p:txBody>
-      </p:sp>
-    </p:spTree>
-    <p:extLst>
-      <p:ext uri="{BB962C8B-B14F-4D97-AF65-F5344CB8AC3E}">
-        <p14:creationId xmlns:p14="http://schemas.microsoft.com/office/powerpoint/2010/main" val="1331799850"/>
       </p:ext>
     </p:extLst>
   </p:cSld>
@@ -8438,6 +15548,354 @@
         <p:spPr>
           <a:xfrm>
             <a:off x="455643" y="510175"/>
+            <a:ext cx="2405003" cy="739786"/>
+          </a:xfrm>
+          <a:prstGeom prst="rect">
+            <a:avLst/>
+          </a:prstGeom>
+        </p:spPr>
+        <p:txBody>
+          <a:bodyPr/>
+          <a:lstStyle>
+            <a:lvl1pPr algn="l" defTabSz="457200" rtl="0" eaLnBrk="1" latinLnBrk="0" hangingPunct="1">
+              <a:spcBef>
+                <a:spcPct val="0"/>
+              </a:spcBef>
+              <a:buNone/>
+              <a:defRPr sz="3600" kern="1200">
+                <a:solidFill>
+                  <a:schemeClr val="accent1"/>
+                </a:solidFill>
+                <a:latin typeface="+mj-lt"/>
+                <a:ea typeface="+mj-ea"/>
+                <a:cs typeface="+mj-cs"/>
+              </a:defRPr>
+            </a:lvl1pPr>
+            <a:lvl2pPr eaLnBrk="1" hangingPunct="1">
+              <a:defRPr>
+                <a:solidFill>
+                  <a:schemeClr val="tx2"/>
+                </a:solidFill>
+              </a:defRPr>
+            </a:lvl2pPr>
+            <a:lvl3pPr eaLnBrk="1" hangingPunct="1">
+              <a:defRPr>
+                <a:solidFill>
+                  <a:schemeClr val="tx2"/>
+                </a:solidFill>
+              </a:defRPr>
+            </a:lvl3pPr>
+            <a:lvl4pPr eaLnBrk="1" hangingPunct="1">
+              <a:defRPr>
+                <a:solidFill>
+                  <a:schemeClr val="tx2"/>
+                </a:solidFill>
+              </a:defRPr>
+            </a:lvl4pPr>
+            <a:lvl5pPr eaLnBrk="1" hangingPunct="1">
+              <a:defRPr>
+                <a:solidFill>
+                  <a:schemeClr val="tx2"/>
+                </a:solidFill>
+              </a:defRPr>
+            </a:lvl5pPr>
+            <a:lvl6pPr eaLnBrk="1" hangingPunct="1">
+              <a:defRPr>
+                <a:solidFill>
+                  <a:schemeClr val="tx2"/>
+                </a:solidFill>
+              </a:defRPr>
+            </a:lvl6pPr>
+            <a:lvl7pPr eaLnBrk="1" hangingPunct="1">
+              <a:defRPr>
+                <a:solidFill>
+                  <a:schemeClr val="tx2"/>
+                </a:solidFill>
+              </a:defRPr>
+            </a:lvl7pPr>
+            <a:lvl8pPr eaLnBrk="1" hangingPunct="1">
+              <a:defRPr>
+                <a:solidFill>
+                  <a:schemeClr val="tx2"/>
+                </a:solidFill>
+              </a:defRPr>
+            </a:lvl8pPr>
+            <a:lvl9pPr eaLnBrk="1" hangingPunct="1">
+              <a:defRPr>
+                <a:solidFill>
+                  <a:schemeClr val="tx2"/>
+                </a:solidFill>
+              </a:defRPr>
+            </a:lvl9pPr>
+          </a:lstStyle>
+          <a:p>
+            <a:r>
+              <a:rPr lang="fr-CA" dirty="0">
+                <a:solidFill>
+                  <a:srgbClr val="286D9F"/>
+                </a:solidFill>
+              </a:rPr>
+              <a:t>Discussion</a:t>
+            </a:r>
+          </a:p>
+        </p:txBody>
+      </p:sp>
+      <p:sp>
+        <p:nvSpPr>
+          <p:cNvPr id="3" name="Rectangle 2">
+            <a:extLst>
+              <a:ext uri="{FF2B5EF4-FFF2-40B4-BE49-F238E27FC236}">
+                <a16:creationId xmlns:a16="http://schemas.microsoft.com/office/drawing/2014/main" id="{BA0A46BD-0FD2-481A-AB72-F6E2A27E0618}"/>
+              </a:ext>
+            </a:extLst>
+          </p:cNvPr>
+          <p:cNvSpPr/>
+          <p:nvPr/>
+        </p:nvSpPr>
+        <p:spPr>
+          <a:xfrm>
+            <a:off x="2276213" y="2908612"/>
+            <a:ext cx="6096000" cy="923330"/>
+          </a:xfrm>
+          <a:prstGeom prst="rect">
+            <a:avLst/>
+          </a:prstGeom>
+        </p:spPr>
+        <p:txBody>
+          <a:bodyPr>
+            <a:spAutoFit/>
+          </a:bodyPr>
+          <a:lstStyle/>
+          <a:p>
+            <a:r>
+              <a:rPr lang="fr-FR" dirty="0"/>
+              <a:t>Discussion sur la qualité des résultats : est-ce que vos résultats représentent adéquatement les phénomènes physiques que vous avez modélisés ?</a:t>
+            </a:r>
+            <a:endParaRPr lang="fr-CA" dirty="0"/>
+          </a:p>
+        </p:txBody>
+      </p:sp>
+    </p:spTree>
+    <p:extLst>
+      <p:ext uri="{BB962C8B-B14F-4D97-AF65-F5344CB8AC3E}">
+        <p14:creationId xmlns:p14="http://schemas.microsoft.com/office/powerpoint/2010/main" val="3079558462"/>
+      </p:ext>
+    </p:extLst>
+  </p:cSld>
+  <p:clrMapOvr>
+    <a:masterClrMapping/>
+  </p:clrMapOvr>
+</p:sld>
+</file>
+
+<file path=ppt/slides/slide21.xml><?xml version="1.0" encoding="utf-8"?>
+<p:sld xmlns:a="http://schemas.openxmlformats.org/drawingml/2006/main" xmlns:r="http://schemas.openxmlformats.org/officeDocument/2006/relationships" xmlns:p="http://schemas.openxmlformats.org/presentationml/2006/main">
+  <p:cSld>
+    <p:spTree>
+      <p:nvGrpSpPr>
+        <p:cNvPr id="1" name=""/>
+        <p:cNvGrpSpPr/>
+        <p:nvPr/>
+      </p:nvGrpSpPr>
+      <p:grpSpPr>
+        <a:xfrm>
+          <a:off x="0" y="0"/>
+          <a:ext cx="0" cy="0"/>
+          <a:chOff x="0" y="0"/>
+          <a:chExt cx="0" cy="0"/>
+        </a:xfrm>
+      </p:grpSpPr>
+      <p:sp>
+        <p:nvSpPr>
+          <p:cNvPr id="2" name="Titre 1">
+            <a:extLst>
+              <a:ext uri="{FF2B5EF4-FFF2-40B4-BE49-F238E27FC236}">
+                <a16:creationId xmlns:a16="http://schemas.microsoft.com/office/drawing/2014/main" id="{03EE799C-7398-441E-956D-60778EB6ADFB}"/>
+              </a:ext>
+            </a:extLst>
+          </p:cNvPr>
+          <p:cNvSpPr txBox="1">
+            <a:spLocks/>
+          </p:cNvSpPr>
+          <p:nvPr/>
+        </p:nvSpPr>
+        <p:spPr>
+          <a:xfrm>
+            <a:off x="455643" y="510175"/>
+            <a:ext cx="2144944" cy="739786"/>
+          </a:xfrm>
+          <a:prstGeom prst="rect">
+            <a:avLst/>
+          </a:prstGeom>
+        </p:spPr>
+        <p:txBody>
+          <a:bodyPr/>
+          <a:lstStyle>
+            <a:lvl1pPr algn="l" defTabSz="457200" rtl="0" eaLnBrk="1" latinLnBrk="0" hangingPunct="1">
+              <a:spcBef>
+                <a:spcPct val="0"/>
+              </a:spcBef>
+              <a:buNone/>
+              <a:defRPr sz="3600" kern="1200">
+                <a:solidFill>
+                  <a:schemeClr val="accent1"/>
+                </a:solidFill>
+                <a:latin typeface="+mj-lt"/>
+                <a:ea typeface="+mj-ea"/>
+                <a:cs typeface="+mj-cs"/>
+              </a:defRPr>
+            </a:lvl1pPr>
+            <a:lvl2pPr eaLnBrk="1" hangingPunct="1">
+              <a:defRPr>
+                <a:solidFill>
+                  <a:schemeClr val="tx2"/>
+                </a:solidFill>
+              </a:defRPr>
+            </a:lvl2pPr>
+            <a:lvl3pPr eaLnBrk="1" hangingPunct="1">
+              <a:defRPr>
+                <a:solidFill>
+                  <a:schemeClr val="tx2"/>
+                </a:solidFill>
+              </a:defRPr>
+            </a:lvl3pPr>
+            <a:lvl4pPr eaLnBrk="1" hangingPunct="1">
+              <a:defRPr>
+                <a:solidFill>
+                  <a:schemeClr val="tx2"/>
+                </a:solidFill>
+              </a:defRPr>
+            </a:lvl4pPr>
+            <a:lvl5pPr eaLnBrk="1" hangingPunct="1">
+              <a:defRPr>
+                <a:solidFill>
+                  <a:schemeClr val="tx2"/>
+                </a:solidFill>
+              </a:defRPr>
+            </a:lvl5pPr>
+            <a:lvl6pPr eaLnBrk="1" hangingPunct="1">
+              <a:defRPr>
+                <a:solidFill>
+                  <a:schemeClr val="tx2"/>
+                </a:solidFill>
+              </a:defRPr>
+            </a:lvl6pPr>
+            <a:lvl7pPr eaLnBrk="1" hangingPunct="1">
+              <a:defRPr>
+                <a:solidFill>
+                  <a:schemeClr val="tx2"/>
+                </a:solidFill>
+              </a:defRPr>
+            </a:lvl7pPr>
+            <a:lvl8pPr eaLnBrk="1" hangingPunct="1">
+              <a:defRPr>
+                <a:solidFill>
+                  <a:schemeClr val="tx2"/>
+                </a:solidFill>
+              </a:defRPr>
+            </a:lvl8pPr>
+            <a:lvl9pPr eaLnBrk="1" hangingPunct="1">
+              <a:defRPr>
+                <a:solidFill>
+                  <a:schemeClr val="tx2"/>
+                </a:solidFill>
+              </a:defRPr>
+            </a:lvl9pPr>
+          </a:lstStyle>
+          <a:p>
+            <a:r>
+              <a:rPr lang="fr-CA" dirty="0">
+                <a:solidFill>
+                  <a:srgbClr val="286D9F"/>
+                </a:solidFill>
+              </a:rPr>
+              <a:t>Synthèse</a:t>
+            </a:r>
+          </a:p>
+        </p:txBody>
+      </p:sp>
+      <p:sp>
+        <p:nvSpPr>
+          <p:cNvPr id="3" name="Rectangle 2">
+            <a:extLst>
+              <a:ext uri="{FF2B5EF4-FFF2-40B4-BE49-F238E27FC236}">
+                <a16:creationId xmlns:a16="http://schemas.microsoft.com/office/drawing/2014/main" id="{BA0A46BD-0FD2-481A-AB72-F6E2A27E0618}"/>
+              </a:ext>
+            </a:extLst>
+          </p:cNvPr>
+          <p:cNvSpPr/>
+          <p:nvPr/>
+        </p:nvSpPr>
+        <p:spPr>
+          <a:xfrm>
+            <a:off x="2276213" y="2908612"/>
+            <a:ext cx="6096000" cy="369332"/>
+          </a:xfrm>
+          <a:prstGeom prst="rect">
+            <a:avLst/>
+          </a:prstGeom>
+        </p:spPr>
+        <p:txBody>
+          <a:bodyPr>
+            <a:spAutoFit/>
+          </a:bodyPr>
+          <a:lstStyle/>
+          <a:p>
+            <a:r>
+              <a:rPr lang="fr-FR" dirty="0"/>
+              <a:t>Synthèse de la présentation en quelques phrases</a:t>
+            </a:r>
+            <a:endParaRPr lang="fr-CA" dirty="0"/>
+          </a:p>
+        </p:txBody>
+      </p:sp>
+    </p:spTree>
+    <p:extLst>
+      <p:ext uri="{BB962C8B-B14F-4D97-AF65-F5344CB8AC3E}">
+        <p14:creationId xmlns:p14="http://schemas.microsoft.com/office/powerpoint/2010/main" val="1331799850"/>
+      </p:ext>
+    </p:extLst>
+  </p:cSld>
+  <p:clrMapOvr>
+    <a:masterClrMapping/>
+  </p:clrMapOvr>
+</p:sld>
+</file>
+
+<file path=ppt/slides/slide22.xml><?xml version="1.0" encoding="utf-8"?>
+<p:sld xmlns:a="http://schemas.openxmlformats.org/drawingml/2006/main" xmlns:r="http://schemas.openxmlformats.org/officeDocument/2006/relationships" xmlns:p="http://schemas.openxmlformats.org/presentationml/2006/main">
+  <p:cSld>
+    <p:spTree>
+      <p:nvGrpSpPr>
+        <p:cNvPr id="1" name=""/>
+        <p:cNvGrpSpPr/>
+        <p:nvPr/>
+      </p:nvGrpSpPr>
+      <p:grpSpPr>
+        <a:xfrm>
+          <a:off x="0" y="0"/>
+          <a:ext cx="0" cy="0"/>
+          <a:chOff x="0" y="0"/>
+          <a:chExt cx="0" cy="0"/>
+        </a:xfrm>
+      </p:grpSpPr>
+      <p:sp>
+        <p:nvSpPr>
+          <p:cNvPr id="2" name="Titre 1">
+            <a:extLst>
+              <a:ext uri="{FF2B5EF4-FFF2-40B4-BE49-F238E27FC236}">
+                <a16:creationId xmlns:a16="http://schemas.microsoft.com/office/drawing/2014/main" id="{03EE799C-7398-441E-956D-60778EB6ADFB}"/>
+              </a:ext>
+            </a:extLst>
+          </p:cNvPr>
+          <p:cNvSpPr txBox="1">
+            <a:spLocks/>
+          </p:cNvSpPr>
+          <p:nvPr/>
+        </p:nvSpPr>
+        <p:spPr>
+          <a:xfrm>
+            <a:off x="455643" y="510175"/>
             <a:ext cx="3352959" cy="739786"/>
           </a:xfrm>
           <a:prstGeom prst="rect">
@@ -8578,7 +16036,7 @@
 </p:sld>
 </file>
 
-<file path=ppt/slides/slide21.xml><?xml version="1.0" encoding="utf-8"?>
+<file path=ppt/slides/slide23.xml><?xml version="1.0" encoding="utf-8"?>
 <p:sld xmlns:a="http://schemas.openxmlformats.org/drawingml/2006/main" xmlns:r="http://schemas.openxmlformats.org/officeDocument/2006/relationships" xmlns:p="http://schemas.openxmlformats.org/presentationml/2006/main">
   <p:cSld>
     <p:spTree>

--- a/Oral/Présentation_Eq11.pptx
+++ b/Oral/Présentation_Eq11.pptx
@@ -943,7 +943,7 @@
             <a:fld id="{B61BEF0D-F0BB-DE4B-95CE-6DB70DBA9567}" type="datetimeFigureOut">
               <a:rPr lang="en-US" dirty="0"/>
               <a:pPr/>
-              <a:t>4/9/2020</a:t>
+              <a:t>4/10/2020</a:t>
             </a:fld>
             <a:endParaRPr lang="en-US" dirty="0"/>
           </a:p>
@@ -1191,7 +1191,7 @@
             <a:fld id="{B61BEF0D-F0BB-DE4B-95CE-6DB70DBA9567}" type="datetimeFigureOut">
               <a:rPr lang="en-US" dirty="0"/>
               <a:pPr/>
-              <a:t>4/9/2020</a:t>
+              <a:t>4/10/2020</a:t>
             </a:fld>
             <a:endParaRPr lang="en-US" dirty="0"/>
           </a:p>
@@ -1502,7 +1502,7 @@
             <a:fld id="{B61BEF0D-F0BB-DE4B-95CE-6DB70DBA9567}" type="datetimeFigureOut">
               <a:rPr lang="en-US" dirty="0"/>
               <a:pPr/>
-              <a:t>4/9/2020</a:t>
+              <a:t>4/10/2020</a:t>
             </a:fld>
             <a:endParaRPr lang="en-US" dirty="0"/>
           </a:p>
@@ -1832,7 +1832,7 @@
             <a:fld id="{B61BEF0D-F0BB-DE4B-95CE-6DB70DBA9567}" type="datetimeFigureOut">
               <a:rPr lang="en-US" dirty="0"/>
               <a:pPr/>
-              <a:t>4/9/2020</a:t>
+              <a:t>4/10/2020</a:t>
             </a:fld>
             <a:endParaRPr lang="en-US" dirty="0"/>
           </a:p>
@@ -2143,7 +2143,7 @@
             <a:fld id="{B61BEF0D-F0BB-DE4B-95CE-6DB70DBA9567}" type="datetimeFigureOut">
               <a:rPr lang="en-US" dirty="0"/>
               <a:pPr/>
-              <a:t>4/9/2020</a:t>
+              <a:t>4/10/2020</a:t>
             </a:fld>
             <a:endParaRPr lang="en-US" dirty="0"/>
           </a:p>
@@ -2533,7 +2533,7 @@
             <a:fld id="{B61BEF0D-F0BB-DE4B-95CE-6DB70DBA9567}" type="datetimeFigureOut">
               <a:rPr lang="en-US" dirty="0"/>
               <a:pPr/>
-              <a:t>4/9/2020</a:t>
+              <a:t>4/10/2020</a:t>
             </a:fld>
             <a:endParaRPr lang="en-US" dirty="0"/>
           </a:p>
@@ -2699,7 +2699,7 @@
           <a:p>
             <a:fld id="{55C6B4A9-1611-4792-9094-5F34BCA07E0B}" type="datetimeFigureOut">
               <a:rPr lang="en-US" dirty="0"/>
-              <a:t>4/9/2020</a:t>
+              <a:t>4/10/2020</a:t>
             </a:fld>
             <a:endParaRPr lang="en-US" dirty="0"/>
           </a:p>
@@ -2875,7 +2875,7 @@
             <a:fld id="{B61BEF0D-F0BB-DE4B-95CE-6DB70DBA9567}" type="datetimeFigureOut">
               <a:rPr lang="en-US" dirty="0"/>
               <a:pPr/>
-              <a:t>4/9/2020</a:t>
+              <a:t>4/10/2020</a:t>
             </a:fld>
             <a:endParaRPr lang="en-US" dirty="0"/>
           </a:p>
@@ -3041,7 +3041,7 @@
           <a:p>
             <a:fld id="{42A54C80-263E-416B-A8E0-580EDEADCBDC}" type="datetimeFigureOut">
               <a:rPr lang="en-US" dirty="0"/>
-              <a:t>4/9/2020</a:t>
+              <a:t>4/10/2020</a:t>
             </a:fld>
             <a:endParaRPr lang="en-US" dirty="0"/>
           </a:p>
@@ -3284,7 +3284,7 @@
             <a:fld id="{B61BEF0D-F0BB-DE4B-95CE-6DB70DBA9567}" type="datetimeFigureOut">
               <a:rPr lang="en-US" dirty="0"/>
               <a:pPr/>
-              <a:t>4/9/2020</a:t>
+              <a:t>4/10/2020</a:t>
             </a:fld>
             <a:endParaRPr lang="en-US" dirty="0"/>
           </a:p>
@@ -3512,7 +3512,7 @@
           <a:p>
             <a:fld id="{42A54C80-263E-416B-A8E0-580EDEADCBDC}" type="datetimeFigureOut">
               <a:rPr lang="en-US" dirty="0"/>
-              <a:t>4/9/2020</a:t>
+              <a:t>4/10/2020</a:t>
             </a:fld>
             <a:endParaRPr lang="en-US" dirty="0"/>
           </a:p>
@@ -3882,7 +3882,7 @@
             <a:fld id="{B61BEF0D-F0BB-DE4B-95CE-6DB70DBA9567}" type="datetimeFigureOut">
               <a:rPr lang="en-US" dirty="0"/>
               <a:pPr/>
-              <a:t>4/9/2020</a:t>
+              <a:t>4/10/2020</a:t>
             </a:fld>
             <a:endParaRPr lang="en-US" dirty="0"/>
           </a:p>
@@ -4002,7 +4002,7 @@
             <a:fld id="{B61BEF0D-F0BB-DE4B-95CE-6DB70DBA9567}" type="datetimeFigureOut">
               <a:rPr lang="en-US" dirty="0"/>
               <a:pPr/>
-              <a:t>4/9/2020</a:t>
+              <a:t>4/10/2020</a:t>
             </a:fld>
             <a:endParaRPr lang="en-US" dirty="0"/>
           </a:p>
@@ -4094,7 +4094,7 @@
             <a:fld id="{B61BEF0D-F0BB-DE4B-95CE-6DB70DBA9567}" type="datetimeFigureOut">
               <a:rPr lang="en-US" dirty="0"/>
               <a:pPr/>
-              <a:t>4/9/2020</a:t>
+              <a:t>4/10/2020</a:t>
             </a:fld>
             <a:endParaRPr lang="en-US" dirty="0"/>
           </a:p>
@@ -4345,7 +4345,7 @@
           <a:p>
             <a:fld id="{42A54C80-263E-416B-A8E0-580EDEADCBDC}" type="datetimeFigureOut">
               <a:rPr lang="en-US" dirty="0"/>
-              <a:t>4/9/2020</a:t>
+              <a:t>4/10/2020</a:t>
             </a:fld>
             <a:endParaRPr lang="en-US" dirty="0"/>
           </a:p>
@@ -4647,7 +4647,7 @@
             <a:fld id="{B61BEF0D-F0BB-DE4B-95CE-6DB70DBA9567}" type="datetimeFigureOut">
               <a:rPr lang="en-US" dirty="0"/>
               <a:pPr/>
-              <a:t>4/9/2020</a:t>
+              <a:t>4/10/2020</a:t>
             </a:fld>
             <a:endParaRPr lang="en-US" dirty="0"/>
           </a:p>
@@ -5345,7 +5345,7 @@
             <a:fld id="{B61BEF0D-F0BB-DE4B-95CE-6DB70DBA9567}" type="datetimeFigureOut">
               <a:rPr lang="en-US" dirty="0"/>
               <a:pPr/>
-              <a:t>4/9/2020</a:t>
+              <a:t>4/10/2020</a:t>
             </a:fld>
             <a:endParaRPr lang="en-US" dirty="0"/>
           </a:p>
@@ -6488,8 +6488,8 @@
             <a:chExt cx="7917745" cy="535531"/>
           </a:xfrm>
         </p:grpSpPr>
-        <mc:AlternateContent xmlns:mc="http://schemas.openxmlformats.org/markup-compatibility/2006">
-          <mc:Choice xmlns:a14="http://schemas.microsoft.com/office/drawing/2010/main" Requires="a14">
+        <mc:AlternateContent xmlns:mc="http://schemas.openxmlformats.org/markup-compatibility/2006" xmlns:a14="http://schemas.microsoft.com/office/drawing/2010/main">
+          <mc:Choice Requires="a14">
             <p:sp>
               <p:nvSpPr>
                 <p:cNvPr id="5" name="ZoneTexte 4">
@@ -6518,6 +6518,7 @@
                 </a:bodyPr>
                 <a:lstStyle/>
                 <a:p>
+                  <a:pPr/>
                   <a14:m>
                     <m:oMathPara xmlns:m="http://schemas.openxmlformats.org/officeDocument/2006/math">
                       <m:oMathParaPr>
@@ -6858,13 +6859,7 @@
                                   <a:rPr lang="fr-CA" i="1">
                                     <a:latin typeface="Cambria Math" panose="02040503050406030204" pitchFamily="18" charset="0"/>
                                   </a:rPr>
-                                  <m:t>+1</m:t>
-                                </m:r>
-                                <m:r>
-                                  <a:rPr lang="fr-CA" i="1">
-                                    <a:latin typeface="Cambria Math" panose="02040503050406030204" pitchFamily="18" charset="0"/>
-                                  </a:rPr>
-                                  <m:t>,</m:t>
+                                  <m:t>+1,</m:t>
                                 </m:r>
                                 <m:r>
                                   <a:rPr lang="fr-CA" i="1">
@@ -6907,13 +6902,7 @@
                                   <a:rPr lang="fr-CA" i="1">
                                     <a:latin typeface="Cambria Math" panose="02040503050406030204" pitchFamily="18" charset="0"/>
                                   </a:rPr>
-                                  <m:t>+2</m:t>
-                                </m:r>
-                                <m:r>
-                                  <a:rPr lang="fr-CA" i="1">
-                                    <a:latin typeface="Cambria Math" panose="02040503050406030204" pitchFamily="18" charset="0"/>
-                                  </a:rPr>
-                                  <m:t>,</m:t>
+                                  <m:t>+2,</m:t>
                                 </m:r>
                                 <m:r>
                                   <a:rPr lang="fr-CA" i="1">
@@ -7039,7 +7028,7 @@
               </p:txBody>
             </p:sp>
           </mc:Choice>
-          <mc:Fallback>
+          <mc:Fallback xmlns="">
             <p:sp>
               <p:nvSpPr>
                 <p:cNvPr id="5" name="ZoneTexte 4">
@@ -7143,8 +7132,8 @@
             <a:chExt cx="7594653" cy="535531"/>
           </a:xfrm>
         </p:grpSpPr>
-        <mc:AlternateContent xmlns:mc="http://schemas.openxmlformats.org/markup-compatibility/2006">
-          <mc:Choice xmlns:a14="http://schemas.microsoft.com/office/drawing/2010/main" Requires="a14">
+        <mc:AlternateContent xmlns:mc="http://schemas.openxmlformats.org/markup-compatibility/2006" xmlns:a14="http://schemas.microsoft.com/office/drawing/2010/main">
+          <mc:Choice Requires="a14">
             <p:sp>
               <p:nvSpPr>
                 <p:cNvPr id="6" name="ZoneTexte 5">
@@ -7173,6 +7162,7 @@
                 </a:bodyPr>
                 <a:lstStyle/>
                 <a:p>
+                  <a:pPr/>
                   <a14:m>
                     <m:oMathPara xmlns:m="http://schemas.openxmlformats.org/officeDocument/2006/math">
                       <m:oMathParaPr>
@@ -7261,13 +7251,7 @@
                                   <a:rPr lang="fr-CA" i="1">
                                     <a:latin typeface="Cambria Math" panose="02040503050406030204" pitchFamily="18" charset="0"/>
                                   </a:rPr>
-                                  <m:t>2</m:t>
-                                </m:r>
-                                <m:r>
-                                  <a:rPr lang="fr-CA" i="1">
-                                    <a:latin typeface="Cambria Math" panose="02040503050406030204" pitchFamily="18" charset="0"/>
-                                  </a:rPr>
-                                  <m:t>,</m:t>
+                                  <m:t>2,</m:t>
                                 </m:r>
                                 <m:r>
                                   <a:rPr lang="fr-CA" i="1">
@@ -7470,13 +7454,7 @@
                                   <a:rPr lang="fr-CA" i="1">
                                     <a:latin typeface="Cambria Math" panose="02040503050406030204" pitchFamily="18" charset="0"/>
                                   </a:rPr>
-                                  <m:t>−</m:t>
-                                </m:r>
-                                <m:r>
-                                  <a:rPr lang="fr-CA" i="1">
-                                    <a:latin typeface="Cambria Math" panose="02040503050406030204" pitchFamily="18" charset="0"/>
-                                  </a:rPr>
-                                  <m:t>2,</m:t>
+                                  <m:t>−2,</m:t>
                                 </m:r>
                                 <m:r>
                                   <a:rPr lang="fr-CA" i="1">
@@ -7688,7 +7666,7 @@
               </p:txBody>
             </p:sp>
           </mc:Choice>
-          <mc:Fallback>
+          <mc:Fallback xmlns="">
             <p:sp>
               <p:nvSpPr>
                 <p:cNvPr id="6" name="ZoneTexte 5">
@@ -7792,8 +7770,8 @@
             <a:chExt cx="8418122" cy="897938"/>
           </a:xfrm>
         </p:grpSpPr>
-        <mc:AlternateContent xmlns:mc="http://schemas.openxmlformats.org/markup-compatibility/2006">
-          <mc:Choice xmlns:a14="http://schemas.microsoft.com/office/drawing/2010/main" Requires="a14">
+        <mc:AlternateContent xmlns:mc="http://schemas.openxmlformats.org/markup-compatibility/2006" xmlns:a14="http://schemas.microsoft.com/office/drawing/2010/main">
+          <mc:Choice Requires="a14">
             <p:sp>
               <p:nvSpPr>
                 <p:cNvPr id="7" name="ZoneTexte 6">
@@ -7885,13 +7863,7 @@
                               <a:rPr lang="fr-CA" i="1">
                                 <a:latin typeface="Cambria Math" panose="02040503050406030204" pitchFamily="18" charset="0"/>
                               </a:rPr>
-                              <m:t>−</m:t>
-                            </m:r>
-                            <m:r>
-                              <a:rPr lang="fr-CA" i="1">
-                                <a:latin typeface="Cambria Math" panose="02040503050406030204" pitchFamily="18" charset="0"/>
-                              </a:rPr>
-                              <m:t>2,</m:t>
+                              <m:t>−2,</m:t>
                             </m:r>
                             <m:r>
                               <a:rPr lang="fr-CA" i="1">
@@ -8680,7 +8652,7 @@
               </p:txBody>
             </p:sp>
           </mc:Choice>
-          <mc:Fallback>
+          <mc:Fallback xmlns="">
             <p:sp>
               <p:nvSpPr>
                 <p:cNvPr id="7" name="ZoneTexte 6">
@@ -9108,9 +9080,9 @@
         <p:grpSpPr>
           <a:xfrm>
             <a:off x="298527" y="3820554"/>
-            <a:ext cx="10565216" cy="433388"/>
+            <a:ext cx="10565216" cy="441852"/>
             <a:chOff x="566257" y="2982452"/>
-            <a:chExt cx="7366438" cy="433388"/>
+            <a:chExt cx="7366438" cy="441852"/>
           </a:xfrm>
         </p:grpSpPr>
         <mc:AlternateContent xmlns:mc="http://schemas.openxmlformats.org/markup-compatibility/2006">
@@ -9130,7 +9102,7 @@
               <p:spPr>
                 <a:xfrm>
                   <a:off x="566257" y="2982452"/>
-                  <a:ext cx="6961146" cy="433388"/>
+                  <a:ext cx="6961146" cy="441852"/>
                 </a:xfrm>
                 <a:prstGeom prst="rect">
                   <a:avLst/>
@@ -9405,9 +9377,6 @@
                             <m:sSubPr>
                               <m:ctrlPr>
                                 <a:rPr lang="fr-CA" sz="1600" i="1">
-                                  <a:highlight>
-                                    <a:srgbClr val="FFFF00"/>
-                                  </a:highlight>
                                   <a:latin typeface="Cambria Math" panose="02040503050406030204" pitchFamily="18" charset="0"/>
                                 </a:rPr>
                               </m:ctrlPr>
@@ -9415,9 +9384,6 @@
                             <m:e>
                               <m:r>
                                 <a:rPr lang="fr-CA" sz="1600" i="1">
-                                  <a:highlight>
-                                    <a:srgbClr val="FFFF00"/>
-                                  </a:highlight>
                                   <a:latin typeface="Cambria Math" panose="02040503050406030204" pitchFamily="18" charset="0"/>
                                   <a:ea typeface="Cambria Math" panose="02040503050406030204" pitchFamily="18" charset="0"/>
                                 </a:rPr>
@@ -9427,13 +9393,10 @@
                             <m:sub>
                               <m:r>
                                 <a:rPr lang="fr-CA" sz="1600" b="0" i="1" smtClean="0">
-                                  <a:highlight>
-                                    <a:srgbClr val="FFFF00"/>
-                                  </a:highlight>
                                   <a:latin typeface="Cambria Math" panose="02040503050406030204" pitchFamily="18" charset="0"/>
                                   <a:ea typeface="Cambria Math" panose="02040503050406030204" pitchFamily="18" charset="0"/>
                                 </a:rPr>
-                                <m:t>1</m:t>
+                                <m:t>𝑚</m:t>
                               </m:r>
                             </m:sub>
                           </m:sSub>
@@ -10356,7 +10319,7 @@
               <p:spPr>
                 <a:xfrm>
                   <a:off x="566257" y="2982452"/>
-                  <a:ext cx="6961146" cy="433388"/>
+                  <a:ext cx="6961146" cy="441852"/>
                 </a:xfrm>
                 <a:prstGeom prst="rect">
                   <a:avLst/>
@@ -10364,7 +10327,7 @@
                 <a:blipFill>
                   <a:blip r:embed="rId2"/>
                   <a:stretch>
-                    <a:fillRect l="-549" b="-11268"/>
+                    <a:fillRect l="-549" b="-9722"/>
                   </a:stretch>
                 </a:blipFill>
               </p:spPr>
@@ -10442,8 +10405,8 @@
             <a:chExt cx="9527851" cy="751744"/>
           </a:xfrm>
         </p:grpSpPr>
-        <mc:AlternateContent xmlns:mc="http://schemas.openxmlformats.org/markup-compatibility/2006">
-          <mc:Choice xmlns:a14="http://schemas.microsoft.com/office/drawing/2010/main" Requires="a14">
+        <mc:AlternateContent xmlns:mc="http://schemas.openxmlformats.org/markup-compatibility/2006" xmlns:a14="http://schemas.microsoft.com/office/drawing/2010/main">
+          <mc:Choice Requires="a14">
             <p:sp>
               <p:nvSpPr>
                 <p:cNvPr id="7" name="ZoneTexte 6">
@@ -10631,13 +10594,7 @@
                               <a:rPr lang="fr-CA" sz="1600" i="1">
                                 <a:latin typeface="Cambria Math" panose="02040503050406030204" pitchFamily="18" charset="0"/>
                               </a:rPr>
-                              <m:t>+</m:t>
-                            </m:r>
-                            <m:r>
-                              <a:rPr lang="fr-CA" sz="1600" i="1">
-                                <a:latin typeface="Cambria Math" panose="02040503050406030204" pitchFamily="18" charset="0"/>
-                              </a:rPr>
-                              <m:t>4</m:t>
+                              <m:t>+4</m:t>
                             </m:r>
                             <m:sSub>
                               <m:sSubPr>
@@ -10793,13 +10750,7 @@
                               <a:rPr lang="fr-CA" sz="1600" i="1">
                                 <a:latin typeface="Cambria Math" panose="02040503050406030204" pitchFamily="18" charset="0"/>
                               </a:rPr>
-                              <m:t>+</m:t>
-                            </m:r>
-                            <m:r>
-                              <a:rPr lang="fr-CA" sz="1600" i="1">
-                                <a:latin typeface="Cambria Math" panose="02040503050406030204" pitchFamily="18" charset="0"/>
-                              </a:rPr>
-                              <m:t>4</m:t>
+                              <m:t>+4</m:t>
                             </m:r>
                             <m:sSub>
                               <m:sSubPr>
@@ -10828,13 +10779,7 @@
                                   <a:rPr lang="fr-CA" sz="1600" i="1">
                                     <a:latin typeface="Cambria Math" panose="02040503050406030204" pitchFamily="18" charset="0"/>
                                   </a:rPr>
-                                  <m:t>+1</m:t>
-                                </m:r>
-                                <m:r>
-                                  <a:rPr lang="fr-CA" sz="1600" i="1">
-                                    <a:latin typeface="Cambria Math" panose="02040503050406030204" pitchFamily="18" charset="0"/>
-                                  </a:rPr>
-                                  <m:t>,</m:t>
+                                  <m:t>+1,</m:t>
                                 </m:r>
                                 <m:r>
                                   <a:rPr lang="fr-CA" sz="1600" i="1">
@@ -10848,13 +10793,7 @@
                               <a:rPr lang="fr-CA" sz="1600" i="1">
                                 <a:latin typeface="Cambria Math" panose="02040503050406030204" pitchFamily="18" charset="0"/>
                               </a:rPr>
-                              <m:t>+</m:t>
-                            </m:r>
-                            <m:r>
-                              <a:rPr lang="fr-CA" sz="1600" i="1">
-                                <a:latin typeface="Cambria Math" panose="02040503050406030204" pitchFamily="18" charset="0"/>
-                              </a:rPr>
-                              <m:t>4</m:t>
+                              <m:t>+4</m:t>
                             </m:r>
                             <m:sSub>
                               <m:sSubPr>
@@ -10895,13 +10834,7 @@
                                   <a:rPr lang="fr-CA" sz="1600" i="1">
                                     <a:latin typeface="Cambria Math" panose="02040503050406030204" pitchFamily="18" charset="0"/>
                                   </a:rPr>
-                                  <m:t>+</m:t>
-                                </m:r>
-                                <m:r>
-                                  <a:rPr lang="fr-CA" sz="1600" i="1">
-                                    <a:latin typeface="Cambria Math" panose="02040503050406030204" pitchFamily="18" charset="0"/>
-                                  </a:rPr>
-                                  <m:t>1</m:t>
+                                  <m:t>+1</m:t>
                                 </m:r>
                               </m:sub>
                             </m:sSub>
@@ -10909,13 +10842,7 @@
                               <a:rPr lang="fr-CA" sz="1600" i="1">
                                 <a:latin typeface="Cambria Math" panose="02040503050406030204" pitchFamily="18" charset="0"/>
                               </a:rPr>
-                              <m:t>+</m:t>
-                            </m:r>
-                            <m:r>
-                              <a:rPr lang="fr-CA" sz="1600" i="1">
-                                <a:latin typeface="Cambria Math" panose="02040503050406030204" pitchFamily="18" charset="0"/>
-                              </a:rPr>
-                              <m:t>4</m:t>
+                              <m:t>+4</m:t>
                             </m:r>
                             <m:sSub>
                               <m:sSubPr>
@@ -10944,13 +10871,7 @@
                                   <a:rPr lang="fr-CA" sz="1600" i="1">
                                     <a:latin typeface="Cambria Math" panose="02040503050406030204" pitchFamily="18" charset="0"/>
                                   </a:rPr>
-                                  <m:t>+1</m:t>
-                                </m:r>
-                                <m:r>
-                                  <a:rPr lang="fr-CA" sz="1600" i="1">
-                                    <a:latin typeface="Cambria Math" panose="02040503050406030204" pitchFamily="18" charset="0"/>
-                                  </a:rPr>
-                                  <m:t>,</m:t>
+                                  <m:t>+1,</m:t>
                                 </m:r>
                                 <m:r>
                                   <a:rPr lang="fr-CA" sz="1600" i="1">
@@ -10999,13 +10920,7 @@
                                   <a:rPr lang="fr-CA" sz="1600" i="1">
                                     <a:latin typeface="Cambria Math" panose="02040503050406030204" pitchFamily="18" charset="0"/>
                                   </a:rPr>
-                                  <m:t>+1</m:t>
-                                </m:r>
-                                <m:r>
-                                  <a:rPr lang="fr-CA" sz="1600" i="1">
-                                    <a:latin typeface="Cambria Math" panose="02040503050406030204" pitchFamily="18" charset="0"/>
-                                  </a:rPr>
-                                  <m:t>,</m:t>
+                                  <m:t>+1,</m:t>
                                 </m:r>
                                 <m:r>
                                   <a:rPr lang="fr-CA" sz="1600" i="1">
@@ -11017,13 +10932,7 @@
                                   <a:rPr lang="fr-CA" sz="1600" i="1">
                                     <a:latin typeface="Cambria Math" panose="02040503050406030204" pitchFamily="18" charset="0"/>
                                   </a:rPr>
-                                  <m:t>+</m:t>
-                                </m:r>
-                                <m:r>
-                                  <a:rPr lang="fr-CA" sz="1600" i="1">
-                                    <a:latin typeface="Cambria Math" panose="02040503050406030204" pitchFamily="18" charset="0"/>
-                                  </a:rPr>
-                                  <m:t>1</m:t>
+                                  <m:t>+1</m:t>
                                 </m:r>
                               </m:sub>
                             </m:sSub>
@@ -11076,7 +10985,7 @@
               </p:txBody>
             </p:sp>
           </mc:Choice>
-          <mc:Fallback>
+          <mc:Fallback xmlns="">
             <p:sp>
               <p:nvSpPr>
                 <p:cNvPr id="7" name="ZoneTexte 6">
@@ -11269,8 +11178,8 @@
           </a:p>
         </p:txBody>
       </p:sp>
-      <mc:AlternateContent xmlns:mc="http://schemas.openxmlformats.org/markup-compatibility/2006">
-        <mc:Choice xmlns:a14="http://schemas.microsoft.com/office/drawing/2010/main" Requires="a14">
+      <mc:AlternateContent xmlns:mc="http://schemas.openxmlformats.org/markup-compatibility/2006" xmlns:a14="http://schemas.microsoft.com/office/drawing/2010/main">
+        <mc:Choice Requires="a14">
           <p:sp>
             <p:nvSpPr>
               <p:cNvPr id="15" name="ZoneTexte 14">
@@ -11373,7 +11282,7 @@
             </p:txBody>
           </p:sp>
         </mc:Choice>
-        <mc:Fallback>
+        <mc:Fallback xmlns="">
           <p:sp>
             <p:nvSpPr>
               <p:cNvPr id="15" name="ZoneTexte 14">
@@ -11505,8 +11414,8 @@
             <a:chExt cx="1495778" cy="369332"/>
           </a:xfrm>
         </p:grpSpPr>
-        <mc:AlternateContent xmlns:mc="http://schemas.openxmlformats.org/markup-compatibility/2006">
-          <mc:Choice xmlns:a14="http://schemas.microsoft.com/office/drawing/2010/main" Requires="a14">
+        <mc:AlternateContent xmlns:mc="http://schemas.openxmlformats.org/markup-compatibility/2006" xmlns:a14="http://schemas.microsoft.com/office/drawing/2010/main">
+          <mc:Choice Requires="a14">
             <p:sp>
               <p:nvSpPr>
                 <p:cNvPr id="18" name="ZoneTexte 17">
@@ -11535,6 +11444,7 @@
                 </a:bodyPr>
                 <a:lstStyle/>
                 <a:p>
+                  <a:pPr/>
                   <a14:m>
                     <m:oMathPara xmlns:m="http://schemas.openxmlformats.org/officeDocument/2006/math">
                       <m:oMathParaPr>
@@ -11592,7 +11502,7 @@
               </p:txBody>
             </p:sp>
           </mc:Choice>
-          <mc:Fallback>
+          <mc:Fallback xmlns="">
             <p:sp>
               <p:nvSpPr>
                 <p:cNvPr id="18" name="ZoneTexte 17">
@@ -11905,8 +11815,8 @@
             <a:chExt cx="8425384" cy="1310936"/>
           </a:xfrm>
         </p:grpSpPr>
-        <mc:AlternateContent xmlns:mc="http://schemas.openxmlformats.org/markup-compatibility/2006">
-          <mc:Choice xmlns:a14="http://schemas.microsoft.com/office/drawing/2010/main" Requires="a14">
+        <mc:AlternateContent xmlns:mc="http://schemas.openxmlformats.org/markup-compatibility/2006" xmlns:a14="http://schemas.microsoft.com/office/drawing/2010/main">
+          <mc:Choice Requires="a14">
             <p:sp>
               <p:nvSpPr>
                 <p:cNvPr id="7" name="ZoneTexte 6">
@@ -13242,7 +13152,7 @@
               </p:txBody>
             </p:sp>
           </mc:Choice>
-          <mc:Fallback>
+          <mc:Fallback xmlns="">
             <p:sp>
               <p:nvSpPr>
                 <p:cNvPr id="7" name="ZoneTexte 6">
@@ -13467,8 +13377,8 @@
           </a:p>
         </p:txBody>
       </p:sp>
-      <mc:AlternateContent xmlns:mc="http://schemas.openxmlformats.org/markup-compatibility/2006">
-        <mc:Choice xmlns:a14="http://schemas.microsoft.com/office/drawing/2010/main" Requires="a14">
+      <mc:AlternateContent xmlns:mc="http://schemas.openxmlformats.org/markup-compatibility/2006" xmlns:a14="http://schemas.microsoft.com/office/drawing/2010/main">
+        <mc:Choice Requires="a14">
           <p:sp>
             <p:nvSpPr>
               <p:cNvPr id="8" name="ZoneTexte 7">
@@ -13834,7 +13744,7 @@
             </p:txBody>
           </p:sp>
         </mc:Choice>
-        <mc:Fallback>
+        <mc:Fallback xmlns="">
           <p:sp>
             <p:nvSpPr>
               <p:cNvPr id="8" name="ZoneTexte 7">
@@ -18564,7 +18474,7 @@
         </p:nvSpPr>
         <p:spPr>
           <a:xfrm>
-            <a:off x="275437" y="2347058"/>
+            <a:off x="275437" y="1602882"/>
             <a:ext cx="4858220" cy="923330"/>
           </a:xfrm>
           <a:prstGeom prst="rect">
@@ -18618,8 +18528,8 @@
           </a:p>
         </p:txBody>
       </p:sp>
-      <mc:AlternateContent xmlns:mc="http://schemas.openxmlformats.org/markup-compatibility/2006" xmlns:a14="http://schemas.microsoft.com/office/drawing/2010/main">
-        <mc:Choice Requires="a14">
+      <mc:AlternateContent xmlns:mc="http://schemas.openxmlformats.org/markup-compatibility/2006">
+        <mc:Choice xmlns:a14="http://schemas.microsoft.com/office/drawing/2010/main" Requires="a14">
           <p:sp>
             <p:nvSpPr>
               <p:cNvPr id="12" name="ZoneTexte 11">
@@ -18634,7 +18544,7 @@
             </p:nvSpPr>
             <p:spPr>
               <a:xfrm>
-                <a:off x="2039236" y="3270388"/>
+                <a:off x="2039236" y="2526212"/>
                 <a:ext cx="1330621" cy="818366"/>
               </a:xfrm>
               <a:prstGeom prst="rect">
@@ -18737,7 +18647,7 @@
             </p:txBody>
           </p:sp>
         </mc:Choice>
-        <mc:Fallback xmlns="">
+        <mc:Fallback>
           <p:sp>
             <p:nvSpPr>
               <p:cNvPr id="12" name="ZoneTexte 11">
@@ -18754,7 +18664,7 @@
             </p:nvSpPr>
             <p:spPr>
               <a:xfrm>
-                <a:off x="2039236" y="3270388"/>
+                <a:off x="2039236" y="2526212"/>
                 <a:ext cx="1330621" cy="818366"/>
               </a:xfrm>
               <a:prstGeom prst="rect">
@@ -18796,7 +18706,7 @@
         </p:nvSpPr>
         <p:spPr>
           <a:xfrm>
-            <a:off x="5357152" y="2347058"/>
+            <a:off x="5357152" y="1602882"/>
             <a:ext cx="4858220" cy="646331"/>
           </a:xfrm>
           <a:prstGeom prst="rect">
@@ -18825,105 +18735,66 @@
           </a:p>
         </p:txBody>
       </p:sp>
-      <mc:AlternateContent xmlns:mc="http://schemas.openxmlformats.org/markup-compatibility/2006" xmlns:a14="http://schemas.microsoft.com/office/drawing/2010/main">
-        <mc:Choice Requires="a14">
-          <p:sp>
-            <p:nvSpPr>
-              <p:cNvPr id="14" name="ZoneTexte 13">
-                <a:extLst>
-                  <a:ext uri="{FF2B5EF4-FFF2-40B4-BE49-F238E27FC236}">
-                    <a16:creationId xmlns:a16="http://schemas.microsoft.com/office/drawing/2014/main" id="{7A488C1D-ECA9-430C-893A-4F404EC830A3}"/>
-                  </a:ext>
-                </a:extLst>
-              </p:cNvPr>
-              <p:cNvSpPr txBox="1"/>
-              <p:nvPr/>
-            </p:nvSpPr>
-            <p:spPr>
-              <a:xfrm>
-                <a:off x="5862048" y="3150446"/>
-                <a:ext cx="3771866" cy="983539"/>
-              </a:xfrm>
-              <a:prstGeom prst="rect">
-                <a:avLst/>
-              </a:prstGeom>
-              <a:noFill/>
-            </p:spPr>
-            <p:txBody>
-              <a:bodyPr wrap="none" lIns="0" tIns="0" rIns="0" bIns="0" rtlCol="0">
-                <a:spAutoFit/>
-              </a:bodyPr>
-              <a:lstStyle/>
-              <a:p>
-                <a14:m>
-                  <m:oMath xmlns:m="http://schemas.openxmlformats.org/officeDocument/2006/math">
-                    <m:sSub>
-                      <m:sSubPr>
-                        <m:ctrlPr>
-                          <a:rPr lang="fr-CA" i="1" smtClean="0">
-                            <a:highlight>
-                              <a:srgbClr val="FFFF00"/>
-                            </a:highlight>
-                            <a:latin typeface="Cambria Math" panose="02040503050406030204" pitchFamily="18" charset="0"/>
-                            <a:ea typeface="Cambria Math" panose="02040503050406030204" pitchFamily="18" charset="0"/>
-                          </a:rPr>
-                        </m:ctrlPr>
-                      </m:sSubPr>
-                      <m:e>
-                        <m:r>
-                          <a:rPr lang="fr-CA" i="1">
-                            <a:highlight>
-                              <a:srgbClr val="FFFF00"/>
-                            </a:highlight>
-                            <a:latin typeface="Cambria Math" panose="02040503050406030204" pitchFamily="18" charset="0"/>
-                            <a:ea typeface="Cambria Math" panose="02040503050406030204" pitchFamily="18" charset="0"/>
-                          </a:rPr>
-                          <m:t>𝜎</m:t>
-                        </m:r>
-                      </m:e>
-                      <m:sub>
-                        <m:r>
-                          <a:rPr lang="fr-CA" b="0" i="1" smtClean="0">
-                            <a:highlight>
-                              <a:srgbClr val="FFFF00"/>
-                            </a:highlight>
-                            <a:latin typeface="Cambria Math" panose="02040503050406030204" pitchFamily="18" charset="0"/>
-                            <a:ea typeface="Cambria Math" panose="02040503050406030204" pitchFamily="18" charset="0"/>
-                          </a:rPr>
-                          <m:t>𝑆𝐸𝑅</m:t>
-                        </m:r>
-                      </m:sub>
-                    </m:sSub>
-                    <m:r>
-                      <a:rPr lang="fr-CA" b="0" i="1" smtClean="0">
-                        <a:highlight>
-                          <a:srgbClr val="FFFF00"/>
-                        </a:highlight>
-                        <a:latin typeface="Cambria Math" panose="02040503050406030204" pitchFamily="18" charset="0"/>
-                        <a:ea typeface="Cambria Math" panose="02040503050406030204" pitchFamily="18" charset="0"/>
-                      </a:rPr>
-                      <m:t>=</m:t>
-                    </m:r>
-                    <m:f>
-                      <m:fPr>
-                        <m:ctrlPr>
-                          <a:rPr lang="fr-CA" b="0" i="1" smtClean="0">
-                            <a:highlight>
-                              <a:srgbClr val="FFFF00"/>
-                            </a:highlight>
-                            <a:latin typeface="Cambria Math" panose="02040503050406030204" pitchFamily="18" charset="0"/>
-                            <a:ea typeface="Cambria Math" panose="02040503050406030204" pitchFamily="18" charset="0"/>
-                          </a:rPr>
-                        </m:ctrlPr>
-                      </m:fPr>
-                      <m:num>
+      <p:grpSp>
+        <p:nvGrpSpPr>
+          <p:cNvPr id="6" name="Groupe 5">
+            <a:extLst>
+              <a:ext uri="{FF2B5EF4-FFF2-40B4-BE49-F238E27FC236}">
+                <a16:creationId xmlns:a16="http://schemas.microsoft.com/office/drawing/2014/main" id="{93B2722A-D69C-4AE9-99E1-6AD3A8D04130}"/>
+              </a:ext>
+            </a:extLst>
+          </p:cNvPr>
+          <p:cNvGrpSpPr/>
+          <p:nvPr/>
+        </p:nvGrpSpPr>
+        <p:grpSpPr>
+          <a:xfrm>
+            <a:off x="6007810" y="2348013"/>
+            <a:ext cx="3425313" cy="575863"/>
+            <a:chOff x="6007810" y="2993389"/>
+            <a:chExt cx="2764033" cy="575863"/>
+          </a:xfrm>
+        </p:grpSpPr>
+        <mc:AlternateContent xmlns:mc="http://schemas.openxmlformats.org/markup-compatibility/2006">
+          <mc:Choice xmlns:a14="http://schemas.microsoft.com/office/drawing/2010/main" Requires="a14">
+            <p:sp>
+              <p:nvSpPr>
+                <p:cNvPr id="5" name="ZoneTexte 4">
+                  <a:extLst>
+                    <a:ext uri="{FF2B5EF4-FFF2-40B4-BE49-F238E27FC236}">
+                      <a16:creationId xmlns:a16="http://schemas.microsoft.com/office/drawing/2014/main" id="{F442E28A-47E8-400E-B6CC-517A30756812}"/>
+                    </a:ext>
+                  </a:extLst>
+                </p:cNvPr>
+                <p:cNvSpPr txBox="1"/>
+                <p:nvPr/>
+              </p:nvSpPr>
+              <p:spPr>
+                <a:xfrm>
+                  <a:off x="6007810" y="2993389"/>
+                  <a:ext cx="2258766" cy="575863"/>
+                </a:xfrm>
+                <a:prstGeom prst="rect">
+                  <a:avLst/>
+                </a:prstGeom>
+                <a:noFill/>
+              </p:spPr>
+              <p:txBody>
+                <a:bodyPr wrap="none" lIns="0" tIns="0" rIns="0" bIns="0" rtlCol="0">
+                  <a:spAutoFit/>
+                </a:bodyPr>
+                <a:lstStyle/>
+                <a:p>
+                  <a14:m>
+                    <m:oMathPara xmlns:m="http://schemas.openxmlformats.org/officeDocument/2006/math">
+                      <m:oMathParaPr>
+                        <m:jc m:val="centerGroup"/>
+                      </m:oMathParaPr>
+                      <m:oMath xmlns:m="http://schemas.openxmlformats.org/officeDocument/2006/math">
                         <m:sSub>
                           <m:sSubPr>
                             <m:ctrlPr>
-                              <a:rPr lang="fr-CA" b="0" i="1" smtClean="0">
-                                <a:highlight>
-                                  <a:srgbClr val="FFFF00"/>
-                                </a:highlight>
+                              <a:rPr lang="fr-CA" i="1" smtClean="0">
                                 <a:latin typeface="Cambria Math" panose="02040503050406030204" pitchFamily="18" charset="0"/>
                                 <a:ea typeface="Cambria Math" panose="02040503050406030204" pitchFamily="18" charset="0"/>
                               </a:rPr>
@@ -18932,380 +18803,399 @@
                           <m:e>
                             <m:r>
                               <a:rPr lang="fr-CA" i="1">
-                                <a:highlight>
-                                  <a:srgbClr val="FFFF00"/>
-                                </a:highlight>
                                 <a:latin typeface="Cambria Math" panose="02040503050406030204" pitchFamily="18" charset="0"/>
                                 <a:ea typeface="Cambria Math" panose="02040503050406030204" pitchFamily="18" charset="0"/>
                               </a:rPr>
-                              <m:t>𝑃</m:t>
+                              <m:t>𝜎</m:t>
                             </m:r>
                           </m:e>
                           <m:sub>
                             <m:r>
-                              <a:rPr lang="fr-CA" b="0" i="1" smtClean="0">
-                                <a:highlight>
-                                  <a:srgbClr val="FFFF00"/>
-                                </a:highlight>
+                              <a:rPr lang="fr-CA" i="1">
                                 <a:latin typeface="Cambria Math" panose="02040503050406030204" pitchFamily="18" charset="0"/>
                                 <a:ea typeface="Cambria Math" panose="02040503050406030204" pitchFamily="18" charset="0"/>
                               </a:rPr>
-                              <m:t>𝑠</m:t>
+                              <m:t>𝑆𝐸𝑅</m:t>
                             </m:r>
                           </m:sub>
                         </m:sSub>
-                      </m:num>
-                      <m:den>
-                        <m:sSub>
-                          <m:sSubPr>
+                        <m:r>
+                          <a:rPr lang="fr-CA" b="0" i="1" smtClean="0">
+                            <a:latin typeface="Cambria Math" panose="02040503050406030204" pitchFamily="18" charset="0"/>
+                            <a:ea typeface="Cambria Math" panose="02040503050406030204" pitchFamily="18" charset="0"/>
+                          </a:rPr>
+                          <m:t>=</m:t>
+                        </m:r>
+                        <m:f>
+                          <m:fPr>
                             <m:ctrlPr>
-                              <a:rPr lang="fr-CA" i="1">
-                                <a:highlight>
-                                  <a:srgbClr val="FFFF00"/>
-                                </a:highlight>
+                              <a:rPr lang="fr-CA" b="0" i="1" smtClean="0">
                                 <a:latin typeface="Cambria Math" panose="02040503050406030204" pitchFamily="18" charset="0"/>
                                 <a:ea typeface="Cambria Math" panose="02040503050406030204" pitchFamily="18" charset="0"/>
                               </a:rPr>
                             </m:ctrlPr>
-                          </m:sSubPr>
+                          </m:fPr>
+                          <m:num>
+                            <m:sSub>
+                              <m:sSubPr>
+                                <m:ctrlPr>
+                                  <a:rPr lang="fr-CA" b="0" i="1" smtClean="0">
+                                    <a:latin typeface="Cambria Math" panose="02040503050406030204" pitchFamily="18" charset="0"/>
+                                    <a:ea typeface="Cambria Math" panose="02040503050406030204" pitchFamily="18" charset="0"/>
+                                  </a:rPr>
+                                </m:ctrlPr>
+                              </m:sSubPr>
+                              <m:e>
+                                <m:r>
+                                  <a:rPr lang="fr-CA" b="0" i="1" smtClean="0">
+                                    <a:latin typeface="Cambria Math" panose="02040503050406030204" pitchFamily="18" charset="0"/>
+                                    <a:ea typeface="Cambria Math" panose="02040503050406030204" pitchFamily="18" charset="0"/>
+                                  </a:rPr>
+                                  <m:t>𝑃</m:t>
+                                </m:r>
+                              </m:e>
+                              <m:sub>
+                                <m:r>
+                                  <a:rPr lang="fr-CA" b="0" i="1" smtClean="0">
+                                    <a:latin typeface="Cambria Math" panose="02040503050406030204" pitchFamily="18" charset="0"/>
+                                    <a:ea typeface="Cambria Math" panose="02040503050406030204" pitchFamily="18" charset="0"/>
+                                  </a:rPr>
+                                  <m:t>𝑟𝑒</m:t>
+                                </m:r>
+                                <m:r>
+                                  <a:rPr lang="fr-CA" b="0" i="1" smtClean="0">
+                                    <a:latin typeface="Cambria Math" panose="02040503050406030204" pitchFamily="18" charset="0"/>
+                                    <a:ea typeface="Cambria Math" panose="02040503050406030204" pitchFamily="18" charset="0"/>
+                                  </a:rPr>
+                                  <m:t>ç</m:t>
+                                </m:r>
+                                <m:r>
+                                  <a:rPr lang="fr-CA" b="0" i="1" smtClean="0">
+                                    <a:latin typeface="Cambria Math" panose="02040503050406030204" pitchFamily="18" charset="0"/>
+                                    <a:ea typeface="Cambria Math" panose="02040503050406030204" pitchFamily="18" charset="0"/>
+                                  </a:rPr>
+                                  <m:t>𝑢</m:t>
+                                </m:r>
+                              </m:sub>
+                            </m:sSub>
+                          </m:num>
+                          <m:den>
+                            <m:sSub>
+                              <m:sSubPr>
+                                <m:ctrlPr>
+                                  <a:rPr lang="fr-CA" b="0" i="1" smtClean="0">
+                                    <a:latin typeface="Cambria Math" panose="02040503050406030204" pitchFamily="18" charset="0"/>
+                                    <a:ea typeface="Cambria Math" panose="02040503050406030204" pitchFamily="18" charset="0"/>
+                                  </a:rPr>
+                                </m:ctrlPr>
+                              </m:sSubPr>
+                              <m:e>
+                                <m:r>
+                                  <a:rPr lang="fr-CA" b="0" i="1" smtClean="0">
+                                    <a:latin typeface="Cambria Math" panose="02040503050406030204" pitchFamily="18" charset="0"/>
+                                    <a:ea typeface="Cambria Math" panose="02040503050406030204" pitchFamily="18" charset="0"/>
+                                  </a:rPr>
+                                  <m:t>𝑃</m:t>
+                                </m:r>
+                              </m:e>
+                              <m:sub>
+                                <m:r>
+                                  <a:rPr lang="fr-CA" b="0" i="1" smtClean="0">
+                                    <a:latin typeface="Cambria Math" panose="02040503050406030204" pitchFamily="18" charset="0"/>
+                                    <a:ea typeface="Cambria Math" panose="02040503050406030204" pitchFamily="18" charset="0"/>
+                                  </a:rPr>
+                                  <m:t>𝑖𝑛𝑐𝑖𝑑𝑒𝑛𝑡</m:t>
+                                </m:r>
+                              </m:sub>
+                            </m:sSub>
+                          </m:den>
+                        </m:f>
+                        <m:r>
+                          <a:rPr lang="fr-CA" b="0" i="1" smtClean="0">
+                            <a:latin typeface="Cambria Math" panose="02040503050406030204" pitchFamily="18" charset="0"/>
+                            <a:ea typeface="Cambria Math" panose="02040503050406030204" pitchFamily="18" charset="0"/>
+                          </a:rPr>
+                          <m:t>×</m:t>
+                        </m:r>
+                        <m:sSup>
+                          <m:sSupPr>
+                            <m:ctrlPr>
+                              <a:rPr lang="fr-CA" b="0" i="1" smtClean="0">
+                                <a:latin typeface="Cambria Math" panose="02040503050406030204" pitchFamily="18" charset="0"/>
+                                <a:ea typeface="Cambria Math" panose="02040503050406030204" pitchFamily="18" charset="0"/>
+                              </a:rPr>
+                            </m:ctrlPr>
+                          </m:sSupPr>
                           <m:e>
-                            <m:r>
-                              <a:rPr lang="fr-CA" i="1">
-                                <a:highlight>
-                                  <a:srgbClr val="FFFF00"/>
-                                </a:highlight>
-                                <a:latin typeface="Cambria Math" panose="02040503050406030204" pitchFamily="18" charset="0"/>
-                                <a:ea typeface="Cambria Math" panose="02040503050406030204" pitchFamily="18" charset="0"/>
-                              </a:rPr>
-                              <m:t>𝑃</m:t>
-                            </m:r>
+                            <m:sSub>
+                              <m:sSubPr>
+                                <m:ctrlPr>
+                                  <a:rPr lang="fr-CA" i="1">
+                                    <a:latin typeface="Cambria Math" panose="02040503050406030204" pitchFamily="18" charset="0"/>
+                                    <a:ea typeface="Cambria Math" panose="02040503050406030204" pitchFamily="18" charset="0"/>
+                                  </a:rPr>
+                                </m:ctrlPr>
+                              </m:sSubPr>
+                              <m:e>
+                                <m:r>
+                                  <a:rPr lang="fr-CA" i="1">
+                                    <a:latin typeface="Cambria Math" panose="02040503050406030204" pitchFamily="18" charset="0"/>
+                                    <a:ea typeface="Cambria Math" panose="02040503050406030204" pitchFamily="18" charset="0"/>
+                                  </a:rPr>
+                                  <m:t>𝑑</m:t>
+                                </m:r>
+                              </m:e>
+                              <m:sub>
+                                <m:r>
+                                  <a:rPr lang="fr-CA" i="1">
+                                    <a:latin typeface="Cambria Math" panose="02040503050406030204" pitchFamily="18" charset="0"/>
+                                    <a:ea typeface="Cambria Math" panose="02040503050406030204" pitchFamily="18" charset="0"/>
+                                  </a:rPr>
+                                  <m:t>𝑏𝑎𝑡𝑒𝑎𝑢</m:t>
+                                </m:r>
+                              </m:sub>
+                            </m:sSub>
                           </m:e>
-                          <m:sub>
+                          <m:sup>
                             <m:r>
                               <a:rPr lang="fr-CA" b="0" i="1" smtClean="0">
-                                <a:highlight>
-                                  <a:srgbClr val="FFFF00"/>
-                                </a:highlight>
                                 <a:latin typeface="Cambria Math" panose="02040503050406030204" pitchFamily="18" charset="0"/>
                                 <a:ea typeface="Cambria Math" panose="02040503050406030204" pitchFamily="18" charset="0"/>
                               </a:rPr>
-                              <m:t>𝑖</m:t>
+                              <m:t>2</m:t>
                             </m:r>
-                          </m:sub>
-                        </m:sSub>
-                      </m:den>
-                    </m:f>
-                  </m:oMath>
-                </a14:m>
-                <a:r>
-                  <a:rPr lang="fr-CA" dirty="0">
-                    <a:highlight>
-                      <a:srgbClr val="FFFF00"/>
-                    </a:highlight>
-                  </a:rPr>
-                  <a:t>   (7) #équation du rapport</a:t>
-                </a:r>
-              </a:p>
-              <a:p>
-                <a:r>
-                  <a:rPr lang="fr-CA" dirty="0">
-                    <a:highlight>
-                      <a:srgbClr val="FFFF00"/>
-                    </a:highlight>
-                  </a:rPr>
-                  <a:t>Où sinon on met l’équation du code</a:t>
-                </a:r>
-              </a:p>
-              <a:p>
-                <a:r>
-                  <a:rPr lang="fr-CA" dirty="0">
-                    <a:highlight>
-                      <a:srgbClr val="FFFF00"/>
-                    </a:highlight>
-                  </a:rPr>
-                  <a:t>Où sinon on met l’équation du guide</a:t>
-                </a:r>
-              </a:p>
-            </p:txBody>
-          </p:sp>
-        </mc:Choice>
-        <mc:Fallback xmlns="">
-          <p:sp>
-            <p:nvSpPr>
-              <p:cNvPr id="14" name="ZoneTexte 13">
-                <a:extLst>
-                  <a:ext uri="{FF2B5EF4-FFF2-40B4-BE49-F238E27FC236}">
-                    <a16:creationId xmlns:a16="http://schemas.microsoft.com/office/drawing/2014/main" id="{7A488C1D-ECA9-430C-893A-4F404EC830A3}"/>
-                  </a:ext>
-                </a:extLst>
-              </p:cNvPr>
-              <p:cNvSpPr txBox="1">
-                <a:spLocks noRot="1" noChangeAspect="1" noMove="1" noResize="1" noEditPoints="1" noAdjustHandles="1" noChangeArrowheads="1" noChangeShapeType="1" noTextEdit="1"/>
-              </p:cNvSpPr>
-              <p:nvPr/>
-            </p:nvSpPr>
-            <p:spPr>
-              <a:xfrm>
-                <a:off x="5862048" y="3150446"/>
-                <a:ext cx="3771866" cy="983539"/>
-              </a:xfrm>
-              <a:prstGeom prst="rect">
-                <a:avLst/>
-              </a:prstGeom>
-              <a:blipFill>
-                <a:blip r:embed="rId3"/>
-                <a:stretch>
-                  <a:fillRect l="-3883" t="-3106" r="-3074" b="-13043"/>
-                </a:stretch>
-              </a:blipFill>
-            </p:spPr>
-            <p:txBody>
-              <a:bodyPr/>
-              <a:lstStyle/>
-              <a:p>
-                <a:r>
-                  <a:rPr lang="fr-CA">
-                    <a:noFill/>
-                  </a:rPr>
-                  <a:t> </a:t>
-                </a:r>
-              </a:p>
-            </p:txBody>
-          </p:sp>
-        </mc:Fallback>
-      </mc:AlternateContent>
-      <mc:AlternateContent xmlns:mc="http://schemas.openxmlformats.org/markup-compatibility/2006" xmlns:a14="http://schemas.microsoft.com/office/drawing/2010/main">
-        <mc:Choice Requires="a14">
-          <p:sp>
-            <p:nvSpPr>
-              <p:cNvPr id="15" name="ZoneTexte 14">
-                <a:extLst>
-                  <a:ext uri="{FF2B5EF4-FFF2-40B4-BE49-F238E27FC236}">
-                    <a16:creationId xmlns:a16="http://schemas.microsoft.com/office/drawing/2014/main" id="{3D8A1D7F-8FE2-4769-8110-DD0930555833}"/>
-                  </a:ext>
-                </a:extLst>
-              </p:cNvPr>
-              <p:cNvSpPr txBox="1"/>
-              <p:nvPr/>
-            </p:nvSpPr>
-            <p:spPr>
-              <a:xfrm>
-                <a:off x="6880649" y="4287733"/>
-                <a:ext cx="1243096" cy="603691"/>
-              </a:xfrm>
-              <a:prstGeom prst="rect">
-                <a:avLst/>
-              </a:prstGeom>
-              <a:noFill/>
-            </p:spPr>
-            <p:txBody>
-              <a:bodyPr wrap="none" lIns="0" tIns="0" rIns="0" bIns="0" rtlCol="0">
-                <a:spAutoFit/>
-              </a:bodyPr>
-              <a:lstStyle/>
-              <a:p>
-                <a:pPr/>
-                <a14:m>
-                  <m:oMathPara xmlns:m="http://schemas.openxmlformats.org/officeDocument/2006/math">
-                    <m:oMathParaPr>
-                      <m:jc m:val="centerGroup"/>
-                    </m:oMathParaPr>
-                    <m:oMath xmlns:m="http://schemas.openxmlformats.org/officeDocument/2006/math">
-                      <m:sSub>
-                        <m:sSubPr>
-                          <m:ctrlPr>
-                            <a:rPr lang="fr-CA" i="1" smtClean="0">
-                              <a:highlight>
-                                <a:srgbClr val="FFFF00"/>
-                              </a:highlight>
-                              <a:latin typeface="Cambria Math" panose="02040503050406030204" pitchFamily="18" charset="0"/>
-                              <a:ea typeface="Cambria Math" panose="02040503050406030204" pitchFamily="18" charset="0"/>
-                            </a:rPr>
-                          </m:ctrlPr>
-                        </m:sSubPr>
-                        <m:e>
-                          <m:r>
-                            <a:rPr lang="fr-CA" i="1">
-                              <a:highlight>
-                                <a:srgbClr val="FFFF00"/>
-                              </a:highlight>
-                              <a:latin typeface="Cambria Math" panose="02040503050406030204" pitchFamily="18" charset="0"/>
-                              <a:ea typeface="Cambria Math" panose="02040503050406030204" pitchFamily="18" charset="0"/>
-                            </a:rPr>
-                            <m:t>𝜎</m:t>
-                          </m:r>
-                        </m:e>
-                        <m:sub>
-                          <m:r>
-                            <a:rPr lang="fr-CA" i="1">
-                              <a:highlight>
-                                <a:srgbClr val="FFFF00"/>
-                              </a:highlight>
-                              <a:latin typeface="Cambria Math" panose="02040503050406030204" pitchFamily="18" charset="0"/>
-                              <a:ea typeface="Cambria Math" panose="02040503050406030204" pitchFamily="18" charset="0"/>
-                            </a:rPr>
-                            <m:t>𝑆𝐸𝑅</m:t>
-                          </m:r>
-                        </m:sub>
-                      </m:sSub>
-                      <m:r>
-                        <a:rPr lang="fr-CA" i="1">
-                          <a:highlight>
-                            <a:srgbClr val="FFFF00"/>
-                          </a:highlight>
-                          <a:latin typeface="Cambria Math" panose="02040503050406030204" pitchFamily="18" charset="0"/>
-                          <a:ea typeface="Cambria Math" panose="02040503050406030204" pitchFamily="18" charset="0"/>
-                        </a:rPr>
-                        <m:t>=</m:t>
-                      </m:r>
-                      <m:f>
-                        <m:fPr>
-                          <m:ctrlPr>
-                            <a:rPr lang="fr-CA" i="1">
-                              <a:highlight>
-                                <a:srgbClr val="FFFF00"/>
-                              </a:highlight>
-                              <a:latin typeface="Cambria Math" panose="02040503050406030204" pitchFamily="18" charset="0"/>
-                              <a:ea typeface="Cambria Math" panose="02040503050406030204" pitchFamily="18" charset="0"/>
-                            </a:rPr>
-                          </m:ctrlPr>
-                        </m:fPr>
-                        <m:num>
-                          <m:sSub>
-                            <m:sSubPr>
-                              <m:ctrlPr>
-                                <a:rPr lang="fr-CA" i="1">
-                                  <a:highlight>
-                                    <a:srgbClr val="FFFF00"/>
-                                  </a:highlight>
-                                  <a:latin typeface="Cambria Math" panose="02040503050406030204" pitchFamily="18" charset="0"/>
-                                  <a:ea typeface="Cambria Math" panose="02040503050406030204" pitchFamily="18" charset="0"/>
-                                </a:rPr>
-                              </m:ctrlPr>
-                            </m:sSubPr>
-                            <m:e>
-                              <m:r>
-                                <a:rPr lang="fr-CA" i="1">
-                                  <a:highlight>
-                                    <a:srgbClr val="FFFF00"/>
-                                  </a:highlight>
-                                  <a:latin typeface="Cambria Math" panose="02040503050406030204" pitchFamily="18" charset="0"/>
-                                  <a:ea typeface="Cambria Math" panose="02040503050406030204" pitchFamily="18" charset="0"/>
-                                </a:rPr>
-                                <m:t>𝑃</m:t>
-                              </m:r>
-                            </m:e>
-                            <m:sub>
-                              <m:r>
-                                <a:rPr lang="fr-CA" b="0" i="1" smtClean="0">
-                                  <a:highlight>
-                                    <a:srgbClr val="FFFF00"/>
-                                  </a:highlight>
-                                  <a:latin typeface="Cambria Math" panose="02040503050406030204" pitchFamily="18" charset="0"/>
-                                  <a:ea typeface="Cambria Math" panose="02040503050406030204" pitchFamily="18" charset="0"/>
-                                </a:rPr>
-                                <m:t>𝑒𝑥𝑝</m:t>
-                              </m:r>
-                            </m:sub>
-                          </m:sSub>
-                        </m:num>
-                        <m:den>
-                          <m:sSub>
-                            <m:sSubPr>
-                              <m:ctrlPr>
-                                <a:rPr lang="fr-CA" i="1">
-                                  <a:highlight>
-                                    <a:srgbClr val="FFFF00"/>
-                                  </a:highlight>
-                                  <a:latin typeface="Cambria Math" panose="02040503050406030204" pitchFamily="18" charset="0"/>
-                                  <a:ea typeface="Cambria Math" panose="02040503050406030204" pitchFamily="18" charset="0"/>
-                                </a:rPr>
-                              </m:ctrlPr>
-                            </m:sSubPr>
-                            <m:e>
-                              <m:r>
-                                <a:rPr lang="fr-CA" i="1">
-                                  <a:highlight>
-                                    <a:srgbClr val="FFFF00"/>
-                                  </a:highlight>
-                                  <a:latin typeface="Cambria Math" panose="02040503050406030204" pitchFamily="18" charset="0"/>
-                                  <a:ea typeface="Cambria Math" panose="02040503050406030204" pitchFamily="18" charset="0"/>
-                                </a:rPr>
-                                <m:t>𝑃</m:t>
-                              </m:r>
-                            </m:e>
-                            <m:sub>
-                              <m:r>
-                                <a:rPr lang="fr-CA" b="0" i="1" smtClean="0">
-                                  <a:highlight>
-                                    <a:srgbClr val="FFFF00"/>
-                                  </a:highlight>
-                                  <a:latin typeface="Cambria Math" panose="02040503050406030204" pitchFamily="18" charset="0"/>
-                                  <a:ea typeface="Cambria Math" panose="02040503050406030204" pitchFamily="18" charset="0"/>
-                                </a:rPr>
-                                <m:t>𝑅𝑒𝑓</m:t>
-                              </m:r>
-                            </m:sub>
-                          </m:sSub>
-                        </m:den>
-                      </m:f>
-                    </m:oMath>
-                  </m:oMathPara>
-                </a14:m>
-                <a:endParaRPr lang="fr-CA" dirty="0">
-                  <a:highlight>
-                    <a:srgbClr val="FFFF00"/>
-                  </a:highlight>
-                </a:endParaRPr>
-              </a:p>
-            </p:txBody>
-          </p:sp>
-        </mc:Choice>
-        <mc:Fallback xmlns="">
-          <p:sp>
-            <p:nvSpPr>
-              <p:cNvPr id="15" name="ZoneTexte 14">
-                <a:extLst>
-                  <a:ext uri="{FF2B5EF4-FFF2-40B4-BE49-F238E27FC236}">
-                    <a16:creationId xmlns:a16="http://schemas.microsoft.com/office/drawing/2014/main" id="{3D8A1D7F-8FE2-4769-8110-DD0930555833}"/>
-                  </a:ext>
-                </a:extLst>
-              </p:cNvPr>
-              <p:cNvSpPr txBox="1">
-                <a:spLocks noRot="1" noChangeAspect="1" noMove="1" noResize="1" noEditPoints="1" noAdjustHandles="1" noChangeArrowheads="1" noChangeShapeType="1" noTextEdit="1"/>
-              </p:cNvSpPr>
-              <p:nvPr/>
-            </p:nvSpPr>
-            <p:spPr>
-              <a:xfrm>
-                <a:off x="6880649" y="4287733"/>
-                <a:ext cx="1243096" cy="603691"/>
-              </a:xfrm>
-              <a:prstGeom prst="rect">
-                <a:avLst/>
-              </a:prstGeom>
-              <a:blipFill>
-                <a:blip r:embed="rId4"/>
-                <a:stretch>
-                  <a:fillRect b="-1010"/>
-                </a:stretch>
-              </a:blipFill>
-            </p:spPr>
-            <p:txBody>
-              <a:bodyPr/>
-              <a:lstStyle/>
-              <a:p>
-                <a:r>
-                  <a:rPr lang="fr-CA">
-                    <a:noFill/>
-                  </a:rPr>
-                  <a:t> </a:t>
-                </a:r>
-              </a:p>
-            </p:txBody>
-          </p:sp>
-        </mc:Fallback>
-      </mc:AlternateContent>
+                          </m:sup>
+                        </m:sSup>
+                      </m:oMath>
+                    </m:oMathPara>
+                  </a14:m>
+                  <a:endParaRPr lang="fr-CA" dirty="0"/>
+                </a:p>
+              </p:txBody>
+            </p:sp>
+          </mc:Choice>
+          <mc:Fallback>
+            <p:sp>
+              <p:nvSpPr>
+                <p:cNvPr id="5" name="ZoneTexte 4">
+                  <a:extLst>
+                    <a:ext uri="{FF2B5EF4-FFF2-40B4-BE49-F238E27FC236}">
+                      <a16:creationId xmlns:a16="http://schemas.microsoft.com/office/drawing/2014/main" id="{F442E28A-47E8-400E-B6CC-517A30756812}"/>
+                    </a:ext>
+                  </a:extLst>
+                </p:cNvPr>
+                <p:cNvSpPr txBox="1">
+                  <a:spLocks noRot="1" noChangeAspect="1" noMove="1" noResize="1" noEditPoints="1" noAdjustHandles="1" noChangeArrowheads="1" noChangeShapeType="1" noTextEdit="1"/>
+                </p:cNvSpPr>
+                <p:nvPr/>
+              </p:nvSpPr>
+              <p:spPr>
+                <a:xfrm>
+                  <a:off x="6007810" y="2993389"/>
+                  <a:ext cx="2258766" cy="575863"/>
+                </a:xfrm>
+                <a:prstGeom prst="rect">
+                  <a:avLst/>
+                </a:prstGeom>
+                <a:blipFill>
+                  <a:blip r:embed="rId3"/>
+                  <a:stretch>
+                    <a:fillRect/>
+                  </a:stretch>
+                </a:blipFill>
+              </p:spPr>
+              <p:txBody>
+                <a:bodyPr/>
+                <a:lstStyle/>
+                <a:p>
+                  <a:r>
+                    <a:rPr lang="fr-CA">
+                      <a:noFill/>
+                    </a:rPr>
+                    <a:t> </a:t>
+                  </a:r>
+                </a:p>
+              </p:txBody>
+            </p:sp>
+          </mc:Fallback>
+        </mc:AlternateContent>
+        <p:sp>
+          <p:nvSpPr>
+            <p:cNvPr id="11" name="ZoneTexte 10">
+              <a:extLst>
+                <a:ext uri="{FF2B5EF4-FFF2-40B4-BE49-F238E27FC236}">
+                  <a16:creationId xmlns:a16="http://schemas.microsoft.com/office/drawing/2014/main" id="{A124CEB7-5113-4767-9868-C7D887F3EF97}"/>
+                </a:ext>
+              </a:extLst>
+            </p:cNvPr>
+            <p:cNvSpPr txBox="1"/>
+            <p:nvPr/>
+          </p:nvSpPr>
+          <p:spPr>
+            <a:xfrm>
+              <a:off x="8266576" y="3096654"/>
+              <a:ext cx="505267" cy="369332"/>
+            </a:xfrm>
+            <a:prstGeom prst="rect">
+              <a:avLst/>
+            </a:prstGeom>
+            <a:noFill/>
+          </p:spPr>
+          <p:txBody>
+            <a:bodyPr wrap="none" rtlCol="0">
+              <a:spAutoFit/>
+            </a:bodyPr>
+            <a:lstStyle/>
+            <a:p>
+              <a:r>
+                <a:rPr lang="fr-CA" dirty="0">
+                  <a:latin typeface="Cambria Math" panose="02040503050406030204" pitchFamily="18" charset="0"/>
+                  <a:ea typeface="Cambria Math" panose="02040503050406030204" pitchFamily="18" charset="0"/>
+                </a:rPr>
+                <a:t>(7)</a:t>
+              </a:r>
+            </a:p>
+          </p:txBody>
+        </p:sp>
+      </p:grpSp>
+      <p:sp>
+        <p:nvSpPr>
+          <p:cNvPr id="16" name="ZoneTexte 15">
+            <a:extLst>
+              <a:ext uri="{FF2B5EF4-FFF2-40B4-BE49-F238E27FC236}">
+                <a16:creationId xmlns:a16="http://schemas.microsoft.com/office/drawing/2014/main" id="{AF4F362A-F95E-4021-9934-B3B2DBA26E15}"/>
+              </a:ext>
+            </a:extLst>
+          </p:cNvPr>
+          <p:cNvSpPr txBox="1"/>
+          <p:nvPr/>
+        </p:nvSpPr>
+        <p:spPr>
+          <a:xfrm>
+            <a:off x="3010780" y="5926857"/>
+            <a:ext cx="4692744" cy="600164"/>
+          </a:xfrm>
+          <a:prstGeom prst="rect">
+            <a:avLst/>
+          </a:prstGeom>
+          <a:noFill/>
+        </p:spPr>
+        <p:txBody>
+          <a:bodyPr wrap="square" rtlCol="0">
+            <a:spAutoFit/>
+          </a:bodyPr>
+          <a:lstStyle/>
+          <a:p>
+            <a:r>
+              <a:rPr lang="fr-CA" sz="1100" dirty="0">
+                <a:solidFill>
+                  <a:schemeClr val="tx1">
+                    <a:lumMod val="85000"/>
+                    <a:lumOff val="15000"/>
+                  </a:schemeClr>
+                </a:solidFill>
+              </a:rPr>
+              <a:t>Figure 3 : Schéma de la situation où </a:t>
+            </a:r>
+            <a:r>
+              <a:rPr lang="fr-CA" sz="1100" dirty="0" err="1">
+                <a:solidFill>
+                  <a:schemeClr val="tx1">
+                    <a:lumMod val="85000"/>
+                    <a:lumOff val="15000"/>
+                  </a:schemeClr>
+                </a:solidFill>
+              </a:rPr>
+              <a:t>P</a:t>
+            </a:r>
+            <a:r>
+              <a:rPr lang="fr-CA" sz="1100" baseline="-25000" dirty="0" err="1">
+                <a:solidFill>
+                  <a:schemeClr val="tx1">
+                    <a:lumMod val="85000"/>
+                    <a:lumOff val="15000"/>
+                  </a:schemeClr>
+                </a:solidFill>
+              </a:rPr>
+              <a:t>reçu</a:t>
+            </a:r>
+            <a:r>
+              <a:rPr lang="fr-CA" sz="1100" dirty="0">
+                <a:solidFill>
+                  <a:schemeClr val="tx1">
+                    <a:lumMod val="85000"/>
+                    <a:lumOff val="15000"/>
+                  </a:schemeClr>
+                </a:solidFill>
+              </a:rPr>
+              <a:t> est la somme des puissances réfléchies par l’objet et </a:t>
+            </a:r>
+            <a:r>
+              <a:rPr lang="fr-CA" sz="1100" dirty="0" err="1">
+                <a:solidFill>
+                  <a:schemeClr val="tx1">
+                    <a:lumMod val="85000"/>
+                    <a:lumOff val="15000"/>
+                  </a:schemeClr>
+                </a:solidFill>
+              </a:rPr>
+              <a:t>P</a:t>
+            </a:r>
+            <a:r>
+              <a:rPr lang="fr-CA" sz="1100" baseline="-25000" dirty="0" err="1">
+                <a:solidFill>
+                  <a:schemeClr val="tx1">
+                    <a:lumMod val="85000"/>
+                    <a:lumOff val="15000"/>
+                  </a:schemeClr>
+                </a:solidFill>
+              </a:rPr>
+              <a:t>incident</a:t>
+            </a:r>
+            <a:r>
+              <a:rPr lang="fr-CA" sz="1100" dirty="0">
+                <a:solidFill>
+                  <a:schemeClr val="tx1">
+                    <a:lumMod val="85000"/>
+                    <a:lumOff val="15000"/>
+                  </a:schemeClr>
+                </a:solidFill>
+              </a:rPr>
+              <a:t> est la somme des puissance émise par la source contenu dans le cercle de 1m de rayon.</a:t>
+            </a:r>
+          </a:p>
+        </p:txBody>
+      </p:sp>
+      <p:pic>
+        <p:nvPicPr>
+          <p:cNvPr id="8" name="Image 7">
+            <a:extLst>
+              <a:ext uri="{FF2B5EF4-FFF2-40B4-BE49-F238E27FC236}">
+                <a16:creationId xmlns:a16="http://schemas.microsoft.com/office/drawing/2014/main" id="{CDBD118F-B5E4-462F-96F7-DE1365EE2AAB}"/>
+              </a:ext>
+            </a:extLst>
+          </p:cNvPr>
+          <p:cNvPicPr>
+            <a:picLocks noChangeAspect="1"/>
+          </p:cNvPicPr>
+          <p:nvPr/>
+        </p:nvPicPr>
+        <p:blipFill>
+          <a:blip r:embed="rId4"/>
+          <a:stretch>
+            <a:fillRect/>
+          </a:stretch>
+        </p:blipFill>
+        <p:spPr>
+          <a:xfrm>
+            <a:off x="3880571" y="3022676"/>
+            <a:ext cx="2953162" cy="2869745"/>
+          </a:xfrm>
+          <a:prstGeom prst="rect">
+            <a:avLst/>
+          </a:prstGeom>
+        </p:spPr>
+      </p:pic>
     </p:spTree>
     <p:extLst>
       <p:ext uri="{BB962C8B-B14F-4D97-AF65-F5344CB8AC3E}">
@@ -20582,7 +20472,7 @@
                     </a:schemeClr>
                   </a:solidFill>
                 </a:rPr>
-                <a:t>Figure 3 : Situation physique au point (x,y,v</a:t>
+                <a:t>Figure 4 : Situation physique au point (x,y,v</a:t>
               </a:r>
               <a:r>
                 <a:rPr lang="fr-CA" sz="1100" baseline="-25000" dirty="0">
@@ -24673,7 +24563,7 @@
           <a:p>
             <a:r>
               <a:rPr lang="fr-CA" dirty="0"/>
-              <a:t>Le bateau aura comme forme un rectangle avec une pointe triangulaire (Géométrie 1) ou circulaire (Géométrie 2) fig.4. </a:t>
+              <a:t>Le bateau aura comme forme un rectangle avec une pointe triangulaire (Géométrie 1) ou circulaire (Géométrie 2) fig.5. </a:t>
             </a:r>
           </a:p>
         </p:txBody>
@@ -26592,7 +26482,7 @@
                       </a:schemeClr>
                     </a:solidFill>
                   </a:rPr>
-                  <a:t>Figure 4 : Différentes géométries de l’objet</a:t>
+                  <a:t>Figure 5 : Différentes géométries de l’objet</a:t>
                 </a:r>
               </a:p>
             </p:txBody>
@@ -27250,7 +27140,7 @@
           <a:p>
             <a:r>
               <a:rPr lang="fr-FR" sz="1600" dirty="0"/>
-              <a:t>Les points de la grille physique (fig.5) sont séparées en situation :</a:t>
+              <a:t>Les points de la grille physique (fig.6) sont séparées en situation :</a:t>
             </a:r>
           </a:p>
           <a:p>
@@ -27387,7 +27277,7 @@
                     </a:schemeClr>
                   </a:solidFill>
                 </a:rPr>
-                <a:t>Figure 5 : Les situations pour chaque points, où A est le bateau sans pointe, B avec une pointe circulaire et C une pointe triangulaire</a:t>
+                <a:t>Figure 6 : Les situations pour chaque points, où A est le bateau sans pointe, B avec une pointe circulaire et C une pointe triangulaire</a:t>
               </a:r>
             </a:p>
           </p:txBody>

--- a/Oral/Présentation_Eq11.pptx
+++ b/Oral/Présentation_Eq11.pptx
@@ -11,7 +11,7 @@
     <p:sldId id="272" r:id="rId5"/>
     <p:sldId id="259" r:id="rId6"/>
     <p:sldId id="273" r:id="rId7"/>
-    <p:sldId id="274" r:id="rId8"/>
+    <p:sldId id="279" r:id="rId8"/>
     <p:sldId id="260" r:id="rId9"/>
     <p:sldId id="261" r:id="rId10"/>
     <p:sldId id="276" r:id="rId11"/>
@@ -137,7 +137,7 @@
             <p14:sldId id="272"/>
             <p14:sldId id="259"/>
             <p14:sldId id="273"/>
-            <p14:sldId id="274"/>
+            <p14:sldId id="279"/>
             <p14:sldId id="260"/>
           </p14:sldIdLst>
         </p14:section>
@@ -986,7 +986,7 @@
             <a:fld id="{D57F1E4F-1CFF-5643-939E-217C01CDF565}" type="slidenum">
               <a:rPr lang="en-US" dirty="0"/>
               <a:pPr/>
-              <a:t>‹N°›</a:t>
+              <a:t>‹#›</a:t>
             </a:fld>
             <a:endParaRPr lang="en-US" dirty="0"/>
           </a:p>
@@ -1234,7 +1234,7 @@
             <a:fld id="{D57F1E4F-1CFF-5643-939E-217C01CDF565}" type="slidenum">
               <a:rPr lang="en-US" dirty="0"/>
               <a:pPr/>
-              <a:t>‹N°›</a:t>
+              <a:t>‹#›</a:t>
             </a:fld>
             <a:endParaRPr lang="en-US" dirty="0"/>
           </a:p>
@@ -1545,7 +1545,7 @@
             <a:fld id="{D57F1E4F-1CFF-5643-939E-217C01CDF565}" type="slidenum">
               <a:rPr lang="en-US" dirty="0"/>
               <a:pPr/>
-              <a:t>‹N°›</a:t>
+              <a:t>‹#›</a:t>
             </a:fld>
             <a:endParaRPr lang="en-US" dirty="0"/>
           </a:p>
@@ -1875,7 +1875,7 @@
             <a:fld id="{D57F1E4F-1CFF-5643-939E-217C01CDF565}" type="slidenum">
               <a:rPr lang="en-US" dirty="0"/>
               <a:pPr/>
-              <a:t>‹N°›</a:t>
+              <a:t>‹#›</a:t>
             </a:fld>
             <a:endParaRPr lang="en-US" dirty="0"/>
           </a:p>
@@ -2186,7 +2186,7 @@
             <a:fld id="{D57F1E4F-1CFF-5643-939E-217C01CDF565}" type="slidenum">
               <a:rPr lang="en-US" dirty="0"/>
               <a:pPr/>
-              <a:t>‹N°›</a:t>
+              <a:t>‹#›</a:t>
             </a:fld>
             <a:endParaRPr lang="en-US" dirty="0"/>
           </a:p>
@@ -2576,7 +2576,7 @@
             <a:fld id="{D57F1E4F-1CFF-5643-939E-217C01CDF565}" type="slidenum">
               <a:rPr lang="en-US" dirty="0"/>
               <a:pPr/>
-              <a:t>‹N°›</a:t>
+              <a:t>‹#›</a:t>
             </a:fld>
             <a:endParaRPr lang="en-US" dirty="0"/>
           </a:p>
@@ -2741,7 +2741,7 @@
           <a:p>
             <a:fld id="{89333C77-0158-454C-844F-B7AB9BD7DAD4}" type="slidenum">
               <a:rPr lang="en-US" dirty="0"/>
-              <a:t>‹N°›</a:t>
+              <a:t>‹#›</a:t>
             </a:fld>
             <a:endParaRPr lang="en-US" dirty="0"/>
           </a:p>
@@ -2918,7 +2918,7 @@
             <a:fld id="{D57F1E4F-1CFF-5643-939E-217C01CDF565}" type="slidenum">
               <a:rPr lang="en-US" dirty="0"/>
               <a:pPr/>
-              <a:t>‹N°›</a:t>
+              <a:t>‹#›</a:t>
             </a:fld>
             <a:endParaRPr lang="en-US" dirty="0"/>
           </a:p>
@@ -3083,7 +3083,7 @@
           <a:p>
             <a:fld id="{519954A3-9DFD-4C44-94BA-B95130A3BA1C}" type="slidenum">
               <a:rPr lang="en-US" dirty="0"/>
-              <a:t>‹N°›</a:t>
+              <a:t>‹#›</a:t>
             </a:fld>
             <a:endParaRPr lang="en-US" dirty="0"/>
           </a:p>
@@ -3327,7 +3327,7 @@
             <a:fld id="{D57F1E4F-1CFF-5643-939E-217C01CDF565}" type="slidenum">
               <a:rPr lang="en-US" dirty="0"/>
               <a:pPr/>
-              <a:t>‹N°›</a:t>
+              <a:t>‹#›</a:t>
             </a:fld>
             <a:endParaRPr lang="en-US" dirty="0"/>
           </a:p>
@@ -3554,7 +3554,7 @@
           <a:p>
             <a:fld id="{519954A3-9DFD-4C44-94BA-B95130A3BA1C}" type="slidenum">
               <a:rPr lang="en-US" dirty="0"/>
-              <a:t>‹N°›</a:t>
+              <a:t>‹#›</a:t>
             </a:fld>
             <a:endParaRPr lang="en-US" dirty="0"/>
           </a:p>
@@ -3925,7 +3925,7 @@
             <a:fld id="{D57F1E4F-1CFF-5643-939E-217C01CDF565}" type="slidenum">
               <a:rPr lang="en-US" dirty="0"/>
               <a:pPr/>
-              <a:t>‹N°›</a:t>
+              <a:t>‹#›</a:t>
             </a:fld>
             <a:endParaRPr lang="en-US" dirty="0"/>
           </a:p>
@@ -4045,7 +4045,7 @@
             <a:fld id="{D57F1E4F-1CFF-5643-939E-217C01CDF565}" type="slidenum">
               <a:rPr lang="en-US" dirty="0"/>
               <a:pPr/>
-              <a:t>‹N°›</a:t>
+              <a:t>‹#›</a:t>
             </a:fld>
             <a:endParaRPr lang="en-US" dirty="0"/>
           </a:p>
@@ -4137,7 +4137,7 @@
             <a:fld id="{D57F1E4F-1CFF-5643-939E-217C01CDF565}" type="slidenum">
               <a:rPr lang="en-US" dirty="0"/>
               <a:pPr/>
-              <a:t>‹N°›</a:t>
+              <a:t>‹#›</a:t>
             </a:fld>
             <a:endParaRPr lang="en-US" dirty="0"/>
           </a:p>
@@ -4387,7 +4387,7 @@
           <a:p>
             <a:fld id="{519954A3-9DFD-4C44-94BA-B95130A3BA1C}" type="slidenum">
               <a:rPr lang="en-US" dirty="0"/>
-              <a:t>‹N°›</a:t>
+              <a:t>‹#›</a:t>
             </a:fld>
             <a:endParaRPr lang="en-US" dirty="0"/>
           </a:p>
@@ -4623,7 +4623,7 @@
             <a:fld id="{D57F1E4F-1CFF-5643-939E-217C01CDF565}" type="slidenum">
               <a:rPr lang="en-US" dirty="0"/>
               <a:pPr/>
-              <a:t>‹N°›</a:t>
+              <a:t>‹#›</a:t>
             </a:fld>
             <a:endParaRPr lang="en-US" dirty="0"/>
           </a:p>
@@ -5422,7 +5422,7 @@
             <a:fld id="{D57F1E4F-1CFF-5643-939E-217C01CDF565}" type="slidenum">
               <a:rPr lang="en-US" dirty="0"/>
               <a:pPr/>
-              <a:t>‹N°›</a:t>
+              <a:t>‹#›</a:t>
             </a:fld>
             <a:endParaRPr lang="en-US" dirty="0"/>
           </a:p>
@@ -9085,8 +9085,8 @@
             <a:chExt cx="7366438" cy="441852"/>
           </a:xfrm>
         </p:grpSpPr>
-        <mc:AlternateContent xmlns:mc="http://schemas.openxmlformats.org/markup-compatibility/2006">
-          <mc:Choice xmlns:a14="http://schemas.microsoft.com/office/drawing/2010/main" Requires="a14">
+        <mc:AlternateContent xmlns:mc="http://schemas.openxmlformats.org/markup-compatibility/2006" xmlns:a14="http://schemas.microsoft.com/office/drawing/2010/main">
+          <mc:Choice Requires="a14">
             <p:sp>
               <p:nvSpPr>
                 <p:cNvPr id="6" name="ZoneTexte 5">
@@ -10301,7 +10301,7 @@
               </p:txBody>
             </p:sp>
           </mc:Choice>
-          <mc:Fallback>
+          <mc:Fallback xmlns="">
             <p:sp>
               <p:nvSpPr>
                 <p:cNvPr id="6" name="ZoneTexte 5">
@@ -13835,8 +13835,8 @@
         </p:nvSpPr>
         <p:spPr>
           <a:xfrm>
-            <a:off x="455643" y="510175"/>
-            <a:ext cx="9015528" cy="739786"/>
+            <a:off x="455642" y="510175"/>
+            <a:ext cx="10145018" cy="739786"/>
           </a:xfrm>
           <a:prstGeom prst="rect">
             <a:avLst/>
@@ -13923,7 +13923,7 @@
                   <a:srgbClr val="286D9F"/>
                 </a:solidFill>
               </a:rPr>
-              <a:t>Formulation champ total/ champ diffus</a:t>
+              <a:t>Formulation champ total/champ diffus (TF/SF)</a:t>
             </a:r>
           </a:p>
         </p:txBody>
@@ -13958,6 +13958,759 @@
           </a:prstGeom>
         </p:spPr>
       </p:pic>
+      <p:sp>
+        <p:nvSpPr>
+          <p:cNvPr id="5" name="ZoneTexte 7">
+            <a:extLst>
+              <a:ext uri="{FF2B5EF4-FFF2-40B4-BE49-F238E27FC236}">
+                <a16:creationId xmlns:a16="http://schemas.microsoft.com/office/drawing/2014/main" id="{5C14CBB1-C17D-4319-B133-751C837C6977}"/>
+              </a:ext>
+            </a:extLst>
+          </p:cNvPr>
+          <p:cNvSpPr txBox="1"/>
+          <p:nvPr/>
+        </p:nvSpPr>
+        <p:spPr>
+          <a:xfrm>
+            <a:off x="714375" y="3969307"/>
+            <a:ext cx="7804784" cy="430887"/>
+          </a:xfrm>
+          <a:prstGeom prst="rect">
+            <a:avLst/>
+          </a:prstGeom>
+          <a:solidFill>
+            <a:schemeClr val="bg1"/>
+          </a:solidFill>
+        </p:spPr>
+        <p:txBody>
+          <a:bodyPr wrap="square" rtlCol="0">
+            <a:spAutoFit/>
+          </a:bodyPr>
+          <a:lstStyle/>
+          <a:p>
+            <a:r>
+              <a:rPr lang="fr-CA" sz="1100" dirty="0">
+                <a:solidFill>
+                  <a:schemeClr val="tx1">
+                    <a:lumMod val="85000"/>
+                    <a:lumOff val="15000"/>
+                  </a:schemeClr>
+                </a:solidFill>
+              </a:rPr>
+              <a:t>Figure 6 : La figure à droite montre le champ total sans obstacle. La figure du milieu montre le champ total avec obstacle. La figure à droite montre le champ diffus.</a:t>
+            </a:r>
+          </a:p>
+        </p:txBody>
+      </p:sp>
+      <mc:AlternateContent xmlns:mc="http://schemas.openxmlformats.org/markup-compatibility/2006" xmlns:a14="http://schemas.microsoft.com/office/drawing/2010/main">
+        <mc:Choice Requires="a14">
+          <p:sp>
+            <p:nvSpPr>
+              <p:cNvPr id="6" name="ZoneTexte 7">
+                <a:extLst>
+                  <a:ext uri="{FF2B5EF4-FFF2-40B4-BE49-F238E27FC236}">
+                    <a16:creationId xmlns:a16="http://schemas.microsoft.com/office/drawing/2014/main" id="{A039B88B-3664-4CE5-B6D0-2D97691ED908}"/>
+                  </a:ext>
+                </a:extLst>
+              </p:cNvPr>
+              <p:cNvSpPr txBox="1"/>
+              <p:nvPr/>
+            </p:nvSpPr>
+            <p:spPr>
+              <a:xfrm>
+                <a:off x="714375" y="5376944"/>
+                <a:ext cx="2825197" cy="317972"/>
+              </a:xfrm>
+              <a:prstGeom prst="rect">
+                <a:avLst/>
+              </a:prstGeom>
+              <a:noFill/>
+            </p:spPr>
+            <p:txBody>
+              <a:bodyPr wrap="none" lIns="0" tIns="0" rIns="0" bIns="0" rtlCol="0">
+                <a:spAutoFit/>
+              </a:bodyPr>
+              <a:lstStyle/>
+              <a:p>
+                <a14:m>
+                  <m:oMath xmlns:m="http://schemas.openxmlformats.org/officeDocument/2006/math">
+                    <m:sSub>
+                      <m:sSubPr>
+                        <m:ctrlPr>
+                          <a:rPr lang="fr-CA" i="1" smtClean="0">
+                            <a:latin typeface="Cambria Math" panose="02040503050406030204" pitchFamily="18" charset="0"/>
+                            <a:ea typeface="Cambria Math" panose="02040503050406030204" pitchFamily="18" charset="0"/>
+                          </a:rPr>
+                        </m:ctrlPr>
+                      </m:sSubPr>
+                      <m:e>
+                        <m:acc>
+                          <m:accPr>
+                            <m:chr m:val="⃗"/>
+                            <m:ctrlPr>
+                              <a:rPr lang="fr-CA" i="1">
+                                <a:latin typeface="Cambria Math" panose="02040503050406030204" pitchFamily="18" charset="0"/>
+                                <a:ea typeface="Cambria Math" panose="02040503050406030204" pitchFamily="18" charset="0"/>
+                              </a:rPr>
+                            </m:ctrlPr>
+                          </m:accPr>
+                          <m:e>
+                            <m:r>
+                              <a:rPr lang="en-CA" i="1">
+                                <a:latin typeface="Cambria Math" panose="02040503050406030204" pitchFamily="18" charset="0"/>
+                                <a:ea typeface="Cambria Math" panose="02040503050406030204" pitchFamily="18" charset="0"/>
+                              </a:rPr>
+                              <m:t>𝑏</m:t>
+                            </m:r>
+                          </m:e>
+                        </m:acc>
+                      </m:e>
+                      <m:sub>
+                        <m:r>
+                          <a:rPr lang="en-CA" b="0" i="1" smtClean="0">
+                            <a:latin typeface="Cambria Math" panose="02040503050406030204" pitchFamily="18" charset="0"/>
+                            <a:ea typeface="Cambria Math" panose="02040503050406030204" pitchFamily="18" charset="0"/>
+                          </a:rPr>
+                          <m:t>𝑇𝐹</m:t>
+                        </m:r>
+                      </m:sub>
+                    </m:sSub>
+                    <m:r>
+                      <a:rPr lang="fr-CA" b="0" i="1" smtClean="0">
+                        <a:latin typeface="Cambria Math" panose="02040503050406030204" pitchFamily="18" charset="0"/>
+                      </a:rPr>
+                      <m:t>=</m:t>
+                    </m:r>
+                    <m:r>
+                      <a:rPr lang="en-CA" b="0" i="1" smtClean="0">
+                        <a:latin typeface="Cambria Math" panose="02040503050406030204" pitchFamily="18" charset="0"/>
+                      </a:rPr>
+                      <m:t>(</m:t>
+                    </m:r>
+                    <m:r>
+                      <a:rPr lang="en-CA" b="0" i="1" smtClean="0">
+                        <a:latin typeface="Cambria Math" panose="02040503050406030204" pitchFamily="18" charset="0"/>
+                      </a:rPr>
+                      <m:t>𝐼</m:t>
+                    </m:r>
+                    <m:r>
+                      <a:rPr lang="en-CA" b="0" i="1" smtClean="0">
+                        <a:latin typeface="Cambria Math" panose="02040503050406030204" pitchFamily="18" charset="0"/>
+                      </a:rPr>
+                      <m:t>−</m:t>
+                    </m:r>
+                    <m:r>
+                      <a:rPr lang="en-CA" b="0" i="1" smtClean="0">
+                        <a:latin typeface="Cambria Math" panose="02040503050406030204" pitchFamily="18" charset="0"/>
+                      </a:rPr>
+                      <m:t>𝑄</m:t>
+                    </m:r>
+                    <m:r>
+                      <a:rPr lang="en-CA" b="0" i="1" smtClean="0">
+                        <a:latin typeface="Cambria Math" panose="02040503050406030204" pitchFamily="18" charset="0"/>
+                      </a:rPr>
+                      <m:t>)</m:t>
+                    </m:r>
+                  </m:oMath>
+                </a14:m>
+                <a:r>
+                  <a:rPr lang="fr-CA" dirty="0">
+                    <a:ea typeface="Cambria Math" panose="02040503050406030204" pitchFamily="18" charset="0"/>
+                  </a:rPr>
+                  <a:t> </a:t>
+                </a:r>
+                <a14:m>
+                  <m:oMath xmlns:m="http://schemas.openxmlformats.org/officeDocument/2006/math">
+                    <m:sSub>
+                      <m:sSubPr>
+                        <m:ctrlPr>
+                          <a:rPr lang="fr-CA" i="1">
+                            <a:latin typeface="Cambria Math" panose="02040503050406030204" pitchFamily="18" charset="0"/>
+                            <a:ea typeface="Cambria Math" panose="02040503050406030204" pitchFamily="18" charset="0"/>
+                          </a:rPr>
+                        </m:ctrlPr>
+                      </m:sSubPr>
+                      <m:e>
+                        <m:acc>
+                          <m:accPr>
+                            <m:chr m:val="⃗"/>
+                            <m:ctrlPr>
+                              <a:rPr lang="fr-CA" i="1">
+                                <a:latin typeface="Cambria Math" panose="02040503050406030204" pitchFamily="18" charset="0"/>
+                                <a:ea typeface="Cambria Math" panose="02040503050406030204" pitchFamily="18" charset="0"/>
+                              </a:rPr>
+                            </m:ctrlPr>
+                          </m:accPr>
+                          <m:e>
+                            <m:r>
+                              <a:rPr lang="en-CA" i="1">
+                                <a:latin typeface="Cambria Math" panose="02040503050406030204" pitchFamily="18" charset="0"/>
+                                <a:ea typeface="Cambria Math" panose="02040503050406030204" pitchFamily="18" charset="0"/>
+                              </a:rPr>
+                              <m:t>𝑏</m:t>
+                            </m:r>
+                          </m:e>
+                        </m:acc>
+                      </m:e>
+                      <m:sub>
+                        <m:r>
+                          <a:rPr lang="en-CA" b="0" i="1" smtClean="0">
+                            <a:latin typeface="Cambria Math" panose="02040503050406030204" pitchFamily="18" charset="0"/>
+                            <a:ea typeface="Cambria Math" panose="02040503050406030204" pitchFamily="18" charset="0"/>
+                          </a:rPr>
+                          <m:t>𝑠𝑜𝑢𝑟𝑐𝑒</m:t>
+                        </m:r>
+                      </m:sub>
+                    </m:sSub>
+                  </m:oMath>
+                </a14:m>
+                <a:r>
+                  <a:rPr lang="fr-CA" dirty="0"/>
+                  <a:t>    (21)</a:t>
+                </a:r>
+              </a:p>
+            </p:txBody>
+          </p:sp>
+        </mc:Choice>
+        <mc:Fallback xmlns="">
+          <p:sp>
+            <p:nvSpPr>
+              <p:cNvPr id="6" name="ZoneTexte 7">
+                <a:extLst>
+                  <a:ext uri="{FF2B5EF4-FFF2-40B4-BE49-F238E27FC236}">
+                    <a16:creationId xmlns:a16="http://schemas.microsoft.com/office/drawing/2014/main" id="{A039B88B-3664-4CE5-B6D0-2D97691ED908}"/>
+                  </a:ext>
+                </a:extLst>
+              </p:cNvPr>
+              <p:cNvSpPr txBox="1">
+                <a:spLocks noRot="1" noChangeAspect="1" noMove="1" noResize="1" noEditPoints="1" noAdjustHandles="1" noChangeArrowheads="1" noChangeShapeType="1" noTextEdit="1"/>
+              </p:cNvSpPr>
+              <p:nvPr/>
+            </p:nvSpPr>
+            <p:spPr>
+              <a:xfrm>
+                <a:off x="714375" y="5376944"/>
+                <a:ext cx="2825197" cy="317972"/>
+              </a:xfrm>
+              <a:prstGeom prst="rect">
+                <a:avLst/>
+              </a:prstGeom>
+              <a:blipFill>
+                <a:blip r:embed="rId3"/>
+                <a:stretch>
+                  <a:fillRect l="-3017" t="-13462" r="-4310" b="-44231"/>
+                </a:stretch>
+              </a:blipFill>
+            </p:spPr>
+            <p:txBody>
+              <a:bodyPr/>
+              <a:lstStyle/>
+              <a:p>
+                <a:r>
+                  <a:rPr lang="en-CA">
+                    <a:noFill/>
+                  </a:rPr>
+                  <a:t> </a:t>
+                </a:r>
+              </a:p>
+            </p:txBody>
+          </p:sp>
+        </mc:Fallback>
+      </mc:AlternateContent>
+      <mc:AlternateContent xmlns:mc="http://schemas.openxmlformats.org/markup-compatibility/2006" xmlns:a14="http://schemas.microsoft.com/office/drawing/2010/main">
+        <mc:Choice Requires="a14">
+          <p:sp>
+            <p:nvSpPr>
+              <p:cNvPr id="7" name="ZoneTexte 7">
+                <a:extLst>
+                  <a:ext uri="{FF2B5EF4-FFF2-40B4-BE49-F238E27FC236}">
+                    <a16:creationId xmlns:a16="http://schemas.microsoft.com/office/drawing/2014/main" id="{82D8775E-A2AF-4F3E-B1FF-E83D0B26EA96}"/>
+                  </a:ext>
+                </a:extLst>
+              </p:cNvPr>
+              <p:cNvSpPr txBox="1"/>
+              <p:nvPr/>
+            </p:nvSpPr>
+            <p:spPr>
+              <a:xfrm>
+                <a:off x="714374" y="5765905"/>
+                <a:ext cx="2218043" cy="317972"/>
+              </a:xfrm>
+              <a:prstGeom prst="rect">
+                <a:avLst/>
+              </a:prstGeom>
+              <a:noFill/>
+            </p:spPr>
+            <p:txBody>
+              <a:bodyPr wrap="none" lIns="0" tIns="0" rIns="0" bIns="0" rtlCol="0">
+                <a:spAutoFit/>
+              </a:bodyPr>
+              <a:lstStyle/>
+              <a:p>
+                <a14:m>
+                  <m:oMath xmlns:m="http://schemas.openxmlformats.org/officeDocument/2006/math">
+                    <m:sSub>
+                      <m:sSubPr>
+                        <m:ctrlPr>
+                          <a:rPr lang="fr-CA" i="1" smtClean="0">
+                            <a:latin typeface="Cambria Math" panose="02040503050406030204" pitchFamily="18" charset="0"/>
+                            <a:ea typeface="Cambria Math" panose="02040503050406030204" pitchFamily="18" charset="0"/>
+                          </a:rPr>
+                        </m:ctrlPr>
+                      </m:sSubPr>
+                      <m:e>
+                        <m:acc>
+                          <m:accPr>
+                            <m:chr m:val="⃗"/>
+                            <m:ctrlPr>
+                              <a:rPr lang="fr-CA" i="1">
+                                <a:latin typeface="Cambria Math" panose="02040503050406030204" pitchFamily="18" charset="0"/>
+                                <a:ea typeface="Cambria Math" panose="02040503050406030204" pitchFamily="18" charset="0"/>
+                              </a:rPr>
+                            </m:ctrlPr>
+                          </m:accPr>
+                          <m:e>
+                            <m:r>
+                              <a:rPr lang="en-CA" i="1">
+                                <a:latin typeface="Cambria Math" panose="02040503050406030204" pitchFamily="18" charset="0"/>
+                                <a:ea typeface="Cambria Math" panose="02040503050406030204" pitchFamily="18" charset="0"/>
+                              </a:rPr>
+                              <m:t>𝑏</m:t>
+                            </m:r>
+                          </m:e>
+                        </m:acc>
+                      </m:e>
+                      <m:sub>
+                        <m:r>
+                          <a:rPr lang="en-CA" b="0" i="1" smtClean="0">
+                            <a:latin typeface="Cambria Math" panose="02040503050406030204" pitchFamily="18" charset="0"/>
+                            <a:ea typeface="Cambria Math" panose="02040503050406030204" pitchFamily="18" charset="0"/>
+                          </a:rPr>
+                          <m:t>𝑆𝐹</m:t>
+                        </m:r>
+                      </m:sub>
+                    </m:sSub>
+                    <m:r>
+                      <a:rPr lang="fr-CA" b="0" i="1" smtClean="0">
+                        <a:latin typeface="Cambria Math" panose="02040503050406030204" pitchFamily="18" charset="0"/>
+                      </a:rPr>
+                      <m:t>=</m:t>
+                    </m:r>
+                    <m:r>
+                      <a:rPr lang="en-CA" b="0" i="1" smtClean="0">
+                        <a:latin typeface="Cambria Math" panose="02040503050406030204" pitchFamily="18" charset="0"/>
+                      </a:rPr>
+                      <m:t>𝑄</m:t>
+                    </m:r>
+                    <m:r>
+                      <a:rPr lang="en-CA" b="0" i="0" smtClean="0">
+                        <a:latin typeface="Cambria Math" panose="02040503050406030204" pitchFamily="18" charset="0"/>
+                      </a:rPr>
+                      <m:t> </m:t>
+                    </m:r>
+                    <m:sSub>
+                      <m:sSubPr>
+                        <m:ctrlPr>
+                          <a:rPr lang="fr-CA" i="1">
+                            <a:latin typeface="Cambria Math" panose="02040503050406030204" pitchFamily="18" charset="0"/>
+                            <a:ea typeface="Cambria Math" panose="02040503050406030204" pitchFamily="18" charset="0"/>
+                          </a:rPr>
+                        </m:ctrlPr>
+                      </m:sSubPr>
+                      <m:e>
+                        <m:acc>
+                          <m:accPr>
+                            <m:chr m:val="⃗"/>
+                            <m:ctrlPr>
+                              <a:rPr lang="fr-CA" i="1">
+                                <a:latin typeface="Cambria Math" panose="02040503050406030204" pitchFamily="18" charset="0"/>
+                                <a:ea typeface="Cambria Math" panose="02040503050406030204" pitchFamily="18" charset="0"/>
+                              </a:rPr>
+                            </m:ctrlPr>
+                          </m:accPr>
+                          <m:e>
+                            <m:r>
+                              <a:rPr lang="en-CA" i="1">
+                                <a:latin typeface="Cambria Math" panose="02040503050406030204" pitchFamily="18" charset="0"/>
+                                <a:ea typeface="Cambria Math" panose="02040503050406030204" pitchFamily="18" charset="0"/>
+                              </a:rPr>
+                              <m:t>𝑏</m:t>
+                            </m:r>
+                          </m:e>
+                        </m:acc>
+                      </m:e>
+                      <m:sub>
+                        <m:r>
+                          <a:rPr lang="en-CA" b="0" i="1" smtClean="0">
+                            <a:latin typeface="Cambria Math" panose="02040503050406030204" pitchFamily="18" charset="0"/>
+                            <a:ea typeface="Cambria Math" panose="02040503050406030204" pitchFamily="18" charset="0"/>
+                          </a:rPr>
+                          <m:t>𝑠𝑜𝑢𝑟𝑐𝑒</m:t>
+                        </m:r>
+                      </m:sub>
+                    </m:sSub>
+                  </m:oMath>
+                </a14:m>
+                <a:r>
+                  <a:rPr lang="fr-CA" dirty="0"/>
+                  <a:t>    (22)</a:t>
+                </a:r>
+              </a:p>
+            </p:txBody>
+          </p:sp>
+        </mc:Choice>
+        <mc:Fallback xmlns="">
+          <p:sp>
+            <p:nvSpPr>
+              <p:cNvPr id="7" name="ZoneTexte 7">
+                <a:extLst>
+                  <a:ext uri="{FF2B5EF4-FFF2-40B4-BE49-F238E27FC236}">
+                    <a16:creationId xmlns:a16="http://schemas.microsoft.com/office/drawing/2014/main" id="{82D8775E-A2AF-4F3E-B1FF-E83D0B26EA96}"/>
+                  </a:ext>
+                </a:extLst>
+              </p:cNvPr>
+              <p:cNvSpPr txBox="1">
+                <a:spLocks noRot="1" noChangeAspect="1" noMove="1" noResize="1" noEditPoints="1" noAdjustHandles="1" noChangeArrowheads="1" noChangeShapeType="1" noTextEdit="1"/>
+              </p:cNvSpPr>
+              <p:nvPr/>
+            </p:nvSpPr>
+            <p:spPr>
+              <a:xfrm>
+                <a:off x="714374" y="5765905"/>
+                <a:ext cx="2218043" cy="317972"/>
+              </a:xfrm>
+              <a:prstGeom prst="rect">
+                <a:avLst/>
+              </a:prstGeom>
+              <a:blipFill>
+                <a:blip r:embed="rId4"/>
+                <a:stretch>
+                  <a:fillRect l="-3846" t="-13462" r="-5769" b="-42308"/>
+                </a:stretch>
+              </a:blipFill>
+            </p:spPr>
+            <p:txBody>
+              <a:bodyPr/>
+              <a:lstStyle/>
+              <a:p>
+                <a:r>
+                  <a:rPr lang="en-CA">
+                    <a:noFill/>
+                  </a:rPr>
+                  <a:t> </a:t>
+                </a:r>
+              </a:p>
+            </p:txBody>
+          </p:sp>
+        </mc:Fallback>
+      </mc:AlternateContent>
+      <mc:AlternateContent xmlns:mc="http://schemas.openxmlformats.org/markup-compatibility/2006" xmlns:a14="http://schemas.microsoft.com/office/drawing/2010/main">
+        <mc:Choice Requires="a14">
+          <p:sp>
+            <p:nvSpPr>
+              <p:cNvPr id="8" name="ZoneTexte 7">
+                <a:extLst>
+                  <a:ext uri="{FF2B5EF4-FFF2-40B4-BE49-F238E27FC236}">
+                    <a16:creationId xmlns:a16="http://schemas.microsoft.com/office/drawing/2014/main" id="{7EEFC1C2-12A3-4173-B58D-1124095D0EEC}"/>
+                  </a:ext>
+                </a:extLst>
+              </p:cNvPr>
+              <p:cNvSpPr txBox="1"/>
+              <p:nvPr/>
+            </p:nvSpPr>
+            <p:spPr>
+              <a:xfrm>
+                <a:off x="714374" y="6154866"/>
+                <a:ext cx="3255956" cy="317972"/>
+              </a:xfrm>
+              <a:prstGeom prst="rect">
+                <a:avLst/>
+              </a:prstGeom>
+              <a:noFill/>
+            </p:spPr>
+            <p:txBody>
+              <a:bodyPr wrap="none" lIns="0" tIns="0" rIns="0" bIns="0" rtlCol="0">
+                <a:spAutoFit/>
+              </a:bodyPr>
+              <a:lstStyle/>
+              <a:p>
+                <a14:m>
+                  <m:oMath xmlns:m="http://schemas.openxmlformats.org/officeDocument/2006/math">
+                    <m:r>
+                      <a:rPr lang="en-CA" i="1" smtClean="0">
+                        <a:latin typeface="Cambria Math" panose="02040503050406030204" pitchFamily="18" charset="0"/>
+                        <a:ea typeface="Cambria Math" panose="02040503050406030204" pitchFamily="18" charset="0"/>
+                      </a:rPr>
+                      <m:t>𝐴</m:t>
+                    </m:r>
+                    <m:acc>
+                      <m:accPr>
+                        <m:chr m:val="⃗"/>
+                        <m:ctrlPr>
+                          <a:rPr lang="fr-CA" i="1">
+                            <a:latin typeface="Cambria Math" panose="02040503050406030204" pitchFamily="18" charset="0"/>
+                            <a:ea typeface="Cambria Math" panose="02040503050406030204" pitchFamily="18" charset="0"/>
+                          </a:rPr>
+                        </m:ctrlPr>
+                      </m:accPr>
+                      <m:e>
+                        <m:r>
+                          <a:rPr lang="en-CA" b="0" i="1" smtClean="0">
+                            <a:latin typeface="Cambria Math" panose="02040503050406030204" pitchFamily="18" charset="0"/>
+                            <a:ea typeface="Cambria Math" panose="02040503050406030204" pitchFamily="18" charset="0"/>
+                          </a:rPr>
+                          <m:t>𝑥</m:t>
+                        </m:r>
+                      </m:e>
+                    </m:acc>
+                    <m:r>
+                      <a:rPr lang="en-CA" b="0" i="1" smtClean="0">
+                        <a:latin typeface="Cambria Math" panose="02040503050406030204" pitchFamily="18" charset="0"/>
+                        <a:ea typeface="Cambria Math" panose="02040503050406030204" pitchFamily="18" charset="0"/>
+                      </a:rPr>
+                      <m:t>=</m:t>
+                    </m:r>
+                    <m:r>
+                      <a:rPr lang="en-CA" b="0" i="1" smtClean="0">
+                        <a:latin typeface="Cambria Math" panose="02040503050406030204" pitchFamily="18" charset="0"/>
+                        <a:ea typeface="Cambria Math" panose="02040503050406030204" pitchFamily="18" charset="0"/>
+                      </a:rPr>
+                      <m:t>𝑄</m:t>
+                    </m:r>
+                    <m:r>
+                      <a:rPr lang="en-CA" b="0" i="1" smtClean="0">
+                        <a:latin typeface="Cambria Math" panose="02040503050406030204" pitchFamily="18" charset="0"/>
+                        <a:ea typeface="Cambria Math" panose="02040503050406030204" pitchFamily="18" charset="0"/>
+                      </a:rPr>
+                      <m:t> </m:t>
+                    </m:r>
+                    <m:r>
+                      <a:rPr lang="en-CA" b="0" i="1" smtClean="0">
+                        <a:latin typeface="Cambria Math" panose="02040503050406030204" pitchFamily="18" charset="0"/>
+                        <a:ea typeface="Cambria Math" panose="02040503050406030204" pitchFamily="18" charset="0"/>
+                      </a:rPr>
+                      <m:t>𝐴</m:t>
+                    </m:r>
+                    <m:r>
+                      <a:rPr lang="en-CA" b="0" i="1" smtClean="0">
+                        <a:latin typeface="Cambria Math" panose="02040503050406030204" pitchFamily="18" charset="0"/>
+                        <a:ea typeface="Cambria Math" panose="02040503050406030204" pitchFamily="18" charset="0"/>
+                      </a:rPr>
+                      <m:t> </m:t>
+                    </m:r>
+                    <m:sSub>
+                      <m:sSubPr>
+                        <m:ctrlPr>
+                          <a:rPr lang="fr-CA" i="1">
+                            <a:latin typeface="Cambria Math" panose="02040503050406030204" pitchFamily="18" charset="0"/>
+                            <a:ea typeface="Cambria Math" panose="02040503050406030204" pitchFamily="18" charset="0"/>
+                          </a:rPr>
+                        </m:ctrlPr>
+                      </m:sSubPr>
+                      <m:e>
+                        <m:acc>
+                          <m:accPr>
+                            <m:chr m:val="⃗"/>
+                            <m:ctrlPr>
+                              <a:rPr lang="fr-CA" i="1">
+                                <a:latin typeface="Cambria Math" panose="02040503050406030204" pitchFamily="18" charset="0"/>
+                                <a:ea typeface="Cambria Math" panose="02040503050406030204" pitchFamily="18" charset="0"/>
+                              </a:rPr>
+                            </m:ctrlPr>
+                          </m:accPr>
+                          <m:e>
+                            <m:r>
+                              <a:rPr lang="en-CA" i="1">
+                                <a:latin typeface="Cambria Math" panose="02040503050406030204" pitchFamily="18" charset="0"/>
+                                <a:ea typeface="Cambria Math" panose="02040503050406030204" pitchFamily="18" charset="0"/>
+                              </a:rPr>
+                              <m:t>𝑏</m:t>
+                            </m:r>
+                          </m:e>
+                        </m:acc>
+                      </m:e>
+                      <m:sub>
+                        <m:r>
+                          <a:rPr lang="en-CA" i="1">
+                            <a:latin typeface="Cambria Math" panose="02040503050406030204" pitchFamily="18" charset="0"/>
+                            <a:ea typeface="Cambria Math" panose="02040503050406030204" pitchFamily="18" charset="0"/>
+                          </a:rPr>
+                          <m:t>𝑇𝐹</m:t>
+                        </m:r>
+                      </m:sub>
+                    </m:sSub>
+                    <m:r>
+                      <a:rPr lang="en-CA" b="0" i="1" smtClean="0">
+                        <a:latin typeface="Cambria Math" panose="02040503050406030204" pitchFamily="18" charset="0"/>
+                        <a:ea typeface="Cambria Math" panose="02040503050406030204" pitchFamily="18" charset="0"/>
+                      </a:rPr>
+                      <m:t> −(</m:t>
+                    </m:r>
+                    <m:r>
+                      <a:rPr lang="en-CA" b="0" i="1" smtClean="0">
+                        <a:latin typeface="Cambria Math" panose="02040503050406030204" pitchFamily="18" charset="0"/>
+                        <a:ea typeface="Cambria Math" panose="02040503050406030204" pitchFamily="18" charset="0"/>
+                      </a:rPr>
+                      <m:t>𝐼</m:t>
+                    </m:r>
+                    <m:r>
+                      <a:rPr lang="en-CA" b="0" i="1" smtClean="0">
+                        <a:latin typeface="Cambria Math" panose="02040503050406030204" pitchFamily="18" charset="0"/>
+                        <a:ea typeface="Cambria Math" panose="02040503050406030204" pitchFamily="18" charset="0"/>
+                      </a:rPr>
+                      <m:t> −</m:t>
+                    </m:r>
+                    <m:r>
+                      <a:rPr lang="en-CA" b="0" i="1" smtClean="0">
+                        <a:latin typeface="Cambria Math" panose="02040503050406030204" pitchFamily="18" charset="0"/>
+                        <a:ea typeface="Cambria Math" panose="02040503050406030204" pitchFamily="18" charset="0"/>
+                      </a:rPr>
+                      <m:t>𝑄</m:t>
+                    </m:r>
+                    <m:r>
+                      <a:rPr lang="en-CA" b="0" i="1" smtClean="0">
+                        <a:latin typeface="Cambria Math" panose="02040503050406030204" pitchFamily="18" charset="0"/>
+                        <a:ea typeface="Cambria Math" panose="02040503050406030204" pitchFamily="18" charset="0"/>
+                      </a:rPr>
+                      <m:t>)</m:t>
+                    </m:r>
+                    <m:sSub>
+                      <m:sSubPr>
+                        <m:ctrlPr>
+                          <a:rPr lang="fr-CA" i="1">
+                            <a:latin typeface="Cambria Math" panose="02040503050406030204" pitchFamily="18" charset="0"/>
+                            <a:ea typeface="Cambria Math" panose="02040503050406030204" pitchFamily="18" charset="0"/>
+                          </a:rPr>
+                        </m:ctrlPr>
+                      </m:sSubPr>
+                      <m:e>
+                        <m:acc>
+                          <m:accPr>
+                            <m:chr m:val="⃗"/>
+                            <m:ctrlPr>
+                              <a:rPr lang="fr-CA" i="1">
+                                <a:latin typeface="Cambria Math" panose="02040503050406030204" pitchFamily="18" charset="0"/>
+                                <a:ea typeface="Cambria Math" panose="02040503050406030204" pitchFamily="18" charset="0"/>
+                              </a:rPr>
+                            </m:ctrlPr>
+                          </m:accPr>
+                          <m:e>
+                            <m:r>
+                              <a:rPr lang="en-CA" i="1">
+                                <a:latin typeface="Cambria Math" panose="02040503050406030204" pitchFamily="18" charset="0"/>
+                                <a:ea typeface="Cambria Math" panose="02040503050406030204" pitchFamily="18" charset="0"/>
+                              </a:rPr>
+                              <m:t>𝑏</m:t>
+                            </m:r>
+                          </m:e>
+                        </m:acc>
+                      </m:e>
+                      <m:sub>
+                        <m:r>
+                          <a:rPr lang="en-CA" i="1">
+                            <a:latin typeface="Cambria Math" panose="02040503050406030204" pitchFamily="18" charset="0"/>
+                            <a:ea typeface="Cambria Math" panose="02040503050406030204" pitchFamily="18" charset="0"/>
+                          </a:rPr>
+                          <m:t>𝑆𝐹</m:t>
+                        </m:r>
+                      </m:sub>
+                    </m:sSub>
+                  </m:oMath>
+                </a14:m>
+                <a:r>
+                  <a:rPr lang="fr-CA" dirty="0"/>
+                  <a:t> (23)</a:t>
+                </a:r>
+              </a:p>
+            </p:txBody>
+          </p:sp>
+        </mc:Choice>
+        <mc:Fallback xmlns="">
+          <p:sp>
+            <p:nvSpPr>
+              <p:cNvPr id="8" name="ZoneTexte 7">
+                <a:extLst>
+                  <a:ext uri="{FF2B5EF4-FFF2-40B4-BE49-F238E27FC236}">
+                    <a16:creationId xmlns:a16="http://schemas.microsoft.com/office/drawing/2014/main" id="{7EEFC1C2-12A3-4173-B58D-1124095D0EEC}"/>
+                  </a:ext>
+                </a:extLst>
+              </p:cNvPr>
+              <p:cNvSpPr txBox="1">
+                <a:spLocks noRot="1" noChangeAspect="1" noMove="1" noResize="1" noEditPoints="1" noAdjustHandles="1" noChangeArrowheads="1" noChangeShapeType="1" noTextEdit="1"/>
+              </p:cNvSpPr>
+              <p:nvPr/>
+            </p:nvSpPr>
+            <p:spPr>
+              <a:xfrm>
+                <a:off x="714374" y="6154866"/>
+                <a:ext cx="3255956" cy="317972"/>
+              </a:xfrm>
+              <a:prstGeom prst="rect">
+                <a:avLst/>
+              </a:prstGeom>
+              <a:blipFill>
+                <a:blip r:embed="rId5"/>
+                <a:stretch>
+                  <a:fillRect l="-2434" t="-26923" r="-3745" b="-42308"/>
+                </a:stretch>
+              </a:blipFill>
+            </p:spPr>
+            <p:txBody>
+              <a:bodyPr/>
+              <a:lstStyle/>
+              <a:p>
+                <a:r>
+                  <a:rPr lang="en-CA">
+                    <a:noFill/>
+                  </a:rPr>
+                  <a:t> </a:t>
+                </a:r>
+              </a:p>
+            </p:txBody>
+          </p:sp>
+        </mc:Fallback>
+      </mc:AlternateContent>
+      <p:sp>
+        <p:nvSpPr>
+          <p:cNvPr id="10" name="ZoneTexte 3">
+            <a:extLst>
+              <a:ext uri="{FF2B5EF4-FFF2-40B4-BE49-F238E27FC236}">
+                <a16:creationId xmlns:a16="http://schemas.microsoft.com/office/drawing/2014/main" id="{F77257F8-A650-4629-9A87-1A11323C140D}"/>
+              </a:ext>
+            </a:extLst>
+          </p:cNvPr>
+          <p:cNvSpPr txBox="1"/>
+          <p:nvPr/>
+        </p:nvSpPr>
+        <p:spPr>
+          <a:xfrm>
+            <a:off x="714375" y="4429257"/>
+            <a:ext cx="9404183" cy="923330"/>
+          </a:xfrm>
+          <a:prstGeom prst="rect">
+            <a:avLst/>
+          </a:prstGeom>
+          <a:noFill/>
+        </p:spPr>
+        <p:txBody>
+          <a:bodyPr wrap="square" rtlCol="0">
+            <a:spAutoFit/>
+          </a:bodyPr>
+          <a:lstStyle/>
+          <a:p>
+            <a:r>
+              <a:rPr lang="fr-CA" dirty="0"/>
+              <a:t>Cette méthode fait la soustraction du champ total avec la source par le champ total sans la source. Elle permet de mettre en évidence l’interaction entre le champ et l’objet</a:t>
+            </a:r>
+          </a:p>
+          <a:p>
+            <a:r>
+              <a:rPr lang="fr-CA" dirty="0"/>
+              <a:t>Formulation:</a:t>
+            </a:r>
+          </a:p>
+        </p:txBody>
+      </p:sp>
     </p:spTree>
     <p:extLst>
       <p:ext uri="{BB962C8B-B14F-4D97-AF65-F5344CB8AC3E}">
@@ -18528,8 +19281,8 @@
           </a:p>
         </p:txBody>
       </p:sp>
-      <mc:AlternateContent xmlns:mc="http://schemas.openxmlformats.org/markup-compatibility/2006">
-        <mc:Choice xmlns:a14="http://schemas.microsoft.com/office/drawing/2010/main" Requires="a14">
+      <mc:AlternateContent xmlns:mc="http://schemas.openxmlformats.org/markup-compatibility/2006" xmlns:a14="http://schemas.microsoft.com/office/drawing/2010/main">
+        <mc:Choice Requires="a14">
           <p:sp>
             <p:nvSpPr>
               <p:cNvPr id="12" name="ZoneTexte 11">
@@ -18647,7 +19400,7 @@
             </p:txBody>
           </p:sp>
         </mc:Choice>
-        <mc:Fallback>
+        <mc:Fallback xmlns="">
           <p:sp>
             <p:nvSpPr>
               <p:cNvPr id="12" name="ZoneTexte 11">
@@ -18755,8 +19508,8 @@
             <a:chExt cx="2764033" cy="575863"/>
           </a:xfrm>
         </p:grpSpPr>
-        <mc:AlternateContent xmlns:mc="http://schemas.openxmlformats.org/markup-compatibility/2006">
-          <mc:Choice xmlns:a14="http://schemas.microsoft.com/office/drawing/2010/main" Requires="a14">
+        <mc:AlternateContent xmlns:mc="http://schemas.openxmlformats.org/markup-compatibility/2006" xmlns:a14="http://schemas.microsoft.com/office/drawing/2010/main">
+          <mc:Choice Requires="a14">
             <p:sp>
               <p:nvSpPr>
                 <p:cNvPr id="5" name="ZoneTexte 4">
@@ -18785,6 +19538,7 @@
                 </a:bodyPr>
                 <a:lstStyle/>
                 <a:p>
+                  <a:pPr/>
                   <a14:m>
                     <m:oMathPara xmlns:m="http://schemas.openxmlformats.org/officeDocument/2006/math">
                       <m:oMathParaPr>
@@ -18974,7 +19728,7 @@
               </p:txBody>
             </p:sp>
           </mc:Choice>
-          <mc:Fallback>
+          <mc:Fallback xmlns="">
             <p:sp>
               <p:nvSpPr>
                 <p:cNvPr id="5" name="ZoneTexte 4">
@@ -24174,8 +24928,8 @@
         </p:blipFill>
         <p:spPr>
           <a:xfrm>
-            <a:off x="1896891" y="1249961"/>
-            <a:ext cx="8398218" cy="4821943"/>
+            <a:off x="2767219" y="1896292"/>
+            <a:ext cx="6657562" cy="3822523"/>
           </a:xfrm>
           <a:prstGeom prst="rect">
             <a:avLst/>
@@ -24196,8 +24950,8 @@
         </p:nvSpPr>
         <p:spPr>
           <a:xfrm>
-            <a:off x="1896891" y="6071904"/>
-            <a:ext cx="8398218" cy="261610"/>
+            <a:off x="2767219" y="5718815"/>
+            <a:ext cx="6657562" cy="430887"/>
           </a:xfrm>
           <a:prstGeom prst="rect">
             <a:avLst/>
@@ -24219,7 +24973,42 @@
                   </a:schemeClr>
                 </a:solidFill>
               </a:rPr>
-              <a:t>Vidéo 1 : Comparaison entre une propagation d’onde avec PML et une propagation sans PML [3]</a:t>
+              <a:t>Vidéo 1 : Comparaison entre une propagation d’onde sans PML (à gauche) et une propagation avec PML (à droite) dans le domaine FDTD [3]</a:t>
+            </a:r>
+          </a:p>
+        </p:txBody>
+      </p:sp>
+      <p:sp>
+        <p:nvSpPr>
+          <p:cNvPr id="5" name="ZoneTexte 8">
+            <a:extLst>
+              <a:ext uri="{FF2B5EF4-FFF2-40B4-BE49-F238E27FC236}">
+                <a16:creationId xmlns:a16="http://schemas.microsoft.com/office/drawing/2014/main" id="{F1719F11-900E-4E7F-8CC1-BFC9D37FC2B7}"/>
+              </a:ext>
+            </a:extLst>
+          </p:cNvPr>
+          <p:cNvSpPr txBox="1"/>
+          <p:nvPr/>
+        </p:nvSpPr>
+        <p:spPr>
+          <a:xfrm>
+            <a:off x="455643" y="1249961"/>
+            <a:ext cx="8688357" cy="646331"/>
+          </a:xfrm>
+          <a:prstGeom prst="rect">
+            <a:avLst/>
+          </a:prstGeom>
+          <a:noFill/>
+        </p:spPr>
+        <p:txBody>
+          <a:bodyPr wrap="square" rtlCol="0">
+            <a:spAutoFit/>
+          </a:bodyPr>
+          <a:lstStyle/>
+          <a:p>
+            <a:r>
+              <a:rPr lang="fr-CA" dirty="0"/>
+              <a:t>Une cellule de simulation sans réflexions est importante pour une résolution de l’état stationnaire</a:t>
             </a:r>
           </a:p>
         </p:txBody>
@@ -24227,7 +25016,7 @@
     </p:spTree>
     <p:extLst>
       <p:ext uri="{BB962C8B-B14F-4D97-AF65-F5344CB8AC3E}">
-        <p14:creationId xmlns:p14="http://schemas.microsoft.com/office/powerpoint/2010/main" val="4230701236"/>
+        <p14:creationId xmlns:p14="http://schemas.microsoft.com/office/powerpoint/2010/main" val="274587479"/>
       </p:ext>
     </p:extLst>
   </p:cSld>

--- a/Oral/Présentation_Eq11.pptx
+++ b/Oral/Présentation_Eq11.pptx
@@ -7,27 +7,28 @@
   <p:sldIdLst>
     <p:sldId id="256" r:id="rId2"/>
     <p:sldId id="257" r:id="rId3"/>
-    <p:sldId id="258" r:id="rId4"/>
-    <p:sldId id="272" r:id="rId5"/>
-    <p:sldId id="259" r:id="rId6"/>
-    <p:sldId id="273" r:id="rId7"/>
-    <p:sldId id="279" r:id="rId8"/>
-    <p:sldId id="260" r:id="rId9"/>
-    <p:sldId id="261" r:id="rId10"/>
-    <p:sldId id="276" r:id="rId11"/>
-    <p:sldId id="277" r:id="rId12"/>
-    <p:sldId id="278" r:id="rId13"/>
-    <p:sldId id="275" r:id="rId14"/>
-    <p:sldId id="262" r:id="rId15"/>
-    <p:sldId id="263" r:id="rId16"/>
-    <p:sldId id="264" r:id="rId17"/>
-    <p:sldId id="265" r:id="rId18"/>
-    <p:sldId id="266" r:id="rId19"/>
-    <p:sldId id="267" r:id="rId20"/>
-    <p:sldId id="268" r:id="rId21"/>
-    <p:sldId id="269" r:id="rId22"/>
-    <p:sldId id="270" r:id="rId23"/>
-    <p:sldId id="271" r:id="rId24"/>
+    <p:sldId id="280" r:id="rId4"/>
+    <p:sldId id="258" r:id="rId5"/>
+    <p:sldId id="272" r:id="rId6"/>
+    <p:sldId id="259" r:id="rId7"/>
+    <p:sldId id="273" r:id="rId8"/>
+    <p:sldId id="279" r:id="rId9"/>
+    <p:sldId id="260" r:id="rId10"/>
+    <p:sldId id="261" r:id="rId11"/>
+    <p:sldId id="276" r:id="rId12"/>
+    <p:sldId id="277" r:id="rId13"/>
+    <p:sldId id="278" r:id="rId14"/>
+    <p:sldId id="275" r:id="rId15"/>
+    <p:sldId id="262" r:id="rId16"/>
+    <p:sldId id="263" r:id="rId17"/>
+    <p:sldId id="264" r:id="rId18"/>
+    <p:sldId id="265" r:id="rId19"/>
+    <p:sldId id="266" r:id="rId20"/>
+    <p:sldId id="267" r:id="rId21"/>
+    <p:sldId id="268" r:id="rId22"/>
+    <p:sldId id="269" r:id="rId23"/>
+    <p:sldId id="270" r:id="rId24"/>
+    <p:sldId id="271" r:id="rId25"/>
   </p:sldIdLst>
   <p:sldSz cx="12192000" cy="6858000"/>
   <p:notesSz cx="6858000" cy="9144000"/>
@@ -133,6 +134,7 @@
           <p14:sldIdLst>
             <p14:sldId id="256"/>
             <p14:sldId id="257"/>
+            <p14:sldId id="280"/>
             <p14:sldId id="258"/>
             <p14:sldId id="272"/>
             <p14:sldId id="259"/>
@@ -943,7 +945,7 @@
             <a:fld id="{B61BEF0D-F0BB-DE4B-95CE-6DB70DBA9567}" type="datetimeFigureOut">
               <a:rPr lang="en-US" dirty="0"/>
               <a:pPr/>
-              <a:t>4/10/2020</a:t>
+              <a:t>4/13/2020</a:t>
             </a:fld>
             <a:endParaRPr lang="en-US" dirty="0"/>
           </a:p>
@@ -986,7 +988,7 @@
             <a:fld id="{D57F1E4F-1CFF-5643-939E-217C01CDF565}" type="slidenum">
               <a:rPr lang="en-US" dirty="0"/>
               <a:pPr/>
-              <a:t>‹#›</a:t>
+              <a:t>‹N°›</a:t>
             </a:fld>
             <a:endParaRPr lang="en-US" dirty="0"/>
           </a:p>
@@ -1191,7 +1193,7 @@
             <a:fld id="{B61BEF0D-F0BB-DE4B-95CE-6DB70DBA9567}" type="datetimeFigureOut">
               <a:rPr lang="en-US" dirty="0"/>
               <a:pPr/>
-              <a:t>4/10/2020</a:t>
+              <a:t>4/13/2020</a:t>
             </a:fld>
             <a:endParaRPr lang="en-US" dirty="0"/>
           </a:p>
@@ -1234,7 +1236,7 @@
             <a:fld id="{D57F1E4F-1CFF-5643-939E-217C01CDF565}" type="slidenum">
               <a:rPr lang="en-US" dirty="0"/>
               <a:pPr/>
-              <a:t>‹#›</a:t>
+              <a:t>‹N°›</a:t>
             </a:fld>
             <a:endParaRPr lang="en-US" dirty="0"/>
           </a:p>
@@ -1502,7 +1504,7 @@
             <a:fld id="{B61BEF0D-F0BB-DE4B-95CE-6DB70DBA9567}" type="datetimeFigureOut">
               <a:rPr lang="en-US" dirty="0"/>
               <a:pPr/>
-              <a:t>4/10/2020</a:t>
+              <a:t>4/13/2020</a:t>
             </a:fld>
             <a:endParaRPr lang="en-US" dirty="0"/>
           </a:p>
@@ -1545,7 +1547,7 @@
             <a:fld id="{D57F1E4F-1CFF-5643-939E-217C01CDF565}" type="slidenum">
               <a:rPr lang="en-US" dirty="0"/>
               <a:pPr/>
-              <a:t>‹#›</a:t>
+              <a:t>‹N°›</a:t>
             </a:fld>
             <a:endParaRPr lang="en-US" dirty="0"/>
           </a:p>
@@ -1832,7 +1834,7 @@
             <a:fld id="{B61BEF0D-F0BB-DE4B-95CE-6DB70DBA9567}" type="datetimeFigureOut">
               <a:rPr lang="en-US" dirty="0"/>
               <a:pPr/>
-              <a:t>4/10/2020</a:t>
+              <a:t>4/13/2020</a:t>
             </a:fld>
             <a:endParaRPr lang="en-US" dirty="0"/>
           </a:p>
@@ -1875,7 +1877,7 @@
             <a:fld id="{D57F1E4F-1CFF-5643-939E-217C01CDF565}" type="slidenum">
               <a:rPr lang="en-US" dirty="0"/>
               <a:pPr/>
-              <a:t>‹#›</a:t>
+              <a:t>‹N°›</a:t>
             </a:fld>
             <a:endParaRPr lang="en-US" dirty="0"/>
           </a:p>
@@ -2143,7 +2145,7 @@
             <a:fld id="{B61BEF0D-F0BB-DE4B-95CE-6DB70DBA9567}" type="datetimeFigureOut">
               <a:rPr lang="en-US" dirty="0"/>
               <a:pPr/>
-              <a:t>4/10/2020</a:t>
+              <a:t>4/13/2020</a:t>
             </a:fld>
             <a:endParaRPr lang="en-US" dirty="0"/>
           </a:p>
@@ -2186,7 +2188,7 @@
             <a:fld id="{D57F1E4F-1CFF-5643-939E-217C01CDF565}" type="slidenum">
               <a:rPr lang="en-US" dirty="0"/>
               <a:pPr/>
-              <a:t>‹#›</a:t>
+              <a:t>‹N°›</a:t>
             </a:fld>
             <a:endParaRPr lang="en-US" dirty="0"/>
           </a:p>
@@ -2533,7 +2535,7 @@
             <a:fld id="{B61BEF0D-F0BB-DE4B-95CE-6DB70DBA9567}" type="datetimeFigureOut">
               <a:rPr lang="en-US" dirty="0"/>
               <a:pPr/>
-              <a:t>4/10/2020</a:t>
+              <a:t>4/13/2020</a:t>
             </a:fld>
             <a:endParaRPr lang="en-US" dirty="0"/>
           </a:p>
@@ -2576,7 +2578,7 @@
             <a:fld id="{D57F1E4F-1CFF-5643-939E-217C01CDF565}" type="slidenum">
               <a:rPr lang="en-US" dirty="0"/>
               <a:pPr/>
-              <a:t>‹#›</a:t>
+              <a:t>‹N°›</a:t>
             </a:fld>
             <a:endParaRPr lang="en-US" dirty="0"/>
           </a:p>
@@ -2699,7 +2701,7 @@
           <a:p>
             <a:fld id="{55C6B4A9-1611-4792-9094-5F34BCA07E0B}" type="datetimeFigureOut">
               <a:rPr lang="en-US" dirty="0"/>
-              <a:t>4/10/2020</a:t>
+              <a:t>4/13/2020</a:t>
             </a:fld>
             <a:endParaRPr lang="en-US" dirty="0"/>
           </a:p>
@@ -2741,7 +2743,7 @@
           <a:p>
             <a:fld id="{89333C77-0158-454C-844F-B7AB9BD7DAD4}" type="slidenum">
               <a:rPr lang="en-US" dirty="0"/>
-              <a:t>‹#›</a:t>
+              <a:t>‹N°›</a:t>
             </a:fld>
             <a:endParaRPr lang="en-US" dirty="0"/>
           </a:p>
@@ -2875,7 +2877,7 @@
             <a:fld id="{B61BEF0D-F0BB-DE4B-95CE-6DB70DBA9567}" type="datetimeFigureOut">
               <a:rPr lang="en-US" dirty="0"/>
               <a:pPr/>
-              <a:t>4/10/2020</a:t>
+              <a:t>4/13/2020</a:t>
             </a:fld>
             <a:endParaRPr lang="en-US" dirty="0"/>
           </a:p>
@@ -2918,7 +2920,7 @@
             <a:fld id="{D57F1E4F-1CFF-5643-939E-217C01CDF565}" type="slidenum">
               <a:rPr lang="en-US" dirty="0"/>
               <a:pPr/>
-              <a:t>‹#›</a:t>
+              <a:t>‹N°›</a:t>
             </a:fld>
             <a:endParaRPr lang="en-US" dirty="0"/>
           </a:p>
@@ -3041,7 +3043,7 @@
           <a:p>
             <a:fld id="{42A54C80-263E-416B-A8E0-580EDEADCBDC}" type="datetimeFigureOut">
               <a:rPr lang="en-US" dirty="0"/>
-              <a:t>4/10/2020</a:t>
+              <a:t>4/13/2020</a:t>
             </a:fld>
             <a:endParaRPr lang="en-US" dirty="0"/>
           </a:p>
@@ -3083,7 +3085,7 @@
           <a:p>
             <a:fld id="{519954A3-9DFD-4C44-94BA-B95130A3BA1C}" type="slidenum">
               <a:rPr lang="en-US" dirty="0"/>
-              <a:t>‹#›</a:t>
+              <a:t>‹N°›</a:t>
             </a:fld>
             <a:endParaRPr lang="en-US" dirty="0"/>
           </a:p>
@@ -3284,7 +3286,7 @@
             <a:fld id="{B61BEF0D-F0BB-DE4B-95CE-6DB70DBA9567}" type="datetimeFigureOut">
               <a:rPr lang="en-US" dirty="0"/>
               <a:pPr/>
-              <a:t>4/10/2020</a:t>
+              <a:t>4/13/2020</a:t>
             </a:fld>
             <a:endParaRPr lang="en-US" dirty="0"/>
           </a:p>
@@ -3327,7 +3329,7 @@
             <a:fld id="{D57F1E4F-1CFF-5643-939E-217C01CDF565}" type="slidenum">
               <a:rPr lang="en-US" dirty="0"/>
               <a:pPr/>
-              <a:t>‹#›</a:t>
+              <a:t>‹N°›</a:t>
             </a:fld>
             <a:endParaRPr lang="en-US" dirty="0"/>
           </a:p>
@@ -3512,7 +3514,7 @@
           <a:p>
             <a:fld id="{42A54C80-263E-416B-A8E0-580EDEADCBDC}" type="datetimeFigureOut">
               <a:rPr lang="en-US" dirty="0"/>
-              <a:t>4/10/2020</a:t>
+              <a:t>4/13/2020</a:t>
             </a:fld>
             <a:endParaRPr lang="en-US" dirty="0"/>
           </a:p>
@@ -3554,7 +3556,7 @@
           <a:p>
             <a:fld id="{519954A3-9DFD-4C44-94BA-B95130A3BA1C}" type="slidenum">
               <a:rPr lang="en-US" dirty="0"/>
-              <a:t>‹#›</a:t>
+              <a:t>‹N°›</a:t>
             </a:fld>
             <a:endParaRPr lang="en-US" dirty="0"/>
           </a:p>
@@ -3882,7 +3884,7 @@
             <a:fld id="{B61BEF0D-F0BB-DE4B-95CE-6DB70DBA9567}" type="datetimeFigureOut">
               <a:rPr lang="en-US" dirty="0"/>
               <a:pPr/>
-              <a:t>4/10/2020</a:t>
+              <a:t>4/13/2020</a:t>
             </a:fld>
             <a:endParaRPr lang="en-US" dirty="0"/>
           </a:p>
@@ -3925,7 +3927,7 @@
             <a:fld id="{D57F1E4F-1CFF-5643-939E-217C01CDF565}" type="slidenum">
               <a:rPr lang="en-US" dirty="0"/>
               <a:pPr/>
-              <a:t>‹#›</a:t>
+              <a:t>‹N°›</a:t>
             </a:fld>
             <a:endParaRPr lang="en-US" dirty="0"/>
           </a:p>
@@ -4002,7 +4004,7 @@
             <a:fld id="{B61BEF0D-F0BB-DE4B-95CE-6DB70DBA9567}" type="datetimeFigureOut">
               <a:rPr lang="en-US" dirty="0"/>
               <a:pPr/>
-              <a:t>4/10/2020</a:t>
+              <a:t>4/13/2020</a:t>
             </a:fld>
             <a:endParaRPr lang="en-US" dirty="0"/>
           </a:p>
@@ -4045,7 +4047,7 @@
             <a:fld id="{D57F1E4F-1CFF-5643-939E-217C01CDF565}" type="slidenum">
               <a:rPr lang="en-US" dirty="0"/>
               <a:pPr/>
-              <a:t>‹#›</a:t>
+              <a:t>‹N°›</a:t>
             </a:fld>
             <a:endParaRPr lang="en-US" dirty="0"/>
           </a:p>
@@ -4094,7 +4096,7 @@
             <a:fld id="{B61BEF0D-F0BB-DE4B-95CE-6DB70DBA9567}" type="datetimeFigureOut">
               <a:rPr lang="en-US" dirty="0"/>
               <a:pPr/>
-              <a:t>4/10/2020</a:t>
+              <a:t>4/13/2020</a:t>
             </a:fld>
             <a:endParaRPr lang="en-US" dirty="0"/>
           </a:p>
@@ -4137,7 +4139,7 @@
             <a:fld id="{D57F1E4F-1CFF-5643-939E-217C01CDF565}" type="slidenum">
               <a:rPr lang="en-US" dirty="0"/>
               <a:pPr/>
-              <a:t>‹#›</a:t>
+              <a:t>‹N°›</a:t>
             </a:fld>
             <a:endParaRPr lang="en-US" dirty="0"/>
           </a:p>
@@ -4345,7 +4347,7 @@
           <a:p>
             <a:fld id="{42A54C80-263E-416B-A8E0-580EDEADCBDC}" type="datetimeFigureOut">
               <a:rPr lang="en-US" dirty="0"/>
-              <a:t>4/10/2020</a:t>
+              <a:t>4/13/2020</a:t>
             </a:fld>
             <a:endParaRPr lang="en-US" dirty="0"/>
           </a:p>
@@ -4387,7 +4389,7 @@
           <a:p>
             <a:fld id="{519954A3-9DFD-4C44-94BA-B95130A3BA1C}" type="slidenum">
               <a:rPr lang="en-US" dirty="0"/>
-              <a:t>‹#›</a:t>
+              <a:t>‹N°›</a:t>
             </a:fld>
             <a:endParaRPr lang="en-US" dirty="0"/>
           </a:p>
@@ -4623,7 +4625,7 @@
             <a:fld id="{D57F1E4F-1CFF-5643-939E-217C01CDF565}" type="slidenum">
               <a:rPr lang="en-US" dirty="0"/>
               <a:pPr/>
-              <a:t>‹#›</a:t>
+              <a:t>‹N°›</a:t>
             </a:fld>
             <a:endParaRPr lang="en-US" dirty="0"/>
           </a:p>
@@ -4647,7 +4649,7 @@
             <a:fld id="{B61BEF0D-F0BB-DE4B-95CE-6DB70DBA9567}" type="datetimeFigureOut">
               <a:rPr lang="en-US" dirty="0"/>
               <a:pPr/>
-              <a:t>4/10/2020</a:t>
+              <a:t>4/13/2020</a:t>
             </a:fld>
             <a:endParaRPr lang="en-US" dirty="0"/>
           </a:p>
@@ -5345,7 +5347,7 @@
             <a:fld id="{B61BEF0D-F0BB-DE4B-95CE-6DB70DBA9567}" type="datetimeFigureOut">
               <a:rPr lang="en-US" dirty="0"/>
               <a:pPr/>
-              <a:t>4/10/2020</a:t>
+              <a:t>4/13/2020</a:t>
             </a:fld>
             <a:endParaRPr lang="en-US" dirty="0"/>
           </a:p>
@@ -5422,7 +5424,7 @@
             <a:fld id="{D57F1E4F-1CFF-5643-939E-217C01CDF565}" type="slidenum">
               <a:rPr lang="en-US" dirty="0"/>
               <a:pPr/>
-              <a:t>‹#›</a:t>
+              <a:t>‹N°›</a:t>
             </a:fld>
             <a:endParaRPr lang="en-US" dirty="0"/>
           </a:p>
@@ -6430,6 +6432,353 @@
           <p:cNvPr id="4" name="ZoneTexte 3">
             <a:extLst>
               <a:ext uri="{FF2B5EF4-FFF2-40B4-BE49-F238E27FC236}">
+                <a16:creationId xmlns:a16="http://schemas.microsoft.com/office/drawing/2014/main" id="{E6A8A025-D423-4A49-BA37-79DF0E490258}"/>
+              </a:ext>
+            </a:extLst>
+          </p:cNvPr>
+          <p:cNvSpPr txBox="1"/>
+          <p:nvPr/>
+        </p:nvSpPr>
+        <p:spPr>
+          <a:xfrm>
+            <a:off x="360727" y="1249961"/>
+            <a:ext cx="7004807" cy="1323439"/>
+          </a:xfrm>
+          <a:prstGeom prst="rect">
+            <a:avLst/>
+          </a:prstGeom>
+          <a:noFill/>
+        </p:spPr>
+        <p:txBody>
+          <a:bodyPr wrap="square" rtlCol="0">
+            <a:spAutoFit/>
+          </a:bodyPr>
+          <a:lstStyle/>
+          <a:p>
+            <a:r>
+              <a:rPr lang="fr-FR" sz="1600" dirty="0"/>
+              <a:t>Les points de la grille physique (fig.6) sont séparées en situation :</a:t>
+            </a:r>
+          </a:p>
+          <a:p>
+            <a:pPr marL="285750" indent="-285750">
+              <a:buFont typeface="Arial" panose="020B0604020202020204" pitchFamily="34" charset="0"/>
+              <a:buChar char="•"/>
+            </a:pPr>
+            <a:r>
+              <a:rPr lang="fr-FR" sz="1600" dirty="0"/>
+              <a:t>Les points 0 : Frontière finale.</a:t>
+            </a:r>
+          </a:p>
+          <a:p>
+            <a:pPr marL="285750" indent="-285750">
+              <a:buFont typeface="Arial" panose="020B0604020202020204" pitchFamily="34" charset="0"/>
+              <a:buChar char="•"/>
+            </a:pPr>
+            <a:r>
+              <a:rPr lang="fr-FR" sz="1600" dirty="0"/>
+              <a:t>Les points 1 et 2 : Milieu homogène. 1=eau, 2=bois.</a:t>
+            </a:r>
+          </a:p>
+          <a:p>
+            <a:pPr marL="285750" indent="-285750">
+              <a:buFont typeface="Arial" panose="020B0604020202020204" pitchFamily="34" charset="0"/>
+              <a:buChar char="•"/>
+            </a:pPr>
+            <a:r>
+              <a:rPr lang="fr-FR" sz="1600" dirty="0"/>
+              <a:t>Les points 3 à 13 : Conditions frontières du bateau.</a:t>
+            </a:r>
+          </a:p>
+          <a:p>
+            <a:pPr marL="285750" indent="-285750">
+              <a:buFont typeface="Arial" panose="020B0604020202020204" pitchFamily="34" charset="0"/>
+              <a:buChar char="•"/>
+            </a:pPr>
+            <a:r>
+              <a:rPr lang="fr-FR" sz="1600" dirty="0"/>
+              <a:t>Les points 14 à 21 : Couches absorbantes entourant la simulation</a:t>
+            </a:r>
+            <a:endParaRPr lang="fr-CA" sz="1600" dirty="0"/>
+          </a:p>
+        </p:txBody>
+      </p:sp>
+      <p:grpSp>
+        <p:nvGrpSpPr>
+          <p:cNvPr id="9" name="Groupe 8">
+            <a:extLst>
+              <a:ext uri="{FF2B5EF4-FFF2-40B4-BE49-F238E27FC236}">
+                <a16:creationId xmlns:a16="http://schemas.microsoft.com/office/drawing/2014/main" id="{41AE47AF-A067-4B61-908C-D125BFA4316A}"/>
+              </a:ext>
+            </a:extLst>
+          </p:cNvPr>
+          <p:cNvGrpSpPr/>
+          <p:nvPr/>
+        </p:nvGrpSpPr>
+        <p:grpSpPr>
+          <a:xfrm>
+            <a:off x="3257623" y="2692839"/>
+            <a:ext cx="4177994" cy="4090645"/>
+            <a:chOff x="1293258" y="2482995"/>
+            <a:chExt cx="4626078" cy="4529361"/>
+          </a:xfrm>
+          <a:solidFill>
+            <a:schemeClr val="bg1"/>
+          </a:solidFill>
+        </p:grpSpPr>
+        <p:pic>
+          <p:nvPicPr>
+            <p:cNvPr id="7" name="Image 6">
+              <a:extLst>
+                <a:ext uri="{FF2B5EF4-FFF2-40B4-BE49-F238E27FC236}">
+                  <a16:creationId xmlns:a16="http://schemas.microsoft.com/office/drawing/2014/main" id="{B8D17851-6BAC-4BFC-B1E3-91885B22C6FF}"/>
+                </a:ext>
+              </a:extLst>
+            </p:cNvPr>
+            <p:cNvPicPr>
+              <a:picLocks noChangeAspect="1"/>
+            </p:cNvPicPr>
+            <p:nvPr/>
+          </p:nvPicPr>
+          <p:blipFill>
+            <a:blip r:embed="rId2"/>
+            <a:stretch>
+              <a:fillRect/>
+            </a:stretch>
+          </p:blipFill>
+          <p:spPr>
+            <a:xfrm>
+              <a:off x="1373858" y="2482995"/>
+              <a:ext cx="4464879" cy="3864830"/>
+            </a:xfrm>
+            <a:prstGeom prst="rect">
+              <a:avLst/>
+            </a:prstGeom>
+            <a:grpFill/>
+          </p:spPr>
+        </p:pic>
+        <p:sp>
+          <p:nvSpPr>
+            <p:cNvPr id="8" name="ZoneTexte 7">
+              <a:extLst>
+                <a:ext uri="{FF2B5EF4-FFF2-40B4-BE49-F238E27FC236}">
+                  <a16:creationId xmlns:a16="http://schemas.microsoft.com/office/drawing/2014/main" id="{604CFB8A-3163-4D18-A566-E6096A90E9EB}"/>
+                </a:ext>
+              </a:extLst>
+            </p:cNvPr>
+            <p:cNvSpPr txBox="1"/>
+            <p:nvPr/>
+          </p:nvSpPr>
+          <p:spPr>
+            <a:xfrm>
+              <a:off x="1293258" y="6347825"/>
+              <a:ext cx="4626078" cy="664531"/>
+            </a:xfrm>
+            <a:prstGeom prst="rect">
+              <a:avLst/>
+            </a:prstGeom>
+            <a:grpFill/>
+          </p:spPr>
+          <p:txBody>
+            <a:bodyPr wrap="square" rtlCol="0">
+              <a:spAutoFit/>
+            </a:bodyPr>
+            <a:lstStyle/>
+            <a:p>
+              <a:r>
+                <a:rPr lang="fr-CA" sz="1100" dirty="0">
+                  <a:solidFill>
+                    <a:schemeClr val="tx1">
+                      <a:lumMod val="85000"/>
+                      <a:lumOff val="15000"/>
+                    </a:schemeClr>
+                  </a:solidFill>
+                </a:rPr>
+                <a:t>Figure 6 : Les situations pour chaque points, où A est le bateau sans pointe, B avec une pointe circulaire et C une pointe triangulaire</a:t>
+              </a:r>
+            </a:p>
+          </p:txBody>
+        </p:sp>
+      </p:grpSp>
+    </p:spTree>
+    <p:extLst>
+      <p:ext uri="{BB962C8B-B14F-4D97-AF65-F5344CB8AC3E}">
+        <p14:creationId xmlns:p14="http://schemas.microsoft.com/office/powerpoint/2010/main" val="1646786163"/>
+      </p:ext>
+    </p:extLst>
+  </p:cSld>
+  <p:clrMapOvr>
+    <a:masterClrMapping/>
+  </p:clrMapOvr>
+</p:sld>
+</file>
+
+<file path=ppt/slides/slide11.xml><?xml version="1.0" encoding="utf-8"?>
+<p:sld xmlns:a="http://schemas.openxmlformats.org/drawingml/2006/main" xmlns:r="http://schemas.openxmlformats.org/officeDocument/2006/relationships" xmlns:p="http://schemas.openxmlformats.org/presentationml/2006/main">
+  <p:cSld>
+    <p:spTree>
+      <p:nvGrpSpPr>
+        <p:cNvPr id="1" name=""/>
+        <p:cNvGrpSpPr/>
+        <p:nvPr/>
+      </p:nvGrpSpPr>
+      <p:grpSpPr>
+        <a:xfrm>
+          <a:off x="0" y="0"/>
+          <a:ext cx="0" cy="0"/>
+          <a:chOff x="0" y="0"/>
+          <a:chExt cx="0" cy="0"/>
+        </a:xfrm>
+      </p:grpSpPr>
+      <p:sp>
+        <p:nvSpPr>
+          <p:cNvPr id="2" name="Titre 1">
+            <a:extLst>
+              <a:ext uri="{FF2B5EF4-FFF2-40B4-BE49-F238E27FC236}">
+                <a16:creationId xmlns:a16="http://schemas.microsoft.com/office/drawing/2014/main" id="{03EE799C-7398-441E-956D-60778EB6ADFB}"/>
+              </a:ext>
+            </a:extLst>
+          </p:cNvPr>
+          <p:cNvSpPr txBox="1">
+            <a:spLocks/>
+          </p:cNvSpPr>
+          <p:nvPr/>
+        </p:nvSpPr>
+        <p:spPr>
+          <a:xfrm>
+            <a:off x="455643" y="510175"/>
+            <a:ext cx="9015528" cy="739786"/>
+          </a:xfrm>
+          <a:prstGeom prst="rect">
+            <a:avLst/>
+          </a:prstGeom>
+        </p:spPr>
+        <p:txBody>
+          <a:bodyPr/>
+          <a:lstStyle>
+            <a:lvl1pPr algn="l" defTabSz="457200" rtl="0" eaLnBrk="1" latinLnBrk="0" hangingPunct="1">
+              <a:spcBef>
+                <a:spcPct val="0"/>
+              </a:spcBef>
+              <a:buNone/>
+              <a:defRPr sz="3600" kern="1200">
+                <a:solidFill>
+                  <a:schemeClr val="accent1"/>
+                </a:solidFill>
+                <a:latin typeface="+mj-lt"/>
+                <a:ea typeface="+mj-ea"/>
+                <a:cs typeface="+mj-cs"/>
+              </a:defRPr>
+            </a:lvl1pPr>
+            <a:lvl2pPr eaLnBrk="1" hangingPunct="1">
+              <a:defRPr>
+                <a:solidFill>
+                  <a:schemeClr val="tx2"/>
+                </a:solidFill>
+              </a:defRPr>
+            </a:lvl2pPr>
+            <a:lvl3pPr eaLnBrk="1" hangingPunct="1">
+              <a:defRPr>
+                <a:solidFill>
+                  <a:schemeClr val="tx2"/>
+                </a:solidFill>
+              </a:defRPr>
+            </a:lvl3pPr>
+            <a:lvl4pPr eaLnBrk="1" hangingPunct="1">
+              <a:defRPr>
+                <a:solidFill>
+                  <a:schemeClr val="tx2"/>
+                </a:solidFill>
+              </a:defRPr>
+            </a:lvl4pPr>
+            <a:lvl5pPr eaLnBrk="1" hangingPunct="1">
+              <a:defRPr>
+                <a:solidFill>
+                  <a:schemeClr val="tx2"/>
+                </a:solidFill>
+              </a:defRPr>
+            </a:lvl5pPr>
+            <a:lvl6pPr eaLnBrk="1" hangingPunct="1">
+              <a:defRPr>
+                <a:solidFill>
+                  <a:schemeClr val="tx2"/>
+                </a:solidFill>
+              </a:defRPr>
+            </a:lvl6pPr>
+            <a:lvl7pPr eaLnBrk="1" hangingPunct="1">
+              <a:defRPr>
+                <a:solidFill>
+                  <a:schemeClr val="tx2"/>
+                </a:solidFill>
+              </a:defRPr>
+            </a:lvl7pPr>
+            <a:lvl8pPr eaLnBrk="1" hangingPunct="1">
+              <a:defRPr>
+                <a:solidFill>
+                  <a:schemeClr val="tx2"/>
+                </a:solidFill>
+              </a:defRPr>
+            </a:lvl8pPr>
+            <a:lvl9pPr eaLnBrk="1" hangingPunct="1">
+              <a:defRPr>
+                <a:solidFill>
+                  <a:schemeClr val="tx2"/>
+                </a:solidFill>
+              </a:defRPr>
+            </a:lvl9pPr>
+          </a:lstStyle>
+          <a:p>
+            <a:r>
+              <a:rPr lang="fr-CA" dirty="0">
+                <a:solidFill>
+                  <a:srgbClr val="286D9F"/>
+                </a:solidFill>
+              </a:rPr>
+              <a:t>Fonctionnement de la méthode numérique</a:t>
+            </a:r>
+          </a:p>
+        </p:txBody>
+      </p:sp>
+      <p:sp>
+        <p:nvSpPr>
+          <p:cNvPr id="3" name="Rectangle 2">
+            <a:extLst>
+              <a:ext uri="{FF2B5EF4-FFF2-40B4-BE49-F238E27FC236}">
+                <a16:creationId xmlns:a16="http://schemas.microsoft.com/office/drawing/2014/main" id="{BA0A46BD-0FD2-481A-AB72-F6E2A27E0618}"/>
+              </a:ext>
+            </a:extLst>
+          </p:cNvPr>
+          <p:cNvSpPr/>
+          <p:nvPr/>
+        </p:nvSpPr>
+        <p:spPr>
+          <a:xfrm>
+            <a:off x="6188279" y="-436226"/>
+            <a:ext cx="6096000" cy="1754326"/>
+          </a:xfrm>
+          <a:prstGeom prst="rect">
+            <a:avLst/>
+          </a:prstGeom>
+        </p:spPr>
+        <p:txBody>
+          <a:bodyPr>
+            <a:spAutoFit/>
+          </a:bodyPr>
+          <a:lstStyle/>
+          <a:p>
+            <a:r>
+              <a:rPr lang="fr-FR" dirty="0"/>
+              <a:t>Étapes et fonctionnement de la méthode numérique, en incluant les équations discrétisées telles que vous les avez programmées (ex : discrétisation d’une équation différentielle, condition initiale, conditions aux frontières, calcul de l’énergie d’un système, génération de nombres aléatoires, etc.) </a:t>
+            </a:r>
+            <a:endParaRPr lang="fr-CA" dirty="0"/>
+          </a:p>
+        </p:txBody>
+      </p:sp>
+      <p:sp>
+        <p:nvSpPr>
+          <p:cNvPr id="4" name="ZoneTexte 3">
+            <a:extLst>
+              <a:ext uri="{FF2B5EF4-FFF2-40B4-BE49-F238E27FC236}">
                 <a16:creationId xmlns:a16="http://schemas.microsoft.com/office/drawing/2014/main" id="{9BADA194-35A4-4465-9879-CFB6014BE644}"/>
               </a:ext>
             </a:extLst>
@@ -6488,8 +6837,8 @@
             <a:chExt cx="7917745" cy="535531"/>
           </a:xfrm>
         </p:grpSpPr>
-        <mc:AlternateContent xmlns:mc="http://schemas.openxmlformats.org/markup-compatibility/2006" xmlns:a14="http://schemas.microsoft.com/office/drawing/2010/main">
-          <mc:Choice Requires="a14">
+        <mc:AlternateContent xmlns:mc="http://schemas.openxmlformats.org/markup-compatibility/2006">
+          <mc:Choice xmlns:a14="http://schemas.microsoft.com/office/drawing/2010/main" Requires="a14">
             <p:sp>
               <p:nvSpPr>
                 <p:cNvPr id="5" name="ZoneTexte 4">
@@ -6723,31 +7072,12 @@
                               </a:rPr>
                               <m:t>2</m:t>
                             </m:r>
-                            <m:sSup>
-                              <m:sSupPr>
-                                <m:ctrlPr>
-                                  <a:rPr lang="fr-CA" b="0" i="1" smtClean="0">
-                                    <a:latin typeface="Cambria Math" panose="02040503050406030204" pitchFamily="18" charset="0"/>
-                                  </a:rPr>
-                                </m:ctrlPr>
-                              </m:sSupPr>
-                              <m:e>
-                                <m:r>
-                                  <a:rPr lang="fr-CA" b="0" i="1" smtClean="0">
-                                    <a:latin typeface="Cambria Math" panose="02040503050406030204" pitchFamily="18" charset="0"/>
-                                  </a:rPr>
-                                  <m:t>h</m:t>
-                                </m:r>
-                              </m:e>
-                              <m:sup>
-                                <m:r>
-                                  <a:rPr lang="fr-CA" b="0" i="1" smtClean="0">
-                                    <a:latin typeface="Cambria Math" panose="02040503050406030204" pitchFamily="18" charset="0"/>
-                                  </a:rPr>
-                                  <m:t>2</m:t>
-                                </m:r>
-                              </m:sup>
-                            </m:sSup>
+                            <m:r>
+                              <a:rPr lang="fr-CA" b="0" i="1" smtClean="0">
+                                <a:latin typeface="Cambria Math" panose="02040503050406030204" pitchFamily="18" charset="0"/>
+                              </a:rPr>
+                              <m:t>h</m:t>
+                            </m:r>
                           </m:den>
                         </m:f>
                         <m:acc>
@@ -6926,31 +7256,12 @@
                               </a:rPr>
                               <m:t>2</m:t>
                             </m:r>
-                            <m:sSup>
-                              <m:sSupPr>
-                                <m:ctrlPr>
-                                  <a:rPr lang="fr-CA" i="1">
-                                    <a:latin typeface="Cambria Math" panose="02040503050406030204" pitchFamily="18" charset="0"/>
-                                  </a:rPr>
-                                </m:ctrlPr>
-                              </m:sSupPr>
-                              <m:e>
-                                <m:r>
-                                  <a:rPr lang="fr-CA" i="1">
-                                    <a:latin typeface="Cambria Math" panose="02040503050406030204" pitchFamily="18" charset="0"/>
-                                  </a:rPr>
-                                  <m:t>h</m:t>
-                                </m:r>
-                              </m:e>
-                              <m:sup>
-                                <m:r>
-                                  <a:rPr lang="fr-CA" i="1">
-                                    <a:latin typeface="Cambria Math" panose="02040503050406030204" pitchFamily="18" charset="0"/>
-                                  </a:rPr>
-                                  <m:t>2</m:t>
-                                </m:r>
-                              </m:sup>
-                            </m:sSup>
+                            <m:r>
+                              <a:rPr lang="fr-CA" b="0" i="1" smtClean="0">
+                                <a:latin typeface="Cambria Math" panose="02040503050406030204" pitchFamily="18" charset="0"/>
+                              </a:rPr>
+                              <m:t>h</m:t>
+                            </m:r>
                           </m:den>
                         </m:f>
                         <m:acc>
@@ -7028,7 +7339,7 @@
               </p:txBody>
             </p:sp>
           </mc:Choice>
-          <mc:Fallback xmlns="">
+          <mc:Fallback>
             <p:sp>
               <p:nvSpPr>
                 <p:cNvPr id="5" name="ZoneTexte 4">
@@ -7132,8 +7443,8 @@
             <a:chExt cx="7594653" cy="535531"/>
           </a:xfrm>
         </p:grpSpPr>
-        <mc:AlternateContent xmlns:mc="http://schemas.openxmlformats.org/markup-compatibility/2006" xmlns:a14="http://schemas.microsoft.com/office/drawing/2010/main">
-          <mc:Choice Requires="a14">
+        <mc:AlternateContent xmlns:mc="http://schemas.openxmlformats.org/markup-compatibility/2006">
+          <mc:Choice xmlns:a14="http://schemas.microsoft.com/office/drawing/2010/main" Requires="a14">
             <p:sp>
               <p:nvSpPr>
                 <p:cNvPr id="6" name="ZoneTexte 5">
@@ -7361,31 +7672,12 @@
                               </a:rPr>
                               <m:t>2</m:t>
                             </m:r>
-                            <m:sSup>
-                              <m:sSupPr>
-                                <m:ctrlPr>
-                                  <a:rPr lang="fr-CA" b="0" i="1" smtClean="0">
-                                    <a:latin typeface="Cambria Math" panose="02040503050406030204" pitchFamily="18" charset="0"/>
-                                  </a:rPr>
-                                </m:ctrlPr>
-                              </m:sSupPr>
-                              <m:e>
-                                <m:r>
-                                  <a:rPr lang="fr-CA" b="0" i="1" smtClean="0">
-                                    <a:latin typeface="Cambria Math" panose="02040503050406030204" pitchFamily="18" charset="0"/>
-                                  </a:rPr>
-                                  <m:t>h</m:t>
-                                </m:r>
-                              </m:e>
-                              <m:sup>
-                                <m:r>
-                                  <a:rPr lang="fr-CA" b="0" i="1" smtClean="0">
-                                    <a:latin typeface="Cambria Math" panose="02040503050406030204" pitchFamily="18" charset="0"/>
-                                  </a:rPr>
-                                  <m:t>2</m:t>
-                                </m:r>
-                              </m:sup>
-                            </m:sSup>
+                            <m:r>
+                              <a:rPr lang="fr-CA" b="0" i="1" smtClean="0">
+                                <a:latin typeface="Cambria Math" panose="02040503050406030204" pitchFamily="18" charset="0"/>
+                              </a:rPr>
+                              <m:t>h</m:t>
+                            </m:r>
                           </m:den>
                         </m:f>
                         <m:acc>
@@ -7564,31 +7856,12 @@
                               </a:rPr>
                               <m:t>2</m:t>
                             </m:r>
-                            <m:sSup>
-                              <m:sSupPr>
-                                <m:ctrlPr>
-                                  <a:rPr lang="fr-CA" i="1">
-                                    <a:latin typeface="Cambria Math" panose="02040503050406030204" pitchFamily="18" charset="0"/>
-                                  </a:rPr>
-                                </m:ctrlPr>
-                              </m:sSupPr>
-                              <m:e>
-                                <m:r>
-                                  <a:rPr lang="fr-CA" i="1">
-                                    <a:latin typeface="Cambria Math" panose="02040503050406030204" pitchFamily="18" charset="0"/>
-                                  </a:rPr>
-                                  <m:t>h</m:t>
-                                </m:r>
-                              </m:e>
-                              <m:sup>
-                                <m:r>
-                                  <a:rPr lang="fr-CA" i="1">
-                                    <a:latin typeface="Cambria Math" panose="02040503050406030204" pitchFamily="18" charset="0"/>
-                                  </a:rPr>
-                                  <m:t>2</m:t>
-                                </m:r>
-                              </m:sup>
-                            </m:sSup>
+                            <m:r>
+                              <a:rPr lang="fr-CA" b="0" i="1" smtClean="0">
+                                <a:latin typeface="Cambria Math" panose="02040503050406030204" pitchFamily="18" charset="0"/>
+                              </a:rPr>
+                              <m:t>h</m:t>
+                            </m:r>
                           </m:den>
                         </m:f>
                         <m:acc>
@@ -7666,7 +7939,7 @@
               </p:txBody>
             </p:sp>
           </mc:Choice>
-          <mc:Fallback xmlns="">
+          <mc:Fallback>
             <p:sp>
               <p:nvSpPr>
                 <p:cNvPr id="6" name="ZoneTexte 5">
@@ -8858,7 +9131,7 @@
 </p:sld>
 </file>
 
-<file path=ppt/slides/slide11.xml><?xml version="1.0" encoding="utf-8"?>
+<file path=ppt/slides/slide12.xml><?xml version="1.0" encoding="utf-8"?>
 <p:sld xmlns:a="http://schemas.openxmlformats.org/drawingml/2006/main" xmlns:r="http://schemas.openxmlformats.org/officeDocument/2006/relationships" xmlns:p="http://schemas.openxmlformats.org/presentationml/2006/main">
   <p:cSld>
     <p:spTree>
@@ -11599,7 +11872,7 @@
 </p:sld>
 </file>
 
-<file path=ppt/slides/slide12.xml><?xml version="1.0" encoding="utf-8"?>
+<file path=ppt/slides/slide13.xml><?xml version="1.0" encoding="utf-8"?>
 <p:sld xmlns:a="http://schemas.openxmlformats.org/drawingml/2006/main" xmlns:r="http://schemas.openxmlformats.org/officeDocument/2006/relationships" xmlns:p="http://schemas.openxmlformats.org/presentationml/2006/main">
   <p:cSld>
     <p:spTree>
@@ -13802,7 +14075,7 @@
 </p:sld>
 </file>
 
-<file path=ppt/slides/slide13.xml><?xml version="1.0" encoding="utf-8"?>
+<file path=ppt/slides/slide14.xml><?xml version="1.0" encoding="utf-8"?>
 <p:sld xmlns:a="http://schemas.openxmlformats.org/drawingml/2006/main" xmlns:r="http://schemas.openxmlformats.org/officeDocument/2006/relationships" xmlns:p="http://schemas.openxmlformats.org/presentationml/2006/main">
   <p:cSld>
     <p:spTree>
@@ -14724,180 +14997,6 @@
 </p:sld>
 </file>
 
-<file path=ppt/slides/slide14.xml><?xml version="1.0" encoding="utf-8"?>
-<p:sld xmlns:a="http://schemas.openxmlformats.org/drawingml/2006/main" xmlns:r="http://schemas.openxmlformats.org/officeDocument/2006/relationships" xmlns:p="http://schemas.openxmlformats.org/presentationml/2006/main">
-  <p:cSld>
-    <p:spTree>
-      <p:nvGrpSpPr>
-        <p:cNvPr id="1" name=""/>
-        <p:cNvGrpSpPr/>
-        <p:nvPr/>
-      </p:nvGrpSpPr>
-      <p:grpSpPr>
-        <a:xfrm>
-          <a:off x="0" y="0"/>
-          <a:ext cx="0" cy="0"/>
-          <a:chOff x="0" y="0"/>
-          <a:chExt cx="0" cy="0"/>
-        </a:xfrm>
-      </p:grpSpPr>
-      <p:sp>
-        <p:nvSpPr>
-          <p:cNvPr id="2" name="Titre 1">
-            <a:extLst>
-              <a:ext uri="{FF2B5EF4-FFF2-40B4-BE49-F238E27FC236}">
-                <a16:creationId xmlns:a16="http://schemas.microsoft.com/office/drawing/2014/main" id="{03EE799C-7398-441E-956D-60778EB6ADFB}"/>
-              </a:ext>
-            </a:extLst>
-          </p:cNvPr>
-          <p:cNvSpPr txBox="1">
-            <a:spLocks/>
-          </p:cNvSpPr>
-          <p:nvPr/>
-        </p:nvSpPr>
-        <p:spPr>
-          <a:xfrm>
-            <a:off x="455643" y="510175"/>
-            <a:ext cx="9015528" cy="739786"/>
-          </a:xfrm>
-          <a:prstGeom prst="rect">
-            <a:avLst/>
-          </a:prstGeom>
-        </p:spPr>
-        <p:txBody>
-          <a:bodyPr/>
-          <a:lstStyle>
-            <a:lvl1pPr algn="l" defTabSz="457200" rtl="0" eaLnBrk="1" latinLnBrk="0" hangingPunct="1">
-              <a:spcBef>
-                <a:spcPct val="0"/>
-              </a:spcBef>
-              <a:buNone/>
-              <a:defRPr sz="3600" kern="1200">
-                <a:solidFill>
-                  <a:schemeClr val="accent1"/>
-                </a:solidFill>
-                <a:latin typeface="+mj-lt"/>
-                <a:ea typeface="+mj-ea"/>
-                <a:cs typeface="+mj-cs"/>
-              </a:defRPr>
-            </a:lvl1pPr>
-            <a:lvl2pPr eaLnBrk="1" hangingPunct="1">
-              <a:defRPr>
-                <a:solidFill>
-                  <a:schemeClr val="tx2"/>
-                </a:solidFill>
-              </a:defRPr>
-            </a:lvl2pPr>
-            <a:lvl3pPr eaLnBrk="1" hangingPunct="1">
-              <a:defRPr>
-                <a:solidFill>
-                  <a:schemeClr val="tx2"/>
-                </a:solidFill>
-              </a:defRPr>
-            </a:lvl3pPr>
-            <a:lvl4pPr eaLnBrk="1" hangingPunct="1">
-              <a:defRPr>
-                <a:solidFill>
-                  <a:schemeClr val="tx2"/>
-                </a:solidFill>
-              </a:defRPr>
-            </a:lvl4pPr>
-            <a:lvl5pPr eaLnBrk="1" hangingPunct="1">
-              <a:defRPr>
-                <a:solidFill>
-                  <a:schemeClr val="tx2"/>
-                </a:solidFill>
-              </a:defRPr>
-            </a:lvl5pPr>
-            <a:lvl6pPr eaLnBrk="1" hangingPunct="1">
-              <a:defRPr>
-                <a:solidFill>
-                  <a:schemeClr val="tx2"/>
-                </a:solidFill>
-              </a:defRPr>
-            </a:lvl6pPr>
-            <a:lvl7pPr eaLnBrk="1" hangingPunct="1">
-              <a:defRPr>
-                <a:solidFill>
-                  <a:schemeClr val="tx2"/>
-                </a:solidFill>
-              </a:defRPr>
-            </a:lvl7pPr>
-            <a:lvl8pPr eaLnBrk="1" hangingPunct="1">
-              <a:defRPr>
-                <a:solidFill>
-                  <a:schemeClr val="tx2"/>
-                </a:solidFill>
-              </a:defRPr>
-            </a:lvl8pPr>
-            <a:lvl9pPr eaLnBrk="1" hangingPunct="1">
-              <a:defRPr>
-                <a:solidFill>
-                  <a:schemeClr val="tx2"/>
-                </a:solidFill>
-              </a:defRPr>
-            </a:lvl9pPr>
-          </a:lstStyle>
-          <a:p>
-            <a:r>
-              <a:rPr lang="fr-CA" dirty="0">
-                <a:solidFill>
-                  <a:srgbClr val="286D9F"/>
-                </a:solidFill>
-              </a:rPr>
-              <a:t>Paramètres de simulation</a:t>
-            </a:r>
-          </a:p>
-        </p:txBody>
-      </p:sp>
-      <p:sp>
-        <p:nvSpPr>
-          <p:cNvPr id="3" name="Rectangle 2">
-            <a:extLst>
-              <a:ext uri="{FF2B5EF4-FFF2-40B4-BE49-F238E27FC236}">
-                <a16:creationId xmlns:a16="http://schemas.microsoft.com/office/drawing/2014/main" id="{BA0A46BD-0FD2-481A-AB72-F6E2A27E0618}"/>
-              </a:ext>
-            </a:extLst>
-          </p:cNvPr>
-          <p:cNvSpPr/>
-          <p:nvPr/>
-        </p:nvSpPr>
-        <p:spPr>
-          <a:xfrm>
-            <a:off x="2276213" y="2908612"/>
-            <a:ext cx="6096000" cy="646331"/>
-          </a:xfrm>
-          <a:prstGeom prst="rect">
-            <a:avLst/>
-          </a:prstGeom>
-        </p:spPr>
-        <p:txBody>
-          <a:bodyPr>
-            <a:spAutoFit/>
-          </a:bodyPr>
-          <a:lstStyle/>
-          <a:p>
-            <a:r>
-              <a:rPr lang="fr-FR" dirty="0"/>
-              <a:t>Paramètres de l’algorithme (ex : pas de discrétisation, critère de convergence, etc.)</a:t>
-            </a:r>
-            <a:endParaRPr lang="fr-CA" dirty="0"/>
-          </a:p>
-        </p:txBody>
-      </p:sp>
-    </p:spTree>
-    <p:extLst>
-      <p:ext uri="{BB962C8B-B14F-4D97-AF65-F5344CB8AC3E}">
-        <p14:creationId xmlns:p14="http://schemas.microsoft.com/office/powerpoint/2010/main" val="3922770649"/>
-      </p:ext>
-    </p:extLst>
-  </p:cSld>
-  <p:clrMapOvr>
-    <a:masterClrMapping/>
-  </p:clrMapOvr>
-</p:sld>
-</file>
-
 <file path=ppt/slides/slide15.xml><?xml version="1.0" encoding="utf-8"?>
 <p:sld xmlns:a="http://schemas.openxmlformats.org/drawingml/2006/main" xmlns:r="http://schemas.openxmlformats.org/officeDocument/2006/relationships" xmlns:p="http://schemas.openxmlformats.org/presentationml/2006/main">
   <p:cSld>
@@ -15019,7 +15118,7 @@
                   <a:srgbClr val="286D9F"/>
                 </a:solidFill>
               </a:rPr>
-              <a:t>Défis surmontés</a:t>
+              <a:t>Paramètres de simulation</a:t>
             </a:r>
           </a:p>
         </p:txBody>
@@ -15053,7 +15152,7 @@
           <a:p>
             <a:r>
               <a:rPr lang="fr-FR" dirty="0"/>
-              <a:t>Défis d’implémentation de l’algorithme et solutions utilisées pour surmonter ces défis</a:t>
+              <a:t>Paramètres de l’algorithme (ex : pas de discrétisation, critère de convergence, etc.)</a:t>
             </a:r>
             <a:endParaRPr lang="fr-CA" dirty="0"/>
           </a:p>
@@ -15062,7 +15161,7 @@
     </p:spTree>
     <p:extLst>
       <p:ext uri="{BB962C8B-B14F-4D97-AF65-F5344CB8AC3E}">
-        <p14:creationId xmlns:p14="http://schemas.microsoft.com/office/powerpoint/2010/main" val="2366093840"/>
+        <p14:creationId xmlns:p14="http://schemas.microsoft.com/office/powerpoint/2010/main" val="3922770649"/>
       </p:ext>
     </p:extLst>
   </p:cSld>
@@ -15193,7 +15292,7 @@
                   <a:srgbClr val="286D9F"/>
                 </a:solidFill>
               </a:rPr>
-              <a:t>Utilisation de la mémoire</a:t>
+              <a:t>Défis surmontés</a:t>
             </a:r>
           </a:p>
         </p:txBody>
@@ -15212,7 +15311,7 @@
         </p:nvSpPr>
         <p:spPr>
           <a:xfrm>
-            <a:off x="2276213" y="2908612"/>
+            <a:off x="6185482" y="187009"/>
             <a:ext cx="6096000" cy="646331"/>
           </a:xfrm>
           <a:prstGeom prst="rect">
@@ -15227,16 +15326,112 @@
           <a:p>
             <a:r>
               <a:rPr lang="fr-FR" dirty="0"/>
-              <a:t>Comportement et limites de votre code en temps et en mémoire</a:t>
+              <a:t>Défis d’implémentation de l’algorithme et solutions utilisées pour surmonter ces défis</a:t>
             </a:r>
             <a:endParaRPr lang="fr-CA" dirty="0"/>
+          </a:p>
+        </p:txBody>
+      </p:sp>
+      <p:sp>
+        <p:nvSpPr>
+          <p:cNvPr id="4" name="ZoneTexte 3">
+            <a:extLst>
+              <a:ext uri="{FF2B5EF4-FFF2-40B4-BE49-F238E27FC236}">
+                <a16:creationId xmlns:a16="http://schemas.microsoft.com/office/drawing/2014/main" id="{3E6668FF-0C8C-4512-910B-DE07B9340480}"/>
+              </a:ext>
+            </a:extLst>
+          </p:cNvPr>
+          <p:cNvSpPr txBox="1"/>
+          <p:nvPr/>
+        </p:nvSpPr>
+        <p:spPr>
+          <a:xfrm>
+            <a:off x="455643" y="1310022"/>
+            <a:ext cx="7279007" cy="2118978"/>
+          </a:xfrm>
+          <a:prstGeom prst="rect">
+            <a:avLst/>
+          </a:prstGeom>
+          <a:noFill/>
+        </p:spPr>
+        <p:txBody>
+          <a:bodyPr wrap="square" rtlCol="0">
+            <a:spAutoFit/>
+          </a:bodyPr>
+          <a:lstStyle/>
+          <a:p>
+            <a:pPr>
+              <a:lnSpc>
+                <a:spcPct val="150000"/>
+              </a:lnSpc>
+            </a:pPr>
+            <a:r>
+              <a:rPr lang="fr-CA" dirty="0"/>
+              <a:t>Notre équipe a surmonté plusieurs défis dans le cadre du projet :</a:t>
+            </a:r>
+          </a:p>
+          <a:p>
+            <a:pPr marL="285750" indent="-285750">
+              <a:lnSpc>
+                <a:spcPct val="150000"/>
+              </a:lnSpc>
+              <a:buFont typeface="Arial" panose="020B0604020202020204" pitchFamily="34" charset="0"/>
+              <a:buChar char="•"/>
+            </a:pPr>
+            <a:r>
+              <a:rPr lang="fr-CA" dirty="0"/>
+              <a:t>Faire des réunions à distance</a:t>
+            </a:r>
+          </a:p>
+          <a:p>
+            <a:pPr marL="285750" indent="-285750">
+              <a:lnSpc>
+                <a:spcPct val="150000"/>
+              </a:lnSpc>
+              <a:buFont typeface="Arial" panose="020B0604020202020204" pitchFamily="34" charset="0"/>
+              <a:buChar char="•"/>
+            </a:pPr>
+            <a:r>
+              <a:rPr lang="fr-CA" dirty="0"/>
+              <a:t>Complexité de l’implémentation des PMLs</a:t>
+            </a:r>
+          </a:p>
+          <a:p>
+            <a:pPr marL="285750" indent="-285750">
+              <a:lnSpc>
+                <a:spcPct val="150000"/>
+              </a:lnSpc>
+              <a:buFont typeface="Arial" panose="020B0604020202020204" pitchFamily="34" charset="0"/>
+              <a:buChar char="•"/>
+            </a:pPr>
+            <a:r>
+              <a:rPr lang="fr-CA" dirty="0"/>
+              <a:t>Programmer en langage </a:t>
+            </a:r>
+            <a:r>
+              <a:rPr lang="fr-CA" i="1" dirty="0"/>
+              <a:t>Python</a:t>
+            </a:r>
+          </a:p>
+          <a:p>
+            <a:pPr marL="285750" indent="-285750">
+              <a:lnSpc>
+                <a:spcPct val="150000"/>
+              </a:lnSpc>
+              <a:buFont typeface="Arial" panose="020B0604020202020204" pitchFamily="34" charset="0"/>
+              <a:buChar char="•"/>
+            </a:pPr>
+            <a:r>
+              <a:rPr lang="fr-CA" dirty="0"/>
+              <a:t>Trouver une bonne méthode calcul de la SER</a:t>
+            </a:r>
           </a:p>
         </p:txBody>
       </p:sp>
     </p:spTree>
     <p:extLst>
       <p:ext uri="{BB962C8B-B14F-4D97-AF65-F5344CB8AC3E}">
-        <p14:creationId xmlns:p14="http://schemas.microsoft.com/office/powerpoint/2010/main" val="69171058"/>
+        <p14:creationId xmlns:p14="http://schemas.microsoft.com/office/powerpoint/2010/main" val="2366093840"/>
       </p:ext>
     </p:extLst>
   </p:cSld>
@@ -15367,6 +15562,270 @@
                   <a:srgbClr val="286D9F"/>
                 </a:solidFill>
               </a:rPr>
+              <a:t>Utilisation de la mémoire</a:t>
+            </a:r>
+          </a:p>
+        </p:txBody>
+      </p:sp>
+      <p:sp>
+        <p:nvSpPr>
+          <p:cNvPr id="3" name="Rectangle 2">
+            <a:extLst>
+              <a:ext uri="{FF2B5EF4-FFF2-40B4-BE49-F238E27FC236}">
+                <a16:creationId xmlns:a16="http://schemas.microsoft.com/office/drawing/2014/main" id="{BA0A46BD-0FD2-481A-AB72-F6E2A27E0618}"/>
+              </a:ext>
+            </a:extLst>
+          </p:cNvPr>
+          <p:cNvSpPr/>
+          <p:nvPr/>
+        </p:nvSpPr>
+        <p:spPr>
+          <a:xfrm>
+            <a:off x="5950591" y="219991"/>
+            <a:ext cx="6096000" cy="646331"/>
+          </a:xfrm>
+          <a:prstGeom prst="rect">
+            <a:avLst/>
+          </a:prstGeom>
+        </p:spPr>
+        <p:txBody>
+          <a:bodyPr>
+            <a:spAutoFit/>
+          </a:bodyPr>
+          <a:lstStyle/>
+          <a:p>
+            <a:r>
+              <a:rPr lang="fr-FR" dirty="0"/>
+              <a:t>Comportement et limites de votre code en temps et en mémoire</a:t>
+            </a:r>
+            <a:endParaRPr lang="fr-CA" dirty="0"/>
+          </a:p>
+        </p:txBody>
+      </p:sp>
+      <p:pic>
+        <p:nvPicPr>
+          <p:cNvPr id="5" name="Image 4" descr="Une image contenant fleur, oiseau&#10;&#10;Description générée automatiquement">
+            <a:extLst>
+              <a:ext uri="{FF2B5EF4-FFF2-40B4-BE49-F238E27FC236}">
+                <a16:creationId xmlns:a16="http://schemas.microsoft.com/office/drawing/2014/main" id="{E7898555-A988-4835-A59B-E845EBF76656}"/>
+              </a:ext>
+            </a:extLst>
+          </p:cNvPr>
+          <p:cNvPicPr>
+            <a:picLocks noChangeAspect="1"/>
+          </p:cNvPicPr>
+          <p:nvPr/>
+        </p:nvPicPr>
+        <p:blipFill>
+          <a:blip r:embed="rId2"/>
+          <a:stretch>
+            <a:fillRect/>
+          </a:stretch>
+        </p:blipFill>
+        <p:spPr>
+          <a:xfrm>
+            <a:off x="1719420" y="1753740"/>
+            <a:ext cx="3708257" cy="3350519"/>
+          </a:xfrm>
+          <a:prstGeom prst="rect">
+            <a:avLst/>
+          </a:prstGeom>
+        </p:spPr>
+      </p:pic>
+      <p:pic>
+        <p:nvPicPr>
+          <p:cNvPr id="7" name="Image 6">
+            <a:extLst>
+              <a:ext uri="{FF2B5EF4-FFF2-40B4-BE49-F238E27FC236}">
+                <a16:creationId xmlns:a16="http://schemas.microsoft.com/office/drawing/2014/main" id="{0A64635C-5DA3-48D8-B874-C5F680B7F4C7}"/>
+              </a:ext>
+            </a:extLst>
+          </p:cNvPr>
+          <p:cNvPicPr>
+            <a:picLocks noChangeAspect="1"/>
+          </p:cNvPicPr>
+          <p:nvPr/>
+        </p:nvPicPr>
+        <p:blipFill>
+          <a:blip r:embed="rId3"/>
+          <a:stretch>
+            <a:fillRect/>
+          </a:stretch>
+        </p:blipFill>
+        <p:spPr>
+          <a:xfrm>
+            <a:off x="6869126" y="2123423"/>
+            <a:ext cx="3499668" cy="3377688"/>
+          </a:xfrm>
+          <a:prstGeom prst="rect">
+            <a:avLst/>
+          </a:prstGeom>
+        </p:spPr>
+      </p:pic>
+      <p:pic>
+        <p:nvPicPr>
+          <p:cNvPr id="10" name="Image 9">
+            <a:extLst>
+              <a:ext uri="{FF2B5EF4-FFF2-40B4-BE49-F238E27FC236}">
+                <a16:creationId xmlns:a16="http://schemas.microsoft.com/office/drawing/2014/main" id="{28900C7C-59B2-42AA-8FBD-771875A151AE}"/>
+              </a:ext>
+            </a:extLst>
+          </p:cNvPr>
+          <p:cNvPicPr>
+            <a:picLocks noChangeAspect="1"/>
+          </p:cNvPicPr>
+          <p:nvPr/>
+        </p:nvPicPr>
+        <p:blipFill>
+          <a:blip r:embed="rId4"/>
+          <a:stretch>
+            <a:fillRect/>
+          </a:stretch>
+        </p:blipFill>
+        <p:spPr>
+          <a:xfrm>
+            <a:off x="3809802" y="1063304"/>
+            <a:ext cx="4572396" cy="2530059"/>
+          </a:xfrm>
+          <a:prstGeom prst="rect">
+            <a:avLst/>
+          </a:prstGeom>
+        </p:spPr>
+      </p:pic>
+    </p:spTree>
+    <p:extLst>
+      <p:ext uri="{BB962C8B-B14F-4D97-AF65-F5344CB8AC3E}">
+        <p14:creationId xmlns:p14="http://schemas.microsoft.com/office/powerpoint/2010/main" val="69171058"/>
+      </p:ext>
+    </p:extLst>
+  </p:cSld>
+  <p:clrMapOvr>
+    <a:masterClrMapping/>
+  </p:clrMapOvr>
+</p:sld>
+</file>
+
+<file path=ppt/slides/slide18.xml><?xml version="1.0" encoding="utf-8"?>
+<p:sld xmlns:a="http://schemas.openxmlformats.org/drawingml/2006/main" xmlns:r="http://schemas.openxmlformats.org/officeDocument/2006/relationships" xmlns:p="http://schemas.openxmlformats.org/presentationml/2006/main">
+  <p:cSld>
+    <p:spTree>
+      <p:nvGrpSpPr>
+        <p:cNvPr id="1" name=""/>
+        <p:cNvGrpSpPr/>
+        <p:nvPr/>
+      </p:nvGrpSpPr>
+      <p:grpSpPr>
+        <a:xfrm>
+          <a:off x="0" y="0"/>
+          <a:ext cx="0" cy="0"/>
+          <a:chOff x="0" y="0"/>
+          <a:chExt cx="0" cy="0"/>
+        </a:xfrm>
+      </p:grpSpPr>
+      <p:sp>
+        <p:nvSpPr>
+          <p:cNvPr id="2" name="Titre 1">
+            <a:extLst>
+              <a:ext uri="{FF2B5EF4-FFF2-40B4-BE49-F238E27FC236}">
+                <a16:creationId xmlns:a16="http://schemas.microsoft.com/office/drawing/2014/main" id="{03EE799C-7398-441E-956D-60778EB6ADFB}"/>
+              </a:ext>
+            </a:extLst>
+          </p:cNvPr>
+          <p:cNvSpPr txBox="1">
+            <a:spLocks/>
+          </p:cNvSpPr>
+          <p:nvPr/>
+        </p:nvSpPr>
+        <p:spPr>
+          <a:xfrm>
+            <a:off x="455643" y="510175"/>
+            <a:ext cx="9015528" cy="739786"/>
+          </a:xfrm>
+          <a:prstGeom prst="rect">
+            <a:avLst/>
+          </a:prstGeom>
+        </p:spPr>
+        <p:txBody>
+          <a:bodyPr/>
+          <a:lstStyle>
+            <a:lvl1pPr algn="l" defTabSz="457200" rtl="0" eaLnBrk="1" latinLnBrk="0" hangingPunct="1">
+              <a:spcBef>
+                <a:spcPct val="0"/>
+              </a:spcBef>
+              <a:buNone/>
+              <a:defRPr sz="3600" kern="1200">
+                <a:solidFill>
+                  <a:schemeClr val="accent1"/>
+                </a:solidFill>
+                <a:latin typeface="+mj-lt"/>
+                <a:ea typeface="+mj-ea"/>
+                <a:cs typeface="+mj-cs"/>
+              </a:defRPr>
+            </a:lvl1pPr>
+            <a:lvl2pPr eaLnBrk="1" hangingPunct="1">
+              <a:defRPr>
+                <a:solidFill>
+                  <a:schemeClr val="tx2"/>
+                </a:solidFill>
+              </a:defRPr>
+            </a:lvl2pPr>
+            <a:lvl3pPr eaLnBrk="1" hangingPunct="1">
+              <a:defRPr>
+                <a:solidFill>
+                  <a:schemeClr val="tx2"/>
+                </a:solidFill>
+              </a:defRPr>
+            </a:lvl3pPr>
+            <a:lvl4pPr eaLnBrk="1" hangingPunct="1">
+              <a:defRPr>
+                <a:solidFill>
+                  <a:schemeClr val="tx2"/>
+                </a:solidFill>
+              </a:defRPr>
+            </a:lvl4pPr>
+            <a:lvl5pPr eaLnBrk="1" hangingPunct="1">
+              <a:defRPr>
+                <a:solidFill>
+                  <a:schemeClr val="tx2"/>
+                </a:solidFill>
+              </a:defRPr>
+            </a:lvl5pPr>
+            <a:lvl6pPr eaLnBrk="1" hangingPunct="1">
+              <a:defRPr>
+                <a:solidFill>
+                  <a:schemeClr val="tx2"/>
+                </a:solidFill>
+              </a:defRPr>
+            </a:lvl6pPr>
+            <a:lvl7pPr eaLnBrk="1" hangingPunct="1">
+              <a:defRPr>
+                <a:solidFill>
+                  <a:schemeClr val="tx2"/>
+                </a:solidFill>
+              </a:defRPr>
+            </a:lvl7pPr>
+            <a:lvl8pPr eaLnBrk="1" hangingPunct="1">
+              <a:defRPr>
+                <a:solidFill>
+                  <a:schemeClr val="tx2"/>
+                </a:solidFill>
+              </a:defRPr>
+            </a:lvl8pPr>
+            <a:lvl9pPr eaLnBrk="1" hangingPunct="1">
+              <a:defRPr>
+                <a:solidFill>
+                  <a:schemeClr val="tx2"/>
+                </a:solidFill>
+              </a:defRPr>
+            </a:lvl9pPr>
+          </a:lstStyle>
+          <a:p>
+            <a:r>
+              <a:rPr lang="fr-CA" dirty="0">
+                <a:solidFill>
+                  <a:srgbClr val="286D9F"/>
+                </a:solidFill>
+              </a:rPr>
               <a:t>Influence sur la performance</a:t>
             </a:r>
           </a:p>
@@ -15420,7 +15879,7 @@
 </p:sld>
 </file>
 
-<file path=ppt/slides/slide18.xml><?xml version="1.0" encoding="utf-8"?>
+<file path=ppt/slides/slide19.xml><?xml version="1.0" encoding="utf-8"?>
 <p:sld xmlns:a="http://schemas.openxmlformats.org/drawingml/2006/main" xmlns:r="http://schemas.openxmlformats.org/officeDocument/2006/relationships" xmlns:p="http://schemas.openxmlformats.org/presentationml/2006/main">
   <p:cSld>
     <p:spTree>
@@ -15560,7 +16019,7 @@
         </p:nvSpPr>
         <p:spPr>
           <a:xfrm>
-            <a:off x="2276213" y="2908612"/>
+            <a:off x="6353262" y="358359"/>
             <a:ext cx="6096000" cy="646331"/>
           </a:xfrm>
           <a:prstGeom prst="rect">
@@ -15581,184 +16040,70 @@
           </a:p>
         </p:txBody>
       </p:sp>
-    </p:spTree>
-    <p:extLst>
-      <p:ext uri="{BB962C8B-B14F-4D97-AF65-F5344CB8AC3E}">
-        <p14:creationId xmlns:p14="http://schemas.microsoft.com/office/powerpoint/2010/main" val="1956747890"/>
-      </p:ext>
-    </p:extLst>
-  </p:cSld>
-  <p:clrMapOvr>
-    <a:masterClrMapping/>
-  </p:clrMapOvr>
-</p:sld>
-</file>
-
-<file path=ppt/slides/slide19.xml><?xml version="1.0" encoding="utf-8"?>
-<p:sld xmlns:a="http://schemas.openxmlformats.org/drawingml/2006/main" xmlns:r="http://schemas.openxmlformats.org/officeDocument/2006/relationships" xmlns:p="http://schemas.openxmlformats.org/presentationml/2006/main">
-  <p:cSld>
-    <p:spTree>
-      <p:nvGrpSpPr>
-        <p:cNvPr id="1" name=""/>
-        <p:cNvGrpSpPr/>
-        <p:nvPr/>
-      </p:nvGrpSpPr>
-      <p:grpSpPr>
-        <a:xfrm>
-          <a:off x="0" y="0"/>
-          <a:ext cx="0" cy="0"/>
-          <a:chOff x="0" y="0"/>
-          <a:chExt cx="0" cy="0"/>
-        </a:xfrm>
-      </p:grpSpPr>
-      <p:sp>
-        <p:nvSpPr>
-          <p:cNvPr id="2" name="Titre 1">
+      <p:pic>
+        <p:nvPicPr>
+          <p:cNvPr id="5" name="Image 4" descr="Une image contenant texte, carte&#10;&#10;Description générée automatiquement">
             <a:extLst>
               <a:ext uri="{FF2B5EF4-FFF2-40B4-BE49-F238E27FC236}">
-                <a16:creationId xmlns:a16="http://schemas.microsoft.com/office/drawing/2014/main" id="{03EE799C-7398-441E-956D-60778EB6ADFB}"/>
+                <a16:creationId xmlns:a16="http://schemas.microsoft.com/office/drawing/2014/main" id="{E413C2EA-0C46-4829-B6A3-C339F122D6D0}"/>
               </a:ext>
             </a:extLst>
           </p:cNvPr>
-          <p:cNvSpPr txBox="1">
-            <a:spLocks/>
-          </p:cNvSpPr>
+          <p:cNvPicPr>
+            <a:picLocks noChangeAspect="1"/>
+          </p:cNvPicPr>
           <p:nvPr/>
-        </p:nvSpPr>
+        </p:nvPicPr>
+        <p:blipFill>
+          <a:blip r:embed="rId2"/>
+          <a:stretch>
+            <a:fillRect/>
+          </a:stretch>
+        </p:blipFill>
         <p:spPr>
           <a:xfrm>
-            <a:off x="455643" y="510175"/>
-            <a:ext cx="1820570" cy="739786"/>
+            <a:off x="361835" y="1372015"/>
+            <a:ext cx="4915021" cy="2588828"/>
           </a:xfrm>
           <a:prstGeom prst="rect">
             <a:avLst/>
           </a:prstGeom>
         </p:spPr>
-        <p:txBody>
-          <a:bodyPr/>
-          <a:lstStyle>
-            <a:lvl1pPr algn="l" defTabSz="457200" rtl="0" eaLnBrk="1" latinLnBrk="0" hangingPunct="1">
-              <a:spcBef>
-                <a:spcPct val="0"/>
-              </a:spcBef>
-              <a:buNone/>
-              <a:defRPr sz="3600" kern="1200">
-                <a:solidFill>
-                  <a:schemeClr val="accent1"/>
-                </a:solidFill>
-                <a:latin typeface="+mj-lt"/>
-                <a:ea typeface="+mj-ea"/>
-                <a:cs typeface="+mj-cs"/>
-              </a:defRPr>
-            </a:lvl1pPr>
-            <a:lvl2pPr eaLnBrk="1" hangingPunct="1">
-              <a:defRPr>
-                <a:solidFill>
-                  <a:schemeClr val="tx2"/>
-                </a:solidFill>
-              </a:defRPr>
-            </a:lvl2pPr>
-            <a:lvl3pPr eaLnBrk="1" hangingPunct="1">
-              <a:defRPr>
-                <a:solidFill>
-                  <a:schemeClr val="tx2"/>
-                </a:solidFill>
-              </a:defRPr>
-            </a:lvl3pPr>
-            <a:lvl4pPr eaLnBrk="1" hangingPunct="1">
-              <a:defRPr>
-                <a:solidFill>
-                  <a:schemeClr val="tx2"/>
-                </a:solidFill>
-              </a:defRPr>
-            </a:lvl4pPr>
-            <a:lvl5pPr eaLnBrk="1" hangingPunct="1">
-              <a:defRPr>
-                <a:solidFill>
-                  <a:schemeClr val="tx2"/>
-                </a:solidFill>
-              </a:defRPr>
-            </a:lvl5pPr>
-            <a:lvl6pPr eaLnBrk="1" hangingPunct="1">
-              <a:defRPr>
-                <a:solidFill>
-                  <a:schemeClr val="tx2"/>
-                </a:solidFill>
-              </a:defRPr>
-            </a:lvl6pPr>
-            <a:lvl7pPr eaLnBrk="1" hangingPunct="1">
-              <a:defRPr>
-                <a:solidFill>
-                  <a:schemeClr val="tx2"/>
-                </a:solidFill>
-              </a:defRPr>
-            </a:lvl7pPr>
-            <a:lvl8pPr eaLnBrk="1" hangingPunct="1">
-              <a:defRPr>
-                <a:solidFill>
-                  <a:schemeClr val="tx2"/>
-                </a:solidFill>
-              </a:defRPr>
-            </a:lvl8pPr>
-            <a:lvl9pPr eaLnBrk="1" hangingPunct="1">
-              <a:defRPr>
-                <a:solidFill>
-                  <a:schemeClr val="tx2"/>
-                </a:solidFill>
-              </a:defRPr>
-            </a:lvl9pPr>
-          </a:lstStyle>
-          <a:p>
-            <a:r>
-              <a:rPr lang="fr-CA" dirty="0">
-                <a:solidFill>
-                  <a:srgbClr val="286D9F"/>
-                </a:solidFill>
-              </a:rPr>
-              <a:t>Analyse</a:t>
-            </a:r>
-          </a:p>
-        </p:txBody>
-      </p:sp>
-      <p:sp>
-        <p:nvSpPr>
-          <p:cNvPr id="3" name="Rectangle 2">
+      </p:pic>
+      <p:pic>
+        <p:nvPicPr>
+          <p:cNvPr id="7" name="Image 6" descr="Une image contenant carte, texte&#10;&#10;Description générée automatiquement">
             <a:extLst>
               <a:ext uri="{FF2B5EF4-FFF2-40B4-BE49-F238E27FC236}">
-                <a16:creationId xmlns:a16="http://schemas.microsoft.com/office/drawing/2014/main" id="{BA0A46BD-0FD2-481A-AB72-F6E2A27E0618}"/>
+                <a16:creationId xmlns:a16="http://schemas.microsoft.com/office/drawing/2014/main" id="{BCA0CC5D-5475-47D3-A532-FEE048D37239}"/>
               </a:ext>
             </a:extLst>
           </p:cNvPr>
-          <p:cNvSpPr/>
+          <p:cNvPicPr>
+            <a:picLocks noChangeAspect="1"/>
+          </p:cNvPicPr>
           <p:nvPr/>
-        </p:nvSpPr>
+        </p:nvPicPr>
+        <p:blipFill>
+          <a:blip r:embed="rId3"/>
+          <a:stretch>
+            <a:fillRect/>
+          </a:stretch>
+        </p:blipFill>
         <p:spPr>
           <a:xfrm>
-            <a:off x="2276213" y="2908612"/>
-            <a:ext cx="6096000" cy="1200329"/>
+            <a:off x="6439499" y="1372015"/>
+            <a:ext cx="5018493" cy="2695709"/>
           </a:xfrm>
           <a:prstGeom prst="rect">
             <a:avLst/>
           </a:prstGeom>
         </p:spPr>
-        <p:txBody>
-          <a:bodyPr>
-            <a:spAutoFit/>
-          </a:bodyPr>
-          <a:lstStyle/>
-          <a:p>
-            <a:r>
-              <a:rPr lang="fr-FR" dirty="0"/>
-              <a:t>Selon le projet : analyse de convergence en fonction du pas de discrétisation, analyse de convergence/précision en fonction des paramètres de l’algorithme, analyse statistique</a:t>
-            </a:r>
-            <a:endParaRPr lang="fr-CA" dirty="0"/>
-          </a:p>
-        </p:txBody>
-      </p:sp>
+      </p:pic>
     </p:spTree>
     <p:extLst>
       <p:ext uri="{BB962C8B-B14F-4D97-AF65-F5344CB8AC3E}">
-        <p14:creationId xmlns:p14="http://schemas.microsoft.com/office/powerpoint/2010/main" val="1689991843"/>
+        <p14:creationId xmlns:p14="http://schemas.microsoft.com/office/powerpoint/2010/main" val="1956747890"/>
       </p:ext>
     </p:extLst>
   </p:cSld>
@@ -16211,7 +16556,7 @@
         <p:spPr>
           <a:xfrm>
             <a:off x="455643" y="510175"/>
-            <a:ext cx="2405003" cy="739786"/>
+            <a:ext cx="1820570" cy="739786"/>
           </a:xfrm>
           <a:prstGeom prst="rect">
             <a:avLst/>
@@ -16298,7 +16643,7 @@
                   <a:srgbClr val="286D9F"/>
                 </a:solidFill>
               </a:rPr>
-              <a:t>Discussion</a:t>
+              <a:t>Analyse</a:t>
             </a:r>
           </a:p>
         </p:txBody>
@@ -16317,7 +16662,211 @@
         </p:nvSpPr>
         <p:spPr>
           <a:xfrm>
-            <a:off x="2276213" y="2908612"/>
+            <a:off x="5740866" y="510175"/>
+            <a:ext cx="6096000" cy="1200329"/>
+          </a:xfrm>
+          <a:prstGeom prst="rect">
+            <a:avLst/>
+          </a:prstGeom>
+        </p:spPr>
+        <p:txBody>
+          <a:bodyPr>
+            <a:spAutoFit/>
+          </a:bodyPr>
+          <a:lstStyle/>
+          <a:p>
+            <a:r>
+              <a:rPr lang="fr-FR" dirty="0"/>
+              <a:t>Selon le projet : analyse de convergence en fonction du pas de discrétisation, analyse de convergence/précision en fonction des paramètres de l’algorithme, analyse statistique</a:t>
+            </a:r>
+            <a:endParaRPr lang="fr-CA" dirty="0"/>
+          </a:p>
+        </p:txBody>
+      </p:sp>
+      <p:pic>
+        <p:nvPicPr>
+          <p:cNvPr id="5" name="Image 4">
+            <a:extLst>
+              <a:ext uri="{FF2B5EF4-FFF2-40B4-BE49-F238E27FC236}">
+                <a16:creationId xmlns:a16="http://schemas.microsoft.com/office/drawing/2014/main" id="{1F81F2AF-84E8-45FB-B1FF-1FC19C8494A9}"/>
+              </a:ext>
+            </a:extLst>
+          </p:cNvPr>
+          <p:cNvPicPr>
+            <a:picLocks noChangeAspect="1"/>
+          </p:cNvPicPr>
+          <p:nvPr/>
+        </p:nvPicPr>
+        <p:blipFill>
+          <a:blip r:embed="rId2"/>
+          <a:stretch>
+            <a:fillRect/>
+          </a:stretch>
+        </p:blipFill>
+        <p:spPr>
+          <a:xfrm>
+            <a:off x="2998181" y="4108941"/>
+            <a:ext cx="4979750" cy="2593228"/>
+          </a:xfrm>
+          <a:prstGeom prst="rect">
+            <a:avLst/>
+          </a:prstGeom>
+        </p:spPr>
+      </p:pic>
+    </p:spTree>
+    <p:extLst>
+      <p:ext uri="{BB962C8B-B14F-4D97-AF65-F5344CB8AC3E}">
+        <p14:creationId xmlns:p14="http://schemas.microsoft.com/office/powerpoint/2010/main" val="1689991843"/>
+      </p:ext>
+    </p:extLst>
+  </p:cSld>
+  <p:clrMapOvr>
+    <a:masterClrMapping/>
+  </p:clrMapOvr>
+</p:sld>
+</file>
+
+<file path=ppt/slides/slide21.xml><?xml version="1.0" encoding="utf-8"?>
+<p:sld xmlns:a="http://schemas.openxmlformats.org/drawingml/2006/main" xmlns:r="http://schemas.openxmlformats.org/officeDocument/2006/relationships" xmlns:p="http://schemas.openxmlformats.org/presentationml/2006/main">
+  <p:cSld>
+    <p:spTree>
+      <p:nvGrpSpPr>
+        <p:cNvPr id="1" name=""/>
+        <p:cNvGrpSpPr/>
+        <p:nvPr/>
+      </p:nvGrpSpPr>
+      <p:grpSpPr>
+        <a:xfrm>
+          <a:off x="0" y="0"/>
+          <a:ext cx="0" cy="0"/>
+          <a:chOff x="0" y="0"/>
+          <a:chExt cx="0" cy="0"/>
+        </a:xfrm>
+      </p:grpSpPr>
+      <p:sp>
+        <p:nvSpPr>
+          <p:cNvPr id="2" name="Titre 1">
+            <a:extLst>
+              <a:ext uri="{FF2B5EF4-FFF2-40B4-BE49-F238E27FC236}">
+                <a16:creationId xmlns:a16="http://schemas.microsoft.com/office/drawing/2014/main" id="{03EE799C-7398-441E-956D-60778EB6ADFB}"/>
+              </a:ext>
+            </a:extLst>
+          </p:cNvPr>
+          <p:cNvSpPr txBox="1">
+            <a:spLocks/>
+          </p:cNvSpPr>
+          <p:nvPr/>
+        </p:nvSpPr>
+        <p:spPr>
+          <a:xfrm>
+            <a:off x="455643" y="510175"/>
+            <a:ext cx="2405003" cy="739786"/>
+          </a:xfrm>
+          <a:prstGeom prst="rect">
+            <a:avLst/>
+          </a:prstGeom>
+        </p:spPr>
+        <p:txBody>
+          <a:bodyPr/>
+          <a:lstStyle>
+            <a:lvl1pPr algn="l" defTabSz="457200" rtl="0" eaLnBrk="1" latinLnBrk="0" hangingPunct="1">
+              <a:spcBef>
+                <a:spcPct val="0"/>
+              </a:spcBef>
+              <a:buNone/>
+              <a:defRPr sz="3600" kern="1200">
+                <a:solidFill>
+                  <a:schemeClr val="accent1"/>
+                </a:solidFill>
+                <a:latin typeface="+mj-lt"/>
+                <a:ea typeface="+mj-ea"/>
+                <a:cs typeface="+mj-cs"/>
+              </a:defRPr>
+            </a:lvl1pPr>
+            <a:lvl2pPr eaLnBrk="1" hangingPunct="1">
+              <a:defRPr>
+                <a:solidFill>
+                  <a:schemeClr val="tx2"/>
+                </a:solidFill>
+              </a:defRPr>
+            </a:lvl2pPr>
+            <a:lvl3pPr eaLnBrk="1" hangingPunct="1">
+              <a:defRPr>
+                <a:solidFill>
+                  <a:schemeClr val="tx2"/>
+                </a:solidFill>
+              </a:defRPr>
+            </a:lvl3pPr>
+            <a:lvl4pPr eaLnBrk="1" hangingPunct="1">
+              <a:defRPr>
+                <a:solidFill>
+                  <a:schemeClr val="tx2"/>
+                </a:solidFill>
+              </a:defRPr>
+            </a:lvl4pPr>
+            <a:lvl5pPr eaLnBrk="1" hangingPunct="1">
+              <a:defRPr>
+                <a:solidFill>
+                  <a:schemeClr val="tx2"/>
+                </a:solidFill>
+              </a:defRPr>
+            </a:lvl5pPr>
+            <a:lvl6pPr eaLnBrk="1" hangingPunct="1">
+              <a:defRPr>
+                <a:solidFill>
+                  <a:schemeClr val="tx2"/>
+                </a:solidFill>
+              </a:defRPr>
+            </a:lvl6pPr>
+            <a:lvl7pPr eaLnBrk="1" hangingPunct="1">
+              <a:defRPr>
+                <a:solidFill>
+                  <a:schemeClr val="tx2"/>
+                </a:solidFill>
+              </a:defRPr>
+            </a:lvl7pPr>
+            <a:lvl8pPr eaLnBrk="1" hangingPunct="1">
+              <a:defRPr>
+                <a:solidFill>
+                  <a:schemeClr val="tx2"/>
+                </a:solidFill>
+              </a:defRPr>
+            </a:lvl8pPr>
+            <a:lvl9pPr eaLnBrk="1" hangingPunct="1">
+              <a:defRPr>
+                <a:solidFill>
+                  <a:schemeClr val="tx2"/>
+                </a:solidFill>
+              </a:defRPr>
+            </a:lvl9pPr>
+          </a:lstStyle>
+          <a:p>
+            <a:r>
+              <a:rPr lang="fr-CA" dirty="0">
+                <a:solidFill>
+                  <a:srgbClr val="286D9F"/>
+                </a:solidFill>
+              </a:rPr>
+              <a:t>Discussion</a:t>
+            </a:r>
+          </a:p>
+        </p:txBody>
+      </p:sp>
+      <p:sp>
+        <p:nvSpPr>
+          <p:cNvPr id="3" name="Rectangle 2">
+            <a:extLst>
+              <a:ext uri="{FF2B5EF4-FFF2-40B4-BE49-F238E27FC236}">
+                <a16:creationId xmlns:a16="http://schemas.microsoft.com/office/drawing/2014/main" id="{BA0A46BD-0FD2-481A-AB72-F6E2A27E0618}"/>
+              </a:ext>
+            </a:extLst>
+          </p:cNvPr>
+          <p:cNvSpPr/>
+          <p:nvPr/>
+        </p:nvSpPr>
+        <p:spPr>
+          <a:xfrm>
+            <a:off x="6252595" y="182190"/>
             <a:ext cx="6096000" cy="923330"/>
           </a:xfrm>
           <a:prstGeom prst="rect">
@@ -16338,6 +16887,66 @@
           </a:p>
         </p:txBody>
       </p:sp>
+      <p:pic>
+        <p:nvPicPr>
+          <p:cNvPr id="5" name="Image 4">
+            <a:extLst>
+              <a:ext uri="{FF2B5EF4-FFF2-40B4-BE49-F238E27FC236}">
+                <a16:creationId xmlns:a16="http://schemas.microsoft.com/office/drawing/2014/main" id="{7EB777E3-16B8-49BE-9787-352C631CE6C9}"/>
+              </a:ext>
+            </a:extLst>
+          </p:cNvPr>
+          <p:cNvPicPr>
+            <a:picLocks noChangeAspect="1"/>
+          </p:cNvPicPr>
+          <p:nvPr/>
+        </p:nvPicPr>
+        <p:blipFill>
+          <a:blip r:embed="rId2"/>
+          <a:stretch>
+            <a:fillRect/>
+          </a:stretch>
+        </p:blipFill>
+        <p:spPr>
+          <a:xfrm>
+            <a:off x="3229541" y="260537"/>
+            <a:ext cx="3467890" cy="3467890"/>
+          </a:xfrm>
+          <a:prstGeom prst="rect">
+            <a:avLst/>
+          </a:prstGeom>
+        </p:spPr>
+      </p:pic>
+      <p:pic>
+        <p:nvPicPr>
+          <p:cNvPr id="7" name="Image 6" descr="Une image contenant dessin&#10;&#10;Description générée automatiquement">
+            <a:extLst>
+              <a:ext uri="{FF2B5EF4-FFF2-40B4-BE49-F238E27FC236}">
+                <a16:creationId xmlns:a16="http://schemas.microsoft.com/office/drawing/2014/main" id="{A758CD6B-FFC0-4479-8468-80EE13FDEC19}"/>
+              </a:ext>
+            </a:extLst>
+          </p:cNvPr>
+          <p:cNvPicPr>
+            <a:picLocks noChangeAspect="1"/>
+          </p:cNvPicPr>
+          <p:nvPr/>
+        </p:nvPicPr>
+        <p:blipFill>
+          <a:blip r:embed="rId3"/>
+          <a:stretch>
+            <a:fillRect/>
+          </a:stretch>
+        </p:blipFill>
+        <p:spPr>
+          <a:xfrm>
+            <a:off x="7475659" y="250051"/>
+            <a:ext cx="3467890" cy="3467890"/>
+          </a:xfrm>
+          <a:prstGeom prst="rect">
+            <a:avLst/>
+          </a:prstGeom>
+        </p:spPr>
+      </p:pic>
     </p:spTree>
     <p:extLst>
       <p:ext uri="{BB962C8B-B14F-4D97-AF65-F5344CB8AC3E}">
@@ -16351,7 +16960,7 @@
 </p:sld>
 </file>
 
-<file path=ppt/slides/slide21.xml><?xml version="1.0" encoding="utf-8"?>
+<file path=ppt/slides/slide22.xml><?xml version="1.0" encoding="utf-8"?>
 <p:sld xmlns:a="http://schemas.openxmlformats.org/drawingml/2006/main" xmlns:r="http://schemas.openxmlformats.org/officeDocument/2006/relationships" xmlns:p="http://schemas.openxmlformats.org/presentationml/2006/main">
   <p:cSld>
     <p:spTree>
@@ -16491,7 +17100,7 @@
         </p:nvSpPr>
         <p:spPr>
           <a:xfrm>
-            <a:off x="2276213" y="2908612"/>
+            <a:off x="6512653" y="325509"/>
             <a:ext cx="6096000" cy="369332"/>
           </a:xfrm>
           <a:prstGeom prst="rect">
@@ -16512,184 +17121,79 @@
           </a:p>
         </p:txBody>
       </p:sp>
-    </p:spTree>
-    <p:extLst>
-      <p:ext uri="{BB962C8B-B14F-4D97-AF65-F5344CB8AC3E}">
-        <p14:creationId xmlns:p14="http://schemas.microsoft.com/office/powerpoint/2010/main" val="1331799850"/>
-      </p:ext>
-    </p:extLst>
-  </p:cSld>
-  <p:clrMapOvr>
-    <a:masterClrMapping/>
-  </p:clrMapOvr>
-</p:sld>
-</file>
-
-<file path=ppt/slides/slide22.xml><?xml version="1.0" encoding="utf-8"?>
-<p:sld xmlns:a="http://schemas.openxmlformats.org/drawingml/2006/main" xmlns:r="http://schemas.openxmlformats.org/officeDocument/2006/relationships" xmlns:p="http://schemas.openxmlformats.org/presentationml/2006/main">
-  <p:cSld>
-    <p:spTree>
-      <p:nvGrpSpPr>
-        <p:cNvPr id="1" name=""/>
-        <p:cNvGrpSpPr/>
-        <p:nvPr/>
-      </p:nvGrpSpPr>
-      <p:grpSpPr>
-        <a:xfrm>
-          <a:off x="0" y="0"/>
-          <a:ext cx="0" cy="0"/>
-          <a:chOff x="0" y="0"/>
-          <a:chExt cx="0" cy="0"/>
-        </a:xfrm>
-      </p:grpSpPr>
       <p:sp>
         <p:nvSpPr>
-          <p:cNvPr id="2" name="Titre 1">
+          <p:cNvPr id="4" name="ZoneTexte 3">
             <a:extLst>
               <a:ext uri="{FF2B5EF4-FFF2-40B4-BE49-F238E27FC236}">
-                <a16:creationId xmlns:a16="http://schemas.microsoft.com/office/drawing/2014/main" id="{03EE799C-7398-441E-956D-60778EB6ADFB}"/>
+                <a16:creationId xmlns:a16="http://schemas.microsoft.com/office/drawing/2014/main" id="{3CEAC38F-1B5F-4C07-A349-02B2FFB0E400}"/>
               </a:ext>
             </a:extLst>
           </p:cNvPr>
-          <p:cNvSpPr txBox="1">
-            <a:spLocks/>
-          </p:cNvSpPr>
+          <p:cNvSpPr txBox="1"/>
           <p:nvPr/>
         </p:nvSpPr>
         <p:spPr>
           <a:xfrm>
-            <a:off x="455643" y="510175"/>
-            <a:ext cx="3352959" cy="739786"/>
+            <a:off x="595618" y="1359017"/>
+            <a:ext cx="8137321" cy="1646605"/>
           </a:xfrm>
           <a:prstGeom prst="rect">
             <a:avLst/>
           </a:prstGeom>
+          <a:noFill/>
         </p:spPr>
         <p:txBody>
-          <a:bodyPr/>
-          <a:lstStyle>
-            <a:lvl1pPr algn="l" defTabSz="457200" rtl="0" eaLnBrk="1" latinLnBrk="0" hangingPunct="1">
-              <a:spcBef>
-                <a:spcPct val="0"/>
-              </a:spcBef>
-              <a:buNone/>
-              <a:defRPr sz="3600" kern="1200">
-                <a:solidFill>
-                  <a:schemeClr val="accent1"/>
-                </a:solidFill>
-                <a:latin typeface="+mj-lt"/>
-                <a:ea typeface="+mj-ea"/>
-                <a:cs typeface="+mj-cs"/>
-              </a:defRPr>
-            </a:lvl1pPr>
-            <a:lvl2pPr eaLnBrk="1" hangingPunct="1">
-              <a:defRPr>
-                <a:solidFill>
-                  <a:schemeClr val="tx2"/>
-                </a:solidFill>
-              </a:defRPr>
-            </a:lvl2pPr>
-            <a:lvl3pPr eaLnBrk="1" hangingPunct="1">
-              <a:defRPr>
-                <a:solidFill>
-                  <a:schemeClr val="tx2"/>
-                </a:solidFill>
-              </a:defRPr>
-            </a:lvl3pPr>
-            <a:lvl4pPr eaLnBrk="1" hangingPunct="1">
-              <a:defRPr>
-                <a:solidFill>
-                  <a:schemeClr val="tx2"/>
-                </a:solidFill>
-              </a:defRPr>
-            </a:lvl4pPr>
-            <a:lvl5pPr eaLnBrk="1" hangingPunct="1">
-              <a:defRPr>
-                <a:solidFill>
-                  <a:schemeClr val="tx2"/>
-                </a:solidFill>
-              </a:defRPr>
-            </a:lvl5pPr>
-            <a:lvl6pPr eaLnBrk="1" hangingPunct="1">
-              <a:defRPr>
-                <a:solidFill>
-                  <a:schemeClr val="tx2"/>
-                </a:solidFill>
-              </a:defRPr>
-            </a:lvl6pPr>
-            <a:lvl7pPr eaLnBrk="1" hangingPunct="1">
-              <a:defRPr>
-                <a:solidFill>
-                  <a:schemeClr val="tx2"/>
-                </a:solidFill>
-              </a:defRPr>
-            </a:lvl7pPr>
-            <a:lvl8pPr eaLnBrk="1" hangingPunct="1">
-              <a:defRPr>
-                <a:solidFill>
-                  <a:schemeClr val="tx2"/>
-                </a:solidFill>
-              </a:defRPr>
-            </a:lvl8pPr>
-            <a:lvl9pPr eaLnBrk="1" hangingPunct="1">
-              <a:defRPr>
-                <a:solidFill>
-                  <a:schemeClr val="tx2"/>
-                </a:solidFill>
-              </a:defRPr>
-            </a:lvl9pPr>
-          </a:lstStyle>
-          <a:p>
-            <a:r>
-              <a:rPr lang="fr-CA" dirty="0">
-                <a:solidFill>
-                  <a:srgbClr val="286D9F"/>
-                </a:solidFill>
-              </a:rPr>
-              <a:t>Améliorations</a:t>
-            </a:r>
-          </a:p>
-        </p:txBody>
-      </p:sp>
-      <p:sp>
-        <p:nvSpPr>
-          <p:cNvPr id="3" name="Rectangle 2">
-            <a:extLst>
-              <a:ext uri="{FF2B5EF4-FFF2-40B4-BE49-F238E27FC236}">
-                <a16:creationId xmlns:a16="http://schemas.microsoft.com/office/drawing/2014/main" id="{BA0A46BD-0FD2-481A-AB72-F6E2A27E0618}"/>
-              </a:ext>
-            </a:extLst>
-          </p:cNvPr>
-          <p:cNvSpPr/>
-          <p:nvPr/>
-        </p:nvSpPr>
-        <p:spPr>
-          <a:xfrm>
-            <a:off x="2276213" y="2908612"/>
-            <a:ext cx="6096000" cy="646331"/>
-          </a:xfrm>
-          <a:prstGeom prst="rect">
-            <a:avLst/>
-          </a:prstGeom>
-        </p:spPr>
-        <p:txBody>
-          <a:bodyPr>
+          <a:bodyPr wrap="square" rtlCol="0">
             <a:spAutoFit/>
           </a:bodyPr>
           <a:lstStyle/>
           <a:p>
-            <a:r>
-              <a:rPr lang="fr-FR" dirty="0"/>
-              <a:t>Améliorations désirées pour compléter le projet à votre entière satisfaction </a:t>
-            </a:r>
-            <a:endParaRPr lang="fr-CA" dirty="0"/>
+            <a:pPr marL="285750" indent="-285750">
+              <a:buFont typeface="Arial" panose="020B0604020202020204" pitchFamily="34" charset="0"/>
+              <a:buChar char="•"/>
+            </a:pPr>
+            <a:r>
+              <a:rPr lang="fr-CA" dirty="0"/>
+              <a:t>Nous sommes très satisfait de nos résultats et des apprentissages acquis dans le cadre du cours.</a:t>
+            </a:r>
+          </a:p>
+          <a:p>
+            <a:pPr marL="171450" indent="-171450">
+              <a:buFont typeface="Arial" panose="020B0604020202020204" pitchFamily="34" charset="0"/>
+              <a:buChar char="•"/>
+            </a:pPr>
+            <a:endParaRPr lang="fr-CA" sz="600" dirty="0"/>
+          </a:p>
+          <a:p>
+            <a:pPr marL="285750" indent="-285750">
+              <a:buFont typeface="Arial" panose="020B0604020202020204" pitchFamily="34" charset="0"/>
+              <a:buChar char="•"/>
+            </a:pPr>
+            <a:r>
+              <a:rPr lang="fr-CA" dirty="0"/>
+              <a:t>Nous avons réussi à bien programmer une simulation d’un sonar et d’un bateau dans de l’eau</a:t>
+            </a:r>
+          </a:p>
+          <a:p>
+            <a:endParaRPr lang="fr-CA" sz="600" dirty="0"/>
+          </a:p>
+          <a:p>
+            <a:pPr marL="285750" indent="-285750">
+              <a:buFont typeface="Arial" panose="020B0604020202020204" pitchFamily="34" charset="0"/>
+              <a:buChar char="•"/>
+            </a:pPr>
+            <a:r>
+              <a:rPr lang="fr-CA" dirty="0"/>
+              <a:t>Nous avons surmonté plusieurs difficultés dans ce projet</a:t>
+            </a:r>
           </a:p>
         </p:txBody>
       </p:sp>
     </p:spTree>
     <p:extLst>
       <p:ext uri="{BB962C8B-B14F-4D97-AF65-F5344CB8AC3E}">
-        <p14:creationId xmlns:p14="http://schemas.microsoft.com/office/powerpoint/2010/main" val="4105811840"/>
+        <p14:creationId xmlns:p14="http://schemas.microsoft.com/office/powerpoint/2010/main" val="1331799850"/>
       </p:ext>
     </p:extLst>
   </p:cSld>
@@ -16820,6 +17324,257 @@
                   <a:srgbClr val="286D9F"/>
                 </a:solidFill>
               </a:rPr>
+              <a:t>Améliorations</a:t>
+            </a:r>
+          </a:p>
+        </p:txBody>
+      </p:sp>
+      <p:sp>
+        <p:nvSpPr>
+          <p:cNvPr id="3" name="Rectangle 2">
+            <a:extLst>
+              <a:ext uri="{FF2B5EF4-FFF2-40B4-BE49-F238E27FC236}">
+                <a16:creationId xmlns:a16="http://schemas.microsoft.com/office/drawing/2014/main" id="{BA0A46BD-0FD2-481A-AB72-F6E2A27E0618}"/>
+              </a:ext>
+            </a:extLst>
+          </p:cNvPr>
+          <p:cNvSpPr/>
+          <p:nvPr/>
+        </p:nvSpPr>
+        <p:spPr>
+          <a:xfrm>
+            <a:off x="5925424" y="187009"/>
+            <a:ext cx="6096000" cy="646331"/>
+          </a:xfrm>
+          <a:prstGeom prst="rect">
+            <a:avLst/>
+          </a:prstGeom>
+        </p:spPr>
+        <p:txBody>
+          <a:bodyPr>
+            <a:spAutoFit/>
+          </a:bodyPr>
+          <a:lstStyle/>
+          <a:p>
+            <a:r>
+              <a:rPr lang="fr-FR" dirty="0"/>
+              <a:t>Améliorations désirées pour compléter le projet à votre entière satisfaction </a:t>
+            </a:r>
+            <a:endParaRPr lang="fr-CA" dirty="0"/>
+          </a:p>
+        </p:txBody>
+      </p:sp>
+      <p:sp>
+        <p:nvSpPr>
+          <p:cNvPr id="4" name="ZoneTexte 3">
+            <a:extLst>
+              <a:ext uri="{FF2B5EF4-FFF2-40B4-BE49-F238E27FC236}">
+                <a16:creationId xmlns:a16="http://schemas.microsoft.com/office/drawing/2014/main" id="{8D1974CE-FCCC-43DC-95BB-F4B75B2A7BB5}"/>
+              </a:ext>
+            </a:extLst>
+          </p:cNvPr>
+          <p:cNvSpPr txBox="1"/>
+          <p:nvPr/>
+        </p:nvSpPr>
+        <p:spPr>
+          <a:xfrm>
+            <a:off x="455643" y="1359018"/>
+            <a:ext cx="6624665" cy="2385268"/>
+          </a:xfrm>
+          <a:prstGeom prst="rect">
+            <a:avLst/>
+          </a:prstGeom>
+          <a:noFill/>
+        </p:spPr>
+        <p:txBody>
+          <a:bodyPr wrap="square" rtlCol="0">
+            <a:spAutoFit/>
+          </a:bodyPr>
+          <a:lstStyle/>
+          <a:p>
+            <a:r>
+              <a:rPr lang="fr-CA" dirty="0"/>
+              <a:t>Les quelques améliorations suivantes nous rendraient entièrement satisfait de notre projet :</a:t>
+            </a:r>
+          </a:p>
+          <a:p>
+            <a:r>
+              <a:rPr lang="fr-CA" sz="1050" dirty="0"/>
+              <a:t> </a:t>
+            </a:r>
+          </a:p>
+          <a:p>
+            <a:pPr marL="285750" indent="-285750">
+              <a:buFont typeface="Arial" panose="020B0604020202020204" pitchFamily="34" charset="0"/>
+              <a:buChar char="•"/>
+            </a:pPr>
+            <a:r>
+              <a:rPr lang="fr-CA" dirty="0"/>
+              <a:t>Trouver une façon plus rigoureuse pour calculer la SER</a:t>
+            </a:r>
+          </a:p>
+          <a:p>
+            <a:endParaRPr lang="fr-CA" sz="600" dirty="0"/>
+          </a:p>
+          <a:p>
+            <a:pPr marL="285750" indent="-285750">
+              <a:buFont typeface="Arial" panose="020B0604020202020204" pitchFamily="34" charset="0"/>
+              <a:buChar char="•"/>
+            </a:pPr>
+            <a:r>
+              <a:rPr lang="fr-CA" dirty="0"/>
+              <a:t>Utiliser des valeurs théoriques pour obtenir des résultats encore plus prêt de la réalité</a:t>
+            </a:r>
+          </a:p>
+          <a:p>
+            <a:endParaRPr lang="fr-CA" sz="600" dirty="0"/>
+          </a:p>
+          <a:p>
+            <a:pPr marL="285750" indent="-285750">
+              <a:buFont typeface="Arial" panose="020B0604020202020204" pitchFamily="34" charset="0"/>
+              <a:buChar char="•"/>
+            </a:pPr>
+            <a:r>
+              <a:rPr lang="fr-CA" dirty="0"/>
+              <a:t>Optimiser le code de différentes façon comme mettre des parties en parallèle, division en sous domaine</a:t>
+            </a:r>
+          </a:p>
+        </p:txBody>
+      </p:sp>
+    </p:spTree>
+    <p:extLst>
+      <p:ext uri="{BB962C8B-B14F-4D97-AF65-F5344CB8AC3E}">
+        <p14:creationId xmlns:p14="http://schemas.microsoft.com/office/powerpoint/2010/main" val="4105811840"/>
+      </p:ext>
+    </p:extLst>
+  </p:cSld>
+  <p:clrMapOvr>
+    <a:masterClrMapping/>
+  </p:clrMapOvr>
+</p:sld>
+</file>
+
+<file path=ppt/slides/slide24.xml><?xml version="1.0" encoding="utf-8"?>
+<p:sld xmlns:a="http://schemas.openxmlformats.org/drawingml/2006/main" xmlns:r="http://schemas.openxmlformats.org/officeDocument/2006/relationships" xmlns:p="http://schemas.openxmlformats.org/presentationml/2006/main">
+  <p:cSld>
+    <p:spTree>
+      <p:nvGrpSpPr>
+        <p:cNvPr id="1" name=""/>
+        <p:cNvGrpSpPr/>
+        <p:nvPr/>
+      </p:nvGrpSpPr>
+      <p:grpSpPr>
+        <a:xfrm>
+          <a:off x="0" y="0"/>
+          <a:ext cx="0" cy="0"/>
+          <a:chOff x="0" y="0"/>
+          <a:chExt cx="0" cy="0"/>
+        </a:xfrm>
+      </p:grpSpPr>
+      <p:sp>
+        <p:nvSpPr>
+          <p:cNvPr id="2" name="Titre 1">
+            <a:extLst>
+              <a:ext uri="{FF2B5EF4-FFF2-40B4-BE49-F238E27FC236}">
+                <a16:creationId xmlns:a16="http://schemas.microsoft.com/office/drawing/2014/main" id="{03EE799C-7398-441E-956D-60778EB6ADFB}"/>
+              </a:ext>
+            </a:extLst>
+          </p:cNvPr>
+          <p:cNvSpPr txBox="1">
+            <a:spLocks/>
+          </p:cNvSpPr>
+          <p:nvPr/>
+        </p:nvSpPr>
+        <p:spPr>
+          <a:xfrm>
+            <a:off x="455643" y="510175"/>
+            <a:ext cx="3352959" cy="739786"/>
+          </a:xfrm>
+          <a:prstGeom prst="rect">
+            <a:avLst/>
+          </a:prstGeom>
+        </p:spPr>
+        <p:txBody>
+          <a:bodyPr/>
+          <a:lstStyle>
+            <a:lvl1pPr algn="l" defTabSz="457200" rtl="0" eaLnBrk="1" latinLnBrk="0" hangingPunct="1">
+              <a:spcBef>
+                <a:spcPct val="0"/>
+              </a:spcBef>
+              <a:buNone/>
+              <a:defRPr sz="3600" kern="1200">
+                <a:solidFill>
+                  <a:schemeClr val="accent1"/>
+                </a:solidFill>
+                <a:latin typeface="+mj-lt"/>
+                <a:ea typeface="+mj-ea"/>
+                <a:cs typeface="+mj-cs"/>
+              </a:defRPr>
+            </a:lvl1pPr>
+            <a:lvl2pPr eaLnBrk="1" hangingPunct="1">
+              <a:defRPr>
+                <a:solidFill>
+                  <a:schemeClr val="tx2"/>
+                </a:solidFill>
+              </a:defRPr>
+            </a:lvl2pPr>
+            <a:lvl3pPr eaLnBrk="1" hangingPunct="1">
+              <a:defRPr>
+                <a:solidFill>
+                  <a:schemeClr val="tx2"/>
+                </a:solidFill>
+              </a:defRPr>
+            </a:lvl3pPr>
+            <a:lvl4pPr eaLnBrk="1" hangingPunct="1">
+              <a:defRPr>
+                <a:solidFill>
+                  <a:schemeClr val="tx2"/>
+                </a:solidFill>
+              </a:defRPr>
+            </a:lvl4pPr>
+            <a:lvl5pPr eaLnBrk="1" hangingPunct="1">
+              <a:defRPr>
+                <a:solidFill>
+                  <a:schemeClr val="tx2"/>
+                </a:solidFill>
+              </a:defRPr>
+            </a:lvl5pPr>
+            <a:lvl6pPr eaLnBrk="1" hangingPunct="1">
+              <a:defRPr>
+                <a:solidFill>
+                  <a:schemeClr val="tx2"/>
+                </a:solidFill>
+              </a:defRPr>
+            </a:lvl6pPr>
+            <a:lvl7pPr eaLnBrk="1" hangingPunct="1">
+              <a:defRPr>
+                <a:solidFill>
+                  <a:schemeClr val="tx2"/>
+                </a:solidFill>
+              </a:defRPr>
+            </a:lvl7pPr>
+            <a:lvl8pPr eaLnBrk="1" hangingPunct="1">
+              <a:defRPr>
+                <a:solidFill>
+                  <a:schemeClr val="tx2"/>
+                </a:solidFill>
+              </a:defRPr>
+            </a:lvl8pPr>
+            <a:lvl9pPr eaLnBrk="1" hangingPunct="1">
+              <a:defRPr>
+                <a:solidFill>
+                  <a:schemeClr val="tx2"/>
+                </a:solidFill>
+              </a:defRPr>
+            </a:lvl9pPr>
+          </a:lstStyle>
+          <a:p>
+            <a:r>
+              <a:rPr lang="fr-CA" dirty="0">
+                <a:solidFill>
+                  <a:srgbClr val="286D9F"/>
+                </a:solidFill>
+              </a:rPr>
               <a:t>Références</a:t>
             </a:r>
           </a:p>
@@ -17272,6 +18027,407 @@
 </file>
 
 <file path=ppt/slides/slide3.xml><?xml version="1.0" encoding="utf-8"?>
+<p:sld xmlns:a="http://schemas.openxmlformats.org/drawingml/2006/main" xmlns:r="http://schemas.openxmlformats.org/officeDocument/2006/relationships" xmlns:p="http://schemas.openxmlformats.org/presentationml/2006/main">
+  <p:cSld>
+    <p:spTree>
+      <p:nvGrpSpPr>
+        <p:cNvPr id="1" name=""/>
+        <p:cNvGrpSpPr/>
+        <p:nvPr/>
+      </p:nvGrpSpPr>
+      <p:grpSpPr>
+        <a:xfrm>
+          <a:off x="0" y="0"/>
+          <a:ext cx="0" cy="0"/>
+          <a:chOff x="0" y="0"/>
+          <a:chExt cx="0" cy="0"/>
+        </a:xfrm>
+      </p:grpSpPr>
+      <p:sp>
+        <p:nvSpPr>
+          <p:cNvPr id="2" name="Titre 1">
+            <a:extLst>
+              <a:ext uri="{FF2B5EF4-FFF2-40B4-BE49-F238E27FC236}">
+                <a16:creationId xmlns:a16="http://schemas.microsoft.com/office/drawing/2014/main" id="{03EE799C-7398-441E-956D-60778EB6ADFB}"/>
+              </a:ext>
+            </a:extLst>
+          </p:cNvPr>
+          <p:cNvSpPr txBox="1">
+            <a:spLocks/>
+          </p:cNvSpPr>
+          <p:nvPr/>
+        </p:nvSpPr>
+        <p:spPr>
+          <a:xfrm>
+            <a:off x="455643" y="510175"/>
+            <a:ext cx="8780636" cy="739786"/>
+          </a:xfrm>
+          <a:prstGeom prst="rect">
+            <a:avLst/>
+          </a:prstGeom>
+        </p:spPr>
+        <p:txBody>
+          <a:bodyPr/>
+          <a:lstStyle>
+            <a:lvl1pPr algn="l" defTabSz="457200" rtl="0" eaLnBrk="1" latinLnBrk="0" hangingPunct="1">
+              <a:spcBef>
+                <a:spcPct val="0"/>
+              </a:spcBef>
+              <a:buNone/>
+              <a:defRPr sz="3600" kern="1200">
+                <a:solidFill>
+                  <a:schemeClr val="accent1"/>
+                </a:solidFill>
+                <a:latin typeface="+mj-lt"/>
+                <a:ea typeface="+mj-ea"/>
+                <a:cs typeface="+mj-cs"/>
+              </a:defRPr>
+            </a:lvl1pPr>
+            <a:lvl2pPr eaLnBrk="1" hangingPunct="1">
+              <a:defRPr>
+                <a:solidFill>
+                  <a:schemeClr val="tx2"/>
+                </a:solidFill>
+              </a:defRPr>
+            </a:lvl2pPr>
+            <a:lvl3pPr eaLnBrk="1" hangingPunct="1">
+              <a:defRPr>
+                <a:solidFill>
+                  <a:schemeClr val="tx2"/>
+                </a:solidFill>
+              </a:defRPr>
+            </a:lvl3pPr>
+            <a:lvl4pPr eaLnBrk="1" hangingPunct="1">
+              <a:defRPr>
+                <a:solidFill>
+                  <a:schemeClr val="tx2"/>
+                </a:solidFill>
+              </a:defRPr>
+            </a:lvl4pPr>
+            <a:lvl5pPr eaLnBrk="1" hangingPunct="1">
+              <a:defRPr>
+                <a:solidFill>
+                  <a:schemeClr val="tx2"/>
+                </a:solidFill>
+              </a:defRPr>
+            </a:lvl5pPr>
+            <a:lvl6pPr eaLnBrk="1" hangingPunct="1">
+              <a:defRPr>
+                <a:solidFill>
+                  <a:schemeClr val="tx2"/>
+                </a:solidFill>
+              </a:defRPr>
+            </a:lvl6pPr>
+            <a:lvl7pPr eaLnBrk="1" hangingPunct="1">
+              <a:defRPr>
+                <a:solidFill>
+                  <a:schemeClr val="tx2"/>
+                </a:solidFill>
+              </a:defRPr>
+            </a:lvl7pPr>
+            <a:lvl8pPr eaLnBrk="1" hangingPunct="1">
+              <a:defRPr>
+                <a:solidFill>
+                  <a:schemeClr val="tx2"/>
+                </a:solidFill>
+              </a:defRPr>
+            </a:lvl8pPr>
+            <a:lvl9pPr eaLnBrk="1" hangingPunct="1">
+              <a:defRPr>
+                <a:solidFill>
+                  <a:schemeClr val="tx2"/>
+                </a:solidFill>
+              </a:defRPr>
+            </a:lvl9pPr>
+          </a:lstStyle>
+          <a:p>
+            <a:r>
+              <a:rPr lang="fr-CA" dirty="0">
+                <a:solidFill>
+                  <a:srgbClr val="286D9F"/>
+                </a:solidFill>
+              </a:rPr>
+              <a:t>Modélisation des phénomènes physiques</a:t>
+            </a:r>
+          </a:p>
+        </p:txBody>
+      </p:sp>
+      <p:sp>
+        <p:nvSpPr>
+          <p:cNvPr id="3" name="ZoneTexte 2">
+            <a:extLst>
+              <a:ext uri="{FF2B5EF4-FFF2-40B4-BE49-F238E27FC236}">
+                <a16:creationId xmlns:a16="http://schemas.microsoft.com/office/drawing/2014/main" id="{9D2F5128-18F1-47A4-B9C1-1B3FF686D290}"/>
+              </a:ext>
+            </a:extLst>
+          </p:cNvPr>
+          <p:cNvSpPr txBox="1"/>
+          <p:nvPr/>
+        </p:nvSpPr>
+        <p:spPr>
+          <a:xfrm>
+            <a:off x="5133657" y="90083"/>
+            <a:ext cx="7058343" cy="646331"/>
+          </a:xfrm>
+          <a:prstGeom prst="rect">
+            <a:avLst/>
+          </a:prstGeom>
+          <a:noFill/>
+        </p:spPr>
+        <p:txBody>
+          <a:bodyPr wrap="none" rtlCol="0">
+            <a:spAutoFit/>
+          </a:bodyPr>
+          <a:lstStyle/>
+          <a:p>
+            <a:r>
+              <a:rPr lang="fr-FR" dirty="0"/>
+              <a:t>Description des phénomènes physiques qui régissent le problème, </a:t>
+            </a:r>
+          </a:p>
+          <a:p>
+            <a:r>
+              <a:rPr lang="fr-FR" dirty="0"/>
+              <a:t>avec les équations mathématiques qui les modélisent </a:t>
+            </a:r>
+            <a:endParaRPr lang="fr-CA" dirty="0"/>
+          </a:p>
+        </p:txBody>
+      </p:sp>
+      <mc:AlternateContent xmlns:mc="http://schemas.openxmlformats.org/markup-compatibility/2006">
+        <mc:Choice xmlns:a14="http://schemas.microsoft.com/office/drawing/2010/main" Requires="a14">
+          <p:sp>
+            <p:nvSpPr>
+              <p:cNvPr id="12" name="ZoneTexte 11">
+                <a:extLst>
+                  <a:ext uri="{FF2B5EF4-FFF2-40B4-BE49-F238E27FC236}">
+                    <a16:creationId xmlns:a16="http://schemas.microsoft.com/office/drawing/2014/main" id="{FAFE80FC-4E05-4610-9D57-A2C330D17602}"/>
+                  </a:ext>
+                </a:extLst>
+              </p:cNvPr>
+              <p:cNvSpPr txBox="1"/>
+              <p:nvPr/>
+            </p:nvSpPr>
+            <p:spPr>
+              <a:xfrm>
+                <a:off x="545284" y="1426128"/>
+                <a:ext cx="7533314" cy="1841979"/>
+              </a:xfrm>
+              <a:prstGeom prst="rect">
+                <a:avLst/>
+              </a:prstGeom>
+              <a:noFill/>
+            </p:spPr>
+            <p:txBody>
+              <a:bodyPr wrap="square" rtlCol="0">
+                <a:spAutoFit/>
+              </a:bodyPr>
+              <a:lstStyle/>
+              <a:p>
+                <a:r>
+                  <a:rPr lang="fr-CA" dirty="0"/>
+                  <a:t>La méthode des différences finies dans le domaine fréquentiel avec source (FDFD-Avec source) est choisie pour la résolution numérique :</a:t>
+                </a:r>
+              </a:p>
+              <a:p>
+                <a:pPr marL="285750" indent="-285750">
+                  <a:lnSpc>
+                    <a:spcPct val="150000"/>
+                  </a:lnSpc>
+                  <a:buFont typeface="Arial" panose="020B0604020202020204" pitchFamily="34" charset="0"/>
+                  <a:buChar char="•"/>
+                </a:pPr>
+                <a:r>
+                  <a:rPr lang="fr-CA" dirty="0"/>
+                  <a:t>Relativement plus simple à implémenter</a:t>
+                </a:r>
+              </a:p>
+              <a:p>
+                <a:pPr marL="285750" indent="-285750">
+                  <a:lnSpc>
+                    <a:spcPct val="150000"/>
+                  </a:lnSpc>
+                  <a:buFont typeface="Arial" panose="020B0604020202020204" pitchFamily="34" charset="0"/>
+                  <a:buChar char="•"/>
+                </a:pPr>
+                <a:r>
+                  <a:rPr lang="fr-CA" dirty="0"/>
+                  <a:t>Les résultats sont plus facilement interprétable</a:t>
+                </a:r>
+              </a:p>
+              <a:p>
+                <a:pPr marL="285750" indent="-285750">
+                  <a:lnSpc>
+                    <a:spcPct val="150000"/>
+                  </a:lnSpc>
+                  <a:buFont typeface="Arial" panose="020B0604020202020204" pitchFamily="34" charset="0"/>
+                  <a:buChar char="•"/>
+                </a:pPr>
+                <a:r>
+                  <a:rPr lang="fr-CA" dirty="0"/>
+                  <a:t>Très rapide, car une seule résolution </a:t>
+                </a:r>
+                <a14:m>
+                  <m:oMath xmlns:m="http://schemas.openxmlformats.org/officeDocument/2006/math">
+                    <m:r>
+                      <a:rPr lang="fr-CA" b="0" i="1" smtClean="0">
+                        <a:latin typeface="Cambria Math" panose="02040503050406030204" pitchFamily="18" charset="0"/>
+                      </a:rPr>
+                      <m:t>𝐴𝑥</m:t>
+                    </m:r>
+                    <m:r>
+                      <a:rPr lang="fr-CA" b="0" i="1" smtClean="0">
+                        <a:latin typeface="Cambria Math" panose="02040503050406030204" pitchFamily="18" charset="0"/>
+                      </a:rPr>
+                      <m:t>=</m:t>
+                    </m:r>
+                    <m:r>
+                      <a:rPr lang="fr-CA" b="0" i="1" smtClean="0">
+                        <a:latin typeface="Cambria Math" panose="02040503050406030204" pitchFamily="18" charset="0"/>
+                      </a:rPr>
+                      <m:t>𝑏</m:t>
+                    </m:r>
+                  </m:oMath>
+                </a14:m>
+                <a:r>
+                  <a:rPr lang="fr-CA" dirty="0"/>
+                  <a:t> par fréquence</a:t>
+                </a:r>
+              </a:p>
+            </p:txBody>
+          </p:sp>
+        </mc:Choice>
+        <mc:Fallback>
+          <p:sp>
+            <p:nvSpPr>
+              <p:cNvPr id="12" name="ZoneTexte 11">
+                <a:extLst>
+                  <a:ext uri="{FF2B5EF4-FFF2-40B4-BE49-F238E27FC236}">
+                    <a16:creationId xmlns:a16="http://schemas.microsoft.com/office/drawing/2014/main" id="{FAFE80FC-4E05-4610-9D57-A2C330D17602}"/>
+                  </a:ext>
+                </a:extLst>
+              </p:cNvPr>
+              <p:cNvSpPr txBox="1">
+                <a:spLocks noRot="1" noChangeAspect="1" noMove="1" noResize="1" noEditPoints="1" noAdjustHandles="1" noChangeArrowheads="1" noChangeShapeType="1" noTextEdit="1"/>
+              </p:cNvSpPr>
+              <p:nvPr/>
+            </p:nvSpPr>
+            <p:spPr>
+              <a:xfrm>
+                <a:off x="545284" y="1426128"/>
+                <a:ext cx="7533314" cy="1841979"/>
+              </a:xfrm>
+              <a:prstGeom prst="rect">
+                <a:avLst/>
+              </a:prstGeom>
+              <a:blipFill>
+                <a:blip r:embed="rId2"/>
+                <a:stretch>
+                  <a:fillRect l="-647" t="-2318" b="-4305"/>
+                </a:stretch>
+              </a:blipFill>
+            </p:spPr>
+            <p:txBody>
+              <a:bodyPr/>
+              <a:lstStyle/>
+              <a:p>
+                <a:r>
+                  <a:rPr lang="fr-CA">
+                    <a:noFill/>
+                  </a:rPr>
+                  <a:t> </a:t>
+                </a:r>
+              </a:p>
+            </p:txBody>
+          </p:sp>
+        </mc:Fallback>
+      </mc:AlternateContent>
+      <p:pic>
+        <p:nvPicPr>
+          <p:cNvPr id="13" name="Image 12">
+            <a:extLst>
+              <a:ext uri="{FF2B5EF4-FFF2-40B4-BE49-F238E27FC236}">
+                <a16:creationId xmlns:a16="http://schemas.microsoft.com/office/drawing/2014/main" id="{E91478B8-A55A-4583-8020-A119BB2D0833}"/>
+              </a:ext>
+            </a:extLst>
+          </p:cNvPr>
+          <p:cNvPicPr>
+            <a:picLocks noChangeAspect="1"/>
+          </p:cNvPicPr>
+          <p:nvPr/>
+        </p:nvPicPr>
+        <p:blipFill>
+          <a:blip r:embed="rId3"/>
+          <a:stretch>
+            <a:fillRect/>
+          </a:stretch>
+        </p:blipFill>
+        <p:spPr>
+          <a:xfrm>
+            <a:off x="545284" y="3429000"/>
+            <a:ext cx="7323589" cy="1814049"/>
+          </a:xfrm>
+          <a:prstGeom prst="rect">
+            <a:avLst/>
+          </a:prstGeom>
+        </p:spPr>
+      </p:pic>
+      <p:sp>
+        <p:nvSpPr>
+          <p:cNvPr id="14" name="ZoneTexte 13">
+            <a:extLst>
+              <a:ext uri="{FF2B5EF4-FFF2-40B4-BE49-F238E27FC236}">
+                <a16:creationId xmlns:a16="http://schemas.microsoft.com/office/drawing/2014/main" id="{71109387-AFA3-42AC-AFE6-B11383172006}"/>
+              </a:ext>
+            </a:extLst>
+          </p:cNvPr>
+          <p:cNvSpPr txBox="1"/>
+          <p:nvPr/>
+        </p:nvSpPr>
+        <p:spPr>
+          <a:xfrm>
+            <a:off x="545284" y="5216428"/>
+            <a:ext cx="7021586" cy="261610"/>
+          </a:xfrm>
+          <a:prstGeom prst="rect">
+            <a:avLst/>
+          </a:prstGeom>
+          <a:noFill/>
+        </p:spPr>
+        <p:txBody>
+          <a:bodyPr wrap="square" rtlCol="0">
+            <a:spAutoFit/>
+          </a:bodyPr>
+          <a:lstStyle/>
+          <a:p>
+            <a:r>
+              <a:rPr lang="fr-CA" sz="1100" dirty="0">
+                <a:solidFill>
+                  <a:schemeClr val="tx1">
+                    <a:lumMod val="85000"/>
+                    <a:lumOff val="15000"/>
+                  </a:schemeClr>
+                </a:solidFill>
+              </a:rPr>
+              <a:t>Tableau 1 : Comparaison des différentes approches</a:t>
+            </a:r>
+          </a:p>
+        </p:txBody>
+      </p:sp>
+    </p:spTree>
+    <p:extLst>
+      <p:ext uri="{BB962C8B-B14F-4D97-AF65-F5344CB8AC3E}">
+        <p14:creationId xmlns:p14="http://schemas.microsoft.com/office/powerpoint/2010/main" val="2271164848"/>
+      </p:ext>
+    </p:extLst>
+  </p:cSld>
+  <p:clrMapOvr>
+    <a:masterClrMapping/>
+  </p:clrMapOvr>
+</p:sld>
+</file>
+
+<file path=ppt/slides/slide4.xml><?xml version="1.0" encoding="utf-8"?>
 <p:sld xmlns:a="http://schemas.openxmlformats.org/drawingml/2006/main" xmlns:r="http://schemas.openxmlformats.org/officeDocument/2006/relationships" xmlns:p="http://schemas.openxmlformats.org/presentationml/2006/main">
   <p:cSld>
     <p:spTree>
@@ -19045,7 +20201,7 @@
 </p:sld>
 </file>
 
-<file path=ppt/slides/slide4.xml><?xml version="1.0" encoding="utf-8"?>
+<file path=ppt/slides/slide5.xml><?xml version="1.0" encoding="utf-8"?>
 <p:sld xmlns:a="http://schemas.openxmlformats.org/drawingml/2006/main" xmlns:r="http://schemas.openxmlformats.org/officeDocument/2006/relationships" xmlns:p="http://schemas.openxmlformats.org/presentationml/2006/main">
   <p:cSld>
     <p:spTree>
@@ -19963,7 +21119,7 @@
 </p:sld>
 </file>
 
-<file path=ppt/slides/slide5.xml><?xml version="1.0" encoding="utf-8"?>
+<file path=ppt/slides/slide6.xml><?xml version="1.0" encoding="utf-8"?>
 <p:sld xmlns:a="http://schemas.openxmlformats.org/drawingml/2006/main" xmlns:r="http://schemas.openxmlformats.org/officeDocument/2006/relationships" xmlns:p="http://schemas.openxmlformats.org/presentationml/2006/main">
   <p:cSld>
     <p:spTree>
@@ -22177,7 +23333,7 @@
 </p:sld>
 </file>
 
-<file path=ppt/slides/slide6.xml><?xml version="1.0" encoding="utf-8"?>
+<file path=ppt/slides/slide7.xml><?xml version="1.0" encoding="utf-8"?>
 <p:sld xmlns:a="http://schemas.openxmlformats.org/drawingml/2006/main" xmlns:r="http://schemas.openxmlformats.org/officeDocument/2006/relationships" xmlns:p="http://schemas.openxmlformats.org/presentationml/2006/main">
   <p:cSld>
     <p:spTree>
@@ -23096,773 +24252,11 @@
           <a:p>
             <a:r>
               <a:rPr lang="fr-CA" dirty="0"/>
-              <a:t>PML : </a:t>
-            </a:r>
-            <a:r>
-              <a:rPr lang="fr-CA" dirty="0" err="1"/>
-              <a:t>Perfectly</a:t>
-            </a:r>
-            <a:r>
-              <a:rPr lang="fr-CA" dirty="0"/>
-              <a:t> </a:t>
-            </a:r>
-            <a:r>
-              <a:rPr lang="fr-CA" dirty="0" err="1"/>
-              <a:t>Matched</a:t>
-            </a:r>
-            <a:r>
-              <a:rPr lang="fr-CA" dirty="0"/>
-              <a:t> Layer</a:t>
+              <a:t>PML : Perfectly Matched Layer</a:t>
             </a:r>
           </a:p>
         </p:txBody>
       </p:sp>
-      <mc:AlternateContent xmlns:mc="http://schemas.openxmlformats.org/markup-compatibility/2006" xmlns:a14="http://schemas.microsoft.com/office/drawing/2010/main">
-        <mc:Choice Requires="a14">
-          <p:sp>
-            <p:nvSpPr>
-              <p:cNvPr id="10" name="ZoneTexte 9">
-                <a:extLst>
-                  <a:ext uri="{FF2B5EF4-FFF2-40B4-BE49-F238E27FC236}">
-                    <a16:creationId xmlns:a16="http://schemas.microsoft.com/office/drawing/2014/main" id="{67E76AD1-3256-4D51-8DB3-937AAC43163C}"/>
-                  </a:ext>
-                </a:extLst>
-              </p:cNvPr>
-              <p:cNvSpPr txBox="1"/>
-              <p:nvPr/>
-            </p:nvSpPr>
-            <p:spPr>
-              <a:xfrm>
-                <a:off x="8936912" y="4665913"/>
-                <a:ext cx="2581091" cy="733534"/>
-              </a:xfrm>
-              <a:prstGeom prst="rect">
-                <a:avLst/>
-              </a:prstGeom>
-              <a:noFill/>
-            </p:spPr>
-            <p:txBody>
-              <a:bodyPr wrap="none" lIns="0" tIns="0" rIns="0" bIns="0" rtlCol="0">
-                <a:spAutoFit/>
-              </a:bodyPr>
-              <a:lstStyle/>
-              <a:p>
-                <a:pPr/>
-                <a14:m>
-                  <m:oMathPara xmlns:m="http://schemas.openxmlformats.org/officeDocument/2006/math">
-                    <m:oMathParaPr>
-                      <m:jc m:val="centerGroup"/>
-                    </m:oMathParaPr>
-                    <m:oMath xmlns:m="http://schemas.openxmlformats.org/officeDocument/2006/math">
-                      <m:r>
-                        <a:rPr lang="fr-CA" b="0" i="1" smtClean="0">
-                          <a:latin typeface="Cambria Math" panose="02040503050406030204" pitchFamily="18" charset="0"/>
-                        </a:rPr>
-                        <m:t>𝑝</m:t>
-                      </m:r>
-                      <m:d>
-                        <m:dPr>
-                          <m:ctrlPr>
-                            <a:rPr lang="fr-CA" b="0" i="1" smtClean="0">
-                              <a:latin typeface="Cambria Math" panose="02040503050406030204" pitchFamily="18" charset="0"/>
-                            </a:rPr>
-                          </m:ctrlPr>
-                        </m:dPr>
-                        <m:e>
-                          <m:acc>
-                            <m:accPr>
-                              <m:chr m:val="⃗"/>
-                              <m:ctrlPr>
-                                <a:rPr lang="fr-CA" b="0" i="1" smtClean="0">
-                                  <a:latin typeface="Cambria Math" panose="02040503050406030204" pitchFamily="18" charset="0"/>
-                                </a:rPr>
-                              </m:ctrlPr>
-                            </m:accPr>
-                            <m:e>
-                              <m:r>
-                                <a:rPr lang="fr-CA" b="0" i="1" smtClean="0">
-                                  <a:latin typeface="Cambria Math" panose="02040503050406030204" pitchFamily="18" charset="0"/>
-                                </a:rPr>
-                                <m:t>𝑟</m:t>
-                              </m:r>
-                            </m:e>
-                          </m:acc>
-                          <m:r>
-                            <a:rPr lang="fr-CA" b="0" i="1" smtClean="0">
-                              <a:latin typeface="Cambria Math" panose="02040503050406030204" pitchFamily="18" charset="0"/>
-                            </a:rPr>
-                            <m:t>,</m:t>
-                          </m:r>
-                          <m:r>
-                            <a:rPr lang="fr-CA" b="0" i="1" smtClean="0">
-                              <a:latin typeface="Cambria Math" panose="02040503050406030204" pitchFamily="18" charset="0"/>
-                            </a:rPr>
-                            <m:t>𝑡</m:t>
-                          </m:r>
-                        </m:e>
-                      </m:d>
-                      <m:r>
-                        <a:rPr lang="fr-CA" b="0" i="1" smtClean="0">
-                          <a:latin typeface="Cambria Math" panose="02040503050406030204" pitchFamily="18" charset="0"/>
-                        </a:rPr>
-                        <m:t>=</m:t>
-                      </m:r>
-                      <m:nary>
-                        <m:naryPr>
-                          <m:chr m:val="∑"/>
-                          <m:supHide m:val="on"/>
-                          <m:ctrlPr>
-                            <a:rPr lang="fr-CA" b="0" i="1" smtClean="0">
-                              <a:latin typeface="Cambria Math" panose="02040503050406030204" pitchFamily="18" charset="0"/>
-                            </a:rPr>
-                          </m:ctrlPr>
-                        </m:naryPr>
-                        <m:sub>
-                          <m:acc>
-                            <m:accPr>
-                              <m:chr m:val="⃗"/>
-                              <m:ctrlPr>
-                                <a:rPr lang="fr-CA" b="0" i="1" smtClean="0">
-                                  <a:latin typeface="Cambria Math" panose="02040503050406030204" pitchFamily="18" charset="0"/>
-                                </a:rPr>
-                              </m:ctrlPr>
-                            </m:accPr>
-                            <m:e>
-                              <m:r>
-                                <a:rPr lang="fr-CA" b="0" i="1" smtClean="0">
-                                  <a:latin typeface="Cambria Math" panose="02040503050406030204" pitchFamily="18" charset="0"/>
-                                </a:rPr>
-                                <m:t>𝑘</m:t>
-                              </m:r>
-                            </m:e>
-                          </m:acc>
-                          <m:r>
-                            <a:rPr lang="fr-CA" b="0" i="1" smtClean="0">
-                              <a:latin typeface="Cambria Math" panose="02040503050406030204" pitchFamily="18" charset="0"/>
-                            </a:rPr>
-                            <m:t>,</m:t>
-                          </m:r>
-                          <m:r>
-                            <a:rPr lang="fr-CA" b="0" i="1" smtClean="0">
-                              <a:latin typeface="Cambria Math" panose="02040503050406030204" pitchFamily="18" charset="0"/>
-                              <a:ea typeface="Cambria Math" panose="02040503050406030204" pitchFamily="18" charset="0"/>
-                            </a:rPr>
-                            <m:t>𝜔</m:t>
-                          </m:r>
-                        </m:sub>
-                        <m:sup/>
-                        <m:e>
-                          <m:sSub>
-                            <m:sSubPr>
-                              <m:ctrlPr>
-                                <a:rPr lang="fr-CA" b="0" i="1" smtClean="0">
-                                  <a:latin typeface="Cambria Math" panose="02040503050406030204" pitchFamily="18" charset="0"/>
-                                </a:rPr>
-                              </m:ctrlPr>
-                            </m:sSubPr>
-                            <m:e>
-                              <m:r>
-                                <a:rPr lang="fr-CA" b="0" i="1" smtClean="0">
-                                  <a:latin typeface="Cambria Math" panose="02040503050406030204" pitchFamily="18" charset="0"/>
-                                </a:rPr>
-                                <m:t>𝑃</m:t>
-                              </m:r>
-                            </m:e>
-                            <m:sub>
-                              <m:acc>
-                                <m:accPr>
-                                  <m:chr m:val="⃗"/>
-                                  <m:ctrlPr>
-                                    <a:rPr lang="fr-CA" i="1">
-                                      <a:latin typeface="Cambria Math" panose="02040503050406030204" pitchFamily="18" charset="0"/>
-                                    </a:rPr>
-                                  </m:ctrlPr>
-                                </m:accPr>
-                                <m:e>
-                                  <m:r>
-                                    <a:rPr lang="fr-CA" i="1">
-                                      <a:latin typeface="Cambria Math" panose="02040503050406030204" pitchFamily="18" charset="0"/>
-                                    </a:rPr>
-                                    <m:t>𝑘</m:t>
-                                  </m:r>
-                                </m:e>
-                              </m:acc>
-                              <m:r>
-                                <a:rPr lang="fr-CA" b="0" i="1" smtClean="0">
-                                  <a:latin typeface="Cambria Math" panose="02040503050406030204" pitchFamily="18" charset="0"/>
-                                </a:rPr>
-                                <m:t>,</m:t>
-                              </m:r>
-                              <m:r>
-                                <a:rPr lang="fr-CA" b="0" i="1" smtClean="0">
-                                  <a:latin typeface="Cambria Math" panose="02040503050406030204" pitchFamily="18" charset="0"/>
-                                </a:rPr>
-                                <m:t>𝑡</m:t>
-                              </m:r>
-                            </m:sub>
-                          </m:sSub>
-                          <m:sSup>
-                            <m:sSupPr>
-                              <m:ctrlPr>
-                                <a:rPr lang="fr-CA" b="0" i="1" smtClean="0">
-                                  <a:latin typeface="Cambria Math" panose="02040503050406030204" pitchFamily="18" charset="0"/>
-                                </a:rPr>
-                              </m:ctrlPr>
-                            </m:sSupPr>
-                            <m:e>
-                              <m:r>
-                                <a:rPr lang="fr-CA" b="0" i="1" smtClean="0">
-                                  <a:latin typeface="Cambria Math" panose="02040503050406030204" pitchFamily="18" charset="0"/>
-                                </a:rPr>
-                                <m:t>𝑒</m:t>
-                              </m:r>
-                            </m:e>
-                            <m:sup>
-                              <m:r>
-                                <a:rPr lang="fr-CA" b="0" i="1" smtClean="0">
-                                  <a:latin typeface="Cambria Math" panose="02040503050406030204" pitchFamily="18" charset="0"/>
-                                </a:rPr>
-                                <m:t>𝑖</m:t>
-                              </m:r>
-                              <m:r>
-                                <a:rPr lang="fr-CA" b="0" i="1" smtClean="0">
-                                  <a:latin typeface="Cambria Math" panose="02040503050406030204" pitchFamily="18" charset="0"/>
-                                </a:rPr>
-                                <m:t>(</m:t>
-                              </m:r>
-                              <m:acc>
-                                <m:accPr>
-                                  <m:chr m:val="⃗"/>
-                                  <m:ctrlPr>
-                                    <a:rPr lang="fr-CA" b="0" i="1" smtClean="0">
-                                      <a:latin typeface="Cambria Math" panose="02040503050406030204" pitchFamily="18" charset="0"/>
-                                    </a:rPr>
-                                  </m:ctrlPr>
-                                </m:accPr>
-                                <m:e>
-                                  <m:r>
-                                    <a:rPr lang="fr-CA" b="0" i="1" smtClean="0">
-                                      <a:latin typeface="Cambria Math" panose="02040503050406030204" pitchFamily="18" charset="0"/>
-                                    </a:rPr>
-                                    <m:t>𝑘</m:t>
-                                  </m:r>
-                                </m:e>
-                              </m:acc>
-                              <m:acc>
-                                <m:accPr>
-                                  <m:chr m:val="⃗"/>
-                                  <m:ctrlPr>
-                                    <a:rPr lang="fr-CA" b="0" i="1" smtClean="0">
-                                      <a:latin typeface="Cambria Math" panose="02040503050406030204" pitchFamily="18" charset="0"/>
-                                    </a:rPr>
-                                  </m:ctrlPr>
-                                </m:accPr>
-                                <m:e>
-                                  <m:r>
-                                    <a:rPr lang="fr-CA" b="0" i="1" smtClean="0">
-                                      <a:latin typeface="Cambria Math" panose="02040503050406030204" pitchFamily="18" charset="0"/>
-                                    </a:rPr>
-                                    <m:t>𝑟</m:t>
-                                  </m:r>
-                                </m:e>
-                              </m:acc>
-                              <m:r>
-                                <a:rPr lang="fr-CA" b="0" i="1" smtClean="0">
-                                  <a:latin typeface="Cambria Math" panose="02040503050406030204" pitchFamily="18" charset="0"/>
-                                </a:rPr>
-                                <m:t>−</m:t>
-                              </m:r>
-                              <m:r>
-                                <a:rPr lang="fr-CA" b="0" i="1" smtClean="0">
-                                  <a:latin typeface="Cambria Math" panose="02040503050406030204" pitchFamily="18" charset="0"/>
-                                  <a:ea typeface="Cambria Math" panose="02040503050406030204" pitchFamily="18" charset="0"/>
-                                </a:rPr>
-                                <m:t>𝜔</m:t>
-                              </m:r>
-                              <m:r>
-                                <a:rPr lang="fr-CA" b="0" i="1" smtClean="0">
-                                  <a:latin typeface="Cambria Math" panose="02040503050406030204" pitchFamily="18" charset="0"/>
-                                  <a:ea typeface="Cambria Math" panose="02040503050406030204" pitchFamily="18" charset="0"/>
-                                </a:rPr>
-                                <m:t>𝑡</m:t>
-                              </m:r>
-                              <m:r>
-                                <a:rPr lang="fr-CA" b="0" i="1" smtClean="0">
-                                  <a:latin typeface="Cambria Math" panose="02040503050406030204" pitchFamily="18" charset="0"/>
-                                  <a:ea typeface="Cambria Math" panose="02040503050406030204" pitchFamily="18" charset="0"/>
-                                </a:rPr>
-                                <m:t>)</m:t>
-                              </m:r>
-                            </m:sup>
-                          </m:sSup>
-                        </m:e>
-                      </m:nary>
-                    </m:oMath>
-                  </m:oMathPara>
-                </a14:m>
-                <a:endParaRPr lang="fr-CA" dirty="0"/>
-              </a:p>
-            </p:txBody>
-          </p:sp>
-        </mc:Choice>
-        <mc:Fallback xmlns="">
-          <p:sp>
-            <p:nvSpPr>
-              <p:cNvPr id="10" name="ZoneTexte 9">
-                <a:extLst>
-                  <a:ext uri="{FF2B5EF4-FFF2-40B4-BE49-F238E27FC236}">
-                    <a16:creationId xmlns:a16="http://schemas.microsoft.com/office/drawing/2014/main" id="{67E76AD1-3256-4D51-8DB3-937AAC43163C}"/>
-                  </a:ext>
-                </a:extLst>
-              </p:cNvPr>
-              <p:cNvSpPr txBox="1">
-                <a:spLocks noRot="1" noChangeAspect="1" noMove="1" noResize="1" noEditPoints="1" noAdjustHandles="1" noChangeArrowheads="1" noChangeShapeType="1" noTextEdit="1"/>
-              </p:cNvSpPr>
-              <p:nvPr/>
-            </p:nvSpPr>
-            <p:spPr>
-              <a:xfrm>
-                <a:off x="8936912" y="4665913"/>
-                <a:ext cx="2581091" cy="733534"/>
-              </a:xfrm>
-              <a:prstGeom prst="rect">
-                <a:avLst/>
-              </a:prstGeom>
-              <a:blipFill>
-                <a:blip r:embed="rId3"/>
-                <a:stretch>
-                  <a:fillRect/>
-                </a:stretch>
-              </a:blipFill>
-            </p:spPr>
-            <p:txBody>
-              <a:bodyPr/>
-              <a:lstStyle/>
-              <a:p>
-                <a:r>
-                  <a:rPr lang="fr-CA">
-                    <a:noFill/>
-                  </a:rPr>
-                  <a:t> </a:t>
-                </a:r>
-              </a:p>
-            </p:txBody>
-          </p:sp>
-        </mc:Fallback>
-      </mc:AlternateContent>
-      <mc:AlternateContent xmlns:mc="http://schemas.openxmlformats.org/markup-compatibility/2006" xmlns:a14="http://schemas.microsoft.com/office/drawing/2010/main">
-        <mc:Choice Requires="a14">
-          <p:sp>
-            <p:nvSpPr>
-              <p:cNvPr id="12" name="ZoneTexte 11">
-                <a:extLst>
-                  <a:ext uri="{FF2B5EF4-FFF2-40B4-BE49-F238E27FC236}">
-                    <a16:creationId xmlns:a16="http://schemas.microsoft.com/office/drawing/2014/main" id="{4334F313-CD67-4EDF-8B92-A3C7498320DA}"/>
-                  </a:ext>
-                </a:extLst>
-              </p:cNvPr>
-              <p:cNvSpPr txBox="1"/>
-              <p:nvPr/>
-            </p:nvSpPr>
-            <p:spPr>
-              <a:xfrm>
-                <a:off x="8197758" y="4198365"/>
-                <a:ext cx="3810146" cy="334515"/>
-              </a:xfrm>
-              <a:prstGeom prst="rect">
-                <a:avLst/>
-              </a:prstGeom>
-              <a:noFill/>
-            </p:spPr>
-            <p:txBody>
-              <a:bodyPr wrap="none" lIns="0" tIns="0" rIns="0" bIns="0" rtlCol="0">
-                <a:spAutoFit/>
-              </a:bodyPr>
-              <a:lstStyle/>
-              <a:p>
-                <a:pPr/>
-                <a14:m>
-                  <m:oMathPara xmlns:m="http://schemas.openxmlformats.org/officeDocument/2006/math">
-                    <m:oMathParaPr>
-                      <m:jc m:val="centerGroup"/>
-                    </m:oMathParaPr>
-                    <m:oMath xmlns:m="http://schemas.openxmlformats.org/officeDocument/2006/math">
-                      <m:sSup>
-                        <m:sSupPr>
-                          <m:ctrlPr>
-                            <a:rPr lang="fr-CA" i="1" smtClean="0">
-                              <a:latin typeface="Cambria Math" panose="02040503050406030204" pitchFamily="18" charset="0"/>
-                            </a:rPr>
-                          </m:ctrlPr>
-                        </m:sSupPr>
-                        <m:e>
-                          <m:r>
-                            <a:rPr lang="fr-CA" b="0" i="1" smtClean="0">
-                              <a:latin typeface="Cambria Math" panose="02040503050406030204" pitchFamily="18" charset="0"/>
-                            </a:rPr>
-                            <m:t>𝑒</m:t>
-                          </m:r>
-                        </m:e>
-                        <m:sup>
-                          <m:r>
-                            <a:rPr lang="fr-CA" b="0" i="1" smtClean="0">
-                              <a:latin typeface="Cambria Math" panose="02040503050406030204" pitchFamily="18" charset="0"/>
-                            </a:rPr>
-                            <m:t>𝑖</m:t>
-                          </m:r>
-                          <m:acc>
-                            <m:accPr>
-                              <m:chr m:val="⃗"/>
-                              <m:ctrlPr>
-                                <a:rPr lang="fr-CA" i="1">
-                                  <a:latin typeface="Cambria Math" panose="02040503050406030204" pitchFamily="18" charset="0"/>
-                                </a:rPr>
-                              </m:ctrlPr>
-                            </m:accPr>
-                            <m:e>
-                              <m:r>
-                                <a:rPr lang="fr-CA" i="1">
-                                  <a:latin typeface="Cambria Math" panose="02040503050406030204" pitchFamily="18" charset="0"/>
-                                </a:rPr>
-                                <m:t>𝑘</m:t>
-                              </m:r>
-                            </m:e>
-                          </m:acc>
-                          <m:r>
-                            <a:rPr lang="fr-CA" b="0" i="1" smtClean="0">
-                              <a:latin typeface="Cambria Math" panose="02040503050406030204" pitchFamily="18" charset="0"/>
-                            </a:rPr>
-                            <m:t>(</m:t>
-                          </m:r>
-                          <m:r>
-                            <m:rPr>
-                              <m:sty m:val="p"/>
-                            </m:rPr>
-                            <a:rPr lang="fr-CA" b="0" i="0" smtClean="0">
-                              <a:latin typeface="Cambria Math" panose="02040503050406030204" pitchFamily="18" charset="0"/>
-                            </a:rPr>
-                            <m:t>Re</m:t>
-                          </m:r>
-                          <m:d>
-                            <m:dPr>
-                              <m:ctrlPr>
-                                <a:rPr lang="fr-CA" b="0" i="1" smtClean="0">
-                                  <a:latin typeface="Cambria Math" panose="02040503050406030204" pitchFamily="18" charset="0"/>
-                                </a:rPr>
-                              </m:ctrlPr>
-                            </m:dPr>
-                            <m:e>
-                              <m:acc>
-                                <m:accPr>
-                                  <m:chr m:val="⃗"/>
-                                  <m:ctrlPr>
-                                    <a:rPr lang="fr-CA" i="1">
-                                      <a:latin typeface="Cambria Math" panose="02040503050406030204" pitchFamily="18" charset="0"/>
-                                    </a:rPr>
-                                  </m:ctrlPr>
-                                </m:accPr>
-                                <m:e>
-                                  <m:r>
-                                    <a:rPr lang="fr-CA" b="0" i="1" smtClean="0">
-                                      <a:latin typeface="Cambria Math" panose="02040503050406030204" pitchFamily="18" charset="0"/>
-                                    </a:rPr>
-                                    <m:t>𝑟</m:t>
-                                  </m:r>
-                                </m:e>
-                              </m:acc>
-                            </m:e>
-                          </m:d>
-                          <m:r>
-                            <a:rPr lang="fr-CA" b="0" i="1" smtClean="0">
-                              <a:latin typeface="Cambria Math" panose="02040503050406030204" pitchFamily="18" charset="0"/>
-                            </a:rPr>
-                            <m:t>+</m:t>
-                          </m:r>
-                          <m:r>
-                            <a:rPr lang="fr-CA" b="0" i="1" smtClean="0">
-                              <a:latin typeface="Cambria Math" panose="02040503050406030204" pitchFamily="18" charset="0"/>
-                            </a:rPr>
-                            <m:t>𝑖</m:t>
-                          </m:r>
-                          <m:r>
-                            <m:rPr>
-                              <m:sty m:val="p"/>
-                            </m:rPr>
-                            <a:rPr lang="fr-CA" b="0" i="0" smtClean="0">
-                              <a:latin typeface="Cambria Math" panose="02040503050406030204" pitchFamily="18" charset="0"/>
-                            </a:rPr>
-                            <m:t>Im</m:t>
-                          </m:r>
-                          <m:d>
-                            <m:dPr>
-                              <m:ctrlPr>
-                                <a:rPr lang="fr-CA" b="0" i="1" smtClean="0">
-                                  <a:latin typeface="Cambria Math" panose="02040503050406030204" pitchFamily="18" charset="0"/>
-                                </a:rPr>
-                              </m:ctrlPr>
-                            </m:dPr>
-                            <m:e>
-                              <m:acc>
-                                <m:accPr>
-                                  <m:chr m:val="⃗"/>
-                                  <m:ctrlPr>
-                                    <a:rPr lang="fr-CA" i="1" smtClean="0">
-                                      <a:latin typeface="Cambria Math" panose="02040503050406030204" pitchFamily="18" charset="0"/>
-                                    </a:rPr>
-                                  </m:ctrlPr>
-                                </m:accPr>
-                                <m:e>
-                                  <m:r>
-                                    <a:rPr lang="fr-CA" b="0" i="1" smtClean="0">
-                                      <a:latin typeface="Cambria Math" panose="02040503050406030204" pitchFamily="18" charset="0"/>
-                                    </a:rPr>
-                                    <m:t>𝑟</m:t>
-                                  </m:r>
-                                </m:e>
-                              </m:acc>
-                            </m:e>
-                          </m:d>
-                          <m:r>
-                            <a:rPr lang="fr-CA" b="0" i="1" smtClean="0">
-                              <a:latin typeface="Cambria Math" panose="02040503050406030204" pitchFamily="18" charset="0"/>
-                            </a:rPr>
-                            <m:t>)</m:t>
-                          </m:r>
-                        </m:sup>
-                      </m:sSup>
-                      <m:r>
-                        <a:rPr lang="fr-CA" b="0" i="1" smtClean="0">
-                          <a:latin typeface="Cambria Math" panose="02040503050406030204" pitchFamily="18" charset="0"/>
-                        </a:rPr>
-                        <m:t>=</m:t>
-                      </m:r>
-                      <m:sSup>
-                        <m:sSupPr>
-                          <m:ctrlPr>
-                            <a:rPr lang="fr-CA" i="1">
-                              <a:latin typeface="Cambria Math" panose="02040503050406030204" pitchFamily="18" charset="0"/>
-                            </a:rPr>
-                          </m:ctrlPr>
-                        </m:sSupPr>
-                        <m:e>
-                          <m:r>
-                            <a:rPr lang="fr-CA" i="1">
-                              <a:latin typeface="Cambria Math" panose="02040503050406030204" pitchFamily="18" charset="0"/>
-                            </a:rPr>
-                            <m:t>𝑒</m:t>
-                          </m:r>
-                        </m:e>
-                        <m:sup>
-                          <m:r>
-                            <a:rPr lang="fr-CA" i="1">
-                              <a:latin typeface="Cambria Math" panose="02040503050406030204" pitchFamily="18" charset="0"/>
-                            </a:rPr>
-                            <m:t>𝑖</m:t>
-                          </m:r>
-                          <m:acc>
-                            <m:accPr>
-                              <m:chr m:val="⃗"/>
-                              <m:ctrlPr>
-                                <a:rPr lang="fr-CA" i="1">
-                                  <a:latin typeface="Cambria Math" panose="02040503050406030204" pitchFamily="18" charset="0"/>
-                                </a:rPr>
-                              </m:ctrlPr>
-                            </m:accPr>
-                            <m:e>
-                              <m:r>
-                                <a:rPr lang="fr-CA" i="1">
-                                  <a:latin typeface="Cambria Math" panose="02040503050406030204" pitchFamily="18" charset="0"/>
-                                </a:rPr>
-                                <m:t>𝑘</m:t>
-                              </m:r>
-                            </m:e>
-                          </m:acc>
-                          <m:r>
-                            <m:rPr>
-                              <m:sty m:val="p"/>
-                            </m:rPr>
-                            <a:rPr lang="fr-CA">
-                              <a:latin typeface="Cambria Math" panose="02040503050406030204" pitchFamily="18" charset="0"/>
-                            </a:rPr>
-                            <m:t>Re</m:t>
-                          </m:r>
-                          <m:d>
-                            <m:dPr>
-                              <m:ctrlPr>
-                                <a:rPr lang="fr-CA" i="1">
-                                  <a:latin typeface="Cambria Math" panose="02040503050406030204" pitchFamily="18" charset="0"/>
-                                </a:rPr>
-                              </m:ctrlPr>
-                            </m:dPr>
-                            <m:e>
-                              <m:acc>
-                                <m:accPr>
-                                  <m:chr m:val="⃗"/>
-                                  <m:ctrlPr>
-                                    <a:rPr lang="fr-CA" i="1">
-                                      <a:latin typeface="Cambria Math" panose="02040503050406030204" pitchFamily="18" charset="0"/>
-                                    </a:rPr>
-                                  </m:ctrlPr>
-                                </m:accPr>
-                                <m:e>
-                                  <m:r>
-                                    <a:rPr lang="fr-CA" i="1">
-                                      <a:latin typeface="Cambria Math" panose="02040503050406030204" pitchFamily="18" charset="0"/>
-                                    </a:rPr>
-                                    <m:t>𝑟</m:t>
-                                  </m:r>
-                                </m:e>
-                              </m:acc>
-                            </m:e>
-                          </m:d>
-                        </m:sup>
-                      </m:sSup>
-                      <m:r>
-                        <a:rPr lang="fr-CA" b="0" i="1" smtClean="0">
-                          <a:latin typeface="Cambria Math" panose="02040503050406030204" pitchFamily="18" charset="0"/>
-                        </a:rPr>
-                        <m:t>+</m:t>
-                      </m:r>
-                      <m:sSup>
-                        <m:sSupPr>
-                          <m:ctrlPr>
-                            <a:rPr lang="fr-CA" i="1">
-                              <a:latin typeface="Cambria Math" panose="02040503050406030204" pitchFamily="18" charset="0"/>
-                            </a:rPr>
-                          </m:ctrlPr>
-                        </m:sSupPr>
-                        <m:e>
-                          <m:r>
-                            <a:rPr lang="fr-CA" i="1">
-                              <a:latin typeface="Cambria Math" panose="02040503050406030204" pitchFamily="18" charset="0"/>
-                            </a:rPr>
-                            <m:t>𝑒</m:t>
-                          </m:r>
-                        </m:e>
-                        <m:sup>
-                          <m:r>
-                            <a:rPr lang="fr-CA" b="0" i="1" smtClean="0">
-                              <a:latin typeface="Cambria Math" panose="02040503050406030204" pitchFamily="18" charset="0"/>
-                            </a:rPr>
-                            <m:t>−</m:t>
-                          </m:r>
-                          <m:acc>
-                            <m:accPr>
-                              <m:chr m:val="⃗"/>
-                              <m:ctrlPr>
-                                <a:rPr lang="fr-CA" i="1">
-                                  <a:latin typeface="Cambria Math" panose="02040503050406030204" pitchFamily="18" charset="0"/>
-                                </a:rPr>
-                              </m:ctrlPr>
-                            </m:accPr>
-                            <m:e>
-                              <m:r>
-                                <a:rPr lang="fr-CA" i="1">
-                                  <a:latin typeface="Cambria Math" panose="02040503050406030204" pitchFamily="18" charset="0"/>
-                                </a:rPr>
-                                <m:t>𝑘</m:t>
-                              </m:r>
-                            </m:e>
-                          </m:acc>
-                          <m:r>
-                            <m:rPr>
-                              <m:sty m:val="p"/>
-                            </m:rPr>
-                            <a:rPr lang="fr-CA">
-                              <a:latin typeface="Cambria Math" panose="02040503050406030204" pitchFamily="18" charset="0"/>
-                            </a:rPr>
-                            <m:t>Im</m:t>
-                          </m:r>
-                          <m:d>
-                            <m:dPr>
-                              <m:ctrlPr>
-                                <a:rPr lang="fr-CA" i="1">
-                                  <a:latin typeface="Cambria Math" panose="02040503050406030204" pitchFamily="18" charset="0"/>
-                                </a:rPr>
-                              </m:ctrlPr>
-                            </m:dPr>
-                            <m:e>
-                              <m:acc>
-                                <m:accPr>
-                                  <m:chr m:val="⃗"/>
-                                  <m:ctrlPr>
-                                    <a:rPr lang="fr-CA" i="1">
-                                      <a:latin typeface="Cambria Math" panose="02040503050406030204" pitchFamily="18" charset="0"/>
-                                    </a:rPr>
-                                  </m:ctrlPr>
-                                </m:accPr>
-                                <m:e>
-                                  <m:r>
-                                    <a:rPr lang="fr-CA" i="1">
-                                      <a:latin typeface="Cambria Math" panose="02040503050406030204" pitchFamily="18" charset="0"/>
-                                    </a:rPr>
-                                    <m:t>𝑟</m:t>
-                                  </m:r>
-                                </m:e>
-                              </m:acc>
-                            </m:e>
-                          </m:d>
-                          <m:r>
-                            <a:rPr lang="fr-CA" i="1">
-                              <a:latin typeface="Cambria Math" panose="02040503050406030204" pitchFamily="18" charset="0"/>
-                            </a:rPr>
-                            <m:t>)</m:t>
-                          </m:r>
-                        </m:sup>
-                      </m:sSup>
-                    </m:oMath>
-                  </m:oMathPara>
-                </a14:m>
-                <a:endParaRPr lang="fr-CA" dirty="0"/>
-              </a:p>
-            </p:txBody>
-          </p:sp>
-        </mc:Choice>
-        <mc:Fallback xmlns="">
-          <p:sp>
-            <p:nvSpPr>
-              <p:cNvPr id="12" name="ZoneTexte 11">
-                <a:extLst>
-                  <a:ext uri="{FF2B5EF4-FFF2-40B4-BE49-F238E27FC236}">
-                    <a16:creationId xmlns:a16="http://schemas.microsoft.com/office/drawing/2014/main" id="{4334F313-CD67-4EDF-8B92-A3C7498320DA}"/>
-                  </a:ext>
-                </a:extLst>
-              </p:cNvPr>
-              <p:cNvSpPr txBox="1">
-                <a:spLocks noRot="1" noChangeAspect="1" noMove="1" noResize="1" noEditPoints="1" noAdjustHandles="1" noChangeArrowheads="1" noChangeShapeType="1" noTextEdit="1"/>
-              </p:cNvSpPr>
-              <p:nvPr/>
-            </p:nvSpPr>
-            <p:spPr>
-              <a:xfrm>
-                <a:off x="8197758" y="4198365"/>
-                <a:ext cx="3810146" cy="334515"/>
-              </a:xfrm>
-              <a:prstGeom prst="rect">
-                <a:avLst/>
-              </a:prstGeom>
-              <a:blipFill>
-                <a:blip r:embed="rId4"/>
-                <a:stretch>
-                  <a:fillRect l="-160" t="-16364" r="-2400" b="-7273"/>
-                </a:stretch>
-              </a:blipFill>
-            </p:spPr>
-            <p:txBody>
-              <a:bodyPr/>
-              <a:lstStyle/>
-              <a:p>
-                <a:r>
-                  <a:rPr lang="fr-CA">
-                    <a:noFill/>
-                  </a:rPr>
-                  <a:t> </a:t>
-                </a:r>
-              </a:p>
-            </p:txBody>
-          </p:sp>
-        </mc:Fallback>
-      </mc:AlternateContent>
       <p:grpSp>
         <p:nvGrpSpPr>
           <p:cNvPr id="19" name="Groupe 18">
@@ -24708,57 +25102,6 @@
           </mc:Fallback>
         </mc:AlternateContent>
       </p:grpSp>
-      <p:sp>
-        <p:nvSpPr>
-          <p:cNvPr id="21" name="Signe de multiplication 20">
-            <a:extLst>
-              <a:ext uri="{FF2B5EF4-FFF2-40B4-BE49-F238E27FC236}">
-                <a16:creationId xmlns:a16="http://schemas.microsoft.com/office/drawing/2014/main" id="{C1036B8C-A294-40CB-AFC9-AF3B69AF925C}"/>
-              </a:ext>
-            </a:extLst>
-          </p:cNvPr>
-          <p:cNvSpPr/>
-          <p:nvPr/>
-        </p:nvSpPr>
-        <p:spPr>
-          <a:xfrm>
-            <a:off x="8253686" y="3292307"/>
-            <a:ext cx="3728124" cy="3013666"/>
-          </a:xfrm>
-          <a:prstGeom prst="mathMultiply">
-            <a:avLst>
-              <a:gd name="adj1" fmla="val 5729"/>
-            </a:avLst>
-          </a:prstGeom>
-          <a:solidFill>
-            <a:srgbClr val="FF0000"/>
-          </a:solidFill>
-        </p:spPr>
-        <p:style>
-          <a:lnRef idx="2">
-            <a:schemeClr val="accent1">
-              <a:shade val="50000"/>
-            </a:schemeClr>
-          </a:lnRef>
-          <a:fillRef idx="1">
-            <a:schemeClr val="accent1"/>
-          </a:fillRef>
-          <a:effectRef idx="0">
-            <a:schemeClr val="accent1"/>
-          </a:effectRef>
-          <a:fontRef idx="minor">
-            <a:schemeClr val="lt1"/>
-          </a:fontRef>
-        </p:style>
-        <p:txBody>
-          <a:bodyPr rtlCol="0" anchor="ctr"/>
-          <a:lstStyle/>
-          <a:p>
-            <a:pPr algn="ctr"/>
-            <a:endParaRPr lang="fr-CA"/>
-          </a:p>
-        </p:txBody>
-      </p:sp>
     </p:spTree>
     <p:extLst>
       <p:ext uri="{BB962C8B-B14F-4D97-AF65-F5344CB8AC3E}">
@@ -24772,7 +25115,7 @@
 </p:sld>
 </file>
 
-<file path=ppt/slides/slide7.xml><?xml version="1.0" encoding="utf-8"?>
+<file path=ppt/slides/slide8.xml><?xml version="1.0" encoding="utf-8"?>
 <p:sld xmlns:a="http://schemas.openxmlformats.org/drawingml/2006/main" xmlns:r="http://schemas.openxmlformats.org/officeDocument/2006/relationships" xmlns:p="http://schemas.openxmlformats.org/presentationml/2006/main">
   <p:cSld>
     <p:spTree>
@@ -25161,7 +25504,7 @@
 </p:sld>
 </file>
 
-<file path=ppt/slides/slide8.xml><?xml version="1.0" encoding="utf-8"?>
+<file path=ppt/slides/slide9.xml><?xml version="1.0" encoding="utf-8"?>
 <p:sld xmlns:a="http://schemas.openxmlformats.org/drawingml/2006/main" xmlns:r="http://schemas.openxmlformats.org/officeDocument/2006/relationships" xmlns:p="http://schemas.openxmlformats.org/presentationml/2006/main">
   <p:cSld>
     <p:spTree>
@@ -27720,7 +28063,7 @@
                   </a:schemeClr>
                 </a:solidFill>
               </a:rPr>
-              <a:t>Tableau 1 : Paramètres physiques et géométriques de la situation [3],[4],[5],[6],[7],[8]. </a:t>
+              <a:t>Tableau 2 : Paramètres physiques et géométriques de la situation [3],[4],[5],[6],[7],[8]. </a:t>
             </a:r>
           </a:p>
         </p:txBody>
@@ -27729,353 +28072,6 @@
     <p:extLst>
       <p:ext uri="{BB962C8B-B14F-4D97-AF65-F5344CB8AC3E}">
         <p14:creationId xmlns:p14="http://schemas.microsoft.com/office/powerpoint/2010/main" val="119408779"/>
-      </p:ext>
-    </p:extLst>
-  </p:cSld>
-  <p:clrMapOvr>
-    <a:masterClrMapping/>
-  </p:clrMapOvr>
-</p:sld>
-</file>
-
-<file path=ppt/slides/slide9.xml><?xml version="1.0" encoding="utf-8"?>
-<p:sld xmlns:a="http://schemas.openxmlformats.org/drawingml/2006/main" xmlns:r="http://schemas.openxmlformats.org/officeDocument/2006/relationships" xmlns:p="http://schemas.openxmlformats.org/presentationml/2006/main">
-  <p:cSld>
-    <p:spTree>
-      <p:nvGrpSpPr>
-        <p:cNvPr id="1" name=""/>
-        <p:cNvGrpSpPr/>
-        <p:nvPr/>
-      </p:nvGrpSpPr>
-      <p:grpSpPr>
-        <a:xfrm>
-          <a:off x="0" y="0"/>
-          <a:ext cx="0" cy="0"/>
-          <a:chOff x="0" y="0"/>
-          <a:chExt cx="0" cy="0"/>
-        </a:xfrm>
-      </p:grpSpPr>
-      <p:sp>
-        <p:nvSpPr>
-          <p:cNvPr id="2" name="Titre 1">
-            <a:extLst>
-              <a:ext uri="{FF2B5EF4-FFF2-40B4-BE49-F238E27FC236}">
-                <a16:creationId xmlns:a16="http://schemas.microsoft.com/office/drawing/2014/main" id="{03EE799C-7398-441E-956D-60778EB6ADFB}"/>
-              </a:ext>
-            </a:extLst>
-          </p:cNvPr>
-          <p:cNvSpPr txBox="1">
-            <a:spLocks/>
-          </p:cNvSpPr>
-          <p:nvPr/>
-        </p:nvSpPr>
-        <p:spPr>
-          <a:xfrm>
-            <a:off x="455643" y="510175"/>
-            <a:ext cx="9015528" cy="739786"/>
-          </a:xfrm>
-          <a:prstGeom prst="rect">
-            <a:avLst/>
-          </a:prstGeom>
-        </p:spPr>
-        <p:txBody>
-          <a:bodyPr/>
-          <a:lstStyle>
-            <a:lvl1pPr algn="l" defTabSz="457200" rtl="0" eaLnBrk="1" latinLnBrk="0" hangingPunct="1">
-              <a:spcBef>
-                <a:spcPct val="0"/>
-              </a:spcBef>
-              <a:buNone/>
-              <a:defRPr sz="3600" kern="1200">
-                <a:solidFill>
-                  <a:schemeClr val="accent1"/>
-                </a:solidFill>
-                <a:latin typeface="+mj-lt"/>
-                <a:ea typeface="+mj-ea"/>
-                <a:cs typeface="+mj-cs"/>
-              </a:defRPr>
-            </a:lvl1pPr>
-            <a:lvl2pPr eaLnBrk="1" hangingPunct="1">
-              <a:defRPr>
-                <a:solidFill>
-                  <a:schemeClr val="tx2"/>
-                </a:solidFill>
-              </a:defRPr>
-            </a:lvl2pPr>
-            <a:lvl3pPr eaLnBrk="1" hangingPunct="1">
-              <a:defRPr>
-                <a:solidFill>
-                  <a:schemeClr val="tx2"/>
-                </a:solidFill>
-              </a:defRPr>
-            </a:lvl3pPr>
-            <a:lvl4pPr eaLnBrk="1" hangingPunct="1">
-              <a:defRPr>
-                <a:solidFill>
-                  <a:schemeClr val="tx2"/>
-                </a:solidFill>
-              </a:defRPr>
-            </a:lvl4pPr>
-            <a:lvl5pPr eaLnBrk="1" hangingPunct="1">
-              <a:defRPr>
-                <a:solidFill>
-                  <a:schemeClr val="tx2"/>
-                </a:solidFill>
-              </a:defRPr>
-            </a:lvl5pPr>
-            <a:lvl6pPr eaLnBrk="1" hangingPunct="1">
-              <a:defRPr>
-                <a:solidFill>
-                  <a:schemeClr val="tx2"/>
-                </a:solidFill>
-              </a:defRPr>
-            </a:lvl6pPr>
-            <a:lvl7pPr eaLnBrk="1" hangingPunct="1">
-              <a:defRPr>
-                <a:solidFill>
-                  <a:schemeClr val="tx2"/>
-                </a:solidFill>
-              </a:defRPr>
-            </a:lvl7pPr>
-            <a:lvl8pPr eaLnBrk="1" hangingPunct="1">
-              <a:defRPr>
-                <a:solidFill>
-                  <a:schemeClr val="tx2"/>
-                </a:solidFill>
-              </a:defRPr>
-            </a:lvl8pPr>
-            <a:lvl9pPr eaLnBrk="1" hangingPunct="1">
-              <a:defRPr>
-                <a:solidFill>
-                  <a:schemeClr val="tx2"/>
-                </a:solidFill>
-              </a:defRPr>
-            </a:lvl9pPr>
-          </a:lstStyle>
-          <a:p>
-            <a:r>
-              <a:rPr lang="fr-CA" dirty="0">
-                <a:solidFill>
-                  <a:srgbClr val="286D9F"/>
-                </a:solidFill>
-              </a:rPr>
-              <a:t>Fonctionnement de la méthode numérique</a:t>
-            </a:r>
-          </a:p>
-        </p:txBody>
-      </p:sp>
-      <p:sp>
-        <p:nvSpPr>
-          <p:cNvPr id="3" name="Rectangle 2">
-            <a:extLst>
-              <a:ext uri="{FF2B5EF4-FFF2-40B4-BE49-F238E27FC236}">
-                <a16:creationId xmlns:a16="http://schemas.microsoft.com/office/drawing/2014/main" id="{BA0A46BD-0FD2-481A-AB72-F6E2A27E0618}"/>
-              </a:ext>
-            </a:extLst>
-          </p:cNvPr>
-          <p:cNvSpPr/>
-          <p:nvPr/>
-        </p:nvSpPr>
-        <p:spPr>
-          <a:xfrm>
-            <a:off x="6188279" y="-436226"/>
-            <a:ext cx="6096000" cy="1754326"/>
-          </a:xfrm>
-          <a:prstGeom prst="rect">
-            <a:avLst/>
-          </a:prstGeom>
-        </p:spPr>
-        <p:txBody>
-          <a:bodyPr>
-            <a:spAutoFit/>
-          </a:bodyPr>
-          <a:lstStyle/>
-          <a:p>
-            <a:r>
-              <a:rPr lang="fr-FR" dirty="0"/>
-              <a:t>Étapes et fonctionnement de la méthode numérique, en incluant les équations discrétisées telles que vous les avez programmées (ex : discrétisation d’une équation différentielle, condition initiale, conditions aux frontières, calcul de l’énergie d’un système, génération de nombres aléatoires, etc.) </a:t>
-            </a:r>
-            <a:endParaRPr lang="fr-CA" dirty="0"/>
-          </a:p>
-        </p:txBody>
-      </p:sp>
-      <p:sp>
-        <p:nvSpPr>
-          <p:cNvPr id="4" name="ZoneTexte 3">
-            <a:extLst>
-              <a:ext uri="{FF2B5EF4-FFF2-40B4-BE49-F238E27FC236}">
-                <a16:creationId xmlns:a16="http://schemas.microsoft.com/office/drawing/2014/main" id="{E6A8A025-D423-4A49-BA37-79DF0E490258}"/>
-              </a:ext>
-            </a:extLst>
-          </p:cNvPr>
-          <p:cNvSpPr txBox="1"/>
-          <p:nvPr/>
-        </p:nvSpPr>
-        <p:spPr>
-          <a:xfrm>
-            <a:off x="360727" y="1249961"/>
-            <a:ext cx="7004807" cy="1323439"/>
-          </a:xfrm>
-          <a:prstGeom prst="rect">
-            <a:avLst/>
-          </a:prstGeom>
-          <a:noFill/>
-        </p:spPr>
-        <p:txBody>
-          <a:bodyPr wrap="square" rtlCol="0">
-            <a:spAutoFit/>
-          </a:bodyPr>
-          <a:lstStyle/>
-          <a:p>
-            <a:r>
-              <a:rPr lang="fr-FR" sz="1600" dirty="0"/>
-              <a:t>Les points de la grille physique (fig.6) sont séparées en situation :</a:t>
-            </a:r>
-          </a:p>
-          <a:p>
-            <a:pPr marL="285750" indent="-285750">
-              <a:buFont typeface="Arial" panose="020B0604020202020204" pitchFamily="34" charset="0"/>
-              <a:buChar char="•"/>
-            </a:pPr>
-            <a:r>
-              <a:rPr lang="fr-FR" sz="1600" dirty="0"/>
-              <a:t>Les points 0 : Frontière finale.</a:t>
-            </a:r>
-          </a:p>
-          <a:p>
-            <a:pPr marL="285750" indent="-285750">
-              <a:buFont typeface="Arial" panose="020B0604020202020204" pitchFamily="34" charset="0"/>
-              <a:buChar char="•"/>
-            </a:pPr>
-            <a:r>
-              <a:rPr lang="fr-FR" sz="1600" dirty="0"/>
-              <a:t>Les points 1 et 2 : Milieu homogène. 1=eau, 2=bois.</a:t>
-            </a:r>
-          </a:p>
-          <a:p>
-            <a:pPr marL="285750" indent="-285750">
-              <a:buFont typeface="Arial" panose="020B0604020202020204" pitchFamily="34" charset="0"/>
-              <a:buChar char="•"/>
-            </a:pPr>
-            <a:r>
-              <a:rPr lang="fr-FR" sz="1600" dirty="0"/>
-              <a:t>Les points 3 à 13 : Conditions frontières du bateau.</a:t>
-            </a:r>
-          </a:p>
-          <a:p>
-            <a:pPr marL="285750" indent="-285750">
-              <a:buFont typeface="Arial" panose="020B0604020202020204" pitchFamily="34" charset="0"/>
-              <a:buChar char="•"/>
-            </a:pPr>
-            <a:r>
-              <a:rPr lang="fr-FR" sz="1600" dirty="0"/>
-              <a:t>Les points 14 à 21 : Couches absorbantes entourant la simulation</a:t>
-            </a:r>
-            <a:endParaRPr lang="fr-CA" sz="1600" dirty="0"/>
-          </a:p>
-        </p:txBody>
-      </p:sp>
-      <p:grpSp>
-        <p:nvGrpSpPr>
-          <p:cNvPr id="9" name="Groupe 8">
-            <a:extLst>
-              <a:ext uri="{FF2B5EF4-FFF2-40B4-BE49-F238E27FC236}">
-                <a16:creationId xmlns:a16="http://schemas.microsoft.com/office/drawing/2014/main" id="{41AE47AF-A067-4B61-908C-D125BFA4316A}"/>
-              </a:ext>
-            </a:extLst>
-          </p:cNvPr>
-          <p:cNvGrpSpPr/>
-          <p:nvPr/>
-        </p:nvGrpSpPr>
-        <p:grpSpPr>
-          <a:xfrm>
-            <a:off x="3257623" y="2692839"/>
-            <a:ext cx="4177994" cy="4090645"/>
-            <a:chOff x="1293258" y="2482995"/>
-            <a:chExt cx="4626078" cy="4529361"/>
-          </a:xfrm>
-          <a:solidFill>
-            <a:schemeClr val="bg1"/>
-          </a:solidFill>
-        </p:grpSpPr>
-        <p:pic>
-          <p:nvPicPr>
-            <p:cNvPr id="7" name="Image 6">
-              <a:extLst>
-                <a:ext uri="{FF2B5EF4-FFF2-40B4-BE49-F238E27FC236}">
-                  <a16:creationId xmlns:a16="http://schemas.microsoft.com/office/drawing/2014/main" id="{B8D17851-6BAC-4BFC-B1E3-91885B22C6FF}"/>
-                </a:ext>
-              </a:extLst>
-            </p:cNvPr>
-            <p:cNvPicPr>
-              <a:picLocks noChangeAspect="1"/>
-            </p:cNvPicPr>
-            <p:nvPr/>
-          </p:nvPicPr>
-          <p:blipFill>
-            <a:blip r:embed="rId2"/>
-            <a:stretch>
-              <a:fillRect/>
-            </a:stretch>
-          </p:blipFill>
-          <p:spPr>
-            <a:xfrm>
-              <a:off x="1373858" y="2482995"/>
-              <a:ext cx="4464879" cy="3864830"/>
-            </a:xfrm>
-            <a:prstGeom prst="rect">
-              <a:avLst/>
-            </a:prstGeom>
-            <a:grpFill/>
-          </p:spPr>
-        </p:pic>
-        <p:sp>
-          <p:nvSpPr>
-            <p:cNvPr id="8" name="ZoneTexte 7">
-              <a:extLst>
-                <a:ext uri="{FF2B5EF4-FFF2-40B4-BE49-F238E27FC236}">
-                  <a16:creationId xmlns:a16="http://schemas.microsoft.com/office/drawing/2014/main" id="{604CFB8A-3163-4D18-A566-E6096A90E9EB}"/>
-                </a:ext>
-              </a:extLst>
-            </p:cNvPr>
-            <p:cNvSpPr txBox="1"/>
-            <p:nvPr/>
-          </p:nvSpPr>
-          <p:spPr>
-            <a:xfrm>
-              <a:off x="1293258" y="6347825"/>
-              <a:ext cx="4626078" cy="664531"/>
-            </a:xfrm>
-            <a:prstGeom prst="rect">
-              <a:avLst/>
-            </a:prstGeom>
-            <a:grpFill/>
-          </p:spPr>
-          <p:txBody>
-            <a:bodyPr wrap="square" rtlCol="0">
-              <a:spAutoFit/>
-            </a:bodyPr>
-            <a:lstStyle/>
-            <a:p>
-              <a:r>
-                <a:rPr lang="fr-CA" sz="1100" dirty="0">
-                  <a:solidFill>
-                    <a:schemeClr val="tx1">
-                      <a:lumMod val="85000"/>
-                      <a:lumOff val="15000"/>
-                    </a:schemeClr>
-                  </a:solidFill>
-                </a:rPr>
-                <a:t>Figure 6 : Les situations pour chaque points, où A est le bateau sans pointe, B avec une pointe circulaire et C une pointe triangulaire</a:t>
-              </a:r>
-            </a:p>
-          </p:txBody>
-        </p:sp>
-      </p:grpSp>
-    </p:spTree>
-    <p:extLst>
-      <p:ext uri="{BB962C8B-B14F-4D97-AF65-F5344CB8AC3E}">
-        <p14:creationId xmlns:p14="http://schemas.microsoft.com/office/powerpoint/2010/main" val="1646786163"/>
       </p:ext>
     </p:extLst>
   </p:cSld>
